--- a/adjuvants.pptx
+++ b/adjuvants.pptx
@@ -5,55 +5,62 @@
     <p:sldMasterId id="2147483648" r:id="rId1"/>
   </p:sldMasterIdLst>
   <p:notesMasterIdLst>
-    <p:notesMasterId r:id="rId48"/>
+    <p:notesMasterId r:id="rId55"/>
   </p:notesMasterIdLst>
   <p:sldIdLst>
     <p:sldId id="256" r:id="rId2"/>
-    <p:sldId id="257" r:id="rId3"/>
-    <p:sldId id="258" r:id="rId4"/>
-    <p:sldId id="259" r:id="rId5"/>
-    <p:sldId id="260" r:id="rId6"/>
-    <p:sldId id="261" r:id="rId7"/>
-    <p:sldId id="262" r:id="rId8"/>
-    <p:sldId id="263" r:id="rId9"/>
-    <p:sldId id="264" r:id="rId10"/>
-    <p:sldId id="265" r:id="rId11"/>
-    <p:sldId id="266" r:id="rId12"/>
-    <p:sldId id="267" r:id="rId13"/>
-    <p:sldId id="268" r:id="rId14"/>
-    <p:sldId id="278" r:id="rId15"/>
-    <p:sldId id="279" r:id="rId16"/>
-    <p:sldId id="274" r:id="rId17"/>
-    <p:sldId id="275" r:id="rId18"/>
-    <p:sldId id="276" r:id="rId19"/>
-    <p:sldId id="277" r:id="rId20"/>
-    <p:sldId id="280" r:id="rId21"/>
-    <p:sldId id="281" r:id="rId22"/>
-    <p:sldId id="282" r:id="rId23"/>
-    <p:sldId id="283" r:id="rId24"/>
-    <p:sldId id="284" r:id="rId25"/>
-    <p:sldId id="285" r:id="rId26"/>
-    <p:sldId id="286" r:id="rId27"/>
-    <p:sldId id="287" r:id="rId28"/>
-    <p:sldId id="288" r:id="rId29"/>
-    <p:sldId id="289" r:id="rId30"/>
-    <p:sldId id="290" r:id="rId31"/>
-    <p:sldId id="291" r:id="rId32"/>
-    <p:sldId id="292" r:id="rId33"/>
-    <p:sldId id="293" r:id="rId34"/>
-    <p:sldId id="294" r:id="rId35"/>
-    <p:sldId id="295" r:id="rId36"/>
-    <p:sldId id="296" r:id="rId37"/>
-    <p:sldId id="297" r:id="rId38"/>
-    <p:sldId id="298" r:id="rId39"/>
-    <p:sldId id="299" r:id="rId40"/>
-    <p:sldId id="300" r:id="rId41"/>
-    <p:sldId id="301" r:id="rId42"/>
-    <p:sldId id="302" r:id="rId43"/>
-    <p:sldId id="303" r:id="rId44"/>
-    <p:sldId id="306" r:id="rId45"/>
-    <p:sldId id="304" r:id="rId46"/>
-    <p:sldId id="305" r:id="rId47"/>
+    <p:sldId id="308" r:id="rId3"/>
+    <p:sldId id="310" r:id="rId4"/>
+    <p:sldId id="257" r:id="rId5"/>
+    <p:sldId id="258" r:id="rId6"/>
+    <p:sldId id="259" r:id="rId7"/>
+    <p:sldId id="260" r:id="rId8"/>
+    <p:sldId id="261" r:id="rId9"/>
+    <p:sldId id="262" r:id="rId10"/>
+    <p:sldId id="263" r:id="rId11"/>
+    <p:sldId id="264" r:id="rId12"/>
+    <p:sldId id="265" r:id="rId13"/>
+    <p:sldId id="266" r:id="rId14"/>
+    <p:sldId id="267" r:id="rId15"/>
+    <p:sldId id="268" r:id="rId16"/>
+    <p:sldId id="278" r:id="rId17"/>
+    <p:sldId id="279" r:id="rId18"/>
+    <p:sldId id="274" r:id="rId19"/>
+    <p:sldId id="275" r:id="rId20"/>
+    <p:sldId id="276" r:id="rId21"/>
+    <p:sldId id="311" r:id="rId22"/>
+    <p:sldId id="277" r:id="rId23"/>
+    <p:sldId id="280" r:id="rId24"/>
+    <p:sldId id="281" r:id="rId25"/>
+    <p:sldId id="282" r:id="rId26"/>
+    <p:sldId id="283" r:id="rId27"/>
+    <p:sldId id="284" r:id="rId28"/>
+    <p:sldId id="285" r:id="rId29"/>
+    <p:sldId id="286" r:id="rId30"/>
+    <p:sldId id="287" r:id="rId31"/>
+    <p:sldId id="288" r:id="rId32"/>
+    <p:sldId id="312" r:id="rId33"/>
+    <p:sldId id="289" r:id="rId34"/>
+    <p:sldId id="290" r:id="rId35"/>
+    <p:sldId id="291" r:id="rId36"/>
+    <p:sldId id="292" r:id="rId37"/>
+    <p:sldId id="293" r:id="rId38"/>
+    <p:sldId id="313" r:id="rId39"/>
+    <p:sldId id="294" r:id="rId40"/>
+    <p:sldId id="295" r:id="rId41"/>
+    <p:sldId id="296" r:id="rId42"/>
+    <p:sldId id="297" r:id="rId43"/>
+    <p:sldId id="298" r:id="rId44"/>
+    <p:sldId id="314" r:id="rId45"/>
+    <p:sldId id="299" r:id="rId46"/>
+    <p:sldId id="300" r:id="rId47"/>
+    <p:sldId id="301" r:id="rId48"/>
+    <p:sldId id="302" r:id="rId49"/>
+    <p:sldId id="303" r:id="rId50"/>
+    <p:sldId id="306" r:id="rId51"/>
+    <p:sldId id="304" r:id="rId52"/>
+    <p:sldId id="305" r:id="rId53"/>
+    <p:sldId id="315" r:id="rId54"/>
   </p:sldIdLst>
   <p:sldSz cx="12192000" cy="6858000"/>
   <p:notesSz cx="6858000" cy="9144000"/>
@@ -160,8 +167,14 @@
             <p14:sldId id="256"/>
           </p14:sldIdLst>
         </p14:section>
+        <p14:section name="Summary Section" id="{DF6CEFD0-B403-47E1-B00D-AC9803738DB6}">
+          <p14:sldIdLst>
+            <p14:sldId id="308"/>
+          </p14:sldIdLst>
+        </p14:section>
         <p14:section name="adjuváns választás alapjai" id="{5A3B203A-878F-4E2C-ACFA-ABF14BA14B0F}">
           <p14:sldIdLst>
+            <p14:sldId id="310"/>
             <p14:sldId id="257"/>
             <p14:sldId id="258"/>
             <p14:sldId id="259"/>
@@ -183,6 +196,7 @@
         </p14:section>
         <p14:section name="Dinamika" id="{94442C10-4974-4EFF-B550-C54433F27F62}">
           <p14:sldIdLst>
+            <p14:sldId id="311"/>
             <p14:sldId id="277"/>
             <p14:sldId id="280"/>
             <p14:sldId id="281"/>
@@ -197,6 +211,7 @@
         </p14:section>
         <p14:section name="Töménység" id="{82C87451-ED3F-4A5F-9E2F-714253B08957}">
           <p14:sldIdLst>
+            <p14:sldId id="312"/>
             <p14:sldId id="289"/>
             <p14:sldId id="290"/>
             <p14:sldId id="291"/>
@@ -206,6 +221,7 @@
         </p14:section>
         <p14:section name="Kölcsönhatások a határfelületen" id="{A1A9C359-E05D-4E23-99DB-1A0E757D3DF6}">
           <p14:sldIdLst>
+            <p14:sldId id="313"/>
             <p14:sldId id="294"/>
             <p14:sldId id="295"/>
             <p14:sldId id="296"/>
@@ -215,6 +231,7 @@
         </p14:section>
         <p14:section name="Cseppképzés és Adhézió" id="{9264A050-7501-44C6-B339-B2F45C8018BE}">
           <p14:sldIdLst>
+            <p14:sldId id="314"/>
             <p14:sldId id="299"/>
             <p14:sldId id="300"/>
             <p14:sldId id="301"/>
@@ -223,6 +240,11 @@
             <p14:sldId id="306"/>
             <p14:sldId id="304"/>
             <p14:sldId id="305"/>
+          </p14:sldIdLst>
+        </p14:section>
+        <p14:section name="adjuváns példák" id="{6F23ED25-C0F5-48E7-A693-74F6B9140F28}">
+          <p14:sldIdLst>
+            <p14:sldId id="315"/>
           </p14:sldIdLst>
         </p14:section>
       </p14:sectionLst>
@@ -682,7 +704,7 @@
           <a:p>
             <a:fld id="{38E7A12A-EB9D-4E5F-B77B-601BCBADE65A}" type="slidenum">
               <a:rPr lang="hu-HU" smtClean="0"/>
-              <a:t>2</a:t>
+              <a:t>4</a:t>
             </a:fld>
             <a:endParaRPr lang="hu-HU"/>
           </a:p>
@@ -778,7 +800,7 @@
           <a:p>
             <a:fld id="{38E7A12A-EB9D-4E5F-B77B-601BCBADE65A}" type="slidenum">
               <a:rPr lang="hu-HU" smtClean="0"/>
-              <a:t>14</a:t>
+              <a:t>16</a:t>
             </a:fld>
             <a:endParaRPr lang="hu-HU"/>
           </a:p>
@@ -925,7 +947,7 @@
           <a:p>
             <a:fld id="{38E7A12A-EB9D-4E5F-B77B-601BCBADE65A}" type="slidenum">
               <a:rPr lang="hu-HU" smtClean="0"/>
-              <a:t>15</a:t>
+              <a:t>17</a:t>
             </a:fld>
             <a:endParaRPr lang="hu-HU"/>
           </a:p>
@@ -1080,7 +1102,7 @@
           <a:p>
             <a:fld id="{38E7A12A-EB9D-4E5F-B77B-601BCBADE65A}" type="slidenum">
               <a:rPr lang="hu-HU" smtClean="0"/>
-              <a:t>16</a:t>
+              <a:t>18</a:t>
             </a:fld>
             <a:endParaRPr lang="hu-HU"/>
           </a:p>
@@ -1225,7 +1247,7 @@
           <a:p>
             <a:fld id="{38E7A12A-EB9D-4E5F-B77B-601BCBADE65A}" type="slidenum">
               <a:rPr lang="hu-HU" smtClean="0"/>
-              <a:t>17</a:t>
+              <a:t>19</a:t>
             </a:fld>
             <a:endParaRPr lang="hu-HU"/>
           </a:p>
@@ -1396,7 +1418,7 @@
           <a:p>
             <a:fld id="{38E7A12A-EB9D-4E5F-B77B-601BCBADE65A}" type="slidenum">
               <a:rPr lang="hu-HU" smtClean="0"/>
-              <a:t>19</a:t>
+              <a:t>22</a:t>
             </a:fld>
             <a:endParaRPr lang="hu-HU"/>
           </a:p>
@@ -1557,7 +1579,7 @@
           <a:p>
             <a:fld id="{38E7A12A-EB9D-4E5F-B77B-601BCBADE65A}" type="slidenum">
               <a:rPr lang="hu-HU" smtClean="0"/>
-              <a:t>20</a:t>
+              <a:t>23</a:t>
             </a:fld>
             <a:endParaRPr lang="hu-HU"/>
           </a:p>
@@ -1742,7 +1764,7 @@
           <a:p>
             <a:fld id="{38E7A12A-EB9D-4E5F-B77B-601BCBADE65A}" type="slidenum">
               <a:rPr lang="hu-HU" smtClean="0"/>
-              <a:t>21</a:t>
+              <a:t>24</a:t>
             </a:fld>
             <a:endParaRPr lang="hu-HU"/>
           </a:p>
@@ -1891,7 +1913,7 @@
           <a:p>
             <a:fld id="{38E7A12A-EB9D-4E5F-B77B-601BCBADE65A}" type="slidenum">
               <a:rPr lang="hu-HU" smtClean="0"/>
-              <a:t>22</a:t>
+              <a:t>25</a:t>
             </a:fld>
             <a:endParaRPr lang="hu-HU"/>
           </a:p>
@@ -2008,7 +2030,7 @@
           <a:p>
             <a:fld id="{38E7A12A-EB9D-4E5F-B77B-601BCBADE65A}" type="slidenum">
               <a:rPr lang="hu-HU" smtClean="0"/>
-              <a:t>23</a:t>
+              <a:t>26</a:t>
             </a:fld>
             <a:endParaRPr lang="hu-HU"/>
           </a:p>
@@ -2169,7 +2191,7 @@
           <a:p>
             <a:fld id="{38E7A12A-EB9D-4E5F-B77B-601BCBADE65A}" type="slidenum">
               <a:rPr lang="hu-HU" smtClean="0"/>
-              <a:t>24</a:t>
+              <a:t>27</a:t>
             </a:fld>
             <a:endParaRPr lang="hu-HU"/>
           </a:p>
@@ -2293,7 +2315,7 @@
           <a:p>
             <a:fld id="{38E7A12A-EB9D-4E5F-B77B-601BCBADE65A}" type="slidenum">
               <a:rPr lang="hu-HU" smtClean="0"/>
-              <a:t>3</a:t>
+              <a:t>5</a:t>
             </a:fld>
             <a:endParaRPr lang="hu-HU"/>
           </a:p>
@@ -2428,7 +2450,7 @@
           <a:p>
             <a:fld id="{38E7A12A-EB9D-4E5F-B77B-601BCBADE65A}" type="slidenum">
               <a:rPr lang="hu-HU" smtClean="0"/>
-              <a:t>26</a:t>
+              <a:t>29</a:t>
             </a:fld>
             <a:endParaRPr lang="hu-HU"/>
           </a:p>
@@ -2540,7 +2562,7 @@
           <a:p>
             <a:fld id="{38E7A12A-EB9D-4E5F-B77B-601BCBADE65A}" type="slidenum">
               <a:rPr lang="hu-HU" smtClean="0"/>
-              <a:t>27</a:t>
+              <a:t>30</a:t>
             </a:fld>
             <a:endParaRPr lang="hu-HU"/>
           </a:p>
@@ -2644,7 +2666,7 @@
           <a:p>
             <a:fld id="{38E7A12A-EB9D-4E5F-B77B-601BCBADE65A}" type="slidenum">
               <a:rPr lang="hu-HU" smtClean="0"/>
-              <a:t>28</a:t>
+              <a:t>31</a:t>
             </a:fld>
             <a:endParaRPr lang="hu-HU"/>
           </a:p>
@@ -2769,7 +2791,7 @@
           <a:p>
             <a:fld id="{38E7A12A-EB9D-4E5F-B77B-601BCBADE65A}" type="slidenum">
               <a:rPr lang="hu-HU" smtClean="0"/>
-              <a:t>29</a:t>
+              <a:t>33</a:t>
             </a:fld>
             <a:endParaRPr lang="hu-HU"/>
           </a:p>
@@ -2908,7 +2930,7 @@
           <a:p>
             <a:fld id="{38E7A12A-EB9D-4E5F-B77B-601BCBADE65A}" type="slidenum">
               <a:rPr lang="hu-HU" smtClean="0"/>
-              <a:t>30</a:t>
+              <a:t>34</a:t>
             </a:fld>
             <a:endParaRPr lang="hu-HU"/>
           </a:p>
@@ -3025,7 +3047,7 @@
           <a:p>
             <a:fld id="{38E7A12A-EB9D-4E5F-B77B-601BCBADE65A}" type="slidenum">
               <a:rPr lang="hu-HU" smtClean="0"/>
-              <a:t>31</a:t>
+              <a:t>35</a:t>
             </a:fld>
             <a:endParaRPr lang="hu-HU"/>
           </a:p>
@@ -3151,7 +3173,7 @@
           <a:p>
             <a:fld id="{38E7A12A-EB9D-4E5F-B77B-601BCBADE65A}" type="slidenum">
               <a:rPr lang="hu-HU" smtClean="0"/>
-              <a:t>32</a:t>
+              <a:t>36</a:t>
             </a:fld>
             <a:endParaRPr lang="hu-HU"/>
           </a:p>
@@ -3327,7 +3349,7 @@
           <a:p>
             <a:fld id="{38E7A12A-EB9D-4E5F-B77B-601BCBADE65A}" type="slidenum">
               <a:rPr lang="hu-HU" smtClean="0"/>
-              <a:t>33</a:t>
+              <a:t>37</a:t>
             </a:fld>
             <a:endParaRPr lang="hu-HU"/>
           </a:p>
@@ -3508,7 +3530,7 @@
           <a:p>
             <a:fld id="{38E7A12A-EB9D-4E5F-B77B-601BCBADE65A}" type="slidenum">
               <a:rPr lang="hu-HU" smtClean="0"/>
-              <a:t>34</a:t>
+              <a:t>39</a:t>
             </a:fld>
             <a:endParaRPr lang="hu-HU"/>
           </a:p>
@@ -3656,7 +3678,7 @@
           <a:p>
             <a:fld id="{38E7A12A-EB9D-4E5F-B77B-601BCBADE65A}" type="slidenum">
               <a:rPr lang="hu-HU" smtClean="0"/>
-              <a:t>36</a:t>
+              <a:t>41</a:t>
             </a:fld>
             <a:endParaRPr lang="hu-HU"/>
           </a:p>
@@ -3789,7 +3811,7 @@
           <a:p>
             <a:fld id="{38E7A12A-EB9D-4E5F-B77B-601BCBADE65A}" type="slidenum">
               <a:rPr lang="hu-HU" smtClean="0"/>
-              <a:t>4</a:t>
+              <a:t>6</a:t>
             </a:fld>
             <a:endParaRPr lang="hu-HU"/>
           </a:p>
@@ -3896,7 +3918,7 @@
           <a:p>
             <a:fld id="{38E7A12A-EB9D-4E5F-B77B-601BCBADE65A}" type="slidenum">
               <a:rPr lang="hu-HU" smtClean="0"/>
-              <a:t>37</a:t>
+              <a:t>42</a:t>
             </a:fld>
             <a:endParaRPr lang="hu-HU"/>
           </a:p>
@@ -4030,7 +4052,7 @@
           <a:p>
             <a:fld id="{38E7A12A-EB9D-4E5F-B77B-601BCBADE65A}" type="slidenum">
               <a:rPr lang="hu-HU" smtClean="0"/>
-              <a:t>38</a:t>
+              <a:t>43</a:t>
             </a:fld>
             <a:endParaRPr lang="hu-HU"/>
           </a:p>
@@ -4156,7 +4178,7 @@
           <a:p>
             <a:fld id="{38E7A12A-EB9D-4E5F-B77B-601BCBADE65A}" type="slidenum">
               <a:rPr lang="hu-HU" smtClean="0"/>
-              <a:t>39</a:t>
+              <a:t>45</a:t>
             </a:fld>
             <a:endParaRPr lang="hu-HU"/>
           </a:p>
@@ -4288,7 +4310,7 @@
           <a:p>
             <a:fld id="{38E7A12A-EB9D-4E5F-B77B-601BCBADE65A}" type="slidenum">
               <a:rPr lang="hu-HU" smtClean="0"/>
-              <a:t>40</a:t>
+              <a:t>46</a:t>
             </a:fld>
             <a:endParaRPr lang="hu-HU"/>
           </a:p>
@@ -4392,7 +4414,7 @@
           <a:p>
             <a:fld id="{38E7A12A-EB9D-4E5F-B77B-601BCBADE65A}" type="slidenum">
               <a:rPr lang="hu-HU" smtClean="0"/>
-              <a:t>41</a:t>
+              <a:t>47</a:t>
             </a:fld>
             <a:endParaRPr lang="hu-HU"/>
           </a:p>
@@ -4575,7 +4597,7 @@
           <a:p>
             <a:fld id="{38E7A12A-EB9D-4E5F-B77B-601BCBADE65A}" type="slidenum">
               <a:rPr lang="hu-HU" smtClean="0"/>
-              <a:t>42</a:t>
+              <a:t>48</a:t>
             </a:fld>
             <a:endParaRPr lang="hu-HU"/>
           </a:p>
@@ -4732,7 +4754,7 @@
           <a:p>
             <a:fld id="{38E7A12A-EB9D-4E5F-B77B-601BCBADE65A}" type="slidenum">
               <a:rPr lang="hu-HU" smtClean="0"/>
-              <a:t>43</a:t>
+              <a:t>49</a:t>
             </a:fld>
             <a:endParaRPr lang="hu-HU"/>
           </a:p>
@@ -4842,7 +4864,7 @@
           <a:p>
             <a:fld id="{38E7A12A-EB9D-4E5F-B77B-601BCBADE65A}" type="slidenum">
               <a:rPr lang="hu-HU" smtClean="0"/>
-              <a:t>46</a:t>
+              <a:t>52</a:t>
             </a:fld>
             <a:endParaRPr lang="hu-HU"/>
           </a:p>
@@ -5040,7 +5062,7 @@
           <a:p>
             <a:fld id="{38E7A12A-EB9D-4E5F-B77B-601BCBADE65A}" type="slidenum">
               <a:rPr lang="hu-HU" smtClean="0"/>
-              <a:t>5</a:t>
+              <a:t>7</a:t>
             </a:fld>
             <a:endParaRPr lang="hu-HU"/>
           </a:p>
@@ -5243,7 +5265,7 @@
           <a:p>
             <a:fld id="{38E7A12A-EB9D-4E5F-B77B-601BCBADE65A}" type="slidenum">
               <a:rPr lang="hu-HU" smtClean="0"/>
-              <a:t>6</a:t>
+              <a:t>8</a:t>
             </a:fld>
             <a:endParaRPr lang="hu-HU"/>
           </a:p>
@@ -5376,7 +5398,7 @@
           <a:p>
             <a:fld id="{38E7A12A-EB9D-4E5F-B77B-601BCBADE65A}" type="slidenum">
               <a:rPr lang="hu-HU" smtClean="0"/>
-              <a:t>7</a:t>
+              <a:t>9</a:t>
             </a:fld>
             <a:endParaRPr lang="hu-HU"/>
           </a:p>
@@ -5494,7 +5516,7 @@
           <a:p>
             <a:fld id="{38E7A12A-EB9D-4E5F-B77B-601BCBADE65A}" type="slidenum">
               <a:rPr lang="hu-HU" smtClean="0"/>
-              <a:t>8</a:t>
+              <a:t>10</a:t>
             </a:fld>
             <a:endParaRPr lang="hu-HU"/>
           </a:p>
@@ -5654,7 +5676,7 @@
           <a:p>
             <a:fld id="{38E7A12A-EB9D-4E5F-B77B-601BCBADE65A}" type="slidenum">
               <a:rPr lang="hu-HU" smtClean="0"/>
-              <a:t>11</a:t>
+              <a:t>13</a:t>
             </a:fld>
             <a:endParaRPr lang="hu-HU"/>
           </a:p>
@@ -5862,7 +5884,7 @@
           <a:p>
             <a:fld id="{38E7A12A-EB9D-4E5F-B77B-601BCBADE65A}" type="slidenum">
               <a:rPr lang="hu-HU" smtClean="0"/>
-              <a:t>13</a:t>
+              <a:t>15</a:t>
             </a:fld>
             <a:endParaRPr lang="hu-HU"/>
           </a:p>
@@ -9117,12 +9139,8 @@
           <a:lstStyle/>
           <a:p>
             <a:r>
-              <a:rPr lang="hu-HU" dirty="0"/>
-              <a:t>Hatásfokozó </a:t>
-            </a:r>
-            <a:r>
-              <a:rPr lang="hu-HU" dirty="0" err="1"/>
-              <a:t>adjuvánsok</a:t>
+              <a:rPr lang="hu-HU"/>
+              <a:t>hatásfokozó adjuvánsok</a:t>
             </a:r>
             <a:endParaRPr lang="hu-HU" dirty="0"/>
           </a:p>
@@ -9149,6 +9167,10 @@
           <a:bodyPr/>
           <a:lstStyle/>
           <a:p>
+            <a:r>
+              <a:rPr lang="en-GB"/>
+              <a:t>dr. Bohus Péter</a:t>
+            </a:r>
             <a:endParaRPr lang="hu-HU" dirty="0"/>
           </a:p>
         </p:txBody>
@@ -9188,6 +9210,217 @@
           <p:cNvPr id="2" name="Cím 1">
             <a:extLst>
               <a:ext uri="{FF2B5EF4-FFF2-40B4-BE49-F238E27FC236}">
+                <a16:creationId xmlns:a16="http://schemas.microsoft.com/office/drawing/2014/main" id="{0E5055F2-E8CE-46B4-8788-F8746C638203}"/>
+              </a:ext>
+            </a:extLst>
+          </p:cNvPr>
+          <p:cNvSpPr>
+            <a:spLocks noGrp="1"/>
+          </p:cNvSpPr>
+          <p:nvPr>
+            <p:ph type="title"/>
+          </p:nvPr>
+        </p:nvSpPr>
+        <p:spPr/>
+        <p:txBody>
+          <a:bodyPr/>
+          <a:lstStyle/>
+          <a:p>
+            <a:r>
+              <a:rPr lang="hu-HU" dirty="0" err="1"/>
+              <a:t>Tenzid</a:t>
+            </a:r>
+            <a:r>
+              <a:rPr lang="hu-HU" dirty="0"/>
+              <a:t> molekulák orientált elhelyezkedése a határfelületen</a:t>
+            </a:r>
+          </a:p>
+        </p:txBody>
+      </p:sp>
+      <p:sp>
+        <p:nvSpPr>
+          <p:cNvPr id="3" name="Tartalom helye 2">
+            <a:extLst>
+              <a:ext uri="{FF2B5EF4-FFF2-40B4-BE49-F238E27FC236}">
+                <a16:creationId xmlns:a16="http://schemas.microsoft.com/office/drawing/2014/main" id="{8D6A15C9-57C6-40E8-8706-88148F898EDC}"/>
+              </a:ext>
+            </a:extLst>
+          </p:cNvPr>
+          <p:cNvSpPr>
+            <a:spLocks noGrp="1"/>
+          </p:cNvSpPr>
+          <p:nvPr>
+            <p:ph idx="1"/>
+          </p:nvPr>
+        </p:nvSpPr>
+        <p:spPr/>
+        <p:txBody>
+          <a:bodyPr/>
+          <a:lstStyle/>
+          <a:p>
+            <a:r>
+              <a:rPr lang="hu-HU" dirty="0"/>
+              <a:t>A </a:t>
+            </a:r>
+            <a:r>
+              <a:rPr lang="hu-HU" dirty="0" err="1"/>
+              <a:t>tenzid</a:t>
+            </a:r>
+            <a:r>
+              <a:rPr lang="hu-HU" dirty="0"/>
+              <a:t> molekulák orientáltan helyezkednek el a határfelületen </a:t>
+            </a:r>
+          </a:p>
+          <a:p>
+            <a:r>
+              <a:rPr lang="hu-HU" dirty="0"/>
+              <a:t>A </a:t>
+            </a:r>
+            <a:r>
+              <a:rPr lang="hu-HU" dirty="0" err="1"/>
+              <a:t>tenzid</a:t>
+            </a:r>
+            <a:r>
+              <a:rPr lang="hu-HU" dirty="0"/>
+              <a:t> molekula hidrofób része  a hidrofób fázis felé orientálódik</a:t>
+            </a:r>
+          </a:p>
+          <a:p>
+            <a:r>
+              <a:rPr lang="hu-HU" dirty="0"/>
+              <a:t>Az orientált felhalmozódás eredménye a felületi illetve határfelületi feszültség csökkenése</a:t>
+            </a:r>
+          </a:p>
+          <a:p>
+            <a:endParaRPr lang="hu-HU" dirty="0"/>
+          </a:p>
+        </p:txBody>
+      </p:sp>
+    </p:spTree>
+    <p:extLst>
+      <p:ext uri="{BB962C8B-B14F-4D97-AF65-F5344CB8AC3E}">
+        <p14:creationId xmlns:p14="http://schemas.microsoft.com/office/powerpoint/2010/main" val="580732720"/>
+      </p:ext>
+    </p:extLst>
+  </p:cSld>
+  <p:clrMapOvr>
+    <a:masterClrMapping/>
+  </p:clrMapOvr>
+</p:sld>
+</file>
+
+<file path=ppt/slides/slide11.xml><?xml version="1.0" encoding="utf-8"?>
+<p:sld xmlns:a="http://schemas.openxmlformats.org/drawingml/2006/main" xmlns:r="http://schemas.openxmlformats.org/officeDocument/2006/relationships" xmlns:p="http://schemas.openxmlformats.org/presentationml/2006/main">
+  <p:cSld>
+    <p:spTree>
+      <p:nvGrpSpPr>
+        <p:cNvPr id="1" name=""/>
+        <p:cNvGrpSpPr/>
+        <p:nvPr/>
+      </p:nvGrpSpPr>
+      <p:grpSpPr>
+        <a:xfrm>
+          <a:off x="0" y="0"/>
+          <a:ext cx="0" cy="0"/>
+          <a:chOff x="0" y="0"/>
+          <a:chExt cx="0" cy="0"/>
+        </a:xfrm>
+      </p:grpSpPr>
+      <p:sp>
+        <p:nvSpPr>
+          <p:cNvPr id="2" name="Cím 1">
+            <a:extLst>
+              <a:ext uri="{FF2B5EF4-FFF2-40B4-BE49-F238E27FC236}">
+                <a16:creationId xmlns:a16="http://schemas.microsoft.com/office/drawing/2014/main" id="{F1700785-9F0A-4B6C-B5F2-E743F22351C9}"/>
+              </a:ext>
+            </a:extLst>
+          </p:cNvPr>
+          <p:cNvSpPr>
+            <a:spLocks noGrp="1"/>
+          </p:cNvSpPr>
+          <p:nvPr>
+            <p:ph type="title"/>
+          </p:nvPr>
+        </p:nvSpPr>
+        <p:spPr/>
+        <p:txBody>
+          <a:bodyPr/>
+          <a:lstStyle/>
+          <a:p>
+            <a:r>
+              <a:rPr lang="hu-HU" dirty="0"/>
+              <a:t>Kétféle határfelület: víz/levegő, víz/olaj</a:t>
+            </a:r>
+          </a:p>
+        </p:txBody>
+      </p:sp>
+      <p:pic>
+        <p:nvPicPr>
+          <p:cNvPr id="4" name="Tartalom helye 3">
+            <a:extLst>
+              <a:ext uri="{FF2B5EF4-FFF2-40B4-BE49-F238E27FC236}">
+                <a16:creationId xmlns:a16="http://schemas.microsoft.com/office/drawing/2014/main" id="{227C0A1A-5170-4349-B77E-3CE4D93C0B68}"/>
+              </a:ext>
+            </a:extLst>
+          </p:cNvPr>
+          <p:cNvPicPr>
+            <a:picLocks noGrp="1" noChangeAspect="1"/>
+          </p:cNvPicPr>
+          <p:nvPr>
+            <p:ph idx="1"/>
+          </p:nvPr>
+        </p:nvPicPr>
+        <p:blipFill>
+          <a:blip r:embed="rId2"/>
+          <a:stretch>
+            <a:fillRect/>
+          </a:stretch>
+        </p:blipFill>
+        <p:spPr>
+          <a:xfrm>
+            <a:off x="2324030" y="1825625"/>
+            <a:ext cx="7543939" cy="4351338"/>
+          </a:xfrm>
+          <a:prstGeom prst="rect">
+            <a:avLst/>
+          </a:prstGeom>
+        </p:spPr>
+      </p:pic>
+    </p:spTree>
+    <p:extLst>
+      <p:ext uri="{BB962C8B-B14F-4D97-AF65-F5344CB8AC3E}">
+        <p14:creationId xmlns:p14="http://schemas.microsoft.com/office/powerpoint/2010/main" val="3529584254"/>
+      </p:ext>
+    </p:extLst>
+  </p:cSld>
+  <p:clrMapOvr>
+    <a:masterClrMapping/>
+  </p:clrMapOvr>
+</p:sld>
+</file>
+
+<file path=ppt/slides/slide12.xml><?xml version="1.0" encoding="utf-8"?>
+<p:sld xmlns:a="http://schemas.openxmlformats.org/drawingml/2006/main" xmlns:r="http://schemas.openxmlformats.org/officeDocument/2006/relationships" xmlns:p="http://schemas.openxmlformats.org/presentationml/2006/main">
+  <p:cSld>
+    <p:spTree>
+      <p:nvGrpSpPr>
+        <p:cNvPr id="1" name=""/>
+        <p:cNvGrpSpPr/>
+        <p:nvPr/>
+      </p:nvGrpSpPr>
+      <p:grpSpPr>
+        <a:xfrm>
+          <a:off x="0" y="0"/>
+          <a:ext cx="0" cy="0"/>
+          <a:chOff x="0" y="0"/>
+          <a:chExt cx="0" cy="0"/>
+        </a:xfrm>
+      </p:grpSpPr>
+      <p:sp>
+        <p:nvSpPr>
+          <p:cNvPr id="2" name="Cím 1">
+            <a:extLst>
+              <a:ext uri="{FF2B5EF4-FFF2-40B4-BE49-F238E27FC236}">
                 <a16:creationId xmlns:a16="http://schemas.microsoft.com/office/drawing/2014/main" id="{3027FC82-4A3A-4F2F-954B-CB19D8CAADA9}"/>
               </a:ext>
             </a:extLst>
@@ -9260,7 +9493,7 @@
 </p:sld>
 </file>
 
-<file path=ppt/slides/slide11.xml><?xml version="1.0" encoding="utf-8"?>
+<file path=ppt/slides/slide13.xml><?xml version="1.0" encoding="utf-8"?>
 <p:sld xmlns:a="http://schemas.openxmlformats.org/drawingml/2006/main" xmlns:r="http://schemas.openxmlformats.org/officeDocument/2006/relationships" xmlns:p="http://schemas.openxmlformats.org/presentationml/2006/main">
   <p:cSld>
     <p:spTree>
@@ -9416,7 +9649,7 @@
 </p:sld>
 </file>
 
-<file path=ppt/slides/slide12.xml><?xml version="1.0" encoding="utf-8"?>
+<file path=ppt/slides/slide14.xml><?xml version="1.0" encoding="utf-8"?>
 <p:sld xmlns:a="http://schemas.openxmlformats.org/drawingml/2006/main" xmlns:r="http://schemas.openxmlformats.org/officeDocument/2006/relationships" xmlns:p="http://schemas.openxmlformats.org/presentationml/2006/main">
   <p:cSld>
     <p:spTree>
@@ -9506,302 +9739,6 @@
 </p:sld>
 </file>
 
-<file path=ppt/slides/slide13.xml><?xml version="1.0" encoding="utf-8"?>
-<p:sld xmlns:a="http://schemas.openxmlformats.org/drawingml/2006/main" xmlns:r="http://schemas.openxmlformats.org/officeDocument/2006/relationships" xmlns:p="http://schemas.openxmlformats.org/presentationml/2006/main">
-  <p:cSld>
-    <p:spTree>
-      <p:nvGrpSpPr>
-        <p:cNvPr id="1" name=""/>
-        <p:cNvGrpSpPr/>
-        <p:nvPr/>
-      </p:nvGrpSpPr>
-      <p:grpSpPr>
-        <a:xfrm>
-          <a:off x="0" y="0"/>
-          <a:ext cx="0" cy="0"/>
-          <a:chOff x="0" y="0"/>
-          <a:chExt cx="0" cy="0"/>
-        </a:xfrm>
-      </p:grpSpPr>
-      <p:sp>
-        <p:nvSpPr>
-          <p:cNvPr id="2" name="Cím 1">
-            <a:extLst>
-              <a:ext uri="{FF2B5EF4-FFF2-40B4-BE49-F238E27FC236}">
-                <a16:creationId xmlns:a16="http://schemas.microsoft.com/office/drawing/2014/main" id="{F5E70E0C-7168-4045-9402-DB8AF2CB82C7}"/>
-              </a:ext>
-            </a:extLst>
-          </p:cNvPr>
-          <p:cNvSpPr>
-            <a:spLocks noGrp="1"/>
-          </p:cNvSpPr>
-          <p:nvPr>
-            <p:ph type="title"/>
-          </p:nvPr>
-        </p:nvSpPr>
-        <p:spPr/>
-        <p:txBody>
-          <a:bodyPr/>
-          <a:lstStyle/>
-          <a:p>
-            <a:r>
-              <a:rPr lang="hu-HU" dirty="0"/>
-              <a:t>Micellák mérete és alakja</a:t>
-            </a:r>
-          </a:p>
-        </p:txBody>
-      </p:sp>
-      <p:sp>
-        <p:nvSpPr>
-          <p:cNvPr id="3" name="Tartalom helye 2">
-            <a:extLst>
-              <a:ext uri="{FF2B5EF4-FFF2-40B4-BE49-F238E27FC236}">
-                <a16:creationId xmlns:a16="http://schemas.microsoft.com/office/drawing/2014/main" id="{38AC150F-D421-42A4-81BF-837E9C1D44A0}"/>
-              </a:ext>
-            </a:extLst>
-          </p:cNvPr>
-          <p:cNvSpPr>
-            <a:spLocks noGrp="1"/>
-          </p:cNvSpPr>
-          <p:nvPr>
-            <p:ph idx="1"/>
-          </p:nvPr>
-        </p:nvSpPr>
-        <p:spPr/>
-        <p:txBody>
-          <a:bodyPr/>
-          <a:lstStyle/>
-          <a:p>
-            <a:r>
-              <a:rPr lang="hu-HU" dirty="0"/>
-              <a:t>Gömb-alakú micellák </a:t>
-            </a:r>
-          </a:p>
-          <a:p>
-            <a:r>
-              <a:rPr lang="hu-HU" dirty="0"/>
-              <a:t>1) ionos </a:t>
-            </a:r>
-            <a:r>
-              <a:rPr lang="hu-HU" dirty="0" err="1"/>
-              <a:t>tenzidek</a:t>
-            </a:r>
-            <a:r>
-              <a:rPr lang="hu-HU" dirty="0"/>
-              <a:t> esetén a micella  sugara közel egyenlő a monomer </a:t>
-            </a:r>
-            <a:r>
-              <a:rPr lang="hu-HU" dirty="0" err="1"/>
-              <a:t>alkil</a:t>
-            </a:r>
-            <a:r>
-              <a:rPr lang="hu-HU" dirty="0"/>
-              <a:t>-láncának hosszúságával (</a:t>
-            </a:r>
-            <a:r>
-              <a:rPr lang="hu-HU" dirty="0" err="1"/>
-              <a:t>small</a:t>
-            </a:r>
-            <a:r>
-              <a:rPr lang="hu-HU" dirty="0"/>
-              <a:t> </a:t>
-            </a:r>
-            <a:r>
-              <a:rPr lang="hu-HU" dirty="0" err="1"/>
-              <a:t>head</a:t>
-            </a:r>
-            <a:r>
-              <a:rPr lang="hu-HU" dirty="0"/>
-              <a:t> </a:t>
-            </a:r>
-            <a:r>
-              <a:rPr lang="hu-HU" dirty="0" err="1"/>
-              <a:t>groups</a:t>
-            </a:r>
-            <a:r>
-              <a:rPr lang="hu-HU" dirty="0"/>
-              <a:t> jelentéktelen)</a:t>
-            </a:r>
-          </a:p>
-          <a:p>
-            <a:r>
-              <a:rPr lang="hu-HU" dirty="0"/>
-              <a:t>2) nem-ionos </a:t>
-            </a:r>
-            <a:r>
-              <a:rPr lang="hu-HU" dirty="0" err="1"/>
-              <a:t>etoxilátumok</a:t>
-            </a:r>
-            <a:r>
-              <a:rPr lang="hu-HU" dirty="0"/>
-              <a:t> esetében a micella sugarat meghatározza az </a:t>
-            </a:r>
-            <a:r>
-              <a:rPr lang="hu-HU" dirty="0" err="1"/>
-              <a:t>alkillánc</a:t>
-            </a:r>
-            <a:r>
-              <a:rPr lang="hu-HU" dirty="0"/>
-              <a:t> hossza és az </a:t>
-            </a:r>
-            <a:r>
-              <a:rPr lang="hu-HU" dirty="0" err="1"/>
-              <a:t>etoxilálási</a:t>
-            </a:r>
-            <a:r>
-              <a:rPr lang="hu-HU" dirty="0"/>
-              <a:t> fok</a:t>
-            </a:r>
-          </a:p>
-          <a:p>
-            <a:r>
-              <a:rPr lang="hu-HU" dirty="0"/>
-              <a:t>3) az </a:t>
-            </a:r>
-            <a:r>
-              <a:rPr lang="hu-HU" dirty="0" err="1"/>
-              <a:t>aggregációs</a:t>
-            </a:r>
-            <a:r>
-              <a:rPr lang="hu-HU" dirty="0"/>
-              <a:t> szám általában 50-100 monomer</a:t>
-            </a:r>
-          </a:p>
-          <a:p>
-            <a:r>
-              <a:rPr lang="hu-HU" dirty="0"/>
-              <a:t>4) ionos micellák esetében az ellen-ionok a micella </a:t>
-            </a:r>
-            <a:r>
-              <a:rPr lang="hu-HU" dirty="0" err="1"/>
-              <a:t>felszinéhez</a:t>
-            </a:r>
-            <a:r>
-              <a:rPr lang="hu-HU" dirty="0"/>
-              <a:t> kötődnek</a:t>
-            </a:r>
-          </a:p>
-          <a:p>
-            <a:r>
-              <a:rPr lang="hu-HU" dirty="0"/>
-              <a:t>5) a micella „belseje”   </a:t>
-            </a:r>
-            <a:r>
-              <a:rPr lang="hu-HU" dirty="0" err="1"/>
-              <a:t>liquid</a:t>
-            </a:r>
-            <a:r>
-              <a:rPr lang="hu-HU" dirty="0"/>
-              <a:t>-like</a:t>
-            </a:r>
-          </a:p>
-        </p:txBody>
-      </p:sp>
-    </p:spTree>
-    <p:extLst>
-      <p:ext uri="{BB962C8B-B14F-4D97-AF65-F5344CB8AC3E}">
-        <p14:creationId xmlns:p14="http://schemas.microsoft.com/office/powerpoint/2010/main" val="1226803496"/>
-      </p:ext>
-    </p:extLst>
-  </p:cSld>
-  <p:clrMapOvr>
-    <a:masterClrMapping/>
-  </p:clrMapOvr>
-</p:sld>
-</file>
-
-<file path=ppt/slides/slide14.xml><?xml version="1.0" encoding="utf-8"?>
-<p:sld xmlns:a="http://schemas.openxmlformats.org/drawingml/2006/main" xmlns:r="http://schemas.openxmlformats.org/officeDocument/2006/relationships" xmlns:p="http://schemas.openxmlformats.org/presentationml/2006/main">
-  <p:cSld>
-    <p:spTree>
-      <p:nvGrpSpPr>
-        <p:cNvPr id="1" name=""/>
-        <p:cNvGrpSpPr/>
-        <p:nvPr/>
-      </p:nvGrpSpPr>
-      <p:grpSpPr>
-        <a:xfrm>
-          <a:off x="0" y="0"/>
-          <a:ext cx="0" cy="0"/>
-          <a:chOff x="0" y="0"/>
-          <a:chExt cx="0" cy="0"/>
-        </a:xfrm>
-      </p:grpSpPr>
-      <p:sp>
-        <p:nvSpPr>
-          <p:cNvPr id="2" name="Cím 1">
-            <a:extLst>
-              <a:ext uri="{FF2B5EF4-FFF2-40B4-BE49-F238E27FC236}">
-                <a16:creationId xmlns:a16="http://schemas.microsoft.com/office/drawing/2014/main" id="{DA602891-F26F-4C46-980F-6DA1178E2B55}"/>
-              </a:ext>
-            </a:extLst>
-          </p:cNvPr>
-          <p:cNvSpPr>
-            <a:spLocks noGrp="1"/>
-          </p:cNvSpPr>
-          <p:nvPr>
-            <p:ph type="title"/>
-          </p:nvPr>
-        </p:nvSpPr>
-        <p:spPr/>
-        <p:txBody>
-          <a:bodyPr/>
-          <a:lstStyle/>
-          <a:p>
-            <a:r>
-              <a:rPr lang="hu-HU" dirty="0"/>
-              <a:t>Rúd alakú micellák</a:t>
-            </a:r>
-          </a:p>
-        </p:txBody>
-      </p:sp>
-      <p:sp>
-        <p:nvSpPr>
-          <p:cNvPr id="3" name="Tartalom helye 2">
-            <a:extLst>
-              <a:ext uri="{FF2B5EF4-FFF2-40B4-BE49-F238E27FC236}">
-                <a16:creationId xmlns:a16="http://schemas.microsoft.com/office/drawing/2014/main" id="{7D7B2709-3FCC-4237-8405-4349795D16A0}"/>
-              </a:ext>
-            </a:extLst>
-          </p:cNvPr>
-          <p:cNvSpPr>
-            <a:spLocks noGrp="1"/>
-          </p:cNvSpPr>
-          <p:nvPr>
-            <p:ph idx="1"/>
-          </p:nvPr>
-        </p:nvSpPr>
-        <p:spPr/>
-        <p:txBody>
-          <a:bodyPr/>
-          <a:lstStyle/>
-          <a:p>
-            <a:r>
-              <a:rPr lang="hu-HU" dirty="0"/>
-              <a:t>Fényszórási eredmények megmagyarázásához  nem volt elégséges a gömb micella</a:t>
-            </a:r>
-          </a:p>
-          <a:p>
-            <a:r>
-              <a:rPr lang="hu-HU" dirty="0"/>
-              <a:t>A fényszórás mértéke, jellege függ a szögtől: aszimmetrikus  alakzattal lehetett magyarázatot adni</a:t>
-            </a:r>
-          </a:p>
-        </p:txBody>
-      </p:sp>
-    </p:spTree>
-    <p:extLst>
-      <p:ext uri="{BB962C8B-B14F-4D97-AF65-F5344CB8AC3E}">
-        <p14:creationId xmlns:p14="http://schemas.microsoft.com/office/powerpoint/2010/main" val="3291552413"/>
-      </p:ext>
-    </p:extLst>
-  </p:cSld>
-  <p:clrMapOvr>
-    <a:masterClrMapping/>
-  </p:clrMapOvr>
-</p:sld>
-</file>
-
 <file path=ppt/slides/slide15.xml><?xml version="1.0" encoding="utf-8"?>
 <p:sld xmlns:a="http://schemas.openxmlformats.org/drawingml/2006/main" xmlns:r="http://schemas.openxmlformats.org/officeDocument/2006/relationships" xmlns:p="http://schemas.openxmlformats.org/presentationml/2006/main">
   <p:cSld>
@@ -9824,7 +9761,7 @@
           <p:cNvPr id="2" name="Cím 1">
             <a:extLst>
               <a:ext uri="{FF2B5EF4-FFF2-40B4-BE49-F238E27FC236}">
-                <a16:creationId xmlns:a16="http://schemas.microsoft.com/office/drawing/2014/main" id="{0A29ABB0-41CD-4FA2-98CD-4D76B72BC0A9}"/>
+                <a16:creationId xmlns:a16="http://schemas.microsoft.com/office/drawing/2014/main" id="{F5E70E0C-7168-4045-9402-DB8AF2CB82C7}"/>
               </a:ext>
             </a:extLst>
           </p:cNvPr>
@@ -9842,7 +9779,7 @@
           <a:p>
             <a:r>
               <a:rPr lang="hu-HU" dirty="0"/>
-              <a:t>Lemezes micellák</a:t>
+              <a:t>Micellák mérete és alakja</a:t>
             </a:r>
           </a:p>
         </p:txBody>
@@ -9852,7 +9789,7 @@
           <p:cNvPr id="3" name="Tartalom helye 2">
             <a:extLst>
               <a:ext uri="{FF2B5EF4-FFF2-40B4-BE49-F238E27FC236}">
-                <a16:creationId xmlns:a16="http://schemas.microsoft.com/office/drawing/2014/main" id="{1BA9F41C-3414-4BD4-887D-568D33D02F1E}"/>
+                <a16:creationId xmlns:a16="http://schemas.microsoft.com/office/drawing/2014/main" id="{38AC150F-D421-42A4-81BF-837E9C1D44A0}"/>
               </a:ext>
             </a:extLst>
           </p:cNvPr>
@@ -9870,64 +9807,125 @@
           <a:p>
             <a:r>
               <a:rPr lang="hu-HU" dirty="0"/>
-              <a:t>A </a:t>
-            </a:r>
-            <a:r>
-              <a:rPr lang="hu-HU" dirty="0" err="1"/>
-              <a:t>moleula</a:t>
-            </a:r>
-            <a:r>
-              <a:rPr lang="hu-HU" dirty="0"/>
-              <a:t> szerkezetétől függően </a:t>
-            </a:r>
-            <a:r>
-              <a:rPr lang="hu-HU" dirty="0" err="1"/>
-              <a:t>kailakulhatnak</a:t>
-            </a:r>
-            <a:r>
-              <a:rPr lang="hu-HU" dirty="0"/>
-              <a:t> lemezes (</a:t>
-            </a:r>
-            <a:r>
-              <a:rPr lang="hu-HU" dirty="0" err="1"/>
-              <a:t>lamellar</a:t>
-            </a:r>
-            <a:r>
-              <a:rPr lang="hu-HU" dirty="0"/>
-              <a:t>) szerkezetek: </a:t>
-            </a:r>
-            <a:r>
-              <a:rPr lang="hu-HU" dirty="0" err="1"/>
-              <a:t>bilayer</a:t>
-            </a:r>
-            <a:r>
-              <a:rPr lang="hu-HU" dirty="0"/>
-              <a:t>-ek, „</a:t>
-            </a:r>
-            <a:r>
-              <a:rPr lang="hu-HU" dirty="0" err="1"/>
-              <a:t>sheets</a:t>
-            </a:r>
-            <a:r>
-              <a:rPr lang="hu-HU" dirty="0"/>
-              <a:t>”-ek</a:t>
-            </a:r>
-          </a:p>
-          <a:p>
-            <a:endParaRPr lang="hu-HU" dirty="0"/>
-          </a:p>
-          <a:p>
-            <a:r>
-              <a:rPr lang="hu-HU" dirty="0"/>
-              <a:t>Röntgenezéssel megmérték a  </a:t>
-            </a:r>
-            <a:r>
-              <a:rPr lang="hu-HU" dirty="0" err="1"/>
-              <a:t>lamelláris</a:t>
-            </a:r>
-            <a:r>
-              <a:rPr lang="hu-HU" dirty="0"/>
-              <a:t> szerkezetek dimenzióit.</a:t>
+              <a:t>Gömb-alakú micellák </a:t>
+            </a:r>
+          </a:p>
+          <a:p>
+            <a:r>
+              <a:rPr lang="hu-HU" dirty="0"/>
+              <a:t>1) ionos </a:t>
+            </a:r>
+            <a:r>
+              <a:rPr lang="hu-HU" dirty="0" err="1"/>
+              <a:t>tenzidek</a:t>
+            </a:r>
+            <a:r>
+              <a:rPr lang="hu-HU" dirty="0"/>
+              <a:t> esetén a micella  sugara közel egyenlő a monomer </a:t>
+            </a:r>
+            <a:r>
+              <a:rPr lang="hu-HU" dirty="0" err="1"/>
+              <a:t>alkil</a:t>
+            </a:r>
+            <a:r>
+              <a:rPr lang="hu-HU" dirty="0"/>
+              <a:t>-láncának hosszúságával (</a:t>
+            </a:r>
+            <a:r>
+              <a:rPr lang="hu-HU" dirty="0" err="1"/>
+              <a:t>small</a:t>
+            </a:r>
+            <a:r>
+              <a:rPr lang="hu-HU" dirty="0"/>
+              <a:t> </a:t>
+            </a:r>
+            <a:r>
+              <a:rPr lang="hu-HU" dirty="0" err="1"/>
+              <a:t>head</a:t>
+            </a:r>
+            <a:r>
+              <a:rPr lang="hu-HU" dirty="0"/>
+              <a:t> </a:t>
+            </a:r>
+            <a:r>
+              <a:rPr lang="hu-HU" dirty="0" err="1"/>
+              <a:t>groups</a:t>
+            </a:r>
+            <a:r>
+              <a:rPr lang="hu-HU" dirty="0"/>
+              <a:t> jelentéktelen)</a:t>
+            </a:r>
+          </a:p>
+          <a:p>
+            <a:r>
+              <a:rPr lang="hu-HU" dirty="0"/>
+              <a:t>2) nem-ionos </a:t>
+            </a:r>
+            <a:r>
+              <a:rPr lang="hu-HU" dirty="0" err="1"/>
+              <a:t>etoxilátumok</a:t>
+            </a:r>
+            <a:r>
+              <a:rPr lang="hu-HU" dirty="0"/>
+              <a:t> esetében a micella sugarat meghatározza az </a:t>
+            </a:r>
+            <a:r>
+              <a:rPr lang="hu-HU" dirty="0" err="1"/>
+              <a:t>alkillánc</a:t>
+            </a:r>
+            <a:r>
+              <a:rPr lang="hu-HU" dirty="0"/>
+              <a:t> hossza és az </a:t>
+            </a:r>
+            <a:r>
+              <a:rPr lang="hu-HU" dirty="0" err="1"/>
+              <a:t>etoxilálási</a:t>
+            </a:r>
+            <a:r>
+              <a:rPr lang="hu-HU" dirty="0"/>
+              <a:t> fok</a:t>
+            </a:r>
+          </a:p>
+          <a:p>
+            <a:r>
+              <a:rPr lang="hu-HU" dirty="0"/>
+              <a:t>3) az </a:t>
+            </a:r>
+            <a:r>
+              <a:rPr lang="hu-HU" dirty="0" err="1"/>
+              <a:t>aggregációs</a:t>
+            </a:r>
+            <a:r>
+              <a:rPr lang="hu-HU" dirty="0"/>
+              <a:t> szám általában 50-100 monomer</a:t>
+            </a:r>
+          </a:p>
+          <a:p>
+            <a:r>
+              <a:rPr lang="hu-HU" dirty="0"/>
+              <a:t>4) ionos micellák esetében az ellen-ionok a micella </a:t>
+            </a:r>
+            <a:r>
+              <a:rPr lang="hu-HU" dirty="0" err="1"/>
+              <a:t>felszinéhez</a:t>
+            </a:r>
+            <a:r>
+              <a:rPr lang="hu-HU" dirty="0"/>
+              <a:t> kötődnek</a:t>
+            </a:r>
+          </a:p>
+          <a:p>
+            <a:r>
+              <a:rPr lang="hu-HU" dirty="0"/>
+              <a:t>5) a micella „belseje”   </a:t>
+            </a:r>
+            <a:r>
+              <a:rPr lang="hu-HU" dirty="0" err="1"/>
+              <a:t>liquid</a:t>
+            </a:r>
+            <a:r>
+              <a:rPr lang="hu-HU" dirty="0"/>
+              <a:t>-like</a:t>
             </a:r>
           </a:p>
         </p:txBody>
@@ -9935,7 +9933,7 @@
     </p:spTree>
     <p:extLst>
       <p:ext uri="{BB962C8B-B14F-4D97-AF65-F5344CB8AC3E}">
-        <p14:creationId xmlns:p14="http://schemas.microsoft.com/office/powerpoint/2010/main" val="3640705504"/>
+        <p14:creationId xmlns:p14="http://schemas.microsoft.com/office/powerpoint/2010/main" val="1226803496"/>
       </p:ext>
     </p:extLst>
   </p:cSld>
@@ -9967,7 +9965,7 @@
           <p:cNvPr id="2" name="Cím 1">
             <a:extLst>
               <a:ext uri="{FF2B5EF4-FFF2-40B4-BE49-F238E27FC236}">
-                <a16:creationId xmlns:a16="http://schemas.microsoft.com/office/drawing/2014/main" id="{D323739F-E479-4B6D-B437-9D209CA36982}"/>
+                <a16:creationId xmlns:a16="http://schemas.microsoft.com/office/drawing/2014/main" id="{DA602891-F26F-4C46-980F-6DA1178E2B55}"/>
               </a:ext>
             </a:extLst>
           </p:cNvPr>
@@ -9984,20 +9982,8 @@
           <a:lstStyle/>
           <a:p>
             <a:r>
-              <a:rPr lang="hu-HU" dirty="0" err="1"/>
-              <a:t>cmc</a:t>
-            </a:r>
-            <a:r>
-              <a:rPr lang="hu-HU" dirty="0"/>
-              <a:t> függése a </a:t>
-            </a:r>
-            <a:r>
-              <a:rPr lang="hu-HU" dirty="0" err="1"/>
-              <a:t>tenzid</a:t>
-            </a:r>
-            <a:r>
-              <a:rPr lang="hu-HU" dirty="0"/>
-              <a:t> szerkezettől</a:t>
+              <a:rPr lang="hu-HU" dirty="0"/>
+              <a:t>Rúd alakú micellák</a:t>
             </a:r>
           </a:p>
         </p:txBody>
@@ -10007,7 +9993,7 @@
           <p:cNvPr id="3" name="Tartalom helye 2">
             <a:extLst>
               <a:ext uri="{FF2B5EF4-FFF2-40B4-BE49-F238E27FC236}">
-                <a16:creationId xmlns:a16="http://schemas.microsoft.com/office/drawing/2014/main" id="{66B67B91-6499-4DC3-95F7-8FB74D00817A}"/>
+                <a16:creationId xmlns:a16="http://schemas.microsoft.com/office/drawing/2014/main" id="{7D7B2709-3FCC-4237-8405-4349795D16A0}"/>
               </a:ext>
             </a:extLst>
           </p:cNvPr>
@@ -10020,79 +10006,18 @@
         </p:nvSpPr>
         <p:spPr/>
         <p:txBody>
-          <a:bodyPr>
-            <a:normAutofit/>
-          </a:bodyPr>
-          <a:lstStyle/>
-          <a:p>
-            <a:r>
-              <a:rPr lang="hu-HU" dirty="0"/>
-              <a:t>1) azonos  </a:t>
-            </a:r>
-            <a:r>
-              <a:rPr lang="hu-HU" dirty="0" err="1"/>
-              <a:t>alkilláncok</a:t>
-            </a:r>
-            <a:r>
-              <a:rPr lang="hu-HU" dirty="0"/>
-              <a:t> esetén a nem-ionos </a:t>
-            </a:r>
-            <a:r>
-              <a:rPr lang="hu-HU" dirty="0" err="1"/>
-              <a:t>cmc</a:t>
-            </a:r>
-            <a:r>
-              <a:rPr lang="hu-HU" dirty="0"/>
-              <a:t>-je mintegy 2 nagyságrenddel kisebb mint az ionosé</a:t>
-            </a:r>
-          </a:p>
-          <a:p>
-            <a:r>
-              <a:rPr lang="hu-HU" dirty="0"/>
-              <a:t>2) </a:t>
-            </a:r>
-            <a:r>
-              <a:rPr lang="hu-HU" dirty="0" err="1"/>
-              <a:t>alkillánc</a:t>
-            </a:r>
-            <a:r>
-              <a:rPr lang="hu-HU" dirty="0"/>
-              <a:t> hosszabbodásával csökken a </a:t>
-            </a:r>
-            <a:r>
-              <a:rPr lang="hu-HU" dirty="0" err="1"/>
-              <a:t>cmc</a:t>
-            </a:r>
-            <a:endParaRPr lang="hu-HU" dirty="0"/>
-          </a:p>
-          <a:p>
-            <a:r>
-              <a:rPr lang="hu-HU" dirty="0"/>
-              <a:t>3) azonos </a:t>
-            </a:r>
-            <a:r>
-              <a:rPr lang="hu-HU" dirty="0" err="1"/>
-              <a:t>alkilláncú</a:t>
-            </a:r>
-            <a:r>
-              <a:rPr lang="hu-HU" dirty="0"/>
-              <a:t> </a:t>
-            </a:r>
-            <a:r>
-              <a:rPr lang="hu-HU" dirty="0" err="1"/>
-              <a:t>etoxilátumok</a:t>
-            </a:r>
-            <a:r>
-              <a:rPr lang="hu-HU" dirty="0"/>
-              <a:t> esetében EO tartalom növelése növeli a </a:t>
-            </a:r>
-            <a:r>
-              <a:rPr lang="hu-HU" dirty="0" err="1"/>
-              <a:t>cmc</a:t>
-            </a:r>
-            <a:r>
-              <a:rPr lang="hu-HU" dirty="0"/>
-              <a:t>-t</a:t>
+          <a:bodyPr/>
+          <a:lstStyle/>
+          <a:p>
+            <a:r>
+              <a:rPr lang="hu-HU" dirty="0"/>
+              <a:t>Fényszórási eredmények megmagyarázásához  nem volt elégséges a gömb micella</a:t>
+            </a:r>
+          </a:p>
+          <a:p>
+            <a:r>
+              <a:rPr lang="hu-HU" dirty="0"/>
+              <a:t>A fényszórás mértéke, jellege függ a szögtől: aszimmetrikus  alakzattal lehetett magyarázatot adni</a:t>
             </a:r>
           </a:p>
         </p:txBody>
@@ -10100,7 +10025,7 @@
     </p:spTree>
     <p:extLst>
       <p:ext uri="{BB962C8B-B14F-4D97-AF65-F5344CB8AC3E}">
-        <p14:creationId xmlns:p14="http://schemas.microsoft.com/office/powerpoint/2010/main" val="287357800"/>
+        <p14:creationId xmlns:p14="http://schemas.microsoft.com/office/powerpoint/2010/main" val="3291552413"/>
       </p:ext>
     </p:extLst>
   </p:cSld>
@@ -10132,6 +10057,314 @@
           <p:cNvPr id="2" name="Cím 1">
             <a:extLst>
               <a:ext uri="{FF2B5EF4-FFF2-40B4-BE49-F238E27FC236}">
+                <a16:creationId xmlns:a16="http://schemas.microsoft.com/office/drawing/2014/main" id="{0A29ABB0-41CD-4FA2-98CD-4D76B72BC0A9}"/>
+              </a:ext>
+            </a:extLst>
+          </p:cNvPr>
+          <p:cNvSpPr>
+            <a:spLocks noGrp="1"/>
+          </p:cNvSpPr>
+          <p:nvPr>
+            <p:ph type="title"/>
+          </p:nvPr>
+        </p:nvSpPr>
+        <p:spPr/>
+        <p:txBody>
+          <a:bodyPr/>
+          <a:lstStyle/>
+          <a:p>
+            <a:r>
+              <a:rPr lang="hu-HU" dirty="0"/>
+              <a:t>Lemezes micellák</a:t>
+            </a:r>
+          </a:p>
+        </p:txBody>
+      </p:sp>
+      <p:sp>
+        <p:nvSpPr>
+          <p:cNvPr id="3" name="Tartalom helye 2">
+            <a:extLst>
+              <a:ext uri="{FF2B5EF4-FFF2-40B4-BE49-F238E27FC236}">
+                <a16:creationId xmlns:a16="http://schemas.microsoft.com/office/drawing/2014/main" id="{1BA9F41C-3414-4BD4-887D-568D33D02F1E}"/>
+              </a:ext>
+            </a:extLst>
+          </p:cNvPr>
+          <p:cNvSpPr>
+            <a:spLocks noGrp="1"/>
+          </p:cNvSpPr>
+          <p:nvPr>
+            <p:ph idx="1"/>
+          </p:nvPr>
+        </p:nvSpPr>
+        <p:spPr/>
+        <p:txBody>
+          <a:bodyPr/>
+          <a:lstStyle/>
+          <a:p>
+            <a:r>
+              <a:rPr lang="hu-HU" dirty="0"/>
+              <a:t>A </a:t>
+            </a:r>
+            <a:r>
+              <a:rPr lang="hu-HU" dirty="0" err="1"/>
+              <a:t>moleula</a:t>
+            </a:r>
+            <a:r>
+              <a:rPr lang="hu-HU" dirty="0"/>
+              <a:t> szerkezetétől függően </a:t>
+            </a:r>
+            <a:r>
+              <a:rPr lang="hu-HU" dirty="0" err="1"/>
+              <a:t>kailakulhatnak</a:t>
+            </a:r>
+            <a:r>
+              <a:rPr lang="hu-HU" dirty="0"/>
+              <a:t> lemezes (</a:t>
+            </a:r>
+            <a:r>
+              <a:rPr lang="hu-HU" dirty="0" err="1"/>
+              <a:t>lamellar</a:t>
+            </a:r>
+            <a:r>
+              <a:rPr lang="hu-HU" dirty="0"/>
+              <a:t>) szerkezetek: </a:t>
+            </a:r>
+            <a:r>
+              <a:rPr lang="hu-HU" dirty="0" err="1"/>
+              <a:t>bilayer</a:t>
+            </a:r>
+            <a:r>
+              <a:rPr lang="hu-HU" dirty="0"/>
+              <a:t>-ek, „</a:t>
+            </a:r>
+            <a:r>
+              <a:rPr lang="hu-HU" dirty="0" err="1"/>
+              <a:t>sheets</a:t>
+            </a:r>
+            <a:r>
+              <a:rPr lang="hu-HU" dirty="0"/>
+              <a:t>”-ek</a:t>
+            </a:r>
+          </a:p>
+          <a:p>
+            <a:endParaRPr lang="hu-HU" dirty="0"/>
+          </a:p>
+          <a:p>
+            <a:r>
+              <a:rPr lang="hu-HU" dirty="0"/>
+              <a:t>Röntgenezéssel megmérték a  </a:t>
+            </a:r>
+            <a:r>
+              <a:rPr lang="hu-HU" dirty="0" err="1"/>
+              <a:t>lamelláris</a:t>
+            </a:r>
+            <a:r>
+              <a:rPr lang="hu-HU" dirty="0"/>
+              <a:t> szerkezetek dimenzióit.</a:t>
+            </a:r>
+          </a:p>
+        </p:txBody>
+      </p:sp>
+    </p:spTree>
+    <p:extLst>
+      <p:ext uri="{BB962C8B-B14F-4D97-AF65-F5344CB8AC3E}">
+        <p14:creationId xmlns:p14="http://schemas.microsoft.com/office/powerpoint/2010/main" val="3640705504"/>
+      </p:ext>
+    </p:extLst>
+  </p:cSld>
+  <p:clrMapOvr>
+    <a:masterClrMapping/>
+  </p:clrMapOvr>
+</p:sld>
+</file>
+
+<file path=ppt/slides/slide18.xml><?xml version="1.0" encoding="utf-8"?>
+<p:sld xmlns:a="http://schemas.openxmlformats.org/drawingml/2006/main" xmlns:r="http://schemas.openxmlformats.org/officeDocument/2006/relationships" xmlns:p="http://schemas.openxmlformats.org/presentationml/2006/main">
+  <p:cSld>
+    <p:spTree>
+      <p:nvGrpSpPr>
+        <p:cNvPr id="1" name=""/>
+        <p:cNvGrpSpPr/>
+        <p:nvPr/>
+      </p:nvGrpSpPr>
+      <p:grpSpPr>
+        <a:xfrm>
+          <a:off x="0" y="0"/>
+          <a:ext cx="0" cy="0"/>
+          <a:chOff x="0" y="0"/>
+          <a:chExt cx="0" cy="0"/>
+        </a:xfrm>
+      </p:grpSpPr>
+      <p:sp>
+        <p:nvSpPr>
+          <p:cNvPr id="2" name="Cím 1">
+            <a:extLst>
+              <a:ext uri="{FF2B5EF4-FFF2-40B4-BE49-F238E27FC236}">
+                <a16:creationId xmlns:a16="http://schemas.microsoft.com/office/drawing/2014/main" id="{D323739F-E479-4B6D-B437-9D209CA36982}"/>
+              </a:ext>
+            </a:extLst>
+          </p:cNvPr>
+          <p:cNvSpPr>
+            <a:spLocks noGrp="1"/>
+          </p:cNvSpPr>
+          <p:nvPr>
+            <p:ph type="title"/>
+          </p:nvPr>
+        </p:nvSpPr>
+        <p:spPr/>
+        <p:txBody>
+          <a:bodyPr/>
+          <a:lstStyle/>
+          <a:p>
+            <a:r>
+              <a:rPr lang="hu-HU" dirty="0" err="1"/>
+              <a:t>cmc</a:t>
+            </a:r>
+            <a:r>
+              <a:rPr lang="hu-HU" dirty="0"/>
+              <a:t> függése a </a:t>
+            </a:r>
+            <a:r>
+              <a:rPr lang="hu-HU" dirty="0" err="1"/>
+              <a:t>tenzid</a:t>
+            </a:r>
+            <a:r>
+              <a:rPr lang="hu-HU" dirty="0"/>
+              <a:t> szerkezettől</a:t>
+            </a:r>
+          </a:p>
+        </p:txBody>
+      </p:sp>
+      <p:sp>
+        <p:nvSpPr>
+          <p:cNvPr id="3" name="Tartalom helye 2">
+            <a:extLst>
+              <a:ext uri="{FF2B5EF4-FFF2-40B4-BE49-F238E27FC236}">
+                <a16:creationId xmlns:a16="http://schemas.microsoft.com/office/drawing/2014/main" id="{66B67B91-6499-4DC3-95F7-8FB74D00817A}"/>
+              </a:ext>
+            </a:extLst>
+          </p:cNvPr>
+          <p:cNvSpPr>
+            <a:spLocks noGrp="1"/>
+          </p:cNvSpPr>
+          <p:nvPr>
+            <p:ph idx="1"/>
+          </p:nvPr>
+        </p:nvSpPr>
+        <p:spPr/>
+        <p:txBody>
+          <a:bodyPr>
+            <a:normAutofit/>
+          </a:bodyPr>
+          <a:lstStyle/>
+          <a:p>
+            <a:r>
+              <a:rPr lang="hu-HU" dirty="0"/>
+              <a:t>1) azonos  </a:t>
+            </a:r>
+            <a:r>
+              <a:rPr lang="hu-HU" dirty="0" err="1"/>
+              <a:t>alkilláncok</a:t>
+            </a:r>
+            <a:r>
+              <a:rPr lang="hu-HU" dirty="0"/>
+              <a:t> esetén a nem-ionos </a:t>
+            </a:r>
+            <a:r>
+              <a:rPr lang="hu-HU" dirty="0" err="1"/>
+              <a:t>cmc</a:t>
+            </a:r>
+            <a:r>
+              <a:rPr lang="hu-HU" dirty="0"/>
+              <a:t>-je mintegy 2 nagyságrenddel kisebb mint az ionosé</a:t>
+            </a:r>
+          </a:p>
+          <a:p>
+            <a:r>
+              <a:rPr lang="hu-HU" dirty="0"/>
+              <a:t>2) </a:t>
+            </a:r>
+            <a:r>
+              <a:rPr lang="hu-HU" dirty="0" err="1"/>
+              <a:t>alkillánc</a:t>
+            </a:r>
+            <a:r>
+              <a:rPr lang="hu-HU" dirty="0"/>
+              <a:t> hosszabbodásával csökken a </a:t>
+            </a:r>
+            <a:r>
+              <a:rPr lang="hu-HU" dirty="0" err="1"/>
+              <a:t>cmc</a:t>
+            </a:r>
+            <a:endParaRPr lang="hu-HU" dirty="0"/>
+          </a:p>
+          <a:p>
+            <a:r>
+              <a:rPr lang="hu-HU" dirty="0"/>
+              <a:t>3) azonos </a:t>
+            </a:r>
+            <a:r>
+              <a:rPr lang="hu-HU" dirty="0" err="1"/>
+              <a:t>alkilláncú</a:t>
+            </a:r>
+            <a:r>
+              <a:rPr lang="hu-HU" dirty="0"/>
+              <a:t> </a:t>
+            </a:r>
+            <a:r>
+              <a:rPr lang="hu-HU" dirty="0" err="1"/>
+              <a:t>etoxilátumok</a:t>
+            </a:r>
+            <a:r>
+              <a:rPr lang="hu-HU" dirty="0"/>
+              <a:t> esetében EO tartalom növelése növeli a </a:t>
+            </a:r>
+            <a:r>
+              <a:rPr lang="hu-HU" dirty="0" err="1"/>
+              <a:t>cmc</a:t>
+            </a:r>
+            <a:r>
+              <a:rPr lang="hu-HU" dirty="0"/>
+              <a:t>-t</a:t>
+            </a:r>
+          </a:p>
+        </p:txBody>
+      </p:sp>
+    </p:spTree>
+    <p:extLst>
+      <p:ext uri="{BB962C8B-B14F-4D97-AF65-F5344CB8AC3E}">
+        <p14:creationId xmlns:p14="http://schemas.microsoft.com/office/powerpoint/2010/main" val="287357800"/>
+      </p:ext>
+    </p:extLst>
+  </p:cSld>
+  <p:clrMapOvr>
+    <a:masterClrMapping/>
+  </p:clrMapOvr>
+</p:sld>
+</file>
+
+<file path=ppt/slides/slide19.xml><?xml version="1.0" encoding="utf-8"?>
+<p:sld xmlns:a="http://schemas.openxmlformats.org/drawingml/2006/main" xmlns:r="http://schemas.openxmlformats.org/officeDocument/2006/relationships" xmlns:p="http://schemas.openxmlformats.org/presentationml/2006/main">
+  <p:cSld>
+    <p:spTree>
+      <p:nvGrpSpPr>
+        <p:cNvPr id="1" name=""/>
+        <p:cNvGrpSpPr/>
+        <p:nvPr/>
+      </p:nvGrpSpPr>
+      <p:grpSpPr>
+        <a:xfrm>
+          <a:off x="0" y="0"/>
+          <a:ext cx="0" cy="0"/>
+          <a:chOff x="0" y="0"/>
+          <a:chExt cx="0" cy="0"/>
+        </a:xfrm>
+      </p:grpSpPr>
+      <p:sp>
+        <p:nvSpPr>
+          <p:cNvPr id="2" name="Cím 1">
+            <a:extLst>
+              <a:ext uri="{FF2B5EF4-FFF2-40B4-BE49-F238E27FC236}">
                 <a16:creationId xmlns:a16="http://schemas.microsoft.com/office/drawing/2014/main" id="{89BFBF67-4F85-4580-86C6-0534160CDF2B}"/>
               </a:ext>
             </a:extLst>
@@ -10254,7 +10487,458 @@
 </p:sld>
 </file>
 
-<file path=ppt/slides/slide18.xml><?xml version="1.0" encoding="utf-8"?>
+<file path=ppt/slides/slide2.xml><?xml version="1.0" encoding="utf-8"?>
+<p:sld xmlns:a="http://schemas.openxmlformats.org/drawingml/2006/main" xmlns:r="http://schemas.openxmlformats.org/officeDocument/2006/relationships" xmlns:p="http://schemas.openxmlformats.org/presentationml/2006/main">
+  <p:cSld>
+    <p:spTree>
+      <p:nvGrpSpPr>
+        <p:cNvPr id="1" name=""/>
+        <p:cNvGrpSpPr/>
+        <p:nvPr/>
+      </p:nvGrpSpPr>
+      <p:grpSpPr>
+        <a:xfrm>
+          <a:off x="0" y="0"/>
+          <a:ext cx="0" cy="0"/>
+          <a:chOff x="0" y="0"/>
+          <a:chExt cx="0" cy="0"/>
+        </a:xfrm>
+      </p:grpSpPr>
+      <p:sp>
+        <p:nvSpPr>
+          <p:cNvPr id="2" name="Title 1">
+            <a:extLst>
+              <a:ext uri="{FF2B5EF4-FFF2-40B4-BE49-F238E27FC236}">
+                <a16:creationId xmlns:a16="http://schemas.microsoft.com/office/drawing/2014/main" id="{E7083F78-1294-4FC5-8AA4-F540CE7A66CD}"/>
+              </a:ext>
+            </a:extLst>
+          </p:cNvPr>
+          <p:cNvSpPr>
+            <a:spLocks noGrp="1"/>
+          </p:cNvSpPr>
+          <p:nvPr>
+            <p:ph type="title"/>
+          </p:nvPr>
+        </p:nvSpPr>
+        <p:spPr/>
+        <p:txBody>
+          <a:bodyPr/>
+          <a:lstStyle/>
+          <a:p>
+            <a:pPr algn="ctr"/>
+            <a:r>
+              <a:rPr lang="en-GB"/>
+              <a:t>hatásfokozó adjuvánsok</a:t>
+            </a:r>
+            <a:endParaRPr lang="hu-HU"/>
+          </a:p>
+        </p:txBody>
+      </p:sp>
+      <mc:AlternateContent xmlns:mc="http://schemas.openxmlformats.org/markup-compatibility/2006">
+        <mc:Choice xmlns:psuz="http://schemas.microsoft.com/office/powerpoint/2016/summaryzoom" Requires="psuz">
+          <p:graphicFrame>
+            <p:nvGraphicFramePr>
+              <p:cNvPr id="5" name="Summary Zoom 4">
+                <a:extLst>
+                  <a:ext uri="{FF2B5EF4-FFF2-40B4-BE49-F238E27FC236}">
+                    <a16:creationId xmlns:a16="http://schemas.microsoft.com/office/drawing/2014/main" id="{9CE36444-F7D0-4E7F-A03B-260A13B22101}"/>
+                  </a:ext>
+                </a:extLst>
+              </p:cNvPr>
+              <p:cNvGraphicFramePr>
+                <a:graphicFrameLocks noChangeAspect="1"/>
+              </p:cNvGraphicFramePr>
+              <p:nvPr>
+                <p:extLst>
+                  <p:ext uri="{D42A27DB-BD31-4B8C-83A1-F6EECF244321}">
+                    <p14:modId xmlns:p14="http://schemas.microsoft.com/office/powerpoint/2010/main" val="567719114"/>
+                  </p:ext>
+                </p:extLst>
+              </p:nvPr>
+            </p:nvGraphicFramePr>
+            <p:xfrm>
+              <a:off x="838200" y="1825625"/>
+              <a:ext cx="10515600" cy="4351338"/>
+            </p:xfrm>
+            <a:graphic>
+              <a:graphicData uri="http://schemas.microsoft.com/office/powerpoint/2016/summaryzoom">
+                <psuz:summaryZm>
+                  <psuz:summaryZmObj sectionId="{5A3B203A-878F-4E2C-ACFA-ABF14BA14B0F}">
+                    <psuz:zmPr id="{9CB22C59-32FB-44AF-A458-B7CDA8F87DE7}" transitionDur="1000">
+                      <p166:blipFill xmlns:p166="http://schemas.microsoft.com/office/powerpoint/2016/6/main">
+                        <a:blip r:embed="rId2"/>
+                        <a:stretch>
+                          <a:fillRect/>
+                        </a:stretch>
+                      </p166:blipFill>
+                      <p166:spPr xmlns:p166="http://schemas.microsoft.com/office/powerpoint/2016/6/main">
+                        <a:xfrm>
+                          <a:off x="407479" y="342010"/>
+                          <a:ext cx="3154680" cy="1774508"/>
+                        </a:xfrm>
+                        <a:prstGeom prst="rect">
+                          <a:avLst/>
+                        </a:prstGeom>
+                        <a:ln w="3175">
+                          <a:solidFill>
+                            <a:prstClr val="ltGray"/>
+                          </a:solidFill>
+                        </a:ln>
+                      </p166:spPr>
+                    </psuz:zmPr>
+                  </psuz:summaryZmObj>
+                  <psuz:summaryZmObj sectionId="{94442C10-4974-4EFF-B550-C54433F27F62}">
+                    <psuz:zmPr id="{02327AE6-6A14-4507-9359-D8DFE5CA7228}" transitionDur="1000">
+                      <p166:blipFill xmlns:p166="http://schemas.microsoft.com/office/powerpoint/2016/6/main">
+                        <a:blip r:embed="rId3"/>
+                        <a:stretch>
+                          <a:fillRect/>
+                        </a:stretch>
+                      </p166:blipFill>
+                      <p166:spPr xmlns:p166="http://schemas.microsoft.com/office/powerpoint/2016/6/main">
+                        <a:xfrm>
+                          <a:off x="3680460" y="342010"/>
+                          <a:ext cx="3154680" cy="1774508"/>
+                        </a:xfrm>
+                        <a:prstGeom prst="rect">
+                          <a:avLst/>
+                        </a:prstGeom>
+                        <a:ln w="3175">
+                          <a:solidFill>
+                            <a:prstClr val="ltGray"/>
+                          </a:solidFill>
+                        </a:ln>
+                      </p166:spPr>
+                    </psuz:zmPr>
+                  </psuz:summaryZmObj>
+                  <psuz:summaryZmObj sectionId="{82C87451-ED3F-4A5F-9E2F-714253B08957}">
+                    <psuz:zmPr id="{7E72D19F-0C21-48D6-B21B-A38B01C82CD8}" transitionDur="1000">
+                      <p166:blipFill xmlns:p166="http://schemas.microsoft.com/office/powerpoint/2016/6/main">
+                        <a:blip r:embed="rId4"/>
+                        <a:stretch>
+                          <a:fillRect/>
+                        </a:stretch>
+                      </p166:blipFill>
+                      <p166:spPr xmlns:p166="http://schemas.microsoft.com/office/powerpoint/2016/6/main">
+                        <a:xfrm>
+                          <a:off x="6953441" y="342010"/>
+                          <a:ext cx="3154680" cy="1774508"/>
+                        </a:xfrm>
+                        <a:prstGeom prst="rect">
+                          <a:avLst/>
+                        </a:prstGeom>
+                        <a:ln w="3175">
+                          <a:solidFill>
+                            <a:prstClr val="ltGray"/>
+                          </a:solidFill>
+                        </a:ln>
+                      </p166:spPr>
+                    </psuz:zmPr>
+                  </psuz:summaryZmObj>
+                  <psuz:summaryZmObj sectionId="{A1A9C359-E05D-4E23-99DB-1A0E757D3DF6}">
+                    <psuz:zmPr id="{96DDF2EC-45D5-4C02-9313-7984082142F0}" transitionDur="1000">
+                      <p166:blipFill xmlns:p166="http://schemas.microsoft.com/office/powerpoint/2016/6/main">
+                        <a:blip r:embed="rId5"/>
+                        <a:stretch>
+                          <a:fillRect/>
+                        </a:stretch>
+                      </p166:blipFill>
+                      <p166:spPr xmlns:p166="http://schemas.microsoft.com/office/powerpoint/2016/6/main">
+                        <a:xfrm>
+                          <a:off x="407479" y="2234819"/>
+                          <a:ext cx="3154680" cy="1774508"/>
+                        </a:xfrm>
+                        <a:prstGeom prst="rect">
+                          <a:avLst/>
+                        </a:prstGeom>
+                        <a:ln w="3175">
+                          <a:solidFill>
+                            <a:prstClr val="ltGray"/>
+                          </a:solidFill>
+                        </a:ln>
+                      </p166:spPr>
+                    </psuz:zmPr>
+                  </psuz:summaryZmObj>
+                  <psuz:summaryZmObj sectionId="{9264A050-7501-44C6-B339-B2F45C8018BE}">
+                    <psuz:zmPr id="{92DFEFD9-C832-42F9-BCC3-EA1F403C96E0}" transitionDur="1000">
+                      <p166:blipFill xmlns:p166="http://schemas.microsoft.com/office/powerpoint/2016/6/main">
+                        <a:blip r:embed="rId6"/>
+                        <a:stretch>
+                          <a:fillRect/>
+                        </a:stretch>
+                      </p166:blipFill>
+                      <p166:spPr xmlns:p166="http://schemas.microsoft.com/office/powerpoint/2016/6/main">
+                        <a:xfrm>
+                          <a:off x="3680460" y="2234819"/>
+                          <a:ext cx="3154680" cy="1774508"/>
+                        </a:xfrm>
+                        <a:prstGeom prst="rect">
+                          <a:avLst/>
+                        </a:prstGeom>
+                        <a:ln w="3175">
+                          <a:solidFill>
+                            <a:prstClr val="ltGray"/>
+                          </a:solidFill>
+                        </a:ln>
+                      </p166:spPr>
+                    </psuz:zmPr>
+                  </psuz:summaryZmObj>
+                  <psuz:summaryZmObj sectionId="{6F23ED25-C0F5-48E7-A693-74F6B9140F28}">
+                    <psuz:zmPr id="{2DD43DC5-4590-4832-80DF-2AB0B41E9BB7}" transitionDur="1000">
+                      <p166:blipFill xmlns:p166="http://schemas.microsoft.com/office/powerpoint/2016/6/main">
+                        <a:blip r:embed="rId7"/>
+                        <a:stretch>
+                          <a:fillRect/>
+                        </a:stretch>
+                      </p166:blipFill>
+                      <p166:spPr xmlns:p166="http://schemas.microsoft.com/office/powerpoint/2016/6/main">
+                        <a:xfrm>
+                          <a:off x="6953441" y="2234819"/>
+                          <a:ext cx="3154680" cy="1774508"/>
+                        </a:xfrm>
+                        <a:prstGeom prst="rect">
+                          <a:avLst/>
+                        </a:prstGeom>
+                        <a:ln w="3175">
+                          <a:solidFill>
+                            <a:prstClr val="ltGray"/>
+                          </a:solidFill>
+                        </a:ln>
+                      </p166:spPr>
+                    </psuz:zmPr>
+                  </psuz:summaryZmObj>
+                  <psuz:gridLayout/>
+                </psuz:summaryZm>
+              </a:graphicData>
+            </a:graphic>
+          </p:graphicFrame>
+        </mc:Choice>
+        <mc:Fallback>
+          <p:grpSp>
+            <p:nvGrpSpPr>
+              <p:cNvPr id="5" name="Summary Zoom 4">
+                <a:extLst>
+                  <a:ext uri="{FF2B5EF4-FFF2-40B4-BE49-F238E27FC236}">
+                    <a16:creationId xmlns:a16="http://schemas.microsoft.com/office/drawing/2014/main" id="{9CE36444-F7D0-4E7F-A03B-260A13B22101}"/>
+                  </a:ext>
+                </a:extLst>
+              </p:cNvPr>
+              <p:cNvGrpSpPr>
+                <a:grpSpLocks noGrp="1" noUngrp="1" noRot="1" noChangeAspect="1" noMove="1" noResize="1"/>
+              </p:cNvGrpSpPr>
+              <p:nvPr/>
+            </p:nvGrpSpPr>
+            <p:grpSpPr>
+              <a:xfrm>
+                <a:off x="838200" y="1825625"/>
+                <a:ext cx="10515600" cy="4351338"/>
+                <a:chOff x="838200" y="1825625"/>
+                <a:chExt cx="10515600" cy="4351338"/>
+              </a:xfrm>
+            </p:grpSpPr>
+            <p:pic>
+              <p:nvPicPr>
+                <p:cNvPr id="6" name="Picture 6">
+                  <a:hlinkClick r:id="rId8" action="ppaction://hlinksldjump"/>
+                </p:cNvPr>
+                <p:cNvPicPr>
+                  <a:picLocks noSelect="1" noRot="1" noChangeAspect="1" noMove="1" noResize="1" noEditPoints="1" noAdjustHandles="1" noChangeArrowheads="1" noChangeShapeType="1"/>
+                </p:cNvPicPr>
+                <p:nvPr/>
+              </p:nvPicPr>
+              <p:blipFill>
+                <a:blip r:embed="rId2"/>
+                <a:stretch>
+                  <a:fillRect/>
+                </a:stretch>
+              </p:blipFill>
+              <p:spPr>
+                <a:xfrm>
+                  <a:off x="1245679" y="2167635"/>
+                  <a:ext cx="3154680" cy="1774508"/>
+                </a:xfrm>
+                <a:prstGeom prst="rect">
+                  <a:avLst/>
+                </a:prstGeom>
+                <a:ln w="3175">
+                  <a:solidFill>
+                    <a:prstClr val="ltGray"/>
+                  </a:solidFill>
+                </a:ln>
+              </p:spPr>
+            </p:pic>
+            <p:pic>
+              <p:nvPicPr>
+                <p:cNvPr id="7" name="Picture 7">
+                  <a:hlinkClick r:id="rId9" action="ppaction://hlinksldjump"/>
+                </p:cNvPr>
+                <p:cNvPicPr>
+                  <a:picLocks noSelect="1" noRot="1" noChangeAspect="1" noMove="1" noResize="1" noEditPoints="1" noAdjustHandles="1" noChangeArrowheads="1" noChangeShapeType="1"/>
+                </p:cNvPicPr>
+                <p:nvPr/>
+              </p:nvPicPr>
+              <p:blipFill>
+                <a:blip r:embed="rId3"/>
+                <a:stretch>
+                  <a:fillRect/>
+                </a:stretch>
+              </p:blipFill>
+              <p:spPr>
+                <a:xfrm>
+                  <a:off x="4518660" y="2167635"/>
+                  <a:ext cx="3154680" cy="1774508"/>
+                </a:xfrm>
+                <a:prstGeom prst="rect">
+                  <a:avLst/>
+                </a:prstGeom>
+                <a:ln w="3175">
+                  <a:solidFill>
+                    <a:prstClr val="ltGray"/>
+                  </a:solidFill>
+                </a:ln>
+              </p:spPr>
+            </p:pic>
+            <p:pic>
+              <p:nvPicPr>
+                <p:cNvPr id="8" name="Picture 8">
+                  <a:hlinkClick r:id="rId10" action="ppaction://hlinksldjump"/>
+                </p:cNvPr>
+                <p:cNvPicPr>
+                  <a:picLocks noSelect="1" noRot="1" noChangeAspect="1" noMove="1" noResize="1" noEditPoints="1" noAdjustHandles="1" noChangeArrowheads="1" noChangeShapeType="1"/>
+                </p:cNvPicPr>
+                <p:nvPr/>
+              </p:nvPicPr>
+              <p:blipFill>
+                <a:blip r:embed="rId4"/>
+                <a:stretch>
+                  <a:fillRect/>
+                </a:stretch>
+              </p:blipFill>
+              <p:spPr>
+                <a:xfrm>
+                  <a:off x="7791641" y="2167635"/>
+                  <a:ext cx="3154680" cy="1774508"/>
+                </a:xfrm>
+                <a:prstGeom prst="rect">
+                  <a:avLst/>
+                </a:prstGeom>
+                <a:ln w="3175">
+                  <a:solidFill>
+                    <a:prstClr val="ltGray"/>
+                  </a:solidFill>
+                </a:ln>
+              </p:spPr>
+            </p:pic>
+            <p:pic>
+              <p:nvPicPr>
+                <p:cNvPr id="9" name="Picture 9">
+                  <a:hlinkClick r:id="rId11" action="ppaction://hlinksldjump"/>
+                </p:cNvPr>
+                <p:cNvPicPr>
+                  <a:picLocks noSelect="1" noRot="1" noChangeAspect="1" noMove="1" noResize="1" noEditPoints="1" noAdjustHandles="1" noChangeArrowheads="1" noChangeShapeType="1"/>
+                </p:cNvPicPr>
+                <p:nvPr/>
+              </p:nvPicPr>
+              <p:blipFill>
+                <a:blip r:embed="rId5"/>
+                <a:stretch>
+                  <a:fillRect/>
+                </a:stretch>
+              </p:blipFill>
+              <p:spPr>
+                <a:xfrm>
+                  <a:off x="1245679" y="4060444"/>
+                  <a:ext cx="3154680" cy="1774508"/>
+                </a:xfrm>
+                <a:prstGeom prst="rect">
+                  <a:avLst/>
+                </a:prstGeom>
+                <a:ln w="3175">
+                  <a:solidFill>
+                    <a:prstClr val="ltGray"/>
+                  </a:solidFill>
+                </a:ln>
+              </p:spPr>
+            </p:pic>
+            <p:pic>
+              <p:nvPicPr>
+                <p:cNvPr id="10" name="Picture 10">
+                  <a:hlinkClick r:id="rId12" action="ppaction://hlinksldjump"/>
+                </p:cNvPr>
+                <p:cNvPicPr>
+                  <a:picLocks noSelect="1" noRot="1" noChangeAspect="1" noMove="1" noResize="1" noEditPoints="1" noAdjustHandles="1" noChangeArrowheads="1" noChangeShapeType="1"/>
+                </p:cNvPicPr>
+                <p:nvPr/>
+              </p:nvPicPr>
+              <p:blipFill>
+                <a:blip r:embed="rId6"/>
+                <a:stretch>
+                  <a:fillRect/>
+                </a:stretch>
+              </p:blipFill>
+              <p:spPr>
+                <a:xfrm>
+                  <a:off x="4518660" y="4060444"/>
+                  <a:ext cx="3154680" cy="1774508"/>
+                </a:xfrm>
+                <a:prstGeom prst="rect">
+                  <a:avLst/>
+                </a:prstGeom>
+                <a:ln w="3175">
+                  <a:solidFill>
+                    <a:prstClr val="ltGray"/>
+                  </a:solidFill>
+                </a:ln>
+              </p:spPr>
+            </p:pic>
+            <p:pic>
+              <p:nvPicPr>
+                <p:cNvPr id="11" name="Picture 11">
+                  <a:hlinkClick r:id="rId13" action="ppaction://hlinksldjump"/>
+                </p:cNvPr>
+                <p:cNvPicPr>
+                  <a:picLocks noSelect="1" noRot="1" noChangeAspect="1" noMove="1" noResize="1" noEditPoints="1" noAdjustHandles="1" noChangeArrowheads="1" noChangeShapeType="1"/>
+                </p:cNvPicPr>
+                <p:nvPr/>
+              </p:nvPicPr>
+              <p:blipFill>
+                <a:blip r:embed="rId7"/>
+                <a:stretch>
+                  <a:fillRect/>
+                </a:stretch>
+              </p:blipFill>
+              <p:spPr>
+                <a:xfrm>
+                  <a:off x="7791641" y="4060444"/>
+                  <a:ext cx="3154680" cy="1774508"/>
+                </a:xfrm>
+                <a:prstGeom prst="rect">
+                  <a:avLst/>
+                </a:prstGeom>
+                <a:ln w="3175">
+                  <a:solidFill>
+                    <a:prstClr val="ltGray"/>
+                  </a:solidFill>
+                </a:ln>
+              </p:spPr>
+            </p:pic>
+          </p:grpSp>
+        </mc:Fallback>
+      </mc:AlternateContent>
+    </p:spTree>
+    <p:extLst>
+      <p:ext uri="{BB962C8B-B14F-4D97-AF65-F5344CB8AC3E}">
+        <p14:creationId xmlns:p14="http://schemas.microsoft.com/office/powerpoint/2010/main" val="3085269089"/>
+      </p:ext>
+    </p:extLst>
+  </p:cSld>
+  <p:clrMapOvr>
+    <a:masterClrMapping/>
+  </p:clrMapOvr>
+</p:sld>
+</file>
+
+<file path=ppt/slides/slide20.xml><?xml version="1.0" encoding="utf-8"?>
 <p:sld xmlns:a="http://schemas.openxmlformats.org/drawingml/2006/main" xmlns:r="http://schemas.openxmlformats.org/officeDocument/2006/relationships" xmlns:p="http://schemas.openxmlformats.org/presentationml/2006/main">
   <p:cSld>
     <p:spTree>
@@ -10360,7 +11044,91 @@
 </p:sld>
 </file>
 
-<file path=ppt/slides/slide19.xml><?xml version="1.0" encoding="utf-8"?>
+<file path=ppt/slides/slide21.xml><?xml version="1.0" encoding="utf-8"?>
+<p:sld xmlns:a="http://schemas.openxmlformats.org/drawingml/2006/main" xmlns:r="http://schemas.openxmlformats.org/officeDocument/2006/relationships" xmlns:p="http://schemas.openxmlformats.org/presentationml/2006/main">
+  <p:cSld>
+    <p:spTree>
+      <p:nvGrpSpPr>
+        <p:cNvPr id="1" name=""/>
+        <p:cNvGrpSpPr/>
+        <p:nvPr/>
+      </p:nvGrpSpPr>
+      <p:grpSpPr>
+        <a:xfrm>
+          <a:off x="0" y="0"/>
+          <a:ext cx="0" cy="0"/>
+          <a:chOff x="0" y="0"/>
+          <a:chExt cx="0" cy="0"/>
+        </a:xfrm>
+      </p:grpSpPr>
+      <p:sp>
+        <p:nvSpPr>
+          <p:cNvPr id="2" name="Title 1">
+            <a:extLst>
+              <a:ext uri="{FF2B5EF4-FFF2-40B4-BE49-F238E27FC236}">
+                <a16:creationId xmlns:a16="http://schemas.microsoft.com/office/drawing/2014/main" id="{B6C00DE4-50A1-4A13-A049-34929305865F}"/>
+              </a:ext>
+            </a:extLst>
+          </p:cNvPr>
+          <p:cNvSpPr>
+            <a:spLocks noGrp="1"/>
+          </p:cNvSpPr>
+          <p:nvPr>
+            <p:ph type="ctrTitle"/>
+          </p:nvPr>
+        </p:nvSpPr>
+        <p:spPr/>
+        <p:txBody>
+          <a:bodyPr/>
+          <a:lstStyle/>
+          <a:p>
+            <a:r>
+              <a:rPr lang="en-GB"/>
+              <a:t>dinamika</a:t>
+            </a:r>
+            <a:endParaRPr lang="hu-HU"/>
+          </a:p>
+        </p:txBody>
+      </p:sp>
+      <p:sp>
+        <p:nvSpPr>
+          <p:cNvPr id="3" name="Subtitle 2">
+            <a:extLst>
+              <a:ext uri="{FF2B5EF4-FFF2-40B4-BE49-F238E27FC236}">
+                <a16:creationId xmlns:a16="http://schemas.microsoft.com/office/drawing/2014/main" id="{61F250AD-A6CB-4206-A25F-3BD4879EEA2C}"/>
+              </a:ext>
+            </a:extLst>
+          </p:cNvPr>
+          <p:cNvSpPr>
+            <a:spLocks noGrp="1"/>
+          </p:cNvSpPr>
+          <p:nvPr>
+            <p:ph type="subTitle" idx="1"/>
+          </p:nvPr>
+        </p:nvSpPr>
+        <p:spPr/>
+        <p:txBody>
+          <a:bodyPr/>
+          <a:lstStyle/>
+          <a:p>
+            <a:endParaRPr lang="hu-HU"/>
+          </a:p>
+        </p:txBody>
+      </p:sp>
+    </p:spTree>
+    <p:extLst>
+      <p:ext uri="{BB962C8B-B14F-4D97-AF65-F5344CB8AC3E}">
+        <p14:creationId xmlns:p14="http://schemas.microsoft.com/office/powerpoint/2010/main" val="3684311638"/>
+      </p:ext>
+    </p:extLst>
+  </p:cSld>
+  <p:clrMapOvr>
+    <a:masterClrMapping/>
+  </p:clrMapOvr>
+</p:sld>
+</file>
+
+<file path=ppt/slides/slide22.xml><?xml version="1.0" encoding="utf-8"?>
 <p:sld xmlns:a="http://schemas.openxmlformats.org/drawingml/2006/main" xmlns:r="http://schemas.openxmlformats.org/officeDocument/2006/relationships" xmlns:p="http://schemas.openxmlformats.org/presentationml/2006/main">
   <p:cSld>
     <p:spTree>
@@ -10584,125 +11352,7 @@
 </p:sld>
 </file>
 
-<file path=ppt/slides/slide2.xml><?xml version="1.0" encoding="utf-8"?>
-<p:sld xmlns:a="http://schemas.openxmlformats.org/drawingml/2006/main" xmlns:r="http://schemas.openxmlformats.org/officeDocument/2006/relationships" xmlns:p="http://schemas.openxmlformats.org/presentationml/2006/main">
-  <p:cSld>
-    <p:spTree>
-      <p:nvGrpSpPr>
-        <p:cNvPr id="1" name=""/>
-        <p:cNvGrpSpPr/>
-        <p:nvPr/>
-      </p:nvGrpSpPr>
-      <p:grpSpPr>
-        <a:xfrm>
-          <a:off x="0" y="0"/>
-          <a:ext cx="0" cy="0"/>
-          <a:chOff x="0" y="0"/>
-          <a:chExt cx="0" cy="0"/>
-        </a:xfrm>
-      </p:grpSpPr>
-      <p:sp>
-        <p:nvSpPr>
-          <p:cNvPr id="2" name="Cím 1">
-            <a:extLst>
-              <a:ext uri="{FF2B5EF4-FFF2-40B4-BE49-F238E27FC236}">
-                <a16:creationId xmlns:a16="http://schemas.microsoft.com/office/drawing/2014/main" id="{F28B8B87-71A1-420E-A4A7-4FA0401C7639}"/>
-              </a:ext>
-            </a:extLst>
-          </p:cNvPr>
-          <p:cNvSpPr>
-            <a:spLocks noGrp="1"/>
-          </p:cNvSpPr>
-          <p:nvPr>
-            <p:ph type="title"/>
-          </p:nvPr>
-        </p:nvSpPr>
-        <p:spPr/>
-        <p:txBody>
-          <a:bodyPr/>
-          <a:lstStyle/>
-          <a:p>
-            <a:r>
-              <a:rPr lang="hu-HU" dirty="0" err="1"/>
-              <a:t>Adjuváns</a:t>
-            </a:r>
-            <a:r>
-              <a:rPr lang="hu-HU" dirty="0"/>
-              <a:t> kiválasztás </a:t>
-            </a:r>
-          </a:p>
-        </p:txBody>
-      </p:sp>
-      <p:sp>
-        <p:nvSpPr>
-          <p:cNvPr id="3" name="Tartalom helye 2">
-            <a:extLst>
-              <a:ext uri="{FF2B5EF4-FFF2-40B4-BE49-F238E27FC236}">
-                <a16:creationId xmlns:a16="http://schemas.microsoft.com/office/drawing/2014/main" id="{94E9E9F9-C272-4110-9476-DA37831A7456}"/>
-              </a:ext>
-            </a:extLst>
-          </p:cNvPr>
-          <p:cNvSpPr>
-            <a:spLocks noGrp="1"/>
-          </p:cNvSpPr>
-          <p:nvPr>
-            <p:ph idx="1"/>
-          </p:nvPr>
-        </p:nvSpPr>
-        <p:spPr/>
-        <p:txBody>
-          <a:bodyPr/>
-          <a:lstStyle/>
-          <a:p>
-            <a:r>
-              <a:rPr lang="hu-HU" dirty="0"/>
-              <a:t>1) az agrárkemikália  hatóanyaga és a </a:t>
-            </a:r>
-            <a:r>
-              <a:rPr lang="hu-HU" dirty="0" err="1"/>
-              <a:t>formatipus</a:t>
-            </a:r>
-            <a:r>
-              <a:rPr lang="hu-HU" dirty="0"/>
-              <a:t> szerepe</a:t>
-            </a:r>
-          </a:p>
-          <a:p>
-            <a:r>
-              <a:rPr lang="hu-HU" dirty="0"/>
-              <a:t>2)határfelületen bekövetkező  változások, folyamatok</a:t>
-            </a:r>
-          </a:p>
-          <a:p>
-            <a:r>
-              <a:rPr lang="hu-HU" dirty="0"/>
-              <a:t>3) az „</a:t>
-            </a:r>
-            <a:r>
-              <a:rPr lang="hu-HU" dirty="0" err="1"/>
-              <a:t>uptake</a:t>
-            </a:r>
-            <a:r>
-              <a:rPr lang="hu-HU" dirty="0"/>
-              <a:t>” aktiválásának  tényezői</a:t>
-            </a:r>
-          </a:p>
-        </p:txBody>
-      </p:sp>
-    </p:spTree>
-    <p:extLst>
-      <p:ext uri="{BB962C8B-B14F-4D97-AF65-F5344CB8AC3E}">
-        <p14:creationId xmlns:p14="http://schemas.microsoft.com/office/powerpoint/2010/main" val="3732040952"/>
-      </p:ext>
-    </p:extLst>
-  </p:cSld>
-  <p:clrMapOvr>
-    <a:masterClrMapping/>
-  </p:clrMapOvr>
-</p:sld>
-</file>
-
-<file path=ppt/slides/slide20.xml><?xml version="1.0" encoding="utf-8"?>
+<file path=ppt/slides/slide23.xml><?xml version="1.0" encoding="utf-8"?>
 <p:sld xmlns:a="http://schemas.openxmlformats.org/drawingml/2006/main" xmlns:r="http://schemas.openxmlformats.org/officeDocument/2006/relationships" xmlns:p="http://schemas.openxmlformats.org/presentationml/2006/main">
   <p:cSld>
     <p:spTree>
@@ -10895,7 +11545,7 @@
 </p:sld>
 </file>
 
-<file path=ppt/slides/slide21.xml><?xml version="1.0" encoding="utf-8"?>
+<file path=ppt/slides/slide24.xml><?xml version="1.0" encoding="utf-8"?>
 <p:sld xmlns:a="http://schemas.openxmlformats.org/drawingml/2006/main" xmlns:r="http://schemas.openxmlformats.org/officeDocument/2006/relationships" xmlns:p="http://schemas.openxmlformats.org/presentationml/2006/main">
   <p:cSld>
     <p:spTree>
@@ -11081,7 +11731,7 @@
 </p:sld>
 </file>
 
-<file path=ppt/slides/slide22.xml><?xml version="1.0" encoding="utf-8"?>
+<file path=ppt/slides/slide25.xml><?xml version="1.0" encoding="utf-8"?>
 <p:sld xmlns:a="http://schemas.openxmlformats.org/drawingml/2006/main" xmlns:r="http://schemas.openxmlformats.org/officeDocument/2006/relationships" xmlns:p="http://schemas.openxmlformats.org/presentationml/2006/main">
   <p:cSld>
     <p:spTree>
@@ -11229,7 +11879,7 @@
 </p:sld>
 </file>
 
-<file path=ppt/slides/slide23.xml><?xml version="1.0" encoding="utf-8"?>
+<file path=ppt/slides/slide26.xml><?xml version="1.0" encoding="utf-8"?>
 <p:sld xmlns:a="http://schemas.openxmlformats.org/drawingml/2006/main" xmlns:r="http://schemas.openxmlformats.org/officeDocument/2006/relationships" xmlns:p="http://schemas.openxmlformats.org/presentationml/2006/main">
   <p:cSld>
     <p:spTree>
@@ -11375,7 +12025,7 @@
 </p:sld>
 </file>
 
-<file path=ppt/slides/slide24.xml><?xml version="1.0" encoding="utf-8"?>
+<file path=ppt/slides/slide27.xml><?xml version="1.0" encoding="utf-8"?>
 <p:sld xmlns:a="http://schemas.openxmlformats.org/drawingml/2006/main" xmlns:r="http://schemas.openxmlformats.org/officeDocument/2006/relationships" xmlns:p="http://schemas.openxmlformats.org/presentationml/2006/main">
   <p:cSld>
     <p:spTree>
@@ -11565,7 +12215,7 @@
 </p:sld>
 </file>
 
-<file path=ppt/slides/slide25.xml><?xml version="1.0" encoding="utf-8"?>
+<file path=ppt/slides/slide28.xml><?xml version="1.0" encoding="utf-8"?>
 <p:sld xmlns:a="http://schemas.openxmlformats.org/drawingml/2006/main" xmlns:r="http://schemas.openxmlformats.org/officeDocument/2006/relationships" xmlns:p="http://schemas.openxmlformats.org/presentationml/2006/main">
   <p:cSld>
     <p:spTree>
@@ -11667,358 +12317,6 @@
 </p:sld>
 </file>
 
-<file path=ppt/slides/slide26.xml><?xml version="1.0" encoding="utf-8"?>
-<p:sld xmlns:a="http://schemas.openxmlformats.org/drawingml/2006/main" xmlns:r="http://schemas.openxmlformats.org/officeDocument/2006/relationships" xmlns:p="http://schemas.openxmlformats.org/presentationml/2006/main">
-  <p:cSld>
-    <p:spTree>
-      <p:nvGrpSpPr>
-        <p:cNvPr id="1" name=""/>
-        <p:cNvGrpSpPr/>
-        <p:nvPr/>
-      </p:nvGrpSpPr>
-      <p:grpSpPr>
-        <a:xfrm>
-          <a:off x="0" y="0"/>
-          <a:ext cx="0" cy="0"/>
-          <a:chOff x="0" y="0"/>
-          <a:chExt cx="0" cy="0"/>
-        </a:xfrm>
-      </p:grpSpPr>
-      <p:sp>
-        <p:nvSpPr>
-          <p:cNvPr id="2" name="Cím 1">
-            <a:extLst>
-              <a:ext uri="{FF2B5EF4-FFF2-40B4-BE49-F238E27FC236}">
-                <a16:creationId xmlns:a16="http://schemas.microsoft.com/office/drawing/2014/main" id="{9E8592AE-5A5D-467E-91A0-AD816BDA5EF4}"/>
-              </a:ext>
-            </a:extLst>
-          </p:cNvPr>
-          <p:cNvSpPr>
-            <a:spLocks noGrp="1"/>
-          </p:cNvSpPr>
-          <p:nvPr>
-            <p:ph type="title"/>
-          </p:nvPr>
-        </p:nvSpPr>
-        <p:spPr/>
-        <p:txBody>
-          <a:bodyPr/>
-          <a:lstStyle/>
-          <a:p>
-            <a:r>
-              <a:rPr lang="hu-HU" dirty="0"/>
-              <a:t>Dinamikus felületi feszültség </a:t>
-            </a:r>
-            <a:r>
-              <a:rPr lang="hu-HU" dirty="0" err="1"/>
-              <a:t>etoxilátumoknál</a:t>
-            </a:r>
-            <a:r>
-              <a:rPr lang="hu-HU" dirty="0"/>
-              <a:t> – magyarázat</a:t>
-            </a:r>
-          </a:p>
-        </p:txBody>
-      </p:sp>
-      <p:sp>
-        <p:nvSpPr>
-          <p:cNvPr id="3" name="Tartalom helye 2">
-            <a:extLst>
-              <a:ext uri="{FF2B5EF4-FFF2-40B4-BE49-F238E27FC236}">
-                <a16:creationId xmlns:a16="http://schemas.microsoft.com/office/drawing/2014/main" id="{14168E06-5F69-4958-ADC6-CAC3EE5D8E7B}"/>
-              </a:ext>
-            </a:extLst>
-          </p:cNvPr>
-          <p:cNvSpPr>
-            <a:spLocks noGrp="1"/>
-          </p:cNvSpPr>
-          <p:nvPr>
-            <p:ph idx="1"/>
-          </p:nvPr>
-        </p:nvSpPr>
-        <p:spPr/>
-        <p:txBody>
-          <a:bodyPr/>
-          <a:lstStyle/>
-          <a:p>
-            <a:r>
-              <a:rPr lang="hu-HU" dirty="0"/>
-              <a:t>A gyakorlatban megfigyelték, hogy a dinamikus felületi feszültség gyakran  kisebb  magasabb </a:t>
-            </a:r>
-            <a:r>
-              <a:rPr lang="hu-HU" dirty="0" err="1"/>
-              <a:t>etoxilálási</a:t>
-            </a:r>
-            <a:r>
-              <a:rPr lang="hu-HU" dirty="0"/>
-              <a:t> fok mellett. </a:t>
-            </a:r>
-          </a:p>
-          <a:p>
-            <a:r>
-              <a:rPr lang="hu-HU" dirty="0"/>
-              <a:t>Nagyobb EO &gt;&gt; nagyobb </a:t>
-            </a:r>
-            <a:r>
-              <a:rPr lang="hu-HU" dirty="0" err="1"/>
-              <a:t>cmc</a:t>
-            </a:r>
-            <a:endParaRPr lang="hu-HU" dirty="0"/>
-          </a:p>
-          <a:p>
-            <a:r>
-              <a:rPr lang="hu-HU" dirty="0"/>
-              <a:t>Anomália magyarázata:  kisebb micellákat képeznek: </a:t>
-            </a:r>
-            <a:r>
-              <a:rPr lang="hu-HU" dirty="0" err="1"/>
-              <a:t>aggregációs</a:t>
-            </a:r>
-            <a:r>
-              <a:rPr lang="hu-HU" dirty="0"/>
-              <a:t> szám,   asszociációs fok kisebb mint rövidebb EO lán esetén</a:t>
-            </a:r>
-          </a:p>
-          <a:p>
-            <a:r>
-              <a:rPr lang="hu-HU" dirty="0"/>
-              <a:t>Emiatt a micella élettartama kisebb</a:t>
-            </a:r>
-          </a:p>
-          <a:p>
-            <a:r>
-              <a:rPr lang="hu-HU" dirty="0"/>
-              <a:t>Igy magyarázható, hogy miért  lehet alacsonyabb a dinamikus felületi feszültség  hosszabb EO lánc esetén (ugyanazon koncentrációknál mérve)</a:t>
-            </a:r>
-          </a:p>
-        </p:txBody>
-      </p:sp>
-    </p:spTree>
-    <p:extLst>
-      <p:ext uri="{BB962C8B-B14F-4D97-AF65-F5344CB8AC3E}">
-        <p14:creationId xmlns:p14="http://schemas.microsoft.com/office/powerpoint/2010/main" val="136699723"/>
-      </p:ext>
-    </p:extLst>
-  </p:cSld>
-  <p:clrMapOvr>
-    <a:masterClrMapping/>
-  </p:clrMapOvr>
-</p:sld>
-</file>
-
-<file path=ppt/slides/slide27.xml><?xml version="1.0" encoding="utf-8"?>
-<p:sld xmlns:a="http://schemas.openxmlformats.org/drawingml/2006/main" xmlns:r="http://schemas.openxmlformats.org/officeDocument/2006/relationships" xmlns:p="http://schemas.openxmlformats.org/presentationml/2006/main">
-  <p:cSld>
-    <p:spTree>
-      <p:nvGrpSpPr>
-        <p:cNvPr id="1" name=""/>
-        <p:cNvGrpSpPr/>
-        <p:nvPr/>
-      </p:nvGrpSpPr>
-      <p:grpSpPr>
-        <a:xfrm>
-          <a:off x="0" y="0"/>
-          <a:ext cx="0" cy="0"/>
-          <a:chOff x="0" y="0"/>
-          <a:chExt cx="0" cy="0"/>
-        </a:xfrm>
-      </p:grpSpPr>
-      <p:sp>
-        <p:nvSpPr>
-          <p:cNvPr id="2" name="Cím 1">
-            <a:extLst>
-              <a:ext uri="{FF2B5EF4-FFF2-40B4-BE49-F238E27FC236}">
-                <a16:creationId xmlns:a16="http://schemas.microsoft.com/office/drawing/2014/main" id="{F49239E9-BA6C-4472-9157-C7BF178C59DD}"/>
-              </a:ext>
-            </a:extLst>
-          </p:cNvPr>
-          <p:cNvSpPr>
-            <a:spLocks noGrp="1"/>
-          </p:cNvSpPr>
-          <p:nvPr>
-            <p:ph type="title"/>
-          </p:nvPr>
-        </p:nvSpPr>
-        <p:spPr/>
-        <p:txBody>
-          <a:bodyPr/>
-          <a:lstStyle/>
-          <a:p>
-            <a:r>
-              <a:rPr lang="hu-HU" dirty="0"/>
-              <a:t>Dinamikus felületi feszültség  anionosoknál</a:t>
-            </a:r>
-          </a:p>
-        </p:txBody>
-      </p:sp>
-      <p:sp>
-        <p:nvSpPr>
-          <p:cNvPr id="3" name="Tartalom helye 2">
-            <a:extLst>
-              <a:ext uri="{FF2B5EF4-FFF2-40B4-BE49-F238E27FC236}">
-                <a16:creationId xmlns:a16="http://schemas.microsoft.com/office/drawing/2014/main" id="{51301FA5-7BC9-444F-808C-DD4EA44AD453}"/>
-              </a:ext>
-            </a:extLst>
-          </p:cNvPr>
-          <p:cNvSpPr>
-            <a:spLocks noGrp="1"/>
-          </p:cNvSpPr>
-          <p:nvPr>
-            <p:ph idx="1"/>
-          </p:nvPr>
-        </p:nvSpPr>
-        <p:spPr>
-          <a:xfrm>
-            <a:off x="838200" y="1690688"/>
-            <a:ext cx="10515600" cy="4351338"/>
-          </a:xfrm>
-        </p:spPr>
-        <p:txBody>
-          <a:bodyPr/>
-          <a:lstStyle/>
-          <a:p>
-            <a:r>
-              <a:rPr lang="hu-HU" dirty="0"/>
-              <a:t>1) ugyanazon ionos csoportot tartalmazók esetében a micella élettartama csökken a hidrofób </a:t>
-            </a:r>
-            <a:r>
-              <a:rPr lang="hu-HU" dirty="0" err="1"/>
-              <a:t>alkilánc</a:t>
-            </a:r>
-            <a:r>
-              <a:rPr lang="hu-HU" dirty="0"/>
-              <a:t> hosszának csökkentésekor</a:t>
-            </a:r>
-          </a:p>
-          <a:p>
-            <a:r>
-              <a:rPr lang="hu-HU" dirty="0"/>
-              <a:t>2) az </a:t>
-            </a:r>
-            <a:r>
-              <a:rPr lang="hu-HU" dirty="0" err="1"/>
-              <a:t>alkil</a:t>
-            </a:r>
-            <a:r>
-              <a:rPr lang="hu-HU" dirty="0"/>
-              <a:t>-lánc elágazása  fontos szerephez jut a micella élettartamának alakulásában</a:t>
-            </a:r>
-          </a:p>
-        </p:txBody>
-      </p:sp>
-    </p:spTree>
-    <p:extLst>
-      <p:ext uri="{BB962C8B-B14F-4D97-AF65-F5344CB8AC3E}">
-        <p14:creationId xmlns:p14="http://schemas.microsoft.com/office/powerpoint/2010/main" val="1971053316"/>
-      </p:ext>
-    </p:extLst>
-  </p:cSld>
-  <p:clrMapOvr>
-    <a:masterClrMapping/>
-  </p:clrMapOvr>
-</p:sld>
-</file>
-
-<file path=ppt/slides/slide28.xml><?xml version="1.0" encoding="utf-8"?>
-<p:sld xmlns:a="http://schemas.openxmlformats.org/drawingml/2006/main" xmlns:r="http://schemas.openxmlformats.org/officeDocument/2006/relationships" xmlns:p="http://schemas.openxmlformats.org/presentationml/2006/main">
-  <p:cSld>
-    <p:spTree>
-      <p:nvGrpSpPr>
-        <p:cNvPr id="1" name=""/>
-        <p:cNvGrpSpPr/>
-        <p:nvPr/>
-      </p:nvGrpSpPr>
-      <p:grpSpPr>
-        <a:xfrm>
-          <a:off x="0" y="0"/>
-          <a:ext cx="0" cy="0"/>
-          <a:chOff x="0" y="0"/>
-          <a:chExt cx="0" cy="0"/>
-        </a:xfrm>
-      </p:grpSpPr>
-      <p:sp>
-        <p:nvSpPr>
-          <p:cNvPr id="2" name="Cím 1">
-            <a:extLst>
-              <a:ext uri="{FF2B5EF4-FFF2-40B4-BE49-F238E27FC236}">
-                <a16:creationId xmlns:a16="http://schemas.microsoft.com/office/drawing/2014/main" id="{C070FA50-F3F5-4808-8007-550BA9C7F8FA}"/>
-              </a:ext>
-            </a:extLst>
-          </p:cNvPr>
-          <p:cNvSpPr>
-            <a:spLocks noGrp="1"/>
-          </p:cNvSpPr>
-          <p:nvPr>
-            <p:ph type="title"/>
-          </p:nvPr>
-        </p:nvSpPr>
-        <p:spPr/>
-        <p:txBody>
-          <a:bodyPr/>
-          <a:lstStyle/>
-          <a:p>
-            <a:r>
-              <a:rPr lang="hu-HU" dirty="0"/>
-              <a:t>A micella méret</a:t>
-            </a:r>
-          </a:p>
-        </p:txBody>
-      </p:sp>
-      <p:sp>
-        <p:nvSpPr>
-          <p:cNvPr id="3" name="Tartalom helye 2">
-            <a:extLst>
-              <a:ext uri="{FF2B5EF4-FFF2-40B4-BE49-F238E27FC236}">
-                <a16:creationId xmlns:a16="http://schemas.microsoft.com/office/drawing/2014/main" id="{4A734D13-A0D5-43D1-8C17-8696E6F69880}"/>
-              </a:ext>
-            </a:extLst>
-          </p:cNvPr>
-          <p:cNvSpPr>
-            <a:spLocks noGrp="1"/>
-          </p:cNvSpPr>
-          <p:nvPr>
-            <p:ph idx="1"/>
-          </p:nvPr>
-        </p:nvSpPr>
-        <p:spPr/>
-        <p:txBody>
-          <a:bodyPr/>
-          <a:lstStyle/>
-          <a:p>
-            <a:r>
-              <a:rPr lang="hu-HU" dirty="0"/>
-              <a:t>Nemcsak a micella élettartama fontos, hanem a mérete is</a:t>
-            </a:r>
-          </a:p>
-          <a:p>
-            <a:r>
-              <a:rPr lang="hu-HU" dirty="0"/>
-              <a:t>Nagyobb micella méret jobb </a:t>
-            </a:r>
-            <a:r>
-              <a:rPr lang="hu-HU" dirty="0" err="1"/>
-              <a:t>szolubilizáló</a:t>
-            </a:r>
-            <a:r>
-              <a:rPr lang="hu-HU" dirty="0"/>
-              <a:t> képességet jelent</a:t>
-            </a:r>
-          </a:p>
-        </p:txBody>
-      </p:sp>
-    </p:spTree>
-    <p:extLst>
-      <p:ext uri="{BB962C8B-B14F-4D97-AF65-F5344CB8AC3E}">
-        <p14:creationId xmlns:p14="http://schemas.microsoft.com/office/powerpoint/2010/main" val="1844841582"/>
-      </p:ext>
-    </p:extLst>
-  </p:cSld>
-  <p:clrMapOvr>
-    <a:masterClrMapping/>
-  </p:clrMapOvr>
-</p:sld>
-</file>
-
 <file path=ppt/slides/slide29.xml><?xml version="1.0" encoding="utf-8"?>
 <p:sld xmlns:a="http://schemas.openxmlformats.org/drawingml/2006/main" xmlns:r="http://schemas.openxmlformats.org/officeDocument/2006/relationships" xmlns:p="http://schemas.openxmlformats.org/presentationml/2006/main">
   <p:cSld>
@@ -12041,7 +12339,7 @@
           <p:cNvPr id="2" name="Cím 1">
             <a:extLst>
               <a:ext uri="{FF2B5EF4-FFF2-40B4-BE49-F238E27FC236}">
-                <a16:creationId xmlns:a16="http://schemas.microsoft.com/office/drawing/2014/main" id="{1B2797F8-9C27-4A93-955F-EBA9C5C21C0B}"/>
+                <a16:creationId xmlns:a16="http://schemas.microsoft.com/office/drawing/2014/main" id="{9E8592AE-5A5D-467E-91A0-AD816BDA5EF4}"/>
               </a:ext>
             </a:extLst>
           </p:cNvPr>
@@ -12059,15 +12357,15 @@
           <a:p>
             <a:r>
               <a:rPr lang="hu-HU" dirty="0"/>
-              <a:t>Magas </a:t>
-            </a:r>
-            <a:r>
-              <a:rPr lang="hu-HU" dirty="0" err="1"/>
-              <a:t>tenzid</a:t>
-            </a:r>
-            <a:r>
-              <a:rPr lang="hu-HU" dirty="0"/>
-              <a:t> koncentráció a permetcseppben</a:t>
+              <a:t>Dinamikus felületi feszültség </a:t>
+            </a:r>
+            <a:r>
+              <a:rPr lang="hu-HU" dirty="0" err="1"/>
+              <a:t>etoxilátumoknál</a:t>
+            </a:r>
+            <a:r>
+              <a:rPr lang="hu-HU" dirty="0"/>
+              <a:t> – magyarázat</a:t>
             </a:r>
           </a:p>
         </p:txBody>
@@ -12077,7 +12375,7 @@
           <p:cNvPr id="3" name="Tartalom helye 2">
             <a:extLst>
               <a:ext uri="{FF2B5EF4-FFF2-40B4-BE49-F238E27FC236}">
-                <a16:creationId xmlns:a16="http://schemas.microsoft.com/office/drawing/2014/main" id="{C5164C1E-F510-45FD-BD53-023DF4E6E1D2}"/>
+                <a16:creationId xmlns:a16="http://schemas.microsoft.com/office/drawing/2014/main" id="{14168E06-5F69-4958-ADC6-CAC3EE5D8E7B}"/>
               </a:ext>
             </a:extLst>
           </p:cNvPr>
@@ -12095,50 +12393,60 @@
           <a:p>
             <a:r>
               <a:rPr lang="hu-HU" dirty="0"/>
-              <a:t>A felületen  levő  permetcsepp párolgás következtében </a:t>
-            </a:r>
-            <a:r>
-              <a:rPr lang="hu-HU" dirty="0" err="1"/>
-              <a:t>betöményedik</a:t>
-            </a:r>
-            <a:r>
-              <a:rPr lang="hu-HU" dirty="0"/>
-              <a:t> </a:t>
-            </a:r>
-            <a:r>
-              <a:rPr lang="hu-HU" dirty="0" err="1"/>
-              <a:t>tenzidre</a:t>
-            </a:r>
-            <a:r>
-              <a:rPr lang="hu-HU" dirty="0"/>
-              <a:t> nézve is</a:t>
-            </a:r>
-          </a:p>
-          <a:p>
-            <a:r>
-              <a:rPr lang="hu-HU" dirty="0"/>
-              <a:t>Magas </a:t>
-            </a:r>
-            <a:r>
-              <a:rPr lang="hu-HU" dirty="0" err="1"/>
-              <a:t>tenzid</a:t>
-            </a:r>
-            <a:r>
-              <a:rPr lang="hu-HU" dirty="0"/>
-              <a:t> koncentráció esetén különböző folyékony kristályos fázisok képződnek: hexagonális, köbös, </a:t>
-            </a:r>
-            <a:r>
-              <a:rPr lang="hu-HU" dirty="0" err="1"/>
-              <a:t>lamelláris</a:t>
+              <a:t>A gyakorlatban megfigyelték, hogy a dinamikus felületi feszültség gyakran  kisebb  magasabb </a:t>
+            </a:r>
+            <a:r>
+              <a:rPr lang="hu-HU" dirty="0" err="1"/>
+              <a:t>etoxilálási</a:t>
+            </a:r>
+            <a:r>
+              <a:rPr lang="hu-HU" dirty="0"/>
+              <a:t> fok mellett. </a:t>
+            </a:r>
+          </a:p>
+          <a:p>
+            <a:r>
+              <a:rPr lang="hu-HU" dirty="0"/>
+              <a:t>Nagyobb EO &gt;&gt; nagyobb </a:t>
+            </a:r>
+            <a:r>
+              <a:rPr lang="hu-HU" dirty="0" err="1"/>
+              <a:t>cmc</a:t>
             </a:r>
             <a:endParaRPr lang="hu-HU" dirty="0"/>
+          </a:p>
+          <a:p>
+            <a:r>
+              <a:rPr lang="hu-HU" dirty="0"/>
+              <a:t>Anomália magyarázata:  kisebb micellákat képeznek: </a:t>
+            </a:r>
+            <a:r>
+              <a:rPr lang="hu-HU" dirty="0" err="1"/>
+              <a:t>aggregációs</a:t>
+            </a:r>
+            <a:r>
+              <a:rPr lang="hu-HU" dirty="0"/>
+              <a:t> szám,   asszociációs fok kisebb mint rövidebb EO lán esetén</a:t>
+            </a:r>
+          </a:p>
+          <a:p>
+            <a:r>
+              <a:rPr lang="hu-HU" dirty="0"/>
+              <a:t>Emiatt a micella élettartama kisebb</a:t>
+            </a:r>
+          </a:p>
+          <a:p>
+            <a:r>
+              <a:rPr lang="hu-HU" dirty="0"/>
+              <a:t>Igy magyarázható, hogy miért  lehet alacsonyabb a dinamikus felületi feszültség  hosszabb EO lánc esetén (ugyanazon koncentrációknál mérve)</a:t>
+            </a:r>
           </a:p>
         </p:txBody>
       </p:sp>
     </p:spTree>
     <p:extLst>
       <p:ext uri="{BB962C8B-B14F-4D97-AF65-F5344CB8AC3E}">
-        <p14:creationId xmlns:p14="http://schemas.microsoft.com/office/powerpoint/2010/main" val="1171784241"/>
+        <p14:creationId xmlns:p14="http://schemas.microsoft.com/office/powerpoint/2010/main" val="136699723"/>
       </p:ext>
     </p:extLst>
   </p:cSld>
@@ -12167,106 +12475,62 @@
       </p:grpSpPr>
       <p:sp>
         <p:nvSpPr>
-          <p:cNvPr id="2" name="Cím 1">
-            <a:extLst>
-              <a:ext uri="{FF2B5EF4-FFF2-40B4-BE49-F238E27FC236}">
-                <a16:creationId xmlns:a16="http://schemas.microsoft.com/office/drawing/2014/main" id="{4A1DF8E3-64C8-4F30-8202-4AB6322A4039}"/>
-              </a:ext>
-            </a:extLst>
-          </p:cNvPr>
-          <p:cNvSpPr>
-            <a:spLocks noGrp="1"/>
-          </p:cNvSpPr>
-          <p:nvPr>
-            <p:ph type="title"/>
-          </p:nvPr>
-        </p:nvSpPr>
-        <p:spPr/>
-        <p:txBody>
-          <a:bodyPr/>
-          <a:lstStyle/>
-          <a:p>
-            <a:r>
-              <a:rPr lang="hu-HU" dirty="0"/>
-              <a:t>Fontos </a:t>
-            </a:r>
-            <a:r>
-              <a:rPr lang="hu-HU" dirty="0" err="1"/>
-              <a:t>adjuváns</a:t>
-            </a:r>
-            <a:r>
-              <a:rPr lang="hu-HU" dirty="0"/>
-              <a:t> típusok</a:t>
-            </a:r>
-          </a:p>
-        </p:txBody>
-      </p:sp>
-      <p:sp>
-        <p:nvSpPr>
-          <p:cNvPr id="3" name="Tartalom helye 2">
-            <a:extLst>
-              <a:ext uri="{FF2B5EF4-FFF2-40B4-BE49-F238E27FC236}">
-                <a16:creationId xmlns:a16="http://schemas.microsoft.com/office/drawing/2014/main" id="{B4438450-9C7E-47F6-825D-115818E77BD3}"/>
-              </a:ext>
-            </a:extLst>
-          </p:cNvPr>
-          <p:cNvSpPr>
-            <a:spLocks noGrp="1"/>
-          </p:cNvSpPr>
-          <p:nvPr>
-            <p:ph idx="1"/>
-          </p:nvPr>
-        </p:nvSpPr>
-        <p:spPr/>
-        <p:txBody>
-          <a:bodyPr/>
-          <a:lstStyle/>
-          <a:p>
-            <a:r>
-              <a:rPr lang="hu-HU" dirty="0" err="1"/>
-              <a:t>Felületaktiv</a:t>
-            </a:r>
-            <a:r>
-              <a:rPr lang="hu-HU" dirty="0"/>
-              <a:t> anyagok (sok komponensű keverékek általában)</a:t>
-            </a:r>
-          </a:p>
-          <a:p>
-            <a:r>
-              <a:rPr lang="hu-HU" dirty="0"/>
-              <a:t>Polimerek</a:t>
-            </a:r>
-          </a:p>
-          <a:p>
-            <a:r>
-              <a:rPr lang="hu-HU" dirty="0" err="1"/>
-              <a:t>Tenzid</a:t>
-            </a:r>
-            <a:r>
-              <a:rPr lang="hu-HU" dirty="0"/>
-              <a:t> és polimer keverékei</a:t>
-            </a:r>
-          </a:p>
-          <a:p>
-            <a:r>
-              <a:rPr lang="hu-HU" dirty="0"/>
-              <a:t>Olajok (</a:t>
-            </a:r>
-            <a:r>
-              <a:rPr lang="hu-HU" dirty="0" err="1"/>
-              <a:t>nönényi</a:t>
-            </a:r>
-            <a:r>
-              <a:rPr lang="hu-HU" dirty="0"/>
-              <a:t> és ásványi eredetű, formulázott  apoláros folyadékok)</a:t>
-            </a:r>
+          <p:cNvPr id="2" name="Title 1">
+            <a:extLst>
+              <a:ext uri="{FF2B5EF4-FFF2-40B4-BE49-F238E27FC236}">
+                <a16:creationId xmlns:a16="http://schemas.microsoft.com/office/drawing/2014/main" id="{DFA0B583-63C0-400C-BAEB-76EC8B1676F4}"/>
+              </a:ext>
+            </a:extLst>
+          </p:cNvPr>
+          <p:cNvSpPr>
+            <a:spLocks noGrp="1"/>
+          </p:cNvSpPr>
+          <p:nvPr>
+            <p:ph type="ctrTitle"/>
+          </p:nvPr>
+        </p:nvSpPr>
+        <p:spPr/>
+        <p:txBody>
+          <a:bodyPr/>
+          <a:lstStyle/>
+          <a:p>
+            <a:r>
+              <a:rPr lang="en-GB"/>
+              <a:t>adjuvánsválasztás alapjai</a:t>
+            </a:r>
+            <a:endParaRPr lang="hu-HU"/>
+          </a:p>
+        </p:txBody>
+      </p:sp>
+      <p:sp>
+        <p:nvSpPr>
+          <p:cNvPr id="3" name="Subtitle 2">
+            <a:extLst>
+              <a:ext uri="{FF2B5EF4-FFF2-40B4-BE49-F238E27FC236}">
+                <a16:creationId xmlns:a16="http://schemas.microsoft.com/office/drawing/2014/main" id="{CB86F24E-8909-477A-87E9-56AAC75FC0FC}"/>
+              </a:ext>
+            </a:extLst>
+          </p:cNvPr>
+          <p:cNvSpPr>
+            <a:spLocks noGrp="1"/>
+          </p:cNvSpPr>
+          <p:nvPr>
+            <p:ph type="subTitle" idx="1"/>
+          </p:nvPr>
+        </p:nvSpPr>
+        <p:spPr/>
+        <p:txBody>
+          <a:bodyPr/>
+          <a:lstStyle/>
+          <a:p>
+            <a:endParaRPr lang="hu-HU"/>
           </a:p>
         </p:txBody>
       </p:sp>
     </p:spTree>
     <p:extLst>
       <p:ext uri="{BB962C8B-B14F-4D97-AF65-F5344CB8AC3E}">
-        <p14:creationId xmlns:p14="http://schemas.microsoft.com/office/powerpoint/2010/main" val="1399097921"/>
+        <p14:creationId xmlns:p14="http://schemas.microsoft.com/office/powerpoint/2010/main" val="1773940500"/>
       </p:ext>
     </p:extLst>
   </p:cSld>
@@ -12298,7 +12562,7 @@
           <p:cNvPr id="2" name="Cím 1">
             <a:extLst>
               <a:ext uri="{FF2B5EF4-FFF2-40B4-BE49-F238E27FC236}">
-                <a16:creationId xmlns:a16="http://schemas.microsoft.com/office/drawing/2014/main" id="{FACE3FAC-040A-49E3-A08D-206766B0DFEA}"/>
+                <a16:creationId xmlns:a16="http://schemas.microsoft.com/office/drawing/2014/main" id="{F49239E9-BA6C-4472-9157-C7BF178C59DD}"/>
               </a:ext>
             </a:extLst>
           </p:cNvPr>
@@ -12316,7 +12580,7 @@
           <a:p>
             <a:r>
               <a:rPr lang="hu-HU" dirty="0"/>
-              <a:t>Folyékony kristályoknak fontos  szerepe</a:t>
+              <a:t>Dinamikus felületi feszültség  anionosoknál</a:t>
             </a:r>
           </a:p>
         </p:txBody>
@@ -12326,7 +12590,7 @@
           <p:cNvPr id="3" name="Tartalom helye 2">
             <a:extLst>
               <a:ext uri="{FF2B5EF4-FFF2-40B4-BE49-F238E27FC236}">
-                <a16:creationId xmlns:a16="http://schemas.microsoft.com/office/drawing/2014/main" id="{A24AF1EF-63EB-4E83-9598-44EC933B61B8}"/>
+                <a16:creationId xmlns:a16="http://schemas.microsoft.com/office/drawing/2014/main" id="{51301FA5-7BC9-444F-808C-DD4EA44AD453}"/>
               </a:ext>
             </a:extLst>
           </p:cNvPr>
@@ -12337,74 +12601,49 @@
             <p:ph idx="1"/>
           </p:nvPr>
         </p:nvSpPr>
-        <p:spPr/>
-        <p:txBody>
-          <a:bodyPr/>
-          <a:lstStyle/>
-          <a:p>
-            <a:r>
-              <a:rPr lang="hu-HU" dirty="0"/>
-              <a:t>a </a:t>
-            </a:r>
-            <a:r>
-              <a:rPr lang="hu-HU" dirty="0" err="1"/>
-              <a:t>deposit</a:t>
-            </a:r>
-            <a:r>
-              <a:rPr lang="hu-HU" dirty="0"/>
-              <a:t> (lerakódás)  kialakulásában, az esőállóságban  (tartósság) és a hatóanyag </a:t>
-            </a:r>
-            <a:r>
-              <a:rPr lang="hu-HU" dirty="0" err="1"/>
-              <a:t>szolubilizációjában</a:t>
-            </a:r>
-            <a:endParaRPr lang="hu-HU" dirty="0"/>
-          </a:p>
-          <a:p>
-            <a:r>
-              <a:rPr lang="hu-HU" dirty="0"/>
-              <a:t>A </a:t>
-            </a:r>
-            <a:r>
-              <a:rPr lang="hu-HU" dirty="0" err="1"/>
-              <a:t>szolubilizácó</a:t>
-            </a:r>
-            <a:r>
-              <a:rPr lang="hu-HU" dirty="0"/>
-              <a:t> a hatóanyag molekuláinak </a:t>
-            </a:r>
-            <a:r>
-              <a:rPr lang="hu-HU" dirty="0" err="1"/>
-              <a:t>aktiv</a:t>
-            </a:r>
-            <a:r>
-              <a:rPr lang="hu-HU" dirty="0"/>
-              <a:t> transzportjában fontos, </a:t>
-            </a:r>
-          </a:p>
-          <a:p>
-            <a:r>
-              <a:rPr lang="hu-HU" dirty="0"/>
-              <a:t>ez a transzport a </a:t>
-            </a:r>
-            <a:r>
-              <a:rPr lang="hu-HU" dirty="0" err="1"/>
-              <a:t>sisztemikus</a:t>
-            </a:r>
-            <a:r>
-              <a:rPr lang="hu-HU" dirty="0"/>
-              <a:t> hatású hatóanyagoknál  alapvető</a:t>
-            </a:r>
-          </a:p>
-          <a:p>
-            <a:endParaRPr lang="hu-HU" dirty="0"/>
+        <p:spPr>
+          <a:xfrm>
+            <a:off x="838200" y="1690688"/>
+            <a:ext cx="10515600" cy="4351338"/>
+          </a:xfrm>
+        </p:spPr>
+        <p:txBody>
+          <a:bodyPr/>
+          <a:lstStyle/>
+          <a:p>
+            <a:r>
+              <a:rPr lang="hu-HU" dirty="0"/>
+              <a:t>1) ugyanazon ionos csoportot tartalmazók esetében a micella élettartama csökken a hidrofób </a:t>
+            </a:r>
+            <a:r>
+              <a:rPr lang="hu-HU" dirty="0" err="1"/>
+              <a:t>alkilánc</a:t>
+            </a:r>
+            <a:r>
+              <a:rPr lang="hu-HU" dirty="0"/>
+              <a:t> hosszának csökkentésekor</a:t>
+            </a:r>
+          </a:p>
+          <a:p>
+            <a:r>
+              <a:rPr lang="hu-HU" dirty="0"/>
+              <a:t>2) az </a:t>
+            </a:r>
+            <a:r>
+              <a:rPr lang="hu-HU" dirty="0" err="1"/>
+              <a:t>alkil</a:t>
+            </a:r>
+            <a:r>
+              <a:rPr lang="hu-HU" dirty="0"/>
+              <a:t>-lánc elágazása  fontos szerephez jut a micella élettartamának alakulásában</a:t>
+            </a:r>
           </a:p>
         </p:txBody>
       </p:sp>
     </p:spTree>
     <p:extLst>
       <p:ext uri="{BB962C8B-B14F-4D97-AF65-F5344CB8AC3E}">
-        <p14:creationId xmlns:p14="http://schemas.microsoft.com/office/powerpoint/2010/main" val="1790301781"/>
+        <p14:creationId xmlns:p14="http://schemas.microsoft.com/office/powerpoint/2010/main" val="1971053316"/>
       </p:ext>
     </p:extLst>
   </p:cSld>
@@ -12436,7 +12675,7 @@
           <p:cNvPr id="2" name="Cím 1">
             <a:extLst>
               <a:ext uri="{FF2B5EF4-FFF2-40B4-BE49-F238E27FC236}">
-                <a16:creationId xmlns:a16="http://schemas.microsoft.com/office/drawing/2014/main" id="{B84D8954-ED64-42F0-952B-1D10391BA2FD}"/>
+                <a16:creationId xmlns:a16="http://schemas.microsoft.com/office/drawing/2014/main" id="{C070FA50-F3F5-4808-8007-550BA9C7F8FA}"/>
               </a:ext>
             </a:extLst>
           </p:cNvPr>
@@ -12454,7 +12693,7 @@
           <a:p>
             <a:r>
               <a:rPr lang="hu-HU" dirty="0"/>
-              <a:t>Folyadékkristályok</a:t>
+              <a:t>A micella méret</a:t>
             </a:r>
           </a:p>
         </p:txBody>
@@ -12464,7 +12703,7 @@
           <p:cNvPr id="3" name="Tartalom helye 2">
             <a:extLst>
               <a:ext uri="{FF2B5EF4-FFF2-40B4-BE49-F238E27FC236}">
-                <a16:creationId xmlns:a16="http://schemas.microsoft.com/office/drawing/2014/main" id="{765E74DF-0C0F-4EB3-8F0E-6920F2BB1B9C}"/>
+                <a16:creationId xmlns:a16="http://schemas.microsoft.com/office/drawing/2014/main" id="{4A734D13-A0D5-43D1-8C17-8696E6F69880}"/>
               </a:ext>
             </a:extLst>
           </p:cNvPr>
@@ -12482,42 +12721,29 @@
           <a:p>
             <a:r>
               <a:rPr lang="hu-HU" dirty="0"/>
-              <a:t>Fluid megjelenés</a:t>
-            </a:r>
-          </a:p>
-          <a:p>
-            <a:r>
-              <a:rPr lang="hu-HU" dirty="0"/>
-              <a:t>Rendszerint magas viszkozitás</a:t>
-            </a:r>
-          </a:p>
-          <a:p>
-            <a:r>
-              <a:rPr lang="hu-HU" dirty="0"/>
-              <a:t>Röntgen vizsgálatok szerint rendezettebb szerkezetűek mint a közönséges folyadékok</a:t>
-            </a:r>
-          </a:p>
-          <a:p>
-            <a:r>
-              <a:rPr lang="hu-HU" dirty="0" err="1"/>
-              <a:t>Reologiailag</a:t>
-            </a:r>
-            <a:r>
-              <a:rPr lang="hu-HU" dirty="0"/>
-              <a:t> </a:t>
-            </a:r>
-            <a:r>
-              <a:rPr lang="hu-HU" dirty="0" err="1"/>
-              <a:t>viszkoelasztikusak</a:t>
-            </a:r>
-            <a:endParaRPr lang="hu-HU" dirty="0"/>
+              <a:t>Nemcsak a micella élettartama fontos, hanem a mérete is</a:t>
+            </a:r>
+          </a:p>
+          <a:p>
+            <a:r>
+              <a:rPr lang="hu-HU" dirty="0"/>
+              <a:t>Nagyobb micella méret jobb </a:t>
+            </a:r>
+            <a:r>
+              <a:rPr lang="hu-HU" dirty="0" err="1"/>
+              <a:t>szolubilizáló</a:t>
+            </a:r>
+            <a:r>
+              <a:rPr lang="hu-HU" dirty="0"/>
+              <a:t> képességet jelent</a:t>
+            </a:r>
           </a:p>
         </p:txBody>
       </p:sp>
     </p:spTree>
     <p:extLst>
       <p:ext uri="{BB962C8B-B14F-4D97-AF65-F5344CB8AC3E}">
-        <p14:creationId xmlns:p14="http://schemas.microsoft.com/office/powerpoint/2010/main" val="3709662419"/>
+        <p14:creationId xmlns:p14="http://schemas.microsoft.com/office/powerpoint/2010/main" val="1844841582"/>
       </p:ext>
     </p:extLst>
   </p:cSld>
@@ -12546,115 +12772,62 @@
       </p:grpSpPr>
       <p:sp>
         <p:nvSpPr>
-          <p:cNvPr id="2" name="Cím 1">
-            <a:extLst>
-              <a:ext uri="{FF2B5EF4-FFF2-40B4-BE49-F238E27FC236}">
-                <a16:creationId xmlns:a16="http://schemas.microsoft.com/office/drawing/2014/main" id="{F58D0753-3334-4E3E-B5B7-EC6DC2CAF70C}"/>
-              </a:ext>
-            </a:extLst>
-          </p:cNvPr>
-          <p:cNvSpPr>
-            <a:spLocks noGrp="1"/>
-          </p:cNvSpPr>
-          <p:nvPr>
-            <p:ph type="title"/>
-          </p:nvPr>
-        </p:nvSpPr>
-        <p:spPr/>
-        <p:txBody>
-          <a:bodyPr/>
-          <a:lstStyle/>
-          <a:p>
-            <a:r>
-              <a:rPr lang="hu-HU" dirty="0" err="1">
-                <a:highlight>
-                  <a:srgbClr val="FFFF00"/>
-                </a:highlight>
-              </a:rPr>
-              <a:t>Foyladékkristályos</a:t>
-            </a:r>
-            <a:r>
-              <a:rPr lang="hu-HU" dirty="0">
-                <a:highlight>
-                  <a:srgbClr val="FFFF00"/>
-                </a:highlight>
-              </a:rPr>
-              <a:t> fázisok</a:t>
-            </a:r>
-          </a:p>
-        </p:txBody>
-      </p:sp>
-      <p:sp>
-        <p:nvSpPr>
-          <p:cNvPr id="3" name="Tartalom helye 2">
-            <a:extLst>
-              <a:ext uri="{FF2B5EF4-FFF2-40B4-BE49-F238E27FC236}">
-                <a16:creationId xmlns:a16="http://schemas.microsoft.com/office/drawing/2014/main" id="{7F038E6D-E67D-4358-A081-8FC5B1112172}"/>
-              </a:ext>
-            </a:extLst>
-          </p:cNvPr>
-          <p:cNvSpPr>
-            <a:spLocks noGrp="1"/>
-          </p:cNvSpPr>
-          <p:nvPr>
-            <p:ph idx="1"/>
-          </p:nvPr>
-        </p:nvSpPr>
-        <p:spPr/>
-        <p:txBody>
-          <a:bodyPr/>
-          <a:lstStyle/>
-          <a:p>
-            <a:r>
-              <a:rPr lang="hu-HU" dirty="0"/>
-              <a:t>1)hexagonális fázis</a:t>
-            </a:r>
-          </a:p>
-          <a:p>
-            <a:r>
-              <a:rPr lang="hu-HU" dirty="0"/>
-              <a:t>2) </a:t>
-            </a:r>
-            <a:r>
-              <a:rPr lang="hu-HU" dirty="0" err="1"/>
-              <a:t>Micellaris</a:t>
-            </a:r>
-            <a:r>
-              <a:rPr lang="hu-HU" dirty="0"/>
-              <a:t> (</a:t>
-            </a:r>
-            <a:r>
-              <a:rPr lang="hu-HU" dirty="0" err="1"/>
-              <a:t>Cubic</a:t>
-            </a:r>
-            <a:r>
-              <a:rPr lang="hu-HU" dirty="0"/>
-              <a:t>) fázis</a:t>
-            </a:r>
-          </a:p>
-          <a:p>
-            <a:r>
-              <a:rPr lang="hu-HU" dirty="0"/>
-              <a:t>3) </a:t>
-            </a:r>
-            <a:r>
-              <a:rPr lang="hu-HU" dirty="0" err="1"/>
-              <a:t>Lamelláris</a:t>
-            </a:r>
-            <a:r>
-              <a:rPr lang="hu-HU" dirty="0"/>
-              <a:t> fázis </a:t>
-            </a:r>
-          </a:p>
-          <a:p>
-            <a:endParaRPr lang="hu-HU" dirty="0"/>
+          <p:cNvPr id="2" name="Title 1">
+            <a:extLst>
+              <a:ext uri="{FF2B5EF4-FFF2-40B4-BE49-F238E27FC236}">
+                <a16:creationId xmlns:a16="http://schemas.microsoft.com/office/drawing/2014/main" id="{471D2531-7EAA-4103-BEB4-C311D8C18E3C}"/>
+              </a:ext>
+            </a:extLst>
+          </p:cNvPr>
+          <p:cNvSpPr>
+            <a:spLocks noGrp="1"/>
+          </p:cNvSpPr>
+          <p:nvPr>
+            <p:ph type="ctrTitle"/>
+          </p:nvPr>
+        </p:nvSpPr>
+        <p:spPr/>
+        <p:txBody>
+          <a:bodyPr/>
+          <a:lstStyle/>
+          <a:p>
+            <a:r>
+              <a:rPr lang="en-GB"/>
+              <a:t>töménység</a:t>
+            </a:r>
+            <a:endParaRPr lang="hu-HU"/>
+          </a:p>
+        </p:txBody>
+      </p:sp>
+      <p:sp>
+        <p:nvSpPr>
+          <p:cNvPr id="3" name="Subtitle 2">
+            <a:extLst>
+              <a:ext uri="{FF2B5EF4-FFF2-40B4-BE49-F238E27FC236}">
+                <a16:creationId xmlns:a16="http://schemas.microsoft.com/office/drawing/2014/main" id="{3AA77ECF-6E4F-409E-AB33-A47C43D49F0D}"/>
+              </a:ext>
+            </a:extLst>
+          </p:cNvPr>
+          <p:cNvSpPr>
+            <a:spLocks noGrp="1"/>
+          </p:cNvSpPr>
+          <p:nvPr>
+            <p:ph type="subTitle" idx="1"/>
+          </p:nvPr>
+        </p:nvSpPr>
+        <p:spPr/>
+        <p:txBody>
+          <a:bodyPr/>
+          <a:lstStyle/>
+          <a:p>
+            <a:endParaRPr lang="hu-HU"/>
           </a:p>
         </p:txBody>
       </p:sp>
     </p:spTree>
     <p:extLst>
       <p:ext uri="{BB962C8B-B14F-4D97-AF65-F5344CB8AC3E}">
-        <p14:creationId xmlns:p14="http://schemas.microsoft.com/office/powerpoint/2010/main" val="550498944"/>
+        <p14:creationId xmlns:p14="http://schemas.microsoft.com/office/powerpoint/2010/main" val="1946114066"/>
       </p:ext>
     </p:extLst>
   </p:cSld>
@@ -12686,7 +12859,7 @@
           <p:cNvPr id="2" name="Cím 1">
             <a:extLst>
               <a:ext uri="{FF2B5EF4-FFF2-40B4-BE49-F238E27FC236}">
-                <a16:creationId xmlns:a16="http://schemas.microsoft.com/office/drawing/2014/main" id="{4C760284-C564-4A96-840E-8FBEFFBC45C4}"/>
+                <a16:creationId xmlns:a16="http://schemas.microsoft.com/office/drawing/2014/main" id="{1B2797F8-9C27-4A93-955F-EBA9C5C21C0B}"/>
               </a:ext>
             </a:extLst>
           </p:cNvPr>
@@ -12703,12 +12876,16 @@
           <a:lstStyle/>
           <a:p>
             <a:r>
-              <a:rPr lang="hu-HU" dirty="0">
-                <a:highlight>
-                  <a:srgbClr val="FFFF00"/>
-                </a:highlight>
-              </a:rPr>
-              <a:t>Hajtóerők a folyadékkristályok képződésében</a:t>
+              <a:rPr lang="hu-HU" dirty="0"/>
+              <a:t>Magas </a:t>
+            </a:r>
+            <a:r>
+              <a:rPr lang="hu-HU" dirty="0" err="1"/>
+              <a:t>tenzid</a:t>
+            </a:r>
+            <a:r>
+              <a:rPr lang="hu-HU" dirty="0"/>
+              <a:t> koncentráció a permetcseppben</a:t>
             </a:r>
           </a:p>
         </p:txBody>
@@ -12718,7 +12895,7 @@
           <p:cNvPr id="3" name="Tartalom helye 2">
             <a:extLst>
               <a:ext uri="{FF2B5EF4-FFF2-40B4-BE49-F238E27FC236}">
-                <a16:creationId xmlns:a16="http://schemas.microsoft.com/office/drawing/2014/main" id="{8A6F6CA0-B927-4BE5-ACA5-120F673E1DCF}"/>
+                <a16:creationId xmlns:a16="http://schemas.microsoft.com/office/drawing/2014/main" id="{C5164C1E-F510-45FD-BD53-023DF4E6E1D2}"/>
               </a:ext>
             </a:extLst>
           </p:cNvPr>
@@ -12736,11 +12913,11 @@
           <a:p>
             <a:r>
               <a:rPr lang="hu-HU" dirty="0"/>
-              <a:t>Kritikus csomag paraméter (</a:t>
-            </a:r>
-            <a:r>
-              <a:rPr lang="hu-HU" dirty="0" err="1"/>
-              <a:t>crtical</a:t>
+              <a:t>A felületen  levő  permetcsepp párolgás következtében </a:t>
+            </a:r>
+            <a:r>
+              <a:rPr lang="hu-HU" dirty="0" err="1"/>
+              <a:t>betöményedik</a:t>
             </a:r>
             <a:r>
               <a:rPr lang="hu-HU" dirty="0"/>
@@ -12748,89 +12925,38 @@
             </a:r>
             <a:r>
               <a:rPr lang="hu-HU" dirty="0" err="1"/>
-              <a:t>packing</a:t>
-            </a:r>
-            <a:r>
-              <a:rPr lang="hu-HU" dirty="0"/>
-              <a:t> paraméter) használata  az aggregált szerkezet alakjának becsléséhez</a:t>
-            </a:r>
-          </a:p>
-          <a:p>
-            <a:r>
-              <a:rPr lang="hu-HU" dirty="0"/>
-              <a:t>Gömb alakú micellát alkossa n darab monomer</a:t>
-            </a:r>
-          </a:p>
-          <a:p>
-            <a:r>
-              <a:rPr lang="hu-HU" dirty="0"/>
-              <a:t>Micella térfogata:   4/3 π r</a:t>
-            </a:r>
-            <a:r>
-              <a:rPr lang="hu-HU" baseline="30000" dirty="0"/>
-              <a:t>3</a:t>
-            </a:r>
-            <a:r>
-              <a:rPr lang="hu-HU" dirty="0"/>
-              <a:t>= n v  ahol v egy molekula térfogata</a:t>
-            </a:r>
-          </a:p>
-          <a:p>
-            <a:r>
-              <a:rPr lang="hu-HU" dirty="0" err="1"/>
-              <a:t>Mcella</a:t>
-            </a:r>
-            <a:r>
-              <a:rPr lang="hu-HU" dirty="0"/>
-              <a:t> </a:t>
-            </a:r>
-            <a:r>
-              <a:rPr lang="hu-HU" dirty="0" err="1"/>
-              <a:t>felszine</a:t>
-            </a:r>
-            <a:r>
-              <a:rPr lang="hu-HU" dirty="0"/>
-              <a:t>: 4πr</a:t>
-            </a:r>
-            <a:r>
-              <a:rPr lang="hu-HU" baseline="30000" dirty="0"/>
-              <a:t>2</a:t>
-            </a:r>
-            <a:r>
-              <a:rPr lang="hu-HU" dirty="0"/>
-              <a:t>= n a</a:t>
-            </a:r>
-            <a:r>
-              <a:rPr lang="hu-HU" baseline="-25000" dirty="0"/>
-              <a:t>0</a:t>
-            </a:r>
-            <a:r>
-              <a:rPr lang="hu-HU" dirty="0"/>
-              <a:t> ahol a</a:t>
-            </a:r>
-            <a:r>
-              <a:rPr lang="hu-HU" baseline="-25000" dirty="0"/>
-              <a:t>0</a:t>
-            </a:r>
-            <a:r>
-              <a:rPr lang="hu-HU" dirty="0"/>
-              <a:t> a </a:t>
-            </a:r>
-            <a:r>
-              <a:rPr lang="hu-HU" dirty="0" err="1"/>
-              <a:t>hidrofiil</a:t>
-            </a:r>
-            <a:r>
-              <a:rPr lang="hu-HU" dirty="0"/>
-              <a:t> fej keresztmetszete</a:t>
-            </a:r>
+              <a:t>tenzidre</a:t>
+            </a:r>
+            <a:r>
+              <a:rPr lang="hu-HU" dirty="0"/>
+              <a:t> nézve is</a:t>
+            </a:r>
+          </a:p>
+          <a:p>
+            <a:r>
+              <a:rPr lang="hu-HU" dirty="0"/>
+              <a:t>Magas </a:t>
+            </a:r>
+            <a:r>
+              <a:rPr lang="hu-HU" dirty="0" err="1"/>
+              <a:t>tenzid</a:t>
+            </a:r>
+            <a:r>
+              <a:rPr lang="hu-HU" dirty="0"/>
+              <a:t> koncentráció esetén különböző folyékony kristályos fázisok képződnek: hexagonális, köbös, </a:t>
+            </a:r>
+            <a:r>
+              <a:rPr lang="hu-HU" dirty="0" err="1"/>
+              <a:t>lamelláris</a:t>
+            </a:r>
+            <a:endParaRPr lang="hu-HU" dirty="0"/>
           </a:p>
         </p:txBody>
       </p:sp>
     </p:spTree>
     <p:extLst>
       <p:ext uri="{BB962C8B-B14F-4D97-AF65-F5344CB8AC3E}">
-        <p14:creationId xmlns:p14="http://schemas.microsoft.com/office/powerpoint/2010/main" val="2975599926"/>
+        <p14:creationId xmlns:p14="http://schemas.microsoft.com/office/powerpoint/2010/main" val="1171784241"/>
       </p:ext>
     </p:extLst>
   </p:cSld>
@@ -12862,6 +12988,654 @@
           <p:cNvPr id="2" name="Cím 1">
             <a:extLst>
               <a:ext uri="{FF2B5EF4-FFF2-40B4-BE49-F238E27FC236}">
+                <a16:creationId xmlns:a16="http://schemas.microsoft.com/office/drawing/2014/main" id="{FACE3FAC-040A-49E3-A08D-206766B0DFEA}"/>
+              </a:ext>
+            </a:extLst>
+          </p:cNvPr>
+          <p:cNvSpPr>
+            <a:spLocks noGrp="1"/>
+          </p:cNvSpPr>
+          <p:nvPr>
+            <p:ph type="title"/>
+          </p:nvPr>
+        </p:nvSpPr>
+        <p:spPr/>
+        <p:txBody>
+          <a:bodyPr/>
+          <a:lstStyle/>
+          <a:p>
+            <a:r>
+              <a:rPr lang="hu-HU" dirty="0"/>
+              <a:t>Folyékony kristályoknak fontos  szerepe</a:t>
+            </a:r>
+          </a:p>
+        </p:txBody>
+      </p:sp>
+      <p:sp>
+        <p:nvSpPr>
+          <p:cNvPr id="3" name="Tartalom helye 2">
+            <a:extLst>
+              <a:ext uri="{FF2B5EF4-FFF2-40B4-BE49-F238E27FC236}">
+                <a16:creationId xmlns:a16="http://schemas.microsoft.com/office/drawing/2014/main" id="{A24AF1EF-63EB-4E83-9598-44EC933B61B8}"/>
+              </a:ext>
+            </a:extLst>
+          </p:cNvPr>
+          <p:cNvSpPr>
+            <a:spLocks noGrp="1"/>
+          </p:cNvSpPr>
+          <p:nvPr>
+            <p:ph idx="1"/>
+          </p:nvPr>
+        </p:nvSpPr>
+        <p:spPr/>
+        <p:txBody>
+          <a:bodyPr/>
+          <a:lstStyle/>
+          <a:p>
+            <a:r>
+              <a:rPr lang="hu-HU" dirty="0"/>
+              <a:t>a </a:t>
+            </a:r>
+            <a:r>
+              <a:rPr lang="hu-HU" dirty="0" err="1"/>
+              <a:t>deposit</a:t>
+            </a:r>
+            <a:r>
+              <a:rPr lang="hu-HU" dirty="0"/>
+              <a:t> (lerakódás)  kialakulásában, az esőállóságban  (tartósság) és a hatóanyag </a:t>
+            </a:r>
+            <a:r>
+              <a:rPr lang="hu-HU" dirty="0" err="1"/>
+              <a:t>szolubilizációjában</a:t>
+            </a:r>
+            <a:endParaRPr lang="hu-HU" dirty="0"/>
+          </a:p>
+          <a:p>
+            <a:r>
+              <a:rPr lang="hu-HU" dirty="0"/>
+              <a:t>A </a:t>
+            </a:r>
+            <a:r>
+              <a:rPr lang="hu-HU" dirty="0" err="1"/>
+              <a:t>szolubilizácó</a:t>
+            </a:r>
+            <a:r>
+              <a:rPr lang="hu-HU" dirty="0"/>
+              <a:t> a hatóanyag molekuláinak </a:t>
+            </a:r>
+            <a:r>
+              <a:rPr lang="hu-HU" dirty="0" err="1"/>
+              <a:t>aktiv</a:t>
+            </a:r>
+            <a:r>
+              <a:rPr lang="hu-HU" dirty="0"/>
+              <a:t> transzportjában fontos, </a:t>
+            </a:r>
+          </a:p>
+          <a:p>
+            <a:r>
+              <a:rPr lang="hu-HU" dirty="0"/>
+              <a:t>ez a transzport a </a:t>
+            </a:r>
+            <a:r>
+              <a:rPr lang="hu-HU" dirty="0" err="1"/>
+              <a:t>sisztemikus</a:t>
+            </a:r>
+            <a:r>
+              <a:rPr lang="hu-HU" dirty="0"/>
+              <a:t> hatású hatóanyagoknál  alapvető</a:t>
+            </a:r>
+          </a:p>
+          <a:p>
+            <a:endParaRPr lang="hu-HU" dirty="0"/>
+          </a:p>
+        </p:txBody>
+      </p:sp>
+    </p:spTree>
+    <p:extLst>
+      <p:ext uri="{BB962C8B-B14F-4D97-AF65-F5344CB8AC3E}">
+        <p14:creationId xmlns:p14="http://schemas.microsoft.com/office/powerpoint/2010/main" val="1790301781"/>
+      </p:ext>
+    </p:extLst>
+  </p:cSld>
+  <p:clrMapOvr>
+    <a:masterClrMapping/>
+  </p:clrMapOvr>
+</p:sld>
+</file>
+
+<file path=ppt/slides/slide35.xml><?xml version="1.0" encoding="utf-8"?>
+<p:sld xmlns:a="http://schemas.openxmlformats.org/drawingml/2006/main" xmlns:r="http://schemas.openxmlformats.org/officeDocument/2006/relationships" xmlns:p="http://schemas.openxmlformats.org/presentationml/2006/main">
+  <p:cSld>
+    <p:spTree>
+      <p:nvGrpSpPr>
+        <p:cNvPr id="1" name=""/>
+        <p:cNvGrpSpPr/>
+        <p:nvPr/>
+      </p:nvGrpSpPr>
+      <p:grpSpPr>
+        <a:xfrm>
+          <a:off x="0" y="0"/>
+          <a:ext cx="0" cy="0"/>
+          <a:chOff x="0" y="0"/>
+          <a:chExt cx="0" cy="0"/>
+        </a:xfrm>
+      </p:grpSpPr>
+      <p:sp>
+        <p:nvSpPr>
+          <p:cNvPr id="2" name="Cím 1">
+            <a:extLst>
+              <a:ext uri="{FF2B5EF4-FFF2-40B4-BE49-F238E27FC236}">
+                <a16:creationId xmlns:a16="http://schemas.microsoft.com/office/drawing/2014/main" id="{B84D8954-ED64-42F0-952B-1D10391BA2FD}"/>
+              </a:ext>
+            </a:extLst>
+          </p:cNvPr>
+          <p:cNvSpPr>
+            <a:spLocks noGrp="1"/>
+          </p:cNvSpPr>
+          <p:nvPr>
+            <p:ph type="title"/>
+          </p:nvPr>
+        </p:nvSpPr>
+        <p:spPr/>
+        <p:txBody>
+          <a:bodyPr/>
+          <a:lstStyle/>
+          <a:p>
+            <a:r>
+              <a:rPr lang="hu-HU" dirty="0"/>
+              <a:t>Folyadékkristályok</a:t>
+            </a:r>
+          </a:p>
+        </p:txBody>
+      </p:sp>
+      <p:sp>
+        <p:nvSpPr>
+          <p:cNvPr id="3" name="Tartalom helye 2">
+            <a:extLst>
+              <a:ext uri="{FF2B5EF4-FFF2-40B4-BE49-F238E27FC236}">
+                <a16:creationId xmlns:a16="http://schemas.microsoft.com/office/drawing/2014/main" id="{765E74DF-0C0F-4EB3-8F0E-6920F2BB1B9C}"/>
+              </a:ext>
+            </a:extLst>
+          </p:cNvPr>
+          <p:cNvSpPr>
+            <a:spLocks noGrp="1"/>
+          </p:cNvSpPr>
+          <p:nvPr>
+            <p:ph idx="1"/>
+          </p:nvPr>
+        </p:nvSpPr>
+        <p:spPr/>
+        <p:txBody>
+          <a:bodyPr/>
+          <a:lstStyle/>
+          <a:p>
+            <a:r>
+              <a:rPr lang="hu-HU" dirty="0"/>
+              <a:t>Fluid megjelenés</a:t>
+            </a:r>
+          </a:p>
+          <a:p>
+            <a:r>
+              <a:rPr lang="hu-HU" dirty="0"/>
+              <a:t>Rendszerint magas viszkozitás</a:t>
+            </a:r>
+          </a:p>
+          <a:p>
+            <a:r>
+              <a:rPr lang="hu-HU" dirty="0"/>
+              <a:t>Röntgen vizsgálatok szerint rendezettebb szerkezetűek mint a közönséges folyadékok</a:t>
+            </a:r>
+          </a:p>
+          <a:p>
+            <a:r>
+              <a:rPr lang="hu-HU" dirty="0" err="1"/>
+              <a:t>Reologiailag</a:t>
+            </a:r>
+            <a:r>
+              <a:rPr lang="hu-HU" dirty="0"/>
+              <a:t> </a:t>
+            </a:r>
+            <a:r>
+              <a:rPr lang="hu-HU" dirty="0" err="1"/>
+              <a:t>viszkoelasztikusak</a:t>
+            </a:r>
+            <a:endParaRPr lang="hu-HU" dirty="0"/>
+          </a:p>
+        </p:txBody>
+      </p:sp>
+    </p:spTree>
+    <p:extLst>
+      <p:ext uri="{BB962C8B-B14F-4D97-AF65-F5344CB8AC3E}">
+        <p14:creationId xmlns:p14="http://schemas.microsoft.com/office/powerpoint/2010/main" val="3709662419"/>
+      </p:ext>
+    </p:extLst>
+  </p:cSld>
+  <p:clrMapOvr>
+    <a:masterClrMapping/>
+  </p:clrMapOvr>
+</p:sld>
+</file>
+
+<file path=ppt/slides/slide36.xml><?xml version="1.0" encoding="utf-8"?>
+<p:sld xmlns:a="http://schemas.openxmlformats.org/drawingml/2006/main" xmlns:r="http://schemas.openxmlformats.org/officeDocument/2006/relationships" xmlns:p="http://schemas.openxmlformats.org/presentationml/2006/main">
+  <p:cSld>
+    <p:spTree>
+      <p:nvGrpSpPr>
+        <p:cNvPr id="1" name=""/>
+        <p:cNvGrpSpPr/>
+        <p:nvPr/>
+      </p:nvGrpSpPr>
+      <p:grpSpPr>
+        <a:xfrm>
+          <a:off x="0" y="0"/>
+          <a:ext cx="0" cy="0"/>
+          <a:chOff x="0" y="0"/>
+          <a:chExt cx="0" cy="0"/>
+        </a:xfrm>
+      </p:grpSpPr>
+      <p:sp>
+        <p:nvSpPr>
+          <p:cNvPr id="2" name="Cím 1">
+            <a:extLst>
+              <a:ext uri="{FF2B5EF4-FFF2-40B4-BE49-F238E27FC236}">
+                <a16:creationId xmlns:a16="http://schemas.microsoft.com/office/drawing/2014/main" id="{F58D0753-3334-4E3E-B5B7-EC6DC2CAF70C}"/>
+              </a:ext>
+            </a:extLst>
+          </p:cNvPr>
+          <p:cNvSpPr>
+            <a:spLocks noGrp="1"/>
+          </p:cNvSpPr>
+          <p:nvPr>
+            <p:ph type="title"/>
+          </p:nvPr>
+        </p:nvSpPr>
+        <p:spPr/>
+        <p:txBody>
+          <a:bodyPr/>
+          <a:lstStyle/>
+          <a:p>
+            <a:r>
+              <a:rPr lang="hu-HU" dirty="0" err="1">
+                <a:highlight>
+                  <a:srgbClr val="FFFF00"/>
+                </a:highlight>
+              </a:rPr>
+              <a:t>Foyladékkristályos</a:t>
+            </a:r>
+            <a:r>
+              <a:rPr lang="hu-HU" dirty="0">
+                <a:highlight>
+                  <a:srgbClr val="FFFF00"/>
+                </a:highlight>
+              </a:rPr>
+              <a:t> fázisok</a:t>
+            </a:r>
+          </a:p>
+        </p:txBody>
+      </p:sp>
+      <p:sp>
+        <p:nvSpPr>
+          <p:cNvPr id="3" name="Tartalom helye 2">
+            <a:extLst>
+              <a:ext uri="{FF2B5EF4-FFF2-40B4-BE49-F238E27FC236}">
+                <a16:creationId xmlns:a16="http://schemas.microsoft.com/office/drawing/2014/main" id="{7F038E6D-E67D-4358-A081-8FC5B1112172}"/>
+              </a:ext>
+            </a:extLst>
+          </p:cNvPr>
+          <p:cNvSpPr>
+            <a:spLocks noGrp="1"/>
+          </p:cNvSpPr>
+          <p:nvPr>
+            <p:ph idx="1"/>
+          </p:nvPr>
+        </p:nvSpPr>
+        <p:spPr/>
+        <p:txBody>
+          <a:bodyPr/>
+          <a:lstStyle/>
+          <a:p>
+            <a:r>
+              <a:rPr lang="hu-HU" dirty="0"/>
+              <a:t>1)hexagonális fázis</a:t>
+            </a:r>
+          </a:p>
+          <a:p>
+            <a:r>
+              <a:rPr lang="hu-HU" dirty="0"/>
+              <a:t>2) </a:t>
+            </a:r>
+            <a:r>
+              <a:rPr lang="hu-HU" dirty="0" err="1"/>
+              <a:t>Micellaris</a:t>
+            </a:r>
+            <a:r>
+              <a:rPr lang="hu-HU" dirty="0"/>
+              <a:t> (</a:t>
+            </a:r>
+            <a:r>
+              <a:rPr lang="hu-HU" dirty="0" err="1"/>
+              <a:t>Cubic</a:t>
+            </a:r>
+            <a:r>
+              <a:rPr lang="hu-HU" dirty="0"/>
+              <a:t>) fázis</a:t>
+            </a:r>
+          </a:p>
+          <a:p>
+            <a:r>
+              <a:rPr lang="hu-HU" dirty="0"/>
+              <a:t>3) </a:t>
+            </a:r>
+            <a:r>
+              <a:rPr lang="hu-HU" dirty="0" err="1"/>
+              <a:t>Lamelláris</a:t>
+            </a:r>
+            <a:r>
+              <a:rPr lang="hu-HU" dirty="0"/>
+              <a:t> fázis </a:t>
+            </a:r>
+          </a:p>
+          <a:p>
+            <a:endParaRPr lang="hu-HU" dirty="0"/>
+          </a:p>
+        </p:txBody>
+      </p:sp>
+    </p:spTree>
+    <p:extLst>
+      <p:ext uri="{BB962C8B-B14F-4D97-AF65-F5344CB8AC3E}">
+        <p14:creationId xmlns:p14="http://schemas.microsoft.com/office/powerpoint/2010/main" val="550498944"/>
+      </p:ext>
+    </p:extLst>
+  </p:cSld>
+  <p:clrMapOvr>
+    <a:masterClrMapping/>
+  </p:clrMapOvr>
+</p:sld>
+</file>
+
+<file path=ppt/slides/slide37.xml><?xml version="1.0" encoding="utf-8"?>
+<p:sld xmlns:a="http://schemas.openxmlformats.org/drawingml/2006/main" xmlns:r="http://schemas.openxmlformats.org/officeDocument/2006/relationships" xmlns:p="http://schemas.openxmlformats.org/presentationml/2006/main">
+  <p:cSld>
+    <p:spTree>
+      <p:nvGrpSpPr>
+        <p:cNvPr id="1" name=""/>
+        <p:cNvGrpSpPr/>
+        <p:nvPr/>
+      </p:nvGrpSpPr>
+      <p:grpSpPr>
+        <a:xfrm>
+          <a:off x="0" y="0"/>
+          <a:ext cx="0" cy="0"/>
+          <a:chOff x="0" y="0"/>
+          <a:chExt cx="0" cy="0"/>
+        </a:xfrm>
+      </p:grpSpPr>
+      <p:sp>
+        <p:nvSpPr>
+          <p:cNvPr id="2" name="Cím 1">
+            <a:extLst>
+              <a:ext uri="{FF2B5EF4-FFF2-40B4-BE49-F238E27FC236}">
+                <a16:creationId xmlns:a16="http://schemas.microsoft.com/office/drawing/2014/main" id="{4C760284-C564-4A96-840E-8FBEFFBC45C4}"/>
+              </a:ext>
+            </a:extLst>
+          </p:cNvPr>
+          <p:cNvSpPr>
+            <a:spLocks noGrp="1"/>
+          </p:cNvSpPr>
+          <p:nvPr>
+            <p:ph type="title"/>
+          </p:nvPr>
+        </p:nvSpPr>
+        <p:spPr/>
+        <p:txBody>
+          <a:bodyPr/>
+          <a:lstStyle/>
+          <a:p>
+            <a:r>
+              <a:rPr lang="hu-HU" dirty="0">
+                <a:highlight>
+                  <a:srgbClr val="FFFF00"/>
+                </a:highlight>
+              </a:rPr>
+              <a:t>Hajtóerők a folyadékkristályok képződésében</a:t>
+            </a:r>
+          </a:p>
+        </p:txBody>
+      </p:sp>
+      <p:sp>
+        <p:nvSpPr>
+          <p:cNvPr id="3" name="Tartalom helye 2">
+            <a:extLst>
+              <a:ext uri="{FF2B5EF4-FFF2-40B4-BE49-F238E27FC236}">
+                <a16:creationId xmlns:a16="http://schemas.microsoft.com/office/drawing/2014/main" id="{8A6F6CA0-B927-4BE5-ACA5-120F673E1DCF}"/>
+              </a:ext>
+            </a:extLst>
+          </p:cNvPr>
+          <p:cNvSpPr>
+            <a:spLocks noGrp="1"/>
+          </p:cNvSpPr>
+          <p:nvPr>
+            <p:ph idx="1"/>
+          </p:nvPr>
+        </p:nvSpPr>
+        <p:spPr/>
+        <p:txBody>
+          <a:bodyPr/>
+          <a:lstStyle/>
+          <a:p>
+            <a:r>
+              <a:rPr lang="hu-HU" dirty="0"/>
+              <a:t>Kritikus csomag paraméter (</a:t>
+            </a:r>
+            <a:r>
+              <a:rPr lang="hu-HU" dirty="0" err="1"/>
+              <a:t>crtical</a:t>
+            </a:r>
+            <a:r>
+              <a:rPr lang="hu-HU" dirty="0"/>
+              <a:t> </a:t>
+            </a:r>
+            <a:r>
+              <a:rPr lang="hu-HU" dirty="0" err="1"/>
+              <a:t>packing</a:t>
+            </a:r>
+            <a:r>
+              <a:rPr lang="hu-HU" dirty="0"/>
+              <a:t> paraméter) használata  az aggregált szerkezet alakjának becsléséhez</a:t>
+            </a:r>
+          </a:p>
+          <a:p>
+            <a:r>
+              <a:rPr lang="hu-HU" dirty="0"/>
+              <a:t>Gömb alakú micellát alkossa n darab monomer</a:t>
+            </a:r>
+          </a:p>
+          <a:p>
+            <a:r>
+              <a:rPr lang="hu-HU" dirty="0"/>
+              <a:t>Micella térfogata:   4/3 π r</a:t>
+            </a:r>
+            <a:r>
+              <a:rPr lang="hu-HU" baseline="30000" dirty="0"/>
+              <a:t>3</a:t>
+            </a:r>
+            <a:r>
+              <a:rPr lang="hu-HU" dirty="0"/>
+              <a:t>= n v  ahol v egy molekula térfogata</a:t>
+            </a:r>
+          </a:p>
+          <a:p>
+            <a:r>
+              <a:rPr lang="hu-HU" dirty="0" err="1"/>
+              <a:t>Mcella</a:t>
+            </a:r>
+            <a:r>
+              <a:rPr lang="hu-HU" dirty="0"/>
+              <a:t> </a:t>
+            </a:r>
+            <a:r>
+              <a:rPr lang="hu-HU" dirty="0" err="1"/>
+              <a:t>felszine</a:t>
+            </a:r>
+            <a:r>
+              <a:rPr lang="hu-HU" dirty="0"/>
+              <a:t>: 4πr</a:t>
+            </a:r>
+            <a:r>
+              <a:rPr lang="hu-HU" baseline="30000" dirty="0"/>
+              <a:t>2</a:t>
+            </a:r>
+            <a:r>
+              <a:rPr lang="hu-HU" dirty="0"/>
+              <a:t>= n a</a:t>
+            </a:r>
+            <a:r>
+              <a:rPr lang="hu-HU" baseline="-25000" dirty="0"/>
+              <a:t>0</a:t>
+            </a:r>
+            <a:r>
+              <a:rPr lang="hu-HU" dirty="0"/>
+              <a:t> ahol a</a:t>
+            </a:r>
+            <a:r>
+              <a:rPr lang="hu-HU" baseline="-25000" dirty="0"/>
+              <a:t>0</a:t>
+            </a:r>
+            <a:r>
+              <a:rPr lang="hu-HU" dirty="0"/>
+              <a:t> a </a:t>
+            </a:r>
+            <a:r>
+              <a:rPr lang="hu-HU" dirty="0" err="1"/>
+              <a:t>hidrofiil</a:t>
+            </a:r>
+            <a:r>
+              <a:rPr lang="hu-HU" dirty="0"/>
+              <a:t> fej keresztmetszete</a:t>
+            </a:r>
+          </a:p>
+        </p:txBody>
+      </p:sp>
+    </p:spTree>
+    <p:extLst>
+      <p:ext uri="{BB962C8B-B14F-4D97-AF65-F5344CB8AC3E}">
+        <p14:creationId xmlns:p14="http://schemas.microsoft.com/office/powerpoint/2010/main" val="2975599926"/>
+      </p:ext>
+    </p:extLst>
+  </p:cSld>
+  <p:clrMapOvr>
+    <a:masterClrMapping/>
+  </p:clrMapOvr>
+</p:sld>
+</file>
+
+<file path=ppt/slides/slide38.xml><?xml version="1.0" encoding="utf-8"?>
+<p:sld xmlns:a="http://schemas.openxmlformats.org/drawingml/2006/main" xmlns:r="http://schemas.openxmlformats.org/officeDocument/2006/relationships" xmlns:p="http://schemas.openxmlformats.org/presentationml/2006/main">
+  <p:cSld>
+    <p:spTree>
+      <p:nvGrpSpPr>
+        <p:cNvPr id="1" name=""/>
+        <p:cNvGrpSpPr/>
+        <p:nvPr/>
+      </p:nvGrpSpPr>
+      <p:grpSpPr>
+        <a:xfrm>
+          <a:off x="0" y="0"/>
+          <a:ext cx="0" cy="0"/>
+          <a:chOff x="0" y="0"/>
+          <a:chExt cx="0" cy="0"/>
+        </a:xfrm>
+      </p:grpSpPr>
+      <p:sp>
+        <p:nvSpPr>
+          <p:cNvPr id="2" name="Title 1">
+            <a:extLst>
+              <a:ext uri="{FF2B5EF4-FFF2-40B4-BE49-F238E27FC236}">
+                <a16:creationId xmlns:a16="http://schemas.microsoft.com/office/drawing/2014/main" id="{ED14CE2D-81B7-4F9A-BB0C-D16F69C589A7}"/>
+              </a:ext>
+            </a:extLst>
+          </p:cNvPr>
+          <p:cNvSpPr>
+            <a:spLocks noGrp="1"/>
+          </p:cNvSpPr>
+          <p:nvPr>
+            <p:ph type="ctrTitle"/>
+          </p:nvPr>
+        </p:nvSpPr>
+        <p:spPr/>
+        <p:txBody>
+          <a:bodyPr/>
+          <a:lstStyle/>
+          <a:p>
+            <a:r>
+              <a:rPr lang="en-GB"/>
+              <a:t>kölcsönhatások a határfelületen</a:t>
+            </a:r>
+            <a:endParaRPr lang="hu-HU"/>
+          </a:p>
+        </p:txBody>
+      </p:sp>
+      <p:sp>
+        <p:nvSpPr>
+          <p:cNvPr id="3" name="Subtitle 2">
+            <a:extLst>
+              <a:ext uri="{FF2B5EF4-FFF2-40B4-BE49-F238E27FC236}">
+                <a16:creationId xmlns:a16="http://schemas.microsoft.com/office/drawing/2014/main" id="{CCF01E84-2EB8-4FAF-9616-C823B1D9BBC2}"/>
+              </a:ext>
+            </a:extLst>
+          </p:cNvPr>
+          <p:cNvSpPr>
+            <a:spLocks noGrp="1"/>
+          </p:cNvSpPr>
+          <p:nvPr>
+            <p:ph type="subTitle" idx="1"/>
+          </p:nvPr>
+        </p:nvSpPr>
+        <p:spPr/>
+        <p:txBody>
+          <a:bodyPr/>
+          <a:lstStyle/>
+          <a:p>
+            <a:endParaRPr lang="hu-HU"/>
+          </a:p>
+        </p:txBody>
+      </p:sp>
+    </p:spTree>
+    <p:extLst>
+      <p:ext uri="{BB962C8B-B14F-4D97-AF65-F5344CB8AC3E}">
+        <p14:creationId xmlns:p14="http://schemas.microsoft.com/office/powerpoint/2010/main" val="1583445904"/>
+      </p:ext>
+    </p:extLst>
+  </p:cSld>
+  <p:clrMapOvr>
+    <a:masterClrMapping/>
+  </p:clrMapOvr>
+</p:sld>
+</file>
+
+<file path=ppt/slides/slide39.xml><?xml version="1.0" encoding="utf-8"?>
+<p:sld xmlns:a="http://schemas.openxmlformats.org/drawingml/2006/main" xmlns:r="http://schemas.openxmlformats.org/officeDocument/2006/relationships" xmlns:p="http://schemas.openxmlformats.org/presentationml/2006/main">
+  <p:cSld>
+    <p:spTree>
+      <p:nvGrpSpPr>
+        <p:cNvPr id="1" name=""/>
+        <p:cNvGrpSpPr/>
+        <p:nvPr/>
+      </p:nvGrpSpPr>
+      <p:grpSpPr>
+        <a:xfrm>
+          <a:off x="0" y="0"/>
+          <a:ext cx="0" cy="0"/>
+          <a:chOff x="0" y="0"/>
+          <a:chExt cx="0" cy="0"/>
+        </a:xfrm>
+      </p:grpSpPr>
+      <p:sp>
+        <p:nvSpPr>
+          <p:cNvPr id="2" name="Cím 1">
+            <a:extLst>
+              <a:ext uri="{FF2B5EF4-FFF2-40B4-BE49-F238E27FC236}">
                 <a16:creationId xmlns:a16="http://schemas.microsoft.com/office/drawing/2014/main" id="{7018C7D6-3E98-4958-9420-2BC59CBB413D}"/>
               </a:ext>
             </a:extLst>
@@ -13017,7 +13791,125 @@
 </p:sld>
 </file>
 
-<file path=ppt/slides/slide35.xml><?xml version="1.0" encoding="utf-8"?>
+<file path=ppt/slides/slide4.xml><?xml version="1.0" encoding="utf-8"?>
+<p:sld xmlns:a="http://schemas.openxmlformats.org/drawingml/2006/main" xmlns:r="http://schemas.openxmlformats.org/officeDocument/2006/relationships" xmlns:p="http://schemas.openxmlformats.org/presentationml/2006/main">
+  <p:cSld>
+    <p:spTree>
+      <p:nvGrpSpPr>
+        <p:cNvPr id="1" name=""/>
+        <p:cNvGrpSpPr/>
+        <p:nvPr/>
+      </p:nvGrpSpPr>
+      <p:grpSpPr>
+        <a:xfrm>
+          <a:off x="0" y="0"/>
+          <a:ext cx="0" cy="0"/>
+          <a:chOff x="0" y="0"/>
+          <a:chExt cx="0" cy="0"/>
+        </a:xfrm>
+      </p:grpSpPr>
+      <p:sp>
+        <p:nvSpPr>
+          <p:cNvPr id="2" name="Cím 1">
+            <a:extLst>
+              <a:ext uri="{FF2B5EF4-FFF2-40B4-BE49-F238E27FC236}">
+                <a16:creationId xmlns:a16="http://schemas.microsoft.com/office/drawing/2014/main" id="{F28B8B87-71A1-420E-A4A7-4FA0401C7639}"/>
+              </a:ext>
+            </a:extLst>
+          </p:cNvPr>
+          <p:cNvSpPr>
+            <a:spLocks noGrp="1"/>
+          </p:cNvSpPr>
+          <p:nvPr>
+            <p:ph type="title"/>
+          </p:nvPr>
+        </p:nvSpPr>
+        <p:spPr/>
+        <p:txBody>
+          <a:bodyPr/>
+          <a:lstStyle/>
+          <a:p>
+            <a:r>
+              <a:rPr lang="hu-HU" dirty="0" err="1"/>
+              <a:t>Adjuváns</a:t>
+            </a:r>
+            <a:r>
+              <a:rPr lang="hu-HU" dirty="0"/>
+              <a:t> kiválasztás </a:t>
+            </a:r>
+          </a:p>
+        </p:txBody>
+      </p:sp>
+      <p:sp>
+        <p:nvSpPr>
+          <p:cNvPr id="3" name="Tartalom helye 2">
+            <a:extLst>
+              <a:ext uri="{FF2B5EF4-FFF2-40B4-BE49-F238E27FC236}">
+                <a16:creationId xmlns:a16="http://schemas.microsoft.com/office/drawing/2014/main" id="{94E9E9F9-C272-4110-9476-DA37831A7456}"/>
+              </a:ext>
+            </a:extLst>
+          </p:cNvPr>
+          <p:cNvSpPr>
+            <a:spLocks noGrp="1"/>
+          </p:cNvSpPr>
+          <p:nvPr>
+            <p:ph idx="1"/>
+          </p:nvPr>
+        </p:nvSpPr>
+        <p:spPr/>
+        <p:txBody>
+          <a:bodyPr/>
+          <a:lstStyle/>
+          <a:p>
+            <a:r>
+              <a:rPr lang="hu-HU" dirty="0"/>
+              <a:t>1) az agrárkemikália  hatóanyaga és a </a:t>
+            </a:r>
+            <a:r>
+              <a:rPr lang="hu-HU" dirty="0" err="1"/>
+              <a:t>formatipus</a:t>
+            </a:r>
+            <a:r>
+              <a:rPr lang="hu-HU" dirty="0"/>
+              <a:t> szerepe</a:t>
+            </a:r>
+          </a:p>
+          <a:p>
+            <a:r>
+              <a:rPr lang="hu-HU" dirty="0"/>
+              <a:t>2)határfelületen bekövetkező  változások, folyamatok</a:t>
+            </a:r>
+          </a:p>
+          <a:p>
+            <a:r>
+              <a:rPr lang="hu-HU" dirty="0"/>
+              <a:t>3) az „</a:t>
+            </a:r>
+            <a:r>
+              <a:rPr lang="hu-HU" dirty="0" err="1"/>
+              <a:t>uptake</a:t>
+            </a:r>
+            <a:r>
+              <a:rPr lang="hu-HU" dirty="0"/>
+              <a:t>” aktiválásának  tényezői</a:t>
+            </a:r>
+          </a:p>
+        </p:txBody>
+      </p:sp>
+    </p:spTree>
+    <p:extLst>
+      <p:ext uri="{BB962C8B-B14F-4D97-AF65-F5344CB8AC3E}">
+        <p14:creationId xmlns:p14="http://schemas.microsoft.com/office/powerpoint/2010/main" val="3732040952"/>
+      </p:ext>
+    </p:extLst>
+  </p:cSld>
+  <p:clrMapOvr>
+    <a:masterClrMapping/>
+  </p:clrMapOvr>
+</p:sld>
+</file>
+
+<file path=ppt/slides/slide40.xml><?xml version="1.0" encoding="utf-8"?>
 <p:sld xmlns:a="http://schemas.openxmlformats.org/drawingml/2006/main" xmlns:r="http://schemas.openxmlformats.org/officeDocument/2006/relationships" xmlns:p="http://schemas.openxmlformats.org/presentationml/2006/main">
   <p:cSld>
     <p:spTree>
@@ -13107,807 +13999,6 @@
 </p:sld>
 </file>
 
-<file path=ppt/slides/slide36.xml><?xml version="1.0" encoding="utf-8"?>
-<p:sld xmlns:a="http://schemas.openxmlformats.org/drawingml/2006/main" xmlns:r="http://schemas.openxmlformats.org/officeDocument/2006/relationships" xmlns:p="http://schemas.openxmlformats.org/presentationml/2006/main">
-  <p:cSld>
-    <p:spTree>
-      <p:nvGrpSpPr>
-        <p:cNvPr id="1" name=""/>
-        <p:cNvGrpSpPr/>
-        <p:nvPr/>
-      </p:nvGrpSpPr>
-      <p:grpSpPr>
-        <a:xfrm>
-          <a:off x="0" y="0"/>
-          <a:ext cx="0" cy="0"/>
-          <a:chOff x="0" y="0"/>
-          <a:chExt cx="0" cy="0"/>
-        </a:xfrm>
-      </p:grpSpPr>
-      <p:sp>
-        <p:nvSpPr>
-          <p:cNvPr id="2" name="Cím 1">
-            <a:extLst>
-              <a:ext uri="{FF2B5EF4-FFF2-40B4-BE49-F238E27FC236}">
-                <a16:creationId xmlns:a16="http://schemas.microsoft.com/office/drawing/2014/main" id="{FE8BF433-A9B8-4196-8E48-9E54D816DD63}"/>
-              </a:ext>
-            </a:extLst>
-          </p:cNvPr>
-          <p:cNvSpPr>
-            <a:spLocks noGrp="1"/>
-          </p:cNvSpPr>
-          <p:nvPr>
-            <p:ph type="title"/>
-          </p:nvPr>
-        </p:nvSpPr>
-        <p:spPr/>
-        <p:txBody>
-          <a:bodyPr/>
-          <a:lstStyle/>
-          <a:p>
-            <a:r>
-              <a:rPr lang="hu-HU" dirty="0"/>
-              <a:t>Cseppképzési idő</a:t>
-            </a:r>
-          </a:p>
-        </p:txBody>
-      </p:sp>
-      <p:sp>
-        <p:nvSpPr>
-          <p:cNvPr id="3" name="Tartalom helye 2">
-            <a:extLst>
-              <a:ext uri="{FF2B5EF4-FFF2-40B4-BE49-F238E27FC236}">
-                <a16:creationId xmlns:a16="http://schemas.microsoft.com/office/drawing/2014/main" id="{30B8B622-823D-4AC3-884F-EF6604AF67C3}"/>
-              </a:ext>
-            </a:extLst>
-          </p:cNvPr>
-          <p:cNvSpPr>
-            <a:spLocks noGrp="1"/>
-          </p:cNvSpPr>
-          <p:nvPr>
-            <p:ph idx="1"/>
-          </p:nvPr>
-        </p:nvSpPr>
-        <p:spPr/>
-        <p:txBody>
-          <a:bodyPr/>
-          <a:lstStyle/>
-          <a:p>
-            <a:r>
-              <a:rPr lang="hu-HU" dirty="0"/>
-              <a:t>A </a:t>
-            </a:r>
-            <a:r>
-              <a:rPr lang="hu-HU" dirty="0" err="1"/>
-              <a:t>szorófej</a:t>
-            </a:r>
-            <a:r>
-              <a:rPr lang="hu-HU" dirty="0"/>
-              <a:t> </a:t>
-            </a:r>
-            <a:r>
-              <a:rPr lang="hu-HU" dirty="0" err="1"/>
-              <a:t>nyilásán</a:t>
-            </a:r>
-            <a:r>
-              <a:rPr lang="hu-HU" dirty="0"/>
-              <a:t> keresztül haladó permetlére erő hat: hidrosztatikus nyomás</a:t>
-            </a:r>
-          </a:p>
-          <a:p>
-            <a:r>
-              <a:rPr lang="hu-HU" dirty="0"/>
-              <a:t>Ha a cseppképzés ideje nagy (&gt; 1 perc) a csepp térfogata függ a felületi feszültségtől, a permetlé viszkozitásától és a </a:t>
-            </a:r>
-            <a:r>
-              <a:rPr lang="hu-HU" dirty="0" err="1"/>
-              <a:t>nyilás</a:t>
-            </a:r>
-            <a:r>
-              <a:rPr lang="hu-HU" dirty="0"/>
-              <a:t> dimenzióitól de gyakorlatilag független az időtől  </a:t>
-            </a:r>
-          </a:p>
-          <a:p>
-            <a:pPr lvl="1"/>
-            <a:r>
-              <a:rPr lang="hu-HU" dirty="0"/>
-              <a:t>Ez az alapja  a </a:t>
-            </a:r>
-            <a:r>
-              <a:rPr lang="hu-HU" dirty="0" err="1"/>
-              <a:t>kapillárisos</a:t>
-            </a:r>
-            <a:r>
-              <a:rPr lang="hu-HU" dirty="0"/>
-              <a:t> felületi feszültség mérésnek</a:t>
-            </a:r>
-          </a:p>
-          <a:p>
-            <a:pPr lvl="1"/>
-            <a:endParaRPr lang="hu-HU" dirty="0"/>
-          </a:p>
-          <a:p>
-            <a:pPr marL="457200" lvl="1" indent="0">
-              <a:buNone/>
-            </a:pPr>
-            <a:r>
-              <a:rPr lang="hu-HU" dirty="0"/>
-              <a:t>Ha az időtartam rövid (&lt;1 perc): a csepp térfogat összetett módon függ a képződési időtől</a:t>
-            </a:r>
-          </a:p>
-          <a:p>
-            <a:endParaRPr lang="hu-HU" dirty="0"/>
-          </a:p>
-        </p:txBody>
-      </p:sp>
-    </p:spTree>
-    <p:extLst>
-      <p:ext uri="{BB962C8B-B14F-4D97-AF65-F5344CB8AC3E}">
-        <p14:creationId xmlns:p14="http://schemas.microsoft.com/office/powerpoint/2010/main" val="3291700208"/>
-      </p:ext>
-    </p:extLst>
-  </p:cSld>
-  <p:clrMapOvr>
-    <a:masterClrMapping/>
-  </p:clrMapOvr>
-</p:sld>
-</file>
-
-<file path=ppt/slides/slide37.xml><?xml version="1.0" encoding="utf-8"?>
-<p:sld xmlns:a="http://schemas.openxmlformats.org/drawingml/2006/main" xmlns:r="http://schemas.openxmlformats.org/officeDocument/2006/relationships" xmlns:p="http://schemas.openxmlformats.org/presentationml/2006/main">
-  <p:cSld>
-    <p:spTree>
-      <p:nvGrpSpPr>
-        <p:cNvPr id="1" name=""/>
-        <p:cNvGrpSpPr/>
-        <p:nvPr/>
-      </p:nvGrpSpPr>
-      <p:grpSpPr>
-        <a:xfrm>
-          <a:off x="0" y="0"/>
-          <a:ext cx="0" cy="0"/>
-          <a:chOff x="0" y="0"/>
-          <a:chExt cx="0" cy="0"/>
-        </a:xfrm>
-      </p:grpSpPr>
-      <p:sp>
-        <p:nvSpPr>
-          <p:cNvPr id="2" name="Cím 1">
-            <a:extLst>
-              <a:ext uri="{FF2B5EF4-FFF2-40B4-BE49-F238E27FC236}">
-                <a16:creationId xmlns:a16="http://schemas.microsoft.com/office/drawing/2014/main" id="{A0FFCC8C-4F16-42EB-828E-EFC7A537F392}"/>
-              </a:ext>
-            </a:extLst>
-          </p:cNvPr>
-          <p:cNvSpPr>
-            <a:spLocks noGrp="1"/>
-          </p:cNvSpPr>
-          <p:nvPr>
-            <p:ph type="title"/>
-          </p:nvPr>
-        </p:nvSpPr>
-        <p:spPr/>
-        <p:txBody>
-          <a:bodyPr/>
-          <a:lstStyle/>
-          <a:p>
-            <a:r>
-              <a:rPr lang="hu-HU" dirty="0"/>
-              <a:t>Rövid idejű cseppképzés</a:t>
-            </a:r>
-          </a:p>
-        </p:txBody>
-      </p:sp>
-      <p:sp>
-        <p:nvSpPr>
-          <p:cNvPr id="3" name="Tartalom helye 2">
-            <a:extLst>
-              <a:ext uri="{FF2B5EF4-FFF2-40B4-BE49-F238E27FC236}">
-                <a16:creationId xmlns:a16="http://schemas.microsoft.com/office/drawing/2014/main" id="{9E7F7A09-5F78-4887-9184-6A8ACC4AF189}"/>
-              </a:ext>
-            </a:extLst>
-          </p:cNvPr>
-          <p:cNvSpPr>
-            <a:spLocks noGrp="1"/>
-          </p:cNvSpPr>
-          <p:nvPr>
-            <p:ph idx="1"/>
-          </p:nvPr>
-        </p:nvSpPr>
-        <p:spPr/>
-        <p:txBody>
-          <a:bodyPr/>
-          <a:lstStyle/>
-          <a:p>
-            <a:r>
-              <a:rPr lang="hu-HU" dirty="0"/>
-              <a:t>Amikor nagyon gyorsan halad át a folyadék a szórófej nyílásán</a:t>
-            </a:r>
-          </a:p>
-          <a:p>
-            <a:r>
-              <a:rPr lang="hu-HU" dirty="0"/>
-              <a:t>A folyadék-áram(JET) felbomlik cseppekre a felületi erők hatására amikor kilép a </a:t>
-            </a:r>
-            <a:r>
-              <a:rPr lang="hu-HU" dirty="0" err="1"/>
-              <a:t>szorófejből</a:t>
-            </a:r>
-            <a:endParaRPr lang="hu-HU" dirty="0"/>
-          </a:p>
-          <a:p>
-            <a:r>
-              <a:rPr lang="hu-HU" dirty="0"/>
-              <a:t>A csepp felületi energiája kisebb mint a kevésbé szimmetrikus alakzaté (például henger)</a:t>
-            </a:r>
-          </a:p>
-          <a:p>
-            <a:endParaRPr lang="hu-HU" dirty="0"/>
-          </a:p>
-        </p:txBody>
-      </p:sp>
-    </p:spTree>
-    <p:extLst>
-      <p:ext uri="{BB962C8B-B14F-4D97-AF65-F5344CB8AC3E}">
-        <p14:creationId xmlns:p14="http://schemas.microsoft.com/office/powerpoint/2010/main" val="3717698194"/>
-      </p:ext>
-    </p:extLst>
-  </p:cSld>
-  <p:clrMapOvr>
-    <a:masterClrMapping/>
-  </p:clrMapOvr>
-</p:sld>
-</file>
-
-<file path=ppt/slides/slide38.xml><?xml version="1.0" encoding="utf-8"?>
-<p:sld xmlns:a="http://schemas.openxmlformats.org/drawingml/2006/main" xmlns:r="http://schemas.openxmlformats.org/officeDocument/2006/relationships" xmlns:p="http://schemas.openxmlformats.org/presentationml/2006/main">
-  <p:cSld>
-    <p:spTree>
-      <p:nvGrpSpPr>
-        <p:cNvPr id="1" name=""/>
-        <p:cNvGrpSpPr/>
-        <p:nvPr/>
-      </p:nvGrpSpPr>
-      <p:grpSpPr>
-        <a:xfrm>
-          <a:off x="0" y="0"/>
-          <a:ext cx="0" cy="0"/>
-          <a:chOff x="0" y="0"/>
-          <a:chExt cx="0" cy="0"/>
-        </a:xfrm>
-      </p:grpSpPr>
-      <p:sp>
-        <p:nvSpPr>
-          <p:cNvPr id="2" name="Cím 1">
-            <a:extLst>
-              <a:ext uri="{FF2B5EF4-FFF2-40B4-BE49-F238E27FC236}">
-                <a16:creationId xmlns:a16="http://schemas.microsoft.com/office/drawing/2014/main" id="{C5A6B9F1-C5D2-402D-91F7-8BE4CB376609}"/>
-              </a:ext>
-            </a:extLst>
-          </p:cNvPr>
-          <p:cNvSpPr>
-            <a:spLocks noGrp="1"/>
-          </p:cNvSpPr>
-          <p:nvPr>
-            <p:ph type="title"/>
-          </p:nvPr>
-        </p:nvSpPr>
-        <p:spPr/>
-        <p:txBody>
-          <a:bodyPr/>
-          <a:lstStyle/>
-          <a:p>
-            <a:r>
-              <a:rPr lang="hu-HU" dirty="0"/>
-              <a:t>Csepphalmaz </a:t>
-            </a:r>
-            <a:r>
-              <a:rPr lang="hu-HU" dirty="0" err="1"/>
-              <a:t>polidiszperz</a:t>
-            </a:r>
-            <a:r>
-              <a:rPr lang="hu-HU" dirty="0"/>
-              <a:t>: cseppspektrum</a:t>
-            </a:r>
-          </a:p>
-        </p:txBody>
-      </p:sp>
-      <p:sp>
-        <p:nvSpPr>
-          <p:cNvPr id="3" name="Tartalom helye 2">
-            <a:extLst>
-              <a:ext uri="{FF2B5EF4-FFF2-40B4-BE49-F238E27FC236}">
-                <a16:creationId xmlns:a16="http://schemas.microsoft.com/office/drawing/2014/main" id="{26D946A4-A1ED-43BF-931D-45D790A98A66}"/>
-              </a:ext>
-            </a:extLst>
-          </p:cNvPr>
-          <p:cNvSpPr>
-            <a:spLocks noGrp="1"/>
-          </p:cNvSpPr>
-          <p:nvPr>
-            <p:ph idx="1"/>
-          </p:nvPr>
-        </p:nvSpPr>
-        <p:spPr/>
-        <p:txBody>
-          <a:bodyPr/>
-          <a:lstStyle/>
-          <a:p>
-            <a:r>
-              <a:rPr lang="hu-HU" dirty="0"/>
-              <a:t>Amikor a henger hossza (L) meghaladja  a kerületét (2</a:t>
-            </a:r>
-            <a:r>
-              <a:rPr lang="el-GR" dirty="0"/>
-              <a:t>π</a:t>
-            </a:r>
-            <a:r>
-              <a:rPr lang="hu-HU" dirty="0"/>
-              <a:t>r), akkor felbomlik cseppekre</a:t>
-            </a:r>
-          </a:p>
-          <a:p>
-            <a:r>
-              <a:rPr lang="hu-HU" dirty="0"/>
-              <a:t>Nagyon hosszú henger ( 9/2)*</a:t>
-            </a:r>
-            <a:r>
-              <a:rPr lang="el-GR" dirty="0"/>
-              <a:t>π</a:t>
-            </a:r>
-            <a:r>
-              <a:rPr lang="hu-HU" dirty="0"/>
-              <a:t> r</a:t>
-            </a:r>
-            <a:r>
-              <a:rPr lang="hu-HU" baseline="30000" dirty="0"/>
-              <a:t>3</a:t>
-            </a:r>
-            <a:r>
-              <a:rPr lang="hu-HU" dirty="0"/>
-              <a:t> térfogatú cseppekre osztódik</a:t>
-            </a:r>
-          </a:p>
-          <a:p>
-            <a:r>
-              <a:rPr lang="hu-HU" dirty="0"/>
-              <a:t>Két nem egyenlő méretű gömb összefelülete kisebb mint két egyenlő méretű azonos össztérfogat esetén: ezért </a:t>
-            </a:r>
-            <a:r>
-              <a:rPr lang="hu-HU" dirty="0" err="1"/>
-              <a:t>polidiszperz</a:t>
-            </a:r>
-            <a:r>
-              <a:rPr lang="hu-HU" dirty="0"/>
-              <a:t> csepphalmaz kialakulása a valószínű</a:t>
-            </a:r>
-          </a:p>
-          <a:p>
-            <a:endParaRPr lang="hu-HU" dirty="0"/>
-          </a:p>
-        </p:txBody>
-      </p:sp>
-    </p:spTree>
-    <p:extLst>
-      <p:ext uri="{BB962C8B-B14F-4D97-AF65-F5344CB8AC3E}">
-        <p14:creationId xmlns:p14="http://schemas.microsoft.com/office/powerpoint/2010/main" val="4132252409"/>
-      </p:ext>
-    </p:extLst>
-  </p:cSld>
-  <p:clrMapOvr>
-    <a:masterClrMapping/>
-  </p:clrMapOvr>
-</p:sld>
-</file>
-
-<file path=ppt/slides/slide39.xml><?xml version="1.0" encoding="utf-8"?>
-<p:sld xmlns:a="http://schemas.openxmlformats.org/drawingml/2006/main" xmlns:r="http://schemas.openxmlformats.org/officeDocument/2006/relationships" xmlns:p="http://schemas.openxmlformats.org/presentationml/2006/main">
-  <p:cSld>
-    <p:spTree>
-      <p:nvGrpSpPr>
-        <p:cNvPr id="1" name=""/>
-        <p:cNvGrpSpPr/>
-        <p:nvPr/>
-      </p:nvGrpSpPr>
-      <p:grpSpPr>
-        <a:xfrm>
-          <a:off x="0" y="0"/>
-          <a:ext cx="0" cy="0"/>
-          <a:chOff x="0" y="0"/>
-          <a:chExt cx="0" cy="0"/>
-        </a:xfrm>
-      </p:grpSpPr>
-      <p:sp>
-        <p:nvSpPr>
-          <p:cNvPr id="2" name="Cím 1">
-            <a:extLst>
-              <a:ext uri="{FF2B5EF4-FFF2-40B4-BE49-F238E27FC236}">
-                <a16:creationId xmlns:a16="http://schemas.microsoft.com/office/drawing/2014/main" id="{3CA83191-4B5D-44B3-939C-3060D41DA850}"/>
-              </a:ext>
-            </a:extLst>
-          </p:cNvPr>
-          <p:cNvSpPr>
-            <a:spLocks noGrp="1"/>
-          </p:cNvSpPr>
-          <p:nvPr>
-            <p:ph type="title"/>
-          </p:nvPr>
-        </p:nvSpPr>
-        <p:spPr/>
-        <p:txBody>
-          <a:bodyPr/>
-          <a:lstStyle/>
-          <a:p>
-            <a:r>
-              <a:rPr lang="hu-HU" dirty="0" err="1"/>
-              <a:t>Tenzidek</a:t>
-            </a:r>
-            <a:r>
-              <a:rPr lang="hu-HU" dirty="0"/>
-              <a:t> és polimerek hatása a cseppspektrumra</a:t>
-            </a:r>
-          </a:p>
-        </p:txBody>
-      </p:sp>
-      <p:sp>
-        <p:nvSpPr>
-          <p:cNvPr id="3" name="Tartalom helye 2">
-            <a:extLst>
-              <a:ext uri="{FF2B5EF4-FFF2-40B4-BE49-F238E27FC236}">
-                <a16:creationId xmlns:a16="http://schemas.microsoft.com/office/drawing/2014/main" id="{D55AA9C3-D7DA-4895-9350-E04F7A0EFC9A}"/>
-              </a:ext>
-            </a:extLst>
-          </p:cNvPr>
-          <p:cNvSpPr>
-            <a:spLocks noGrp="1"/>
-          </p:cNvSpPr>
-          <p:nvPr>
-            <p:ph idx="1"/>
-          </p:nvPr>
-        </p:nvSpPr>
-        <p:spPr/>
-        <p:txBody>
-          <a:bodyPr/>
-          <a:lstStyle/>
-          <a:p>
-            <a:r>
-              <a:rPr lang="hu-HU" dirty="0"/>
-              <a:t>A cseppspektrum „szabályozása” fontos:</a:t>
-            </a:r>
-          </a:p>
-          <a:p>
-            <a:pPr lvl="1"/>
-            <a:r>
-              <a:rPr lang="hu-HU" dirty="0"/>
-              <a:t>A megfelelő adhézió biztosításáért</a:t>
-            </a:r>
-          </a:p>
-          <a:p>
-            <a:pPr lvl="1"/>
-            <a:r>
-              <a:rPr lang="hu-HU" dirty="0"/>
-              <a:t>A megfelelő retencióért</a:t>
-            </a:r>
-          </a:p>
-          <a:p>
-            <a:pPr lvl="1"/>
-            <a:r>
-              <a:rPr lang="hu-HU" dirty="0"/>
-              <a:t>Az elsodródás  megelőzéséért</a:t>
-            </a:r>
-          </a:p>
-          <a:p>
-            <a:pPr lvl="1"/>
-            <a:endParaRPr lang="hu-HU" dirty="0"/>
-          </a:p>
-          <a:p>
-            <a:pPr lvl="1"/>
-            <a:r>
-              <a:rPr lang="hu-HU" dirty="0" err="1"/>
-              <a:t>Tenzidekkel</a:t>
-            </a:r>
-            <a:r>
-              <a:rPr lang="hu-HU" dirty="0"/>
-              <a:t> és polimerekkel szabályozhatjuk a cseppspektrumot</a:t>
-            </a:r>
-          </a:p>
-        </p:txBody>
-      </p:sp>
-    </p:spTree>
-    <p:extLst>
-      <p:ext uri="{BB962C8B-B14F-4D97-AF65-F5344CB8AC3E}">
-        <p14:creationId xmlns:p14="http://schemas.microsoft.com/office/powerpoint/2010/main" val="1906782115"/>
-      </p:ext>
-    </p:extLst>
-  </p:cSld>
-  <p:clrMapOvr>
-    <a:masterClrMapping/>
-  </p:clrMapOvr>
-</p:sld>
-</file>
-
-<file path=ppt/slides/slide4.xml><?xml version="1.0" encoding="utf-8"?>
-<p:sld xmlns:a="http://schemas.openxmlformats.org/drawingml/2006/main" xmlns:r="http://schemas.openxmlformats.org/officeDocument/2006/relationships" xmlns:p="http://schemas.openxmlformats.org/presentationml/2006/main">
-  <p:cSld>
-    <p:spTree>
-      <p:nvGrpSpPr>
-        <p:cNvPr id="1" name=""/>
-        <p:cNvGrpSpPr/>
-        <p:nvPr/>
-      </p:nvGrpSpPr>
-      <p:grpSpPr>
-        <a:xfrm>
-          <a:off x="0" y="0"/>
-          <a:ext cx="0" cy="0"/>
-          <a:chOff x="0" y="0"/>
-          <a:chExt cx="0" cy="0"/>
-        </a:xfrm>
-      </p:grpSpPr>
-      <p:sp>
-        <p:nvSpPr>
-          <p:cNvPr id="2" name="Cím 1">
-            <a:extLst>
-              <a:ext uri="{FF2B5EF4-FFF2-40B4-BE49-F238E27FC236}">
-                <a16:creationId xmlns:a16="http://schemas.microsoft.com/office/drawing/2014/main" id="{44383489-BD84-4AC3-9BB7-F17DDAAEBD59}"/>
-              </a:ext>
-            </a:extLst>
-          </p:cNvPr>
-          <p:cNvSpPr>
-            <a:spLocks noGrp="1"/>
-          </p:cNvSpPr>
-          <p:nvPr>
-            <p:ph type="title"/>
-          </p:nvPr>
-        </p:nvSpPr>
-        <p:spPr/>
-        <p:txBody>
-          <a:bodyPr/>
-          <a:lstStyle/>
-          <a:p>
-            <a:r>
-              <a:rPr lang="hu-HU" dirty="0" err="1"/>
-              <a:t>Adjuvánsok</a:t>
-            </a:r>
-            <a:r>
-              <a:rPr lang="hu-HU" dirty="0"/>
-              <a:t> alkalmazása</a:t>
-            </a:r>
-          </a:p>
-        </p:txBody>
-      </p:sp>
-      <p:sp>
-        <p:nvSpPr>
-          <p:cNvPr id="3" name="Tartalom helye 2">
-            <a:extLst>
-              <a:ext uri="{FF2B5EF4-FFF2-40B4-BE49-F238E27FC236}">
-                <a16:creationId xmlns:a16="http://schemas.microsoft.com/office/drawing/2014/main" id="{3977414D-675F-49B5-8753-074B19B5A28F}"/>
-              </a:ext>
-            </a:extLst>
-          </p:cNvPr>
-          <p:cNvSpPr>
-            <a:spLocks noGrp="1"/>
-          </p:cNvSpPr>
-          <p:nvPr>
-            <p:ph idx="1"/>
-          </p:nvPr>
-        </p:nvSpPr>
-        <p:spPr>
-          <a:xfrm>
-            <a:off x="838200" y="1690688"/>
-            <a:ext cx="10515600" cy="4351338"/>
-          </a:xfrm>
-        </p:spPr>
-        <p:txBody>
-          <a:bodyPr/>
-          <a:lstStyle/>
-          <a:p>
-            <a:r>
-              <a:rPr lang="hu-HU" dirty="0"/>
-              <a:t>1)  </a:t>
-            </a:r>
-            <a:r>
-              <a:rPr lang="hu-HU" dirty="0" err="1"/>
-              <a:t>Built</a:t>
-            </a:r>
-            <a:r>
-              <a:rPr lang="hu-HU" dirty="0"/>
-              <a:t>-in: a hatóanyagot tartalmazó </a:t>
-            </a:r>
-            <a:r>
-              <a:rPr lang="hu-HU" dirty="0" err="1"/>
-              <a:t>formuláció</a:t>
-            </a:r>
-            <a:r>
-              <a:rPr lang="hu-HU" dirty="0"/>
-              <a:t> </a:t>
-            </a:r>
-            <a:r>
-              <a:rPr lang="hu-HU" dirty="0" err="1"/>
-              <a:t>tartalmazzabaz</a:t>
-            </a:r>
-            <a:r>
-              <a:rPr lang="hu-HU" dirty="0"/>
-              <a:t> </a:t>
-            </a:r>
-            <a:r>
-              <a:rPr lang="hu-HU" dirty="0" err="1"/>
-              <a:t>adjuvánst</a:t>
-            </a:r>
-            <a:endParaRPr lang="hu-HU" dirty="0"/>
-          </a:p>
-          <a:p>
-            <a:endParaRPr lang="hu-HU" dirty="0"/>
-          </a:p>
-          <a:p>
-            <a:r>
-              <a:rPr lang="hu-HU" dirty="0"/>
-              <a:t>2) tank-mix </a:t>
-            </a:r>
-            <a:r>
-              <a:rPr lang="hu-HU" dirty="0" err="1"/>
-              <a:t>adjuváns</a:t>
-            </a:r>
-            <a:endParaRPr lang="hu-HU" dirty="0"/>
-          </a:p>
-        </p:txBody>
-      </p:sp>
-    </p:spTree>
-    <p:extLst>
-      <p:ext uri="{BB962C8B-B14F-4D97-AF65-F5344CB8AC3E}">
-        <p14:creationId xmlns:p14="http://schemas.microsoft.com/office/powerpoint/2010/main" val="2719677808"/>
-      </p:ext>
-    </p:extLst>
-  </p:cSld>
-  <p:clrMapOvr>
-    <a:masterClrMapping/>
-  </p:clrMapOvr>
-</p:sld>
-</file>
-
-<file path=ppt/slides/slide40.xml><?xml version="1.0" encoding="utf-8"?>
-<p:sld xmlns:a="http://schemas.openxmlformats.org/drawingml/2006/main" xmlns:r="http://schemas.openxmlformats.org/officeDocument/2006/relationships" xmlns:p="http://schemas.openxmlformats.org/presentationml/2006/main">
-  <p:cSld>
-    <p:spTree>
-      <p:nvGrpSpPr>
-        <p:cNvPr id="1" name=""/>
-        <p:cNvGrpSpPr/>
-        <p:nvPr/>
-      </p:nvGrpSpPr>
-      <p:grpSpPr>
-        <a:xfrm>
-          <a:off x="0" y="0"/>
-          <a:ext cx="0" cy="0"/>
-          <a:chOff x="0" y="0"/>
-          <a:chExt cx="0" cy="0"/>
-        </a:xfrm>
-      </p:grpSpPr>
-      <p:sp>
-        <p:nvSpPr>
-          <p:cNvPr id="2" name="Cím 1">
-            <a:extLst>
-              <a:ext uri="{FF2B5EF4-FFF2-40B4-BE49-F238E27FC236}">
-                <a16:creationId xmlns:a16="http://schemas.microsoft.com/office/drawing/2014/main" id="{C7423AB6-16C3-4DC5-9D53-9E408E4FCFFC}"/>
-              </a:ext>
-            </a:extLst>
-          </p:cNvPr>
-          <p:cNvSpPr>
-            <a:spLocks noGrp="1"/>
-          </p:cNvSpPr>
-          <p:nvPr>
-            <p:ph type="title"/>
-          </p:nvPr>
-        </p:nvSpPr>
-        <p:spPr/>
-        <p:txBody>
-          <a:bodyPr/>
-          <a:lstStyle/>
-          <a:p>
-            <a:r>
-              <a:rPr lang="hu-HU" dirty="0" err="1"/>
-              <a:t>Tenziddel</a:t>
-            </a:r>
-            <a:r>
-              <a:rPr lang="hu-HU" dirty="0"/>
-              <a:t> a </a:t>
-            </a:r>
-            <a:r>
-              <a:rPr lang="hu-HU" dirty="0" err="1"/>
-              <a:t>csepméretért</a:t>
-            </a:r>
-            <a:endParaRPr lang="hu-HU" dirty="0"/>
-          </a:p>
-        </p:txBody>
-      </p:sp>
-      <p:sp>
-        <p:nvSpPr>
-          <p:cNvPr id="3" name="Tartalom helye 2">
-            <a:extLst>
-              <a:ext uri="{FF2B5EF4-FFF2-40B4-BE49-F238E27FC236}">
-                <a16:creationId xmlns:a16="http://schemas.microsoft.com/office/drawing/2014/main" id="{AE667591-74A1-405E-968F-3B308056BCCB}"/>
-              </a:ext>
-            </a:extLst>
-          </p:cNvPr>
-          <p:cNvSpPr>
-            <a:spLocks noGrp="1"/>
-          </p:cNvSpPr>
-          <p:nvPr>
-            <p:ph idx="1"/>
-          </p:nvPr>
-        </p:nvSpPr>
-        <p:spPr/>
-        <p:txBody>
-          <a:bodyPr/>
-          <a:lstStyle/>
-          <a:p>
-            <a:r>
-              <a:rPr lang="hu-HU" dirty="0"/>
-              <a:t>A </a:t>
-            </a:r>
-            <a:r>
-              <a:rPr lang="hu-HU" dirty="0" err="1"/>
-              <a:t>tenzid</a:t>
-            </a:r>
-            <a:r>
-              <a:rPr lang="hu-HU" dirty="0"/>
-              <a:t> csökkenti a felületi feszültséget</a:t>
-            </a:r>
-          </a:p>
-          <a:p>
-            <a:r>
-              <a:rPr lang="hu-HU" dirty="0"/>
-              <a:t>Ez kisebb cseppek kialakulását lehetővé teszi</a:t>
-            </a:r>
-          </a:p>
-          <a:p>
-            <a:r>
-              <a:rPr lang="hu-HU" dirty="0"/>
-              <a:t>A cseppátmerő egyenesen arányos  a folyadék felületi feszültségével</a:t>
-            </a:r>
-          </a:p>
-          <a:p>
-            <a:r>
-              <a:rPr lang="hu-HU" dirty="0"/>
-              <a:t>A cseppképzés nagyon gyors: ezért dinamikus effektusokat kell figyelembe venni  (</a:t>
-            </a:r>
-            <a:r>
-              <a:rPr lang="hu-HU" dirty="0" err="1"/>
-              <a:t>tenzid</a:t>
-            </a:r>
-            <a:r>
-              <a:rPr lang="hu-HU" dirty="0"/>
-              <a:t> molekulák adszorpciójának és </a:t>
-            </a:r>
-            <a:r>
-              <a:rPr lang="hu-HU" dirty="0" err="1"/>
-              <a:t>diffuziójának</a:t>
-            </a:r>
-            <a:r>
-              <a:rPr lang="hu-HU" dirty="0"/>
-              <a:t> sebessége)</a:t>
-            </a:r>
-          </a:p>
-          <a:p>
-            <a:pPr marL="0" indent="0">
-              <a:buNone/>
-            </a:pPr>
-            <a:endParaRPr lang="hu-HU" dirty="0"/>
-          </a:p>
-        </p:txBody>
-      </p:sp>
-    </p:spTree>
-    <p:extLst>
-      <p:ext uri="{BB962C8B-B14F-4D97-AF65-F5344CB8AC3E}">
-        <p14:creationId xmlns:p14="http://schemas.microsoft.com/office/powerpoint/2010/main" val="3735600439"/>
-      </p:ext>
-    </p:extLst>
-  </p:cSld>
-  <p:clrMapOvr>
-    <a:masterClrMapping/>
-  </p:clrMapOvr>
-</p:sld>
-</file>
-
 <file path=ppt/slides/slide41.xml><?xml version="1.0" encoding="utf-8"?>
 <p:sld xmlns:a="http://schemas.openxmlformats.org/drawingml/2006/main" xmlns:r="http://schemas.openxmlformats.org/officeDocument/2006/relationships" xmlns:p="http://schemas.openxmlformats.org/presentationml/2006/main">
   <p:cSld>
@@ -13930,7 +14021,7 @@
           <p:cNvPr id="2" name="Cím 1">
             <a:extLst>
               <a:ext uri="{FF2B5EF4-FFF2-40B4-BE49-F238E27FC236}">
-                <a16:creationId xmlns:a16="http://schemas.microsoft.com/office/drawing/2014/main" id="{F5BF0B81-0D62-4412-93DC-B93DE8B519D6}"/>
+                <a16:creationId xmlns:a16="http://schemas.microsoft.com/office/drawing/2014/main" id="{FE8BF433-A9B8-4196-8E48-9E54D816DD63}"/>
               </a:ext>
             </a:extLst>
           </p:cNvPr>
@@ -13948,7 +14039,7 @@
           <a:p>
             <a:r>
               <a:rPr lang="hu-HU" dirty="0"/>
-              <a:t>Micellák szerepe</a:t>
+              <a:t>Cseppképzési idő</a:t>
             </a:r>
           </a:p>
         </p:txBody>
@@ -13958,7 +14049,7 @@
           <p:cNvPr id="3" name="Tartalom helye 2">
             <a:extLst>
               <a:ext uri="{FF2B5EF4-FFF2-40B4-BE49-F238E27FC236}">
-                <a16:creationId xmlns:a16="http://schemas.microsoft.com/office/drawing/2014/main" id="{264E3F6E-331F-41E5-82AB-9ED1B782D14A}"/>
+                <a16:creationId xmlns:a16="http://schemas.microsoft.com/office/drawing/2014/main" id="{30B8B622-823D-4AC3-884F-EF6604AF67C3}"/>
               </a:ext>
             </a:extLst>
           </p:cNvPr>
@@ -13971,36 +14062,81 @@
         </p:nvSpPr>
         <p:spPr/>
         <p:txBody>
-          <a:bodyPr>
-            <a:normAutofit/>
-          </a:bodyPr>
-          <a:lstStyle/>
-          <a:p>
-            <a:r>
-              <a:rPr lang="hu-HU" dirty="0"/>
-              <a:t>Nem egyszerűen csak a molekulaméret (monomer)  (</a:t>
-            </a:r>
-            <a:r>
-              <a:rPr lang="hu-HU" dirty="0" err="1"/>
-              <a:t>diffuziós</a:t>
-            </a:r>
-            <a:r>
-              <a:rPr lang="hu-HU" dirty="0"/>
-              <a:t> koefficiens) hanem a micellák élettartama az oldatban is jelentős szerepel bír.</a:t>
-            </a:r>
-          </a:p>
-          <a:p>
-            <a:r>
-              <a:rPr lang="hu-HU" dirty="0"/>
-              <a:t>Rövidebb élettartam a monomerek gyorsabb rendelkezésre állását jelenti ez pedig  a felületi feszültség gyorsabb csökkenéséhez vezet</a:t>
-            </a:r>
+          <a:bodyPr/>
+          <a:lstStyle/>
+          <a:p>
+            <a:r>
+              <a:rPr lang="hu-HU" dirty="0"/>
+              <a:t>A </a:t>
+            </a:r>
+            <a:r>
+              <a:rPr lang="hu-HU" dirty="0" err="1"/>
+              <a:t>szorófej</a:t>
+            </a:r>
+            <a:r>
+              <a:rPr lang="hu-HU" dirty="0"/>
+              <a:t> </a:t>
+            </a:r>
+            <a:r>
+              <a:rPr lang="hu-HU" dirty="0" err="1"/>
+              <a:t>nyilásán</a:t>
+            </a:r>
+            <a:r>
+              <a:rPr lang="hu-HU" dirty="0"/>
+              <a:t> keresztül haladó permetlére erő hat: hidrosztatikus nyomás</a:t>
+            </a:r>
+          </a:p>
+          <a:p>
+            <a:r>
+              <a:rPr lang="hu-HU" dirty="0"/>
+              <a:t>Ha a cseppképzés ideje nagy (&gt; 1 perc) a csepp térfogata függ a felületi feszültségtől, a permetlé viszkozitásától és a </a:t>
+            </a:r>
+            <a:r>
+              <a:rPr lang="hu-HU" dirty="0" err="1"/>
+              <a:t>nyilás</a:t>
+            </a:r>
+            <a:r>
+              <a:rPr lang="hu-HU" dirty="0"/>
+              <a:t> dimenzióitól de gyakorlatilag független az időtől  </a:t>
+            </a:r>
+          </a:p>
+          <a:p>
+            <a:pPr lvl="1"/>
+            <a:r>
+              <a:rPr lang="hu-HU" dirty="0"/>
+              <a:t>Ez az alapja  a </a:t>
+            </a:r>
+            <a:r>
+              <a:rPr lang="hu-HU" dirty="0" err="1"/>
+              <a:t>kapillárisos</a:t>
+            </a:r>
+            <a:r>
+              <a:rPr lang="hu-HU" dirty="0"/>
+              <a:t> felületi feszültség mérésnek</a:t>
+            </a:r>
+          </a:p>
+          <a:p>
+            <a:pPr lvl="1"/>
+            <a:endParaRPr lang="hu-HU" dirty="0"/>
+          </a:p>
+          <a:p>
+            <a:pPr marL="457200" lvl="1" indent="0">
+              <a:buNone/>
+            </a:pPr>
+            <a:r>
+              <a:rPr lang="hu-HU" dirty="0"/>
+              <a:t>Ha az időtartam rövid (&lt;1 perc): a csepp térfogat összetett módon függ a képződési időtől</a:t>
+            </a:r>
+          </a:p>
+          <a:p>
+            <a:endParaRPr lang="hu-HU" dirty="0"/>
           </a:p>
         </p:txBody>
       </p:sp>
     </p:spTree>
     <p:extLst>
       <p:ext uri="{BB962C8B-B14F-4D97-AF65-F5344CB8AC3E}">
-        <p14:creationId xmlns:p14="http://schemas.microsoft.com/office/powerpoint/2010/main" val="4079159791"/>
+        <p14:creationId xmlns:p14="http://schemas.microsoft.com/office/powerpoint/2010/main" val="3291700208"/>
       </p:ext>
     </p:extLst>
   </p:cSld>
@@ -14032,7 +14168,7 @@
           <p:cNvPr id="2" name="Cím 1">
             <a:extLst>
               <a:ext uri="{FF2B5EF4-FFF2-40B4-BE49-F238E27FC236}">
-                <a16:creationId xmlns:a16="http://schemas.microsoft.com/office/drawing/2014/main" id="{EDF16132-07E3-4DB2-8F1A-048577A4452D}"/>
+                <a16:creationId xmlns:a16="http://schemas.microsoft.com/office/drawing/2014/main" id="{A0FFCC8C-4F16-42EB-828E-EFC7A537F392}"/>
               </a:ext>
             </a:extLst>
           </p:cNvPr>
@@ -14050,7 +14186,7 @@
           <a:p>
             <a:r>
               <a:rPr lang="hu-HU" dirty="0"/>
-              <a:t>Micella hatás</a:t>
+              <a:t>Rövid idejű cseppképzés</a:t>
             </a:r>
           </a:p>
         </p:txBody>
@@ -14060,7 +14196,7 @@
           <p:cNvPr id="3" name="Tartalom helye 2">
             <a:extLst>
               <a:ext uri="{FF2B5EF4-FFF2-40B4-BE49-F238E27FC236}">
-                <a16:creationId xmlns:a16="http://schemas.microsoft.com/office/drawing/2014/main" id="{94CF6022-9E7F-44C0-A489-F8B889CE9DF8}"/>
+                <a16:creationId xmlns:a16="http://schemas.microsoft.com/office/drawing/2014/main" id="{9E7F7A09-5F78-4887-9184-6A8ACC4AF189}"/>
               </a:ext>
             </a:extLst>
           </p:cNvPr>
@@ -14078,100 +14214,24 @@
           <a:p>
             <a:r>
               <a:rPr lang="hu-HU" dirty="0"/>
-              <a:t>Magasabb </a:t>
-            </a:r>
-            <a:r>
-              <a:rPr lang="hu-HU" dirty="0" err="1"/>
-              <a:t>cmc-jű</a:t>
-            </a:r>
-            <a:r>
-              <a:rPr lang="hu-HU" dirty="0"/>
-              <a:t> (nagyobb HLB-</a:t>
-            </a:r>
-            <a:r>
-              <a:rPr lang="hu-HU" dirty="0" err="1"/>
-              <a:t>jű</a:t>
-            </a:r>
-            <a:r>
-              <a:rPr lang="hu-HU" dirty="0"/>
-              <a:t>) </a:t>
-            </a:r>
-            <a:r>
-              <a:rPr lang="hu-HU" dirty="0" err="1"/>
-              <a:t>tenzid</a:t>
-            </a:r>
-            <a:r>
-              <a:rPr lang="hu-HU" dirty="0"/>
-              <a:t> hatásosabb lehet a felületi </a:t>
-            </a:r>
-          </a:p>
-          <a:p>
-            <a:r>
-              <a:rPr lang="hu-HU" dirty="0"/>
-              <a:t>Feszültség csökkentésében mint az alacsonyabb </a:t>
-            </a:r>
-            <a:r>
-              <a:rPr lang="hu-HU" dirty="0" err="1"/>
-              <a:t>cmc-jű</a:t>
+              <a:t>Amikor nagyon gyorsan halad át a folyadék a szórófej nyílásán</a:t>
+            </a:r>
+          </a:p>
+          <a:p>
+            <a:r>
+              <a:rPr lang="hu-HU" dirty="0"/>
+              <a:t>A folyadék-áram(JET) felbomlik cseppekre a felületi erők hatására amikor kilép a </a:t>
+            </a:r>
+            <a:r>
+              <a:rPr lang="hu-HU" dirty="0" err="1"/>
+              <a:t>szorófejből</a:t>
             </a:r>
             <a:endParaRPr lang="hu-HU" dirty="0"/>
           </a:p>
           <a:p>
             <a:r>
               <a:rPr lang="hu-HU" dirty="0"/>
-              <a:t>Ha a </a:t>
-            </a:r>
-            <a:r>
-              <a:rPr lang="hu-HU" dirty="0" err="1"/>
-              <a:t>tenzid</a:t>
-            </a:r>
-            <a:r>
-              <a:rPr lang="hu-HU" dirty="0"/>
-              <a:t> réteg képződésének (adszorpciójának) ideje hosszabb mint a folyadék cseppekre történő felbomlásának ideje, akkor a külön hozzáadott </a:t>
-            </a:r>
-            <a:r>
-              <a:rPr lang="hu-HU" dirty="0" err="1"/>
-              <a:t>tenzid</a:t>
-            </a:r>
-            <a:r>
-              <a:rPr lang="hu-HU" dirty="0"/>
-              <a:t>  kis hatással </a:t>
-            </a:r>
-            <a:r>
-              <a:rPr lang="hu-HU" dirty="0" err="1"/>
-              <a:t>bir</a:t>
-            </a:r>
-            <a:r>
-              <a:rPr lang="hu-HU" dirty="0"/>
-              <a:t> a cseppspektrumra</a:t>
-            </a:r>
-          </a:p>
-          <a:p>
-            <a:r>
-              <a:rPr lang="hu-HU" dirty="0"/>
-              <a:t>A </a:t>
-            </a:r>
-            <a:r>
-              <a:rPr lang="hu-HU" dirty="0" err="1"/>
-              <a:t>tenzid</a:t>
-            </a:r>
-            <a:r>
-              <a:rPr lang="hu-HU" dirty="0"/>
-              <a:t> molekula gyorsabb adszorpciója  nagyobb </a:t>
-            </a:r>
-            <a:r>
-              <a:rPr lang="hu-HU" dirty="0" err="1"/>
-              <a:t>hatáásal</a:t>
-            </a:r>
-            <a:r>
-              <a:rPr lang="hu-HU" dirty="0"/>
-              <a:t> befolyásolja spektrumot</a:t>
-            </a:r>
-          </a:p>
-          <a:p>
-            <a:r>
-              <a:rPr lang="hu-HU" dirty="0"/>
-              <a:t>Finomabb cseppspektrumhoz megfelelően alacsony dinamikus felületi feszültség kell</a:t>
+              <a:t>A csepp felületi energiája kisebb mint a kevésbé szimmetrikus alakzaté (például henger)</a:t>
             </a:r>
           </a:p>
           <a:p>
@@ -14182,7 +14242,7 @@
     </p:spTree>
     <p:extLst>
       <p:ext uri="{BB962C8B-B14F-4D97-AF65-F5344CB8AC3E}">
-        <p14:creationId xmlns:p14="http://schemas.microsoft.com/office/powerpoint/2010/main" val="1989193866"/>
+        <p14:creationId xmlns:p14="http://schemas.microsoft.com/office/powerpoint/2010/main" val="3717698194"/>
       </p:ext>
     </p:extLst>
   </p:cSld>
@@ -14214,7 +14274,7 @@
           <p:cNvPr id="2" name="Cím 1">
             <a:extLst>
               <a:ext uri="{FF2B5EF4-FFF2-40B4-BE49-F238E27FC236}">
-                <a16:creationId xmlns:a16="http://schemas.microsoft.com/office/drawing/2014/main" id="{5BB95FA8-C265-46A0-B3E8-C7C1A4BB185C}"/>
+                <a16:creationId xmlns:a16="http://schemas.microsoft.com/office/drawing/2014/main" id="{C5A6B9F1-C5D2-402D-91F7-8BE4CB376609}"/>
               </a:ext>
             </a:extLst>
           </p:cNvPr>
@@ -14232,15 +14292,15 @@
           <a:p>
             <a:r>
               <a:rPr lang="hu-HU" dirty="0"/>
-              <a:t>Dinamikus felületi feszültség, gyors </a:t>
-            </a:r>
-            <a:r>
-              <a:rPr lang="hu-HU" dirty="0" err="1"/>
-              <a:t>jet</a:t>
-            </a:r>
-            <a:r>
-              <a:rPr lang="hu-HU" dirty="0"/>
-              <a:t> képződése</a:t>
+              <a:t>Csepphalmaz </a:t>
+            </a:r>
+            <a:r>
+              <a:rPr lang="hu-HU" dirty="0" err="1"/>
+              <a:t>polidiszperz</a:t>
+            </a:r>
+            <a:r>
+              <a:rPr lang="hu-HU" dirty="0"/>
+              <a:t>: cseppspektrum</a:t>
             </a:r>
           </a:p>
         </p:txBody>
@@ -14250,7 +14310,7 @@
           <p:cNvPr id="3" name="Tartalom helye 2">
             <a:extLst>
               <a:ext uri="{FF2B5EF4-FFF2-40B4-BE49-F238E27FC236}">
-                <a16:creationId xmlns:a16="http://schemas.microsoft.com/office/drawing/2014/main" id="{F44430CF-0FF9-4976-ACF7-9FA6D3212F52}"/>
+                <a16:creationId xmlns:a16="http://schemas.microsoft.com/office/drawing/2014/main" id="{26D946A4-A1ED-43BF-931D-45D790A98A66}"/>
               </a:ext>
             </a:extLst>
           </p:cNvPr>
@@ -14268,82 +14328,62 @@
           <a:p>
             <a:r>
               <a:rPr lang="hu-HU" dirty="0"/>
-              <a:t>Meghatározható maximum buboréknyomás módszerrel</a:t>
+              <a:t>Amikor a henger hossza (L) meghaladja  a kerületét (2</a:t>
+            </a:r>
+            <a:r>
+              <a:rPr lang="el-GR" dirty="0"/>
+              <a:t>π</a:t>
+            </a:r>
+            <a:r>
+              <a:rPr lang="hu-HU" dirty="0"/>
+              <a:t>r), akkor felbomlik cseppekre</a:t>
+            </a:r>
+          </a:p>
+          <a:p>
+            <a:r>
+              <a:rPr lang="hu-HU" dirty="0"/>
+              <a:t>Nagyon hosszú henger ( 9/2)*</a:t>
+            </a:r>
+            <a:r>
+              <a:rPr lang="el-GR" dirty="0"/>
+              <a:t>π</a:t>
+            </a:r>
+            <a:r>
+              <a:rPr lang="hu-HU" dirty="0"/>
+              <a:t> r</a:t>
+            </a:r>
+            <a:r>
+              <a:rPr lang="hu-HU" baseline="30000" dirty="0"/>
+              <a:t>3</a:t>
+            </a:r>
+            <a:r>
+              <a:rPr lang="hu-HU" dirty="0"/>
+              <a:t> térfogatú cseppekre osztódik</a:t>
+            </a:r>
+          </a:p>
+          <a:p>
+            <a:r>
+              <a:rPr lang="hu-HU" dirty="0"/>
+              <a:t>Két nem egyenlő méretű gömb összefelülete kisebb mint két egyenlő méretű azonos össztérfogat esetén: ezért </a:t>
+            </a:r>
+            <a:r>
+              <a:rPr lang="hu-HU" dirty="0" err="1"/>
+              <a:t>polidiszperz</a:t>
+            </a:r>
+            <a:r>
+              <a:rPr lang="hu-HU" dirty="0"/>
+              <a:t> csepphalmaz kialakulása a valószínű</a:t>
             </a:r>
           </a:p>
           <a:p>
             <a:endParaRPr lang="hu-HU" dirty="0"/>
-          </a:p>
-          <a:p>
-            <a:r>
-              <a:rPr lang="hu-HU" dirty="0"/>
-              <a:t>Gyors </a:t>
-            </a:r>
-            <a:r>
-              <a:rPr lang="hu-HU" dirty="0" err="1"/>
-              <a:t>jet</a:t>
-            </a:r>
-            <a:r>
-              <a:rPr lang="hu-HU" dirty="0"/>
-              <a:t>(sugár) esetén  a szituáció nagyon komplex, összetett lehet</a:t>
-            </a:r>
-          </a:p>
-          <a:p>
-            <a:r>
-              <a:rPr lang="hu-HU" dirty="0"/>
-              <a:t>A </a:t>
-            </a:r>
-            <a:r>
-              <a:rPr lang="hu-HU" dirty="0" err="1"/>
-              <a:t>tenzid</a:t>
-            </a:r>
-            <a:r>
-              <a:rPr lang="hu-HU" dirty="0"/>
-              <a:t> molekulák gyors adszorpciója nélkülözhetetlen különösen a </a:t>
-            </a:r>
-            <a:r>
-              <a:rPr lang="hu-HU" dirty="0" err="1"/>
-              <a:t>a</a:t>
-            </a:r>
-            <a:r>
-              <a:rPr lang="hu-HU" dirty="0"/>
-              <a:t> </a:t>
-            </a:r>
-            <a:r>
-              <a:rPr lang="hu-HU" dirty="0" err="1"/>
-              <a:t>fuvókábó</a:t>
-            </a:r>
-            <a:r>
-              <a:rPr lang="hu-HU" dirty="0"/>
-              <a:t>(</a:t>
-            </a:r>
-            <a:r>
-              <a:rPr lang="hu-HU" dirty="0" err="1"/>
-              <a:t>szorófejből</a:t>
-            </a:r>
-            <a:r>
-              <a:rPr lang="hu-HU" dirty="0"/>
-              <a:t>) kilépő gyors folyadéksugarak esetén </a:t>
-            </a:r>
-          </a:p>
-          <a:p>
-            <a:r>
-              <a:rPr lang="hu-HU" dirty="0"/>
-              <a:t>A molekuláknak gyorsan szét kell oszlaniuk, terülniük a sugár még burkolatlan  részein</a:t>
-            </a:r>
-          </a:p>
-          <a:p>
-            <a:r>
-              <a:rPr lang="hu-HU" dirty="0"/>
-              <a:t>. Ez a MARANGONI  effektus egy formája)</a:t>
-            </a:r>
           </a:p>
         </p:txBody>
       </p:sp>
     </p:spTree>
     <p:extLst>
       <p:ext uri="{BB962C8B-B14F-4D97-AF65-F5344CB8AC3E}">
-        <p14:creationId xmlns:p14="http://schemas.microsoft.com/office/powerpoint/2010/main" val="1741515880"/>
+        <p14:creationId xmlns:p14="http://schemas.microsoft.com/office/powerpoint/2010/main" val="4132252409"/>
       </p:ext>
     </p:extLst>
   </p:cSld>
@@ -14372,6 +14412,932 @@
       </p:grpSpPr>
       <p:sp>
         <p:nvSpPr>
+          <p:cNvPr id="2" name="Title 1">
+            <a:extLst>
+              <a:ext uri="{FF2B5EF4-FFF2-40B4-BE49-F238E27FC236}">
+                <a16:creationId xmlns:a16="http://schemas.microsoft.com/office/drawing/2014/main" id="{6D07D4B8-B173-467B-9544-BE29B2AA47DB}"/>
+              </a:ext>
+            </a:extLst>
+          </p:cNvPr>
+          <p:cNvSpPr>
+            <a:spLocks noGrp="1"/>
+          </p:cNvSpPr>
+          <p:nvPr>
+            <p:ph type="ctrTitle"/>
+          </p:nvPr>
+        </p:nvSpPr>
+        <p:spPr/>
+        <p:txBody>
+          <a:bodyPr/>
+          <a:lstStyle/>
+          <a:p>
+            <a:r>
+              <a:rPr lang="en-GB"/>
+              <a:t>cseppképzés és adhézió</a:t>
+            </a:r>
+            <a:endParaRPr lang="hu-HU"/>
+          </a:p>
+        </p:txBody>
+      </p:sp>
+      <p:sp>
+        <p:nvSpPr>
+          <p:cNvPr id="3" name="Subtitle 2">
+            <a:extLst>
+              <a:ext uri="{FF2B5EF4-FFF2-40B4-BE49-F238E27FC236}">
+                <a16:creationId xmlns:a16="http://schemas.microsoft.com/office/drawing/2014/main" id="{D1D6E780-C285-44D3-8E77-2EE18EAAF880}"/>
+              </a:ext>
+            </a:extLst>
+          </p:cNvPr>
+          <p:cNvSpPr>
+            <a:spLocks noGrp="1"/>
+          </p:cNvSpPr>
+          <p:nvPr>
+            <p:ph type="subTitle" idx="1"/>
+          </p:nvPr>
+        </p:nvSpPr>
+        <p:spPr/>
+        <p:txBody>
+          <a:bodyPr/>
+          <a:lstStyle/>
+          <a:p>
+            <a:endParaRPr lang="hu-HU"/>
+          </a:p>
+        </p:txBody>
+      </p:sp>
+    </p:spTree>
+    <p:extLst>
+      <p:ext uri="{BB962C8B-B14F-4D97-AF65-F5344CB8AC3E}">
+        <p14:creationId xmlns:p14="http://schemas.microsoft.com/office/powerpoint/2010/main" val="721663834"/>
+      </p:ext>
+    </p:extLst>
+  </p:cSld>
+  <p:clrMapOvr>
+    <a:masterClrMapping/>
+  </p:clrMapOvr>
+</p:sld>
+</file>
+
+<file path=ppt/slides/slide45.xml><?xml version="1.0" encoding="utf-8"?>
+<p:sld xmlns:a="http://schemas.openxmlformats.org/drawingml/2006/main" xmlns:r="http://schemas.openxmlformats.org/officeDocument/2006/relationships" xmlns:p="http://schemas.openxmlformats.org/presentationml/2006/main">
+  <p:cSld>
+    <p:spTree>
+      <p:nvGrpSpPr>
+        <p:cNvPr id="1" name=""/>
+        <p:cNvGrpSpPr/>
+        <p:nvPr/>
+      </p:nvGrpSpPr>
+      <p:grpSpPr>
+        <a:xfrm>
+          <a:off x="0" y="0"/>
+          <a:ext cx="0" cy="0"/>
+          <a:chOff x="0" y="0"/>
+          <a:chExt cx="0" cy="0"/>
+        </a:xfrm>
+      </p:grpSpPr>
+      <p:sp>
+        <p:nvSpPr>
+          <p:cNvPr id="2" name="Cím 1">
+            <a:extLst>
+              <a:ext uri="{FF2B5EF4-FFF2-40B4-BE49-F238E27FC236}">
+                <a16:creationId xmlns:a16="http://schemas.microsoft.com/office/drawing/2014/main" id="{3CA83191-4B5D-44B3-939C-3060D41DA850}"/>
+              </a:ext>
+            </a:extLst>
+          </p:cNvPr>
+          <p:cNvSpPr>
+            <a:spLocks noGrp="1"/>
+          </p:cNvSpPr>
+          <p:nvPr>
+            <p:ph type="title"/>
+          </p:nvPr>
+        </p:nvSpPr>
+        <p:spPr/>
+        <p:txBody>
+          <a:bodyPr/>
+          <a:lstStyle/>
+          <a:p>
+            <a:r>
+              <a:rPr lang="hu-HU" dirty="0" err="1"/>
+              <a:t>Tenzidek</a:t>
+            </a:r>
+            <a:r>
+              <a:rPr lang="hu-HU" dirty="0"/>
+              <a:t> és polimerek hatása a cseppspektrumra</a:t>
+            </a:r>
+          </a:p>
+        </p:txBody>
+      </p:sp>
+      <p:sp>
+        <p:nvSpPr>
+          <p:cNvPr id="3" name="Tartalom helye 2">
+            <a:extLst>
+              <a:ext uri="{FF2B5EF4-FFF2-40B4-BE49-F238E27FC236}">
+                <a16:creationId xmlns:a16="http://schemas.microsoft.com/office/drawing/2014/main" id="{D55AA9C3-D7DA-4895-9350-E04F7A0EFC9A}"/>
+              </a:ext>
+            </a:extLst>
+          </p:cNvPr>
+          <p:cNvSpPr>
+            <a:spLocks noGrp="1"/>
+          </p:cNvSpPr>
+          <p:nvPr>
+            <p:ph idx="1"/>
+          </p:nvPr>
+        </p:nvSpPr>
+        <p:spPr/>
+        <p:txBody>
+          <a:bodyPr/>
+          <a:lstStyle/>
+          <a:p>
+            <a:r>
+              <a:rPr lang="hu-HU" dirty="0"/>
+              <a:t>A cseppspektrum „szabályozása” fontos:</a:t>
+            </a:r>
+          </a:p>
+          <a:p>
+            <a:pPr lvl="1"/>
+            <a:r>
+              <a:rPr lang="hu-HU" dirty="0"/>
+              <a:t>A megfelelő adhézió biztosításáért</a:t>
+            </a:r>
+          </a:p>
+          <a:p>
+            <a:pPr lvl="1"/>
+            <a:r>
+              <a:rPr lang="hu-HU" dirty="0"/>
+              <a:t>A megfelelő retencióért</a:t>
+            </a:r>
+          </a:p>
+          <a:p>
+            <a:pPr lvl="1"/>
+            <a:r>
+              <a:rPr lang="hu-HU" dirty="0"/>
+              <a:t>Az elsodródás  megelőzéséért</a:t>
+            </a:r>
+          </a:p>
+          <a:p>
+            <a:pPr lvl="1"/>
+            <a:endParaRPr lang="hu-HU" dirty="0"/>
+          </a:p>
+          <a:p>
+            <a:pPr lvl="1"/>
+            <a:r>
+              <a:rPr lang="hu-HU" dirty="0" err="1"/>
+              <a:t>Tenzidekkel</a:t>
+            </a:r>
+            <a:r>
+              <a:rPr lang="hu-HU" dirty="0"/>
+              <a:t> és polimerekkel szabályozhatjuk a cseppspektrumot</a:t>
+            </a:r>
+          </a:p>
+        </p:txBody>
+      </p:sp>
+    </p:spTree>
+    <p:extLst>
+      <p:ext uri="{BB962C8B-B14F-4D97-AF65-F5344CB8AC3E}">
+        <p14:creationId xmlns:p14="http://schemas.microsoft.com/office/powerpoint/2010/main" val="1906782115"/>
+      </p:ext>
+    </p:extLst>
+  </p:cSld>
+  <p:clrMapOvr>
+    <a:masterClrMapping/>
+  </p:clrMapOvr>
+</p:sld>
+</file>
+
+<file path=ppt/slides/slide46.xml><?xml version="1.0" encoding="utf-8"?>
+<p:sld xmlns:a="http://schemas.openxmlformats.org/drawingml/2006/main" xmlns:r="http://schemas.openxmlformats.org/officeDocument/2006/relationships" xmlns:p="http://schemas.openxmlformats.org/presentationml/2006/main">
+  <p:cSld>
+    <p:spTree>
+      <p:nvGrpSpPr>
+        <p:cNvPr id="1" name=""/>
+        <p:cNvGrpSpPr/>
+        <p:nvPr/>
+      </p:nvGrpSpPr>
+      <p:grpSpPr>
+        <a:xfrm>
+          <a:off x="0" y="0"/>
+          <a:ext cx="0" cy="0"/>
+          <a:chOff x="0" y="0"/>
+          <a:chExt cx="0" cy="0"/>
+        </a:xfrm>
+      </p:grpSpPr>
+      <p:sp>
+        <p:nvSpPr>
+          <p:cNvPr id="2" name="Cím 1">
+            <a:extLst>
+              <a:ext uri="{FF2B5EF4-FFF2-40B4-BE49-F238E27FC236}">
+                <a16:creationId xmlns:a16="http://schemas.microsoft.com/office/drawing/2014/main" id="{C7423AB6-16C3-4DC5-9D53-9E408E4FCFFC}"/>
+              </a:ext>
+            </a:extLst>
+          </p:cNvPr>
+          <p:cNvSpPr>
+            <a:spLocks noGrp="1"/>
+          </p:cNvSpPr>
+          <p:nvPr>
+            <p:ph type="title"/>
+          </p:nvPr>
+        </p:nvSpPr>
+        <p:spPr/>
+        <p:txBody>
+          <a:bodyPr/>
+          <a:lstStyle/>
+          <a:p>
+            <a:r>
+              <a:rPr lang="hu-HU" dirty="0" err="1"/>
+              <a:t>Tenziddel</a:t>
+            </a:r>
+            <a:r>
+              <a:rPr lang="hu-HU" dirty="0"/>
+              <a:t> a </a:t>
+            </a:r>
+            <a:r>
+              <a:rPr lang="hu-HU" dirty="0" err="1"/>
+              <a:t>csepméretért</a:t>
+            </a:r>
+            <a:endParaRPr lang="hu-HU" dirty="0"/>
+          </a:p>
+        </p:txBody>
+      </p:sp>
+      <p:sp>
+        <p:nvSpPr>
+          <p:cNvPr id="3" name="Tartalom helye 2">
+            <a:extLst>
+              <a:ext uri="{FF2B5EF4-FFF2-40B4-BE49-F238E27FC236}">
+                <a16:creationId xmlns:a16="http://schemas.microsoft.com/office/drawing/2014/main" id="{AE667591-74A1-405E-968F-3B308056BCCB}"/>
+              </a:ext>
+            </a:extLst>
+          </p:cNvPr>
+          <p:cNvSpPr>
+            <a:spLocks noGrp="1"/>
+          </p:cNvSpPr>
+          <p:nvPr>
+            <p:ph idx="1"/>
+          </p:nvPr>
+        </p:nvSpPr>
+        <p:spPr/>
+        <p:txBody>
+          <a:bodyPr/>
+          <a:lstStyle/>
+          <a:p>
+            <a:r>
+              <a:rPr lang="hu-HU" dirty="0"/>
+              <a:t>A </a:t>
+            </a:r>
+            <a:r>
+              <a:rPr lang="hu-HU" dirty="0" err="1"/>
+              <a:t>tenzid</a:t>
+            </a:r>
+            <a:r>
+              <a:rPr lang="hu-HU" dirty="0"/>
+              <a:t> csökkenti a felületi feszültséget</a:t>
+            </a:r>
+          </a:p>
+          <a:p>
+            <a:r>
+              <a:rPr lang="hu-HU" dirty="0"/>
+              <a:t>Ez kisebb cseppek kialakulását lehetővé teszi</a:t>
+            </a:r>
+          </a:p>
+          <a:p>
+            <a:r>
+              <a:rPr lang="hu-HU" dirty="0"/>
+              <a:t>A cseppátmerő egyenesen arányos  a folyadék felületi feszültségével</a:t>
+            </a:r>
+          </a:p>
+          <a:p>
+            <a:r>
+              <a:rPr lang="hu-HU" dirty="0"/>
+              <a:t>A cseppképzés nagyon gyors: ezért dinamikus effektusokat kell figyelembe venni  (</a:t>
+            </a:r>
+            <a:r>
+              <a:rPr lang="hu-HU" dirty="0" err="1"/>
+              <a:t>tenzid</a:t>
+            </a:r>
+            <a:r>
+              <a:rPr lang="hu-HU" dirty="0"/>
+              <a:t> molekulák adszorpciójának és </a:t>
+            </a:r>
+            <a:r>
+              <a:rPr lang="hu-HU" dirty="0" err="1"/>
+              <a:t>diffuziójának</a:t>
+            </a:r>
+            <a:r>
+              <a:rPr lang="hu-HU" dirty="0"/>
+              <a:t> sebessége)</a:t>
+            </a:r>
+          </a:p>
+          <a:p>
+            <a:pPr marL="0" indent="0">
+              <a:buNone/>
+            </a:pPr>
+            <a:endParaRPr lang="hu-HU" dirty="0"/>
+          </a:p>
+        </p:txBody>
+      </p:sp>
+    </p:spTree>
+    <p:extLst>
+      <p:ext uri="{BB962C8B-B14F-4D97-AF65-F5344CB8AC3E}">
+        <p14:creationId xmlns:p14="http://schemas.microsoft.com/office/powerpoint/2010/main" val="3735600439"/>
+      </p:ext>
+    </p:extLst>
+  </p:cSld>
+  <p:clrMapOvr>
+    <a:masterClrMapping/>
+  </p:clrMapOvr>
+</p:sld>
+</file>
+
+<file path=ppt/slides/slide47.xml><?xml version="1.0" encoding="utf-8"?>
+<p:sld xmlns:a="http://schemas.openxmlformats.org/drawingml/2006/main" xmlns:r="http://schemas.openxmlformats.org/officeDocument/2006/relationships" xmlns:p="http://schemas.openxmlformats.org/presentationml/2006/main">
+  <p:cSld>
+    <p:spTree>
+      <p:nvGrpSpPr>
+        <p:cNvPr id="1" name=""/>
+        <p:cNvGrpSpPr/>
+        <p:nvPr/>
+      </p:nvGrpSpPr>
+      <p:grpSpPr>
+        <a:xfrm>
+          <a:off x="0" y="0"/>
+          <a:ext cx="0" cy="0"/>
+          <a:chOff x="0" y="0"/>
+          <a:chExt cx="0" cy="0"/>
+        </a:xfrm>
+      </p:grpSpPr>
+      <p:sp>
+        <p:nvSpPr>
+          <p:cNvPr id="2" name="Cím 1">
+            <a:extLst>
+              <a:ext uri="{FF2B5EF4-FFF2-40B4-BE49-F238E27FC236}">
+                <a16:creationId xmlns:a16="http://schemas.microsoft.com/office/drawing/2014/main" id="{F5BF0B81-0D62-4412-93DC-B93DE8B519D6}"/>
+              </a:ext>
+            </a:extLst>
+          </p:cNvPr>
+          <p:cNvSpPr>
+            <a:spLocks noGrp="1"/>
+          </p:cNvSpPr>
+          <p:nvPr>
+            <p:ph type="title"/>
+          </p:nvPr>
+        </p:nvSpPr>
+        <p:spPr/>
+        <p:txBody>
+          <a:bodyPr/>
+          <a:lstStyle/>
+          <a:p>
+            <a:r>
+              <a:rPr lang="hu-HU" dirty="0"/>
+              <a:t>Micellák szerepe</a:t>
+            </a:r>
+          </a:p>
+        </p:txBody>
+      </p:sp>
+      <p:sp>
+        <p:nvSpPr>
+          <p:cNvPr id="3" name="Tartalom helye 2">
+            <a:extLst>
+              <a:ext uri="{FF2B5EF4-FFF2-40B4-BE49-F238E27FC236}">
+                <a16:creationId xmlns:a16="http://schemas.microsoft.com/office/drawing/2014/main" id="{264E3F6E-331F-41E5-82AB-9ED1B782D14A}"/>
+              </a:ext>
+            </a:extLst>
+          </p:cNvPr>
+          <p:cNvSpPr>
+            <a:spLocks noGrp="1"/>
+          </p:cNvSpPr>
+          <p:nvPr>
+            <p:ph idx="1"/>
+          </p:nvPr>
+        </p:nvSpPr>
+        <p:spPr/>
+        <p:txBody>
+          <a:bodyPr>
+            <a:normAutofit/>
+          </a:bodyPr>
+          <a:lstStyle/>
+          <a:p>
+            <a:r>
+              <a:rPr lang="hu-HU" dirty="0"/>
+              <a:t>Nem egyszerűen csak a molekulaméret (monomer)  (</a:t>
+            </a:r>
+            <a:r>
+              <a:rPr lang="hu-HU" dirty="0" err="1"/>
+              <a:t>diffuziós</a:t>
+            </a:r>
+            <a:r>
+              <a:rPr lang="hu-HU" dirty="0"/>
+              <a:t> koefficiens) hanem a micellák élettartama az oldatban is jelentős szerepel bír.</a:t>
+            </a:r>
+          </a:p>
+          <a:p>
+            <a:r>
+              <a:rPr lang="hu-HU" dirty="0"/>
+              <a:t>Rövidebb élettartam a monomerek gyorsabb rendelkezésre állását jelenti ez pedig  a felületi feszültség gyorsabb csökkenéséhez vezet</a:t>
+            </a:r>
+          </a:p>
+        </p:txBody>
+      </p:sp>
+    </p:spTree>
+    <p:extLst>
+      <p:ext uri="{BB962C8B-B14F-4D97-AF65-F5344CB8AC3E}">
+        <p14:creationId xmlns:p14="http://schemas.microsoft.com/office/powerpoint/2010/main" val="4079159791"/>
+      </p:ext>
+    </p:extLst>
+  </p:cSld>
+  <p:clrMapOvr>
+    <a:masterClrMapping/>
+  </p:clrMapOvr>
+</p:sld>
+</file>
+
+<file path=ppt/slides/slide48.xml><?xml version="1.0" encoding="utf-8"?>
+<p:sld xmlns:a="http://schemas.openxmlformats.org/drawingml/2006/main" xmlns:r="http://schemas.openxmlformats.org/officeDocument/2006/relationships" xmlns:p="http://schemas.openxmlformats.org/presentationml/2006/main">
+  <p:cSld>
+    <p:spTree>
+      <p:nvGrpSpPr>
+        <p:cNvPr id="1" name=""/>
+        <p:cNvGrpSpPr/>
+        <p:nvPr/>
+      </p:nvGrpSpPr>
+      <p:grpSpPr>
+        <a:xfrm>
+          <a:off x="0" y="0"/>
+          <a:ext cx="0" cy="0"/>
+          <a:chOff x="0" y="0"/>
+          <a:chExt cx="0" cy="0"/>
+        </a:xfrm>
+      </p:grpSpPr>
+      <p:sp>
+        <p:nvSpPr>
+          <p:cNvPr id="2" name="Cím 1">
+            <a:extLst>
+              <a:ext uri="{FF2B5EF4-FFF2-40B4-BE49-F238E27FC236}">
+                <a16:creationId xmlns:a16="http://schemas.microsoft.com/office/drawing/2014/main" id="{EDF16132-07E3-4DB2-8F1A-048577A4452D}"/>
+              </a:ext>
+            </a:extLst>
+          </p:cNvPr>
+          <p:cNvSpPr>
+            <a:spLocks noGrp="1"/>
+          </p:cNvSpPr>
+          <p:nvPr>
+            <p:ph type="title"/>
+          </p:nvPr>
+        </p:nvSpPr>
+        <p:spPr/>
+        <p:txBody>
+          <a:bodyPr/>
+          <a:lstStyle/>
+          <a:p>
+            <a:r>
+              <a:rPr lang="hu-HU" dirty="0"/>
+              <a:t>Micella hatás</a:t>
+            </a:r>
+          </a:p>
+        </p:txBody>
+      </p:sp>
+      <p:sp>
+        <p:nvSpPr>
+          <p:cNvPr id="3" name="Tartalom helye 2">
+            <a:extLst>
+              <a:ext uri="{FF2B5EF4-FFF2-40B4-BE49-F238E27FC236}">
+                <a16:creationId xmlns:a16="http://schemas.microsoft.com/office/drawing/2014/main" id="{94CF6022-9E7F-44C0-A489-F8B889CE9DF8}"/>
+              </a:ext>
+            </a:extLst>
+          </p:cNvPr>
+          <p:cNvSpPr>
+            <a:spLocks noGrp="1"/>
+          </p:cNvSpPr>
+          <p:nvPr>
+            <p:ph idx="1"/>
+          </p:nvPr>
+        </p:nvSpPr>
+        <p:spPr/>
+        <p:txBody>
+          <a:bodyPr/>
+          <a:lstStyle/>
+          <a:p>
+            <a:r>
+              <a:rPr lang="hu-HU" dirty="0"/>
+              <a:t>Magasabb </a:t>
+            </a:r>
+            <a:r>
+              <a:rPr lang="hu-HU" dirty="0" err="1"/>
+              <a:t>cmc-jű</a:t>
+            </a:r>
+            <a:r>
+              <a:rPr lang="hu-HU" dirty="0"/>
+              <a:t> (nagyobb HLB-</a:t>
+            </a:r>
+            <a:r>
+              <a:rPr lang="hu-HU" dirty="0" err="1"/>
+              <a:t>jű</a:t>
+            </a:r>
+            <a:r>
+              <a:rPr lang="hu-HU" dirty="0"/>
+              <a:t>) </a:t>
+            </a:r>
+            <a:r>
+              <a:rPr lang="hu-HU" dirty="0" err="1"/>
+              <a:t>tenzid</a:t>
+            </a:r>
+            <a:r>
+              <a:rPr lang="hu-HU" dirty="0"/>
+              <a:t> hatásosabb lehet a felületi </a:t>
+            </a:r>
+          </a:p>
+          <a:p>
+            <a:r>
+              <a:rPr lang="hu-HU" dirty="0"/>
+              <a:t>Feszültség csökkentésében mint az alacsonyabb </a:t>
+            </a:r>
+            <a:r>
+              <a:rPr lang="hu-HU" dirty="0" err="1"/>
+              <a:t>cmc-jű</a:t>
+            </a:r>
+            <a:endParaRPr lang="hu-HU" dirty="0"/>
+          </a:p>
+          <a:p>
+            <a:r>
+              <a:rPr lang="hu-HU" dirty="0"/>
+              <a:t>Ha a </a:t>
+            </a:r>
+            <a:r>
+              <a:rPr lang="hu-HU" dirty="0" err="1"/>
+              <a:t>tenzid</a:t>
+            </a:r>
+            <a:r>
+              <a:rPr lang="hu-HU" dirty="0"/>
+              <a:t> réteg képződésének (adszorpciójának) ideje hosszabb mint a folyadék cseppekre történő felbomlásának ideje, akkor a külön hozzáadott </a:t>
+            </a:r>
+            <a:r>
+              <a:rPr lang="hu-HU" dirty="0" err="1"/>
+              <a:t>tenzid</a:t>
+            </a:r>
+            <a:r>
+              <a:rPr lang="hu-HU" dirty="0"/>
+              <a:t>  kis hatással </a:t>
+            </a:r>
+            <a:r>
+              <a:rPr lang="hu-HU" dirty="0" err="1"/>
+              <a:t>bir</a:t>
+            </a:r>
+            <a:r>
+              <a:rPr lang="hu-HU" dirty="0"/>
+              <a:t> a cseppspektrumra</a:t>
+            </a:r>
+          </a:p>
+          <a:p>
+            <a:r>
+              <a:rPr lang="hu-HU" dirty="0"/>
+              <a:t>A </a:t>
+            </a:r>
+            <a:r>
+              <a:rPr lang="hu-HU" dirty="0" err="1"/>
+              <a:t>tenzid</a:t>
+            </a:r>
+            <a:r>
+              <a:rPr lang="hu-HU" dirty="0"/>
+              <a:t> molekula gyorsabb adszorpciója  nagyobb </a:t>
+            </a:r>
+            <a:r>
+              <a:rPr lang="hu-HU" dirty="0" err="1"/>
+              <a:t>hatáásal</a:t>
+            </a:r>
+            <a:r>
+              <a:rPr lang="hu-HU" dirty="0"/>
+              <a:t> befolyásolja spektrumot</a:t>
+            </a:r>
+          </a:p>
+          <a:p>
+            <a:r>
+              <a:rPr lang="hu-HU" dirty="0"/>
+              <a:t>Finomabb cseppspektrumhoz megfelelően alacsony dinamikus felületi feszültség kell</a:t>
+            </a:r>
+          </a:p>
+          <a:p>
+            <a:endParaRPr lang="hu-HU" dirty="0"/>
+          </a:p>
+        </p:txBody>
+      </p:sp>
+    </p:spTree>
+    <p:extLst>
+      <p:ext uri="{BB962C8B-B14F-4D97-AF65-F5344CB8AC3E}">
+        <p14:creationId xmlns:p14="http://schemas.microsoft.com/office/powerpoint/2010/main" val="1989193866"/>
+      </p:ext>
+    </p:extLst>
+  </p:cSld>
+  <p:clrMapOvr>
+    <a:masterClrMapping/>
+  </p:clrMapOvr>
+</p:sld>
+</file>
+
+<file path=ppt/slides/slide49.xml><?xml version="1.0" encoding="utf-8"?>
+<p:sld xmlns:a="http://schemas.openxmlformats.org/drawingml/2006/main" xmlns:r="http://schemas.openxmlformats.org/officeDocument/2006/relationships" xmlns:p="http://schemas.openxmlformats.org/presentationml/2006/main">
+  <p:cSld>
+    <p:spTree>
+      <p:nvGrpSpPr>
+        <p:cNvPr id="1" name=""/>
+        <p:cNvGrpSpPr/>
+        <p:nvPr/>
+      </p:nvGrpSpPr>
+      <p:grpSpPr>
+        <a:xfrm>
+          <a:off x="0" y="0"/>
+          <a:ext cx="0" cy="0"/>
+          <a:chOff x="0" y="0"/>
+          <a:chExt cx="0" cy="0"/>
+        </a:xfrm>
+      </p:grpSpPr>
+      <p:sp>
+        <p:nvSpPr>
+          <p:cNvPr id="2" name="Cím 1">
+            <a:extLst>
+              <a:ext uri="{FF2B5EF4-FFF2-40B4-BE49-F238E27FC236}">
+                <a16:creationId xmlns:a16="http://schemas.microsoft.com/office/drawing/2014/main" id="{5BB95FA8-C265-46A0-B3E8-C7C1A4BB185C}"/>
+              </a:ext>
+            </a:extLst>
+          </p:cNvPr>
+          <p:cNvSpPr>
+            <a:spLocks noGrp="1"/>
+          </p:cNvSpPr>
+          <p:nvPr>
+            <p:ph type="title"/>
+          </p:nvPr>
+        </p:nvSpPr>
+        <p:spPr/>
+        <p:txBody>
+          <a:bodyPr/>
+          <a:lstStyle/>
+          <a:p>
+            <a:r>
+              <a:rPr lang="hu-HU" dirty="0"/>
+              <a:t>Dinamikus felületi feszültség, gyors </a:t>
+            </a:r>
+            <a:r>
+              <a:rPr lang="hu-HU" dirty="0" err="1"/>
+              <a:t>jet</a:t>
+            </a:r>
+            <a:r>
+              <a:rPr lang="hu-HU" dirty="0"/>
+              <a:t> képződése</a:t>
+            </a:r>
+          </a:p>
+        </p:txBody>
+      </p:sp>
+      <p:sp>
+        <p:nvSpPr>
+          <p:cNvPr id="3" name="Tartalom helye 2">
+            <a:extLst>
+              <a:ext uri="{FF2B5EF4-FFF2-40B4-BE49-F238E27FC236}">
+                <a16:creationId xmlns:a16="http://schemas.microsoft.com/office/drawing/2014/main" id="{F44430CF-0FF9-4976-ACF7-9FA6D3212F52}"/>
+              </a:ext>
+            </a:extLst>
+          </p:cNvPr>
+          <p:cNvSpPr>
+            <a:spLocks noGrp="1"/>
+          </p:cNvSpPr>
+          <p:nvPr>
+            <p:ph idx="1"/>
+          </p:nvPr>
+        </p:nvSpPr>
+        <p:spPr/>
+        <p:txBody>
+          <a:bodyPr/>
+          <a:lstStyle/>
+          <a:p>
+            <a:r>
+              <a:rPr lang="hu-HU" dirty="0"/>
+              <a:t>Meghatározható maximum buboréknyomás módszerrel</a:t>
+            </a:r>
+          </a:p>
+          <a:p>
+            <a:endParaRPr lang="hu-HU" dirty="0"/>
+          </a:p>
+          <a:p>
+            <a:r>
+              <a:rPr lang="hu-HU" dirty="0"/>
+              <a:t>Gyors </a:t>
+            </a:r>
+            <a:r>
+              <a:rPr lang="hu-HU" dirty="0" err="1"/>
+              <a:t>jet</a:t>
+            </a:r>
+            <a:r>
+              <a:rPr lang="hu-HU" dirty="0"/>
+              <a:t>(sugár) esetén  a szituáció nagyon komplex, összetett lehet</a:t>
+            </a:r>
+          </a:p>
+          <a:p>
+            <a:r>
+              <a:rPr lang="hu-HU" dirty="0"/>
+              <a:t>A </a:t>
+            </a:r>
+            <a:r>
+              <a:rPr lang="hu-HU" dirty="0" err="1"/>
+              <a:t>tenzid</a:t>
+            </a:r>
+            <a:r>
+              <a:rPr lang="hu-HU" dirty="0"/>
+              <a:t> molekulák gyors adszorpciója nélkülözhetetlen különösen a </a:t>
+            </a:r>
+            <a:r>
+              <a:rPr lang="hu-HU" dirty="0" err="1"/>
+              <a:t>a</a:t>
+            </a:r>
+            <a:r>
+              <a:rPr lang="hu-HU" dirty="0"/>
+              <a:t> </a:t>
+            </a:r>
+            <a:r>
+              <a:rPr lang="hu-HU" dirty="0" err="1"/>
+              <a:t>fuvókábó</a:t>
+            </a:r>
+            <a:r>
+              <a:rPr lang="hu-HU" dirty="0"/>
+              <a:t>(</a:t>
+            </a:r>
+            <a:r>
+              <a:rPr lang="hu-HU" dirty="0" err="1"/>
+              <a:t>szorófejből</a:t>
+            </a:r>
+            <a:r>
+              <a:rPr lang="hu-HU" dirty="0"/>
+              <a:t>) kilépő gyors folyadéksugarak esetén </a:t>
+            </a:r>
+          </a:p>
+          <a:p>
+            <a:r>
+              <a:rPr lang="hu-HU" dirty="0"/>
+              <a:t>A molekuláknak gyorsan szét kell oszlaniuk, terülniük a sugár még burkolatlan  részein</a:t>
+            </a:r>
+          </a:p>
+          <a:p>
+            <a:r>
+              <a:rPr lang="hu-HU" dirty="0"/>
+              <a:t>. Ez a MARANGONI  effektus egy formája)</a:t>
+            </a:r>
+          </a:p>
+        </p:txBody>
+      </p:sp>
+    </p:spTree>
+    <p:extLst>
+      <p:ext uri="{BB962C8B-B14F-4D97-AF65-F5344CB8AC3E}">
+        <p14:creationId xmlns:p14="http://schemas.microsoft.com/office/powerpoint/2010/main" val="1741515880"/>
+      </p:ext>
+    </p:extLst>
+  </p:cSld>
+  <p:clrMapOvr>
+    <a:masterClrMapping/>
+  </p:clrMapOvr>
+</p:sld>
+</file>
+
+<file path=ppt/slides/slide5.xml><?xml version="1.0" encoding="utf-8"?>
+<p:sld xmlns:a="http://schemas.openxmlformats.org/drawingml/2006/main" xmlns:r="http://schemas.openxmlformats.org/officeDocument/2006/relationships" xmlns:p="http://schemas.openxmlformats.org/presentationml/2006/main">
+  <p:cSld>
+    <p:spTree>
+      <p:nvGrpSpPr>
+        <p:cNvPr id="1" name=""/>
+        <p:cNvGrpSpPr/>
+        <p:nvPr/>
+      </p:nvGrpSpPr>
+      <p:grpSpPr>
+        <a:xfrm>
+          <a:off x="0" y="0"/>
+          <a:ext cx="0" cy="0"/>
+          <a:chOff x="0" y="0"/>
+          <a:chExt cx="0" cy="0"/>
+        </a:xfrm>
+      </p:grpSpPr>
+      <p:sp>
+        <p:nvSpPr>
+          <p:cNvPr id="2" name="Cím 1">
+            <a:extLst>
+              <a:ext uri="{FF2B5EF4-FFF2-40B4-BE49-F238E27FC236}">
+                <a16:creationId xmlns:a16="http://schemas.microsoft.com/office/drawing/2014/main" id="{4A1DF8E3-64C8-4F30-8202-4AB6322A4039}"/>
+              </a:ext>
+            </a:extLst>
+          </p:cNvPr>
+          <p:cNvSpPr>
+            <a:spLocks noGrp="1"/>
+          </p:cNvSpPr>
+          <p:nvPr>
+            <p:ph type="title"/>
+          </p:nvPr>
+        </p:nvSpPr>
+        <p:spPr/>
+        <p:txBody>
+          <a:bodyPr/>
+          <a:lstStyle/>
+          <a:p>
+            <a:r>
+              <a:rPr lang="hu-HU" dirty="0"/>
+              <a:t>Fontos </a:t>
+            </a:r>
+            <a:r>
+              <a:rPr lang="hu-HU" dirty="0" err="1"/>
+              <a:t>adjuváns</a:t>
+            </a:r>
+            <a:r>
+              <a:rPr lang="hu-HU" dirty="0"/>
+              <a:t> típusok</a:t>
+            </a:r>
+          </a:p>
+        </p:txBody>
+      </p:sp>
+      <p:sp>
+        <p:nvSpPr>
+          <p:cNvPr id="3" name="Tartalom helye 2">
+            <a:extLst>
+              <a:ext uri="{FF2B5EF4-FFF2-40B4-BE49-F238E27FC236}">
+                <a16:creationId xmlns:a16="http://schemas.microsoft.com/office/drawing/2014/main" id="{B4438450-9C7E-47F6-825D-115818E77BD3}"/>
+              </a:ext>
+            </a:extLst>
+          </p:cNvPr>
+          <p:cNvSpPr>
+            <a:spLocks noGrp="1"/>
+          </p:cNvSpPr>
+          <p:nvPr>
+            <p:ph idx="1"/>
+          </p:nvPr>
+        </p:nvSpPr>
+        <p:spPr/>
+        <p:txBody>
+          <a:bodyPr/>
+          <a:lstStyle/>
+          <a:p>
+            <a:r>
+              <a:rPr lang="hu-HU" dirty="0" err="1"/>
+              <a:t>Felületaktiv</a:t>
+            </a:r>
+            <a:r>
+              <a:rPr lang="hu-HU" dirty="0"/>
+              <a:t> anyagok (sok komponensű keverékek általában)</a:t>
+            </a:r>
+          </a:p>
+          <a:p>
+            <a:r>
+              <a:rPr lang="hu-HU" dirty="0"/>
+              <a:t>Polimerek</a:t>
+            </a:r>
+          </a:p>
+          <a:p>
+            <a:r>
+              <a:rPr lang="hu-HU" dirty="0" err="1"/>
+              <a:t>Tenzid</a:t>
+            </a:r>
+            <a:r>
+              <a:rPr lang="hu-HU" dirty="0"/>
+              <a:t> és polimer keverékei</a:t>
+            </a:r>
+          </a:p>
+          <a:p>
+            <a:r>
+              <a:rPr lang="hu-HU" dirty="0"/>
+              <a:t>Olajok (</a:t>
+            </a:r>
+            <a:r>
+              <a:rPr lang="hu-HU" dirty="0" err="1"/>
+              <a:t>nönényi</a:t>
+            </a:r>
+            <a:r>
+              <a:rPr lang="hu-HU" dirty="0"/>
+              <a:t> és ásványi eredetű, formulázott  apoláros folyadékok)</a:t>
+            </a:r>
+          </a:p>
+        </p:txBody>
+      </p:sp>
+    </p:spTree>
+    <p:extLst>
+      <p:ext uri="{BB962C8B-B14F-4D97-AF65-F5344CB8AC3E}">
+        <p14:creationId xmlns:p14="http://schemas.microsoft.com/office/powerpoint/2010/main" val="1399097921"/>
+      </p:ext>
+    </p:extLst>
+  </p:cSld>
+  <p:clrMapOvr>
+    <a:masterClrMapping/>
+  </p:clrMapOvr>
+</p:sld>
+</file>
+
+<file path=ppt/slides/slide50.xml><?xml version="1.0" encoding="utf-8"?>
+<p:sld xmlns:a="http://schemas.openxmlformats.org/drawingml/2006/main" xmlns:r="http://schemas.openxmlformats.org/officeDocument/2006/relationships" xmlns:p="http://schemas.openxmlformats.org/presentationml/2006/main">
+  <p:cSld>
+    <p:spTree>
+      <p:nvGrpSpPr>
+        <p:cNvPr id="1" name=""/>
+        <p:cNvGrpSpPr/>
+        <p:nvPr/>
+      </p:nvGrpSpPr>
+      <p:grpSpPr>
+        <a:xfrm>
+          <a:off x="0" y="0"/>
+          <a:ext cx="0" cy="0"/>
+          <a:chOff x="0" y="0"/>
+          <a:chExt cx="0" cy="0"/>
+        </a:xfrm>
+      </p:grpSpPr>
+      <p:sp>
+        <p:nvSpPr>
           <p:cNvPr id="2" name="Cím 1">
             <a:extLst>
               <a:ext uri="{FF2B5EF4-FFF2-40B4-BE49-F238E27FC236}">
@@ -14446,7 +15412,7 @@
 </p:sld>
 </file>
 
-<file path=ppt/slides/slide45.xml><?xml version="1.0" encoding="utf-8"?>
+<file path=ppt/slides/slide51.xml><?xml version="1.0" encoding="utf-8"?>
 <p:sld xmlns:a="http://schemas.openxmlformats.org/drawingml/2006/main" xmlns:r="http://schemas.openxmlformats.org/officeDocument/2006/relationships" xmlns:p="http://schemas.openxmlformats.org/presentationml/2006/main">
   <p:cSld>
     <p:spTree>
@@ -14548,7 +15514,7 @@
 </p:sld>
 </file>
 
-<file path=ppt/slides/slide46.xml><?xml version="1.0" encoding="utf-8"?>
+<file path=ppt/slides/slide52.xml><?xml version="1.0" encoding="utf-8"?>
 <p:sld xmlns:a="http://schemas.openxmlformats.org/drawingml/2006/main" xmlns:r="http://schemas.openxmlformats.org/officeDocument/2006/relationships" xmlns:p="http://schemas.openxmlformats.org/presentationml/2006/main">
   <p:cSld>
     <p:spTree>
@@ -14654,7 +15620,7 @@
 </p:sld>
 </file>
 
-<file path=ppt/slides/slide5.xml><?xml version="1.0" encoding="utf-8"?>
+<file path=ppt/slides/slide53.xml><?xml version="1.0" encoding="utf-8"?>
 <p:sld xmlns:a="http://schemas.openxmlformats.org/drawingml/2006/main" xmlns:r="http://schemas.openxmlformats.org/officeDocument/2006/relationships" xmlns:p="http://schemas.openxmlformats.org/presentationml/2006/main">
   <p:cSld>
     <p:spTree>
@@ -14673,187 +15639,62 @@
       </p:grpSpPr>
       <p:sp>
         <p:nvSpPr>
-          <p:cNvPr id="2" name="Cím 1">
-            <a:extLst>
-              <a:ext uri="{FF2B5EF4-FFF2-40B4-BE49-F238E27FC236}">
-                <a16:creationId xmlns:a16="http://schemas.microsoft.com/office/drawing/2014/main" id="{F99BC95B-146D-4A59-87A6-8EEAF1C58318}"/>
-              </a:ext>
-            </a:extLst>
-          </p:cNvPr>
-          <p:cNvSpPr>
-            <a:spLocks noGrp="1"/>
-          </p:cNvSpPr>
-          <p:nvPr>
-            <p:ph type="title"/>
-          </p:nvPr>
-        </p:nvSpPr>
-        <p:spPr/>
-        <p:txBody>
-          <a:bodyPr/>
-          <a:lstStyle/>
-          <a:p>
-            <a:r>
-              <a:rPr lang="hu-HU" dirty="0" err="1"/>
-              <a:t>Adjuváns</a:t>
-            </a:r>
-            <a:r>
-              <a:rPr lang="hu-HU" dirty="0"/>
-              <a:t> megválasztása függ</a:t>
-            </a:r>
-          </a:p>
-        </p:txBody>
-      </p:sp>
-      <p:sp>
-        <p:nvSpPr>
-          <p:cNvPr id="3" name="Tartalom helye 2">
-            <a:extLst>
-              <a:ext uri="{FF2B5EF4-FFF2-40B4-BE49-F238E27FC236}">
-                <a16:creationId xmlns:a16="http://schemas.microsoft.com/office/drawing/2014/main" id="{8FE6C5DB-51EA-4DA6-966E-189F1B8C858C}"/>
-              </a:ext>
-            </a:extLst>
-          </p:cNvPr>
-          <p:cNvSpPr>
-            <a:spLocks noGrp="1"/>
-          </p:cNvSpPr>
-          <p:nvPr>
-            <p:ph idx="1"/>
-          </p:nvPr>
-        </p:nvSpPr>
-        <p:spPr/>
-        <p:txBody>
-          <a:bodyPr/>
-          <a:lstStyle/>
-          <a:p>
-            <a:pPr marL="0" indent="0">
-              <a:buNone/>
-            </a:pPr>
-            <a:r>
-              <a:rPr lang="hu-HU" dirty="0"/>
-              <a:t>        1)a hatóanyag </a:t>
-            </a:r>
-            <a:r>
-              <a:rPr lang="hu-HU" dirty="0" err="1"/>
-              <a:t>vizoldható</a:t>
-            </a:r>
-            <a:r>
-              <a:rPr lang="hu-HU" dirty="0"/>
-              <a:t> vagy oldhatatlan:   oldhatóság, megoszlási hányados (log P)</a:t>
-            </a:r>
-          </a:p>
-          <a:p>
-            <a:pPr lvl="1"/>
-            <a:r>
-              <a:rPr lang="hu-HU" dirty="0"/>
-              <a:t>Megoszlás </a:t>
-            </a:r>
-            <a:r>
-              <a:rPr lang="hu-HU" dirty="0" err="1"/>
-              <a:t>oktanol</a:t>
-            </a:r>
-            <a:r>
-              <a:rPr lang="hu-HU" dirty="0"/>
-              <a:t> és víz fázisban</a:t>
-            </a:r>
-          </a:p>
-          <a:p>
-            <a:pPr lvl="1"/>
-            <a:r>
-              <a:rPr lang="hu-HU" dirty="0"/>
-              <a:t>Nagyobb  log P   a hatóanyag nagyobb </a:t>
-            </a:r>
-            <a:r>
-              <a:rPr lang="hu-HU" dirty="0" err="1"/>
-              <a:t>lipofilitását</a:t>
-            </a:r>
-            <a:r>
-              <a:rPr lang="hu-HU" dirty="0"/>
-              <a:t> fejezi ki</a:t>
-            </a:r>
-          </a:p>
-          <a:p>
-            <a:pPr marL="457200" lvl="1" indent="0">
-              <a:buNone/>
-            </a:pPr>
-            <a:r>
-              <a:rPr lang="hu-HU" dirty="0"/>
-              <a:t>     2) hatásmód:  </a:t>
-            </a:r>
-          </a:p>
-          <a:p>
-            <a:pPr marL="457200" lvl="1" indent="0">
-              <a:buNone/>
-            </a:pPr>
-            <a:r>
-              <a:rPr lang="hu-HU" dirty="0"/>
-              <a:t>		</a:t>
-            </a:r>
-            <a:r>
-              <a:rPr lang="hu-HU" dirty="0" err="1"/>
-              <a:t>szisztemikus</a:t>
-            </a:r>
-            <a:r>
-              <a:rPr lang="hu-HU" dirty="0"/>
-              <a:t> vagy nem-</a:t>
-            </a:r>
-            <a:r>
-              <a:rPr lang="hu-HU" dirty="0" err="1"/>
-              <a:t>szisztemikus</a:t>
-            </a:r>
-            <a:r>
-              <a:rPr lang="hu-HU" dirty="0"/>
-              <a:t>,</a:t>
-            </a:r>
-          </a:p>
-          <a:p>
-            <a:pPr marL="457200" lvl="1" indent="0">
-              <a:buNone/>
-            </a:pPr>
-            <a:r>
-              <a:rPr lang="hu-HU" dirty="0"/>
-              <a:t>                     </a:t>
-            </a:r>
-            <a:r>
-              <a:rPr lang="hu-HU" dirty="0" err="1"/>
-              <a:t>szelektiv</a:t>
-            </a:r>
-            <a:r>
-              <a:rPr lang="hu-HU" dirty="0"/>
-              <a:t> vagy nem </a:t>
-            </a:r>
-            <a:r>
-              <a:rPr lang="hu-HU" dirty="0" err="1"/>
-              <a:t>szelektiv</a:t>
-            </a:r>
-            <a:endParaRPr lang="hu-HU" dirty="0"/>
-          </a:p>
-          <a:p>
-            <a:pPr marL="457200" lvl="1" indent="0">
-              <a:buNone/>
-            </a:pPr>
-            <a:r>
-              <a:rPr lang="hu-HU" dirty="0"/>
-              <a:t>       3) </a:t>
-            </a:r>
-            <a:r>
-              <a:rPr lang="hu-HU" dirty="0" err="1"/>
-              <a:t>formatipus</a:t>
-            </a:r>
-            <a:endParaRPr lang="hu-HU" dirty="0"/>
-          </a:p>
-          <a:p>
-            <a:pPr lvl="1"/>
-            <a:endParaRPr lang="hu-HU" dirty="0"/>
-          </a:p>
-          <a:p>
-            <a:pPr lvl="1"/>
-            <a:endParaRPr lang="hu-HU" dirty="0"/>
+          <p:cNvPr id="2" name="Title 1">
+            <a:extLst>
+              <a:ext uri="{FF2B5EF4-FFF2-40B4-BE49-F238E27FC236}">
+                <a16:creationId xmlns:a16="http://schemas.microsoft.com/office/drawing/2014/main" id="{59BCA59B-4308-420C-A361-0B530B4FEA36}"/>
+              </a:ext>
+            </a:extLst>
+          </p:cNvPr>
+          <p:cNvSpPr>
+            <a:spLocks noGrp="1"/>
+          </p:cNvSpPr>
+          <p:nvPr>
+            <p:ph type="ctrTitle"/>
+          </p:nvPr>
+        </p:nvSpPr>
+        <p:spPr/>
+        <p:txBody>
+          <a:bodyPr/>
+          <a:lstStyle/>
+          <a:p>
+            <a:r>
+              <a:rPr lang="en-GB"/>
+              <a:t>adjuváns példák</a:t>
+            </a:r>
+            <a:endParaRPr lang="hu-HU"/>
+          </a:p>
+        </p:txBody>
+      </p:sp>
+      <p:sp>
+        <p:nvSpPr>
+          <p:cNvPr id="3" name="Subtitle 2">
+            <a:extLst>
+              <a:ext uri="{FF2B5EF4-FFF2-40B4-BE49-F238E27FC236}">
+                <a16:creationId xmlns:a16="http://schemas.microsoft.com/office/drawing/2014/main" id="{D3E100B6-1019-499E-8B6E-F1A8AAC8BBED}"/>
+              </a:ext>
+            </a:extLst>
+          </p:cNvPr>
+          <p:cNvSpPr>
+            <a:spLocks noGrp="1"/>
+          </p:cNvSpPr>
+          <p:nvPr>
+            <p:ph type="subTitle" idx="1"/>
+          </p:nvPr>
+        </p:nvSpPr>
+        <p:spPr/>
+        <p:txBody>
+          <a:bodyPr/>
+          <a:lstStyle/>
+          <a:p>
+            <a:endParaRPr lang="hu-HU"/>
           </a:p>
         </p:txBody>
       </p:sp>
     </p:spTree>
     <p:extLst>
       <p:ext uri="{BB962C8B-B14F-4D97-AF65-F5344CB8AC3E}">
-        <p14:creationId xmlns:p14="http://schemas.microsoft.com/office/powerpoint/2010/main" val="2331931443"/>
+        <p14:creationId xmlns:p14="http://schemas.microsoft.com/office/powerpoint/2010/main" val="408047155"/>
       </p:ext>
     </p:extLst>
   </p:cSld>
@@ -14885,7 +15726,7 @@
           <p:cNvPr id="2" name="Cím 1">
             <a:extLst>
               <a:ext uri="{FF2B5EF4-FFF2-40B4-BE49-F238E27FC236}">
-                <a16:creationId xmlns:a16="http://schemas.microsoft.com/office/drawing/2014/main" id="{E4F35A92-C8AC-4594-BB47-821CF0251A1C}"/>
+                <a16:creationId xmlns:a16="http://schemas.microsoft.com/office/drawing/2014/main" id="{44383489-BD84-4AC3-9BB7-F17DDAAEBD59}"/>
               </a:ext>
             </a:extLst>
           </p:cNvPr>
@@ -14902,8 +15743,53 @@
           <a:lstStyle/>
           <a:p>
             <a:r>
-              <a:rPr lang="hu-HU" dirty="0"/>
-              <a:t>A </a:t>
+              <a:rPr lang="hu-HU" dirty="0" err="1"/>
+              <a:t>Adjuvánsok</a:t>
+            </a:r>
+            <a:r>
+              <a:rPr lang="hu-HU" dirty="0"/>
+              <a:t> alkalmazása</a:t>
+            </a:r>
+          </a:p>
+        </p:txBody>
+      </p:sp>
+      <p:sp>
+        <p:nvSpPr>
+          <p:cNvPr id="3" name="Tartalom helye 2">
+            <a:extLst>
+              <a:ext uri="{FF2B5EF4-FFF2-40B4-BE49-F238E27FC236}">
+                <a16:creationId xmlns:a16="http://schemas.microsoft.com/office/drawing/2014/main" id="{3977414D-675F-49B5-8753-074B19B5A28F}"/>
+              </a:ext>
+            </a:extLst>
+          </p:cNvPr>
+          <p:cNvSpPr>
+            <a:spLocks noGrp="1"/>
+          </p:cNvSpPr>
+          <p:nvPr>
+            <p:ph idx="1"/>
+          </p:nvPr>
+        </p:nvSpPr>
+        <p:spPr>
+          <a:xfrm>
+            <a:off x="838200" y="1690688"/>
+            <a:ext cx="10515600" cy="4351338"/>
+          </a:xfrm>
+        </p:spPr>
+        <p:txBody>
+          <a:bodyPr/>
+          <a:lstStyle/>
+          <a:p>
+            <a:r>
+              <a:rPr lang="hu-HU" dirty="0"/>
+              <a:t>1)  </a:t>
+            </a:r>
+            <a:r>
+              <a:rPr lang="hu-HU" dirty="0" err="1"/>
+              <a:t>Built</a:t>
+            </a:r>
+            <a:r>
+              <a:rPr lang="hu-HU" dirty="0"/>
+              <a:t>-in: a hatóanyagot tartalmazó </a:t>
             </a:r>
             <a:r>
               <a:rPr lang="hu-HU" dirty="0" err="1"/>
@@ -14911,154 +15797,34 @@
             </a:r>
             <a:r>
               <a:rPr lang="hu-HU" dirty="0"/>
-              <a:t> optimalizálása</a:t>
-            </a:r>
-          </a:p>
-        </p:txBody>
-      </p:sp>
-      <p:sp>
-        <p:nvSpPr>
-          <p:cNvPr id="3" name="Tartalom helye 2">
-            <a:extLst>
-              <a:ext uri="{FF2B5EF4-FFF2-40B4-BE49-F238E27FC236}">
-                <a16:creationId xmlns:a16="http://schemas.microsoft.com/office/drawing/2014/main" id="{CF716DC2-508A-4BC8-94E5-0FA0B24ED41C}"/>
-              </a:ext>
-            </a:extLst>
-          </p:cNvPr>
-          <p:cNvSpPr>
-            <a:spLocks noGrp="1"/>
-          </p:cNvSpPr>
-          <p:nvPr>
-            <p:ph idx="1"/>
-          </p:nvPr>
-        </p:nvSpPr>
-        <p:spPr/>
-        <p:txBody>
-          <a:bodyPr/>
-          <a:lstStyle/>
-          <a:p>
-            <a:r>
-              <a:rPr lang="hu-HU" dirty="0"/>
-              <a:t>1) milyen  tényezők/folyamatok szabják meg, hogy a hatóanyag dózis hányad része jut el a </a:t>
-            </a:r>
-            <a:r>
-              <a:rPr lang="hu-HU" dirty="0" err="1"/>
-              <a:t>hatáskifejtés</a:t>
-            </a:r>
-            <a:r>
-              <a:rPr lang="hu-HU" dirty="0"/>
-              <a:t>  „</a:t>
-            </a:r>
-            <a:r>
-              <a:rPr lang="hu-HU" dirty="0" err="1"/>
-              <a:t>helyszinére</a:t>
-            </a:r>
-            <a:r>
-              <a:rPr lang="hu-HU" dirty="0"/>
-              <a:t>”:</a:t>
-            </a:r>
-          </a:p>
-          <a:p>
-            <a:pPr lvl="2"/>
-            <a:r>
-              <a:rPr lang="hu-HU" dirty="0"/>
-              <a:t>Spray </a:t>
-            </a:r>
-            <a:r>
-              <a:rPr lang="hu-HU" dirty="0" err="1"/>
-              <a:t>deposition</a:t>
+              <a:t> </a:t>
+            </a:r>
+            <a:r>
+              <a:rPr lang="hu-HU" dirty="0" err="1"/>
+              <a:t>tartalmazzabaz</a:t>
+            </a:r>
+            <a:r>
+              <a:rPr lang="hu-HU" dirty="0"/>
+              <a:t> </a:t>
+            </a:r>
+            <a:r>
+              <a:rPr lang="hu-HU" dirty="0" err="1"/>
+              <a:t>adjuvánst</a:t>
             </a:r>
             <a:endParaRPr lang="hu-HU" dirty="0"/>
           </a:p>
           <a:p>
-            <a:pPr lvl="2"/>
-            <a:r>
-              <a:rPr lang="hu-HU" dirty="0" err="1"/>
-              <a:t>Wetting</a:t>
-            </a:r>
             <a:endParaRPr lang="hu-HU" dirty="0"/>
           </a:p>
           <a:p>
-            <a:pPr lvl="2"/>
-            <a:r>
-              <a:rPr lang="hu-HU" dirty="0" err="1"/>
-              <a:t>Spreading</a:t>
-            </a:r>
-            <a:endParaRPr lang="hu-HU" dirty="0"/>
-          </a:p>
-          <a:p>
-            <a:pPr lvl="2"/>
-            <a:r>
-              <a:rPr lang="hu-HU" dirty="0" err="1"/>
-              <a:t>Adhesion</a:t>
-            </a:r>
-            <a:endParaRPr lang="hu-HU" dirty="0"/>
-          </a:p>
-          <a:p>
-            <a:pPr lvl="2"/>
-            <a:r>
-              <a:rPr lang="hu-HU" dirty="0" err="1"/>
-              <a:t>Retention</a:t>
-            </a:r>
-            <a:endParaRPr lang="hu-HU" dirty="0"/>
-          </a:p>
-          <a:p>
-            <a:r>
-              <a:rPr lang="hu-HU" dirty="0"/>
-              <a:t>2)</a:t>
-            </a:r>
-            <a:r>
-              <a:rPr lang="hu-HU" dirty="0" err="1"/>
-              <a:t>uptake</a:t>
-            </a:r>
-            <a:r>
-              <a:rPr lang="hu-HU" dirty="0"/>
-              <a:t> aktiválása: </a:t>
-            </a:r>
-            <a:r>
-              <a:rPr lang="hu-HU" dirty="0" err="1"/>
-              <a:t>tenzid</a:t>
-            </a:r>
-            <a:r>
-              <a:rPr lang="hu-HU" dirty="0"/>
-              <a:t> hozzáadásával: </a:t>
-            </a:r>
-          </a:p>
-          <a:p>
-            <a:pPr lvl="2"/>
-            <a:r>
-              <a:rPr lang="hu-HU" dirty="0" err="1"/>
-              <a:t>Sppeciális</a:t>
-            </a:r>
-            <a:r>
-              <a:rPr lang="hu-HU" dirty="0"/>
-              <a:t> kölcsönhatások a </a:t>
-            </a:r>
-            <a:r>
-              <a:rPr lang="hu-HU" dirty="0" err="1"/>
-              <a:t>tenzid</a:t>
-            </a:r>
-            <a:r>
-              <a:rPr lang="hu-HU" dirty="0"/>
-              <a:t>, a hatóanyag és cél-szervezet (</a:t>
-            </a:r>
-            <a:r>
-              <a:rPr lang="hu-HU" dirty="0" err="1"/>
-              <a:t>target</a:t>
-            </a:r>
-            <a:r>
-              <a:rPr lang="hu-HU" dirty="0"/>
-              <a:t>  species) között</a:t>
-            </a:r>
-          </a:p>
-          <a:p>
-            <a:pPr lvl="2"/>
-            <a:endParaRPr lang="hu-HU" dirty="0"/>
-          </a:p>
-          <a:p>
-            <a:pPr marL="914400" lvl="2" indent="0">
-              <a:buNone/>
-            </a:pPr>
+            <a:r>
+              <a:rPr lang="hu-HU" dirty="0"/>
+              <a:t>2) tank-mix </a:t>
+            </a:r>
+            <a:r>
+              <a:rPr lang="hu-HU" dirty="0" err="1"/>
+              <a:t>adjuváns</a:t>
+            </a:r>
             <a:endParaRPr lang="hu-HU" dirty="0"/>
           </a:p>
         </p:txBody>
@@ -15066,7 +15832,7 @@
     </p:spTree>
     <p:extLst>
       <p:ext uri="{BB962C8B-B14F-4D97-AF65-F5344CB8AC3E}">
-        <p14:creationId xmlns:p14="http://schemas.microsoft.com/office/powerpoint/2010/main" val="3681280693"/>
+        <p14:creationId xmlns:p14="http://schemas.microsoft.com/office/powerpoint/2010/main" val="2719677808"/>
       </p:ext>
     </p:extLst>
   </p:cSld>
@@ -15098,7 +15864,7 @@
           <p:cNvPr id="2" name="Cím 1">
             <a:extLst>
               <a:ext uri="{FF2B5EF4-FFF2-40B4-BE49-F238E27FC236}">
-                <a16:creationId xmlns:a16="http://schemas.microsoft.com/office/drawing/2014/main" id="{B22E2E59-AD1E-495E-ADF9-2A388DBE2E0F}"/>
+                <a16:creationId xmlns:a16="http://schemas.microsoft.com/office/drawing/2014/main" id="{F99BC95B-146D-4A59-87A6-8EEAF1C58318}"/>
               </a:ext>
             </a:extLst>
           </p:cNvPr>
@@ -15116,17 +15882,12 @@
           <a:p>
             <a:r>
               <a:rPr lang="hu-HU" dirty="0" err="1"/>
-              <a:t>Tenzidek</a:t>
-            </a:r>
-            <a:r>
-              <a:rPr lang="hu-HU" dirty="0"/>
-              <a:t> mint </a:t>
-            </a:r>
-            <a:r>
-              <a:rPr lang="hu-HU" dirty="0" err="1"/>
-              <a:t>adjuvánsok</a:t>
-            </a:r>
-            <a:endParaRPr lang="hu-HU" dirty="0"/>
+              <a:t>Adjuváns</a:t>
+            </a:r>
+            <a:r>
+              <a:rPr lang="hu-HU" dirty="0"/>
+              <a:t> megválasztása függ</a:t>
+            </a:r>
           </a:p>
         </p:txBody>
       </p:sp>
@@ -15135,7 +15896,7 @@
           <p:cNvPr id="3" name="Tartalom helye 2">
             <a:extLst>
               <a:ext uri="{FF2B5EF4-FFF2-40B4-BE49-F238E27FC236}">
-                <a16:creationId xmlns:a16="http://schemas.microsoft.com/office/drawing/2014/main" id="{8125D865-8272-4510-A153-3B50154D0FE9}"/>
+                <a16:creationId xmlns:a16="http://schemas.microsoft.com/office/drawing/2014/main" id="{8FE6C5DB-51EA-4DA6-966E-189F1B8C858C}"/>
               </a:ext>
             </a:extLst>
           </p:cNvPr>
@@ -15150,59 +15911,129 @@
         <p:txBody>
           <a:bodyPr/>
           <a:lstStyle/>
-          <a:p>
-            <a:r>
-              <a:rPr lang="hu-HU" dirty="0"/>
-              <a:t>A </a:t>
-            </a:r>
-            <a:r>
-              <a:rPr lang="hu-HU" dirty="0" err="1"/>
-              <a:t>tenzidek</a:t>
-            </a:r>
-            <a:r>
-              <a:rPr lang="hu-HU" dirty="0"/>
-              <a:t> a legfontosabb </a:t>
-            </a:r>
-            <a:r>
-              <a:rPr lang="hu-HU" dirty="0" err="1"/>
-              <a:t>adjuvánsok</a:t>
-            </a:r>
-            <a:endParaRPr lang="hu-HU" dirty="0"/>
-          </a:p>
-          <a:p>
-            <a:r>
-              <a:rPr lang="hu-HU" dirty="0"/>
-              <a:t>Esetenként polimerek még hozzáadunk: tapadásfokozó (</a:t>
-            </a:r>
-            <a:r>
-              <a:rPr lang="hu-HU" dirty="0" err="1"/>
-              <a:t>sticker</a:t>
-            </a:r>
-            <a:r>
-              <a:rPr lang="hu-HU" dirty="0"/>
-              <a:t>) és </a:t>
-            </a:r>
-            <a:r>
-              <a:rPr lang="hu-HU" dirty="0" err="1"/>
-              <a:t>elsodrodás</a:t>
-            </a:r>
-            <a:r>
-              <a:rPr lang="hu-HU" dirty="0"/>
-              <a:t> gátló (</a:t>
-            </a:r>
-            <a:r>
-              <a:rPr lang="hu-HU" dirty="0" err="1"/>
-              <a:t>anti-drift</a:t>
-            </a:r>
-            <a:r>
-              <a:rPr lang="hu-HU" dirty="0"/>
-              <a:t>)</a:t>
-            </a:r>
-          </a:p>
           <a:p>
             <a:pPr marL="0" indent="0">
               <a:buNone/>
             </a:pPr>
+            <a:r>
+              <a:rPr lang="hu-HU" dirty="0"/>
+              <a:t>        1)a hatóanyag </a:t>
+            </a:r>
+            <a:r>
+              <a:rPr lang="hu-HU" dirty="0" err="1"/>
+              <a:t>vizoldható</a:t>
+            </a:r>
+            <a:r>
+              <a:rPr lang="hu-HU" dirty="0"/>
+              <a:t> vagy oldhatatlan:   oldhatóság, megoszlási hányados (log P)</a:t>
+            </a:r>
+          </a:p>
+          <a:p>
+            <a:pPr lvl="1"/>
+            <a:r>
+              <a:rPr lang="hu-HU" dirty="0"/>
+              <a:t>Megoszlás </a:t>
+            </a:r>
+            <a:r>
+              <a:rPr lang="hu-HU" dirty="0" err="1"/>
+              <a:t>oktanol</a:t>
+            </a:r>
+            <a:r>
+              <a:rPr lang="hu-HU" dirty="0"/>
+              <a:t> és víz fázisban</a:t>
+            </a:r>
+          </a:p>
+          <a:p>
+            <a:pPr lvl="1"/>
+            <a:r>
+              <a:rPr lang="hu-HU" dirty="0"/>
+              <a:t>Nagyobb  log P   a hatóanyag nagyobb </a:t>
+            </a:r>
+            <a:r>
+              <a:rPr lang="hu-HU" dirty="0" err="1"/>
+              <a:t>lipofilitását</a:t>
+            </a:r>
+            <a:r>
+              <a:rPr lang="hu-HU" dirty="0"/>
+              <a:t> fejezi ki</a:t>
+            </a:r>
+          </a:p>
+          <a:p>
+            <a:pPr marL="457200" lvl="1" indent="0">
+              <a:buNone/>
+            </a:pPr>
+            <a:r>
+              <a:rPr lang="hu-HU" dirty="0"/>
+              <a:t>     2) hatásmód:  </a:t>
+            </a:r>
+          </a:p>
+          <a:p>
+            <a:pPr marL="457200" lvl="1" indent="0">
+              <a:buNone/>
+            </a:pPr>
+            <a:r>
+              <a:rPr lang="hu-HU" dirty="0"/>
+              <a:t>		</a:t>
+            </a:r>
+            <a:r>
+              <a:rPr lang="hu-HU" dirty="0" err="1"/>
+              <a:t>szisztemikus</a:t>
+            </a:r>
+            <a:r>
+              <a:rPr lang="hu-HU" dirty="0"/>
+              <a:t> vagy nem-</a:t>
+            </a:r>
+            <a:r>
+              <a:rPr lang="hu-HU" dirty="0" err="1"/>
+              <a:t>szisztemikus</a:t>
+            </a:r>
+            <a:r>
+              <a:rPr lang="hu-HU" dirty="0"/>
+              <a:t>,</a:t>
+            </a:r>
+          </a:p>
+          <a:p>
+            <a:pPr marL="457200" lvl="1" indent="0">
+              <a:buNone/>
+            </a:pPr>
+            <a:r>
+              <a:rPr lang="hu-HU" dirty="0"/>
+              <a:t>                     </a:t>
+            </a:r>
+            <a:r>
+              <a:rPr lang="hu-HU" dirty="0" err="1"/>
+              <a:t>szelektiv</a:t>
+            </a:r>
+            <a:r>
+              <a:rPr lang="hu-HU" dirty="0"/>
+              <a:t> vagy nem </a:t>
+            </a:r>
+            <a:r>
+              <a:rPr lang="hu-HU" dirty="0" err="1"/>
+              <a:t>szelektiv</a:t>
+            </a:r>
+            <a:endParaRPr lang="hu-HU" dirty="0"/>
+          </a:p>
+          <a:p>
+            <a:pPr marL="457200" lvl="1" indent="0">
+              <a:buNone/>
+            </a:pPr>
+            <a:r>
+              <a:rPr lang="hu-HU" dirty="0"/>
+              <a:t>       3) </a:t>
+            </a:r>
+            <a:r>
+              <a:rPr lang="hu-HU" dirty="0" err="1"/>
+              <a:t>formatipus</a:t>
+            </a:r>
+            <a:endParaRPr lang="hu-HU" dirty="0"/>
+          </a:p>
+          <a:p>
+            <a:pPr lvl="1"/>
+            <a:endParaRPr lang="hu-HU" dirty="0"/>
+          </a:p>
+          <a:p>
+            <a:pPr lvl="1"/>
             <a:endParaRPr lang="hu-HU" dirty="0"/>
           </a:p>
         </p:txBody>
@@ -15210,7 +16041,7 @@
     </p:spTree>
     <p:extLst>
       <p:ext uri="{BB962C8B-B14F-4D97-AF65-F5344CB8AC3E}">
-        <p14:creationId xmlns:p14="http://schemas.microsoft.com/office/powerpoint/2010/main" val="2966414056"/>
+        <p14:creationId xmlns:p14="http://schemas.microsoft.com/office/powerpoint/2010/main" val="2331931443"/>
       </p:ext>
     </p:extLst>
   </p:cSld>
@@ -15242,7 +16073,7 @@
           <p:cNvPr id="2" name="Cím 1">
             <a:extLst>
               <a:ext uri="{FF2B5EF4-FFF2-40B4-BE49-F238E27FC236}">
-                <a16:creationId xmlns:a16="http://schemas.microsoft.com/office/drawing/2014/main" id="{0E5055F2-E8CE-46B4-8788-F8746C638203}"/>
+                <a16:creationId xmlns:a16="http://schemas.microsoft.com/office/drawing/2014/main" id="{E4F35A92-C8AC-4594-BB47-821CF0251A1C}"/>
               </a:ext>
             </a:extLst>
           </p:cNvPr>
@@ -15259,12 +16090,16 @@
           <a:lstStyle/>
           <a:p>
             <a:r>
-              <a:rPr lang="hu-HU" dirty="0" err="1"/>
-              <a:t>Tenzid</a:t>
-            </a:r>
-            <a:r>
-              <a:rPr lang="hu-HU" dirty="0"/>
-              <a:t> molekulák orientált elhelyezkedése a határfelületen</a:t>
+              <a:rPr lang="hu-HU" dirty="0"/>
+              <a:t>A </a:t>
+            </a:r>
+            <a:r>
+              <a:rPr lang="hu-HU" dirty="0" err="1"/>
+              <a:t>formuláció</a:t>
+            </a:r>
+            <a:r>
+              <a:rPr lang="hu-HU" dirty="0"/>
+              <a:t> optimalizálása</a:t>
             </a:r>
           </a:p>
         </p:txBody>
@@ -15274,7 +16109,7 @@
           <p:cNvPr id="3" name="Tartalom helye 2">
             <a:extLst>
               <a:ext uri="{FF2B5EF4-FFF2-40B4-BE49-F238E27FC236}">
-                <a16:creationId xmlns:a16="http://schemas.microsoft.com/office/drawing/2014/main" id="{8D6A15C9-57C6-40E8-8706-88148F898EDC}"/>
+                <a16:creationId xmlns:a16="http://schemas.microsoft.com/office/drawing/2014/main" id="{CF716DC2-508A-4BC8-94E5-0FA0B24ED41C}"/>
               </a:ext>
             </a:extLst>
           </p:cNvPr>
@@ -15292,7 +16127,81 @@
           <a:p>
             <a:r>
               <a:rPr lang="hu-HU" dirty="0"/>
-              <a:t>A </a:t>
+              <a:t>1) milyen  tényezők/folyamatok szabják meg, hogy a hatóanyag dózis hányad része jut el a </a:t>
+            </a:r>
+            <a:r>
+              <a:rPr lang="hu-HU" dirty="0" err="1"/>
+              <a:t>hatáskifejtés</a:t>
+            </a:r>
+            <a:r>
+              <a:rPr lang="hu-HU" dirty="0"/>
+              <a:t>  „</a:t>
+            </a:r>
+            <a:r>
+              <a:rPr lang="hu-HU" dirty="0" err="1"/>
+              <a:t>helyszinére</a:t>
+            </a:r>
+            <a:r>
+              <a:rPr lang="hu-HU" dirty="0"/>
+              <a:t>”:</a:t>
+            </a:r>
+          </a:p>
+          <a:p>
+            <a:pPr lvl="2"/>
+            <a:r>
+              <a:rPr lang="hu-HU" dirty="0"/>
+              <a:t>Spray </a:t>
+            </a:r>
+            <a:r>
+              <a:rPr lang="hu-HU" dirty="0" err="1"/>
+              <a:t>deposition</a:t>
+            </a:r>
+            <a:endParaRPr lang="hu-HU" dirty="0"/>
+          </a:p>
+          <a:p>
+            <a:pPr lvl="2"/>
+            <a:r>
+              <a:rPr lang="hu-HU" dirty="0" err="1"/>
+              <a:t>Wetting</a:t>
+            </a:r>
+            <a:endParaRPr lang="hu-HU" dirty="0"/>
+          </a:p>
+          <a:p>
+            <a:pPr lvl="2"/>
+            <a:r>
+              <a:rPr lang="hu-HU" dirty="0" err="1"/>
+              <a:t>Spreading</a:t>
+            </a:r>
+            <a:endParaRPr lang="hu-HU" dirty="0"/>
+          </a:p>
+          <a:p>
+            <a:pPr lvl="2"/>
+            <a:r>
+              <a:rPr lang="hu-HU" dirty="0" err="1"/>
+              <a:t>Adhesion</a:t>
+            </a:r>
+            <a:endParaRPr lang="hu-HU" dirty="0"/>
+          </a:p>
+          <a:p>
+            <a:pPr lvl="2"/>
+            <a:r>
+              <a:rPr lang="hu-HU" dirty="0" err="1"/>
+              <a:t>Retention</a:t>
+            </a:r>
+            <a:endParaRPr lang="hu-HU" dirty="0"/>
+          </a:p>
+          <a:p>
+            <a:r>
+              <a:rPr lang="hu-HU" dirty="0"/>
+              <a:t>2)</a:t>
+            </a:r>
+            <a:r>
+              <a:rPr lang="hu-HU" dirty="0" err="1"/>
+              <a:t>uptake</a:t>
+            </a:r>
+            <a:r>
+              <a:rPr lang="hu-HU" dirty="0"/>
+              <a:t> aktiválása: </a:t>
             </a:r>
             <a:r>
               <a:rPr lang="hu-HU" dirty="0" err="1"/>
@@ -15300,13 +16209,18 @@
             </a:r>
             <a:r>
               <a:rPr lang="hu-HU" dirty="0"/>
-              <a:t> molekulák orientáltan helyezkednek el a határfelületen </a:t>
-            </a:r>
-          </a:p>
-          <a:p>
-            <a:r>
-              <a:rPr lang="hu-HU" dirty="0"/>
-              <a:t>A </a:t>
+              <a:t> hozzáadásával: </a:t>
+            </a:r>
+          </a:p>
+          <a:p>
+            <a:pPr lvl="2"/>
+            <a:r>
+              <a:rPr lang="hu-HU" dirty="0" err="1"/>
+              <a:t>Sppeciális</a:t>
+            </a:r>
+            <a:r>
+              <a:rPr lang="hu-HU" dirty="0"/>
+              <a:t> kölcsönhatások a </a:t>
             </a:r>
             <a:r>
               <a:rPr lang="hu-HU" dirty="0" err="1"/>
@@ -15314,16 +16228,25 @@
             </a:r>
             <a:r>
               <a:rPr lang="hu-HU" dirty="0"/>
-              <a:t> molekula hidrofób része  a hidrofób fázis felé orientálódik</a:t>
-            </a:r>
-          </a:p>
-          <a:p>
-            <a:r>
-              <a:rPr lang="hu-HU" dirty="0"/>
-              <a:t>Az orientált felhalmozódás eredménye a felületi illetve határfelületi feszültség csökkenése</a:t>
-            </a:r>
-          </a:p>
-          <a:p>
+              <a:t>, a hatóanyag és cél-szervezet (</a:t>
+            </a:r>
+            <a:r>
+              <a:rPr lang="hu-HU" dirty="0" err="1"/>
+              <a:t>target</a:t>
+            </a:r>
+            <a:r>
+              <a:rPr lang="hu-HU" dirty="0"/>
+              <a:t>  species) között</a:t>
+            </a:r>
+          </a:p>
+          <a:p>
+            <a:pPr lvl="2"/>
+            <a:endParaRPr lang="hu-HU" dirty="0"/>
+          </a:p>
+          <a:p>
+            <a:pPr marL="914400" lvl="2" indent="0">
+              <a:buNone/>
+            </a:pPr>
             <a:endParaRPr lang="hu-HU" dirty="0"/>
           </a:p>
         </p:txBody>
@@ -15331,7 +16254,7 @@
     </p:spTree>
     <p:extLst>
       <p:ext uri="{BB962C8B-B14F-4D97-AF65-F5344CB8AC3E}">
-        <p14:creationId xmlns:p14="http://schemas.microsoft.com/office/powerpoint/2010/main" val="580732720"/>
+        <p14:creationId xmlns:p14="http://schemas.microsoft.com/office/powerpoint/2010/main" val="3681280693"/>
       </p:ext>
     </p:extLst>
   </p:cSld>
@@ -15363,7 +16286,7 @@
           <p:cNvPr id="2" name="Cím 1">
             <a:extLst>
               <a:ext uri="{FF2B5EF4-FFF2-40B4-BE49-F238E27FC236}">
-                <a16:creationId xmlns:a16="http://schemas.microsoft.com/office/drawing/2014/main" id="{F1700785-9F0A-4B6C-B5F2-E743F22351C9}"/>
+                <a16:creationId xmlns:a16="http://schemas.microsoft.com/office/drawing/2014/main" id="{B22E2E59-AD1E-495E-ADF9-2A388DBE2E0F}"/>
               </a:ext>
             </a:extLst>
           </p:cNvPr>
@@ -15380,48 +16303,102 @@
           <a:lstStyle/>
           <a:p>
             <a:r>
-              <a:rPr lang="hu-HU" dirty="0"/>
-              <a:t>Kétféle határfelület: víz/levegő, víz/olaj</a:t>
-            </a:r>
-          </a:p>
-        </p:txBody>
-      </p:sp>
-      <p:pic>
-        <p:nvPicPr>
-          <p:cNvPr id="4" name="Tartalom helye 3">
-            <a:extLst>
-              <a:ext uri="{FF2B5EF4-FFF2-40B4-BE49-F238E27FC236}">
-                <a16:creationId xmlns:a16="http://schemas.microsoft.com/office/drawing/2014/main" id="{227C0A1A-5170-4349-B77E-3CE4D93C0B68}"/>
-              </a:ext>
-            </a:extLst>
-          </p:cNvPr>
-          <p:cNvPicPr>
-            <a:picLocks noGrp="1" noChangeAspect="1"/>
-          </p:cNvPicPr>
+              <a:rPr lang="hu-HU" dirty="0" err="1"/>
+              <a:t>Tenzidek</a:t>
+            </a:r>
+            <a:r>
+              <a:rPr lang="hu-HU" dirty="0"/>
+              <a:t> mint </a:t>
+            </a:r>
+            <a:r>
+              <a:rPr lang="hu-HU" dirty="0" err="1"/>
+              <a:t>adjuvánsok</a:t>
+            </a:r>
+            <a:endParaRPr lang="hu-HU" dirty="0"/>
+          </a:p>
+        </p:txBody>
+      </p:sp>
+      <p:sp>
+        <p:nvSpPr>
+          <p:cNvPr id="3" name="Tartalom helye 2">
+            <a:extLst>
+              <a:ext uri="{FF2B5EF4-FFF2-40B4-BE49-F238E27FC236}">
+                <a16:creationId xmlns:a16="http://schemas.microsoft.com/office/drawing/2014/main" id="{8125D865-8272-4510-A153-3B50154D0FE9}"/>
+              </a:ext>
+            </a:extLst>
+          </p:cNvPr>
+          <p:cNvSpPr>
+            <a:spLocks noGrp="1"/>
+          </p:cNvSpPr>
           <p:nvPr>
             <p:ph idx="1"/>
           </p:nvPr>
-        </p:nvPicPr>
-        <p:blipFill>
-          <a:blip r:embed="rId2"/>
-          <a:stretch>
-            <a:fillRect/>
-          </a:stretch>
-        </p:blipFill>
-        <p:spPr>
-          <a:xfrm>
-            <a:off x="2324030" y="1825625"/>
-            <a:ext cx="7543939" cy="4351338"/>
-          </a:xfrm>
-          <a:prstGeom prst="rect">
-            <a:avLst/>
-          </a:prstGeom>
-        </p:spPr>
-      </p:pic>
+        </p:nvSpPr>
+        <p:spPr/>
+        <p:txBody>
+          <a:bodyPr/>
+          <a:lstStyle/>
+          <a:p>
+            <a:r>
+              <a:rPr lang="hu-HU" dirty="0"/>
+              <a:t>A </a:t>
+            </a:r>
+            <a:r>
+              <a:rPr lang="hu-HU" dirty="0" err="1"/>
+              <a:t>tenzidek</a:t>
+            </a:r>
+            <a:r>
+              <a:rPr lang="hu-HU" dirty="0"/>
+              <a:t> a legfontosabb </a:t>
+            </a:r>
+            <a:r>
+              <a:rPr lang="hu-HU" dirty="0" err="1"/>
+              <a:t>adjuvánsok</a:t>
+            </a:r>
+            <a:endParaRPr lang="hu-HU" dirty="0"/>
+          </a:p>
+          <a:p>
+            <a:r>
+              <a:rPr lang="hu-HU" dirty="0"/>
+              <a:t>Esetenként polimerek még hozzáadunk: tapadásfokozó (</a:t>
+            </a:r>
+            <a:r>
+              <a:rPr lang="hu-HU" dirty="0" err="1"/>
+              <a:t>sticker</a:t>
+            </a:r>
+            <a:r>
+              <a:rPr lang="hu-HU" dirty="0"/>
+              <a:t>) és </a:t>
+            </a:r>
+            <a:r>
+              <a:rPr lang="hu-HU" dirty="0" err="1"/>
+              <a:t>elsodrodás</a:t>
+            </a:r>
+            <a:r>
+              <a:rPr lang="hu-HU" dirty="0"/>
+              <a:t> gátló (</a:t>
+            </a:r>
+            <a:r>
+              <a:rPr lang="hu-HU" dirty="0" err="1"/>
+              <a:t>anti-drift</a:t>
+            </a:r>
+            <a:r>
+              <a:rPr lang="hu-HU" dirty="0"/>
+              <a:t>)</a:t>
+            </a:r>
+          </a:p>
+          <a:p>
+            <a:pPr marL="0" indent="0">
+              <a:buNone/>
+            </a:pPr>
+            <a:endParaRPr lang="hu-HU" dirty="0"/>
+          </a:p>
+        </p:txBody>
+      </p:sp>
     </p:spTree>
     <p:extLst>
       <p:ext uri="{BB962C8B-B14F-4D97-AF65-F5344CB8AC3E}">
-        <p14:creationId xmlns:p14="http://schemas.microsoft.com/office/powerpoint/2010/main" val="3529584254"/>
+        <p14:creationId xmlns:p14="http://schemas.microsoft.com/office/powerpoint/2010/main" val="2966414056"/>
       </p:ext>
     </p:extLst>
   </p:cSld>

--- a/adjuvants.pptx
+++ b/adjuvants.pptx
@@ -27,16 +27,16 @@
     <p:sldId id="338" r:id="rId18"/>
     <p:sldId id="323" r:id="rId19"/>
     <p:sldId id="311" r:id="rId20"/>
-    <p:sldId id="277" r:id="rId21"/>
-    <p:sldId id="280" r:id="rId22"/>
-    <p:sldId id="281" r:id="rId23"/>
-    <p:sldId id="282" r:id="rId24"/>
-    <p:sldId id="283" r:id="rId25"/>
-    <p:sldId id="284" r:id="rId26"/>
-    <p:sldId id="285" r:id="rId27"/>
-    <p:sldId id="286" r:id="rId28"/>
-    <p:sldId id="287" r:id="rId29"/>
-    <p:sldId id="288" r:id="rId30"/>
+    <p:sldId id="339" r:id="rId21"/>
+    <p:sldId id="340" r:id="rId22"/>
+    <p:sldId id="341" r:id="rId23"/>
+    <p:sldId id="342" r:id="rId24"/>
+    <p:sldId id="343" r:id="rId25"/>
+    <p:sldId id="344" r:id="rId26"/>
+    <p:sldId id="345" r:id="rId27"/>
+    <p:sldId id="346" r:id="rId28"/>
+    <p:sldId id="347" r:id="rId29"/>
+    <p:sldId id="348" r:id="rId30"/>
     <p:sldId id="317" r:id="rId31"/>
     <p:sldId id="289" r:id="rId32"/>
     <p:sldId id="290" r:id="rId33"/>
@@ -193,16 +193,16 @@
         <p14:section name="Dinamika" id="{94442C10-4974-4EFF-B550-C54433F27F62}">
           <p14:sldIdLst>
             <p14:sldId id="311"/>
-            <p14:sldId id="277"/>
-            <p14:sldId id="280"/>
-            <p14:sldId id="281"/>
-            <p14:sldId id="282"/>
-            <p14:sldId id="283"/>
-            <p14:sldId id="284"/>
-            <p14:sldId id="285"/>
-            <p14:sldId id="286"/>
-            <p14:sldId id="287"/>
-            <p14:sldId id="288"/>
+            <p14:sldId id="339"/>
+            <p14:sldId id="340"/>
+            <p14:sldId id="341"/>
+            <p14:sldId id="342"/>
+            <p14:sldId id="343"/>
+            <p14:sldId id="344"/>
+            <p14:sldId id="345"/>
+            <p14:sldId id="346"/>
+            <p14:sldId id="347"/>
+            <p14:sldId id="348"/>
           </p14:sldIdLst>
         </p14:section>
         <p14:section name="Töménység" id="{82C87451-ED3F-4A5F-9E2F-714253B08957}">
@@ -8320,34 +8320,31 @@
           <a:bodyPr/>
           <a:lstStyle/>
           <a:p>
-            <a:pPr marL="0" marR="0" lvl="0" indent="0" algn="l" defTabSz="914400" rtl="0" eaLnBrk="1" fontAlgn="auto" latinLnBrk="0" hangingPunct="1">
-              <a:lnSpc>
-                <a:spcPct val="100000"/>
-              </a:lnSpc>
-              <a:spcBef>
-                <a:spcPts val="0"/>
-              </a:spcBef>
-              <a:spcAft>
-                <a:spcPts val="0"/>
-              </a:spcAft>
-              <a:buClrTx/>
-              <a:buSzTx/>
-              <a:buFontTx/>
-              <a:buNone/>
-              <a:tabLst/>
-              <a:defRPr/>
-            </a:pPr>
             <a:r>
               <a:rPr lang="hu-HU" dirty="0"/>
-              <a:t>Ahol  </a:t>
-            </a:r>
-            <a:r>
-              <a:rPr lang="el-GR" dirty="0"/>
-              <a:t>Γ</a:t>
+              <a:t>A felületen  levő  permetcsepp párolgás következtében </a:t>
+            </a:r>
+            <a:r>
+              <a:rPr lang="hu-HU" dirty="0" err="1"/>
+              <a:t>betöményedik</a:t>
             </a:r>
             <a:r>
               <a:rPr lang="hu-HU" dirty="0"/>
-              <a:t> felületi többlet: felületegységre eső </a:t>
+              <a:t> </a:t>
+            </a:r>
+            <a:r>
+              <a:rPr lang="hu-HU" dirty="0" err="1"/>
+              <a:t>tenzidre</a:t>
+            </a:r>
+            <a:r>
+              <a:rPr lang="hu-HU" dirty="0"/>
+              <a:t> nézve is</a:t>
+            </a:r>
+          </a:p>
+          <a:p>
+            <a:r>
+              <a:rPr lang="hu-HU" dirty="0"/>
+              <a:t>Magas </a:t>
             </a:r>
             <a:r>
               <a:rPr lang="hu-HU" dirty="0" err="1"/>
@@ -8355,56 +8352,13 @@
             </a:r>
             <a:r>
               <a:rPr lang="hu-HU" dirty="0"/>
-              <a:t> mennyiség mólban,</a:t>
-            </a:r>
-            <a:r>
-              <a:rPr lang="el-GR" dirty="0"/>
-              <a:t>Θ</a:t>
-            </a:r>
-            <a:r>
-              <a:rPr lang="hu-HU" dirty="0"/>
-              <a:t>: felületi </a:t>
+              <a:t> koncentráció esetén különböző folyékony kristályos fázisok képződnek: hexagonális, köbös, </a:t>
             </a:r>
             <a:r>
               <a:rPr lang="hu-HU" dirty="0" err="1"/>
-              <a:t>boritottság</a:t>
-            </a:r>
-            <a:r>
-              <a:rPr lang="hu-HU" dirty="0"/>
-              <a:t> mértéke (százalékos mutató),NA Avogadro szám, D </a:t>
-            </a:r>
-            <a:r>
-              <a:rPr lang="hu-HU" dirty="0" err="1"/>
-              <a:t>diffuziós</a:t>
-            </a:r>
-            <a:r>
-              <a:rPr lang="hu-HU" dirty="0"/>
-              <a:t> koefficiens, C </a:t>
-            </a:r>
-            <a:r>
-              <a:rPr lang="hu-HU" dirty="0" err="1"/>
-              <a:t>tenzid</a:t>
-            </a:r>
-            <a:r>
-              <a:rPr lang="hu-HU" dirty="0"/>
-              <a:t> koncentráció, t idő, </a:t>
-            </a:r>
-            <a:r>
-              <a:rPr lang="el-GR" dirty="0"/>
-              <a:t>δ</a:t>
-            </a:r>
-            <a:r>
-              <a:rPr lang="hu-HU" dirty="0"/>
-              <a:t> </a:t>
-            </a:r>
-            <a:r>
-              <a:rPr lang="hu-HU" dirty="0" err="1"/>
-              <a:t>diffuziós</a:t>
-            </a:r>
-            <a:r>
-              <a:rPr lang="hu-HU" dirty="0"/>
-              <a:t> réteg vastagság</a:t>
-            </a:r>
+              <a:t>lamelláris</a:t>
+            </a:r>
+            <a:endParaRPr lang="hu-HU" dirty="0"/>
           </a:p>
           <a:p>
             <a:endParaRPr lang="hu-HU" dirty="0"/>
@@ -8428,7 +8382,7 @@
           <a:p>
             <a:fld id="{38E7A12A-EB9D-4E5F-B77B-601BCBADE65A}" type="slidenum">
               <a:rPr lang="hu-HU" smtClean="0"/>
-              <a:t>20</a:t>
+              <a:t>31</a:t>
             </a:fld>
             <a:endParaRPr lang="hu-HU"/>
           </a:p>
@@ -8437,7 +8391,7 @@
     </p:spTree>
     <p:extLst>
       <p:ext uri="{BB962C8B-B14F-4D97-AF65-F5344CB8AC3E}">
-        <p14:creationId xmlns:p14="http://schemas.microsoft.com/office/powerpoint/2010/main" val="1418408180"/>
+        <p14:creationId xmlns:p14="http://schemas.microsoft.com/office/powerpoint/2010/main" val="1824166550"/>
       </p:ext>
     </p:extLst>
   </p:cSld>
@@ -8493,78 +8447,56 @@
           <a:p>
             <a:r>
               <a:rPr lang="hu-HU" dirty="0"/>
-              <a:t>D és C növekedésével ez adszorpció sebessége, mértéke növekszik</a:t>
-            </a:r>
-          </a:p>
-          <a:p>
+              <a:t>a </a:t>
+            </a:r>
+            <a:r>
+              <a:rPr lang="hu-HU" dirty="0" err="1"/>
+              <a:t>deposit</a:t>
+            </a:r>
             <a:r>
               <a:rPr lang="hu-HU" dirty="0"/>
-              <a:t>A D </a:t>
+              <a:t> (lerakódás)  kialakulásában, az esőállóságban  (tartósság) és a hatóanyag </a:t>
             </a:r>
             <a:r>
               <a:rPr lang="hu-HU" dirty="0" err="1"/>
-              <a:t>forditottan</a:t>
-            </a:r>
+              <a:t>szolubilizációjában</a:t>
+            </a:r>
+            <a:endParaRPr lang="hu-HU" dirty="0"/>
+          </a:p>
+          <a:p>
             <a:r>
               <a:rPr lang="hu-HU" dirty="0"/>
-              <a:t>  arányos a </a:t>
+              <a:t>A </a:t>
             </a:r>
             <a:r>
               <a:rPr lang="hu-HU" dirty="0" err="1"/>
-              <a:t>tenzid</a:t>
+              <a:t>szolubilizácó</a:t>
             </a:r>
             <a:r>
               <a:rPr lang="hu-HU" dirty="0"/>
-              <a:t> molekula sugarával, molekula tömegével</a:t>
-            </a:r>
-          </a:p>
-          <a:p>
+              <a:t> a hatóanyag molekuláinak </a:t>
+            </a:r>
+            <a:r>
+              <a:rPr lang="hu-HU" dirty="0" err="1"/>
+              <a:t>aktiv</a:t>
+            </a:r>
             <a:r>
               <a:rPr lang="hu-HU" dirty="0"/>
-              <a:t>Mindezt a </a:t>
+              <a:t> transzportjában fontos, </a:t>
+            </a:r>
+          </a:p>
+          <a:p>
+            <a:r>
+              <a:rPr lang="hu-HU" dirty="0"/>
+              <a:t>ez a transzport a </a:t>
             </a:r>
             <a:r>
               <a:rPr lang="hu-HU" dirty="0" err="1"/>
-              <a:t>Stokes</a:t>
+              <a:t>sisztemikus</a:t>
             </a:r>
             <a:r>
               <a:rPr lang="hu-HU" dirty="0"/>
-              <a:t>-Einstein egyenlet írja le</a:t>
-            </a:r>
-          </a:p>
-          <a:p>
-            <a:pPr marL="0" indent="0">
-              <a:buNone/>
-            </a:pPr>
-            <a:endParaRPr lang="hu-HU" dirty="0"/>
-          </a:p>
-          <a:p>
-            <a:endParaRPr lang="hu-HU" dirty="0"/>
-          </a:p>
-          <a:p>
-            <a:r>
-              <a:rPr lang="hu-HU" dirty="0"/>
-              <a:t>Rövidebb molekula hatásosabb a dinamikus felületi feszültség csökkentésében</a:t>
-            </a:r>
-          </a:p>
-          <a:p>
-            <a:r>
-              <a:rPr lang="hu-HU" dirty="0"/>
-              <a:t>Azonban az  egyensúlyi felületi feszültség  csökken az </a:t>
-            </a:r>
-            <a:r>
-              <a:rPr lang="hu-HU" dirty="0" err="1"/>
-              <a:t>alkil</a:t>
-            </a:r>
-            <a:r>
-              <a:rPr lang="hu-HU" dirty="0"/>
-              <a:t>-lánc hosszának növekedésével</a:t>
-            </a:r>
-          </a:p>
-          <a:p>
-            <a:r>
-              <a:rPr lang="hu-HU" dirty="0"/>
-              <a:t>Kompromisszumra van szükség</a:t>
+              <a:t> hatású hatóanyagoknál  alapvető</a:t>
             </a:r>
           </a:p>
           <a:p>
@@ -8589,7 +8521,7 @@
           <a:p>
             <a:fld id="{38E7A12A-EB9D-4E5F-B77B-601BCBADE65A}" type="slidenum">
               <a:rPr lang="hu-HU" smtClean="0"/>
-              <a:t>21</a:t>
+              <a:t>32</a:t>
             </a:fld>
             <a:endParaRPr lang="hu-HU"/>
           </a:p>
@@ -8598,7 +8530,7 @@
     </p:spTree>
     <p:extLst>
       <p:ext uri="{BB962C8B-B14F-4D97-AF65-F5344CB8AC3E}">
-        <p14:creationId xmlns:p14="http://schemas.microsoft.com/office/powerpoint/2010/main" val="4036021739"/>
+        <p14:creationId xmlns:p14="http://schemas.microsoft.com/office/powerpoint/2010/main" val="4213765929"/>
       </p:ext>
     </p:extLst>
   </p:cSld>
@@ -8654,103 +8586,35 @@
           <a:p>
             <a:r>
               <a:rPr lang="hu-HU" dirty="0"/>
-              <a:t>A legtöbb esetben olyan </a:t>
-            </a:r>
+              <a:t>Fluid megjelenés</a:t>
+            </a:r>
+          </a:p>
+          <a:p>
+            <a:r>
+              <a:rPr lang="hu-HU" dirty="0"/>
+              <a:t>Rendszerint magas viszkozitás</a:t>
+            </a:r>
+          </a:p>
+          <a:p>
+            <a:r>
+              <a:rPr lang="hu-HU" dirty="0"/>
+              <a:t>Röntgen vizsgálatok szerint rendezettebb szerkezetűek mint a közönséges folyadékok</a:t>
+            </a:r>
+          </a:p>
+          <a:p>
             <a:r>
               <a:rPr lang="hu-HU" dirty="0" err="1"/>
-              <a:t>tenzidet</a:t>
+              <a:t>Reologiailag</a:t>
             </a:r>
             <a:r>
               <a:rPr lang="hu-HU" dirty="0"/>
-              <a:t> választanak, amelynél az </a:t>
+              <a:t> </a:t>
             </a:r>
             <a:r>
               <a:rPr lang="hu-HU" dirty="0" err="1"/>
-              <a:t>alkillánc</a:t>
+              <a:t>viszkoelasztikusak</a:t>
             </a:r>
             <a:endParaRPr lang="hu-HU" dirty="0"/>
-          </a:p>
-          <a:p>
-            <a:pPr marL="0" indent="0">
-              <a:buNone/>
-            </a:pPr>
-            <a:r>
-              <a:rPr lang="hu-HU" dirty="0"/>
-              <a:t>C12</a:t>
-            </a:r>
-          </a:p>
-          <a:p>
-            <a:pPr marL="0" indent="0">
-              <a:buNone/>
-            </a:pPr>
-            <a:r>
-              <a:rPr lang="hu-HU" dirty="0"/>
-              <a:t>Alacsony  KRAFFT   hőmérséklet szükséges ahhoz, hogy jól, gyorsan oldódjon a </a:t>
-            </a:r>
-            <a:r>
-              <a:rPr lang="hu-HU" dirty="0" err="1"/>
-              <a:t>tenzid</a:t>
-            </a:r>
-            <a:endParaRPr lang="hu-HU" dirty="0"/>
-          </a:p>
-          <a:p>
-            <a:pPr marL="0" indent="0">
-              <a:buNone/>
-            </a:pPr>
-            <a:r>
-              <a:rPr lang="hu-HU" dirty="0"/>
-              <a:t>Fontos a micella-képződés dinamikája: a monomer  </a:t>
-            </a:r>
-            <a:r>
-              <a:rPr lang="hu-HU" dirty="0" err="1"/>
-              <a:t>szüklsges</a:t>
-            </a:r>
-            <a:r>
-              <a:rPr lang="hu-HU" dirty="0"/>
-              <a:t> mennyiségét  meghatározza</a:t>
-            </a:r>
-          </a:p>
-          <a:p>
-            <a:pPr marL="0" indent="0">
-              <a:buNone/>
-            </a:pPr>
-            <a:r>
-              <a:rPr lang="hu-HU" dirty="0"/>
-              <a:t>A gyors adszorpció érdekében növelni kell a </a:t>
-            </a:r>
-            <a:r>
-              <a:rPr lang="hu-HU" dirty="0" err="1"/>
-              <a:t>a</a:t>
-            </a:r>
-            <a:r>
-              <a:rPr lang="hu-HU" dirty="0"/>
-              <a:t> monomer koncentrációt amely függ  a </a:t>
-            </a:r>
-            <a:r>
-              <a:rPr lang="hu-HU" dirty="0" err="1"/>
-              <a:t>tenzid</a:t>
-            </a:r>
-            <a:r>
-              <a:rPr lang="hu-HU" dirty="0"/>
-              <a:t> molekula HLB értékétől</a:t>
-            </a:r>
-          </a:p>
-          <a:p>
-            <a:pPr marL="0" indent="0">
-              <a:buNone/>
-            </a:pPr>
-            <a:r>
-              <a:rPr lang="hu-HU" dirty="0"/>
-              <a:t>Magas HLB (magas </a:t>
-            </a:r>
-            <a:r>
-              <a:rPr lang="hu-HU" dirty="0" err="1"/>
-              <a:t>cmc</a:t>
-            </a:r>
-            <a:r>
-              <a:rPr lang="hu-HU" dirty="0"/>
-              <a:t>-ével) hasznos a dinamika miatt</a:t>
-            </a:r>
           </a:p>
           <a:p>
             <a:endParaRPr lang="hu-HU" dirty="0"/>
@@ -8774,7 +8638,7 @@
           <a:p>
             <a:fld id="{38E7A12A-EB9D-4E5F-B77B-601BCBADE65A}" type="slidenum">
               <a:rPr lang="hu-HU" smtClean="0"/>
-              <a:t>22</a:t>
+              <a:t>33</a:t>
             </a:fld>
             <a:endParaRPr lang="hu-HU"/>
           </a:p>
@@ -8783,7 +8647,7 @@
     </p:spTree>
     <p:extLst>
       <p:ext uri="{BB962C8B-B14F-4D97-AF65-F5344CB8AC3E}">
-        <p14:creationId xmlns:p14="http://schemas.microsoft.com/office/powerpoint/2010/main" val="1109585703"/>
+        <p14:creationId xmlns:p14="http://schemas.microsoft.com/office/powerpoint/2010/main" val="275300806"/>
       </p:ext>
     </p:extLst>
   </p:cSld>
@@ -8923,67 +8787,44 @@
           <a:p>
             <a:r>
               <a:rPr lang="hu-HU" dirty="0"/>
-              <a:t>A </a:t>
+              <a:t>1)hexagonális fázis</a:t>
+            </a:r>
+          </a:p>
+          <a:p>
+            <a:r>
+              <a:rPr lang="hu-HU" dirty="0"/>
+              <a:t>2) </a:t>
             </a:r>
             <a:r>
               <a:rPr lang="hu-HU" dirty="0" err="1"/>
-              <a:t>cseptek</a:t>
+              <a:t>Micellaris</a:t>
             </a:r>
             <a:r>
               <a:rPr lang="hu-HU" dirty="0"/>
-              <a:t> kialakulása a  permetlé </a:t>
+              <a:t> (</a:t>
             </a:r>
             <a:r>
               <a:rPr lang="hu-HU" dirty="0" err="1"/>
-              <a:t>szorófejeken</a:t>
+              <a:t>Cubic</a:t>
             </a:r>
             <a:r>
               <a:rPr lang="hu-HU" dirty="0"/>
-              <a:t> keresztüli áthaladása pillanatszerű:  </a:t>
+              <a:t>) fázis</a:t>
+            </a:r>
+          </a:p>
+          <a:p>
+            <a:r>
+              <a:rPr lang="hu-HU" dirty="0"/>
+              <a:t>3) </a:t>
             </a:r>
             <a:r>
               <a:rPr lang="hu-HU" dirty="0" err="1"/>
-              <a:t>milliszecundum</a:t>
+              <a:t>Lamelláris</a:t>
             </a:r>
             <a:r>
               <a:rPr lang="hu-HU" dirty="0"/>
-              <a:t> időigény </a:t>
-            </a:r>
-          </a:p>
-          <a:p>
-            <a:r>
-              <a:rPr lang="hu-HU" dirty="0"/>
-              <a:t>A kezelt felülethez történő csepp-adhéziót, a felület nedvesedését  a dinamikus kontakt szög írja le, azaz végsősoron a felülethez történő </a:t>
-            </a:r>
-            <a:r>
-              <a:rPr lang="hu-HU" dirty="0" err="1"/>
-              <a:t>adszorbeálódás</a:t>
-            </a:r>
-            <a:r>
-              <a:rPr lang="hu-HU" dirty="0"/>
-              <a:t> sebessége, mértéke</a:t>
-            </a:r>
-          </a:p>
-          <a:p>
-            <a:r>
-              <a:rPr lang="hu-HU" dirty="0" err="1"/>
-              <a:t>Cmc</a:t>
-            </a:r>
-            <a:r>
-              <a:rPr lang="hu-HU" dirty="0"/>
-              <a:t> koncentráció felett a rendelkezésre álló monomer mennyiségét  megszabja a micella képződés relaxációs ideje és annak felbomlási, </a:t>
-            </a:r>
-            <a:r>
-              <a:rPr lang="hu-HU" dirty="0" err="1"/>
-              <a:t>megszünési</a:t>
-            </a:r>
-            <a:r>
-              <a:rPr lang="hu-HU" dirty="0"/>
-              <a:t> ideje</a:t>
-            </a:r>
-          </a:p>
-          <a:p>
-            <a:endParaRPr lang="hu-HU" dirty="0"/>
+              <a:t> fázis </a:t>
+            </a:r>
           </a:p>
           <a:p>
             <a:endParaRPr lang="hu-HU" dirty="0"/>
@@ -9007,7 +8848,7 @@
           <a:p>
             <a:fld id="{38E7A12A-EB9D-4E5F-B77B-601BCBADE65A}" type="slidenum">
               <a:rPr lang="hu-HU" smtClean="0"/>
-              <a:t>23</a:t>
+              <a:t>34</a:t>
             </a:fld>
             <a:endParaRPr lang="hu-HU"/>
           </a:p>
@@ -9016,7 +8857,7 @@
     </p:spTree>
     <p:extLst>
       <p:ext uri="{BB962C8B-B14F-4D97-AF65-F5344CB8AC3E}">
-        <p14:creationId xmlns:p14="http://schemas.microsoft.com/office/powerpoint/2010/main" val="3907698368"/>
+        <p14:creationId xmlns:p14="http://schemas.microsoft.com/office/powerpoint/2010/main" val="648826211"/>
       </p:ext>
     </p:extLst>
   </p:cSld>
@@ -9072,34 +8913,93 @@
           <a:p>
             <a:r>
               <a:rPr lang="hu-HU" dirty="0"/>
-              <a:t>A micella képződés és megszűnés  dinamikus egyensúlyi folyamat</a:t>
-            </a:r>
-          </a:p>
-          <a:p>
-            <a:endParaRPr lang="hu-HU" dirty="0"/>
-          </a:p>
-          <a:p>
-            <a:endParaRPr lang="hu-HU" dirty="0"/>
-          </a:p>
-          <a:p>
-            <a:pPr marL="0" indent="0">
-              <a:buNone/>
-            </a:pPr>
+              <a:t>Kritikus csomag paraméter (</a:t>
+            </a:r>
             <a:r>
               <a:rPr lang="hu-HU" dirty="0" err="1"/>
-              <a:t>Molukulák</a:t>
+              <a:t>crtical</a:t>
             </a:r>
             <a:r>
               <a:rPr lang="hu-HU" dirty="0"/>
-              <a:t> (vagy </a:t>
+              <a:t> </a:t>
             </a:r>
             <a:r>
               <a:rPr lang="hu-HU" dirty="0" err="1"/>
-              <a:t>ionoon</a:t>
+              <a:t>packing</a:t>
             </a:r>
             <a:r>
               <a:rPr lang="hu-HU" dirty="0"/>
-              <a:t>) lépnek ki a micellából illetve lépnek be a micellába</a:t>
+              <a:t> paraméter) használata  az aggregált szerkezet alakjának becsléséhez</a:t>
+            </a:r>
+          </a:p>
+          <a:p>
+            <a:r>
+              <a:rPr lang="hu-HU" dirty="0"/>
+              <a:t>Gömb alakú micellát alkossa n darab monomer</a:t>
+            </a:r>
+          </a:p>
+          <a:p>
+            <a:r>
+              <a:rPr lang="hu-HU" dirty="0"/>
+              <a:t>Micella térfogata:   4/3 π r</a:t>
+            </a:r>
+            <a:r>
+              <a:rPr lang="hu-HU" baseline="30000" dirty="0"/>
+              <a:t>3</a:t>
+            </a:r>
+            <a:r>
+              <a:rPr lang="hu-HU" dirty="0"/>
+              <a:t>= n v  ahol v egy molekula térfogata</a:t>
+            </a:r>
+          </a:p>
+          <a:p>
+            <a:r>
+              <a:rPr lang="hu-HU" dirty="0" err="1"/>
+              <a:t>Mcella</a:t>
+            </a:r>
+            <a:r>
+              <a:rPr lang="hu-HU" dirty="0"/>
+              <a:t> </a:t>
+            </a:r>
+            <a:r>
+              <a:rPr lang="hu-HU" dirty="0" err="1"/>
+              <a:t>felszine</a:t>
+            </a:r>
+            <a:r>
+              <a:rPr lang="hu-HU" dirty="0"/>
+              <a:t>: 4πr</a:t>
+            </a:r>
+            <a:r>
+              <a:rPr lang="hu-HU" baseline="30000" dirty="0"/>
+              <a:t>2</a:t>
+            </a:r>
+            <a:r>
+              <a:rPr lang="hu-HU" dirty="0"/>
+              <a:t>= n a</a:t>
+            </a:r>
+            <a:r>
+              <a:rPr lang="hu-HU" baseline="-25000" dirty="0"/>
+              <a:t>0</a:t>
+            </a:r>
+            <a:r>
+              <a:rPr lang="hu-HU" dirty="0"/>
+              <a:t> ahol a</a:t>
+            </a:r>
+            <a:r>
+              <a:rPr lang="hu-HU" baseline="-25000" dirty="0"/>
+              <a:t>0</a:t>
+            </a:r>
+            <a:r>
+              <a:rPr lang="hu-HU" dirty="0"/>
+              <a:t> a </a:t>
+            </a:r>
+            <a:r>
+              <a:rPr lang="hu-HU" dirty="0" err="1"/>
+              <a:t>hidrofiil</a:t>
+            </a:r>
+            <a:r>
+              <a:rPr lang="hu-HU" dirty="0"/>
+              <a:t> fej keresztmetszete</a:t>
             </a:r>
           </a:p>
           <a:p>
@@ -9124,7 +9024,7 @@
           <a:p>
             <a:fld id="{38E7A12A-EB9D-4E5F-B77B-601BCBADE65A}" type="slidenum">
               <a:rPr lang="hu-HU" smtClean="0"/>
-              <a:t>24</a:t>
+              <a:t>35</a:t>
             </a:fld>
             <a:endParaRPr lang="hu-HU"/>
           </a:p>
@@ -9133,7 +9033,7 @@
     </p:spTree>
     <p:extLst>
       <p:ext uri="{BB962C8B-B14F-4D97-AF65-F5344CB8AC3E}">
-        <p14:creationId xmlns:p14="http://schemas.microsoft.com/office/powerpoint/2010/main" val="1536238457"/>
+        <p14:creationId xmlns:p14="http://schemas.microsoft.com/office/powerpoint/2010/main" val="3679799113"/>
       </p:ext>
     </p:extLst>
   </p:cSld>
@@ -9187,81 +9087,101 @@
           <a:bodyPr/>
           <a:lstStyle/>
           <a:p>
-            <a:pPr marL="0" indent="0">
+            <a:r>
+              <a:rPr lang="hu-HU" dirty="0"/>
+              <a:t>A </a:t>
+            </a:r>
+            <a:r>
+              <a:rPr lang="hu-HU" dirty="0" err="1"/>
+              <a:t>szorófejes</a:t>
+            </a:r>
+            <a:r>
+              <a:rPr lang="hu-HU" dirty="0"/>
+              <a:t> cseppképzés esetén 2 határfelület  játszik fő </a:t>
+            </a:r>
+            <a:r>
+              <a:rPr lang="hu-HU" dirty="0" err="1"/>
+              <a:t>szerepetazok</a:t>
+            </a:r>
+            <a:r>
+              <a:rPr lang="hu-HU" dirty="0"/>
+              <a:t> kialakulásában illetve sorsában</a:t>
+            </a:r>
+          </a:p>
+          <a:p>
+            <a:pPr lvl="1"/>
+            <a:r>
+              <a:rPr lang="hu-HU" dirty="0"/>
+              <a:t>Permetlé/levegő határfelület</a:t>
+            </a:r>
+          </a:p>
+          <a:p>
+            <a:pPr lvl="1"/>
+            <a:r>
+              <a:rPr lang="hu-HU" dirty="0"/>
+              <a:t>Cseppecske/levél határfelület</a:t>
+            </a:r>
+          </a:p>
+          <a:p>
+            <a:pPr lvl="1"/>
+            <a:endParaRPr lang="hu-HU" dirty="0"/>
+          </a:p>
+          <a:p>
+            <a:pPr marL="457200" lvl="1" indent="0">
               <a:buNone/>
             </a:pPr>
             <a:r>
               <a:rPr lang="hu-HU" dirty="0"/>
-              <a:t>2 relaxációs  folyamat </a:t>
-            </a:r>
-            <a:r>
-              <a:rPr lang="hu-HU" dirty="0" err="1"/>
-              <a:t>különböztethető</a:t>
-            </a:r>
-            <a:r>
-              <a:rPr lang="hu-HU" dirty="0"/>
-              <a:t>  meg:</a:t>
-            </a:r>
-          </a:p>
-          <a:p>
-            <a:pPr marL="514350" indent="-514350">
-              <a:buAutoNum type="arabicParenR"/>
-            </a:pPr>
-            <a:r>
-              <a:rPr lang="hu-HU" dirty="0"/>
-              <a:t>rövid: 10</a:t>
-            </a:r>
-            <a:r>
-              <a:rPr lang="hu-HU" baseline="30000" dirty="0"/>
-              <a:t>-8</a:t>
-            </a:r>
-            <a:r>
-              <a:rPr lang="hu-HU" dirty="0"/>
-              <a:t> – 10</a:t>
-            </a:r>
-            <a:r>
-              <a:rPr lang="hu-HU" baseline="30000" dirty="0"/>
-              <a:t>-3</a:t>
-            </a:r>
-            <a:r>
-              <a:rPr lang="hu-HU" dirty="0"/>
-              <a:t> a monomer élettartama a micellában</a:t>
-            </a:r>
-          </a:p>
-          <a:p>
-            <a:pPr marL="514350" indent="-514350">
-              <a:buAutoNum type="arabicParenR"/>
-            </a:pPr>
-            <a:endParaRPr lang="hu-HU" dirty="0"/>
-          </a:p>
-          <a:p>
-            <a:pPr marL="0" indent="0">
+              <a:t>2 felületi feszültség: oldat/levegő felületi feszültség és szilárd/folyadék határfelületi feszültség  &gt;&gt;  kontakt szög mérés</a:t>
+            </a:r>
+          </a:p>
+          <a:p>
+            <a:pPr marL="457200" lvl="1" indent="0">
               <a:buNone/>
             </a:pPr>
             <a:endParaRPr lang="hu-HU" dirty="0"/>
           </a:p>
           <a:p>
-            <a:pPr marL="0" indent="0">
+            <a:pPr marL="457200" lvl="1" indent="0">
               <a:buNone/>
             </a:pPr>
             <a:r>
               <a:rPr lang="hu-HU" dirty="0"/>
-              <a:t>2)hosszú: 10</a:t>
-            </a:r>
-            <a:r>
-              <a:rPr lang="hu-HU" baseline="30000" dirty="0"/>
-              <a:t>-3 </a:t>
-            </a:r>
+              <a:t>Mindként feszültséget dinamikus feltéttelek mellett kell vizsgálni.</a:t>
+            </a:r>
+          </a:p>
+          <a:p>
+            <a:pPr marL="457200" lvl="1" indent="0">
+              <a:buNone/>
+            </a:pPr>
             <a:r>
               <a:rPr lang="hu-HU" dirty="0"/>
-              <a:t>– 1 sec a micella monomerekre történő disszociációja</a:t>
-            </a:r>
-          </a:p>
-          <a:p>
-            <a:pPr marL="514350" indent="-514350">
-              <a:buAutoNum type="arabicParenR"/>
-            </a:pPr>
-            <a:endParaRPr lang="hu-HU" dirty="0"/>
+              <a:t>A </a:t>
+            </a:r>
+            <a:r>
+              <a:rPr lang="hu-HU" dirty="0" err="1"/>
+              <a:t>tenzid</a:t>
+            </a:r>
+            <a:r>
+              <a:rPr lang="hu-HU" dirty="0"/>
+              <a:t> </a:t>
+            </a:r>
+            <a:r>
+              <a:rPr lang="hu-HU" dirty="0" err="1"/>
+              <a:t>tipusú</a:t>
+            </a:r>
+            <a:r>
+              <a:rPr lang="hu-HU" dirty="0"/>
+              <a:t> </a:t>
+            </a:r>
+            <a:r>
+              <a:rPr lang="hu-HU" dirty="0" err="1"/>
+              <a:t>adjuvánsok</a:t>
+            </a:r>
+            <a:r>
+              <a:rPr lang="hu-HU" dirty="0"/>
+              <a:t> mindkettőt befolyásolják</a:t>
+            </a:r>
           </a:p>
           <a:p>
             <a:endParaRPr lang="hu-HU" dirty="0"/>
@@ -9285,7 +9205,7 @@
           <a:p>
             <a:fld id="{38E7A12A-EB9D-4E5F-B77B-601BCBADE65A}" type="slidenum">
               <a:rPr lang="hu-HU" smtClean="0"/>
-              <a:t>25</a:t>
+              <a:t>37</a:t>
             </a:fld>
             <a:endParaRPr lang="hu-HU"/>
           </a:p>
@@ -9294,7 +9214,7 @@
     </p:spTree>
     <p:extLst>
       <p:ext uri="{BB962C8B-B14F-4D97-AF65-F5344CB8AC3E}">
-        <p14:creationId xmlns:p14="http://schemas.microsoft.com/office/powerpoint/2010/main" val="521725029"/>
+        <p14:creationId xmlns:p14="http://schemas.microsoft.com/office/powerpoint/2010/main" val="1030233896"/>
       </p:ext>
     </p:extLst>
   </p:cSld>
@@ -9350,52 +9270,65 @@
           <a:p>
             <a:r>
               <a:rPr lang="hu-HU" dirty="0"/>
-              <a:t>A gyakorlatban megfigyelték, hogy a dinamikus felületi feszültség gyakran  kisebb  magasabb </a:t>
+              <a:t>A </a:t>
             </a:r>
             <a:r>
               <a:rPr lang="hu-HU" dirty="0" err="1"/>
-              <a:t>etoxilálási</a:t>
+              <a:t>szorófej</a:t>
             </a:r>
             <a:r>
               <a:rPr lang="hu-HU" dirty="0"/>
-              <a:t> fok mellett. </a:t>
-            </a:r>
-          </a:p>
-          <a:p>
+              <a:t> </a:t>
+            </a:r>
+            <a:r>
+              <a:rPr lang="hu-HU" dirty="0" err="1"/>
+              <a:t>nyilásán</a:t>
+            </a:r>
             <a:r>
               <a:rPr lang="hu-HU" dirty="0"/>
-              <a:t>Nagyobb EO &gt;&gt; nagyobb </a:t>
+              <a:t> keresztül haladó permetlére erő hat: hidrosztatikus nyomás</a:t>
+            </a:r>
+          </a:p>
+          <a:p>
+            <a:r>
+              <a:rPr lang="hu-HU" dirty="0"/>
+              <a:t>Ha a cseppképzés ideje nagy (&gt; 1 perc) a csepp térfogata függ a felületi feszültségtől, a permetlé viszkozitásától és a </a:t>
             </a:r>
             <a:r>
               <a:rPr lang="hu-HU" dirty="0" err="1"/>
-              <a:t>cmc</a:t>
-            </a:r>
+              <a:t>nyilás</a:t>
+            </a:r>
+            <a:r>
+              <a:rPr lang="hu-HU" dirty="0"/>
+              <a:t> dimenzióitól de gyakorlatilag független az időtől  </a:t>
+            </a:r>
+          </a:p>
+          <a:p>
+            <a:pPr lvl="1"/>
+            <a:r>
+              <a:rPr lang="hu-HU" dirty="0"/>
+              <a:t>Ez az alapja  a </a:t>
+            </a:r>
+            <a:r>
+              <a:rPr lang="hu-HU" dirty="0" err="1"/>
+              <a:t>kapillárisos</a:t>
+            </a:r>
+            <a:r>
+              <a:rPr lang="hu-HU" dirty="0"/>
+              <a:t> felületi feszültség mérésnek</a:t>
+            </a:r>
+          </a:p>
+          <a:p>
+            <a:pPr lvl="1"/>
             <a:endParaRPr lang="hu-HU" dirty="0"/>
           </a:p>
           <a:p>
+            <a:pPr marL="457200" lvl="1" indent="0">
+              <a:buNone/>
+            </a:pPr>
             <a:r>
               <a:rPr lang="hu-HU" dirty="0"/>
-              <a:t>Anomália magyarázata:  kisebb micellákat képeznek: </a:t>
-            </a:r>
-            <a:r>
-              <a:rPr lang="hu-HU" dirty="0" err="1"/>
-              <a:t>aggregációs</a:t>
-            </a:r>
-            <a:r>
-              <a:rPr lang="hu-HU" dirty="0"/>
-              <a:t> szám,   asszociációs fok kisebb mint rövidebb EO lán esetén</a:t>
-            </a:r>
-          </a:p>
-          <a:p>
-            <a:r>
-              <a:rPr lang="hu-HU" dirty="0"/>
-              <a:t>Emiatt a micella élettartama kisebb</a:t>
-            </a:r>
-          </a:p>
-          <a:p>
-            <a:r>
-              <a:rPr lang="hu-HU" dirty="0"/>
-              <a:t>Igy magyarázható, hogy miért  lehet alacsonyabb a dinamikus felületi feszültség  hosszabb EO lánc esetén (ugyanazon koncentrációknál mérve)</a:t>
+              <a:t>Ha az időtartam rövid (&lt;1 perc): a csepp térfogat összetett módon függ a képződési időtől</a:t>
             </a:r>
           </a:p>
           <a:p>
@@ -9420,7 +9353,7 @@
           <a:p>
             <a:fld id="{38E7A12A-EB9D-4E5F-B77B-601BCBADE65A}" type="slidenum">
               <a:rPr lang="hu-HU" smtClean="0"/>
-              <a:t>27</a:t>
+              <a:t>39</a:t>
             </a:fld>
             <a:endParaRPr lang="hu-HU"/>
           </a:p>
@@ -9429,7 +9362,7 @@
     </p:spTree>
     <p:extLst>
       <p:ext uri="{BB962C8B-B14F-4D97-AF65-F5344CB8AC3E}">
-        <p14:creationId xmlns:p14="http://schemas.microsoft.com/office/powerpoint/2010/main" val="450798595"/>
+        <p14:creationId xmlns:p14="http://schemas.microsoft.com/office/powerpoint/2010/main" val="645073710"/>
       </p:ext>
     </p:extLst>
   </p:cSld>
@@ -9485,29 +9418,24 @@
           <a:p>
             <a:r>
               <a:rPr lang="hu-HU" dirty="0"/>
-              <a:t>1) ugyanazon ionos csoportot tartalmazók esetében a micella élettartama csökken a hidrofób </a:t>
+              <a:t>Amikor nagyon gyorsan halad át a folyadék a szórófej nyílásán</a:t>
+            </a:r>
+          </a:p>
+          <a:p>
+            <a:r>
+              <a:rPr lang="hu-HU" dirty="0"/>
+              <a:t>A folyadék-áram(JET) felbomlik cseppekre a felületi erők hatására amikor kilép a </a:t>
             </a:r>
             <a:r>
               <a:rPr lang="hu-HU" dirty="0" err="1"/>
-              <a:t>alkilánc</a:t>
-            </a:r>
+              <a:t>szorófejből</a:t>
+            </a:r>
+            <a:endParaRPr lang="hu-HU" dirty="0"/>
+          </a:p>
+          <a:p>
             <a:r>
               <a:rPr lang="hu-HU" dirty="0"/>
-              <a:t> hosszának csökkentésekor</a:t>
-            </a:r>
-          </a:p>
-          <a:p>
-            <a:r>
-              <a:rPr lang="hu-HU" dirty="0"/>
-              <a:t>2) az </a:t>
-            </a:r>
-            <a:r>
-              <a:rPr lang="hu-HU" dirty="0" err="1"/>
-              <a:t>alkil</a:t>
-            </a:r>
-            <a:r>
-              <a:rPr lang="hu-HU" dirty="0"/>
-              <a:t>-lánc elágazása  fontos szerephez jut a micella élettartamának alakulásában</a:t>
+              <a:t>A csepp felületi energiája kisebb mint a kevésbé szimmetrikus alakzaté (például henger)</a:t>
             </a:r>
           </a:p>
           <a:p>
@@ -9532,7 +9460,7 @@
           <a:p>
             <a:fld id="{38E7A12A-EB9D-4E5F-B77B-601BCBADE65A}" type="slidenum">
               <a:rPr lang="hu-HU" smtClean="0"/>
-              <a:t>28</a:t>
+              <a:t>40</a:t>
             </a:fld>
             <a:endParaRPr lang="hu-HU"/>
           </a:p>
@@ -9541,7 +9469,7 @@
     </p:spTree>
     <p:extLst>
       <p:ext uri="{BB962C8B-B14F-4D97-AF65-F5344CB8AC3E}">
-        <p14:creationId xmlns:p14="http://schemas.microsoft.com/office/powerpoint/2010/main" val="1557929727"/>
+        <p14:creationId xmlns:p14="http://schemas.microsoft.com/office/powerpoint/2010/main" val="3456449924"/>
       </p:ext>
     </p:extLst>
   </p:cSld>
@@ -9597,21 +9525,51 @@
           <a:p>
             <a:r>
               <a:rPr lang="hu-HU" dirty="0"/>
-              <a:t>Nemcsak a micella élettartama fontos, hanem a mérete is</a:t>
-            </a:r>
-          </a:p>
-          <a:p>
+              <a:t>Amikor a henger hossza (L) meghaladja  a kerületét (2</a:t>
+            </a:r>
+            <a:r>
+              <a:rPr lang="el-GR" dirty="0"/>
+              <a:t>π</a:t>
+            </a:r>
             <a:r>
               <a:rPr lang="hu-HU" dirty="0"/>
-              <a:t>Nagyobb micella méret jobb </a:t>
+              <a:t>r), akkor felbomlik cseppekre</a:t>
+            </a:r>
+          </a:p>
+          <a:p>
+            <a:r>
+              <a:rPr lang="hu-HU" dirty="0"/>
+              <a:t>Nagyon hosszú henger ( 9/2)*</a:t>
+            </a:r>
+            <a:r>
+              <a:rPr lang="el-GR" dirty="0"/>
+              <a:t>π</a:t>
+            </a:r>
+            <a:r>
+              <a:rPr lang="hu-HU" dirty="0"/>
+              <a:t> r</a:t>
+            </a:r>
+            <a:r>
+              <a:rPr lang="hu-HU" baseline="30000" dirty="0"/>
+              <a:t>3</a:t>
+            </a:r>
+            <a:r>
+              <a:rPr lang="hu-HU" dirty="0"/>
+              <a:t> térfogatú cseppekre osztódik</a:t>
+            </a:r>
+          </a:p>
+          <a:p>
+            <a:r>
+              <a:rPr lang="hu-HU" dirty="0"/>
+              <a:t>Két nem egyenlő méretű gömb összefelülete kisebb mint két egyenlő méretű azonos össztérfogat esetén: ezért </a:t>
             </a:r>
             <a:r>
               <a:rPr lang="hu-HU" dirty="0" err="1"/>
-              <a:t>szolubilizáló</a:t>
+              <a:t>polidiszperz</a:t>
             </a:r>
             <a:r>
               <a:rPr lang="hu-HU" dirty="0"/>
-              <a:t> képességet jelent</a:t>
+              <a:t> csepphalmaz kialakulása a valószínű</a:t>
             </a:r>
           </a:p>
           <a:p>
@@ -9636,7 +9594,7 @@
           <a:p>
             <a:fld id="{38E7A12A-EB9D-4E5F-B77B-601BCBADE65A}" type="slidenum">
               <a:rPr lang="hu-HU" smtClean="0"/>
-              <a:t>29</a:t>
+              <a:t>41</a:t>
             </a:fld>
             <a:endParaRPr lang="hu-HU"/>
           </a:p>
@@ -9645,7 +9603,7 @@
     </p:spTree>
     <p:extLst>
       <p:ext uri="{BB962C8B-B14F-4D97-AF65-F5344CB8AC3E}">
-        <p14:creationId xmlns:p14="http://schemas.microsoft.com/office/powerpoint/2010/main" val="2269926282"/>
+        <p14:creationId xmlns:p14="http://schemas.microsoft.com/office/powerpoint/2010/main" val="1241487033"/>
       </p:ext>
     </p:extLst>
   </p:cSld>
@@ -9701,43 +9659,44 @@
           <a:p>
             <a:r>
               <a:rPr lang="hu-HU" dirty="0"/>
-              <a:t>A felületen  levő  permetcsepp párolgás következtében </a:t>
-            </a:r>
+              <a:t>A cseppspektrum „szabályozása” fontos:</a:t>
+            </a:r>
+          </a:p>
+          <a:p>
+            <a:pPr lvl="1"/>
+            <a:r>
+              <a:rPr lang="hu-HU" dirty="0"/>
+              <a:t>A megfelelő adhézió biztosításáért</a:t>
+            </a:r>
+          </a:p>
+          <a:p>
+            <a:pPr lvl="1"/>
+            <a:r>
+              <a:rPr lang="hu-HU" dirty="0"/>
+              <a:t>A megfelelő retencióért</a:t>
+            </a:r>
+          </a:p>
+          <a:p>
+            <a:pPr lvl="1"/>
+            <a:r>
+              <a:rPr lang="hu-HU" dirty="0"/>
+              <a:t>Az elsodródás  megelőzéséért</a:t>
+            </a:r>
+          </a:p>
+          <a:p>
+            <a:pPr lvl="1"/>
+            <a:endParaRPr lang="hu-HU" dirty="0"/>
+          </a:p>
+          <a:p>
+            <a:pPr lvl="1"/>
             <a:r>
               <a:rPr lang="hu-HU" dirty="0" err="1"/>
-              <a:t>betöményedik</a:t>
+              <a:t>Tenzidekkel</a:t>
             </a:r>
             <a:r>
               <a:rPr lang="hu-HU" dirty="0"/>
-              <a:t> </a:t>
-            </a:r>
-            <a:r>
-              <a:rPr lang="hu-HU" dirty="0" err="1"/>
-              <a:t>tenzidre</a:t>
-            </a:r>
-            <a:r>
-              <a:rPr lang="hu-HU" dirty="0"/>
-              <a:t> nézve is</a:t>
-            </a:r>
-          </a:p>
-          <a:p>
-            <a:r>
-              <a:rPr lang="hu-HU" dirty="0"/>
-              <a:t>Magas </a:t>
-            </a:r>
-            <a:r>
-              <a:rPr lang="hu-HU" dirty="0" err="1"/>
-              <a:t>tenzid</a:t>
-            </a:r>
-            <a:r>
-              <a:rPr lang="hu-HU" dirty="0"/>
-              <a:t> koncentráció esetén különböző folyékony kristályos fázisok képződnek: hexagonális, köbös, </a:t>
-            </a:r>
-            <a:r>
-              <a:rPr lang="hu-HU" dirty="0" err="1"/>
-              <a:t>lamelláris</a:t>
-            </a:r>
-            <a:endParaRPr lang="hu-HU" dirty="0"/>
+              <a:t> és polimerekkel szabályozhatjuk a cseppspektrumot</a:t>
+            </a:r>
           </a:p>
           <a:p>
             <a:endParaRPr lang="hu-HU" dirty="0"/>
@@ -9761,7 +9720,7 @@
           <a:p>
             <a:fld id="{38E7A12A-EB9D-4E5F-B77B-601BCBADE65A}" type="slidenum">
               <a:rPr lang="hu-HU" smtClean="0"/>
-              <a:t>31</a:t>
+              <a:t>43</a:t>
             </a:fld>
             <a:endParaRPr lang="hu-HU"/>
           </a:p>
@@ -9770,7 +9729,7 @@
     </p:spTree>
     <p:extLst>
       <p:ext uri="{BB962C8B-B14F-4D97-AF65-F5344CB8AC3E}">
-        <p14:creationId xmlns:p14="http://schemas.microsoft.com/office/powerpoint/2010/main" val="1824166550"/>
+        <p14:creationId xmlns:p14="http://schemas.microsoft.com/office/powerpoint/2010/main" val="385274646"/>
       </p:ext>
     </p:extLst>
   </p:cSld>
@@ -9826,56 +9785,49 @@
           <a:p>
             <a:r>
               <a:rPr lang="hu-HU" dirty="0"/>
-              <a:t>a </a:t>
+              <a:t>A </a:t>
             </a:r>
             <a:r>
               <a:rPr lang="hu-HU" dirty="0" err="1"/>
-              <a:t>deposit</a:t>
+              <a:t>tenzid</a:t>
             </a:r>
             <a:r>
               <a:rPr lang="hu-HU" dirty="0"/>
-              <a:t> (lerakódás)  kialakulásában, az esőállóságban  (tartósság) és a hatóanyag </a:t>
+              <a:t> csökkenti a felületi feszültséget</a:t>
+            </a:r>
+          </a:p>
+          <a:p>
+            <a:r>
+              <a:rPr lang="hu-HU" dirty="0"/>
+              <a:t>Ez kisebb cseppek kialakulását lehetővé teszi</a:t>
+            </a:r>
+          </a:p>
+          <a:p>
+            <a:r>
+              <a:rPr lang="hu-HU" dirty="0"/>
+              <a:t>A cseppátmerő egyenesen arányos  a folyadék felületi feszültségével</a:t>
+            </a:r>
+          </a:p>
+          <a:p>
+            <a:r>
+              <a:rPr lang="hu-HU" dirty="0"/>
+              <a:t>A cseppképzés nagyon gyors: ezért dinamikus effektusokat kell figyelembe venni  (</a:t>
             </a:r>
             <a:r>
               <a:rPr lang="hu-HU" dirty="0" err="1"/>
-              <a:t>szolubilizációjában</a:t>
-            </a:r>
-            <a:endParaRPr lang="hu-HU" dirty="0"/>
-          </a:p>
-          <a:p>
+              <a:t>tenzid</a:t>
+            </a:r>
             <a:r>
               <a:rPr lang="hu-HU" dirty="0"/>
-              <a:t>A </a:t>
+              <a:t> molekulák adszorpciójának és </a:t>
             </a:r>
             <a:r>
               <a:rPr lang="hu-HU" dirty="0" err="1"/>
-              <a:t>szolubilizácó</a:t>
+              <a:t>diffuziójának</a:t>
             </a:r>
             <a:r>
               <a:rPr lang="hu-HU" dirty="0"/>
-              <a:t> a hatóanyag molekuláinak </a:t>
-            </a:r>
-            <a:r>
-              <a:rPr lang="hu-HU" dirty="0" err="1"/>
-              <a:t>aktiv</a:t>
-            </a:r>
-            <a:r>
-              <a:rPr lang="hu-HU" dirty="0"/>
-              <a:t> transzportjában fontos, </a:t>
-            </a:r>
-          </a:p>
-          <a:p>
-            <a:r>
-              <a:rPr lang="hu-HU" dirty="0"/>
-              <a:t>ez a transzport a </a:t>
-            </a:r>
-            <a:r>
-              <a:rPr lang="hu-HU" dirty="0" err="1"/>
-              <a:t>sisztemikus</a:t>
-            </a:r>
-            <a:r>
-              <a:rPr lang="hu-HU" dirty="0"/>
-              <a:t> hatású hatóanyagoknál  alapvető</a:t>
+              <a:t> sebessége)</a:t>
             </a:r>
           </a:p>
           <a:p>
@@ -9900,7 +9852,7 @@
           <a:p>
             <a:fld id="{38E7A12A-EB9D-4E5F-B77B-601BCBADE65A}" type="slidenum">
               <a:rPr lang="hu-HU" smtClean="0"/>
-              <a:t>32</a:t>
+              <a:t>44</a:t>
             </a:fld>
             <a:endParaRPr lang="hu-HU"/>
           </a:p>
@@ -9909,7 +9861,7 @@
     </p:spTree>
     <p:extLst>
       <p:ext uri="{BB962C8B-B14F-4D97-AF65-F5344CB8AC3E}">
-        <p14:creationId xmlns:p14="http://schemas.microsoft.com/office/powerpoint/2010/main" val="4213765929"/>
+        <p14:creationId xmlns:p14="http://schemas.microsoft.com/office/powerpoint/2010/main" val="4256902504"/>
       </p:ext>
     </p:extLst>
   </p:cSld>
@@ -9965,35 +9917,22 @@
           <a:p>
             <a:r>
               <a:rPr lang="hu-HU" dirty="0"/>
-              <a:t>Fluid megjelenés</a:t>
-            </a:r>
-          </a:p>
-          <a:p>
+              <a:t>Nem egyszerűen csak a molekulaméret (monomer)  (</a:t>
+            </a:r>
+            <a:r>
+              <a:rPr lang="hu-HU" dirty="0" err="1"/>
+              <a:t>diffuziós</a:t>
+            </a:r>
             <a:r>
               <a:rPr lang="hu-HU" dirty="0"/>
-              <a:t>Rendszerint magas viszkozitás</a:t>
+              <a:t> koefficiens) hanem a micellák élettartama az oldatban is jelentős szerepel bír.</a:t>
             </a:r>
           </a:p>
           <a:p>
             <a:r>
               <a:rPr lang="hu-HU" dirty="0"/>
-              <a:t>Röntgen vizsgálatok szerint rendezettebb szerkezetűek mint a közönséges folyadékok</a:t>
-            </a:r>
-          </a:p>
-          <a:p>
-            <a:r>
-              <a:rPr lang="hu-HU" dirty="0" err="1"/>
-              <a:t>Reologiailag</a:t>
-            </a:r>
-            <a:r>
-              <a:rPr lang="hu-HU" dirty="0"/>
-              <a:t> </a:t>
-            </a:r>
-            <a:r>
-              <a:rPr lang="hu-HU" dirty="0" err="1"/>
-              <a:t>viszkoelasztikusak</a:t>
-            </a:r>
-            <a:endParaRPr lang="hu-HU" dirty="0"/>
+              <a:t>Rövidebb élettartam a monomerek gyorsabb rendelkezésre állását jelenti ez pedig  a felületi feszültség gyorsabb csökkenéséhez vezet</a:t>
+            </a:r>
           </a:p>
           <a:p>
             <a:endParaRPr lang="hu-HU" dirty="0"/>
@@ -10017,7 +9956,7 @@
           <a:p>
             <a:fld id="{38E7A12A-EB9D-4E5F-B77B-601BCBADE65A}" type="slidenum">
               <a:rPr lang="hu-HU" smtClean="0"/>
-              <a:t>33</a:t>
+              <a:t>45</a:t>
             </a:fld>
             <a:endParaRPr lang="hu-HU"/>
           </a:p>
@@ -10026,7 +9965,7 @@
     </p:spTree>
     <p:extLst>
       <p:ext uri="{BB962C8B-B14F-4D97-AF65-F5344CB8AC3E}">
-        <p14:creationId xmlns:p14="http://schemas.microsoft.com/office/powerpoint/2010/main" val="275300806"/>
+        <p14:creationId xmlns:p14="http://schemas.microsoft.com/office/powerpoint/2010/main" val="1793464416"/>
       </p:ext>
     </p:extLst>
   </p:cSld>
@@ -10082,43 +10021,100 @@
           <a:p>
             <a:r>
               <a:rPr lang="hu-HU" dirty="0"/>
-              <a:t>1)hexagonális fázis</a:t>
-            </a:r>
-          </a:p>
-          <a:p>
+              <a:t>Magasabb </a:t>
+            </a:r>
+            <a:r>
+              <a:rPr lang="hu-HU" dirty="0" err="1"/>
+              <a:t>cmc-jű</a:t>
+            </a:r>
             <a:r>
               <a:rPr lang="hu-HU" dirty="0"/>
-              <a:t>2) </a:t>
+              <a:t> (nagyobb HLB-</a:t>
             </a:r>
             <a:r>
               <a:rPr lang="hu-HU" dirty="0" err="1"/>
-              <a:t>Micellaris</a:t>
+              <a:t>jű</a:t>
             </a:r>
             <a:r>
               <a:rPr lang="hu-HU" dirty="0"/>
-              <a:t> (</a:t>
+              <a:t>) </a:t>
             </a:r>
             <a:r>
               <a:rPr lang="hu-HU" dirty="0" err="1"/>
-              <a:t>Cubic</a:t>
+              <a:t>tenzid</a:t>
             </a:r>
             <a:r>
               <a:rPr lang="hu-HU" dirty="0"/>
-              <a:t>) fázis</a:t>
+              <a:t> hatásosabb lehet a felületi </a:t>
             </a:r>
           </a:p>
           <a:p>
             <a:r>
               <a:rPr lang="hu-HU" dirty="0"/>
-              <a:t>3) </a:t>
+              <a:t>Feszültség csökkentésében mint az alacsonyabb </a:t>
             </a:r>
             <a:r>
               <a:rPr lang="hu-HU" dirty="0" err="1"/>
-              <a:t>Lamelláris</a:t>
-            </a:r>
+              <a:t>cmc-jű</a:t>
+            </a:r>
+            <a:endParaRPr lang="hu-HU" dirty="0"/>
+          </a:p>
+          <a:p>
             <a:r>
               <a:rPr lang="hu-HU" dirty="0"/>
-              <a:t> fázis </a:t>
+              <a:t>Ha a </a:t>
+            </a:r>
+            <a:r>
+              <a:rPr lang="hu-HU" dirty="0" err="1"/>
+              <a:t>tenzid</a:t>
+            </a:r>
+            <a:r>
+              <a:rPr lang="hu-HU" dirty="0"/>
+              <a:t> réteg képződésének (adszorpciójának) ideje hosszabb mint a folyadék cseppekre történő felbomlásának ideje, akkor a külön hozzáadott </a:t>
+            </a:r>
+            <a:r>
+              <a:rPr lang="hu-HU" dirty="0" err="1"/>
+              <a:t>tenzid</a:t>
+            </a:r>
+            <a:r>
+              <a:rPr lang="hu-HU" dirty="0"/>
+              <a:t>  kis hatással </a:t>
+            </a:r>
+            <a:r>
+              <a:rPr lang="hu-HU" dirty="0" err="1"/>
+              <a:t>bir</a:t>
+            </a:r>
+            <a:r>
+              <a:rPr lang="hu-HU" dirty="0"/>
+              <a:t> a cseppspektrumra</a:t>
+            </a:r>
+          </a:p>
+          <a:p>
+            <a:r>
+              <a:rPr lang="hu-HU" dirty="0"/>
+              <a:t>A </a:t>
+            </a:r>
+            <a:r>
+              <a:rPr lang="hu-HU" dirty="0" err="1"/>
+              <a:t>tenzid</a:t>
+            </a:r>
+            <a:r>
+              <a:rPr lang="hu-HU" dirty="0"/>
+              <a:t> molekula gyorsabb adszorpciója  nagyobb </a:t>
+            </a:r>
+            <a:r>
+              <a:rPr lang="hu-HU" dirty="0" err="1"/>
+              <a:t>hatáásal</a:t>
+            </a:r>
+            <a:r>
+              <a:rPr lang="hu-HU" dirty="0"/>
+              <a:t> befolyásolja spektrumot</a:t>
+            </a:r>
+          </a:p>
+          <a:p>
+            <a:r>
+              <a:rPr lang="hu-HU" dirty="0"/>
+              <a:t>Finomabb cseppspektrumhoz megfelelően alacsony dinamikus felületi feszültség kell</a:t>
             </a:r>
           </a:p>
           <a:p>
@@ -10143,7 +10139,7 @@
           <a:p>
             <a:fld id="{38E7A12A-EB9D-4E5F-B77B-601BCBADE65A}" type="slidenum">
               <a:rPr lang="hu-HU" smtClean="0"/>
-              <a:t>34</a:t>
+              <a:t>46</a:t>
             </a:fld>
             <a:endParaRPr lang="hu-HU"/>
           </a:p>
@@ -10152,7 +10148,7 @@
     </p:spTree>
     <p:extLst>
       <p:ext uri="{BB962C8B-B14F-4D97-AF65-F5344CB8AC3E}">
-        <p14:creationId xmlns:p14="http://schemas.microsoft.com/office/powerpoint/2010/main" val="648826211"/>
+        <p14:creationId xmlns:p14="http://schemas.microsoft.com/office/powerpoint/2010/main" val="3270802669"/>
       </p:ext>
     </p:extLst>
   </p:cSld>
@@ -10332,11 +10328,42 @@
           <a:p>
             <a:r>
               <a:rPr lang="hu-HU" dirty="0"/>
-              <a:t>Kritikus csomag paraméter (</a:t>
+              <a:t>Meghatározható maximum buboréknyomás módszerrel</a:t>
+            </a:r>
+          </a:p>
+          <a:p>
+            <a:endParaRPr lang="hu-HU" dirty="0"/>
+          </a:p>
+          <a:p>
+            <a:r>
+              <a:rPr lang="hu-HU" dirty="0"/>
+              <a:t>Gyors </a:t>
             </a:r>
             <a:r>
               <a:rPr lang="hu-HU" dirty="0" err="1"/>
-              <a:t>crtical</a:t>
+              <a:t>jet</a:t>
+            </a:r>
+            <a:r>
+              <a:rPr lang="hu-HU" dirty="0"/>
+              <a:t>  (sugár)esetén  a szituáció nagyon komplex, összetett lehet</a:t>
+            </a:r>
+          </a:p>
+          <a:p>
+            <a:r>
+              <a:rPr lang="hu-HU" dirty="0"/>
+              <a:t>A </a:t>
+            </a:r>
+            <a:r>
+              <a:rPr lang="hu-HU" dirty="0" err="1"/>
+              <a:t>tenzid</a:t>
+            </a:r>
+            <a:r>
+              <a:rPr lang="hu-HU" dirty="0"/>
+              <a:t> molekulák gyors adszorpciója nélkülözhetetlen különösen a </a:t>
+            </a:r>
+            <a:r>
+              <a:rPr lang="hu-HU" dirty="0" err="1"/>
+              <a:t>a</a:t>
             </a:r>
             <a:r>
               <a:rPr lang="hu-HU" dirty="0"/>
@@ -10344,81 +10371,31 @@
             </a:r>
             <a:r>
               <a:rPr lang="hu-HU" dirty="0" err="1"/>
-              <a:t>packing</a:t>
+              <a:t>fuvókábó</a:t>
             </a:r>
             <a:r>
               <a:rPr lang="hu-HU" dirty="0"/>
-              <a:t> paraméter) használata  az aggregált szerkezet alakjának becsléséhez</a:t>
-            </a:r>
-          </a:p>
-          <a:p>
+              <a:t>(</a:t>
+            </a:r>
+            <a:r>
+              <a:rPr lang="hu-HU" dirty="0" err="1"/>
+              <a:t>szorófejből</a:t>
+            </a:r>
             <a:r>
               <a:rPr lang="hu-HU" dirty="0"/>
-              <a:t>Gömb alakú micellát alkossa n darab monomer</a:t>
+              <a:t>) kilépő gyors folyadéksugarak esetén </a:t>
             </a:r>
           </a:p>
           <a:p>
             <a:r>
               <a:rPr lang="hu-HU" dirty="0"/>
-              <a:t>Micella térfogata:   4/3 π r</a:t>
-            </a:r>
-            <a:r>
-              <a:rPr lang="hu-HU" baseline="30000" dirty="0"/>
-              <a:t>3</a:t>
-            </a:r>
+              <a:t>A molekuláknak gyorsan szét kell oszlaniuk, terülniük a sugár még burkolatlan  részein</a:t>
+            </a:r>
+          </a:p>
+          <a:p>
             <a:r>
               <a:rPr lang="hu-HU" dirty="0"/>
-              <a:t>= n v  ahol v egy molekula térfogata</a:t>
-            </a:r>
-          </a:p>
-          <a:p>
-            <a:r>
-              <a:rPr lang="hu-HU" dirty="0" err="1"/>
-              <a:t>Mcella</a:t>
-            </a:r>
-            <a:r>
-              <a:rPr lang="hu-HU" dirty="0"/>
-              <a:t> </a:t>
-            </a:r>
-            <a:r>
-              <a:rPr lang="hu-HU" dirty="0" err="1"/>
-              <a:t>felszine</a:t>
-            </a:r>
-            <a:r>
-              <a:rPr lang="hu-HU" dirty="0"/>
-              <a:t>: 4πr</a:t>
-            </a:r>
-            <a:r>
-              <a:rPr lang="hu-HU" baseline="30000" dirty="0"/>
-              <a:t>2</a:t>
-            </a:r>
-            <a:r>
-              <a:rPr lang="hu-HU" dirty="0"/>
-              <a:t>= n a</a:t>
-            </a:r>
-            <a:r>
-              <a:rPr lang="hu-HU" baseline="-25000" dirty="0"/>
-              <a:t>0</a:t>
-            </a:r>
-            <a:r>
-              <a:rPr lang="hu-HU" dirty="0"/>
-              <a:t> ahol a</a:t>
-            </a:r>
-            <a:r>
-              <a:rPr lang="hu-HU" baseline="-25000" dirty="0"/>
-              <a:t>0</a:t>
-            </a:r>
-            <a:r>
-              <a:rPr lang="hu-HU" dirty="0"/>
-              <a:t> a </a:t>
-            </a:r>
-            <a:r>
-              <a:rPr lang="hu-HU" dirty="0" err="1"/>
-              <a:t>hidrofiil</a:t>
-            </a:r>
-            <a:r>
-              <a:rPr lang="hu-HU" dirty="0"/>
-              <a:t> fej keresztmetszete</a:t>
+              <a:t>. Ez a MARANGONI  effektus egy formája)</a:t>
             </a:r>
           </a:p>
           <a:p>
@@ -10443,7 +10420,7 @@
           <a:p>
             <a:fld id="{38E7A12A-EB9D-4E5F-B77B-601BCBADE65A}" type="slidenum">
               <a:rPr lang="hu-HU" smtClean="0"/>
-              <a:t>35</a:t>
+              <a:t>47</a:t>
             </a:fld>
             <a:endParaRPr lang="hu-HU"/>
           </a:p>
@@ -10452,7 +10429,7 @@
     </p:spTree>
     <p:extLst>
       <p:ext uri="{BB962C8B-B14F-4D97-AF65-F5344CB8AC3E}">
-        <p14:creationId xmlns:p14="http://schemas.microsoft.com/office/powerpoint/2010/main" val="3679799113"/>
+        <p14:creationId xmlns:p14="http://schemas.microsoft.com/office/powerpoint/2010/main" val="3053082846"/>
       </p:ext>
     </p:extLst>
   </p:cSld>
@@ -10508,98 +10485,27 @@
           <a:p>
             <a:r>
               <a:rPr lang="hu-HU" dirty="0"/>
-              <a:t>A </a:t>
+              <a:t>A magas molekulatömegű polimerek </a:t>
             </a:r>
             <a:r>
               <a:rPr lang="hu-HU" dirty="0" err="1"/>
-              <a:t>szorófejes</a:t>
+              <a:t>elsodrodást</a:t>
             </a:r>
             <a:r>
               <a:rPr lang="hu-HU" dirty="0"/>
-              <a:t> cseppképzés esetén 2 határfelület  játszik fő </a:t>
-            </a:r>
-            <a:r>
-              <a:rPr lang="hu-HU" dirty="0" err="1"/>
-              <a:t>szerepetazok</a:t>
-            </a:r>
+              <a:t> gátló hatással rendelkeznek</a:t>
+            </a:r>
+          </a:p>
+          <a:p>
             <a:r>
               <a:rPr lang="hu-HU" dirty="0"/>
-              <a:t> kialakulásában illetve sorsában</a:t>
-            </a:r>
-          </a:p>
-          <a:p>
-            <a:pPr lvl="1"/>
+              <a:t>A vízoldható magas molekulatömegű polimerek nagyobb cseppek képződésének kedveznek</a:t>
+            </a:r>
+          </a:p>
+          <a:p>
             <a:r>
               <a:rPr lang="hu-HU" dirty="0"/>
-              <a:t>Permetlé/levegő határfelület</a:t>
-            </a:r>
-          </a:p>
-          <a:p>
-            <a:pPr lvl="1"/>
-            <a:r>
-              <a:rPr lang="hu-HU" dirty="0"/>
-              <a:t>Cseppecske/levél határfelület</a:t>
-            </a:r>
-          </a:p>
-          <a:p>
-            <a:pPr lvl="1"/>
-            <a:endParaRPr lang="hu-HU" dirty="0"/>
-          </a:p>
-          <a:p>
-            <a:pPr marL="457200" lvl="1" indent="0">
-              <a:buNone/>
-            </a:pPr>
-            <a:r>
-              <a:rPr lang="hu-HU" dirty="0"/>
-              <a:t>2 felületi feszültség: oldat/levegő felületi feszültség és szilárd/folyadék határfelületi feszültség  &gt;&gt;  kontakt szög mérés</a:t>
-            </a:r>
-          </a:p>
-          <a:p>
-            <a:pPr marL="457200" lvl="1" indent="0">
-              <a:buNone/>
-            </a:pPr>
-            <a:endParaRPr lang="hu-HU" dirty="0"/>
-          </a:p>
-          <a:p>
-            <a:pPr marL="457200" lvl="1" indent="0">
-              <a:buNone/>
-            </a:pPr>
-            <a:r>
-              <a:rPr lang="hu-HU" dirty="0"/>
-              <a:t>Mindként feszültséget dinamikus feltéttelek mellett kell vizsgálni.</a:t>
-            </a:r>
-          </a:p>
-          <a:p>
-            <a:pPr marL="457200" lvl="1" indent="0">
-              <a:buNone/>
-            </a:pPr>
-            <a:r>
-              <a:rPr lang="hu-HU" dirty="0"/>
-              <a:t>A </a:t>
-            </a:r>
-            <a:r>
-              <a:rPr lang="hu-HU" dirty="0" err="1"/>
-              <a:t>tenzid</a:t>
-            </a:r>
-            <a:r>
-              <a:rPr lang="hu-HU" dirty="0"/>
-              <a:t> </a:t>
-            </a:r>
-            <a:r>
-              <a:rPr lang="hu-HU" dirty="0" err="1"/>
-              <a:t>tipusú</a:t>
-            </a:r>
-            <a:r>
-              <a:rPr lang="hu-HU" dirty="0"/>
-              <a:t> </a:t>
-            </a:r>
-            <a:r>
-              <a:rPr lang="hu-HU" dirty="0" err="1"/>
-              <a:t>adjuvánsok</a:t>
-            </a:r>
-            <a:r>
-              <a:rPr lang="hu-HU" dirty="0"/>
-              <a:t> mindkettőt befolyásolják</a:t>
+              <a:t>Ok: viszkozitás  gyors  növekedése  amint a polimer koncentráció  elegendően nagy ahhoz ,hogy a polimer láncok elkezdjenek átfedésbe kerülni: ez egy kritikus polimer koncentráció</a:t>
             </a:r>
           </a:p>
           <a:p>
@@ -10624,7 +10530,7 @@
           <a:p>
             <a:fld id="{38E7A12A-EB9D-4E5F-B77B-601BCBADE65A}" type="slidenum">
               <a:rPr lang="hu-HU" smtClean="0"/>
-              <a:t>37</a:t>
+              <a:t>50</a:t>
             </a:fld>
             <a:endParaRPr lang="hu-HU"/>
           </a:p>
@@ -10633,1098 +10539,7 @@
     </p:spTree>
     <p:extLst>
       <p:ext uri="{BB962C8B-B14F-4D97-AF65-F5344CB8AC3E}">
-        <p14:creationId xmlns:p14="http://schemas.microsoft.com/office/powerpoint/2010/main" val="1030233896"/>
-      </p:ext>
-    </p:extLst>
-  </p:cSld>
-  <p:clrMapOvr>
-    <a:masterClrMapping/>
-  </p:clrMapOvr>
-</p:notes>
-</file>
-
-<file path=ppt/notesSlides/notesSlide32.xml><?xml version="1.0" encoding="utf-8"?>
-<p:notes xmlns:a="http://schemas.openxmlformats.org/drawingml/2006/main" xmlns:r="http://schemas.openxmlformats.org/officeDocument/2006/relationships" xmlns:p="http://schemas.openxmlformats.org/presentationml/2006/main">
-  <p:cSld>
-    <p:spTree>
-      <p:nvGrpSpPr>
-        <p:cNvPr id="1" name=""/>
-        <p:cNvGrpSpPr/>
-        <p:nvPr/>
-      </p:nvGrpSpPr>
-      <p:grpSpPr>
-        <a:xfrm>
-          <a:off x="0" y="0"/>
-          <a:ext cx="0" cy="0"/>
-          <a:chOff x="0" y="0"/>
-          <a:chExt cx="0" cy="0"/>
-        </a:xfrm>
-      </p:grpSpPr>
-      <p:sp>
-        <p:nvSpPr>
-          <p:cNvPr id="2" name="Diakép helye 1"/>
-          <p:cNvSpPr>
-            <a:spLocks noGrp="1" noRot="1" noChangeAspect="1"/>
-          </p:cNvSpPr>
-          <p:nvPr>
-            <p:ph type="sldImg"/>
-          </p:nvPr>
-        </p:nvSpPr>
-        <p:spPr/>
-      </p:sp>
-      <p:sp>
-        <p:nvSpPr>
-          <p:cNvPr id="3" name="Jegyzetek helye 2"/>
-          <p:cNvSpPr>
-            <a:spLocks noGrp="1"/>
-          </p:cNvSpPr>
-          <p:nvPr>
-            <p:ph type="body" idx="1"/>
-          </p:nvPr>
-        </p:nvSpPr>
-        <p:spPr/>
-        <p:txBody>
-          <a:bodyPr/>
-          <a:lstStyle/>
-          <a:p>
-            <a:r>
-              <a:rPr lang="hu-HU" dirty="0"/>
-              <a:t>A </a:t>
-            </a:r>
-            <a:r>
-              <a:rPr lang="hu-HU" dirty="0" err="1"/>
-              <a:t>szorófej</a:t>
-            </a:r>
-            <a:r>
-              <a:rPr lang="hu-HU" dirty="0"/>
-              <a:t> </a:t>
-            </a:r>
-            <a:r>
-              <a:rPr lang="hu-HU" dirty="0" err="1"/>
-              <a:t>nyilásán</a:t>
-            </a:r>
-            <a:r>
-              <a:rPr lang="hu-HU" dirty="0"/>
-              <a:t> keresztül haladó permetlére erő hat: hidrosztatikus nyomás</a:t>
-            </a:r>
-          </a:p>
-          <a:p>
-            <a:r>
-              <a:rPr lang="hu-HU" dirty="0"/>
-              <a:t>Ha a cseppképzés ideje nagy (&gt; 1 perc) a csepp térfogata függ a felületi feszültségtől, a permetlé viszkozitásától és a </a:t>
-            </a:r>
-            <a:r>
-              <a:rPr lang="hu-HU" dirty="0" err="1"/>
-              <a:t>nyilás</a:t>
-            </a:r>
-            <a:r>
-              <a:rPr lang="hu-HU" dirty="0"/>
-              <a:t> dimenzióitól de gyakorlatilag független az időtől  </a:t>
-            </a:r>
-          </a:p>
-          <a:p>
-            <a:pPr lvl="1"/>
-            <a:r>
-              <a:rPr lang="hu-HU" dirty="0"/>
-              <a:t>Ez az alapja  a </a:t>
-            </a:r>
-            <a:r>
-              <a:rPr lang="hu-HU" dirty="0" err="1"/>
-              <a:t>kapillárisos</a:t>
-            </a:r>
-            <a:r>
-              <a:rPr lang="hu-HU" dirty="0"/>
-              <a:t> felületi feszültség mérésnek</a:t>
-            </a:r>
-          </a:p>
-          <a:p>
-            <a:pPr lvl="1"/>
-            <a:endParaRPr lang="hu-HU" dirty="0"/>
-          </a:p>
-          <a:p>
-            <a:pPr marL="457200" lvl="1" indent="0">
-              <a:buNone/>
-            </a:pPr>
-            <a:r>
-              <a:rPr lang="hu-HU" dirty="0"/>
-              <a:t>Ha az időtartam rövid (&lt;1 perc): a csepp térfogat összetett módon függ a képződési időtől</a:t>
-            </a:r>
-          </a:p>
-          <a:p>
-            <a:endParaRPr lang="hu-HU" dirty="0"/>
-          </a:p>
-        </p:txBody>
-      </p:sp>
-      <p:sp>
-        <p:nvSpPr>
-          <p:cNvPr id="4" name="Dia számának helye 3"/>
-          <p:cNvSpPr>
-            <a:spLocks noGrp="1"/>
-          </p:cNvSpPr>
-          <p:nvPr>
-            <p:ph type="sldNum" sz="quarter" idx="5"/>
-          </p:nvPr>
-        </p:nvSpPr>
-        <p:spPr/>
-        <p:txBody>
-          <a:bodyPr/>
-          <a:lstStyle/>
-          <a:p>
-            <a:fld id="{38E7A12A-EB9D-4E5F-B77B-601BCBADE65A}" type="slidenum">
-              <a:rPr lang="hu-HU" smtClean="0"/>
-              <a:t>39</a:t>
-            </a:fld>
-            <a:endParaRPr lang="hu-HU"/>
-          </a:p>
-        </p:txBody>
-      </p:sp>
-    </p:spTree>
-    <p:extLst>
-      <p:ext uri="{BB962C8B-B14F-4D97-AF65-F5344CB8AC3E}">
-        <p14:creationId xmlns:p14="http://schemas.microsoft.com/office/powerpoint/2010/main" val="645073710"/>
-      </p:ext>
-    </p:extLst>
-  </p:cSld>
-  <p:clrMapOvr>
-    <a:masterClrMapping/>
-  </p:clrMapOvr>
-</p:notes>
-</file>
-
-<file path=ppt/notesSlides/notesSlide33.xml><?xml version="1.0" encoding="utf-8"?>
-<p:notes xmlns:a="http://schemas.openxmlformats.org/drawingml/2006/main" xmlns:r="http://schemas.openxmlformats.org/officeDocument/2006/relationships" xmlns:p="http://schemas.openxmlformats.org/presentationml/2006/main">
-  <p:cSld>
-    <p:spTree>
-      <p:nvGrpSpPr>
-        <p:cNvPr id="1" name=""/>
-        <p:cNvGrpSpPr/>
-        <p:nvPr/>
-      </p:nvGrpSpPr>
-      <p:grpSpPr>
-        <a:xfrm>
-          <a:off x="0" y="0"/>
-          <a:ext cx="0" cy="0"/>
-          <a:chOff x="0" y="0"/>
-          <a:chExt cx="0" cy="0"/>
-        </a:xfrm>
-      </p:grpSpPr>
-      <p:sp>
-        <p:nvSpPr>
-          <p:cNvPr id="2" name="Diakép helye 1"/>
-          <p:cNvSpPr>
-            <a:spLocks noGrp="1" noRot="1" noChangeAspect="1"/>
-          </p:cNvSpPr>
-          <p:nvPr>
-            <p:ph type="sldImg"/>
-          </p:nvPr>
-        </p:nvSpPr>
-        <p:spPr/>
-      </p:sp>
-      <p:sp>
-        <p:nvSpPr>
-          <p:cNvPr id="3" name="Jegyzetek helye 2"/>
-          <p:cNvSpPr>
-            <a:spLocks noGrp="1"/>
-          </p:cNvSpPr>
-          <p:nvPr>
-            <p:ph type="body" idx="1"/>
-          </p:nvPr>
-        </p:nvSpPr>
-        <p:spPr/>
-        <p:txBody>
-          <a:bodyPr/>
-          <a:lstStyle/>
-          <a:p>
-            <a:r>
-              <a:rPr lang="hu-HU" dirty="0"/>
-              <a:t>Amikor nagyon gyorsan halad át a folyadék a szórófej nyílásán</a:t>
-            </a:r>
-          </a:p>
-          <a:p>
-            <a:r>
-              <a:rPr lang="hu-HU" dirty="0"/>
-              <a:t>A folyadék-áram(JET) felbomlik cseppekre a felületi erők hatására amikor kilép a </a:t>
-            </a:r>
-            <a:r>
-              <a:rPr lang="hu-HU" dirty="0" err="1"/>
-              <a:t>szorófejből</a:t>
-            </a:r>
-            <a:endParaRPr lang="hu-HU" dirty="0"/>
-          </a:p>
-          <a:p>
-            <a:r>
-              <a:rPr lang="hu-HU" dirty="0"/>
-              <a:t>A csepp felületi energiája kisebb mint a kevésbé szimmetrikus alakzaté (például henger)</a:t>
-            </a:r>
-          </a:p>
-          <a:p>
-            <a:endParaRPr lang="hu-HU" dirty="0"/>
-          </a:p>
-        </p:txBody>
-      </p:sp>
-      <p:sp>
-        <p:nvSpPr>
-          <p:cNvPr id="4" name="Dia számának helye 3"/>
-          <p:cNvSpPr>
-            <a:spLocks noGrp="1"/>
-          </p:cNvSpPr>
-          <p:nvPr>
-            <p:ph type="sldNum" sz="quarter" idx="5"/>
-          </p:nvPr>
-        </p:nvSpPr>
-        <p:spPr/>
-        <p:txBody>
-          <a:bodyPr/>
-          <a:lstStyle/>
-          <a:p>
-            <a:fld id="{38E7A12A-EB9D-4E5F-B77B-601BCBADE65A}" type="slidenum">
-              <a:rPr lang="hu-HU" smtClean="0"/>
-              <a:t>40</a:t>
-            </a:fld>
-            <a:endParaRPr lang="hu-HU"/>
-          </a:p>
-        </p:txBody>
-      </p:sp>
-    </p:spTree>
-    <p:extLst>
-      <p:ext uri="{BB962C8B-B14F-4D97-AF65-F5344CB8AC3E}">
-        <p14:creationId xmlns:p14="http://schemas.microsoft.com/office/powerpoint/2010/main" val="3456449924"/>
-      </p:ext>
-    </p:extLst>
-  </p:cSld>
-  <p:clrMapOvr>
-    <a:masterClrMapping/>
-  </p:clrMapOvr>
-</p:notes>
-</file>
-
-<file path=ppt/notesSlides/notesSlide34.xml><?xml version="1.0" encoding="utf-8"?>
-<p:notes xmlns:a="http://schemas.openxmlformats.org/drawingml/2006/main" xmlns:r="http://schemas.openxmlformats.org/officeDocument/2006/relationships" xmlns:p="http://schemas.openxmlformats.org/presentationml/2006/main">
-  <p:cSld>
-    <p:spTree>
-      <p:nvGrpSpPr>
-        <p:cNvPr id="1" name=""/>
-        <p:cNvGrpSpPr/>
-        <p:nvPr/>
-      </p:nvGrpSpPr>
-      <p:grpSpPr>
-        <a:xfrm>
-          <a:off x="0" y="0"/>
-          <a:ext cx="0" cy="0"/>
-          <a:chOff x="0" y="0"/>
-          <a:chExt cx="0" cy="0"/>
-        </a:xfrm>
-      </p:grpSpPr>
-      <p:sp>
-        <p:nvSpPr>
-          <p:cNvPr id="2" name="Diakép helye 1"/>
-          <p:cNvSpPr>
-            <a:spLocks noGrp="1" noRot="1" noChangeAspect="1"/>
-          </p:cNvSpPr>
-          <p:nvPr>
-            <p:ph type="sldImg"/>
-          </p:nvPr>
-        </p:nvSpPr>
-        <p:spPr/>
-      </p:sp>
-      <p:sp>
-        <p:nvSpPr>
-          <p:cNvPr id="3" name="Jegyzetek helye 2"/>
-          <p:cNvSpPr>
-            <a:spLocks noGrp="1"/>
-          </p:cNvSpPr>
-          <p:nvPr>
-            <p:ph type="body" idx="1"/>
-          </p:nvPr>
-        </p:nvSpPr>
-        <p:spPr/>
-        <p:txBody>
-          <a:bodyPr/>
-          <a:lstStyle/>
-          <a:p>
-            <a:r>
-              <a:rPr lang="hu-HU" dirty="0"/>
-              <a:t>Amikor a henger hossza (L) meghaladja  a kerületét (2</a:t>
-            </a:r>
-            <a:r>
-              <a:rPr lang="el-GR" dirty="0"/>
-              <a:t>π</a:t>
-            </a:r>
-            <a:r>
-              <a:rPr lang="hu-HU" dirty="0"/>
-              <a:t>r), akkor felbomlik cseppekre</a:t>
-            </a:r>
-          </a:p>
-          <a:p>
-            <a:r>
-              <a:rPr lang="hu-HU" dirty="0"/>
-              <a:t>Nagyon hosszú henger ( 9/2)*</a:t>
-            </a:r>
-            <a:r>
-              <a:rPr lang="el-GR" dirty="0"/>
-              <a:t>π</a:t>
-            </a:r>
-            <a:r>
-              <a:rPr lang="hu-HU" dirty="0"/>
-              <a:t> r</a:t>
-            </a:r>
-            <a:r>
-              <a:rPr lang="hu-HU" baseline="30000" dirty="0"/>
-              <a:t>3</a:t>
-            </a:r>
-            <a:r>
-              <a:rPr lang="hu-HU" dirty="0"/>
-              <a:t> térfogatú cseppekre osztódik</a:t>
-            </a:r>
-          </a:p>
-          <a:p>
-            <a:r>
-              <a:rPr lang="hu-HU" dirty="0"/>
-              <a:t>Két nem egyenlő méretű gömb összefelülete kisebb mint két egyenlő méretű azonos össztérfogat esetén: ezért </a:t>
-            </a:r>
-            <a:r>
-              <a:rPr lang="hu-HU" dirty="0" err="1"/>
-              <a:t>polidiszperz</a:t>
-            </a:r>
-            <a:r>
-              <a:rPr lang="hu-HU" dirty="0"/>
-              <a:t> csepphalmaz kialakulása a valószínű</a:t>
-            </a:r>
-          </a:p>
-          <a:p>
-            <a:endParaRPr lang="hu-HU" dirty="0"/>
-          </a:p>
-        </p:txBody>
-      </p:sp>
-      <p:sp>
-        <p:nvSpPr>
-          <p:cNvPr id="4" name="Dia számának helye 3"/>
-          <p:cNvSpPr>
-            <a:spLocks noGrp="1"/>
-          </p:cNvSpPr>
-          <p:nvPr>
-            <p:ph type="sldNum" sz="quarter" idx="5"/>
-          </p:nvPr>
-        </p:nvSpPr>
-        <p:spPr/>
-        <p:txBody>
-          <a:bodyPr/>
-          <a:lstStyle/>
-          <a:p>
-            <a:fld id="{38E7A12A-EB9D-4E5F-B77B-601BCBADE65A}" type="slidenum">
-              <a:rPr lang="hu-HU" smtClean="0"/>
-              <a:t>41</a:t>
-            </a:fld>
-            <a:endParaRPr lang="hu-HU"/>
-          </a:p>
-        </p:txBody>
-      </p:sp>
-    </p:spTree>
-    <p:extLst>
-      <p:ext uri="{BB962C8B-B14F-4D97-AF65-F5344CB8AC3E}">
-        <p14:creationId xmlns:p14="http://schemas.microsoft.com/office/powerpoint/2010/main" val="1241487033"/>
-      </p:ext>
-    </p:extLst>
-  </p:cSld>
-  <p:clrMapOvr>
-    <a:masterClrMapping/>
-  </p:clrMapOvr>
-</p:notes>
-</file>
-
-<file path=ppt/notesSlides/notesSlide35.xml><?xml version="1.0" encoding="utf-8"?>
-<p:notes xmlns:a="http://schemas.openxmlformats.org/drawingml/2006/main" xmlns:r="http://schemas.openxmlformats.org/officeDocument/2006/relationships" xmlns:p="http://schemas.openxmlformats.org/presentationml/2006/main">
-  <p:cSld>
-    <p:spTree>
-      <p:nvGrpSpPr>
-        <p:cNvPr id="1" name=""/>
-        <p:cNvGrpSpPr/>
-        <p:nvPr/>
-      </p:nvGrpSpPr>
-      <p:grpSpPr>
-        <a:xfrm>
-          <a:off x="0" y="0"/>
-          <a:ext cx="0" cy="0"/>
-          <a:chOff x="0" y="0"/>
-          <a:chExt cx="0" cy="0"/>
-        </a:xfrm>
-      </p:grpSpPr>
-      <p:sp>
-        <p:nvSpPr>
-          <p:cNvPr id="2" name="Diakép helye 1"/>
-          <p:cNvSpPr>
-            <a:spLocks noGrp="1" noRot="1" noChangeAspect="1"/>
-          </p:cNvSpPr>
-          <p:nvPr>
-            <p:ph type="sldImg"/>
-          </p:nvPr>
-        </p:nvSpPr>
-        <p:spPr/>
-      </p:sp>
-      <p:sp>
-        <p:nvSpPr>
-          <p:cNvPr id="3" name="Jegyzetek helye 2"/>
-          <p:cNvSpPr>
-            <a:spLocks noGrp="1"/>
-          </p:cNvSpPr>
-          <p:nvPr>
-            <p:ph type="body" idx="1"/>
-          </p:nvPr>
-        </p:nvSpPr>
-        <p:spPr/>
-        <p:txBody>
-          <a:bodyPr/>
-          <a:lstStyle/>
-          <a:p>
-            <a:r>
-              <a:rPr lang="hu-HU" dirty="0"/>
-              <a:t>A cseppspektrum „szabályozása” fontos:</a:t>
-            </a:r>
-          </a:p>
-          <a:p>
-            <a:pPr lvl="1"/>
-            <a:r>
-              <a:rPr lang="hu-HU" dirty="0"/>
-              <a:t>A megfelelő adhézió biztosításáért</a:t>
-            </a:r>
-          </a:p>
-          <a:p>
-            <a:pPr lvl="1"/>
-            <a:r>
-              <a:rPr lang="hu-HU" dirty="0"/>
-              <a:t>A megfelelő retencióért</a:t>
-            </a:r>
-          </a:p>
-          <a:p>
-            <a:pPr lvl="1"/>
-            <a:r>
-              <a:rPr lang="hu-HU" dirty="0"/>
-              <a:t>Az elsodródás  megelőzéséért</a:t>
-            </a:r>
-          </a:p>
-          <a:p>
-            <a:pPr lvl="1"/>
-            <a:endParaRPr lang="hu-HU" dirty="0"/>
-          </a:p>
-          <a:p>
-            <a:pPr lvl="1"/>
-            <a:r>
-              <a:rPr lang="hu-HU" dirty="0" err="1"/>
-              <a:t>Tenzidekkel</a:t>
-            </a:r>
-            <a:r>
-              <a:rPr lang="hu-HU" dirty="0"/>
-              <a:t> és polimerekkel szabályozhatjuk a cseppspektrumot</a:t>
-            </a:r>
-          </a:p>
-          <a:p>
-            <a:endParaRPr lang="hu-HU" dirty="0"/>
-          </a:p>
-        </p:txBody>
-      </p:sp>
-      <p:sp>
-        <p:nvSpPr>
-          <p:cNvPr id="4" name="Dia számának helye 3"/>
-          <p:cNvSpPr>
-            <a:spLocks noGrp="1"/>
-          </p:cNvSpPr>
-          <p:nvPr>
-            <p:ph type="sldNum" sz="quarter" idx="5"/>
-          </p:nvPr>
-        </p:nvSpPr>
-        <p:spPr/>
-        <p:txBody>
-          <a:bodyPr/>
-          <a:lstStyle/>
-          <a:p>
-            <a:fld id="{38E7A12A-EB9D-4E5F-B77B-601BCBADE65A}" type="slidenum">
-              <a:rPr lang="hu-HU" smtClean="0"/>
-              <a:t>43</a:t>
-            </a:fld>
-            <a:endParaRPr lang="hu-HU"/>
-          </a:p>
-        </p:txBody>
-      </p:sp>
-    </p:spTree>
-    <p:extLst>
-      <p:ext uri="{BB962C8B-B14F-4D97-AF65-F5344CB8AC3E}">
-        <p14:creationId xmlns:p14="http://schemas.microsoft.com/office/powerpoint/2010/main" val="385274646"/>
-      </p:ext>
-    </p:extLst>
-  </p:cSld>
-  <p:clrMapOvr>
-    <a:masterClrMapping/>
-  </p:clrMapOvr>
-</p:notes>
-</file>
-
-<file path=ppt/notesSlides/notesSlide36.xml><?xml version="1.0" encoding="utf-8"?>
-<p:notes xmlns:a="http://schemas.openxmlformats.org/drawingml/2006/main" xmlns:r="http://schemas.openxmlformats.org/officeDocument/2006/relationships" xmlns:p="http://schemas.openxmlformats.org/presentationml/2006/main">
-  <p:cSld>
-    <p:spTree>
-      <p:nvGrpSpPr>
-        <p:cNvPr id="1" name=""/>
-        <p:cNvGrpSpPr/>
-        <p:nvPr/>
-      </p:nvGrpSpPr>
-      <p:grpSpPr>
-        <a:xfrm>
-          <a:off x="0" y="0"/>
-          <a:ext cx="0" cy="0"/>
-          <a:chOff x="0" y="0"/>
-          <a:chExt cx="0" cy="0"/>
-        </a:xfrm>
-      </p:grpSpPr>
-      <p:sp>
-        <p:nvSpPr>
-          <p:cNvPr id="2" name="Diakép helye 1"/>
-          <p:cNvSpPr>
-            <a:spLocks noGrp="1" noRot="1" noChangeAspect="1"/>
-          </p:cNvSpPr>
-          <p:nvPr>
-            <p:ph type="sldImg"/>
-          </p:nvPr>
-        </p:nvSpPr>
-        <p:spPr/>
-      </p:sp>
-      <p:sp>
-        <p:nvSpPr>
-          <p:cNvPr id="3" name="Jegyzetek helye 2"/>
-          <p:cNvSpPr>
-            <a:spLocks noGrp="1"/>
-          </p:cNvSpPr>
-          <p:nvPr>
-            <p:ph type="body" idx="1"/>
-          </p:nvPr>
-        </p:nvSpPr>
-        <p:spPr/>
-        <p:txBody>
-          <a:bodyPr/>
-          <a:lstStyle/>
-          <a:p>
-            <a:r>
-              <a:rPr lang="hu-HU" dirty="0"/>
-              <a:t>A </a:t>
-            </a:r>
-            <a:r>
-              <a:rPr lang="hu-HU" dirty="0" err="1"/>
-              <a:t>tenzid</a:t>
-            </a:r>
-            <a:r>
-              <a:rPr lang="hu-HU" dirty="0"/>
-              <a:t> csökkenti a felületi feszültséget</a:t>
-            </a:r>
-          </a:p>
-          <a:p>
-            <a:r>
-              <a:rPr lang="hu-HU" dirty="0"/>
-              <a:t>Ez kisebb cseppek kialakulását lehetővé teszi</a:t>
-            </a:r>
-          </a:p>
-          <a:p>
-            <a:r>
-              <a:rPr lang="hu-HU" dirty="0"/>
-              <a:t>A cseppátmerő egyenesen arányos  a folyadék felületi feszültségével</a:t>
-            </a:r>
-          </a:p>
-          <a:p>
-            <a:r>
-              <a:rPr lang="hu-HU" dirty="0"/>
-              <a:t>A cseppképzés nagyon gyors: ezért dinamikus effektusokat kell figyelembe venni  (</a:t>
-            </a:r>
-            <a:r>
-              <a:rPr lang="hu-HU" dirty="0" err="1"/>
-              <a:t>tenzid</a:t>
-            </a:r>
-            <a:r>
-              <a:rPr lang="hu-HU" dirty="0"/>
-              <a:t> molekulák adszorpciójának és </a:t>
-            </a:r>
-            <a:r>
-              <a:rPr lang="hu-HU" dirty="0" err="1"/>
-              <a:t>diffuziójának</a:t>
-            </a:r>
-            <a:r>
-              <a:rPr lang="hu-HU" dirty="0"/>
-              <a:t> sebessége)</a:t>
-            </a:r>
-          </a:p>
-          <a:p>
-            <a:endParaRPr lang="hu-HU" dirty="0"/>
-          </a:p>
-        </p:txBody>
-      </p:sp>
-      <p:sp>
-        <p:nvSpPr>
-          <p:cNvPr id="4" name="Dia számának helye 3"/>
-          <p:cNvSpPr>
-            <a:spLocks noGrp="1"/>
-          </p:cNvSpPr>
-          <p:nvPr>
-            <p:ph type="sldNum" sz="quarter" idx="5"/>
-          </p:nvPr>
-        </p:nvSpPr>
-        <p:spPr/>
-        <p:txBody>
-          <a:bodyPr/>
-          <a:lstStyle/>
-          <a:p>
-            <a:fld id="{38E7A12A-EB9D-4E5F-B77B-601BCBADE65A}" type="slidenum">
-              <a:rPr lang="hu-HU" smtClean="0"/>
-              <a:t>44</a:t>
-            </a:fld>
-            <a:endParaRPr lang="hu-HU"/>
-          </a:p>
-        </p:txBody>
-      </p:sp>
-    </p:spTree>
-    <p:extLst>
-      <p:ext uri="{BB962C8B-B14F-4D97-AF65-F5344CB8AC3E}">
-        <p14:creationId xmlns:p14="http://schemas.microsoft.com/office/powerpoint/2010/main" val="4256902504"/>
-      </p:ext>
-    </p:extLst>
-  </p:cSld>
-  <p:clrMapOvr>
-    <a:masterClrMapping/>
-  </p:clrMapOvr>
-</p:notes>
-</file>
-
-<file path=ppt/notesSlides/notesSlide37.xml><?xml version="1.0" encoding="utf-8"?>
-<p:notes xmlns:a="http://schemas.openxmlformats.org/drawingml/2006/main" xmlns:r="http://schemas.openxmlformats.org/officeDocument/2006/relationships" xmlns:p="http://schemas.openxmlformats.org/presentationml/2006/main">
-  <p:cSld>
-    <p:spTree>
-      <p:nvGrpSpPr>
-        <p:cNvPr id="1" name=""/>
-        <p:cNvGrpSpPr/>
-        <p:nvPr/>
-      </p:nvGrpSpPr>
-      <p:grpSpPr>
-        <a:xfrm>
-          <a:off x="0" y="0"/>
-          <a:ext cx="0" cy="0"/>
-          <a:chOff x="0" y="0"/>
-          <a:chExt cx="0" cy="0"/>
-        </a:xfrm>
-      </p:grpSpPr>
-      <p:sp>
-        <p:nvSpPr>
-          <p:cNvPr id="2" name="Diakép helye 1"/>
-          <p:cNvSpPr>
-            <a:spLocks noGrp="1" noRot="1" noChangeAspect="1"/>
-          </p:cNvSpPr>
-          <p:nvPr>
-            <p:ph type="sldImg"/>
-          </p:nvPr>
-        </p:nvSpPr>
-        <p:spPr/>
-      </p:sp>
-      <p:sp>
-        <p:nvSpPr>
-          <p:cNvPr id="3" name="Jegyzetek helye 2"/>
-          <p:cNvSpPr>
-            <a:spLocks noGrp="1"/>
-          </p:cNvSpPr>
-          <p:nvPr>
-            <p:ph type="body" idx="1"/>
-          </p:nvPr>
-        </p:nvSpPr>
-        <p:spPr/>
-        <p:txBody>
-          <a:bodyPr/>
-          <a:lstStyle/>
-          <a:p>
-            <a:r>
-              <a:rPr lang="hu-HU" dirty="0"/>
-              <a:t>Nem egyszerűen csak a molekulaméret (monomer)  (</a:t>
-            </a:r>
-            <a:r>
-              <a:rPr lang="hu-HU" dirty="0" err="1"/>
-              <a:t>diffuziós</a:t>
-            </a:r>
-            <a:r>
-              <a:rPr lang="hu-HU" dirty="0"/>
-              <a:t> koefficiens) hanem a micellák élettartama az oldatban is jelentős szerepel bír.</a:t>
-            </a:r>
-          </a:p>
-          <a:p>
-            <a:r>
-              <a:rPr lang="hu-HU" dirty="0"/>
-              <a:t>Rövidebb élettartam a monomerek gyorsabb rendelkezésre állását jelenti ez pedig  a felületi feszültség gyorsabb csökkenéséhez vezet</a:t>
-            </a:r>
-          </a:p>
-          <a:p>
-            <a:endParaRPr lang="hu-HU" dirty="0"/>
-          </a:p>
-        </p:txBody>
-      </p:sp>
-      <p:sp>
-        <p:nvSpPr>
-          <p:cNvPr id="4" name="Dia számának helye 3"/>
-          <p:cNvSpPr>
-            <a:spLocks noGrp="1"/>
-          </p:cNvSpPr>
-          <p:nvPr>
-            <p:ph type="sldNum" sz="quarter" idx="5"/>
-          </p:nvPr>
-        </p:nvSpPr>
-        <p:spPr/>
-        <p:txBody>
-          <a:bodyPr/>
-          <a:lstStyle/>
-          <a:p>
-            <a:fld id="{38E7A12A-EB9D-4E5F-B77B-601BCBADE65A}" type="slidenum">
-              <a:rPr lang="hu-HU" smtClean="0"/>
-              <a:t>45</a:t>
-            </a:fld>
-            <a:endParaRPr lang="hu-HU"/>
-          </a:p>
-        </p:txBody>
-      </p:sp>
-    </p:spTree>
-    <p:extLst>
-      <p:ext uri="{BB962C8B-B14F-4D97-AF65-F5344CB8AC3E}">
-        <p14:creationId xmlns:p14="http://schemas.microsoft.com/office/powerpoint/2010/main" val="1793464416"/>
-      </p:ext>
-    </p:extLst>
-  </p:cSld>
-  <p:clrMapOvr>
-    <a:masterClrMapping/>
-  </p:clrMapOvr>
-</p:notes>
-</file>
-
-<file path=ppt/notesSlides/notesSlide38.xml><?xml version="1.0" encoding="utf-8"?>
-<p:notes xmlns:a="http://schemas.openxmlformats.org/drawingml/2006/main" xmlns:r="http://schemas.openxmlformats.org/officeDocument/2006/relationships" xmlns:p="http://schemas.openxmlformats.org/presentationml/2006/main">
-  <p:cSld>
-    <p:spTree>
-      <p:nvGrpSpPr>
-        <p:cNvPr id="1" name=""/>
-        <p:cNvGrpSpPr/>
-        <p:nvPr/>
-      </p:nvGrpSpPr>
-      <p:grpSpPr>
-        <a:xfrm>
-          <a:off x="0" y="0"/>
-          <a:ext cx="0" cy="0"/>
-          <a:chOff x="0" y="0"/>
-          <a:chExt cx="0" cy="0"/>
-        </a:xfrm>
-      </p:grpSpPr>
-      <p:sp>
-        <p:nvSpPr>
-          <p:cNvPr id="2" name="Diakép helye 1"/>
-          <p:cNvSpPr>
-            <a:spLocks noGrp="1" noRot="1" noChangeAspect="1"/>
-          </p:cNvSpPr>
-          <p:nvPr>
-            <p:ph type="sldImg"/>
-          </p:nvPr>
-        </p:nvSpPr>
-        <p:spPr/>
-      </p:sp>
-      <p:sp>
-        <p:nvSpPr>
-          <p:cNvPr id="3" name="Jegyzetek helye 2"/>
-          <p:cNvSpPr>
-            <a:spLocks noGrp="1"/>
-          </p:cNvSpPr>
-          <p:nvPr>
-            <p:ph type="body" idx="1"/>
-          </p:nvPr>
-        </p:nvSpPr>
-        <p:spPr/>
-        <p:txBody>
-          <a:bodyPr/>
-          <a:lstStyle/>
-          <a:p>
-            <a:r>
-              <a:rPr lang="hu-HU" dirty="0"/>
-              <a:t>Magasabb </a:t>
-            </a:r>
-            <a:r>
-              <a:rPr lang="hu-HU" dirty="0" err="1"/>
-              <a:t>cmc-jű</a:t>
-            </a:r>
-            <a:r>
-              <a:rPr lang="hu-HU" dirty="0"/>
-              <a:t> (nagyobb HLB-</a:t>
-            </a:r>
-            <a:r>
-              <a:rPr lang="hu-HU" dirty="0" err="1"/>
-              <a:t>jű</a:t>
-            </a:r>
-            <a:r>
-              <a:rPr lang="hu-HU" dirty="0"/>
-              <a:t>) </a:t>
-            </a:r>
-            <a:r>
-              <a:rPr lang="hu-HU" dirty="0" err="1"/>
-              <a:t>tenzid</a:t>
-            </a:r>
-            <a:r>
-              <a:rPr lang="hu-HU" dirty="0"/>
-              <a:t> hatásosabb lehet a felületi </a:t>
-            </a:r>
-          </a:p>
-          <a:p>
-            <a:r>
-              <a:rPr lang="hu-HU" dirty="0"/>
-              <a:t>Feszültség csökkentésében mint az alacsonyabb </a:t>
-            </a:r>
-            <a:r>
-              <a:rPr lang="hu-HU" dirty="0" err="1"/>
-              <a:t>cmc-jű</a:t>
-            </a:r>
-            <a:endParaRPr lang="hu-HU" dirty="0"/>
-          </a:p>
-          <a:p>
-            <a:r>
-              <a:rPr lang="hu-HU" dirty="0"/>
-              <a:t>Ha a </a:t>
-            </a:r>
-            <a:r>
-              <a:rPr lang="hu-HU" dirty="0" err="1"/>
-              <a:t>tenzid</a:t>
-            </a:r>
-            <a:r>
-              <a:rPr lang="hu-HU" dirty="0"/>
-              <a:t> réteg képződésének (adszorpciójának) ideje hosszabb mint a folyadék cseppekre történő felbomlásának ideje, akkor a külön hozzáadott </a:t>
-            </a:r>
-            <a:r>
-              <a:rPr lang="hu-HU" dirty="0" err="1"/>
-              <a:t>tenzid</a:t>
-            </a:r>
-            <a:r>
-              <a:rPr lang="hu-HU" dirty="0"/>
-              <a:t>  kis hatással </a:t>
-            </a:r>
-            <a:r>
-              <a:rPr lang="hu-HU" dirty="0" err="1"/>
-              <a:t>bir</a:t>
-            </a:r>
-            <a:r>
-              <a:rPr lang="hu-HU" dirty="0"/>
-              <a:t> a cseppspektrumra</a:t>
-            </a:r>
-          </a:p>
-          <a:p>
-            <a:r>
-              <a:rPr lang="hu-HU" dirty="0"/>
-              <a:t>A </a:t>
-            </a:r>
-            <a:r>
-              <a:rPr lang="hu-HU" dirty="0" err="1"/>
-              <a:t>tenzid</a:t>
-            </a:r>
-            <a:r>
-              <a:rPr lang="hu-HU" dirty="0"/>
-              <a:t> molekula gyorsabb adszorpciója  nagyobb </a:t>
-            </a:r>
-            <a:r>
-              <a:rPr lang="hu-HU" dirty="0" err="1"/>
-              <a:t>hatáásal</a:t>
-            </a:r>
-            <a:r>
-              <a:rPr lang="hu-HU" dirty="0"/>
-              <a:t> befolyásolja spektrumot</a:t>
-            </a:r>
-          </a:p>
-          <a:p>
-            <a:r>
-              <a:rPr lang="hu-HU" dirty="0"/>
-              <a:t>Finomabb cseppspektrumhoz megfelelően alacsony dinamikus felületi feszültség kell</a:t>
-            </a:r>
-          </a:p>
-          <a:p>
-            <a:endParaRPr lang="hu-HU" dirty="0"/>
-          </a:p>
-        </p:txBody>
-      </p:sp>
-      <p:sp>
-        <p:nvSpPr>
-          <p:cNvPr id="4" name="Dia számának helye 3"/>
-          <p:cNvSpPr>
-            <a:spLocks noGrp="1"/>
-          </p:cNvSpPr>
-          <p:nvPr>
-            <p:ph type="sldNum" sz="quarter" idx="5"/>
-          </p:nvPr>
-        </p:nvSpPr>
-        <p:spPr/>
-        <p:txBody>
-          <a:bodyPr/>
-          <a:lstStyle/>
-          <a:p>
-            <a:fld id="{38E7A12A-EB9D-4E5F-B77B-601BCBADE65A}" type="slidenum">
-              <a:rPr lang="hu-HU" smtClean="0"/>
-              <a:t>46</a:t>
-            </a:fld>
-            <a:endParaRPr lang="hu-HU"/>
-          </a:p>
-        </p:txBody>
-      </p:sp>
-    </p:spTree>
-    <p:extLst>
-      <p:ext uri="{BB962C8B-B14F-4D97-AF65-F5344CB8AC3E}">
-        <p14:creationId xmlns:p14="http://schemas.microsoft.com/office/powerpoint/2010/main" val="3270802669"/>
-      </p:ext>
-    </p:extLst>
-  </p:cSld>
-  <p:clrMapOvr>
-    <a:masterClrMapping/>
-  </p:clrMapOvr>
-</p:notes>
-</file>
-
-<file path=ppt/notesSlides/notesSlide39.xml><?xml version="1.0" encoding="utf-8"?>
-<p:notes xmlns:a="http://schemas.openxmlformats.org/drawingml/2006/main" xmlns:r="http://schemas.openxmlformats.org/officeDocument/2006/relationships" xmlns:p="http://schemas.openxmlformats.org/presentationml/2006/main">
-  <p:cSld>
-    <p:spTree>
-      <p:nvGrpSpPr>
-        <p:cNvPr id="1" name=""/>
-        <p:cNvGrpSpPr/>
-        <p:nvPr/>
-      </p:nvGrpSpPr>
-      <p:grpSpPr>
-        <a:xfrm>
-          <a:off x="0" y="0"/>
-          <a:ext cx="0" cy="0"/>
-          <a:chOff x="0" y="0"/>
-          <a:chExt cx="0" cy="0"/>
-        </a:xfrm>
-      </p:grpSpPr>
-      <p:sp>
-        <p:nvSpPr>
-          <p:cNvPr id="2" name="Diakép helye 1"/>
-          <p:cNvSpPr>
-            <a:spLocks noGrp="1" noRot="1" noChangeAspect="1"/>
-          </p:cNvSpPr>
-          <p:nvPr>
-            <p:ph type="sldImg"/>
-          </p:nvPr>
-        </p:nvSpPr>
-        <p:spPr/>
-      </p:sp>
-      <p:sp>
-        <p:nvSpPr>
-          <p:cNvPr id="3" name="Jegyzetek helye 2"/>
-          <p:cNvSpPr>
-            <a:spLocks noGrp="1"/>
-          </p:cNvSpPr>
-          <p:nvPr>
-            <p:ph type="body" idx="1"/>
-          </p:nvPr>
-        </p:nvSpPr>
-        <p:spPr/>
-        <p:txBody>
-          <a:bodyPr/>
-          <a:lstStyle/>
-          <a:p>
-            <a:r>
-              <a:rPr lang="hu-HU" dirty="0"/>
-              <a:t>Meghatározható maximum buboréknyomás módszerrel</a:t>
-            </a:r>
-          </a:p>
-          <a:p>
-            <a:endParaRPr lang="hu-HU" dirty="0"/>
-          </a:p>
-          <a:p>
-            <a:r>
-              <a:rPr lang="hu-HU" dirty="0"/>
-              <a:t>Gyors </a:t>
-            </a:r>
-            <a:r>
-              <a:rPr lang="hu-HU" dirty="0" err="1"/>
-              <a:t>jet</a:t>
-            </a:r>
-            <a:r>
-              <a:rPr lang="hu-HU" dirty="0"/>
-              <a:t>  (sugár)esetén  a szituáció nagyon komplex, összetett lehet</a:t>
-            </a:r>
-          </a:p>
-          <a:p>
-            <a:r>
-              <a:rPr lang="hu-HU" dirty="0"/>
-              <a:t>A </a:t>
-            </a:r>
-            <a:r>
-              <a:rPr lang="hu-HU" dirty="0" err="1"/>
-              <a:t>tenzid</a:t>
-            </a:r>
-            <a:r>
-              <a:rPr lang="hu-HU" dirty="0"/>
-              <a:t> molekulák gyors adszorpciója nélkülözhetetlen különösen a </a:t>
-            </a:r>
-            <a:r>
-              <a:rPr lang="hu-HU" dirty="0" err="1"/>
-              <a:t>a</a:t>
-            </a:r>
-            <a:r>
-              <a:rPr lang="hu-HU" dirty="0"/>
-              <a:t> </a:t>
-            </a:r>
-            <a:r>
-              <a:rPr lang="hu-HU" dirty="0" err="1"/>
-              <a:t>fuvókábó</a:t>
-            </a:r>
-            <a:r>
-              <a:rPr lang="hu-HU" dirty="0"/>
-              <a:t>(</a:t>
-            </a:r>
-            <a:r>
-              <a:rPr lang="hu-HU" dirty="0" err="1"/>
-              <a:t>szorófejből</a:t>
-            </a:r>
-            <a:r>
-              <a:rPr lang="hu-HU" dirty="0"/>
-              <a:t>) kilépő gyors folyadéksugarak esetén </a:t>
-            </a:r>
-          </a:p>
-          <a:p>
-            <a:r>
-              <a:rPr lang="hu-HU" dirty="0"/>
-              <a:t>A molekuláknak gyorsan szét kell oszlaniuk, terülniük a sugár még burkolatlan  részein</a:t>
-            </a:r>
-          </a:p>
-          <a:p>
-            <a:r>
-              <a:rPr lang="hu-HU" dirty="0"/>
-              <a:t>. Ez a MARANGONI  effektus egy formája)</a:t>
-            </a:r>
-          </a:p>
-          <a:p>
-            <a:endParaRPr lang="hu-HU" dirty="0"/>
-          </a:p>
-        </p:txBody>
-      </p:sp>
-      <p:sp>
-        <p:nvSpPr>
-          <p:cNvPr id="4" name="Dia számának helye 3"/>
-          <p:cNvSpPr>
-            <a:spLocks noGrp="1"/>
-          </p:cNvSpPr>
-          <p:nvPr>
-            <p:ph type="sldNum" sz="quarter" idx="5"/>
-          </p:nvPr>
-        </p:nvSpPr>
-        <p:spPr/>
-        <p:txBody>
-          <a:bodyPr/>
-          <a:lstStyle/>
-          <a:p>
-            <a:fld id="{38E7A12A-EB9D-4E5F-B77B-601BCBADE65A}" type="slidenum">
-              <a:rPr lang="hu-HU" smtClean="0"/>
-              <a:t>47</a:t>
-            </a:fld>
-            <a:endParaRPr lang="hu-HU"/>
-          </a:p>
-        </p:txBody>
-      </p:sp>
-    </p:spTree>
-    <p:extLst>
-      <p:ext uri="{BB962C8B-B14F-4D97-AF65-F5344CB8AC3E}">
-        <p14:creationId xmlns:p14="http://schemas.microsoft.com/office/powerpoint/2010/main" val="3053082846"/>
+        <p14:creationId xmlns:p14="http://schemas.microsoft.com/office/powerpoint/2010/main" val="3162435596"/>
       </p:ext>
     </p:extLst>
   </p:cSld>
@@ -11835,116 +10650,6 @@
     <p:extLst>
       <p:ext uri="{BB962C8B-B14F-4D97-AF65-F5344CB8AC3E}">
         <p14:creationId xmlns:p14="http://schemas.microsoft.com/office/powerpoint/2010/main" val="3887020894"/>
-      </p:ext>
-    </p:extLst>
-  </p:cSld>
-  <p:clrMapOvr>
-    <a:masterClrMapping/>
-  </p:clrMapOvr>
-</p:notes>
-</file>
-
-<file path=ppt/notesSlides/notesSlide40.xml><?xml version="1.0" encoding="utf-8"?>
-<p:notes xmlns:a="http://schemas.openxmlformats.org/drawingml/2006/main" xmlns:r="http://schemas.openxmlformats.org/officeDocument/2006/relationships" xmlns:p="http://schemas.openxmlformats.org/presentationml/2006/main">
-  <p:cSld>
-    <p:spTree>
-      <p:nvGrpSpPr>
-        <p:cNvPr id="1" name=""/>
-        <p:cNvGrpSpPr/>
-        <p:nvPr/>
-      </p:nvGrpSpPr>
-      <p:grpSpPr>
-        <a:xfrm>
-          <a:off x="0" y="0"/>
-          <a:ext cx="0" cy="0"/>
-          <a:chOff x="0" y="0"/>
-          <a:chExt cx="0" cy="0"/>
-        </a:xfrm>
-      </p:grpSpPr>
-      <p:sp>
-        <p:nvSpPr>
-          <p:cNvPr id="2" name="Diakép helye 1"/>
-          <p:cNvSpPr>
-            <a:spLocks noGrp="1" noRot="1" noChangeAspect="1"/>
-          </p:cNvSpPr>
-          <p:nvPr>
-            <p:ph type="sldImg"/>
-          </p:nvPr>
-        </p:nvSpPr>
-        <p:spPr/>
-      </p:sp>
-      <p:sp>
-        <p:nvSpPr>
-          <p:cNvPr id="3" name="Jegyzetek helye 2"/>
-          <p:cNvSpPr>
-            <a:spLocks noGrp="1"/>
-          </p:cNvSpPr>
-          <p:nvPr>
-            <p:ph type="body" idx="1"/>
-          </p:nvPr>
-        </p:nvSpPr>
-        <p:spPr/>
-        <p:txBody>
-          <a:bodyPr/>
-          <a:lstStyle/>
-          <a:p>
-            <a:r>
-              <a:rPr lang="hu-HU" dirty="0"/>
-              <a:t>A magas molekulatömegű polimerek </a:t>
-            </a:r>
-            <a:r>
-              <a:rPr lang="hu-HU" dirty="0" err="1"/>
-              <a:t>elsodrodást</a:t>
-            </a:r>
-            <a:r>
-              <a:rPr lang="hu-HU" dirty="0"/>
-              <a:t> gátló hatással rendelkeznek</a:t>
-            </a:r>
-          </a:p>
-          <a:p>
-            <a:r>
-              <a:rPr lang="hu-HU" dirty="0"/>
-              <a:t>A vízoldható magas molekulatömegű polimerek nagyobb cseppek képződésének kedveznek</a:t>
-            </a:r>
-          </a:p>
-          <a:p>
-            <a:r>
-              <a:rPr lang="hu-HU" dirty="0"/>
-              <a:t>Ok: viszkozitás  gyors  növekedése  amint a polimer koncentráció  elegendően nagy ahhoz ,hogy a polimer láncok elkezdjenek átfedésbe kerülni: ez egy kritikus polimer koncentráció</a:t>
-            </a:r>
-          </a:p>
-          <a:p>
-            <a:endParaRPr lang="hu-HU" dirty="0"/>
-          </a:p>
-        </p:txBody>
-      </p:sp>
-      <p:sp>
-        <p:nvSpPr>
-          <p:cNvPr id="4" name="Dia számának helye 3"/>
-          <p:cNvSpPr>
-            <a:spLocks noGrp="1"/>
-          </p:cNvSpPr>
-          <p:nvPr>
-            <p:ph type="sldNum" sz="quarter" idx="5"/>
-          </p:nvPr>
-        </p:nvSpPr>
-        <p:spPr/>
-        <p:txBody>
-          <a:bodyPr/>
-          <a:lstStyle/>
-          <a:p>
-            <a:fld id="{38E7A12A-EB9D-4E5F-B77B-601BCBADE65A}" type="slidenum">
-              <a:rPr lang="hu-HU" smtClean="0"/>
-              <a:t>50</a:t>
-            </a:fld>
-            <a:endParaRPr lang="hu-HU"/>
-          </a:p>
-        </p:txBody>
-      </p:sp>
-    </p:spTree>
-    <p:extLst>
-      <p:ext uri="{BB962C8B-B14F-4D97-AF65-F5344CB8AC3E}">
-        <p14:creationId xmlns:p14="http://schemas.microsoft.com/office/powerpoint/2010/main" val="3162435596"/>
       </p:ext>
     </p:extLst>
   </p:cSld>
@@ -19722,6 +18427,14 @@
 <file path=ppt/slides/slide20.xml><?xml version="1.0" encoding="utf-8"?>
 <p:sld xmlns:a="http://schemas.openxmlformats.org/drawingml/2006/main" xmlns:r="http://schemas.openxmlformats.org/officeDocument/2006/relationships" xmlns:p="http://schemas.openxmlformats.org/presentationml/2006/main">
   <p:cSld>
+    <p:bg>
+      <p:bgPr>
+        <a:solidFill>
+          <a:schemeClr val="bg1"/>
+        </a:solidFill>
+        <a:effectLst/>
+      </p:bgPr>
+    </p:bg>
     <p:spTree>
       <p:nvGrpSpPr>
         <p:cNvPr id="1" name=""/>
@@ -19738,75 +18451,514 @@
       </p:grpSpPr>
       <p:sp>
         <p:nvSpPr>
-          <p:cNvPr id="2" name="Cím 1">
+          <p:cNvPr id="15" name="Rectangle 14">
             <a:extLst>
               <a:ext uri="{FF2B5EF4-FFF2-40B4-BE49-F238E27FC236}">
-                <a16:creationId xmlns:a16="http://schemas.microsoft.com/office/drawing/2014/main" id="{10263ABE-03F4-42F3-B7DF-C646305B7612}"/>
+                <a16:creationId xmlns:a16="http://schemas.microsoft.com/office/drawing/2014/main" id="{9228552E-C8B1-4A80-8448-0787CE0FC704}"/>
+              </a:ext>
+              <a:ext uri="{C183D7F6-B498-43B3-948B-1728B52AA6E4}">
+                <adec:decorative xmlns:adec="http://schemas.microsoft.com/office/drawing/2017/decorative" val="1"/>
               </a:ext>
             </a:extLst>
           </p:cNvPr>
           <p:cNvSpPr>
-            <a:spLocks noGrp="1"/>
+            <a:spLocks noGrp="1" noRot="1" noChangeAspect="1" noMove="1" noResize="1" noEditPoints="1" noAdjustHandles="1" noChangeArrowheads="1" noChangeShapeType="1" noTextEdit="1"/>
           </p:cNvSpPr>
           <p:nvPr>
-            <p:ph type="title"/>
+            <p:extLst>
+              <p:ext uri="{386F3935-93C4-4BCD-93E2-E3B085C9AB24}">
+                <p16:designElem xmlns:p16="http://schemas.microsoft.com/office/powerpoint/2015/main" val="1"/>
+              </p:ext>
+            </p:extLst>
           </p:nvPr>
         </p:nvSpPr>
-        <p:spPr/>
+        <p:spPr>
+          <a:xfrm>
+            <a:off x="0" y="0"/>
+            <a:ext cx="12192000" cy="6858000"/>
+          </a:xfrm>
+          <a:prstGeom prst="rect">
+            <a:avLst/>
+          </a:prstGeom>
+          <a:solidFill>
+            <a:srgbClr val="000000"/>
+          </a:solidFill>
+          <a:ln>
+            <a:noFill/>
+          </a:ln>
+        </p:spPr>
+        <p:style>
+          <a:lnRef idx="2">
+            <a:schemeClr val="accent1">
+              <a:shade val="50000"/>
+            </a:schemeClr>
+          </a:lnRef>
+          <a:fillRef idx="1">
+            <a:schemeClr val="accent1"/>
+          </a:fillRef>
+          <a:effectRef idx="0">
+            <a:schemeClr val="accent1"/>
+          </a:effectRef>
+          <a:fontRef idx="minor">
+            <a:schemeClr val="lt1"/>
+          </a:fontRef>
+        </p:style>
         <p:txBody>
-          <a:bodyPr/>
+          <a:bodyPr rtlCol="0" anchor="ctr"/>
           <a:lstStyle/>
           <a:p>
-            <a:r>
-              <a:rPr lang="hu-HU" dirty="0" err="1"/>
-              <a:t>Tenzid</a:t>
-            </a:r>
-            <a:r>
-              <a:rPr lang="hu-HU" dirty="0"/>
-              <a:t> adszorpció sebessége, mértéke</a:t>
-            </a:r>
+            <a:pPr algn="ctr"/>
+            <a:endParaRPr lang="en-US"/>
+          </a:p>
+        </p:txBody>
+      </p:sp>
+      <p:pic>
+        <p:nvPicPr>
+          <p:cNvPr id="5" name="Picture 4" descr="Spinning top">
+            <a:extLst>
+              <a:ext uri="{FF2B5EF4-FFF2-40B4-BE49-F238E27FC236}">
+                <a16:creationId xmlns:a16="http://schemas.microsoft.com/office/drawing/2014/main" id="{6A27F853-D1D2-48E4-B404-E40EDACA60A4}"/>
+              </a:ext>
+            </a:extLst>
+          </p:cNvPr>
+          <p:cNvPicPr>
+            <a:picLocks noChangeAspect="1"/>
+          </p:cNvPicPr>
+          <p:nvPr/>
+        </p:nvPicPr>
+        <p:blipFill rotWithShape="1">
+          <a:blip r:embed="rId2">
+            <a:alphaModFix amt="35000"/>
+            <a:extLst>
+              <a:ext uri="{28A0092B-C50C-407E-A947-70E740481C1C}">
+                <a14:useLocalDpi xmlns:a14="http://schemas.microsoft.com/office/drawing/2010/main" val="0"/>
+              </a:ext>
+            </a:extLst>
+          </a:blip>
+          <a:srcRect t="19643"/>
+          <a:stretch/>
+        </p:blipFill>
+        <p:spPr>
+          <a:xfrm>
+            <a:off x="20" y="1"/>
+            <a:ext cx="12191980" cy="6857999"/>
+          </a:xfrm>
+          <a:prstGeom prst="rect">
+            <a:avLst/>
+          </a:prstGeom>
+        </p:spPr>
+      </p:pic>
+      <p:sp>
+        <p:nvSpPr>
+          <p:cNvPr id="8" name="Cím 1">
+            <a:extLst>
+              <a:ext uri="{FF2B5EF4-FFF2-40B4-BE49-F238E27FC236}">
+                <a16:creationId xmlns:a16="http://schemas.microsoft.com/office/drawing/2014/main" id="{FEF7CC53-FE01-4BEB-B447-CE5B7A1ED0D9}"/>
+              </a:ext>
+            </a:extLst>
+          </p:cNvPr>
+          <p:cNvSpPr txBox="1">
+            <a:spLocks/>
+          </p:cNvSpPr>
+          <p:nvPr/>
+        </p:nvSpPr>
+        <p:spPr>
+          <a:xfrm>
+            <a:off x="838200" y="365125"/>
+            <a:ext cx="10515600" cy="1325563"/>
+          </a:xfrm>
+          <a:prstGeom prst="rect">
+            <a:avLst/>
+          </a:prstGeom>
+        </p:spPr>
+        <p:txBody>
+          <a:bodyPr vert="horz" lIns="91440" tIns="45720" rIns="91440" bIns="45720" rtlCol="0" anchor="ctr">
+            <a:normAutofit/>
+          </a:bodyPr>
+          <a:lstStyle>
+            <a:lvl1pPr algn="ctr" defTabSz="914400" rtl="0" eaLnBrk="1" latinLnBrk="0" hangingPunct="1">
+              <a:lnSpc>
+                <a:spcPct val="90000"/>
+              </a:lnSpc>
+              <a:spcBef>
+                <a:spcPct val="0"/>
+              </a:spcBef>
+              <a:buNone/>
+              <a:defRPr sz="6000" kern="1200">
+                <a:solidFill>
+                  <a:schemeClr val="tx1"/>
+                </a:solidFill>
+                <a:latin typeface="+mj-lt"/>
+                <a:ea typeface="+mj-ea"/>
+                <a:cs typeface="+mj-cs"/>
+              </a:defRPr>
+            </a:lvl1pPr>
+          </a:lstStyle>
+          <a:p>
+            <a:pPr algn="l">
+              <a:spcAft>
+                <a:spcPts val="600"/>
+              </a:spcAft>
+            </a:pPr>
+            <a:r>
+              <a:rPr lang="en-GB" sz="4400"/>
+              <a:t>t</a:t>
+            </a:r>
+            <a:r>
+              <a:rPr lang="hu-HU" sz="4400"/>
+              <a:t>enzid adszorpció sebessége, mértéke</a:t>
+            </a:r>
+            <a:endParaRPr lang="en-US" sz="4400">
+              <a:solidFill>
+                <a:srgbClr val="FFFFFF"/>
+              </a:solidFill>
+            </a:endParaRPr>
           </a:p>
         </p:txBody>
       </p:sp>
       <p:sp>
         <p:nvSpPr>
-          <p:cNvPr id="3" name="Tartalom helye 2">
+          <p:cNvPr id="9" name="Tartalom helye 2">
             <a:extLst>
               <a:ext uri="{FF2B5EF4-FFF2-40B4-BE49-F238E27FC236}">
-                <a16:creationId xmlns:a16="http://schemas.microsoft.com/office/drawing/2014/main" id="{F2C14E81-63E4-48B6-B118-67E3C3F2DE41}"/>
+                <a16:creationId xmlns:a16="http://schemas.microsoft.com/office/drawing/2014/main" id="{EAF7587C-B251-45DD-A2F8-77928E0B5B85}"/>
               </a:ext>
             </a:extLst>
           </p:cNvPr>
-          <p:cNvSpPr>
-            <a:spLocks noGrp="1"/>
+          <p:cNvSpPr txBox="1">
+            <a:spLocks/>
           </p:cNvSpPr>
-          <p:nvPr>
-            <p:ph idx="1"/>
-          </p:nvPr>
+          <p:nvPr/>
         </p:nvSpPr>
         <p:spPr>
           <a:xfrm>
             <a:off x="838200" y="1825625"/>
-            <a:ext cx="6010072" cy="2415635"/>
+            <a:ext cx="10515600" cy="4351338"/>
           </a:xfrm>
+          <a:prstGeom prst="rect">
+            <a:avLst/>
+          </a:prstGeom>
         </p:spPr>
         <p:txBody>
-          <a:bodyPr/>
-          <a:lstStyle/>
-          <a:p>
-            <a:r>
-              <a:rPr lang="hu-HU" dirty="0"/>
+          <a:bodyPr vert="horz" lIns="91440" tIns="45720" rIns="91440" bIns="45720" rtlCol="0">
+            <a:normAutofit/>
+          </a:bodyPr>
+          <a:lstStyle>
+            <a:lvl1pPr marL="0" indent="0" algn="ctr" defTabSz="914400" rtl="0" eaLnBrk="1" latinLnBrk="0" hangingPunct="1">
+              <a:lnSpc>
+                <a:spcPct val="90000"/>
+              </a:lnSpc>
+              <a:spcBef>
+                <a:spcPts val="1000"/>
+              </a:spcBef>
+              <a:buFont typeface="Arial" panose="020B0604020202020204" pitchFamily="34" charset="0"/>
+              <a:buNone/>
+              <a:defRPr sz="2400" kern="1200">
+                <a:solidFill>
+                  <a:schemeClr val="tx1"/>
+                </a:solidFill>
+                <a:latin typeface="+mn-lt"/>
+                <a:ea typeface="+mn-ea"/>
+                <a:cs typeface="+mn-cs"/>
+              </a:defRPr>
+            </a:lvl1pPr>
+            <a:lvl2pPr marL="457200" indent="0" algn="ctr" defTabSz="914400" rtl="0" eaLnBrk="1" latinLnBrk="0" hangingPunct="1">
+              <a:lnSpc>
+                <a:spcPct val="90000"/>
+              </a:lnSpc>
+              <a:spcBef>
+                <a:spcPts val="500"/>
+              </a:spcBef>
+              <a:buFont typeface="Arial" panose="020B0604020202020204" pitchFamily="34" charset="0"/>
+              <a:buNone/>
+              <a:defRPr sz="2000" kern="1200">
+                <a:solidFill>
+                  <a:schemeClr val="tx1"/>
+                </a:solidFill>
+                <a:latin typeface="+mn-lt"/>
+                <a:ea typeface="+mn-ea"/>
+                <a:cs typeface="+mn-cs"/>
+              </a:defRPr>
+            </a:lvl2pPr>
+            <a:lvl3pPr marL="914400" indent="0" algn="ctr" defTabSz="914400" rtl="0" eaLnBrk="1" latinLnBrk="0" hangingPunct="1">
+              <a:lnSpc>
+                <a:spcPct val="90000"/>
+              </a:lnSpc>
+              <a:spcBef>
+                <a:spcPts val="500"/>
+              </a:spcBef>
+              <a:buFont typeface="Arial" panose="020B0604020202020204" pitchFamily="34" charset="0"/>
+              <a:buNone/>
+              <a:defRPr sz="1800" kern="1200">
+                <a:solidFill>
+                  <a:schemeClr val="tx1"/>
+                </a:solidFill>
+                <a:latin typeface="+mn-lt"/>
+                <a:ea typeface="+mn-ea"/>
+                <a:cs typeface="+mn-cs"/>
+              </a:defRPr>
+            </a:lvl3pPr>
+            <a:lvl4pPr marL="1371600" indent="0" algn="ctr" defTabSz="914400" rtl="0" eaLnBrk="1" latinLnBrk="0" hangingPunct="1">
+              <a:lnSpc>
+                <a:spcPct val="90000"/>
+              </a:lnSpc>
+              <a:spcBef>
+                <a:spcPts val="500"/>
+              </a:spcBef>
+              <a:buFont typeface="Arial" panose="020B0604020202020204" pitchFamily="34" charset="0"/>
+              <a:buNone/>
+              <a:defRPr sz="1600" kern="1200">
+                <a:solidFill>
+                  <a:schemeClr val="tx1"/>
+                </a:solidFill>
+                <a:latin typeface="+mn-lt"/>
+                <a:ea typeface="+mn-ea"/>
+                <a:cs typeface="+mn-cs"/>
+              </a:defRPr>
+            </a:lvl4pPr>
+            <a:lvl5pPr marL="1828800" indent="0" algn="ctr" defTabSz="914400" rtl="0" eaLnBrk="1" latinLnBrk="0" hangingPunct="1">
+              <a:lnSpc>
+                <a:spcPct val="90000"/>
+              </a:lnSpc>
+              <a:spcBef>
+                <a:spcPts val="500"/>
+              </a:spcBef>
+              <a:buFont typeface="Arial" panose="020B0604020202020204" pitchFamily="34" charset="0"/>
+              <a:buNone/>
+              <a:defRPr sz="1600" kern="1200">
+                <a:solidFill>
+                  <a:schemeClr val="tx1"/>
+                </a:solidFill>
+                <a:latin typeface="+mn-lt"/>
+                <a:ea typeface="+mn-ea"/>
+                <a:cs typeface="+mn-cs"/>
+              </a:defRPr>
+            </a:lvl5pPr>
+            <a:lvl6pPr marL="2286000" indent="0" algn="ctr" defTabSz="914400" rtl="0" eaLnBrk="1" latinLnBrk="0" hangingPunct="1">
+              <a:lnSpc>
+                <a:spcPct val="90000"/>
+              </a:lnSpc>
+              <a:spcBef>
+                <a:spcPts val="500"/>
+              </a:spcBef>
+              <a:buFont typeface="Arial" panose="020B0604020202020204" pitchFamily="34" charset="0"/>
+              <a:buNone/>
+              <a:defRPr sz="1600" kern="1200">
+                <a:solidFill>
+                  <a:schemeClr val="tx1"/>
+                </a:solidFill>
+                <a:latin typeface="+mn-lt"/>
+                <a:ea typeface="+mn-ea"/>
+                <a:cs typeface="+mn-cs"/>
+              </a:defRPr>
+            </a:lvl6pPr>
+            <a:lvl7pPr marL="2743200" indent="0" algn="ctr" defTabSz="914400" rtl="0" eaLnBrk="1" latinLnBrk="0" hangingPunct="1">
+              <a:lnSpc>
+                <a:spcPct val="90000"/>
+              </a:lnSpc>
+              <a:spcBef>
+                <a:spcPts val="500"/>
+              </a:spcBef>
+              <a:buFont typeface="Arial" panose="020B0604020202020204" pitchFamily="34" charset="0"/>
+              <a:buNone/>
+              <a:defRPr sz="1600" kern="1200">
+                <a:solidFill>
+                  <a:schemeClr val="tx1"/>
+                </a:solidFill>
+                <a:latin typeface="+mn-lt"/>
+                <a:ea typeface="+mn-ea"/>
+                <a:cs typeface="+mn-cs"/>
+              </a:defRPr>
+            </a:lvl7pPr>
+            <a:lvl8pPr marL="3200400" indent="0" algn="ctr" defTabSz="914400" rtl="0" eaLnBrk="1" latinLnBrk="0" hangingPunct="1">
+              <a:lnSpc>
+                <a:spcPct val="90000"/>
+              </a:lnSpc>
+              <a:spcBef>
+                <a:spcPts val="500"/>
+              </a:spcBef>
+              <a:buFont typeface="Arial" panose="020B0604020202020204" pitchFamily="34" charset="0"/>
+              <a:buNone/>
+              <a:defRPr sz="1600" kern="1200">
+                <a:solidFill>
+                  <a:schemeClr val="tx1"/>
+                </a:solidFill>
+                <a:latin typeface="+mn-lt"/>
+                <a:ea typeface="+mn-ea"/>
+                <a:cs typeface="+mn-cs"/>
+              </a:defRPr>
+            </a:lvl8pPr>
+            <a:lvl9pPr marL="3657600" indent="0" algn="ctr" defTabSz="914400" rtl="0" eaLnBrk="1" latinLnBrk="0" hangingPunct="1">
+              <a:lnSpc>
+                <a:spcPct val="90000"/>
+              </a:lnSpc>
+              <a:spcBef>
+                <a:spcPts val="500"/>
+              </a:spcBef>
+              <a:buFont typeface="Arial" panose="020B0604020202020204" pitchFamily="34" charset="0"/>
+              <a:buNone/>
+              <a:defRPr sz="1600" kern="1200">
+                <a:solidFill>
+                  <a:schemeClr val="tx1"/>
+                </a:solidFill>
+                <a:latin typeface="+mn-lt"/>
+                <a:ea typeface="+mn-ea"/>
+                <a:cs typeface="+mn-cs"/>
+              </a:defRPr>
+            </a:lvl9pPr>
+          </a:lstStyle>
+          <a:p>
+            <a:pPr marL="228600" algn="l"/>
+            <a:r>
+              <a:rPr lang="hu-HU" sz="2800"/>
               <a:t>FICK első törvénye alapján</a:t>
+            </a:r>
+            <a:endParaRPr lang="en-GB" sz="2800"/>
+          </a:p>
+          <a:p>
+            <a:pPr marL="685800" indent="-457200" algn="l">
+              <a:buFont typeface="Arial" panose="020B0604020202020204" pitchFamily="34" charset="0"/>
+              <a:buChar char="•"/>
+            </a:pPr>
+            <a:r>
+              <a:rPr lang="el-GR"/>
+              <a:t>Γ</a:t>
+            </a:r>
+            <a:r>
+              <a:rPr lang="en-GB"/>
+              <a:t>:</a:t>
+            </a:r>
+            <a:r>
+              <a:rPr lang="hu-HU"/>
+              <a:t> felületi többlet</a:t>
+            </a:r>
+            <a:r>
+              <a:rPr lang="en-GB"/>
+              <a:t>,</a:t>
+            </a:r>
+            <a:r>
+              <a:rPr lang="hu-HU"/>
+              <a:t> felületegységre eső tenzid mennyiség mólban</a:t>
+            </a:r>
+            <a:endParaRPr lang="en-GB"/>
+          </a:p>
+          <a:p>
+            <a:pPr marL="685800" indent="-457200" algn="l">
+              <a:buFont typeface="Arial" panose="020B0604020202020204" pitchFamily="34" charset="0"/>
+              <a:buChar char="•"/>
+            </a:pPr>
+            <a:r>
+              <a:rPr lang="el-GR"/>
+              <a:t>Θ</a:t>
+            </a:r>
+            <a:r>
+              <a:rPr lang="hu-HU"/>
+              <a:t>: felületi boritottság mértéke (százalékos mutató)</a:t>
+            </a:r>
+            <a:endParaRPr lang="en-GB"/>
+          </a:p>
+          <a:p>
+            <a:pPr marL="685800" indent="-457200" algn="l">
+              <a:buFont typeface="Arial" panose="020B0604020202020204" pitchFamily="34" charset="0"/>
+              <a:buChar char="•"/>
+            </a:pPr>
+            <a:r>
+              <a:rPr lang="hu-HU"/>
+              <a:t>NA</a:t>
+            </a:r>
+            <a:r>
+              <a:rPr lang="en-GB"/>
+              <a:t>:</a:t>
+            </a:r>
+            <a:r>
+              <a:rPr lang="hu-HU"/>
+              <a:t> Avogadro szám</a:t>
+            </a:r>
+            <a:endParaRPr lang="en-GB"/>
+          </a:p>
+          <a:p>
+            <a:pPr marL="685800" indent="-457200" algn="l">
+              <a:buFont typeface="Arial" panose="020B0604020202020204" pitchFamily="34" charset="0"/>
+              <a:buChar char="•"/>
+            </a:pPr>
+            <a:r>
+              <a:rPr lang="hu-HU"/>
+              <a:t>D</a:t>
+            </a:r>
+            <a:r>
+              <a:rPr lang="en-GB"/>
+              <a:t>:</a:t>
+            </a:r>
+            <a:r>
+              <a:rPr lang="hu-HU"/>
+              <a:t> diffuziós koefficiens</a:t>
+            </a:r>
+            <a:endParaRPr lang="en-GB"/>
+          </a:p>
+          <a:p>
+            <a:pPr marL="685800" indent="-457200" algn="l">
+              <a:buFont typeface="Arial" panose="020B0604020202020204" pitchFamily="34" charset="0"/>
+              <a:buChar char="•"/>
+            </a:pPr>
+            <a:r>
+              <a:rPr lang="hu-HU"/>
+              <a:t>C</a:t>
+            </a:r>
+            <a:r>
+              <a:rPr lang="en-GB"/>
+              <a:t>:</a:t>
+            </a:r>
+            <a:r>
+              <a:rPr lang="hu-HU"/>
+              <a:t> tenzid koncentráció</a:t>
+            </a:r>
+            <a:endParaRPr lang="en-GB"/>
+          </a:p>
+          <a:p>
+            <a:pPr marL="685800" indent="-457200" algn="l">
+              <a:buFont typeface="Arial" panose="020B0604020202020204" pitchFamily="34" charset="0"/>
+              <a:buChar char="•"/>
+            </a:pPr>
+            <a:r>
+              <a:rPr lang="hu-HU"/>
+              <a:t>t</a:t>
+            </a:r>
+            <a:r>
+              <a:rPr lang="en-GB"/>
+              <a:t>:</a:t>
+            </a:r>
+            <a:r>
+              <a:rPr lang="hu-HU"/>
+              <a:t> idő, </a:t>
+            </a:r>
+            <a:endParaRPr lang="en-GB"/>
+          </a:p>
+          <a:p>
+            <a:pPr marL="685800" indent="-457200" algn="l">
+              <a:buFont typeface="Arial" panose="020B0604020202020204" pitchFamily="34" charset="0"/>
+              <a:buChar char="•"/>
+            </a:pPr>
+            <a:r>
+              <a:rPr lang="el-GR"/>
+              <a:t>δ</a:t>
+            </a:r>
+            <a:r>
+              <a:rPr lang="en-GB"/>
+              <a:t>:</a:t>
+            </a:r>
+            <a:r>
+              <a:rPr lang="hu-HU"/>
+              <a:t> diffuziós réteg vastagság</a:t>
             </a:r>
           </a:p>
         </p:txBody>
       </p:sp>
       <p:pic>
         <p:nvPicPr>
-          <p:cNvPr id="4" name="Kép 3">
+          <p:cNvPr id="11" name="Kép 3">
             <a:extLst>
               <a:ext uri="{FF2B5EF4-FFF2-40B4-BE49-F238E27FC236}">
-                <a16:creationId xmlns:a16="http://schemas.microsoft.com/office/drawing/2014/main" id="{641E8697-46A7-4945-AB41-C2AB21C0611F}"/>
+                <a16:creationId xmlns:a16="http://schemas.microsoft.com/office/drawing/2014/main" id="{7973AC21-6346-4967-9FE7-9203C4AAF918}"/>
               </a:ext>
             </a:extLst>
           </p:cNvPr>
@@ -19823,7 +18975,7 @@
         </p:blipFill>
         <p:spPr>
           <a:xfrm>
-            <a:off x="2082801" y="3054484"/>
+            <a:off x="6231216" y="4396801"/>
             <a:ext cx="4997674" cy="1186775"/>
           </a:xfrm>
           <a:prstGeom prst="rect">
@@ -19831,114 +18983,15 @@
           </a:prstGeom>
         </p:spPr>
       </p:pic>
-      <p:sp>
-        <p:nvSpPr>
-          <p:cNvPr id="5" name="Szövegdoboz 4">
-            <a:extLst>
-              <a:ext uri="{FF2B5EF4-FFF2-40B4-BE49-F238E27FC236}">
-                <a16:creationId xmlns:a16="http://schemas.microsoft.com/office/drawing/2014/main" id="{6517CC70-9BA2-4C9B-82A3-4165441E6465}"/>
-              </a:ext>
-            </a:extLst>
-          </p:cNvPr>
-          <p:cNvSpPr txBox="1"/>
-          <p:nvPr/>
-        </p:nvSpPr>
-        <p:spPr>
-          <a:xfrm>
-            <a:off x="1552575" y="4638675"/>
-            <a:ext cx="9048750" cy="923330"/>
-          </a:xfrm>
-          <a:prstGeom prst="rect">
-            <a:avLst/>
-          </a:prstGeom>
-          <a:noFill/>
-        </p:spPr>
-        <p:txBody>
-          <a:bodyPr wrap="square" rtlCol="0">
-            <a:spAutoFit/>
-          </a:bodyPr>
-          <a:lstStyle/>
-          <a:p>
-            <a:r>
-              <a:rPr lang="hu-HU" dirty="0"/>
-              <a:t>Ahol  </a:t>
-            </a:r>
-            <a:r>
-              <a:rPr lang="el-GR" dirty="0"/>
-              <a:t>Γ</a:t>
-            </a:r>
-            <a:r>
-              <a:rPr lang="hu-HU" dirty="0"/>
-              <a:t> felületi többlet: felületegységre eső </a:t>
-            </a:r>
-            <a:r>
-              <a:rPr lang="hu-HU" dirty="0" err="1"/>
-              <a:t>tenzid</a:t>
-            </a:r>
-            <a:r>
-              <a:rPr lang="hu-HU" dirty="0"/>
-              <a:t> mennyiség mólban,</a:t>
-            </a:r>
-            <a:r>
-              <a:rPr lang="el-GR" dirty="0"/>
-              <a:t>Θ</a:t>
-            </a:r>
-            <a:r>
-              <a:rPr lang="hu-HU" dirty="0"/>
-              <a:t>: felületi </a:t>
-            </a:r>
-            <a:r>
-              <a:rPr lang="hu-HU" dirty="0" err="1"/>
-              <a:t>boritottság</a:t>
-            </a:r>
-            <a:r>
-              <a:rPr lang="hu-HU" dirty="0"/>
-              <a:t> mértéke (százalékos mutató),NA Avogadro szám, D </a:t>
-            </a:r>
-            <a:r>
-              <a:rPr lang="hu-HU" dirty="0" err="1"/>
-              <a:t>diffuziós</a:t>
-            </a:r>
-            <a:r>
-              <a:rPr lang="hu-HU" dirty="0"/>
-              <a:t> koefficiens, C </a:t>
-            </a:r>
-            <a:r>
-              <a:rPr lang="hu-HU" dirty="0" err="1"/>
-              <a:t>tenzid</a:t>
-            </a:r>
-            <a:r>
-              <a:rPr lang="hu-HU" dirty="0"/>
-              <a:t> koncentráció, t idő, </a:t>
-            </a:r>
-            <a:r>
-              <a:rPr lang="el-GR" dirty="0"/>
-              <a:t>δ</a:t>
-            </a:r>
-            <a:r>
-              <a:rPr lang="hu-HU" dirty="0"/>
-              <a:t> </a:t>
-            </a:r>
-            <a:r>
-              <a:rPr lang="hu-HU" dirty="0" err="1"/>
-              <a:t>diffuziós</a:t>
-            </a:r>
-            <a:r>
-              <a:rPr lang="hu-HU" dirty="0"/>
-              <a:t> réteg vastagság</a:t>
-            </a:r>
-          </a:p>
-        </p:txBody>
-      </p:sp>
     </p:spTree>
     <p:extLst>
       <p:ext uri="{BB962C8B-B14F-4D97-AF65-F5344CB8AC3E}">
-        <p14:creationId xmlns:p14="http://schemas.microsoft.com/office/powerpoint/2010/main" val="1247486768"/>
+        <p14:creationId xmlns:p14="http://schemas.microsoft.com/office/powerpoint/2010/main" val="1903777579"/>
       </p:ext>
     </p:extLst>
   </p:cSld>
   <p:clrMapOvr>
-    <a:masterClrMapping/>
+    <a:overrideClrMapping bg1="dk1" tx1="lt1" bg2="dk2" tx2="lt2" accent1="accent1" accent2="accent2" accent3="accent3" accent4="accent4" accent5="accent5" accent6="accent6" hlink="hlink" folHlink="folHlink"/>
   </p:clrMapOvr>
 </p:sld>
 </file>
@@ -19946,6 +18999,14 @@
 <file path=ppt/slides/slide21.xml><?xml version="1.0" encoding="utf-8"?>
 <p:sld xmlns:a="http://schemas.openxmlformats.org/drawingml/2006/main" xmlns:r="http://schemas.openxmlformats.org/officeDocument/2006/relationships" xmlns:p="http://schemas.openxmlformats.org/presentationml/2006/main">
   <p:cSld>
+    <p:bg>
+      <p:bgPr>
+        <a:solidFill>
+          <a:schemeClr val="bg1"/>
+        </a:solidFill>
+        <a:effectLst/>
+      </p:bgPr>
+    </p:bg>
     <p:spTree>
       <p:nvGrpSpPr>
         <p:cNvPr id="1" name=""/>
@@ -19962,143 +19023,485 @@
       </p:grpSpPr>
       <p:sp>
         <p:nvSpPr>
-          <p:cNvPr id="2" name="Cím 1">
+          <p:cNvPr id="15" name="Rectangle 14">
             <a:extLst>
               <a:ext uri="{FF2B5EF4-FFF2-40B4-BE49-F238E27FC236}">
-                <a16:creationId xmlns:a16="http://schemas.microsoft.com/office/drawing/2014/main" id="{9B851D28-D857-43A7-9AF7-4C0851A28D63}"/>
+                <a16:creationId xmlns:a16="http://schemas.microsoft.com/office/drawing/2014/main" id="{9228552E-C8B1-4A80-8448-0787CE0FC704}"/>
+              </a:ext>
+              <a:ext uri="{C183D7F6-B498-43B3-948B-1728B52AA6E4}">
+                <adec:decorative xmlns:adec="http://schemas.microsoft.com/office/drawing/2017/decorative" val="1"/>
               </a:ext>
             </a:extLst>
           </p:cNvPr>
           <p:cNvSpPr>
-            <a:spLocks noGrp="1"/>
+            <a:spLocks noGrp="1" noRot="1" noChangeAspect="1" noMove="1" noResize="1" noEditPoints="1" noAdjustHandles="1" noChangeArrowheads="1" noChangeShapeType="1" noTextEdit="1"/>
           </p:cNvSpPr>
           <p:nvPr>
-            <p:ph type="title"/>
+            <p:extLst>
+              <p:ext uri="{386F3935-93C4-4BCD-93E2-E3B085C9AB24}">
+                <p16:designElem xmlns:p16="http://schemas.microsoft.com/office/powerpoint/2015/main" val="1"/>
+              </p:ext>
+            </p:extLst>
           </p:nvPr>
         </p:nvSpPr>
-        <p:spPr/>
+        <p:spPr>
+          <a:xfrm>
+            <a:off x="0" y="0"/>
+            <a:ext cx="12192000" cy="6858000"/>
+          </a:xfrm>
+          <a:prstGeom prst="rect">
+            <a:avLst/>
+          </a:prstGeom>
+          <a:solidFill>
+            <a:srgbClr val="000000"/>
+          </a:solidFill>
+          <a:ln>
+            <a:noFill/>
+          </a:ln>
+        </p:spPr>
+        <p:style>
+          <a:lnRef idx="2">
+            <a:schemeClr val="accent1">
+              <a:shade val="50000"/>
+            </a:schemeClr>
+          </a:lnRef>
+          <a:fillRef idx="1">
+            <a:schemeClr val="accent1"/>
+          </a:fillRef>
+          <a:effectRef idx="0">
+            <a:schemeClr val="accent1"/>
+          </a:effectRef>
+          <a:fontRef idx="minor">
+            <a:schemeClr val="lt1"/>
+          </a:fontRef>
+        </p:style>
         <p:txBody>
-          <a:bodyPr/>
+          <a:bodyPr rtlCol="0" anchor="ctr"/>
           <a:lstStyle/>
           <a:p>
-            <a:r>
-              <a:rPr lang="hu-HU" dirty="0" err="1"/>
-              <a:t>Tenzid</a:t>
-            </a:r>
-            <a:r>
-              <a:rPr lang="hu-HU" dirty="0"/>
-              <a:t> adszorpció sebessége</a:t>
-            </a:r>
+            <a:pPr algn="ctr"/>
+            <a:endParaRPr lang="en-US"/>
+          </a:p>
+        </p:txBody>
+      </p:sp>
+      <p:pic>
+        <p:nvPicPr>
+          <p:cNvPr id="5" name="Picture 4" descr="Spinning top">
+            <a:extLst>
+              <a:ext uri="{FF2B5EF4-FFF2-40B4-BE49-F238E27FC236}">
+                <a16:creationId xmlns:a16="http://schemas.microsoft.com/office/drawing/2014/main" id="{6A27F853-D1D2-48E4-B404-E40EDACA60A4}"/>
+              </a:ext>
+            </a:extLst>
+          </p:cNvPr>
+          <p:cNvPicPr>
+            <a:picLocks noChangeAspect="1"/>
+          </p:cNvPicPr>
+          <p:nvPr/>
+        </p:nvPicPr>
+        <p:blipFill rotWithShape="1">
+          <a:blip r:embed="rId2">
+            <a:alphaModFix amt="35000"/>
+            <a:extLst>
+              <a:ext uri="{28A0092B-C50C-407E-A947-70E740481C1C}">
+                <a14:useLocalDpi xmlns:a14="http://schemas.microsoft.com/office/drawing/2010/main" val="0"/>
+              </a:ext>
+            </a:extLst>
+          </a:blip>
+          <a:srcRect t="19643"/>
+          <a:stretch/>
+        </p:blipFill>
+        <p:spPr>
+          <a:xfrm>
+            <a:off x="20" y="1"/>
+            <a:ext cx="12191980" cy="6857999"/>
+          </a:xfrm>
+          <a:prstGeom prst="rect">
+            <a:avLst/>
+          </a:prstGeom>
+        </p:spPr>
+      </p:pic>
+      <p:sp>
+        <p:nvSpPr>
+          <p:cNvPr id="8" name="Cím 1">
+            <a:extLst>
+              <a:ext uri="{FF2B5EF4-FFF2-40B4-BE49-F238E27FC236}">
+                <a16:creationId xmlns:a16="http://schemas.microsoft.com/office/drawing/2014/main" id="{FEF7CC53-FE01-4BEB-B447-CE5B7A1ED0D9}"/>
+              </a:ext>
+            </a:extLst>
+          </p:cNvPr>
+          <p:cNvSpPr txBox="1">
+            <a:spLocks/>
+          </p:cNvSpPr>
+          <p:nvPr/>
+        </p:nvSpPr>
+        <p:spPr>
+          <a:xfrm>
+            <a:off x="838200" y="365125"/>
+            <a:ext cx="10515600" cy="1325563"/>
+          </a:xfrm>
+          <a:prstGeom prst="rect">
+            <a:avLst/>
+          </a:prstGeom>
+        </p:spPr>
+        <p:txBody>
+          <a:bodyPr vert="horz" lIns="91440" tIns="45720" rIns="91440" bIns="45720" rtlCol="0" anchor="ctr">
+            <a:normAutofit/>
+          </a:bodyPr>
+          <a:lstStyle>
+            <a:lvl1pPr algn="ctr" defTabSz="914400" rtl="0" eaLnBrk="1" latinLnBrk="0" hangingPunct="1">
+              <a:lnSpc>
+                <a:spcPct val="90000"/>
+              </a:lnSpc>
+              <a:spcBef>
+                <a:spcPct val="0"/>
+              </a:spcBef>
+              <a:buNone/>
+              <a:defRPr sz="6000" kern="1200">
+                <a:solidFill>
+                  <a:schemeClr val="tx1"/>
+                </a:solidFill>
+                <a:latin typeface="+mj-lt"/>
+                <a:ea typeface="+mj-ea"/>
+                <a:cs typeface="+mj-cs"/>
+              </a:defRPr>
+            </a:lvl1pPr>
+          </a:lstStyle>
+          <a:p>
+            <a:pPr algn="l">
+              <a:spcAft>
+                <a:spcPts val="600"/>
+              </a:spcAft>
+            </a:pPr>
+            <a:r>
+              <a:rPr lang="en-GB" sz="4400"/>
+              <a:t>t</a:t>
+            </a:r>
+            <a:r>
+              <a:rPr lang="hu-HU" sz="4400"/>
+              <a:t>enzid adszorpció sebessége</a:t>
+            </a:r>
+            <a:endParaRPr lang="en-US" sz="4400">
+              <a:solidFill>
+                <a:srgbClr val="FFFFFF"/>
+              </a:solidFill>
+            </a:endParaRPr>
           </a:p>
         </p:txBody>
       </p:sp>
       <p:sp>
         <p:nvSpPr>
-          <p:cNvPr id="3" name="Tartalom helye 2">
+          <p:cNvPr id="9" name="Tartalom helye 2">
             <a:extLst>
               <a:ext uri="{FF2B5EF4-FFF2-40B4-BE49-F238E27FC236}">
-                <a16:creationId xmlns:a16="http://schemas.microsoft.com/office/drawing/2014/main" id="{311EFA0F-75C0-4DB4-B755-DA6471BC7077}"/>
+                <a16:creationId xmlns:a16="http://schemas.microsoft.com/office/drawing/2014/main" id="{EAF7587C-B251-45DD-A2F8-77928E0B5B85}"/>
               </a:ext>
             </a:extLst>
           </p:cNvPr>
-          <p:cNvSpPr>
-            <a:spLocks noGrp="1"/>
+          <p:cNvSpPr txBox="1">
+            <a:spLocks/>
           </p:cNvSpPr>
-          <p:nvPr>
-            <p:ph idx="1"/>
-          </p:nvPr>
+          <p:nvPr/>
         </p:nvSpPr>
-        <p:spPr/>
+        <p:spPr>
+          <a:xfrm>
+            <a:off x="838200" y="1825625"/>
+            <a:ext cx="10515600" cy="4351338"/>
+          </a:xfrm>
+          <a:prstGeom prst="rect">
+            <a:avLst/>
+          </a:prstGeom>
+        </p:spPr>
         <p:txBody>
-          <a:bodyPr>
+          <a:bodyPr vert="horz" lIns="91440" tIns="45720" rIns="91440" bIns="45720" rtlCol="0">
             <a:normAutofit fontScale="92500" lnSpcReduction="10000"/>
           </a:bodyPr>
-          <a:lstStyle/>
-          <a:p>
-            <a:r>
-              <a:rPr lang="hu-HU" dirty="0"/>
-              <a:t>D és C növekedésével ez adszorpció sebessége, mértéke növekszik</a:t>
-            </a:r>
-          </a:p>
-          <a:p>
-            <a:r>
-              <a:rPr lang="hu-HU" dirty="0"/>
-              <a:t>A D </a:t>
-            </a:r>
-            <a:r>
-              <a:rPr lang="hu-HU" dirty="0" err="1"/>
-              <a:t>forditottan</a:t>
-            </a:r>
-            <a:r>
-              <a:rPr lang="hu-HU" dirty="0"/>
-              <a:t>  arányos a </a:t>
-            </a:r>
-            <a:r>
-              <a:rPr lang="hu-HU" dirty="0" err="1"/>
-              <a:t>tenzid</a:t>
-            </a:r>
-            <a:r>
-              <a:rPr lang="hu-HU" dirty="0"/>
-              <a:t> molekula sugarával, molekula tömegével</a:t>
-            </a:r>
-          </a:p>
-          <a:p>
-            <a:r>
-              <a:rPr lang="hu-HU" dirty="0"/>
-              <a:t>Mindezt a </a:t>
-            </a:r>
-            <a:r>
-              <a:rPr lang="hu-HU" dirty="0" err="1"/>
-              <a:t>Stokes</a:t>
-            </a:r>
-            <a:r>
-              <a:rPr lang="hu-HU" dirty="0"/>
-              <a:t>-Einstein egyenlet írja le</a:t>
-            </a:r>
-          </a:p>
-          <a:p>
-            <a:pPr marL="0" indent="0">
+          <a:lstStyle>
+            <a:lvl1pPr marL="0" indent="0" algn="ctr" defTabSz="914400" rtl="0" eaLnBrk="1" latinLnBrk="0" hangingPunct="1">
+              <a:lnSpc>
+                <a:spcPct val="90000"/>
+              </a:lnSpc>
+              <a:spcBef>
+                <a:spcPts val="1000"/>
+              </a:spcBef>
+              <a:buFont typeface="Arial" panose="020B0604020202020204" pitchFamily="34" charset="0"/>
               <a:buNone/>
+              <a:defRPr sz="2400" kern="1200">
+                <a:solidFill>
+                  <a:schemeClr val="tx1"/>
+                </a:solidFill>
+                <a:latin typeface="+mn-lt"/>
+                <a:ea typeface="+mn-ea"/>
+                <a:cs typeface="+mn-cs"/>
+              </a:defRPr>
+            </a:lvl1pPr>
+            <a:lvl2pPr marL="457200" indent="0" algn="ctr" defTabSz="914400" rtl="0" eaLnBrk="1" latinLnBrk="0" hangingPunct="1">
+              <a:lnSpc>
+                <a:spcPct val="90000"/>
+              </a:lnSpc>
+              <a:spcBef>
+                <a:spcPts val="500"/>
+              </a:spcBef>
+              <a:buFont typeface="Arial" panose="020B0604020202020204" pitchFamily="34" charset="0"/>
+              <a:buNone/>
+              <a:defRPr sz="2000" kern="1200">
+                <a:solidFill>
+                  <a:schemeClr val="tx1"/>
+                </a:solidFill>
+                <a:latin typeface="+mn-lt"/>
+                <a:ea typeface="+mn-ea"/>
+                <a:cs typeface="+mn-cs"/>
+              </a:defRPr>
+            </a:lvl2pPr>
+            <a:lvl3pPr marL="914400" indent="0" algn="ctr" defTabSz="914400" rtl="0" eaLnBrk="1" latinLnBrk="0" hangingPunct="1">
+              <a:lnSpc>
+                <a:spcPct val="90000"/>
+              </a:lnSpc>
+              <a:spcBef>
+                <a:spcPts val="500"/>
+              </a:spcBef>
+              <a:buFont typeface="Arial" panose="020B0604020202020204" pitchFamily="34" charset="0"/>
+              <a:buNone/>
+              <a:defRPr sz="1800" kern="1200">
+                <a:solidFill>
+                  <a:schemeClr val="tx1"/>
+                </a:solidFill>
+                <a:latin typeface="+mn-lt"/>
+                <a:ea typeface="+mn-ea"/>
+                <a:cs typeface="+mn-cs"/>
+              </a:defRPr>
+            </a:lvl3pPr>
+            <a:lvl4pPr marL="1371600" indent="0" algn="ctr" defTabSz="914400" rtl="0" eaLnBrk="1" latinLnBrk="0" hangingPunct="1">
+              <a:lnSpc>
+                <a:spcPct val="90000"/>
+              </a:lnSpc>
+              <a:spcBef>
+                <a:spcPts val="500"/>
+              </a:spcBef>
+              <a:buFont typeface="Arial" panose="020B0604020202020204" pitchFamily="34" charset="0"/>
+              <a:buNone/>
+              <a:defRPr sz="1600" kern="1200">
+                <a:solidFill>
+                  <a:schemeClr val="tx1"/>
+                </a:solidFill>
+                <a:latin typeface="+mn-lt"/>
+                <a:ea typeface="+mn-ea"/>
+                <a:cs typeface="+mn-cs"/>
+              </a:defRPr>
+            </a:lvl4pPr>
+            <a:lvl5pPr marL="1828800" indent="0" algn="ctr" defTabSz="914400" rtl="0" eaLnBrk="1" latinLnBrk="0" hangingPunct="1">
+              <a:lnSpc>
+                <a:spcPct val="90000"/>
+              </a:lnSpc>
+              <a:spcBef>
+                <a:spcPts val="500"/>
+              </a:spcBef>
+              <a:buFont typeface="Arial" panose="020B0604020202020204" pitchFamily="34" charset="0"/>
+              <a:buNone/>
+              <a:defRPr sz="1600" kern="1200">
+                <a:solidFill>
+                  <a:schemeClr val="tx1"/>
+                </a:solidFill>
+                <a:latin typeface="+mn-lt"/>
+                <a:ea typeface="+mn-ea"/>
+                <a:cs typeface="+mn-cs"/>
+              </a:defRPr>
+            </a:lvl5pPr>
+            <a:lvl6pPr marL="2286000" indent="0" algn="ctr" defTabSz="914400" rtl="0" eaLnBrk="1" latinLnBrk="0" hangingPunct="1">
+              <a:lnSpc>
+                <a:spcPct val="90000"/>
+              </a:lnSpc>
+              <a:spcBef>
+                <a:spcPts val="500"/>
+              </a:spcBef>
+              <a:buFont typeface="Arial" panose="020B0604020202020204" pitchFamily="34" charset="0"/>
+              <a:buNone/>
+              <a:defRPr sz="1600" kern="1200">
+                <a:solidFill>
+                  <a:schemeClr val="tx1"/>
+                </a:solidFill>
+                <a:latin typeface="+mn-lt"/>
+                <a:ea typeface="+mn-ea"/>
+                <a:cs typeface="+mn-cs"/>
+              </a:defRPr>
+            </a:lvl6pPr>
+            <a:lvl7pPr marL="2743200" indent="0" algn="ctr" defTabSz="914400" rtl="0" eaLnBrk="1" latinLnBrk="0" hangingPunct="1">
+              <a:lnSpc>
+                <a:spcPct val="90000"/>
+              </a:lnSpc>
+              <a:spcBef>
+                <a:spcPts val="500"/>
+              </a:spcBef>
+              <a:buFont typeface="Arial" panose="020B0604020202020204" pitchFamily="34" charset="0"/>
+              <a:buNone/>
+              <a:defRPr sz="1600" kern="1200">
+                <a:solidFill>
+                  <a:schemeClr val="tx1"/>
+                </a:solidFill>
+                <a:latin typeface="+mn-lt"/>
+                <a:ea typeface="+mn-ea"/>
+                <a:cs typeface="+mn-cs"/>
+              </a:defRPr>
+            </a:lvl7pPr>
+            <a:lvl8pPr marL="3200400" indent="0" algn="ctr" defTabSz="914400" rtl="0" eaLnBrk="1" latinLnBrk="0" hangingPunct="1">
+              <a:lnSpc>
+                <a:spcPct val="90000"/>
+              </a:lnSpc>
+              <a:spcBef>
+                <a:spcPts val="500"/>
+              </a:spcBef>
+              <a:buFont typeface="Arial" panose="020B0604020202020204" pitchFamily="34" charset="0"/>
+              <a:buNone/>
+              <a:defRPr sz="1600" kern="1200">
+                <a:solidFill>
+                  <a:schemeClr val="tx1"/>
+                </a:solidFill>
+                <a:latin typeface="+mn-lt"/>
+                <a:ea typeface="+mn-ea"/>
+                <a:cs typeface="+mn-cs"/>
+              </a:defRPr>
+            </a:lvl8pPr>
+            <a:lvl9pPr marL="3657600" indent="0" algn="ctr" defTabSz="914400" rtl="0" eaLnBrk="1" latinLnBrk="0" hangingPunct="1">
+              <a:lnSpc>
+                <a:spcPct val="90000"/>
+              </a:lnSpc>
+              <a:spcBef>
+                <a:spcPts val="500"/>
+              </a:spcBef>
+              <a:buFont typeface="Arial" panose="020B0604020202020204" pitchFamily="34" charset="0"/>
+              <a:buNone/>
+              <a:defRPr sz="1600" kern="1200">
+                <a:solidFill>
+                  <a:schemeClr val="tx1"/>
+                </a:solidFill>
+                <a:latin typeface="+mn-lt"/>
+                <a:ea typeface="+mn-ea"/>
+                <a:cs typeface="+mn-cs"/>
+              </a:defRPr>
+            </a:lvl9pPr>
+          </a:lstStyle>
+          <a:p>
+            <a:pPr marL="571500" indent="-342900" algn="l">
+              <a:buFont typeface="Arial" panose="020B0604020202020204" pitchFamily="34" charset="0"/>
+              <a:buChar char="•"/>
             </a:pPr>
-            <a:endParaRPr lang="hu-HU" dirty="0"/>
-          </a:p>
-          <a:p>
-            <a:endParaRPr lang="hu-HU" dirty="0"/>
-          </a:p>
-          <a:p>
-            <a:r>
-              <a:rPr lang="hu-HU" dirty="0"/>
-              <a:t>Rövidebb molekula hatásosabb a dinamikus felületi feszültség csökkentésében</a:t>
-            </a:r>
-          </a:p>
-          <a:p>
-            <a:r>
-              <a:rPr lang="hu-HU" dirty="0"/>
-              <a:t>Azonban az  egyensúlyi felületi feszültség  csökken az </a:t>
-            </a:r>
-            <a:r>
-              <a:rPr lang="hu-HU" dirty="0" err="1"/>
-              <a:t>alkil</a:t>
-            </a:r>
-            <a:r>
-              <a:rPr lang="hu-HU" dirty="0"/>
-              <a:t>-lánc hosszának növekedésével</a:t>
-            </a:r>
-          </a:p>
-          <a:p>
-            <a:r>
-              <a:rPr lang="hu-HU" dirty="0"/>
-              <a:t>Kompromisszumra van szükség</a:t>
+            <a:r>
+              <a:rPr lang="en-GB" sz="2800"/>
+              <a:t>D</a:t>
+            </a:r>
+            <a:r>
+              <a:rPr lang="hu-HU" sz="2800"/>
+              <a:t> és </a:t>
+            </a:r>
+            <a:r>
+              <a:rPr lang="en-GB" sz="2800"/>
+              <a:t>C</a:t>
+            </a:r>
+            <a:r>
+              <a:rPr lang="hu-HU" sz="2800"/>
+              <a:t> növekedésével </a:t>
+            </a:r>
+            <a:r>
+              <a:rPr lang="en-GB" sz="2800"/>
+              <a:t>a</a:t>
+            </a:r>
+            <a:r>
+              <a:rPr lang="hu-HU" sz="2800"/>
+              <a:t>z adszorpció sebessége, mértéke növekszik</a:t>
+            </a:r>
+          </a:p>
+          <a:p>
+            <a:pPr marL="571500" indent="-342900" algn="l">
+              <a:buFont typeface="Arial" panose="020B0604020202020204" pitchFamily="34" charset="0"/>
+              <a:buChar char="•"/>
+            </a:pPr>
+            <a:r>
+              <a:rPr lang="hu-HU" sz="2800"/>
+              <a:t>a </a:t>
+            </a:r>
+            <a:r>
+              <a:rPr lang="en-GB" sz="2800"/>
+              <a:t>D</a:t>
+            </a:r>
+            <a:r>
+              <a:rPr lang="hu-HU" sz="2800"/>
+              <a:t> forditottan arányos a tenzid molekula sugarával, molekula tömegével</a:t>
+            </a:r>
+          </a:p>
+          <a:p>
+            <a:pPr marL="571500" indent="-342900" algn="l">
+              <a:buFont typeface="Arial" panose="020B0604020202020204" pitchFamily="34" charset="0"/>
+              <a:buChar char="•"/>
+            </a:pPr>
+            <a:r>
+              <a:rPr lang="hu-HU" sz="2800"/>
+              <a:t>mindezt a </a:t>
+            </a:r>
+            <a:r>
+              <a:rPr lang="en-GB" sz="2800"/>
+              <a:t>S</a:t>
+            </a:r>
+            <a:r>
+              <a:rPr lang="hu-HU" sz="2800"/>
+              <a:t>tokes-</a:t>
+            </a:r>
+            <a:r>
+              <a:rPr lang="en-GB" sz="2800"/>
+              <a:t>E</a:t>
+            </a:r>
+            <a:r>
+              <a:rPr lang="hu-HU" sz="2800"/>
+              <a:t>instein egyenlet írja le</a:t>
+            </a:r>
+          </a:p>
+          <a:p>
+            <a:pPr marL="228600" algn="l"/>
+            <a:endParaRPr lang="hu-HU" sz="2800"/>
+          </a:p>
+          <a:p>
+            <a:pPr marL="571500" indent="-342900" algn="l">
+              <a:buFont typeface="Arial" panose="020B0604020202020204" pitchFamily="34" charset="0"/>
+              <a:buChar char="•"/>
+            </a:pPr>
+            <a:endParaRPr lang="hu-HU" sz="2800"/>
+          </a:p>
+          <a:p>
+            <a:pPr marL="571500" indent="-342900" algn="l">
+              <a:buFont typeface="Arial" panose="020B0604020202020204" pitchFamily="34" charset="0"/>
+              <a:buChar char="•"/>
+            </a:pPr>
+            <a:r>
+              <a:rPr lang="hu-HU" sz="2800"/>
+              <a:t>rövidebb molekula hatásosabb a dinamikus felületi feszültség csökkentésében</a:t>
+            </a:r>
+          </a:p>
+          <a:p>
+            <a:pPr marL="571500" indent="-342900" algn="l">
+              <a:buFont typeface="Arial" panose="020B0604020202020204" pitchFamily="34" charset="0"/>
+              <a:buChar char="•"/>
+            </a:pPr>
+            <a:r>
+              <a:rPr lang="hu-HU" sz="2800"/>
+              <a:t>azonban az  egyensúlyi felületi feszültség  csökken az alkil-lánc hosszának növekedésével</a:t>
+            </a:r>
+          </a:p>
+          <a:p>
+            <a:pPr marL="571500" indent="-342900" algn="l">
+              <a:buFont typeface="Arial" panose="020B0604020202020204" pitchFamily="34" charset="0"/>
+              <a:buChar char="•"/>
+            </a:pPr>
+            <a:r>
+              <a:rPr lang="hu-HU" sz="2800"/>
+              <a:t>kompromisszumra van szükség</a:t>
             </a:r>
           </a:p>
         </p:txBody>
       </p:sp>
       <p:pic>
         <p:nvPicPr>
-          <p:cNvPr id="4" name="Kép 3">
+          <p:cNvPr id="7" name="Kép 3">
             <a:extLst>
               <a:ext uri="{FF2B5EF4-FFF2-40B4-BE49-F238E27FC236}">
-                <a16:creationId xmlns:a16="http://schemas.microsoft.com/office/drawing/2014/main" id="{D4E55AFE-A00F-4B2B-BADB-62D79B055845}"/>
+                <a16:creationId xmlns:a16="http://schemas.microsoft.com/office/drawing/2014/main" id="{A26BE1B4-64C5-4478-A714-23D90DE511D2}"/>
               </a:ext>
             </a:extLst>
           </p:cNvPr>
@@ -20115,7 +19518,7 @@
         </p:blipFill>
         <p:spPr>
           <a:xfrm>
-            <a:off x="5376862" y="3067050"/>
+            <a:off x="1638239" y="3150073"/>
             <a:ext cx="1438275" cy="723900"/>
           </a:xfrm>
           <a:prstGeom prst="rect">
@@ -20126,12 +19529,12 @@
     </p:spTree>
     <p:extLst>
       <p:ext uri="{BB962C8B-B14F-4D97-AF65-F5344CB8AC3E}">
-        <p14:creationId xmlns:p14="http://schemas.microsoft.com/office/powerpoint/2010/main" val="641472493"/>
+        <p14:creationId xmlns:p14="http://schemas.microsoft.com/office/powerpoint/2010/main" val="3726073597"/>
       </p:ext>
     </p:extLst>
   </p:cSld>
   <p:clrMapOvr>
-    <a:masterClrMapping/>
+    <a:overrideClrMapping bg1="dk1" tx1="lt1" bg2="dk2" tx2="lt2" accent1="accent1" accent2="accent2" accent3="accent3" accent4="accent4" accent5="accent5" accent6="accent6" hlink="hlink" folHlink="folHlink"/>
   </p:clrMapOvr>
 </p:sld>
 </file>
@@ -20139,6 +19542,14 @@
 <file path=ppt/slides/slide22.xml><?xml version="1.0" encoding="utf-8"?>
 <p:sld xmlns:a="http://schemas.openxmlformats.org/drawingml/2006/main" xmlns:r="http://schemas.openxmlformats.org/officeDocument/2006/relationships" xmlns:p="http://schemas.openxmlformats.org/presentationml/2006/main">
   <p:cSld>
+    <p:bg>
+      <p:bgPr>
+        <a:solidFill>
+          <a:schemeClr val="bg1"/>
+        </a:solidFill>
+        <a:effectLst/>
+      </p:bgPr>
+    </p:bg>
     <p:spTree>
       <p:nvGrpSpPr>
         <p:cNvPr id="1" name=""/>
@@ -20155,156 +19566,406 @@
       </p:grpSpPr>
       <p:sp>
         <p:nvSpPr>
-          <p:cNvPr id="2" name="Cím 1">
+          <p:cNvPr id="15" name="Rectangle 14">
             <a:extLst>
               <a:ext uri="{FF2B5EF4-FFF2-40B4-BE49-F238E27FC236}">
-                <a16:creationId xmlns:a16="http://schemas.microsoft.com/office/drawing/2014/main" id="{35E073DC-FADB-4729-980B-B9EE20FC6610}"/>
+                <a16:creationId xmlns:a16="http://schemas.microsoft.com/office/drawing/2014/main" id="{9228552E-C8B1-4A80-8448-0787CE0FC704}"/>
+              </a:ext>
+              <a:ext uri="{C183D7F6-B498-43B3-948B-1728B52AA6E4}">
+                <adec:decorative xmlns:adec="http://schemas.microsoft.com/office/drawing/2017/decorative" val="1"/>
               </a:ext>
             </a:extLst>
           </p:cNvPr>
           <p:cNvSpPr>
-            <a:spLocks noGrp="1"/>
+            <a:spLocks noGrp="1" noRot="1" noChangeAspect="1" noMove="1" noResize="1" noEditPoints="1" noAdjustHandles="1" noChangeArrowheads="1" noChangeShapeType="1" noTextEdit="1"/>
           </p:cNvSpPr>
           <p:nvPr>
-            <p:ph type="title"/>
+            <p:extLst>
+              <p:ext uri="{386F3935-93C4-4BCD-93E2-E3B085C9AB24}">
+                <p16:designElem xmlns:p16="http://schemas.microsoft.com/office/powerpoint/2015/main" val="1"/>
+              </p:ext>
+            </p:extLst>
           </p:nvPr>
         </p:nvSpPr>
-        <p:spPr/>
+        <p:spPr>
+          <a:xfrm>
+            <a:off x="0" y="0"/>
+            <a:ext cx="12192000" cy="6858000"/>
+          </a:xfrm>
+          <a:prstGeom prst="rect">
+            <a:avLst/>
+          </a:prstGeom>
+          <a:solidFill>
+            <a:srgbClr val="000000"/>
+          </a:solidFill>
+          <a:ln>
+            <a:noFill/>
+          </a:ln>
+        </p:spPr>
+        <p:style>
+          <a:lnRef idx="2">
+            <a:schemeClr val="accent1">
+              <a:shade val="50000"/>
+            </a:schemeClr>
+          </a:lnRef>
+          <a:fillRef idx="1">
+            <a:schemeClr val="accent1"/>
+          </a:fillRef>
+          <a:effectRef idx="0">
+            <a:schemeClr val="accent1"/>
+          </a:effectRef>
+          <a:fontRef idx="minor">
+            <a:schemeClr val="lt1"/>
+          </a:fontRef>
+        </p:style>
         <p:txBody>
-          <a:bodyPr/>
+          <a:bodyPr rtlCol="0" anchor="ctr"/>
           <a:lstStyle/>
           <a:p>
-            <a:r>
-              <a:rPr lang="hu-HU" dirty="0"/>
-              <a:t>„</a:t>
-            </a:r>
-            <a:r>
-              <a:rPr lang="hu-HU" dirty="0" err="1"/>
-              <a:t>ideális”tenzid</a:t>
-            </a:r>
-            <a:endParaRPr lang="hu-HU" dirty="0"/>
+            <a:pPr algn="ctr"/>
+            <a:endParaRPr lang="en-US"/>
+          </a:p>
+        </p:txBody>
+      </p:sp>
+      <p:pic>
+        <p:nvPicPr>
+          <p:cNvPr id="5" name="Picture 4" descr="Spinning top">
+            <a:extLst>
+              <a:ext uri="{FF2B5EF4-FFF2-40B4-BE49-F238E27FC236}">
+                <a16:creationId xmlns:a16="http://schemas.microsoft.com/office/drawing/2014/main" id="{6A27F853-D1D2-48E4-B404-E40EDACA60A4}"/>
+              </a:ext>
+            </a:extLst>
+          </p:cNvPr>
+          <p:cNvPicPr>
+            <a:picLocks noChangeAspect="1"/>
+          </p:cNvPicPr>
+          <p:nvPr/>
+        </p:nvPicPr>
+        <p:blipFill rotWithShape="1">
+          <a:blip r:embed="rId2">
+            <a:alphaModFix amt="35000"/>
+            <a:extLst>
+              <a:ext uri="{28A0092B-C50C-407E-A947-70E740481C1C}">
+                <a14:useLocalDpi xmlns:a14="http://schemas.microsoft.com/office/drawing/2010/main" val="0"/>
+              </a:ext>
+            </a:extLst>
+          </a:blip>
+          <a:srcRect t="19643"/>
+          <a:stretch/>
+        </p:blipFill>
+        <p:spPr>
+          <a:xfrm>
+            <a:off x="20" y="1"/>
+            <a:ext cx="12191980" cy="6857999"/>
+          </a:xfrm>
+          <a:prstGeom prst="rect">
+            <a:avLst/>
+          </a:prstGeom>
+        </p:spPr>
+      </p:pic>
+      <p:sp>
+        <p:nvSpPr>
+          <p:cNvPr id="8" name="Cím 1">
+            <a:extLst>
+              <a:ext uri="{FF2B5EF4-FFF2-40B4-BE49-F238E27FC236}">
+                <a16:creationId xmlns:a16="http://schemas.microsoft.com/office/drawing/2014/main" id="{FEF7CC53-FE01-4BEB-B447-CE5B7A1ED0D9}"/>
+              </a:ext>
+            </a:extLst>
+          </p:cNvPr>
+          <p:cNvSpPr txBox="1">
+            <a:spLocks/>
+          </p:cNvSpPr>
+          <p:nvPr/>
+        </p:nvSpPr>
+        <p:spPr>
+          <a:xfrm>
+            <a:off x="838200" y="365125"/>
+            <a:ext cx="10515600" cy="1325563"/>
+          </a:xfrm>
+          <a:prstGeom prst="rect">
+            <a:avLst/>
+          </a:prstGeom>
+        </p:spPr>
+        <p:txBody>
+          <a:bodyPr vert="horz" lIns="91440" tIns="45720" rIns="91440" bIns="45720" rtlCol="0" anchor="ctr">
+            <a:normAutofit/>
+          </a:bodyPr>
+          <a:lstStyle>
+            <a:lvl1pPr algn="ctr" defTabSz="914400" rtl="0" eaLnBrk="1" latinLnBrk="0" hangingPunct="1">
+              <a:lnSpc>
+                <a:spcPct val="90000"/>
+              </a:lnSpc>
+              <a:spcBef>
+                <a:spcPct val="0"/>
+              </a:spcBef>
+              <a:buNone/>
+              <a:defRPr sz="6000" kern="1200">
+                <a:solidFill>
+                  <a:schemeClr val="tx1"/>
+                </a:solidFill>
+                <a:latin typeface="+mj-lt"/>
+                <a:ea typeface="+mj-ea"/>
+                <a:cs typeface="+mj-cs"/>
+              </a:defRPr>
+            </a:lvl1pPr>
+          </a:lstStyle>
+          <a:p>
+            <a:pPr algn="l">
+              <a:spcAft>
+                <a:spcPts val="600"/>
+              </a:spcAft>
+            </a:pPr>
+            <a:r>
+              <a:rPr lang="en-GB" sz="4400"/>
+              <a:t>ideális tenzid</a:t>
+            </a:r>
+            <a:endParaRPr lang="en-US" sz="4400">
+              <a:solidFill>
+                <a:srgbClr val="FFFFFF"/>
+              </a:solidFill>
+            </a:endParaRPr>
           </a:p>
         </p:txBody>
       </p:sp>
       <p:sp>
         <p:nvSpPr>
-          <p:cNvPr id="3" name="Tartalom helye 2">
+          <p:cNvPr id="9" name="Tartalom helye 2">
             <a:extLst>
               <a:ext uri="{FF2B5EF4-FFF2-40B4-BE49-F238E27FC236}">
-                <a16:creationId xmlns:a16="http://schemas.microsoft.com/office/drawing/2014/main" id="{8602E9EF-6157-47B1-B584-30A480D4368E}"/>
+                <a16:creationId xmlns:a16="http://schemas.microsoft.com/office/drawing/2014/main" id="{EAF7587C-B251-45DD-A2F8-77928E0B5B85}"/>
               </a:ext>
             </a:extLst>
           </p:cNvPr>
-          <p:cNvSpPr>
-            <a:spLocks noGrp="1"/>
+          <p:cNvSpPr txBox="1">
+            <a:spLocks/>
           </p:cNvSpPr>
-          <p:nvPr>
-            <p:ph idx="1"/>
-          </p:nvPr>
+          <p:nvPr/>
         </p:nvSpPr>
-        <p:spPr/>
+        <p:spPr>
+          <a:xfrm>
+            <a:off x="838200" y="1825625"/>
+            <a:ext cx="10515600" cy="4351338"/>
+          </a:xfrm>
+          <a:prstGeom prst="rect">
+            <a:avLst/>
+          </a:prstGeom>
+        </p:spPr>
         <p:txBody>
-          <a:bodyPr/>
-          <a:lstStyle/>
-          <a:p>
-            <a:r>
-              <a:rPr lang="hu-HU" dirty="0"/>
-              <a:t>A legtöbb esetben olyan </a:t>
-            </a:r>
-            <a:r>
-              <a:rPr lang="hu-HU" dirty="0" err="1"/>
-              <a:t>tenzidet</a:t>
-            </a:r>
-            <a:r>
-              <a:rPr lang="hu-HU" dirty="0"/>
-              <a:t> választanak, amelynél az </a:t>
-            </a:r>
-            <a:r>
-              <a:rPr lang="hu-HU" dirty="0" err="1"/>
-              <a:t>alkillánc</a:t>
-            </a:r>
-            <a:endParaRPr lang="hu-HU" dirty="0"/>
-          </a:p>
-          <a:p>
-            <a:pPr marL="0" indent="0">
+          <a:bodyPr vert="horz" lIns="91440" tIns="45720" rIns="91440" bIns="45720" rtlCol="0">
+            <a:normAutofit/>
+          </a:bodyPr>
+          <a:lstStyle>
+            <a:lvl1pPr marL="0" indent="0" algn="ctr" defTabSz="914400" rtl="0" eaLnBrk="1" latinLnBrk="0" hangingPunct="1">
+              <a:lnSpc>
+                <a:spcPct val="90000"/>
+              </a:lnSpc>
+              <a:spcBef>
+                <a:spcPts val="1000"/>
+              </a:spcBef>
+              <a:buFont typeface="Arial" panose="020B0604020202020204" pitchFamily="34" charset="0"/>
               <a:buNone/>
+              <a:defRPr sz="2400" kern="1200">
+                <a:solidFill>
+                  <a:schemeClr val="tx1"/>
+                </a:solidFill>
+                <a:latin typeface="+mn-lt"/>
+                <a:ea typeface="+mn-ea"/>
+                <a:cs typeface="+mn-cs"/>
+              </a:defRPr>
+            </a:lvl1pPr>
+            <a:lvl2pPr marL="457200" indent="0" algn="ctr" defTabSz="914400" rtl="0" eaLnBrk="1" latinLnBrk="0" hangingPunct="1">
+              <a:lnSpc>
+                <a:spcPct val="90000"/>
+              </a:lnSpc>
+              <a:spcBef>
+                <a:spcPts val="500"/>
+              </a:spcBef>
+              <a:buFont typeface="Arial" panose="020B0604020202020204" pitchFamily="34" charset="0"/>
+              <a:buNone/>
+              <a:defRPr sz="2000" kern="1200">
+                <a:solidFill>
+                  <a:schemeClr val="tx1"/>
+                </a:solidFill>
+                <a:latin typeface="+mn-lt"/>
+                <a:ea typeface="+mn-ea"/>
+                <a:cs typeface="+mn-cs"/>
+              </a:defRPr>
+            </a:lvl2pPr>
+            <a:lvl3pPr marL="914400" indent="0" algn="ctr" defTabSz="914400" rtl="0" eaLnBrk="1" latinLnBrk="0" hangingPunct="1">
+              <a:lnSpc>
+                <a:spcPct val="90000"/>
+              </a:lnSpc>
+              <a:spcBef>
+                <a:spcPts val="500"/>
+              </a:spcBef>
+              <a:buFont typeface="Arial" panose="020B0604020202020204" pitchFamily="34" charset="0"/>
+              <a:buNone/>
+              <a:defRPr sz="1800" kern="1200">
+                <a:solidFill>
+                  <a:schemeClr val="tx1"/>
+                </a:solidFill>
+                <a:latin typeface="+mn-lt"/>
+                <a:ea typeface="+mn-ea"/>
+                <a:cs typeface="+mn-cs"/>
+              </a:defRPr>
+            </a:lvl3pPr>
+            <a:lvl4pPr marL="1371600" indent="0" algn="ctr" defTabSz="914400" rtl="0" eaLnBrk="1" latinLnBrk="0" hangingPunct="1">
+              <a:lnSpc>
+                <a:spcPct val="90000"/>
+              </a:lnSpc>
+              <a:spcBef>
+                <a:spcPts val="500"/>
+              </a:spcBef>
+              <a:buFont typeface="Arial" panose="020B0604020202020204" pitchFamily="34" charset="0"/>
+              <a:buNone/>
+              <a:defRPr sz="1600" kern="1200">
+                <a:solidFill>
+                  <a:schemeClr val="tx1"/>
+                </a:solidFill>
+                <a:latin typeface="+mn-lt"/>
+                <a:ea typeface="+mn-ea"/>
+                <a:cs typeface="+mn-cs"/>
+              </a:defRPr>
+            </a:lvl4pPr>
+            <a:lvl5pPr marL="1828800" indent="0" algn="ctr" defTabSz="914400" rtl="0" eaLnBrk="1" latinLnBrk="0" hangingPunct="1">
+              <a:lnSpc>
+                <a:spcPct val="90000"/>
+              </a:lnSpc>
+              <a:spcBef>
+                <a:spcPts val="500"/>
+              </a:spcBef>
+              <a:buFont typeface="Arial" panose="020B0604020202020204" pitchFamily="34" charset="0"/>
+              <a:buNone/>
+              <a:defRPr sz="1600" kern="1200">
+                <a:solidFill>
+                  <a:schemeClr val="tx1"/>
+                </a:solidFill>
+                <a:latin typeface="+mn-lt"/>
+                <a:ea typeface="+mn-ea"/>
+                <a:cs typeface="+mn-cs"/>
+              </a:defRPr>
+            </a:lvl5pPr>
+            <a:lvl6pPr marL="2286000" indent="0" algn="ctr" defTabSz="914400" rtl="0" eaLnBrk="1" latinLnBrk="0" hangingPunct="1">
+              <a:lnSpc>
+                <a:spcPct val="90000"/>
+              </a:lnSpc>
+              <a:spcBef>
+                <a:spcPts val="500"/>
+              </a:spcBef>
+              <a:buFont typeface="Arial" panose="020B0604020202020204" pitchFamily="34" charset="0"/>
+              <a:buNone/>
+              <a:defRPr sz="1600" kern="1200">
+                <a:solidFill>
+                  <a:schemeClr val="tx1"/>
+                </a:solidFill>
+                <a:latin typeface="+mn-lt"/>
+                <a:ea typeface="+mn-ea"/>
+                <a:cs typeface="+mn-cs"/>
+              </a:defRPr>
+            </a:lvl6pPr>
+            <a:lvl7pPr marL="2743200" indent="0" algn="ctr" defTabSz="914400" rtl="0" eaLnBrk="1" latinLnBrk="0" hangingPunct="1">
+              <a:lnSpc>
+                <a:spcPct val="90000"/>
+              </a:lnSpc>
+              <a:spcBef>
+                <a:spcPts val="500"/>
+              </a:spcBef>
+              <a:buFont typeface="Arial" panose="020B0604020202020204" pitchFamily="34" charset="0"/>
+              <a:buNone/>
+              <a:defRPr sz="1600" kern="1200">
+                <a:solidFill>
+                  <a:schemeClr val="tx1"/>
+                </a:solidFill>
+                <a:latin typeface="+mn-lt"/>
+                <a:ea typeface="+mn-ea"/>
+                <a:cs typeface="+mn-cs"/>
+              </a:defRPr>
+            </a:lvl7pPr>
+            <a:lvl8pPr marL="3200400" indent="0" algn="ctr" defTabSz="914400" rtl="0" eaLnBrk="1" latinLnBrk="0" hangingPunct="1">
+              <a:lnSpc>
+                <a:spcPct val="90000"/>
+              </a:lnSpc>
+              <a:spcBef>
+                <a:spcPts val="500"/>
+              </a:spcBef>
+              <a:buFont typeface="Arial" panose="020B0604020202020204" pitchFamily="34" charset="0"/>
+              <a:buNone/>
+              <a:defRPr sz="1600" kern="1200">
+                <a:solidFill>
+                  <a:schemeClr val="tx1"/>
+                </a:solidFill>
+                <a:latin typeface="+mn-lt"/>
+                <a:ea typeface="+mn-ea"/>
+                <a:cs typeface="+mn-cs"/>
+              </a:defRPr>
+            </a:lvl8pPr>
+            <a:lvl9pPr marL="3657600" indent="0" algn="ctr" defTabSz="914400" rtl="0" eaLnBrk="1" latinLnBrk="0" hangingPunct="1">
+              <a:lnSpc>
+                <a:spcPct val="90000"/>
+              </a:lnSpc>
+              <a:spcBef>
+                <a:spcPts val="500"/>
+              </a:spcBef>
+              <a:buFont typeface="Arial" panose="020B0604020202020204" pitchFamily="34" charset="0"/>
+              <a:buNone/>
+              <a:defRPr sz="1600" kern="1200">
+                <a:solidFill>
+                  <a:schemeClr val="tx1"/>
+                </a:solidFill>
+                <a:latin typeface="+mn-lt"/>
+                <a:ea typeface="+mn-ea"/>
+                <a:cs typeface="+mn-cs"/>
+              </a:defRPr>
+            </a:lvl9pPr>
+          </a:lstStyle>
+          <a:p>
+            <a:pPr marL="571500" indent="-342900" algn="l">
+              <a:buFont typeface="Arial" panose="020B0604020202020204" pitchFamily="34" charset="0"/>
+              <a:buChar char="•"/>
             </a:pPr>
             <a:r>
-              <a:rPr lang="hu-HU" dirty="0"/>
-              <a:t>C12</a:t>
-            </a:r>
-          </a:p>
-          <a:p>
-            <a:pPr marL="0" indent="0">
-              <a:buNone/>
+              <a:rPr lang="en-GB" sz="2800"/>
+              <a:t>a legtöbb esetben olyan tenzidet választanak, amelynél az alkillánc C12</a:t>
+            </a:r>
+          </a:p>
+          <a:p>
+            <a:pPr marL="571500" indent="-342900" algn="l">
+              <a:buFont typeface="Arial" panose="020B0604020202020204" pitchFamily="34" charset="0"/>
+              <a:buChar char="•"/>
             </a:pPr>
             <a:r>
-              <a:rPr lang="hu-HU" dirty="0"/>
-              <a:t>Alacsony  KRAFFT   hőmérséklet szükséges ahhoz, hogy jól, gyorsan oldódjon a </a:t>
-            </a:r>
-            <a:r>
-              <a:rPr lang="hu-HU" dirty="0" err="1"/>
-              <a:t>tenzid</a:t>
-            </a:r>
-            <a:endParaRPr lang="hu-HU" dirty="0"/>
-          </a:p>
-          <a:p>
-            <a:pPr marL="0" indent="0">
-              <a:buNone/>
+              <a:rPr lang="en-GB" sz="2800"/>
+              <a:t>alacsony KRAFFT hőmérséklet szükséges ahhoz, hogy jól, gyorsan oldódjon a tenzid</a:t>
+            </a:r>
+          </a:p>
+          <a:p>
+            <a:pPr marL="571500" indent="-342900" algn="l">
+              <a:buFont typeface="Arial" panose="020B0604020202020204" pitchFamily="34" charset="0"/>
+              <a:buChar char="•"/>
             </a:pPr>
             <a:r>
-              <a:rPr lang="hu-HU" dirty="0"/>
-              <a:t>Fontos a micella-képződés dinamikája: a monomer  </a:t>
-            </a:r>
-            <a:r>
-              <a:rPr lang="hu-HU" dirty="0" err="1"/>
-              <a:t>szüklsges</a:t>
-            </a:r>
-            <a:r>
-              <a:rPr lang="hu-HU" dirty="0"/>
-              <a:t> mennyiségét  meghatározza</a:t>
-            </a:r>
-          </a:p>
-          <a:p>
-            <a:pPr marL="0" indent="0">
-              <a:buNone/>
+              <a:rPr lang="en-GB" sz="2800"/>
+              <a:t>fontos a micella-képződés dinamikája: a monomer szükséges mennyiségét meghatározza</a:t>
+            </a:r>
+          </a:p>
+          <a:p>
+            <a:pPr marL="571500" indent="-342900" algn="l">
+              <a:buFont typeface="Arial" panose="020B0604020202020204" pitchFamily="34" charset="0"/>
+              <a:buChar char="•"/>
             </a:pPr>
             <a:r>
-              <a:rPr lang="hu-HU" dirty="0"/>
-              <a:t>A gyors adszorpció érdekében növelni kell a </a:t>
-            </a:r>
-            <a:r>
-              <a:rPr lang="hu-HU" dirty="0" err="1"/>
-              <a:t>a</a:t>
-            </a:r>
-            <a:r>
-              <a:rPr lang="hu-HU" dirty="0"/>
-              <a:t> monomer koncentrációt amely függ  a </a:t>
-            </a:r>
-            <a:r>
-              <a:rPr lang="hu-HU" dirty="0" err="1"/>
-              <a:t>tenzid</a:t>
-            </a:r>
-            <a:r>
-              <a:rPr lang="hu-HU" dirty="0"/>
-              <a:t> molekula HLB értékétől</a:t>
-            </a:r>
-          </a:p>
-          <a:p>
-            <a:pPr marL="0" indent="0">
-              <a:buNone/>
+              <a:rPr lang="en-GB" sz="2800"/>
+              <a:t>a gyors adszorpció érdekében növelni kell a a monomer koncentrációt, amely függ a tenzid molekula HLB értékétől</a:t>
+            </a:r>
+          </a:p>
+          <a:p>
+            <a:pPr marL="571500" indent="-342900" algn="l">
+              <a:buFont typeface="Arial" panose="020B0604020202020204" pitchFamily="34" charset="0"/>
+              <a:buChar char="•"/>
             </a:pPr>
             <a:r>
-              <a:rPr lang="hu-HU" dirty="0"/>
-              <a:t>Magas HLB (magas </a:t>
-            </a:r>
-            <a:r>
-              <a:rPr lang="hu-HU" dirty="0" err="1"/>
-              <a:t>cmc</a:t>
-            </a:r>
-            <a:r>
-              <a:rPr lang="hu-HU" dirty="0"/>
-              <a:t>-ével) hasznos a dinamika miatt</a:t>
+              <a:rPr lang="en-GB" sz="2800"/>
+              <a:t>magas HLB (magas CMC-vel) hasznos a dinamika miatt</a:t>
             </a:r>
           </a:p>
         </p:txBody>
@@ -20312,12 +19973,12 @@
     </p:spTree>
     <p:extLst>
       <p:ext uri="{BB962C8B-B14F-4D97-AF65-F5344CB8AC3E}">
-        <p14:creationId xmlns:p14="http://schemas.microsoft.com/office/powerpoint/2010/main" val="78189324"/>
+        <p14:creationId xmlns:p14="http://schemas.microsoft.com/office/powerpoint/2010/main" val="3101222958"/>
       </p:ext>
     </p:extLst>
   </p:cSld>
   <p:clrMapOvr>
-    <a:masterClrMapping/>
+    <a:overrideClrMapping bg1="dk1" tx1="lt1" bg2="dk2" tx2="lt2" accent1="accent1" accent2="accent2" accent3="accent3" accent4="accent4" accent5="accent5" accent6="accent6" hlink="hlink" folHlink="folHlink"/>
   </p:clrMapOvr>
 </p:sld>
 </file>
@@ -20325,6 +19986,14 @@
 <file path=ppt/slides/slide23.xml><?xml version="1.0" encoding="utf-8"?>
 <p:sld xmlns:a="http://schemas.openxmlformats.org/drawingml/2006/main" xmlns:r="http://schemas.openxmlformats.org/officeDocument/2006/relationships" xmlns:p="http://schemas.openxmlformats.org/presentationml/2006/main">
   <p:cSld>
+    <p:bg>
+      <p:bgPr>
+        <a:solidFill>
+          <a:schemeClr val="bg1"/>
+        </a:solidFill>
+        <a:effectLst/>
+      </p:bgPr>
+    </p:bg>
     <p:spTree>
       <p:nvGrpSpPr>
         <p:cNvPr id="1" name=""/>
@@ -20341,131 +20010,419 @@
       </p:grpSpPr>
       <p:sp>
         <p:nvSpPr>
-          <p:cNvPr id="2" name="Cím 1">
+          <p:cNvPr id="15" name="Rectangle 14">
             <a:extLst>
               <a:ext uri="{FF2B5EF4-FFF2-40B4-BE49-F238E27FC236}">
-                <a16:creationId xmlns:a16="http://schemas.microsoft.com/office/drawing/2014/main" id="{2CE954D9-B679-4BC7-9286-F6DCE0309A8A}"/>
+                <a16:creationId xmlns:a16="http://schemas.microsoft.com/office/drawing/2014/main" id="{9228552E-C8B1-4A80-8448-0787CE0FC704}"/>
+              </a:ext>
+              <a:ext uri="{C183D7F6-B498-43B3-948B-1728B52AA6E4}">
+                <adec:decorative xmlns:adec="http://schemas.microsoft.com/office/drawing/2017/decorative" val="1"/>
               </a:ext>
             </a:extLst>
           </p:cNvPr>
           <p:cNvSpPr>
-            <a:spLocks noGrp="1"/>
+            <a:spLocks noGrp="1" noRot="1" noChangeAspect="1" noMove="1" noResize="1" noEditPoints="1" noAdjustHandles="1" noChangeArrowheads="1" noChangeShapeType="1" noTextEdit="1"/>
           </p:cNvSpPr>
           <p:nvPr>
-            <p:ph type="title"/>
+            <p:extLst>
+              <p:ext uri="{386F3935-93C4-4BCD-93E2-E3B085C9AB24}">
+                <p16:designElem xmlns:p16="http://schemas.microsoft.com/office/powerpoint/2015/main" val="1"/>
+              </p:ext>
+            </p:extLst>
           </p:nvPr>
         </p:nvSpPr>
-        <p:spPr/>
+        <p:spPr>
+          <a:xfrm>
+            <a:off x="0" y="0"/>
+            <a:ext cx="12192000" cy="6858000"/>
+          </a:xfrm>
+          <a:prstGeom prst="rect">
+            <a:avLst/>
+          </a:prstGeom>
+          <a:solidFill>
+            <a:srgbClr val="000000"/>
+          </a:solidFill>
+          <a:ln>
+            <a:noFill/>
+          </a:ln>
+        </p:spPr>
+        <p:style>
+          <a:lnRef idx="2">
+            <a:schemeClr val="accent1">
+              <a:shade val="50000"/>
+            </a:schemeClr>
+          </a:lnRef>
+          <a:fillRef idx="1">
+            <a:schemeClr val="accent1"/>
+          </a:fillRef>
+          <a:effectRef idx="0">
+            <a:schemeClr val="accent1"/>
+          </a:effectRef>
+          <a:fontRef idx="minor">
+            <a:schemeClr val="lt1"/>
+          </a:fontRef>
+        </p:style>
         <p:txBody>
-          <a:bodyPr/>
+          <a:bodyPr rtlCol="0" anchor="ctr"/>
           <a:lstStyle/>
           <a:p>
-            <a:r>
-              <a:rPr lang="hu-HU" dirty="0"/>
-              <a:t>Cseppképzés és adhézió </a:t>
-            </a:r>
+            <a:pPr algn="ctr"/>
+            <a:endParaRPr lang="en-US"/>
+          </a:p>
+        </p:txBody>
+      </p:sp>
+      <p:pic>
+        <p:nvPicPr>
+          <p:cNvPr id="5" name="Picture 4" descr="Spinning top">
+            <a:extLst>
+              <a:ext uri="{FF2B5EF4-FFF2-40B4-BE49-F238E27FC236}">
+                <a16:creationId xmlns:a16="http://schemas.microsoft.com/office/drawing/2014/main" id="{6A27F853-D1D2-48E4-B404-E40EDACA60A4}"/>
+              </a:ext>
+            </a:extLst>
+          </p:cNvPr>
+          <p:cNvPicPr>
+            <a:picLocks noChangeAspect="1"/>
+          </p:cNvPicPr>
+          <p:nvPr/>
+        </p:nvPicPr>
+        <p:blipFill rotWithShape="1">
+          <a:blip r:embed="rId2">
+            <a:alphaModFix amt="35000"/>
+            <a:extLst>
+              <a:ext uri="{28A0092B-C50C-407E-A947-70E740481C1C}">
+                <a14:useLocalDpi xmlns:a14="http://schemas.microsoft.com/office/drawing/2010/main" val="0"/>
+              </a:ext>
+            </a:extLst>
+          </a:blip>
+          <a:srcRect t="19643"/>
+          <a:stretch/>
+        </p:blipFill>
+        <p:spPr>
+          <a:xfrm>
+            <a:off x="20" y="1"/>
+            <a:ext cx="12191980" cy="6857999"/>
+          </a:xfrm>
+          <a:prstGeom prst="rect">
+            <a:avLst/>
+          </a:prstGeom>
+        </p:spPr>
+      </p:pic>
+      <p:sp>
+        <p:nvSpPr>
+          <p:cNvPr id="8" name="Cím 1">
+            <a:extLst>
+              <a:ext uri="{FF2B5EF4-FFF2-40B4-BE49-F238E27FC236}">
+                <a16:creationId xmlns:a16="http://schemas.microsoft.com/office/drawing/2014/main" id="{FEF7CC53-FE01-4BEB-B447-CE5B7A1ED0D9}"/>
+              </a:ext>
+            </a:extLst>
+          </p:cNvPr>
+          <p:cNvSpPr txBox="1">
+            <a:spLocks/>
+          </p:cNvSpPr>
+          <p:nvPr/>
+        </p:nvSpPr>
+        <p:spPr>
+          <a:xfrm>
+            <a:off x="838200" y="365125"/>
+            <a:ext cx="10515600" cy="1325563"/>
+          </a:xfrm>
+          <a:prstGeom prst="rect">
+            <a:avLst/>
+          </a:prstGeom>
+        </p:spPr>
+        <p:txBody>
+          <a:bodyPr vert="horz" lIns="91440" tIns="45720" rIns="91440" bIns="45720" rtlCol="0" anchor="ctr">
+            <a:normAutofit/>
+          </a:bodyPr>
+          <a:lstStyle>
+            <a:lvl1pPr algn="ctr" defTabSz="914400" rtl="0" eaLnBrk="1" latinLnBrk="0" hangingPunct="1">
+              <a:lnSpc>
+                <a:spcPct val="90000"/>
+              </a:lnSpc>
+              <a:spcBef>
+                <a:spcPct val="0"/>
+              </a:spcBef>
+              <a:buNone/>
+              <a:defRPr sz="6000" kern="1200">
+                <a:solidFill>
+                  <a:schemeClr val="tx1"/>
+                </a:solidFill>
+                <a:latin typeface="+mj-lt"/>
+                <a:ea typeface="+mj-ea"/>
+                <a:cs typeface="+mj-cs"/>
+              </a:defRPr>
+            </a:lvl1pPr>
+          </a:lstStyle>
+          <a:p>
+            <a:pPr algn="l">
+              <a:spcAft>
+                <a:spcPts val="600"/>
+              </a:spcAft>
+            </a:pPr>
+            <a:r>
+              <a:rPr lang="hu-HU" sz="4400"/>
+              <a:t>cseppképzés és adhézió </a:t>
+            </a:r>
+            <a:endParaRPr lang="en-US" sz="4400">
+              <a:solidFill>
+                <a:srgbClr val="FFFFFF"/>
+              </a:solidFill>
+            </a:endParaRPr>
           </a:p>
         </p:txBody>
       </p:sp>
       <p:sp>
         <p:nvSpPr>
-          <p:cNvPr id="3" name="Tartalom helye 2">
+          <p:cNvPr id="9" name="Tartalom helye 2">
             <a:extLst>
               <a:ext uri="{FF2B5EF4-FFF2-40B4-BE49-F238E27FC236}">
-                <a16:creationId xmlns:a16="http://schemas.microsoft.com/office/drawing/2014/main" id="{637CA8F2-1262-4477-A99A-8575844A76F1}"/>
+                <a16:creationId xmlns:a16="http://schemas.microsoft.com/office/drawing/2014/main" id="{EAF7587C-B251-45DD-A2F8-77928E0B5B85}"/>
               </a:ext>
             </a:extLst>
           </p:cNvPr>
-          <p:cNvSpPr>
-            <a:spLocks noGrp="1"/>
+          <p:cNvSpPr txBox="1">
+            <a:spLocks/>
           </p:cNvSpPr>
-          <p:nvPr>
-            <p:ph idx="1"/>
-          </p:nvPr>
+          <p:nvPr/>
         </p:nvSpPr>
-        <p:spPr/>
+        <p:spPr>
+          <a:xfrm>
+            <a:off x="838200" y="1825625"/>
+            <a:ext cx="10515600" cy="4351338"/>
+          </a:xfrm>
+          <a:prstGeom prst="rect">
+            <a:avLst/>
+          </a:prstGeom>
+        </p:spPr>
         <p:txBody>
-          <a:bodyPr/>
-          <a:lstStyle/>
-          <a:p>
-            <a:r>
-              <a:rPr lang="hu-HU" dirty="0"/>
-              <a:t>A </a:t>
-            </a:r>
-            <a:r>
-              <a:rPr lang="hu-HU" dirty="0" err="1"/>
-              <a:t>cseptek</a:t>
-            </a:r>
-            <a:r>
-              <a:rPr lang="hu-HU" dirty="0"/>
-              <a:t> kialakulása a  permetlé </a:t>
-            </a:r>
-            <a:r>
-              <a:rPr lang="hu-HU" dirty="0" err="1"/>
-              <a:t>szorófejeken</a:t>
-            </a:r>
-            <a:r>
-              <a:rPr lang="hu-HU" dirty="0"/>
-              <a:t> keresztüli áthaladása pillanatszerű:  </a:t>
-            </a:r>
-            <a:r>
-              <a:rPr lang="hu-HU" dirty="0" err="1"/>
-              <a:t>milliszecundum</a:t>
-            </a:r>
-            <a:r>
-              <a:rPr lang="hu-HU" dirty="0"/>
-              <a:t> időigény </a:t>
-            </a:r>
-          </a:p>
-          <a:p>
-            <a:r>
-              <a:rPr lang="hu-HU" dirty="0"/>
-              <a:t>A kezelt felülethez történő csepp-adhéziót, a felület nedvesedését  a dinamikus kontakt szög írja le, azaz végsősoron a felülethez történő </a:t>
-            </a:r>
-            <a:r>
-              <a:rPr lang="hu-HU" dirty="0" err="1"/>
-              <a:t>adszorbeálódás</a:t>
-            </a:r>
-            <a:r>
-              <a:rPr lang="hu-HU" dirty="0"/>
-              <a:t> sebessége, mértéke</a:t>
-            </a:r>
-          </a:p>
-          <a:p>
-            <a:r>
-              <a:rPr lang="hu-HU" dirty="0" err="1"/>
-              <a:t>Cmc</a:t>
-            </a:r>
-            <a:r>
-              <a:rPr lang="hu-HU" dirty="0"/>
-              <a:t> koncentráció felett a rendelkezésre álló monomer mennyiségét  megszabja a micella képződés relaxációs ideje és annak felbomlási, </a:t>
-            </a:r>
-            <a:r>
-              <a:rPr lang="hu-HU" dirty="0" err="1"/>
-              <a:t>megszünési</a:t>
-            </a:r>
-            <a:r>
-              <a:rPr lang="hu-HU" dirty="0"/>
-              <a:t> ideje</a:t>
-            </a:r>
-          </a:p>
-          <a:p>
-            <a:endParaRPr lang="hu-HU" dirty="0"/>
-          </a:p>
-          <a:p>
-            <a:endParaRPr lang="hu-HU" dirty="0"/>
+          <a:bodyPr vert="horz" lIns="91440" tIns="45720" rIns="91440" bIns="45720" rtlCol="0">
+            <a:normAutofit/>
+          </a:bodyPr>
+          <a:lstStyle>
+            <a:lvl1pPr marL="0" indent="0" algn="ctr" defTabSz="914400" rtl="0" eaLnBrk="1" latinLnBrk="0" hangingPunct="1">
+              <a:lnSpc>
+                <a:spcPct val="90000"/>
+              </a:lnSpc>
+              <a:spcBef>
+                <a:spcPts val="1000"/>
+              </a:spcBef>
+              <a:buFont typeface="Arial" panose="020B0604020202020204" pitchFamily="34" charset="0"/>
+              <a:buNone/>
+              <a:defRPr sz="2400" kern="1200">
+                <a:solidFill>
+                  <a:schemeClr val="tx1"/>
+                </a:solidFill>
+                <a:latin typeface="+mn-lt"/>
+                <a:ea typeface="+mn-ea"/>
+                <a:cs typeface="+mn-cs"/>
+              </a:defRPr>
+            </a:lvl1pPr>
+            <a:lvl2pPr marL="457200" indent="0" algn="ctr" defTabSz="914400" rtl="0" eaLnBrk="1" latinLnBrk="0" hangingPunct="1">
+              <a:lnSpc>
+                <a:spcPct val="90000"/>
+              </a:lnSpc>
+              <a:spcBef>
+                <a:spcPts val="500"/>
+              </a:spcBef>
+              <a:buFont typeface="Arial" panose="020B0604020202020204" pitchFamily="34" charset="0"/>
+              <a:buNone/>
+              <a:defRPr sz="2000" kern="1200">
+                <a:solidFill>
+                  <a:schemeClr val="tx1"/>
+                </a:solidFill>
+                <a:latin typeface="+mn-lt"/>
+                <a:ea typeface="+mn-ea"/>
+                <a:cs typeface="+mn-cs"/>
+              </a:defRPr>
+            </a:lvl2pPr>
+            <a:lvl3pPr marL="914400" indent="0" algn="ctr" defTabSz="914400" rtl="0" eaLnBrk="1" latinLnBrk="0" hangingPunct="1">
+              <a:lnSpc>
+                <a:spcPct val="90000"/>
+              </a:lnSpc>
+              <a:spcBef>
+                <a:spcPts val="500"/>
+              </a:spcBef>
+              <a:buFont typeface="Arial" panose="020B0604020202020204" pitchFamily="34" charset="0"/>
+              <a:buNone/>
+              <a:defRPr sz="1800" kern="1200">
+                <a:solidFill>
+                  <a:schemeClr val="tx1"/>
+                </a:solidFill>
+                <a:latin typeface="+mn-lt"/>
+                <a:ea typeface="+mn-ea"/>
+                <a:cs typeface="+mn-cs"/>
+              </a:defRPr>
+            </a:lvl3pPr>
+            <a:lvl4pPr marL="1371600" indent="0" algn="ctr" defTabSz="914400" rtl="0" eaLnBrk="1" latinLnBrk="0" hangingPunct="1">
+              <a:lnSpc>
+                <a:spcPct val="90000"/>
+              </a:lnSpc>
+              <a:spcBef>
+                <a:spcPts val="500"/>
+              </a:spcBef>
+              <a:buFont typeface="Arial" panose="020B0604020202020204" pitchFamily="34" charset="0"/>
+              <a:buNone/>
+              <a:defRPr sz="1600" kern="1200">
+                <a:solidFill>
+                  <a:schemeClr val="tx1"/>
+                </a:solidFill>
+                <a:latin typeface="+mn-lt"/>
+                <a:ea typeface="+mn-ea"/>
+                <a:cs typeface="+mn-cs"/>
+              </a:defRPr>
+            </a:lvl4pPr>
+            <a:lvl5pPr marL="1828800" indent="0" algn="ctr" defTabSz="914400" rtl="0" eaLnBrk="1" latinLnBrk="0" hangingPunct="1">
+              <a:lnSpc>
+                <a:spcPct val="90000"/>
+              </a:lnSpc>
+              <a:spcBef>
+                <a:spcPts val="500"/>
+              </a:spcBef>
+              <a:buFont typeface="Arial" panose="020B0604020202020204" pitchFamily="34" charset="0"/>
+              <a:buNone/>
+              <a:defRPr sz="1600" kern="1200">
+                <a:solidFill>
+                  <a:schemeClr val="tx1"/>
+                </a:solidFill>
+                <a:latin typeface="+mn-lt"/>
+                <a:ea typeface="+mn-ea"/>
+                <a:cs typeface="+mn-cs"/>
+              </a:defRPr>
+            </a:lvl5pPr>
+            <a:lvl6pPr marL="2286000" indent="0" algn="ctr" defTabSz="914400" rtl="0" eaLnBrk="1" latinLnBrk="0" hangingPunct="1">
+              <a:lnSpc>
+                <a:spcPct val="90000"/>
+              </a:lnSpc>
+              <a:spcBef>
+                <a:spcPts val="500"/>
+              </a:spcBef>
+              <a:buFont typeface="Arial" panose="020B0604020202020204" pitchFamily="34" charset="0"/>
+              <a:buNone/>
+              <a:defRPr sz="1600" kern="1200">
+                <a:solidFill>
+                  <a:schemeClr val="tx1"/>
+                </a:solidFill>
+                <a:latin typeface="+mn-lt"/>
+                <a:ea typeface="+mn-ea"/>
+                <a:cs typeface="+mn-cs"/>
+              </a:defRPr>
+            </a:lvl6pPr>
+            <a:lvl7pPr marL="2743200" indent="0" algn="ctr" defTabSz="914400" rtl="0" eaLnBrk="1" latinLnBrk="0" hangingPunct="1">
+              <a:lnSpc>
+                <a:spcPct val="90000"/>
+              </a:lnSpc>
+              <a:spcBef>
+                <a:spcPts val="500"/>
+              </a:spcBef>
+              <a:buFont typeface="Arial" panose="020B0604020202020204" pitchFamily="34" charset="0"/>
+              <a:buNone/>
+              <a:defRPr sz="1600" kern="1200">
+                <a:solidFill>
+                  <a:schemeClr val="tx1"/>
+                </a:solidFill>
+                <a:latin typeface="+mn-lt"/>
+                <a:ea typeface="+mn-ea"/>
+                <a:cs typeface="+mn-cs"/>
+              </a:defRPr>
+            </a:lvl7pPr>
+            <a:lvl8pPr marL="3200400" indent="0" algn="ctr" defTabSz="914400" rtl="0" eaLnBrk="1" latinLnBrk="0" hangingPunct="1">
+              <a:lnSpc>
+                <a:spcPct val="90000"/>
+              </a:lnSpc>
+              <a:spcBef>
+                <a:spcPts val="500"/>
+              </a:spcBef>
+              <a:buFont typeface="Arial" panose="020B0604020202020204" pitchFamily="34" charset="0"/>
+              <a:buNone/>
+              <a:defRPr sz="1600" kern="1200">
+                <a:solidFill>
+                  <a:schemeClr val="tx1"/>
+                </a:solidFill>
+                <a:latin typeface="+mn-lt"/>
+                <a:ea typeface="+mn-ea"/>
+                <a:cs typeface="+mn-cs"/>
+              </a:defRPr>
+            </a:lvl8pPr>
+            <a:lvl9pPr marL="3657600" indent="0" algn="ctr" defTabSz="914400" rtl="0" eaLnBrk="1" latinLnBrk="0" hangingPunct="1">
+              <a:lnSpc>
+                <a:spcPct val="90000"/>
+              </a:lnSpc>
+              <a:spcBef>
+                <a:spcPts val="500"/>
+              </a:spcBef>
+              <a:buFont typeface="Arial" panose="020B0604020202020204" pitchFamily="34" charset="0"/>
+              <a:buNone/>
+              <a:defRPr sz="1600" kern="1200">
+                <a:solidFill>
+                  <a:schemeClr val="tx1"/>
+                </a:solidFill>
+                <a:latin typeface="+mn-lt"/>
+                <a:ea typeface="+mn-ea"/>
+                <a:cs typeface="+mn-cs"/>
+              </a:defRPr>
+            </a:lvl9pPr>
+          </a:lstStyle>
+          <a:p>
+            <a:pPr marL="571500" indent="-342900" algn="l">
+              <a:buFont typeface="Arial" panose="020B0604020202020204" pitchFamily="34" charset="0"/>
+              <a:buChar char="•"/>
+            </a:pPr>
+            <a:r>
+              <a:rPr lang="hu-HU" sz="2800"/>
+              <a:t>a csep</a:t>
+            </a:r>
+            <a:r>
+              <a:rPr lang="en-GB" sz="2800"/>
+              <a:t>p</a:t>
+            </a:r>
+            <a:r>
+              <a:rPr lang="hu-HU" sz="2800"/>
+              <a:t>ek kialakulása a permetlé szorófejeken keresztüli áthaladása pillanatszerű: millisze</a:t>
+            </a:r>
+            <a:r>
+              <a:rPr lang="en-GB" sz="2800"/>
+              <a:t>k</a:t>
+            </a:r>
+            <a:r>
+              <a:rPr lang="hu-HU" sz="2800"/>
+              <a:t>undum időigény </a:t>
+            </a:r>
+          </a:p>
+          <a:p>
+            <a:pPr marL="571500" indent="-342900" algn="l">
+              <a:buFont typeface="Arial" panose="020B0604020202020204" pitchFamily="34" charset="0"/>
+              <a:buChar char="•"/>
+            </a:pPr>
+            <a:r>
+              <a:rPr lang="hu-HU" sz="2800"/>
+              <a:t>a kezelt felülethez történő csepp-adhéziót, a felület nedvesedését  a dinamikus kontakt szög írja le, azaz végsősoron a felülethez történő adszorbeálódás sebessége, mértéke</a:t>
+            </a:r>
+          </a:p>
+          <a:p>
+            <a:pPr marL="571500" indent="-342900" algn="l">
+              <a:buFont typeface="Arial" panose="020B0604020202020204" pitchFamily="34" charset="0"/>
+              <a:buChar char="•"/>
+            </a:pPr>
+            <a:r>
+              <a:rPr lang="en-GB" sz="2800"/>
+              <a:t>CMC</a:t>
+            </a:r>
+            <a:r>
+              <a:rPr lang="hu-HU" sz="2800"/>
+              <a:t> koncentráció felett a rendelkezésre álló monomer mennyiségét megszabja a micella képződés relaxációs ideje és annak felbomlási, megszünési ideje</a:t>
+            </a:r>
           </a:p>
         </p:txBody>
       </p:sp>
     </p:spTree>
     <p:extLst>
       <p:ext uri="{BB962C8B-B14F-4D97-AF65-F5344CB8AC3E}">
-        <p14:creationId xmlns:p14="http://schemas.microsoft.com/office/powerpoint/2010/main" val="1965931158"/>
+        <p14:creationId xmlns:p14="http://schemas.microsoft.com/office/powerpoint/2010/main" val="2407882800"/>
       </p:ext>
     </p:extLst>
   </p:cSld>
   <p:clrMapOvr>
-    <a:masterClrMapping/>
+    <a:overrideClrMapping bg1="dk1" tx1="lt1" bg2="dk2" tx2="lt2" accent1="accent1" accent2="accent2" accent3="accent3" accent4="accent4" accent5="accent5" accent6="accent6" hlink="hlink" folHlink="folHlink"/>
   </p:clrMapOvr>
 </p:sld>
 </file>
@@ -20473,6 +20430,14 @@
 <file path=ppt/slides/slide24.xml><?xml version="1.0" encoding="utf-8"?>
 <p:sld xmlns:a="http://schemas.openxmlformats.org/drawingml/2006/main" xmlns:r="http://schemas.openxmlformats.org/officeDocument/2006/relationships" xmlns:p="http://schemas.openxmlformats.org/presentationml/2006/main">
   <p:cSld>
+    <p:bg>
+      <p:bgPr>
+        <a:solidFill>
+          <a:schemeClr val="bg1"/>
+        </a:solidFill>
+        <a:effectLst/>
+      </p:bgPr>
+    </p:bg>
     <p:spTree>
       <p:nvGrpSpPr>
         <p:cNvPr id="1" name=""/>
@@ -20489,96 +20454,416 @@
       </p:grpSpPr>
       <p:sp>
         <p:nvSpPr>
-          <p:cNvPr id="2" name="Cím 1">
+          <p:cNvPr id="15" name="Rectangle 14">
             <a:extLst>
               <a:ext uri="{FF2B5EF4-FFF2-40B4-BE49-F238E27FC236}">
-                <a16:creationId xmlns:a16="http://schemas.microsoft.com/office/drawing/2014/main" id="{BEFA7BAD-A444-40B4-8981-43E5F4B7BEFB}"/>
+                <a16:creationId xmlns:a16="http://schemas.microsoft.com/office/drawing/2014/main" id="{9228552E-C8B1-4A80-8448-0787CE0FC704}"/>
+              </a:ext>
+              <a:ext uri="{C183D7F6-B498-43B3-948B-1728B52AA6E4}">
+                <adec:decorative xmlns:adec="http://schemas.microsoft.com/office/drawing/2017/decorative" val="1"/>
               </a:ext>
             </a:extLst>
           </p:cNvPr>
           <p:cNvSpPr>
-            <a:spLocks noGrp="1"/>
+            <a:spLocks noGrp="1" noRot="1" noChangeAspect="1" noMove="1" noResize="1" noEditPoints="1" noAdjustHandles="1" noChangeArrowheads="1" noChangeShapeType="1" noTextEdit="1"/>
           </p:cNvSpPr>
           <p:nvPr>
-            <p:ph type="title"/>
+            <p:extLst>
+              <p:ext uri="{386F3935-93C4-4BCD-93E2-E3B085C9AB24}">
+                <p16:designElem xmlns:p16="http://schemas.microsoft.com/office/powerpoint/2015/main" val="1"/>
+              </p:ext>
+            </p:extLst>
           </p:nvPr>
         </p:nvSpPr>
-        <p:spPr/>
+        <p:spPr>
+          <a:xfrm>
+            <a:off x="0" y="0"/>
+            <a:ext cx="12192000" cy="6858000"/>
+          </a:xfrm>
+          <a:prstGeom prst="rect">
+            <a:avLst/>
+          </a:prstGeom>
+          <a:solidFill>
+            <a:srgbClr val="000000"/>
+          </a:solidFill>
+          <a:ln>
+            <a:noFill/>
+          </a:ln>
+        </p:spPr>
+        <p:style>
+          <a:lnRef idx="2">
+            <a:schemeClr val="accent1">
+              <a:shade val="50000"/>
+            </a:schemeClr>
+          </a:lnRef>
+          <a:fillRef idx="1">
+            <a:schemeClr val="accent1"/>
+          </a:fillRef>
+          <a:effectRef idx="0">
+            <a:schemeClr val="accent1"/>
+          </a:effectRef>
+          <a:fontRef idx="minor">
+            <a:schemeClr val="lt1"/>
+          </a:fontRef>
+        </p:style>
         <p:txBody>
-          <a:bodyPr/>
+          <a:bodyPr rtlCol="0" anchor="ctr"/>
           <a:lstStyle/>
           <a:p>
-            <a:r>
-              <a:rPr lang="hu-HU" dirty="0"/>
+            <a:pPr algn="ctr"/>
+            <a:endParaRPr lang="en-US"/>
+          </a:p>
+        </p:txBody>
+      </p:sp>
+      <p:pic>
+        <p:nvPicPr>
+          <p:cNvPr id="5" name="Picture 4" descr="Spinning top">
+            <a:extLst>
+              <a:ext uri="{FF2B5EF4-FFF2-40B4-BE49-F238E27FC236}">
+                <a16:creationId xmlns:a16="http://schemas.microsoft.com/office/drawing/2014/main" id="{6A27F853-D1D2-48E4-B404-E40EDACA60A4}"/>
+              </a:ext>
+            </a:extLst>
+          </p:cNvPr>
+          <p:cNvPicPr>
+            <a:picLocks noChangeAspect="1"/>
+          </p:cNvPicPr>
+          <p:nvPr/>
+        </p:nvPicPr>
+        <p:blipFill rotWithShape="1">
+          <a:blip r:embed="rId2">
+            <a:alphaModFix amt="35000"/>
+            <a:extLst>
+              <a:ext uri="{28A0092B-C50C-407E-A947-70E740481C1C}">
+                <a14:useLocalDpi xmlns:a14="http://schemas.microsoft.com/office/drawing/2010/main" val="0"/>
+              </a:ext>
+            </a:extLst>
+          </a:blip>
+          <a:srcRect t="19643"/>
+          <a:stretch/>
+        </p:blipFill>
+        <p:spPr>
+          <a:xfrm>
+            <a:off x="20" y="1"/>
+            <a:ext cx="12191980" cy="6857999"/>
+          </a:xfrm>
+          <a:prstGeom prst="rect">
+            <a:avLst/>
+          </a:prstGeom>
+        </p:spPr>
+      </p:pic>
+      <p:sp>
+        <p:nvSpPr>
+          <p:cNvPr id="8" name="Cím 1">
+            <a:extLst>
+              <a:ext uri="{FF2B5EF4-FFF2-40B4-BE49-F238E27FC236}">
+                <a16:creationId xmlns:a16="http://schemas.microsoft.com/office/drawing/2014/main" id="{FEF7CC53-FE01-4BEB-B447-CE5B7A1ED0D9}"/>
+              </a:ext>
+            </a:extLst>
+          </p:cNvPr>
+          <p:cNvSpPr txBox="1">
+            <a:spLocks/>
+          </p:cNvSpPr>
+          <p:nvPr/>
+        </p:nvSpPr>
+        <p:spPr>
+          <a:xfrm>
+            <a:off x="838200" y="365125"/>
+            <a:ext cx="10515600" cy="1325563"/>
+          </a:xfrm>
+          <a:prstGeom prst="rect">
+            <a:avLst/>
+          </a:prstGeom>
+        </p:spPr>
+        <p:txBody>
+          <a:bodyPr vert="horz" lIns="91440" tIns="45720" rIns="91440" bIns="45720" rtlCol="0" anchor="ctr">
+            <a:normAutofit/>
+          </a:bodyPr>
+          <a:lstStyle>
+            <a:lvl1pPr algn="ctr" defTabSz="914400" rtl="0" eaLnBrk="1" latinLnBrk="0" hangingPunct="1">
+              <a:lnSpc>
+                <a:spcPct val="90000"/>
+              </a:lnSpc>
+              <a:spcBef>
+                <a:spcPct val="0"/>
+              </a:spcBef>
+              <a:buNone/>
+              <a:defRPr sz="6000" kern="1200">
+                <a:solidFill>
+                  <a:schemeClr val="tx1"/>
+                </a:solidFill>
+                <a:latin typeface="+mj-lt"/>
+                <a:ea typeface="+mj-ea"/>
+                <a:cs typeface="+mj-cs"/>
+              </a:defRPr>
+            </a:lvl1pPr>
+          </a:lstStyle>
+          <a:p>
+            <a:pPr algn="l">
+              <a:spcAft>
+                <a:spcPts val="600"/>
+              </a:spcAft>
+            </a:pPr>
+            <a:r>
+              <a:rPr lang="hu-HU" sz="4400"/>
               <a:t> micella dinamika</a:t>
             </a:r>
+            <a:endParaRPr lang="en-US" sz="4400">
+              <a:solidFill>
+                <a:srgbClr val="FFFFFF"/>
+              </a:solidFill>
+            </a:endParaRPr>
           </a:p>
         </p:txBody>
       </p:sp>
       <p:sp>
         <p:nvSpPr>
-          <p:cNvPr id="3" name="Tartalom helye 2">
+          <p:cNvPr id="9" name="Tartalom helye 2">
             <a:extLst>
               <a:ext uri="{FF2B5EF4-FFF2-40B4-BE49-F238E27FC236}">
-                <a16:creationId xmlns:a16="http://schemas.microsoft.com/office/drawing/2014/main" id="{A1A2E7D7-96CA-47E8-A2EB-5E31B93345E7}"/>
+                <a16:creationId xmlns:a16="http://schemas.microsoft.com/office/drawing/2014/main" id="{EAF7587C-B251-45DD-A2F8-77928E0B5B85}"/>
               </a:ext>
             </a:extLst>
           </p:cNvPr>
-          <p:cNvSpPr>
-            <a:spLocks noGrp="1"/>
+          <p:cNvSpPr txBox="1">
+            <a:spLocks/>
           </p:cNvSpPr>
-          <p:nvPr>
-            <p:ph idx="1"/>
-          </p:nvPr>
+          <p:nvPr/>
         </p:nvSpPr>
-        <p:spPr/>
+        <p:spPr>
+          <a:xfrm>
+            <a:off x="838200" y="1825625"/>
+            <a:ext cx="10515600" cy="4351338"/>
+          </a:xfrm>
+          <a:prstGeom prst="rect">
+            <a:avLst/>
+          </a:prstGeom>
+        </p:spPr>
         <p:txBody>
-          <a:bodyPr/>
-          <a:lstStyle/>
-          <a:p>
-            <a:r>
-              <a:rPr lang="hu-HU" dirty="0"/>
-              <a:t>A micella képződés és megszűnés  dinamikus egyensúlyi folyamat</a:t>
-            </a:r>
-          </a:p>
-          <a:p>
-            <a:endParaRPr lang="hu-HU" dirty="0"/>
-          </a:p>
-          <a:p>
-            <a:endParaRPr lang="hu-HU" dirty="0"/>
-          </a:p>
-          <a:p>
-            <a:pPr marL="0" indent="0">
+          <a:bodyPr vert="horz" lIns="91440" tIns="45720" rIns="91440" bIns="45720" rtlCol="0">
+            <a:normAutofit/>
+          </a:bodyPr>
+          <a:lstStyle>
+            <a:lvl1pPr marL="0" indent="0" algn="ctr" defTabSz="914400" rtl="0" eaLnBrk="1" latinLnBrk="0" hangingPunct="1">
+              <a:lnSpc>
+                <a:spcPct val="90000"/>
+              </a:lnSpc>
+              <a:spcBef>
+                <a:spcPts val="1000"/>
+              </a:spcBef>
+              <a:buFont typeface="Arial" panose="020B0604020202020204" pitchFamily="34" charset="0"/>
               <a:buNone/>
+              <a:defRPr sz="2400" kern="1200">
+                <a:solidFill>
+                  <a:schemeClr val="tx1"/>
+                </a:solidFill>
+                <a:latin typeface="+mn-lt"/>
+                <a:ea typeface="+mn-ea"/>
+                <a:cs typeface="+mn-cs"/>
+              </a:defRPr>
+            </a:lvl1pPr>
+            <a:lvl2pPr marL="457200" indent="0" algn="ctr" defTabSz="914400" rtl="0" eaLnBrk="1" latinLnBrk="0" hangingPunct="1">
+              <a:lnSpc>
+                <a:spcPct val="90000"/>
+              </a:lnSpc>
+              <a:spcBef>
+                <a:spcPts val="500"/>
+              </a:spcBef>
+              <a:buFont typeface="Arial" panose="020B0604020202020204" pitchFamily="34" charset="0"/>
+              <a:buNone/>
+              <a:defRPr sz="2000" kern="1200">
+                <a:solidFill>
+                  <a:schemeClr val="tx1"/>
+                </a:solidFill>
+                <a:latin typeface="+mn-lt"/>
+                <a:ea typeface="+mn-ea"/>
+                <a:cs typeface="+mn-cs"/>
+              </a:defRPr>
+            </a:lvl2pPr>
+            <a:lvl3pPr marL="914400" indent="0" algn="ctr" defTabSz="914400" rtl="0" eaLnBrk="1" latinLnBrk="0" hangingPunct="1">
+              <a:lnSpc>
+                <a:spcPct val="90000"/>
+              </a:lnSpc>
+              <a:spcBef>
+                <a:spcPts val="500"/>
+              </a:spcBef>
+              <a:buFont typeface="Arial" panose="020B0604020202020204" pitchFamily="34" charset="0"/>
+              <a:buNone/>
+              <a:defRPr sz="1800" kern="1200">
+                <a:solidFill>
+                  <a:schemeClr val="tx1"/>
+                </a:solidFill>
+                <a:latin typeface="+mn-lt"/>
+                <a:ea typeface="+mn-ea"/>
+                <a:cs typeface="+mn-cs"/>
+              </a:defRPr>
+            </a:lvl3pPr>
+            <a:lvl4pPr marL="1371600" indent="0" algn="ctr" defTabSz="914400" rtl="0" eaLnBrk="1" latinLnBrk="0" hangingPunct="1">
+              <a:lnSpc>
+                <a:spcPct val="90000"/>
+              </a:lnSpc>
+              <a:spcBef>
+                <a:spcPts val="500"/>
+              </a:spcBef>
+              <a:buFont typeface="Arial" panose="020B0604020202020204" pitchFamily="34" charset="0"/>
+              <a:buNone/>
+              <a:defRPr sz="1600" kern="1200">
+                <a:solidFill>
+                  <a:schemeClr val="tx1"/>
+                </a:solidFill>
+                <a:latin typeface="+mn-lt"/>
+                <a:ea typeface="+mn-ea"/>
+                <a:cs typeface="+mn-cs"/>
+              </a:defRPr>
+            </a:lvl4pPr>
+            <a:lvl5pPr marL="1828800" indent="0" algn="ctr" defTabSz="914400" rtl="0" eaLnBrk="1" latinLnBrk="0" hangingPunct="1">
+              <a:lnSpc>
+                <a:spcPct val="90000"/>
+              </a:lnSpc>
+              <a:spcBef>
+                <a:spcPts val="500"/>
+              </a:spcBef>
+              <a:buFont typeface="Arial" panose="020B0604020202020204" pitchFamily="34" charset="0"/>
+              <a:buNone/>
+              <a:defRPr sz="1600" kern="1200">
+                <a:solidFill>
+                  <a:schemeClr val="tx1"/>
+                </a:solidFill>
+                <a:latin typeface="+mn-lt"/>
+                <a:ea typeface="+mn-ea"/>
+                <a:cs typeface="+mn-cs"/>
+              </a:defRPr>
+            </a:lvl5pPr>
+            <a:lvl6pPr marL="2286000" indent="0" algn="ctr" defTabSz="914400" rtl="0" eaLnBrk="1" latinLnBrk="0" hangingPunct="1">
+              <a:lnSpc>
+                <a:spcPct val="90000"/>
+              </a:lnSpc>
+              <a:spcBef>
+                <a:spcPts val="500"/>
+              </a:spcBef>
+              <a:buFont typeface="Arial" panose="020B0604020202020204" pitchFamily="34" charset="0"/>
+              <a:buNone/>
+              <a:defRPr sz="1600" kern="1200">
+                <a:solidFill>
+                  <a:schemeClr val="tx1"/>
+                </a:solidFill>
+                <a:latin typeface="+mn-lt"/>
+                <a:ea typeface="+mn-ea"/>
+                <a:cs typeface="+mn-cs"/>
+              </a:defRPr>
+            </a:lvl6pPr>
+            <a:lvl7pPr marL="2743200" indent="0" algn="ctr" defTabSz="914400" rtl="0" eaLnBrk="1" latinLnBrk="0" hangingPunct="1">
+              <a:lnSpc>
+                <a:spcPct val="90000"/>
+              </a:lnSpc>
+              <a:spcBef>
+                <a:spcPts val="500"/>
+              </a:spcBef>
+              <a:buFont typeface="Arial" panose="020B0604020202020204" pitchFamily="34" charset="0"/>
+              <a:buNone/>
+              <a:defRPr sz="1600" kern="1200">
+                <a:solidFill>
+                  <a:schemeClr val="tx1"/>
+                </a:solidFill>
+                <a:latin typeface="+mn-lt"/>
+                <a:ea typeface="+mn-ea"/>
+                <a:cs typeface="+mn-cs"/>
+              </a:defRPr>
+            </a:lvl7pPr>
+            <a:lvl8pPr marL="3200400" indent="0" algn="ctr" defTabSz="914400" rtl="0" eaLnBrk="1" latinLnBrk="0" hangingPunct="1">
+              <a:lnSpc>
+                <a:spcPct val="90000"/>
+              </a:lnSpc>
+              <a:spcBef>
+                <a:spcPts val="500"/>
+              </a:spcBef>
+              <a:buFont typeface="Arial" panose="020B0604020202020204" pitchFamily="34" charset="0"/>
+              <a:buNone/>
+              <a:defRPr sz="1600" kern="1200">
+                <a:solidFill>
+                  <a:schemeClr val="tx1"/>
+                </a:solidFill>
+                <a:latin typeface="+mn-lt"/>
+                <a:ea typeface="+mn-ea"/>
+                <a:cs typeface="+mn-cs"/>
+              </a:defRPr>
+            </a:lvl8pPr>
+            <a:lvl9pPr marL="3657600" indent="0" algn="ctr" defTabSz="914400" rtl="0" eaLnBrk="1" latinLnBrk="0" hangingPunct="1">
+              <a:lnSpc>
+                <a:spcPct val="90000"/>
+              </a:lnSpc>
+              <a:spcBef>
+                <a:spcPts val="500"/>
+              </a:spcBef>
+              <a:buFont typeface="Arial" panose="020B0604020202020204" pitchFamily="34" charset="0"/>
+              <a:buNone/>
+              <a:defRPr sz="1600" kern="1200">
+                <a:solidFill>
+                  <a:schemeClr val="tx1"/>
+                </a:solidFill>
+                <a:latin typeface="+mn-lt"/>
+                <a:ea typeface="+mn-ea"/>
+                <a:cs typeface="+mn-cs"/>
+              </a:defRPr>
+            </a:lvl9pPr>
+          </a:lstStyle>
+          <a:p>
+            <a:pPr marL="571500" indent="-342900" algn="l">
+              <a:buFont typeface="Arial" panose="020B0604020202020204" pitchFamily="34" charset="0"/>
+              <a:buChar char="•"/>
             </a:pPr>
             <a:r>
-              <a:rPr lang="hu-HU" dirty="0" err="1"/>
-              <a:t>Molukulák</a:t>
-            </a:r>
-            <a:r>
-              <a:rPr lang="hu-HU" dirty="0"/>
-              <a:t> (vagy </a:t>
-            </a:r>
-            <a:r>
-              <a:rPr lang="hu-HU" dirty="0" err="1"/>
-              <a:t>ionoon</a:t>
-            </a:r>
-            <a:r>
-              <a:rPr lang="hu-HU" dirty="0"/>
+              <a:rPr lang="hu-HU" sz="2800"/>
+              <a:t>a micella képződés és megszűnés  dinamikus egyensúlyi folyamat</a:t>
+            </a:r>
+          </a:p>
+          <a:p>
+            <a:pPr marL="571500" indent="-342900" algn="l">
+              <a:buFont typeface="Arial" panose="020B0604020202020204" pitchFamily="34" charset="0"/>
+              <a:buChar char="•"/>
+            </a:pPr>
+            <a:endParaRPr lang="hu-HU" sz="2800"/>
+          </a:p>
+          <a:p>
+            <a:pPr marL="571500" indent="-342900" algn="l">
+              <a:buFont typeface="Arial" panose="020B0604020202020204" pitchFamily="34" charset="0"/>
+              <a:buChar char="•"/>
+            </a:pPr>
+            <a:endParaRPr lang="hu-HU" sz="2800"/>
+          </a:p>
+          <a:p>
+            <a:pPr marL="571500" indent="-342900" algn="l">
+              <a:buFont typeface="Arial" panose="020B0604020202020204" pitchFamily="34" charset="0"/>
+              <a:buChar char="•"/>
+            </a:pPr>
+            <a:r>
+              <a:rPr lang="hu-HU" sz="2800"/>
+              <a:t>mol</a:t>
+            </a:r>
+            <a:r>
+              <a:rPr lang="en-GB" sz="2800"/>
+              <a:t>e</a:t>
+            </a:r>
+            <a:r>
+              <a:rPr lang="hu-HU" sz="2800"/>
+              <a:t>kulák (vagy iono</a:t>
+            </a:r>
+            <a:r>
+              <a:rPr lang="en-GB" sz="2800"/>
+              <a:t>k</a:t>
+            </a:r>
+            <a:r>
+              <a:rPr lang="hu-HU" sz="2800"/>
               <a:t>) lépnek ki a micellából illetve lépnek be a micellába</a:t>
             </a:r>
-          </a:p>
-          <a:p>
-            <a:endParaRPr lang="hu-HU" dirty="0"/>
           </a:p>
         </p:txBody>
       </p:sp>
       <p:pic>
         <p:nvPicPr>
-          <p:cNvPr id="4" name="Kép 3">
+          <p:cNvPr id="6" name="Kép 3">
             <a:extLst>
               <a:ext uri="{FF2B5EF4-FFF2-40B4-BE49-F238E27FC236}">
-                <a16:creationId xmlns:a16="http://schemas.microsoft.com/office/drawing/2014/main" id="{CB714459-3C62-436D-9473-BA2518A13C0F}"/>
+                <a16:creationId xmlns:a16="http://schemas.microsoft.com/office/drawing/2014/main" id="{1F37CF64-2071-4617-8B2B-2CA9362E9188}"/>
               </a:ext>
             </a:extLst>
           </p:cNvPr>
@@ -20595,8 +20880,8 @@
         </p:blipFill>
         <p:spPr>
           <a:xfrm>
-            <a:off x="1784763" y="2178997"/>
-            <a:ext cx="2903969" cy="841979"/>
+            <a:off x="1738465" y="2433641"/>
+            <a:ext cx="2584659" cy="749398"/>
           </a:xfrm>
           <a:prstGeom prst="rect">
             <a:avLst/>
@@ -20606,12 +20891,12 @@
     </p:spTree>
     <p:extLst>
       <p:ext uri="{BB962C8B-B14F-4D97-AF65-F5344CB8AC3E}">
-        <p14:creationId xmlns:p14="http://schemas.microsoft.com/office/powerpoint/2010/main" val="1762409157"/>
+        <p14:creationId xmlns:p14="http://schemas.microsoft.com/office/powerpoint/2010/main" val="803964946"/>
       </p:ext>
     </p:extLst>
   </p:cSld>
   <p:clrMapOvr>
-    <a:masterClrMapping/>
+    <a:overrideClrMapping bg1="dk1" tx1="lt1" bg2="dk2" tx2="lt2" accent1="accent1" accent2="accent2" accent3="accent3" accent4="accent4" accent5="accent5" accent6="accent6" hlink="hlink" folHlink="folHlink"/>
   </p:clrMapOvr>
 </p:sld>
 </file>
@@ -20619,6 +20904,14 @@
 <file path=ppt/slides/slide25.xml><?xml version="1.0" encoding="utf-8"?>
 <p:sld xmlns:a="http://schemas.openxmlformats.org/drawingml/2006/main" xmlns:r="http://schemas.openxmlformats.org/officeDocument/2006/relationships" xmlns:p="http://schemas.openxmlformats.org/presentationml/2006/main">
   <p:cSld>
+    <p:bg>
+      <p:bgPr>
+        <a:solidFill>
+          <a:schemeClr val="bg1"/>
+        </a:solidFill>
+        <a:effectLst/>
+      </p:bgPr>
+    </p:bg>
     <p:spTree>
       <p:nvGrpSpPr>
         <p:cNvPr id="1" name=""/>
@@ -20635,140 +20928,445 @@
       </p:grpSpPr>
       <p:sp>
         <p:nvSpPr>
-          <p:cNvPr id="2" name="Cím 1">
+          <p:cNvPr id="15" name="Rectangle 14">
             <a:extLst>
               <a:ext uri="{FF2B5EF4-FFF2-40B4-BE49-F238E27FC236}">
-                <a16:creationId xmlns:a16="http://schemas.microsoft.com/office/drawing/2014/main" id="{CDC85030-4AE5-4538-B0F0-5A2CA8351E2B}"/>
+                <a16:creationId xmlns:a16="http://schemas.microsoft.com/office/drawing/2014/main" id="{9228552E-C8B1-4A80-8448-0787CE0FC704}"/>
+              </a:ext>
+              <a:ext uri="{C183D7F6-B498-43B3-948B-1728B52AA6E4}">
+                <adec:decorative xmlns:adec="http://schemas.microsoft.com/office/drawing/2017/decorative" val="1"/>
               </a:ext>
             </a:extLst>
           </p:cNvPr>
           <p:cNvSpPr>
-            <a:spLocks noGrp="1"/>
+            <a:spLocks noGrp="1" noRot="1" noChangeAspect="1" noMove="1" noResize="1" noEditPoints="1" noAdjustHandles="1" noChangeArrowheads="1" noChangeShapeType="1" noTextEdit="1"/>
           </p:cNvSpPr>
           <p:nvPr>
-            <p:ph type="title"/>
+            <p:extLst>
+              <p:ext uri="{386F3935-93C4-4BCD-93E2-E3B085C9AB24}">
+                <p16:designElem xmlns:p16="http://schemas.microsoft.com/office/powerpoint/2015/main" val="1"/>
+              </p:ext>
+            </p:extLst>
           </p:nvPr>
         </p:nvSpPr>
-        <p:spPr/>
+        <p:spPr>
+          <a:xfrm>
+            <a:off x="0" y="0"/>
+            <a:ext cx="12192000" cy="6858000"/>
+          </a:xfrm>
+          <a:prstGeom prst="rect">
+            <a:avLst/>
+          </a:prstGeom>
+          <a:solidFill>
+            <a:srgbClr val="000000"/>
+          </a:solidFill>
+          <a:ln>
+            <a:noFill/>
+          </a:ln>
+        </p:spPr>
+        <p:style>
+          <a:lnRef idx="2">
+            <a:schemeClr val="accent1">
+              <a:shade val="50000"/>
+            </a:schemeClr>
+          </a:lnRef>
+          <a:fillRef idx="1">
+            <a:schemeClr val="accent1"/>
+          </a:fillRef>
+          <a:effectRef idx="0">
+            <a:schemeClr val="accent1"/>
+          </a:effectRef>
+          <a:fontRef idx="minor">
+            <a:schemeClr val="lt1"/>
+          </a:fontRef>
+        </p:style>
         <p:txBody>
-          <a:bodyPr/>
+          <a:bodyPr rtlCol="0" anchor="ctr"/>
           <a:lstStyle/>
           <a:p>
-            <a:r>
-              <a:rPr lang="hu-HU" dirty="0"/>
-              <a:t>Relaxációs folyamatok</a:t>
-            </a:r>
+            <a:pPr algn="ctr"/>
+            <a:endParaRPr lang="en-US"/>
+          </a:p>
+        </p:txBody>
+      </p:sp>
+      <p:pic>
+        <p:nvPicPr>
+          <p:cNvPr id="5" name="Picture 4" descr="Spinning top">
+            <a:extLst>
+              <a:ext uri="{FF2B5EF4-FFF2-40B4-BE49-F238E27FC236}">
+                <a16:creationId xmlns:a16="http://schemas.microsoft.com/office/drawing/2014/main" id="{6A27F853-D1D2-48E4-B404-E40EDACA60A4}"/>
+              </a:ext>
+            </a:extLst>
+          </p:cNvPr>
+          <p:cNvPicPr>
+            <a:picLocks noChangeAspect="1"/>
+          </p:cNvPicPr>
+          <p:nvPr/>
+        </p:nvPicPr>
+        <p:blipFill rotWithShape="1">
+          <a:blip r:embed="rId2">
+            <a:alphaModFix amt="35000"/>
+            <a:extLst>
+              <a:ext uri="{28A0092B-C50C-407E-A947-70E740481C1C}">
+                <a14:useLocalDpi xmlns:a14="http://schemas.microsoft.com/office/drawing/2010/main" val="0"/>
+              </a:ext>
+            </a:extLst>
+          </a:blip>
+          <a:srcRect t="19643"/>
+          <a:stretch/>
+        </p:blipFill>
+        <p:spPr>
+          <a:xfrm>
+            <a:off x="20" y="1"/>
+            <a:ext cx="12191980" cy="6857999"/>
+          </a:xfrm>
+          <a:prstGeom prst="rect">
+            <a:avLst/>
+          </a:prstGeom>
+        </p:spPr>
+      </p:pic>
+      <p:sp>
+        <p:nvSpPr>
+          <p:cNvPr id="8" name="Cím 1">
+            <a:extLst>
+              <a:ext uri="{FF2B5EF4-FFF2-40B4-BE49-F238E27FC236}">
+                <a16:creationId xmlns:a16="http://schemas.microsoft.com/office/drawing/2014/main" id="{FEF7CC53-FE01-4BEB-B447-CE5B7A1ED0D9}"/>
+              </a:ext>
+            </a:extLst>
+          </p:cNvPr>
+          <p:cNvSpPr txBox="1">
+            <a:spLocks/>
+          </p:cNvSpPr>
+          <p:nvPr/>
+        </p:nvSpPr>
+        <p:spPr>
+          <a:xfrm>
+            <a:off x="838200" y="365125"/>
+            <a:ext cx="10515600" cy="1325563"/>
+          </a:xfrm>
+          <a:prstGeom prst="rect">
+            <a:avLst/>
+          </a:prstGeom>
+        </p:spPr>
+        <p:txBody>
+          <a:bodyPr vert="horz" lIns="91440" tIns="45720" rIns="91440" bIns="45720" rtlCol="0" anchor="ctr">
+            <a:normAutofit/>
+          </a:bodyPr>
+          <a:lstStyle>
+            <a:lvl1pPr algn="ctr" defTabSz="914400" rtl="0" eaLnBrk="1" latinLnBrk="0" hangingPunct="1">
+              <a:lnSpc>
+                <a:spcPct val="90000"/>
+              </a:lnSpc>
+              <a:spcBef>
+                <a:spcPct val="0"/>
+              </a:spcBef>
+              <a:buNone/>
+              <a:defRPr sz="6000" kern="1200">
+                <a:solidFill>
+                  <a:schemeClr val="tx1"/>
+                </a:solidFill>
+                <a:latin typeface="+mj-lt"/>
+                <a:ea typeface="+mj-ea"/>
+                <a:cs typeface="+mj-cs"/>
+              </a:defRPr>
+            </a:lvl1pPr>
+          </a:lstStyle>
+          <a:p>
+            <a:pPr algn="l">
+              <a:spcAft>
+                <a:spcPts val="600"/>
+              </a:spcAft>
+            </a:pPr>
+            <a:r>
+              <a:rPr lang="hu-HU" sz="4400"/>
+              <a:t>relaxációs folyamatok</a:t>
+            </a:r>
+            <a:endParaRPr lang="en-US" sz="4400">
+              <a:solidFill>
+                <a:srgbClr val="FFFFFF"/>
+              </a:solidFill>
+            </a:endParaRPr>
           </a:p>
         </p:txBody>
       </p:sp>
       <p:sp>
         <p:nvSpPr>
-          <p:cNvPr id="3" name="Tartalom helye 2">
+          <p:cNvPr id="9" name="Tartalom helye 2">
             <a:extLst>
               <a:ext uri="{FF2B5EF4-FFF2-40B4-BE49-F238E27FC236}">
-                <a16:creationId xmlns:a16="http://schemas.microsoft.com/office/drawing/2014/main" id="{D081BA4A-D23B-4209-A070-FF5E3D44E354}"/>
+                <a16:creationId xmlns:a16="http://schemas.microsoft.com/office/drawing/2014/main" id="{EAF7587C-B251-45DD-A2F8-77928E0B5B85}"/>
               </a:ext>
             </a:extLst>
           </p:cNvPr>
-          <p:cNvSpPr>
-            <a:spLocks noGrp="1"/>
+          <p:cNvSpPr txBox="1">
+            <a:spLocks/>
           </p:cNvSpPr>
-          <p:nvPr>
-            <p:ph idx="1"/>
-          </p:nvPr>
+          <p:nvPr/>
         </p:nvSpPr>
-        <p:spPr/>
+        <p:spPr>
+          <a:xfrm>
+            <a:off x="838200" y="1825625"/>
+            <a:ext cx="10515600" cy="4351338"/>
+          </a:xfrm>
+          <a:prstGeom prst="rect">
+            <a:avLst/>
+          </a:prstGeom>
+        </p:spPr>
         <p:txBody>
-          <a:bodyPr/>
-          <a:lstStyle/>
-          <a:p>
-            <a:pPr marL="0" indent="0">
+          <a:bodyPr vert="horz" lIns="91440" tIns="45720" rIns="91440" bIns="45720" rtlCol="0">
+            <a:normAutofit/>
+          </a:bodyPr>
+          <a:lstStyle>
+            <a:lvl1pPr marL="0" indent="0" algn="ctr" defTabSz="914400" rtl="0" eaLnBrk="1" latinLnBrk="0" hangingPunct="1">
+              <a:lnSpc>
+                <a:spcPct val="90000"/>
+              </a:lnSpc>
+              <a:spcBef>
+                <a:spcPts val="1000"/>
+              </a:spcBef>
+              <a:buFont typeface="Arial" panose="020B0604020202020204" pitchFamily="34" charset="0"/>
               <a:buNone/>
+              <a:defRPr sz="2400" kern="1200">
+                <a:solidFill>
+                  <a:schemeClr val="tx1"/>
+                </a:solidFill>
+                <a:latin typeface="+mn-lt"/>
+                <a:ea typeface="+mn-ea"/>
+                <a:cs typeface="+mn-cs"/>
+              </a:defRPr>
+            </a:lvl1pPr>
+            <a:lvl2pPr marL="457200" indent="0" algn="ctr" defTabSz="914400" rtl="0" eaLnBrk="1" latinLnBrk="0" hangingPunct="1">
+              <a:lnSpc>
+                <a:spcPct val="90000"/>
+              </a:lnSpc>
+              <a:spcBef>
+                <a:spcPts val="500"/>
+              </a:spcBef>
+              <a:buFont typeface="Arial" panose="020B0604020202020204" pitchFamily="34" charset="0"/>
+              <a:buNone/>
+              <a:defRPr sz="2000" kern="1200">
+                <a:solidFill>
+                  <a:schemeClr val="tx1"/>
+                </a:solidFill>
+                <a:latin typeface="+mn-lt"/>
+                <a:ea typeface="+mn-ea"/>
+                <a:cs typeface="+mn-cs"/>
+              </a:defRPr>
+            </a:lvl2pPr>
+            <a:lvl3pPr marL="914400" indent="0" algn="ctr" defTabSz="914400" rtl="0" eaLnBrk="1" latinLnBrk="0" hangingPunct="1">
+              <a:lnSpc>
+                <a:spcPct val="90000"/>
+              </a:lnSpc>
+              <a:spcBef>
+                <a:spcPts val="500"/>
+              </a:spcBef>
+              <a:buFont typeface="Arial" panose="020B0604020202020204" pitchFamily="34" charset="0"/>
+              <a:buNone/>
+              <a:defRPr sz="1800" kern="1200">
+                <a:solidFill>
+                  <a:schemeClr val="tx1"/>
+                </a:solidFill>
+                <a:latin typeface="+mn-lt"/>
+                <a:ea typeface="+mn-ea"/>
+                <a:cs typeface="+mn-cs"/>
+              </a:defRPr>
+            </a:lvl3pPr>
+            <a:lvl4pPr marL="1371600" indent="0" algn="ctr" defTabSz="914400" rtl="0" eaLnBrk="1" latinLnBrk="0" hangingPunct="1">
+              <a:lnSpc>
+                <a:spcPct val="90000"/>
+              </a:lnSpc>
+              <a:spcBef>
+                <a:spcPts val="500"/>
+              </a:spcBef>
+              <a:buFont typeface="Arial" panose="020B0604020202020204" pitchFamily="34" charset="0"/>
+              <a:buNone/>
+              <a:defRPr sz="1600" kern="1200">
+                <a:solidFill>
+                  <a:schemeClr val="tx1"/>
+                </a:solidFill>
+                <a:latin typeface="+mn-lt"/>
+                <a:ea typeface="+mn-ea"/>
+                <a:cs typeface="+mn-cs"/>
+              </a:defRPr>
+            </a:lvl4pPr>
+            <a:lvl5pPr marL="1828800" indent="0" algn="ctr" defTabSz="914400" rtl="0" eaLnBrk="1" latinLnBrk="0" hangingPunct="1">
+              <a:lnSpc>
+                <a:spcPct val="90000"/>
+              </a:lnSpc>
+              <a:spcBef>
+                <a:spcPts val="500"/>
+              </a:spcBef>
+              <a:buFont typeface="Arial" panose="020B0604020202020204" pitchFamily="34" charset="0"/>
+              <a:buNone/>
+              <a:defRPr sz="1600" kern="1200">
+                <a:solidFill>
+                  <a:schemeClr val="tx1"/>
+                </a:solidFill>
+                <a:latin typeface="+mn-lt"/>
+                <a:ea typeface="+mn-ea"/>
+                <a:cs typeface="+mn-cs"/>
+              </a:defRPr>
+            </a:lvl5pPr>
+            <a:lvl6pPr marL="2286000" indent="0" algn="ctr" defTabSz="914400" rtl="0" eaLnBrk="1" latinLnBrk="0" hangingPunct="1">
+              <a:lnSpc>
+                <a:spcPct val="90000"/>
+              </a:lnSpc>
+              <a:spcBef>
+                <a:spcPts val="500"/>
+              </a:spcBef>
+              <a:buFont typeface="Arial" panose="020B0604020202020204" pitchFamily="34" charset="0"/>
+              <a:buNone/>
+              <a:defRPr sz="1600" kern="1200">
+                <a:solidFill>
+                  <a:schemeClr val="tx1"/>
+                </a:solidFill>
+                <a:latin typeface="+mn-lt"/>
+                <a:ea typeface="+mn-ea"/>
+                <a:cs typeface="+mn-cs"/>
+              </a:defRPr>
+            </a:lvl6pPr>
+            <a:lvl7pPr marL="2743200" indent="0" algn="ctr" defTabSz="914400" rtl="0" eaLnBrk="1" latinLnBrk="0" hangingPunct="1">
+              <a:lnSpc>
+                <a:spcPct val="90000"/>
+              </a:lnSpc>
+              <a:spcBef>
+                <a:spcPts val="500"/>
+              </a:spcBef>
+              <a:buFont typeface="Arial" panose="020B0604020202020204" pitchFamily="34" charset="0"/>
+              <a:buNone/>
+              <a:defRPr sz="1600" kern="1200">
+                <a:solidFill>
+                  <a:schemeClr val="tx1"/>
+                </a:solidFill>
+                <a:latin typeface="+mn-lt"/>
+                <a:ea typeface="+mn-ea"/>
+                <a:cs typeface="+mn-cs"/>
+              </a:defRPr>
+            </a:lvl7pPr>
+            <a:lvl8pPr marL="3200400" indent="0" algn="ctr" defTabSz="914400" rtl="0" eaLnBrk="1" latinLnBrk="0" hangingPunct="1">
+              <a:lnSpc>
+                <a:spcPct val="90000"/>
+              </a:lnSpc>
+              <a:spcBef>
+                <a:spcPts val="500"/>
+              </a:spcBef>
+              <a:buFont typeface="Arial" panose="020B0604020202020204" pitchFamily="34" charset="0"/>
+              <a:buNone/>
+              <a:defRPr sz="1600" kern="1200">
+                <a:solidFill>
+                  <a:schemeClr val="tx1"/>
+                </a:solidFill>
+                <a:latin typeface="+mn-lt"/>
+                <a:ea typeface="+mn-ea"/>
+                <a:cs typeface="+mn-cs"/>
+              </a:defRPr>
+            </a:lvl8pPr>
+            <a:lvl9pPr marL="3657600" indent="0" algn="ctr" defTabSz="914400" rtl="0" eaLnBrk="1" latinLnBrk="0" hangingPunct="1">
+              <a:lnSpc>
+                <a:spcPct val="90000"/>
+              </a:lnSpc>
+              <a:spcBef>
+                <a:spcPts val="500"/>
+              </a:spcBef>
+              <a:buFont typeface="Arial" panose="020B0604020202020204" pitchFamily="34" charset="0"/>
+              <a:buNone/>
+              <a:defRPr sz="1600" kern="1200">
+                <a:solidFill>
+                  <a:schemeClr val="tx1"/>
+                </a:solidFill>
+                <a:latin typeface="+mn-lt"/>
+                <a:ea typeface="+mn-ea"/>
+                <a:cs typeface="+mn-cs"/>
+              </a:defRPr>
+            </a:lvl9pPr>
+          </a:lstStyle>
+          <a:p>
+            <a:pPr marL="228600" algn="l"/>
+            <a:r>
+              <a:rPr lang="hu-HU" sz="2800"/>
+              <a:t>2 relaxációs  folyamat különböztethető  meg:</a:t>
+            </a:r>
+          </a:p>
+          <a:p>
+            <a:pPr marL="571500" indent="-342900" algn="l">
+              <a:buFont typeface="Arial" panose="020B0604020202020204" pitchFamily="34" charset="0"/>
+              <a:buChar char="•"/>
             </a:pPr>
             <a:r>
-              <a:rPr lang="hu-HU" dirty="0"/>
-              <a:t>2 relaxációs  folyamat </a:t>
-            </a:r>
-            <a:r>
-              <a:rPr lang="hu-HU" dirty="0" err="1"/>
-              <a:t>különböztethető</a:t>
-            </a:r>
-            <a:r>
-              <a:rPr lang="hu-HU" dirty="0"/>
-              <a:t>  meg:</a:t>
-            </a:r>
-          </a:p>
-          <a:p>
-            <a:pPr marL="514350" indent="-514350">
-              <a:buAutoNum type="arabicParenR"/>
+              <a:rPr lang="hu-HU" sz="2800"/>
+              <a:t>rövid: 10</a:t>
+            </a:r>
+            <a:r>
+              <a:rPr lang="hu-HU" sz="2800" baseline="30000"/>
+              <a:t>-8</a:t>
+            </a:r>
+            <a:r>
+              <a:rPr lang="hu-HU" sz="2800"/>
+              <a:t> – 10</a:t>
+            </a:r>
+            <a:r>
+              <a:rPr lang="hu-HU" sz="2800" baseline="30000"/>
+              <a:t>-3</a:t>
+            </a:r>
+            <a:r>
+              <a:rPr lang="hu-HU" sz="2800"/>
+              <a:t> a monomer élettartama a micellában</a:t>
+            </a:r>
+          </a:p>
+          <a:p>
+            <a:pPr marL="571500" indent="-342900" algn="l">
+              <a:buFont typeface="Arial" panose="020B0604020202020204" pitchFamily="34" charset="0"/>
+              <a:buChar char="•"/>
             </a:pPr>
-            <a:r>
-              <a:rPr lang="hu-HU" dirty="0"/>
-              <a:t>rövid: 10</a:t>
-            </a:r>
-            <a:r>
-              <a:rPr lang="hu-HU" baseline="30000" dirty="0"/>
-              <a:t>-8</a:t>
-            </a:r>
-            <a:r>
-              <a:rPr lang="hu-HU" dirty="0"/>
-              <a:t> – 10</a:t>
-            </a:r>
-            <a:r>
-              <a:rPr lang="hu-HU" baseline="30000" dirty="0"/>
-              <a:t>-3</a:t>
-            </a:r>
-            <a:r>
-              <a:rPr lang="hu-HU" dirty="0"/>
-              <a:t> a monomer élettartama a micellában</a:t>
-            </a:r>
-          </a:p>
-          <a:p>
-            <a:pPr marL="514350" indent="-514350">
-              <a:buAutoNum type="arabicParenR"/>
+            <a:endParaRPr lang="hu-HU" sz="2800"/>
+          </a:p>
+          <a:p>
+            <a:pPr marL="571500" indent="-342900" algn="l">
+              <a:buFont typeface="Arial" panose="020B0604020202020204" pitchFamily="34" charset="0"/>
+              <a:buChar char="•"/>
             </a:pPr>
-            <a:endParaRPr lang="hu-HU" dirty="0"/>
-          </a:p>
-          <a:p>
-            <a:pPr marL="0" indent="0">
-              <a:buNone/>
+            <a:endParaRPr lang="hu-HU" sz="2800"/>
+          </a:p>
+          <a:p>
+            <a:pPr marL="571500" indent="-342900" algn="l">
+              <a:buFont typeface="Arial" panose="020B0604020202020204" pitchFamily="34" charset="0"/>
+              <a:buChar char="•"/>
             </a:pPr>
-            <a:endParaRPr lang="hu-HU" dirty="0"/>
-          </a:p>
-          <a:p>
-            <a:pPr marL="0" indent="0">
-              <a:buNone/>
+            <a:r>
+              <a:rPr lang="hu-HU" sz="2800"/>
+              <a:t>hosszú: 10</a:t>
+            </a:r>
+            <a:r>
+              <a:rPr lang="hu-HU" sz="2800" baseline="30000"/>
+              <a:t>-3 </a:t>
+            </a:r>
+            <a:r>
+              <a:rPr lang="hu-HU" sz="2800"/>
+              <a:t>– 1 sec a micella monomerekre történő disszociációja</a:t>
+            </a:r>
+          </a:p>
+          <a:p>
+            <a:pPr marL="571500" indent="-342900" algn="l">
+              <a:buFont typeface="Arial" panose="020B0604020202020204" pitchFamily="34" charset="0"/>
+              <a:buChar char="•"/>
             </a:pPr>
-            <a:r>
-              <a:rPr lang="hu-HU" dirty="0"/>
-              <a:t>2)hosszú: 10</a:t>
-            </a:r>
-            <a:r>
-              <a:rPr lang="hu-HU" baseline="30000" dirty="0"/>
-              <a:t>-3 </a:t>
-            </a:r>
-            <a:r>
-              <a:rPr lang="hu-HU" dirty="0"/>
-              <a:t>– 1 sec a micella monomerekre történő disszociációja</a:t>
-            </a:r>
-          </a:p>
-          <a:p>
-            <a:pPr marL="514350" indent="-514350">
-              <a:buAutoNum type="arabicParenR"/>
+            <a:endParaRPr lang="hu-HU" sz="2800"/>
+          </a:p>
+          <a:p>
+            <a:pPr marL="571500" indent="-342900" algn="l">
+              <a:buFont typeface="Arial" panose="020B0604020202020204" pitchFamily="34" charset="0"/>
+              <a:buChar char="•"/>
             </a:pPr>
-            <a:endParaRPr lang="hu-HU" dirty="0"/>
-          </a:p>
-          <a:p>
-            <a:endParaRPr lang="hu-HU" dirty="0"/>
+            <a:endParaRPr lang="hu-HU" sz="2800"/>
           </a:p>
         </p:txBody>
       </p:sp>
       <p:pic>
         <p:nvPicPr>
-          <p:cNvPr id="4" name="Kép 3">
+          <p:cNvPr id="7" name="Kép 3">
             <a:extLst>
               <a:ext uri="{FF2B5EF4-FFF2-40B4-BE49-F238E27FC236}">
-                <a16:creationId xmlns:a16="http://schemas.microsoft.com/office/drawing/2014/main" id="{7683155A-AA99-4D34-911A-44CE26D058AB}"/>
+                <a16:creationId xmlns:a16="http://schemas.microsoft.com/office/drawing/2014/main" id="{648A1341-9777-444C-B535-85E215E3C65F}"/>
               </a:ext>
             </a:extLst>
           </p:cNvPr>
@@ -20785,7 +21383,7 @@
         </p:blipFill>
         <p:spPr>
           <a:xfrm>
-            <a:off x="5138737" y="3162300"/>
+            <a:off x="1550585" y="3081277"/>
             <a:ext cx="1914525" cy="533400"/>
           </a:xfrm>
           <a:prstGeom prst="rect">
@@ -20796,12 +21394,12 @@
     </p:spTree>
     <p:extLst>
       <p:ext uri="{BB962C8B-B14F-4D97-AF65-F5344CB8AC3E}">
-        <p14:creationId xmlns:p14="http://schemas.microsoft.com/office/powerpoint/2010/main" val="3513680305"/>
+        <p14:creationId xmlns:p14="http://schemas.microsoft.com/office/powerpoint/2010/main" val="4136035732"/>
       </p:ext>
     </p:extLst>
   </p:cSld>
   <p:clrMapOvr>
-    <a:masterClrMapping/>
+    <a:overrideClrMapping bg1="dk1" tx1="lt1" bg2="dk2" tx2="lt2" accent1="accent1" accent2="accent2" accent3="accent3" accent4="accent4" accent5="accent5" accent6="accent6" hlink="hlink" folHlink="folHlink"/>
   </p:clrMapOvr>
 </p:sld>
 </file>
@@ -20809,6 +21407,14 @@
 <file path=ppt/slides/slide26.xml><?xml version="1.0" encoding="utf-8"?>
 <p:sld xmlns:a="http://schemas.openxmlformats.org/drawingml/2006/main" xmlns:r="http://schemas.openxmlformats.org/officeDocument/2006/relationships" xmlns:p="http://schemas.openxmlformats.org/presentationml/2006/main">
   <p:cSld>
+    <p:bg>
+      <p:bgPr>
+        <a:solidFill>
+          <a:schemeClr val="bg1"/>
+        </a:solidFill>
+        <a:effectLst/>
+      </p:bgPr>
+    </p:bg>
     <p:spTree>
       <p:nvGrpSpPr>
         <p:cNvPr id="1" name=""/>
@@ -20825,69 +21431,209 @@
       </p:grpSpPr>
       <p:sp>
         <p:nvSpPr>
-          <p:cNvPr id="2" name="Cím 1">
+          <p:cNvPr id="15" name="Rectangle 14">
             <a:extLst>
               <a:ext uri="{FF2B5EF4-FFF2-40B4-BE49-F238E27FC236}">
-                <a16:creationId xmlns:a16="http://schemas.microsoft.com/office/drawing/2014/main" id="{D483CD27-0DA9-424E-893D-B2541BE99ADD}"/>
+                <a16:creationId xmlns:a16="http://schemas.microsoft.com/office/drawing/2014/main" id="{9228552E-C8B1-4A80-8448-0787CE0FC704}"/>
+              </a:ext>
+              <a:ext uri="{C183D7F6-B498-43B3-948B-1728B52AA6E4}">
+                <adec:decorative xmlns:adec="http://schemas.microsoft.com/office/drawing/2017/decorative" val="1"/>
               </a:ext>
             </a:extLst>
           </p:cNvPr>
           <p:cNvSpPr>
-            <a:spLocks noGrp="1"/>
+            <a:spLocks noGrp="1" noRot="1" noChangeAspect="1" noMove="1" noResize="1" noEditPoints="1" noAdjustHandles="1" noChangeArrowheads="1" noChangeShapeType="1" noTextEdit="1"/>
           </p:cNvSpPr>
           <p:nvPr>
-            <p:ph type="title"/>
+            <p:extLst>
+              <p:ext uri="{386F3935-93C4-4BCD-93E2-E3B085C9AB24}">
+                <p16:designElem xmlns:p16="http://schemas.microsoft.com/office/powerpoint/2015/main" val="1"/>
+              </p:ext>
+            </p:extLst>
           </p:nvPr>
         </p:nvSpPr>
-        <p:spPr/>
+        <p:spPr>
+          <a:xfrm>
+            <a:off x="0" y="0"/>
+            <a:ext cx="12192000" cy="6858000"/>
+          </a:xfrm>
+          <a:prstGeom prst="rect">
+            <a:avLst/>
+          </a:prstGeom>
+          <a:solidFill>
+            <a:srgbClr val="000000"/>
+          </a:solidFill>
+          <a:ln>
+            <a:noFill/>
+          </a:ln>
+        </p:spPr>
+        <p:style>
+          <a:lnRef idx="2">
+            <a:schemeClr val="accent1">
+              <a:shade val="50000"/>
+            </a:schemeClr>
+          </a:lnRef>
+          <a:fillRef idx="1">
+            <a:schemeClr val="accent1"/>
+          </a:fillRef>
+          <a:effectRef idx="0">
+            <a:schemeClr val="accent1"/>
+          </a:effectRef>
+          <a:fontRef idx="minor">
+            <a:schemeClr val="lt1"/>
+          </a:fontRef>
+        </p:style>
         <p:txBody>
-          <a:bodyPr/>
+          <a:bodyPr rtlCol="0" anchor="ctr"/>
           <a:lstStyle/>
           <a:p>
-            <a:r>
-              <a:rPr lang="hu-HU" dirty="0" err="1"/>
-              <a:t>Etoxilátumok</a:t>
-            </a:r>
-            <a:r>
-              <a:rPr lang="hu-HU" dirty="0"/>
-              <a:t>  </a:t>
-            </a:r>
-            <a:r>
-              <a:rPr lang="hu-HU" dirty="0" err="1"/>
-              <a:t>cmc</a:t>
-            </a:r>
-            <a:r>
-              <a:rPr lang="hu-HU" dirty="0"/>
-              <a:t>-je alacsony (általánosan preferáltak)</a:t>
-            </a:r>
+            <a:pPr algn="ctr"/>
+            <a:endParaRPr lang="en-US"/>
           </a:p>
         </p:txBody>
       </p:sp>
       <p:pic>
         <p:nvPicPr>
-          <p:cNvPr id="4" name="Tartalom helye 3">
+          <p:cNvPr id="5" name="Picture 4" descr="Spinning top">
             <a:extLst>
               <a:ext uri="{FF2B5EF4-FFF2-40B4-BE49-F238E27FC236}">
-                <a16:creationId xmlns:a16="http://schemas.microsoft.com/office/drawing/2014/main" id="{D7D97667-69CE-43FD-AC9E-A15E185899E6}"/>
+                <a16:creationId xmlns:a16="http://schemas.microsoft.com/office/drawing/2014/main" id="{6A27F853-D1D2-48E4-B404-E40EDACA60A4}"/>
               </a:ext>
             </a:extLst>
           </p:cNvPr>
           <p:cNvPicPr>
-            <a:picLocks noGrp="1" noChangeAspect="1"/>
+            <a:picLocks noChangeAspect="1"/>
           </p:cNvPicPr>
-          <p:nvPr>
-            <p:ph idx="1"/>
-          </p:nvPr>
+          <p:nvPr/>
+        </p:nvPicPr>
+        <p:blipFill rotWithShape="1">
+          <a:blip r:embed="rId2">
+            <a:alphaModFix amt="35000"/>
+            <a:extLst>
+              <a:ext uri="{28A0092B-C50C-407E-A947-70E740481C1C}">
+                <a14:useLocalDpi xmlns:a14="http://schemas.microsoft.com/office/drawing/2010/main" val="0"/>
+              </a:ext>
+            </a:extLst>
+          </a:blip>
+          <a:srcRect t="19643"/>
+          <a:stretch/>
+        </p:blipFill>
+        <p:spPr>
+          <a:xfrm>
+            <a:off x="20" y="1"/>
+            <a:ext cx="12191980" cy="6857999"/>
+          </a:xfrm>
+          <a:prstGeom prst="rect">
+            <a:avLst/>
+          </a:prstGeom>
+        </p:spPr>
+      </p:pic>
+      <p:sp>
+        <p:nvSpPr>
+          <p:cNvPr id="8" name="Cím 1">
+            <a:extLst>
+              <a:ext uri="{FF2B5EF4-FFF2-40B4-BE49-F238E27FC236}">
+                <a16:creationId xmlns:a16="http://schemas.microsoft.com/office/drawing/2014/main" id="{FEF7CC53-FE01-4BEB-B447-CE5B7A1ED0D9}"/>
+              </a:ext>
+            </a:extLst>
+          </p:cNvPr>
+          <p:cNvSpPr txBox="1">
+            <a:spLocks/>
+          </p:cNvSpPr>
+          <p:nvPr/>
+        </p:nvSpPr>
+        <p:spPr>
+          <a:xfrm>
+            <a:off x="838200" y="365125"/>
+            <a:ext cx="10515600" cy="1325563"/>
+          </a:xfrm>
+          <a:prstGeom prst="rect">
+            <a:avLst/>
+          </a:prstGeom>
+        </p:spPr>
+        <p:txBody>
+          <a:bodyPr vert="horz" lIns="91440" tIns="45720" rIns="91440" bIns="45720" rtlCol="0" anchor="ctr">
+            <a:normAutofit/>
+          </a:bodyPr>
+          <a:lstStyle>
+            <a:lvl1pPr algn="ctr" defTabSz="914400" rtl="0" eaLnBrk="1" latinLnBrk="0" hangingPunct="1">
+              <a:lnSpc>
+                <a:spcPct val="90000"/>
+              </a:lnSpc>
+              <a:spcBef>
+                <a:spcPct val="0"/>
+              </a:spcBef>
+              <a:buNone/>
+              <a:defRPr sz="6000" kern="1200">
+                <a:solidFill>
+                  <a:schemeClr val="tx1"/>
+                </a:solidFill>
+                <a:latin typeface="+mj-lt"/>
+                <a:ea typeface="+mj-ea"/>
+                <a:cs typeface="+mj-cs"/>
+              </a:defRPr>
+            </a:lvl1pPr>
+          </a:lstStyle>
+          <a:p>
+            <a:pPr algn="l">
+              <a:spcAft>
+                <a:spcPts val="600"/>
+              </a:spcAft>
+            </a:pPr>
+            <a:r>
+              <a:rPr lang="en-GB" sz="4400"/>
+              <a:t>e</a:t>
+            </a:r>
+            <a:r>
+              <a:rPr lang="hu-HU" sz="4400"/>
+              <a:t>toxilátumok </a:t>
+            </a:r>
+            <a:r>
+              <a:rPr lang="en-GB" sz="4400"/>
+              <a:t>CMC-je</a:t>
+            </a:r>
+            <a:r>
+              <a:rPr lang="hu-HU" sz="4400"/>
+              <a:t> alacsony </a:t>
+            </a:r>
+            <a:br>
+              <a:rPr lang="en-GB" sz="4400"/>
+            </a:br>
+            <a:r>
+              <a:rPr lang="hu-HU" sz="4400"/>
+              <a:t>(általánosan preferáltak)</a:t>
+            </a:r>
+            <a:endParaRPr lang="en-US" sz="4400">
+              <a:solidFill>
+                <a:srgbClr val="FFFFFF"/>
+              </a:solidFill>
+            </a:endParaRPr>
+          </a:p>
+        </p:txBody>
+      </p:sp>
+      <p:pic>
+        <p:nvPicPr>
+          <p:cNvPr id="10" name="Tartalom helye 3">
+            <a:extLst>
+              <a:ext uri="{FF2B5EF4-FFF2-40B4-BE49-F238E27FC236}">
+                <a16:creationId xmlns:a16="http://schemas.microsoft.com/office/drawing/2014/main" id="{69505EC7-94A8-49CC-A4E3-378FB07949DC}"/>
+              </a:ext>
+            </a:extLst>
+          </p:cNvPr>
+          <p:cNvPicPr>
+            <a:picLocks noChangeAspect="1"/>
+          </p:cNvPicPr>
+          <p:nvPr/>
         </p:nvPicPr>
         <p:blipFill>
-          <a:blip r:embed="rId2"/>
+          <a:blip r:embed="rId3"/>
           <a:stretch>
             <a:fillRect/>
           </a:stretch>
         </p:blipFill>
         <p:spPr>
           <a:xfrm>
-            <a:off x="3062287" y="2120106"/>
+            <a:off x="3062287" y="2055812"/>
             <a:ext cx="6067425" cy="3762375"/>
           </a:xfrm>
           <a:prstGeom prst="rect">
@@ -20898,12 +21644,12 @@
     </p:spTree>
     <p:extLst>
       <p:ext uri="{BB962C8B-B14F-4D97-AF65-F5344CB8AC3E}">
-        <p14:creationId xmlns:p14="http://schemas.microsoft.com/office/powerpoint/2010/main" val="1027197551"/>
+        <p14:creationId xmlns:p14="http://schemas.microsoft.com/office/powerpoint/2010/main" val="4205235273"/>
       </p:ext>
     </p:extLst>
   </p:cSld>
   <p:clrMapOvr>
-    <a:masterClrMapping/>
+    <a:overrideClrMapping bg1="dk1" tx1="lt1" bg2="dk2" tx2="lt2" accent1="accent1" accent2="accent2" accent3="accent3" accent4="accent4" accent5="accent5" accent6="accent6" hlink="hlink" folHlink="folHlink"/>
   </p:clrMapOvr>
 </p:sld>
 </file>
@@ -20911,6 +21657,14 @@
 <file path=ppt/slides/slide27.xml><?xml version="1.0" encoding="utf-8"?>
 <p:sld xmlns:a="http://schemas.openxmlformats.org/drawingml/2006/main" xmlns:r="http://schemas.openxmlformats.org/officeDocument/2006/relationships" xmlns:p="http://schemas.openxmlformats.org/presentationml/2006/main">
   <p:cSld>
+    <p:bg>
+      <p:bgPr>
+        <a:solidFill>
+          <a:schemeClr val="bg1"/>
+        </a:solidFill>
+        <a:effectLst/>
+      </p:bgPr>
+    </p:bg>
     <p:spTree>
       <p:nvGrpSpPr>
         <p:cNvPr id="1" name=""/>
@@ -20927,109 +21681,455 @@
       </p:grpSpPr>
       <p:sp>
         <p:nvSpPr>
-          <p:cNvPr id="2" name="Cím 1">
+          <p:cNvPr id="15" name="Rectangle 14">
             <a:extLst>
               <a:ext uri="{FF2B5EF4-FFF2-40B4-BE49-F238E27FC236}">
-                <a16:creationId xmlns:a16="http://schemas.microsoft.com/office/drawing/2014/main" id="{9E8592AE-5A5D-467E-91A0-AD816BDA5EF4}"/>
+                <a16:creationId xmlns:a16="http://schemas.microsoft.com/office/drawing/2014/main" id="{9228552E-C8B1-4A80-8448-0787CE0FC704}"/>
+              </a:ext>
+              <a:ext uri="{C183D7F6-B498-43B3-948B-1728B52AA6E4}">
+                <adec:decorative xmlns:adec="http://schemas.microsoft.com/office/drawing/2017/decorative" val="1"/>
               </a:ext>
             </a:extLst>
           </p:cNvPr>
           <p:cNvSpPr>
-            <a:spLocks noGrp="1"/>
+            <a:spLocks noGrp="1" noRot="1" noChangeAspect="1" noMove="1" noResize="1" noEditPoints="1" noAdjustHandles="1" noChangeArrowheads="1" noChangeShapeType="1" noTextEdit="1"/>
           </p:cNvSpPr>
           <p:nvPr>
-            <p:ph type="title"/>
+            <p:extLst>
+              <p:ext uri="{386F3935-93C4-4BCD-93E2-E3B085C9AB24}">
+                <p16:designElem xmlns:p16="http://schemas.microsoft.com/office/powerpoint/2015/main" val="1"/>
+              </p:ext>
+            </p:extLst>
           </p:nvPr>
         </p:nvSpPr>
-        <p:spPr/>
+        <p:spPr>
+          <a:xfrm>
+            <a:off x="0" y="0"/>
+            <a:ext cx="12192000" cy="6858000"/>
+          </a:xfrm>
+          <a:prstGeom prst="rect">
+            <a:avLst/>
+          </a:prstGeom>
+          <a:solidFill>
+            <a:srgbClr val="000000"/>
+          </a:solidFill>
+          <a:ln>
+            <a:noFill/>
+          </a:ln>
+        </p:spPr>
+        <p:style>
+          <a:lnRef idx="2">
+            <a:schemeClr val="accent1">
+              <a:shade val="50000"/>
+            </a:schemeClr>
+          </a:lnRef>
+          <a:fillRef idx="1">
+            <a:schemeClr val="accent1"/>
+          </a:fillRef>
+          <a:effectRef idx="0">
+            <a:schemeClr val="accent1"/>
+          </a:effectRef>
+          <a:fontRef idx="minor">
+            <a:schemeClr val="lt1"/>
+          </a:fontRef>
+        </p:style>
         <p:txBody>
-          <a:bodyPr/>
+          <a:bodyPr rtlCol="0" anchor="ctr"/>
           <a:lstStyle/>
           <a:p>
-            <a:r>
-              <a:rPr lang="hu-HU" dirty="0"/>
-              <a:t>Dinamikus felületi feszültség </a:t>
-            </a:r>
-            <a:r>
-              <a:rPr lang="hu-HU" dirty="0" err="1"/>
-              <a:t>etoxilátumoknál</a:t>
-            </a:r>
-            <a:r>
-              <a:rPr lang="hu-HU" dirty="0"/>
-              <a:t> – magyarázat</a:t>
-            </a:r>
+            <a:pPr algn="ctr"/>
+            <a:endParaRPr lang="en-US"/>
+          </a:p>
+        </p:txBody>
+      </p:sp>
+      <p:pic>
+        <p:nvPicPr>
+          <p:cNvPr id="5" name="Picture 4" descr="Spinning top">
+            <a:extLst>
+              <a:ext uri="{FF2B5EF4-FFF2-40B4-BE49-F238E27FC236}">
+                <a16:creationId xmlns:a16="http://schemas.microsoft.com/office/drawing/2014/main" id="{6A27F853-D1D2-48E4-B404-E40EDACA60A4}"/>
+              </a:ext>
+            </a:extLst>
+          </p:cNvPr>
+          <p:cNvPicPr>
+            <a:picLocks noChangeAspect="1"/>
+          </p:cNvPicPr>
+          <p:nvPr/>
+        </p:nvPicPr>
+        <p:blipFill rotWithShape="1">
+          <a:blip r:embed="rId2">
+            <a:alphaModFix amt="35000"/>
+            <a:extLst>
+              <a:ext uri="{28A0092B-C50C-407E-A947-70E740481C1C}">
+                <a14:useLocalDpi xmlns:a14="http://schemas.microsoft.com/office/drawing/2010/main" val="0"/>
+              </a:ext>
+            </a:extLst>
+          </a:blip>
+          <a:srcRect t="19643"/>
+          <a:stretch/>
+        </p:blipFill>
+        <p:spPr>
+          <a:xfrm>
+            <a:off x="20" y="1"/>
+            <a:ext cx="12191980" cy="6857999"/>
+          </a:xfrm>
+          <a:prstGeom prst="rect">
+            <a:avLst/>
+          </a:prstGeom>
+        </p:spPr>
+      </p:pic>
+      <p:sp>
+        <p:nvSpPr>
+          <p:cNvPr id="8" name="Cím 1">
+            <a:extLst>
+              <a:ext uri="{FF2B5EF4-FFF2-40B4-BE49-F238E27FC236}">
+                <a16:creationId xmlns:a16="http://schemas.microsoft.com/office/drawing/2014/main" id="{FEF7CC53-FE01-4BEB-B447-CE5B7A1ED0D9}"/>
+              </a:ext>
+            </a:extLst>
+          </p:cNvPr>
+          <p:cNvSpPr txBox="1">
+            <a:spLocks/>
+          </p:cNvSpPr>
+          <p:nvPr/>
+        </p:nvSpPr>
+        <p:spPr>
+          <a:xfrm>
+            <a:off x="838200" y="365125"/>
+            <a:ext cx="10515600" cy="1325563"/>
+          </a:xfrm>
+          <a:prstGeom prst="rect">
+            <a:avLst/>
+          </a:prstGeom>
+        </p:spPr>
+        <p:txBody>
+          <a:bodyPr vert="horz" lIns="91440" tIns="45720" rIns="91440" bIns="45720" rtlCol="0" anchor="ctr">
+            <a:normAutofit/>
+          </a:bodyPr>
+          <a:lstStyle>
+            <a:lvl1pPr algn="ctr" defTabSz="914400" rtl="0" eaLnBrk="1" latinLnBrk="0" hangingPunct="1">
+              <a:lnSpc>
+                <a:spcPct val="90000"/>
+              </a:lnSpc>
+              <a:spcBef>
+                <a:spcPct val="0"/>
+              </a:spcBef>
+              <a:buNone/>
+              <a:defRPr sz="6000" kern="1200">
+                <a:solidFill>
+                  <a:schemeClr val="tx1"/>
+                </a:solidFill>
+                <a:latin typeface="+mj-lt"/>
+                <a:ea typeface="+mj-ea"/>
+                <a:cs typeface="+mj-cs"/>
+              </a:defRPr>
+            </a:lvl1pPr>
+          </a:lstStyle>
+          <a:p>
+            <a:pPr algn="l">
+              <a:spcAft>
+                <a:spcPts val="600"/>
+              </a:spcAft>
+            </a:pPr>
+            <a:r>
+              <a:rPr lang="en-GB" sz="4400"/>
+              <a:t>d</a:t>
+            </a:r>
+            <a:r>
+              <a:rPr lang="hu-HU" sz="4400"/>
+              <a:t>inamikus felületi feszültség etoxilátumoknál</a:t>
+            </a:r>
+            <a:endParaRPr lang="en-US" sz="4400">
+              <a:solidFill>
+                <a:srgbClr val="FFFFFF"/>
+              </a:solidFill>
+            </a:endParaRPr>
           </a:p>
         </p:txBody>
       </p:sp>
       <p:sp>
         <p:nvSpPr>
-          <p:cNvPr id="3" name="Tartalom helye 2">
+          <p:cNvPr id="9" name="Tartalom helye 2">
             <a:extLst>
               <a:ext uri="{FF2B5EF4-FFF2-40B4-BE49-F238E27FC236}">
-                <a16:creationId xmlns:a16="http://schemas.microsoft.com/office/drawing/2014/main" id="{14168E06-5F69-4958-ADC6-CAC3EE5D8E7B}"/>
+                <a16:creationId xmlns:a16="http://schemas.microsoft.com/office/drawing/2014/main" id="{EAF7587C-B251-45DD-A2F8-77928E0B5B85}"/>
               </a:ext>
             </a:extLst>
           </p:cNvPr>
-          <p:cNvSpPr>
-            <a:spLocks noGrp="1"/>
+          <p:cNvSpPr txBox="1">
+            <a:spLocks/>
           </p:cNvSpPr>
-          <p:nvPr>
-            <p:ph idx="1"/>
-          </p:nvPr>
+          <p:nvPr/>
         </p:nvSpPr>
-        <p:spPr/>
+        <p:spPr>
+          <a:xfrm>
+            <a:off x="838200" y="1825625"/>
+            <a:ext cx="10515600" cy="4351338"/>
+          </a:xfrm>
+          <a:prstGeom prst="rect">
+            <a:avLst/>
+          </a:prstGeom>
+        </p:spPr>
         <p:txBody>
-          <a:bodyPr/>
-          <a:lstStyle/>
-          <a:p>
-            <a:r>
-              <a:rPr lang="hu-HU" dirty="0"/>
-              <a:t>A gyakorlatban megfigyelték, hogy a dinamikus felületi feszültség gyakran  kisebb  magasabb </a:t>
-            </a:r>
-            <a:r>
-              <a:rPr lang="hu-HU" dirty="0" err="1"/>
-              <a:t>etoxilálási</a:t>
-            </a:r>
-            <a:r>
-              <a:rPr lang="hu-HU" dirty="0"/>
-              <a:t> fok mellett. </a:t>
-            </a:r>
-          </a:p>
-          <a:p>
-            <a:r>
-              <a:rPr lang="hu-HU" dirty="0"/>
+          <a:bodyPr vert="horz" lIns="91440" tIns="45720" rIns="91440" bIns="45720" rtlCol="0">
+            <a:normAutofit/>
+          </a:bodyPr>
+          <a:lstStyle>
+            <a:lvl1pPr marL="0" indent="0" algn="ctr" defTabSz="914400" rtl="0" eaLnBrk="1" latinLnBrk="0" hangingPunct="1">
+              <a:lnSpc>
+                <a:spcPct val="90000"/>
+              </a:lnSpc>
+              <a:spcBef>
+                <a:spcPts val="1000"/>
+              </a:spcBef>
+              <a:buFont typeface="Arial" panose="020B0604020202020204" pitchFamily="34" charset="0"/>
+              <a:buNone/>
+              <a:defRPr sz="2400" kern="1200">
+                <a:solidFill>
+                  <a:schemeClr val="tx1"/>
+                </a:solidFill>
+                <a:latin typeface="+mn-lt"/>
+                <a:ea typeface="+mn-ea"/>
+                <a:cs typeface="+mn-cs"/>
+              </a:defRPr>
+            </a:lvl1pPr>
+            <a:lvl2pPr marL="457200" indent="0" algn="ctr" defTabSz="914400" rtl="0" eaLnBrk="1" latinLnBrk="0" hangingPunct="1">
+              <a:lnSpc>
+                <a:spcPct val="90000"/>
+              </a:lnSpc>
+              <a:spcBef>
+                <a:spcPts val="500"/>
+              </a:spcBef>
+              <a:buFont typeface="Arial" panose="020B0604020202020204" pitchFamily="34" charset="0"/>
+              <a:buNone/>
+              <a:defRPr sz="2000" kern="1200">
+                <a:solidFill>
+                  <a:schemeClr val="tx1"/>
+                </a:solidFill>
+                <a:latin typeface="+mn-lt"/>
+                <a:ea typeface="+mn-ea"/>
+                <a:cs typeface="+mn-cs"/>
+              </a:defRPr>
+            </a:lvl2pPr>
+            <a:lvl3pPr marL="914400" indent="0" algn="ctr" defTabSz="914400" rtl="0" eaLnBrk="1" latinLnBrk="0" hangingPunct="1">
+              <a:lnSpc>
+                <a:spcPct val="90000"/>
+              </a:lnSpc>
+              <a:spcBef>
+                <a:spcPts val="500"/>
+              </a:spcBef>
+              <a:buFont typeface="Arial" panose="020B0604020202020204" pitchFamily="34" charset="0"/>
+              <a:buNone/>
+              <a:defRPr sz="1800" kern="1200">
+                <a:solidFill>
+                  <a:schemeClr val="tx1"/>
+                </a:solidFill>
+                <a:latin typeface="+mn-lt"/>
+                <a:ea typeface="+mn-ea"/>
+                <a:cs typeface="+mn-cs"/>
+              </a:defRPr>
+            </a:lvl3pPr>
+            <a:lvl4pPr marL="1371600" indent="0" algn="ctr" defTabSz="914400" rtl="0" eaLnBrk="1" latinLnBrk="0" hangingPunct="1">
+              <a:lnSpc>
+                <a:spcPct val="90000"/>
+              </a:lnSpc>
+              <a:spcBef>
+                <a:spcPts val="500"/>
+              </a:spcBef>
+              <a:buFont typeface="Arial" panose="020B0604020202020204" pitchFamily="34" charset="0"/>
+              <a:buNone/>
+              <a:defRPr sz="1600" kern="1200">
+                <a:solidFill>
+                  <a:schemeClr val="tx1"/>
+                </a:solidFill>
+                <a:latin typeface="+mn-lt"/>
+                <a:ea typeface="+mn-ea"/>
+                <a:cs typeface="+mn-cs"/>
+              </a:defRPr>
+            </a:lvl4pPr>
+            <a:lvl5pPr marL="1828800" indent="0" algn="ctr" defTabSz="914400" rtl="0" eaLnBrk="1" latinLnBrk="0" hangingPunct="1">
+              <a:lnSpc>
+                <a:spcPct val="90000"/>
+              </a:lnSpc>
+              <a:spcBef>
+                <a:spcPts val="500"/>
+              </a:spcBef>
+              <a:buFont typeface="Arial" panose="020B0604020202020204" pitchFamily="34" charset="0"/>
+              <a:buNone/>
+              <a:defRPr sz="1600" kern="1200">
+                <a:solidFill>
+                  <a:schemeClr val="tx1"/>
+                </a:solidFill>
+                <a:latin typeface="+mn-lt"/>
+                <a:ea typeface="+mn-ea"/>
+                <a:cs typeface="+mn-cs"/>
+              </a:defRPr>
+            </a:lvl5pPr>
+            <a:lvl6pPr marL="2286000" indent="0" algn="ctr" defTabSz="914400" rtl="0" eaLnBrk="1" latinLnBrk="0" hangingPunct="1">
+              <a:lnSpc>
+                <a:spcPct val="90000"/>
+              </a:lnSpc>
+              <a:spcBef>
+                <a:spcPts val="500"/>
+              </a:spcBef>
+              <a:buFont typeface="Arial" panose="020B0604020202020204" pitchFamily="34" charset="0"/>
+              <a:buNone/>
+              <a:defRPr sz="1600" kern="1200">
+                <a:solidFill>
+                  <a:schemeClr val="tx1"/>
+                </a:solidFill>
+                <a:latin typeface="+mn-lt"/>
+                <a:ea typeface="+mn-ea"/>
+                <a:cs typeface="+mn-cs"/>
+              </a:defRPr>
+            </a:lvl6pPr>
+            <a:lvl7pPr marL="2743200" indent="0" algn="ctr" defTabSz="914400" rtl="0" eaLnBrk="1" latinLnBrk="0" hangingPunct="1">
+              <a:lnSpc>
+                <a:spcPct val="90000"/>
+              </a:lnSpc>
+              <a:spcBef>
+                <a:spcPts val="500"/>
+              </a:spcBef>
+              <a:buFont typeface="Arial" panose="020B0604020202020204" pitchFamily="34" charset="0"/>
+              <a:buNone/>
+              <a:defRPr sz="1600" kern="1200">
+                <a:solidFill>
+                  <a:schemeClr val="tx1"/>
+                </a:solidFill>
+                <a:latin typeface="+mn-lt"/>
+                <a:ea typeface="+mn-ea"/>
+                <a:cs typeface="+mn-cs"/>
+              </a:defRPr>
+            </a:lvl7pPr>
+            <a:lvl8pPr marL="3200400" indent="0" algn="ctr" defTabSz="914400" rtl="0" eaLnBrk="1" latinLnBrk="0" hangingPunct="1">
+              <a:lnSpc>
+                <a:spcPct val="90000"/>
+              </a:lnSpc>
+              <a:spcBef>
+                <a:spcPts val="500"/>
+              </a:spcBef>
+              <a:buFont typeface="Arial" panose="020B0604020202020204" pitchFamily="34" charset="0"/>
+              <a:buNone/>
+              <a:defRPr sz="1600" kern="1200">
+                <a:solidFill>
+                  <a:schemeClr val="tx1"/>
+                </a:solidFill>
+                <a:latin typeface="+mn-lt"/>
+                <a:ea typeface="+mn-ea"/>
+                <a:cs typeface="+mn-cs"/>
+              </a:defRPr>
+            </a:lvl8pPr>
+            <a:lvl9pPr marL="3657600" indent="0" algn="ctr" defTabSz="914400" rtl="0" eaLnBrk="1" latinLnBrk="0" hangingPunct="1">
+              <a:lnSpc>
+                <a:spcPct val="90000"/>
+              </a:lnSpc>
+              <a:spcBef>
+                <a:spcPts val="500"/>
+              </a:spcBef>
+              <a:buFont typeface="Arial" panose="020B0604020202020204" pitchFamily="34" charset="0"/>
+              <a:buNone/>
+              <a:defRPr sz="1600" kern="1200">
+                <a:solidFill>
+                  <a:schemeClr val="tx1"/>
+                </a:solidFill>
+                <a:latin typeface="+mn-lt"/>
+                <a:ea typeface="+mn-ea"/>
+                <a:cs typeface="+mn-cs"/>
+              </a:defRPr>
+            </a:lvl9pPr>
+          </a:lstStyle>
+          <a:p>
+            <a:pPr marL="571500" indent="-342900" algn="l">
+              <a:buFont typeface="Arial" panose="020B0604020202020204" pitchFamily="34" charset="0"/>
+              <a:buChar char="•"/>
+            </a:pPr>
+            <a:r>
+              <a:rPr lang="en-GB" sz="2800"/>
+              <a:t>a</a:t>
+            </a:r>
+            <a:r>
+              <a:rPr lang="hu-HU" sz="2800"/>
+              <a:t> gyakorlatban megfigyelték, hogy a dinamikus felületi feszültség gyakran kisebb magasabb etoxilálási fok mellett</a:t>
+            </a:r>
+          </a:p>
+          <a:p>
+            <a:pPr marL="571500" indent="-342900" algn="l">
+              <a:buFont typeface="Arial" panose="020B0604020202020204" pitchFamily="34" charset="0"/>
+              <a:buChar char="•"/>
+            </a:pPr>
+            <a:r>
+              <a:rPr lang="hu-HU" sz="2800"/>
               <a:t>Nagyobb EO &gt;&gt; nagyobb </a:t>
             </a:r>
             <a:r>
-              <a:rPr lang="hu-HU" dirty="0" err="1"/>
-              <a:t>cmc</a:t>
-            </a:r>
-            <a:endParaRPr lang="hu-HU" dirty="0"/>
-          </a:p>
-          <a:p>
-            <a:r>
-              <a:rPr lang="hu-HU" dirty="0"/>
-              <a:t>Anomália magyarázata:  kisebb micellákat képeznek: </a:t>
-            </a:r>
-            <a:r>
-              <a:rPr lang="hu-HU" dirty="0" err="1"/>
-              <a:t>aggregációs</a:t>
-            </a:r>
-            <a:r>
-              <a:rPr lang="hu-HU" dirty="0"/>
-              <a:t> szám,   asszociációs fok kisebb mint rövidebb EO lán esetén</a:t>
-            </a:r>
-          </a:p>
-          <a:p>
-            <a:r>
-              <a:rPr lang="hu-HU" dirty="0"/>
-              <a:t>Emiatt a micella élettartama kisebb</a:t>
-            </a:r>
-          </a:p>
-          <a:p>
-            <a:r>
-              <a:rPr lang="hu-HU" dirty="0"/>
-              <a:t>Igy magyarázható, hogy miért  lehet alacsonyabb a dinamikus felületi feszültség  hosszabb EO lánc esetén (ugyanazon koncentrációknál mérve)</a:t>
+              <a:rPr lang="en-GB" sz="2800"/>
+              <a:t>CMC</a:t>
+            </a:r>
+            <a:endParaRPr lang="hu-HU" sz="2800"/>
+          </a:p>
+          <a:p>
+            <a:pPr marL="571500" indent="-342900" algn="l">
+              <a:buFont typeface="Arial" panose="020B0604020202020204" pitchFamily="34" charset="0"/>
+              <a:buChar char="•"/>
+            </a:pPr>
+            <a:r>
+              <a:rPr lang="en-GB" sz="2800"/>
+              <a:t>a</a:t>
+            </a:r>
+            <a:r>
+              <a:rPr lang="hu-HU" sz="2800"/>
+              <a:t>nomália magyarázata:  kisebb micellákat képeznek: aggregációs szám, asszociációs fok kisebb</a:t>
+            </a:r>
+            <a:r>
+              <a:rPr lang="en-GB" sz="2800"/>
+              <a:t>,</a:t>
+            </a:r>
+            <a:r>
+              <a:rPr lang="hu-HU" sz="2800"/>
+              <a:t> mint rövidebb EO lán esetén</a:t>
+            </a:r>
+          </a:p>
+          <a:p>
+            <a:pPr marL="571500" indent="-342900" algn="l">
+              <a:buFont typeface="Arial" panose="020B0604020202020204" pitchFamily="34" charset="0"/>
+              <a:buChar char="•"/>
+            </a:pPr>
+            <a:r>
+              <a:rPr lang="en-GB" sz="2800"/>
+              <a:t>e</a:t>
+            </a:r>
+            <a:r>
+              <a:rPr lang="hu-HU" sz="2800"/>
+              <a:t>miatt a micella élettartama kisebb</a:t>
+            </a:r>
+          </a:p>
+          <a:p>
+            <a:pPr marL="571500" indent="-342900" algn="l">
+              <a:buFont typeface="Arial" panose="020B0604020202020204" pitchFamily="34" charset="0"/>
+              <a:buChar char="•"/>
+            </a:pPr>
+            <a:r>
+              <a:rPr lang="en-GB" sz="2800"/>
+              <a:t>í</a:t>
+            </a:r>
+            <a:r>
+              <a:rPr lang="hu-HU" sz="2800"/>
+              <a:t>gy magyarázható, hogy miér</a:t>
+            </a:r>
+            <a:r>
+              <a:rPr lang="en-GB" sz="2800"/>
+              <a:t>t</a:t>
+            </a:r>
+            <a:r>
+              <a:rPr lang="hu-HU" sz="2800"/>
+              <a:t> lehet alacsonyabb a dinamikus felületi feszültség hosszabb EO lánc esetén (ugyanazon</a:t>
+            </a:r>
+            <a:r>
+              <a:rPr lang="en-GB" sz="2800"/>
+              <a:t> </a:t>
+            </a:r>
+            <a:r>
+              <a:rPr lang="hu-HU" sz="2800"/>
+              <a:t>koncentrációknál mérve)</a:t>
             </a:r>
           </a:p>
         </p:txBody>
@@ -21037,12 +22137,12 @@
     </p:spTree>
     <p:extLst>
       <p:ext uri="{BB962C8B-B14F-4D97-AF65-F5344CB8AC3E}">
-        <p14:creationId xmlns:p14="http://schemas.microsoft.com/office/powerpoint/2010/main" val="136699723"/>
+        <p14:creationId xmlns:p14="http://schemas.microsoft.com/office/powerpoint/2010/main" val="3095284723"/>
       </p:ext>
     </p:extLst>
   </p:cSld>
   <p:clrMapOvr>
-    <a:masterClrMapping/>
+    <a:overrideClrMapping bg1="dk1" tx1="lt1" bg2="dk2" tx2="lt2" accent1="accent1" accent2="accent2" accent3="accent3" accent4="accent4" accent5="accent5" accent6="accent6" hlink="hlink" folHlink="folHlink"/>
   </p:clrMapOvr>
 </p:sld>
 </file>
@@ -21050,6 +22150,14 @@
 <file path=ppt/slides/slide28.xml><?xml version="1.0" encoding="utf-8"?>
 <p:sld xmlns:a="http://schemas.openxmlformats.org/drawingml/2006/main" xmlns:r="http://schemas.openxmlformats.org/officeDocument/2006/relationships" xmlns:p="http://schemas.openxmlformats.org/presentationml/2006/main">
   <p:cSld>
+    <p:bg>
+      <p:bgPr>
+        <a:solidFill>
+          <a:schemeClr val="bg1"/>
+        </a:solidFill>
+        <a:effectLst/>
+      </p:bgPr>
+    </p:bg>
     <p:spTree>
       <p:nvGrpSpPr>
         <p:cNvPr id="1" name=""/>
@@ -21066,83 +22174,376 @@
       </p:grpSpPr>
       <p:sp>
         <p:nvSpPr>
-          <p:cNvPr id="2" name="Cím 1">
+          <p:cNvPr id="15" name="Rectangle 14">
             <a:extLst>
               <a:ext uri="{FF2B5EF4-FFF2-40B4-BE49-F238E27FC236}">
-                <a16:creationId xmlns:a16="http://schemas.microsoft.com/office/drawing/2014/main" id="{F49239E9-BA6C-4472-9157-C7BF178C59DD}"/>
+                <a16:creationId xmlns:a16="http://schemas.microsoft.com/office/drawing/2014/main" id="{9228552E-C8B1-4A80-8448-0787CE0FC704}"/>
+              </a:ext>
+              <a:ext uri="{C183D7F6-B498-43B3-948B-1728B52AA6E4}">
+                <adec:decorative xmlns:adec="http://schemas.microsoft.com/office/drawing/2017/decorative" val="1"/>
               </a:ext>
             </a:extLst>
           </p:cNvPr>
           <p:cNvSpPr>
-            <a:spLocks noGrp="1"/>
+            <a:spLocks noGrp="1" noRot="1" noChangeAspect="1" noMove="1" noResize="1" noEditPoints="1" noAdjustHandles="1" noChangeArrowheads="1" noChangeShapeType="1" noTextEdit="1"/>
           </p:cNvSpPr>
           <p:nvPr>
-            <p:ph type="title"/>
+            <p:extLst>
+              <p:ext uri="{386F3935-93C4-4BCD-93E2-E3B085C9AB24}">
+                <p16:designElem xmlns:p16="http://schemas.microsoft.com/office/powerpoint/2015/main" val="1"/>
+              </p:ext>
+            </p:extLst>
           </p:nvPr>
         </p:nvSpPr>
-        <p:spPr/>
+        <p:spPr>
+          <a:xfrm>
+            <a:off x="0" y="0"/>
+            <a:ext cx="12192000" cy="6858000"/>
+          </a:xfrm>
+          <a:prstGeom prst="rect">
+            <a:avLst/>
+          </a:prstGeom>
+          <a:solidFill>
+            <a:srgbClr val="000000"/>
+          </a:solidFill>
+          <a:ln>
+            <a:noFill/>
+          </a:ln>
+        </p:spPr>
+        <p:style>
+          <a:lnRef idx="2">
+            <a:schemeClr val="accent1">
+              <a:shade val="50000"/>
+            </a:schemeClr>
+          </a:lnRef>
+          <a:fillRef idx="1">
+            <a:schemeClr val="accent1"/>
+          </a:fillRef>
+          <a:effectRef idx="0">
+            <a:schemeClr val="accent1"/>
+          </a:effectRef>
+          <a:fontRef idx="minor">
+            <a:schemeClr val="lt1"/>
+          </a:fontRef>
+        </p:style>
         <p:txBody>
-          <a:bodyPr/>
+          <a:bodyPr rtlCol="0" anchor="ctr"/>
           <a:lstStyle/>
           <a:p>
-            <a:r>
-              <a:rPr lang="hu-HU" dirty="0"/>
-              <a:t>Dinamikus felületi feszültség  anionosoknál</a:t>
-            </a:r>
+            <a:pPr algn="ctr"/>
+            <a:endParaRPr lang="en-US"/>
+          </a:p>
+        </p:txBody>
+      </p:sp>
+      <p:pic>
+        <p:nvPicPr>
+          <p:cNvPr id="5" name="Picture 4" descr="Spinning top">
+            <a:extLst>
+              <a:ext uri="{FF2B5EF4-FFF2-40B4-BE49-F238E27FC236}">
+                <a16:creationId xmlns:a16="http://schemas.microsoft.com/office/drawing/2014/main" id="{6A27F853-D1D2-48E4-B404-E40EDACA60A4}"/>
+              </a:ext>
+            </a:extLst>
+          </p:cNvPr>
+          <p:cNvPicPr>
+            <a:picLocks noChangeAspect="1"/>
+          </p:cNvPicPr>
+          <p:nvPr/>
+        </p:nvPicPr>
+        <p:blipFill rotWithShape="1">
+          <a:blip r:embed="rId2">
+            <a:alphaModFix amt="35000"/>
+            <a:extLst>
+              <a:ext uri="{28A0092B-C50C-407E-A947-70E740481C1C}">
+                <a14:useLocalDpi xmlns:a14="http://schemas.microsoft.com/office/drawing/2010/main" val="0"/>
+              </a:ext>
+            </a:extLst>
+          </a:blip>
+          <a:srcRect t="19643"/>
+          <a:stretch/>
+        </p:blipFill>
+        <p:spPr>
+          <a:xfrm>
+            <a:off x="20" y="1"/>
+            <a:ext cx="12191980" cy="6857999"/>
+          </a:xfrm>
+          <a:prstGeom prst="rect">
+            <a:avLst/>
+          </a:prstGeom>
+        </p:spPr>
+      </p:pic>
+      <p:sp>
+        <p:nvSpPr>
+          <p:cNvPr id="8" name="Cím 1">
+            <a:extLst>
+              <a:ext uri="{FF2B5EF4-FFF2-40B4-BE49-F238E27FC236}">
+                <a16:creationId xmlns:a16="http://schemas.microsoft.com/office/drawing/2014/main" id="{FEF7CC53-FE01-4BEB-B447-CE5B7A1ED0D9}"/>
+              </a:ext>
+            </a:extLst>
+          </p:cNvPr>
+          <p:cNvSpPr txBox="1">
+            <a:spLocks/>
+          </p:cNvSpPr>
+          <p:nvPr/>
+        </p:nvSpPr>
+        <p:spPr>
+          <a:xfrm>
+            <a:off x="838200" y="365125"/>
+            <a:ext cx="10515600" cy="1325563"/>
+          </a:xfrm>
+          <a:prstGeom prst="rect">
+            <a:avLst/>
+          </a:prstGeom>
+        </p:spPr>
+        <p:txBody>
+          <a:bodyPr vert="horz" lIns="91440" tIns="45720" rIns="91440" bIns="45720" rtlCol="0" anchor="ctr">
+            <a:normAutofit/>
+          </a:bodyPr>
+          <a:lstStyle>
+            <a:lvl1pPr algn="ctr" defTabSz="914400" rtl="0" eaLnBrk="1" latinLnBrk="0" hangingPunct="1">
+              <a:lnSpc>
+                <a:spcPct val="90000"/>
+              </a:lnSpc>
+              <a:spcBef>
+                <a:spcPct val="0"/>
+              </a:spcBef>
+              <a:buNone/>
+              <a:defRPr sz="6000" kern="1200">
+                <a:solidFill>
+                  <a:schemeClr val="tx1"/>
+                </a:solidFill>
+                <a:latin typeface="+mj-lt"/>
+                <a:ea typeface="+mj-ea"/>
+                <a:cs typeface="+mj-cs"/>
+              </a:defRPr>
+            </a:lvl1pPr>
+          </a:lstStyle>
+          <a:p>
+            <a:pPr algn="l">
+              <a:spcAft>
+                <a:spcPts val="600"/>
+              </a:spcAft>
+            </a:pPr>
+            <a:r>
+              <a:rPr lang="hu-HU" sz="4400"/>
+              <a:t>dinamikus felületi feszültség  anionosoknál</a:t>
+            </a:r>
+            <a:endParaRPr lang="en-US" sz="4400">
+              <a:solidFill>
+                <a:srgbClr val="FFFFFF"/>
+              </a:solidFill>
+            </a:endParaRPr>
           </a:p>
         </p:txBody>
       </p:sp>
       <p:sp>
         <p:nvSpPr>
-          <p:cNvPr id="3" name="Tartalom helye 2">
+          <p:cNvPr id="9" name="Tartalom helye 2">
             <a:extLst>
               <a:ext uri="{FF2B5EF4-FFF2-40B4-BE49-F238E27FC236}">
-                <a16:creationId xmlns:a16="http://schemas.microsoft.com/office/drawing/2014/main" id="{51301FA5-7BC9-444F-808C-DD4EA44AD453}"/>
+                <a16:creationId xmlns:a16="http://schemas.microsoft.com/office/drawing/2014/main" id="{EAF7587C-B251-45DD-A2F8-77928E0B5B85}"/>
               </a:ext>
             </a:extLst>
           </p:cNvPr>
-          <p:cNvSpPr>
-            <a:spLocks noGrp="1"/>
+          <p:cNvSpPr txBox="1">
+            <a:spLocks/>
           </p:cNvSpPr>
-          <p:nvPr>
-            <p:ph idx="1"/>
-          </p:nvPr>
+          <p:nvPr/>
         </p:nvSpPr>
         <p:spPr>
           <a:xfrm>
-            <a:off x="838200" y="1690688"/>
+            <a:off x="838200" y="1825625"/>
             <a:ext cx="10515600" cy="4351338"/>
           </a:xfrm>
+          <a:prstGeom prst="rect">
+            <a:avLst/>
+          </a:prstGeom>
         </p:spPr>
         <p:txBody>
-          <a:bodyPr/>
-          <a:lstStyle/>
-          <a:p>
-            <a:r>
-              <a:rPr lang="hu-HU" dirty="0"/>
-              <a:t>1) ugyanazon ionos csoportot tartalmazók esetében a micella élettartama csökken a hidrofób </a:t>
-            </a:r>
-            <a:r>
-              <a:rPr lang="hu-HU" dirty="0" err="1"/>
-              <a:t>alkilánc</a:t>
-            </a:r>
-            <a:r>
-              <a:rPr lang="hu-HU" dirty="0"/>
-              <a:t> hosszának csökkentésekor</a:t>
-            </a:r>
-          </a:p>
-          <a:p>
-            <a:r>
-              <a:rPr lang="hu-HU" dirty="0"/>
-              <a:t>2) az </a:t>
-            </a:r>
-            <a:r>
-              <a:rPr lang="hu-HU" dirty="0" err="1"/>
-              <a:t>alkil</a:t>
-            </a:r>
-            <a:r>
-              <a:rPr lang="hu-HU" dirty="0"/>
-              <a:t>-lánc elágazása  fontos szerephez jut a micella élettartamának alakulásában</a:t>
+          <a:bodyPr vert="horz" lIns="91440" tIns="45720" rIns="91440" bIns="45720" rtlCol="0">
+            <a:normAutofit/>
+          </a:bodyPr>
+          <a:lstStyle>
+            <a:lvl1pPr marL="0" indent="0" algn="ctr" defTabSz="914400" rtl="0" eaLnBrk="1" latinLnBrk="0" hangingPunct="1">
+              <a:lnSpc>
+                <a:spcPct val="90000"/>
+              </a:lnSpc>
+              <a:spcBef>
+                <a:spcPts val="1000"/>
+              </a:spcBef>
+              <a:buFont typeface="Arial" panose="020B0604020202020204" pitchFamily="34" charset="0"/>
+              <a:buNone/>
+              <a:defRPr sz="2400" kern="1200">
+                <a:solidFill>
+                  <a:schemeClr val="tx1"/>
+                </a:solidFill>
+                <a:latin typeface="+mn-lt"/>
+                <a:ea typeface="+mn-ea"/>
+                <a:cs typeface="+mn-cs"/>
+              </a:defRPr>
+            </a:lvl1pPr>
+            <a:lvl2pPr marL="457200" indent="0" algn="ctr" defTabSz="914400" rtl="0" eaLnBrk="1" latinLnBrk="0" hangingPunct="1">
+              <a:lnSpc>
+                <a:spcPct val="90000"/>
+              </a:lnSpc>
+              <a:spcBef>
+                <a:spcPts val="500"/>
+              </a:spcBef>
+              <a:buFont typeface="Arial" panose="020B0604020202020204" pitchFamily="34" charset="0"/>
+              <a:buNone/>
+              <a:defRPr sz="2000" kern="1200">
+                <a:solidFill>
+                  <a:schemeClr val="tx1"/>
+                </a:solidFill>
+                <a:latin typeface="+mn-lt"/>
+                <a:ea typeface="+mn-ea"/>
+                <a:cs typeface="+mn-cs"/>
+              </a:defRPr>
+            </a:lvl2pPr>
+            <a:lvl3pPr marL="914400" indent="0" algn="ctr" defTabSz="914400" rtl="0" eaLnBrk="1" latinLnBrk="0" hangingPunct="1">
+              <a:lnSpc>
+                <a:spcPct val="90000"/>
+              </a:lnSpc>
+              <a:spcBef>
+                <a:spcPts val="500"/>
+              </a:spcBef>
+              <a:buFont typeface="Arial" panose="020B0604020202020204" pitchFamily="34" charset="0"/>
+              <a:buNone/>
+              <a:defRPr sz="1800" kern="1200">
+                <a:solidFill>
+                  <a:schemeClr val="tx1"/>
+                </a:solidFill>
+                <a:latin typeface="+mn-lt"/>
+                <a:ea typeface="+mn-ea"/>
+                <a:cs typeface="+mn-cs"/>
+              </a:defRPr>
+            </a:lvl3pPr>
+            <a:lvl4pPr marL="1371600" indent="0" algn="ctr" defTabSz="914400" rtl="0" eaLnBrk="1" latinLnBrk="0" hangingPunct="1">
+              <a:lnSpc>
+                <a:spcPct val="90000"/>
+              </a:lnSpc>
+              <a:spcBef>
+                <a:spcPts val="500"/>
+              </a:spcBef>
+              <a:buFont typeface="Arial" panose="020B0604020202020204" pitchFamily="34" charset="0"/>
+              <a:buNone/>
+              <a:defRPr sz="1600" kern="1200">
+                <a:solidFill>
+                  <a:schemeClr val="tx1"/>
+                </a:solidFill>
+                <a:latin typeface="+mn-lt"/>
+                <a:ea typeface="+mn-ea"/>
+                <a:cs typeface="+mn-cs"/>
+              </a:defRPr>
+            </a:lvl4pPr>
+            <a:lvl5pPr marL="1828800" indent="0" algn="ctr" defTabSz="914400" rtl="0" eaLnBrk="1" latinLnBrk="0" hangingPunct="1">
+              <a:lnSpc>
+                <a:spcPct val="90000"/>
+              </a:lnSpc>
+              <a:spcBef>
+                <a:spcPts val="500"/>
+              </a:spcBef>
+              <a:buFont typeface="Arial" panose="020B0604020202020204" pitchFamily="34" charset="0"/>
+              <a:buNone/>
+              <a:defRPr sz="1600" kern="1200">
+                <a:solidFill>
+                  <a:schemeClr val="tx1"/>
+                </a:solidFill>
+                <a:latin typeface="+mn-lt"/>
+                <a:ea typeface="+mn-ea"/>
+                <a:cs typeface="+mn-cs"/>
+              </a:defRPr>
+            </a:lvl5pPr>
+            <a:lvl6pPr marL="2286000" indent="0" algn="ctr" defTabSz="914400" rtl="0" eaLnBrk="1" latinLnBrk="0" hangingPunct="1">
+              <a:lnSpc>
+                <a:spcPct val="90000"/>
+              </a:lnSpc>
+              <a:spcBef>
+                <a:spcPts val="500"/>
+              </a:spcBef>
+              <a:buFont typeface="Arial" panose="020B0604020202020204" pitchFamily="34" charset="0"/>
+              <a:buNone/>
+              <a:defRPr sz="1600" kern="1200">
+                <a:solidFill>
+                  <a:schemeClr val="tx1"/>
+                </a:solidFill>
+                <a:latin typeface="+mn-lt"/>
+                <a:ea typeface="+mn-ea"/>
+                <a:cs typeface="+mn-cs"/>
+              </a:defRPr>
+            </a:lvl6pPr>
+            <a:lvl7pPr marL="2743200" indent="0" algn="ctr" defTabSz="914400" rtl="0" eaLnBrk="1" latinLnBrk="0" hangingPunct="1">
+              <a:lnSpc>
+                <a:spcPct val="90000"/>
+              </a:lnSpc>
+              <a:spcBef>
+                <a:spcPts val="500"/>
+              </a:spcBef>
+              <a:buFont typeface="Arial" panose="020B0604020202020204" pitchFamily="34" charset="0"/>
+              <a:buNone/>
+              <a:defRPr sz="1600" kern="1200">
+                <a:solidFill>
+                  <a:schemeClr val="tx1"/>
+                </a:solidFill>
+                <a:latin typeface="+mn-lt"/>
+                <a:ea typeface="+mn-ea"/>
+                <a:cs typeface="+mn-cs"/>
+              </a:defRPr>
+            </a:lvl7pPr>
+            <a:lvl8pPr marL="3200400" indent="0" algn="ctr" defTabSz="914400" rtl="0" eaLnBrk="1" latinLnBrk="0" hangingPunct="1">
+              <a:lnSpc>
+                <a:spcPct val="90000"/>
+              </a:lnSpc>
+              <a:spcBef>
+                <a:spcPts val="500"/>
+              </a:spcBef>
+              <a:buFont typeface="Arial" panose="020B0604020202020204" pitchFamily="34" charset="0"/>
+              <a:buNone/>
+              <a:defRPr sz="1600" kern="1200">
+                <a:solidFill>
+                  <a:schemeClr val="tx1"/>
+                </a:solidFill>
+                <a:latin typeface="+mn-lt"/>
+                <a:ea typeface="+mn-ea"/>
+                <a:cs typeface="+mn-cs"/>
+              </a:defRPr>
+            </a:lvl8pPr>
+            <a:lvl9pPr marL="3657600" indent="0" algn="ctr" defTabSz="914400" rtl="0" eaLnBrk="1" latinLnBrk="0" hangingPunct="1">
+              <a:lnSpc>
+                <a:spcPct val="90000"/>
+              </a:lnSpc>
+              <a:spcBef>
+                <a:spcPts val="500"/>
+              </a:spcBef>
+              <a:buFont typeface="Arial" panose="020B0604020202020204" pitchFamily="34" charset="0"/>
+              <a:buNone/>
+              <a:defRPr sz="1600" kern="1200">
+                <a:solidFill>
+                  <a:schemeClr val="tx1"/>
+                </a:solidFill>
+                <a:latin typeface="+mn-lt"/>
+                <a:ea typeface="+mn-ea"/>
+                <a:cs typeface="+mn-cs"/>
+              </a:defRPr>
+            </a:lvl9pPr>
+          </a:lstStyle>
+          <a:p>
+            <a:pPr marL="685800" indent="-457200" algn="l">
+              <a:buFont typeface="Arial" panose="020B0604020202020204" pitchFamily="34" charset="0"/>
+              <a:buChar char="•"/>
+            </a:pPr>
+            <a:r>
+              <a:rPr lang="en-GB" sz="2800"/>
+              <a:t>ugyanazon ionos csoportot tartalmazók esetében a micella élettartama csökken a hidrofób alkilánc hosszának csökkentésekor</a:t>
+            </a:r>
+          </a:p>
+          <a:p>
+            <a:pPr marL="685800" indent="-457200" algn="l">
+              <a:buFont typeface="Arial" panose="020B0604020202020204" pitchFamily="34" charset="0"/>
+              <a:buChar char="•"/>
+            </a:pPr>
+            <a:r>
+              <a:rPr lang="en-GB" sz="2800"/>
+              <a:t>az alkil-lánc elágazása fontos szerephez jut a micella élettartamának alakulásában</a:t>
             </a:r>
           </a:p>
         </p:txBody>
@@ -21150,12 +22551,12 @@
     </p:spTree>
     <p:extLst>
       <p:ext uri="{BB962C8B-B14F-4D97-AF65-F5344CB8AC3E}">
-        <p14:creationId xmlns:p14="http://schemas.microsoft.com/office/powerpoint/2010/main" val="1971053316"/>
+        <p14:creationId xmlns:p14="http://schemas.microsoft.com/office/powerpoint/2010/main" val="936420111"/>
       </p:ext>
     </p:extLst>
   </p:cSld>
   <p:clrMapOvr>
-    <a:masterClrMapping/>
+    <a:overrideClrMapping bg1="dk1" tx1="lt1" bg2="dk2" tx2="lt2" accent1="accent1" accent2="accent2" accent3="accent3" accent4="accent4" accent5="accent5" accent6="accent6" hlink="hlink" folHlink="folHlink"/>
   </p:clrMapOvr>
 </p:sld>
 </file>
@@ -21163,6 +22564,14 @@
 <file path=ppt/slides/slide29.xml><?xml version="1.0" encoding="utf-8"?>
 <p:sld xmlns:a="http://schemas.openxmlformats.org/drawingml/2006/main" xmlns:r="http://schemas.openxmlformats.org/officeDocument/2006/relationships" xmlns:p="http://schemas.openxmlformats.org/presentationml/2006/main">
   <p:cSld>
+    <p:bg>
+      <p:bgPr>
+        <a:solidFill>
+          <a:schemeClr val="bg1"/>
+        </a:solidFill>
+        <a:effectLst/>
+      </p:bgPr>
+    </p:bg>
     <p:spTree>
       <p:nvGrpSpPr>
         <p:cNvPr id="1" name=""/>
@@ -21179,70 +22588,376 @@
       </p:grpSpPr>
       <p:sp>
         <p:nvSpPr>
-          <p:cNvPr id="2" name="Cím 1">
+          <p:cNvPr id="15" name="Rectangle 14">
             <a:extLst>
               <a:ext uri="{FF2B5EF4-FFF2-40B4-BE49-F238E27FC236}">
-                <a16:creationId xmlns:a16="http://schemas.microsoft.com/office/drawing/2014/main" id="{C070FA50-F3F5-4808-8007-550BA9C7F8FA}"/>
+                <a16:creationId xmlns:a16="http://schemas.microsoft.com/office/drawing/2014/main" id="{9228552E-C8B1-4A80-8448-0787CE0FC704}"/>
+              </a:ext>
+              <a:ext uri="{C183D7F6-B498-43B3-948B-1728B52AA6E4}">
+                <adec:decorative xmlns:adec="http://schemas.microsoft.com/office/drawing/2017/decorative" val="1"/>
               </a:ext>
             </a:extLst>
           </p:cNvPr>
           <p:cNvSpPr>
-            <a:spLocks noGrp="1"/>
+            <a:spLocks noGrp="1" noRot="1" noChangeAspect="1" noMove="1" noResize="1" noEditPoints="1" noAdjustHandles="1" noChangeArrowheads="1" noChangeShapeType="1" noTextEdit="1"/>
           </p:cNvSpPr>
           <p:nvPr>
-            <p:ph type="title"/>
+            <p:extLst>
+              <p:ext uri="{386F3935-93C4-4BCD-93E2-E3B085C9AB24}">
+                <p16:designElem xmlns:p16="http://schemas.microsoft.com/office/powerpoint/2015/main" val="1"/>
+              </p:ext>
+            </p:extLst>
           </p:nvPr>
         </p:nvSpPr>
-        <p:spPr/>
+        <p:spPr>
+          <a:xfrm>
+            <a:off x="0" y="0"/>
+            <a:ext cx="12192000" cy="6858000"/>
+          </a:xfrm>
+          <a:prstGeom prst="rect">
+            <a:avLst/>
+          </a:prstGeom>
+          <a:solidFill>
+            <a:srgbClr val="000000"/>
+          </a:solidFill>
+          <a:ln>
+            <a:noFill/>
+          </a:ln>
+        </p:spPr>
+        <p:style>
+          <a:lnRef idx="2">
+            <a:schemeClr val="accent1">
+              <a:shade val="50000"/>
+            </a:schemeClr>
+          </a:lnRef>
+          <a:fillRef idx="1">
+            <a:schemeClr val="accent1"/>
+          </a:fillRef>
+          <a:effectRef idx="0">
+            <a:schemeClr val="accent1"/>
+          </a:effectRef>
+          <a:fontRef idx="minor">
+            <a:schemeClr val="lt1"/>
+          </a:fontRef>
+        </p:style>
         <p:txBody>
-          <a:bodyPr/>
+          <a:bodyPr rtlCol="0" anchor="ctr"/>
           <a:lstStyle/>
           <a:p>
-            <a:r>
-              <a:rPr lang="hu-HU" dirty="0"/>
-              <a:t>A micella méret</a:t>
-            </a:r>
+            <a:pPr algn="ctr"/>
+            <a:endParaRPr lang="en-US"/>
+          </a:p>
+        </p:txBody>
+      </p:sp>
+      <p:pic>
+        <p:nvPicPr>
+          <p:cNvPr id="5" name="Picture 4" descr="Spinning top">
+            <a:extLst>
+              <a:ext uri="{FF2B5EF4-FFF2-40B4-BE49-F238E27FC236}">
+                <a16:creationId xmlns:a16="http://schemas.microsoft.com/office/drawing/2014/main" id="{6A27F853-D1D2-48E4-B404-E40EDACA60A4}"/>
+              </a:ext>
+            </a:extLst>
+          </p:cNvPr>
+          <p:cNvPicPr>
+            <a:picLocks noChangeAspect="1"/>
+          </p:cNvPicPr>
+          <p:nvPr/>
+        </p:nvPicPr>
+        <p:blipFill rotWithShape="1">
+          <a:blip r:embed="rId2">
+            <a:alphaModFix amt="35000"/>
+            <a:extLst>
+              <a:ext uri="{28A0092B-C50C-407E-A947-70E740481C1C}">
+                <a14:useLocalDpi xmlns:a14="http://schemas.microsoft.com/office/drawing/2010/main" val="0"/>
+              </a:ext>
+            </a:extLst>
+          </a:blip>
+          <a:srcRect t="19643"/>
+          <a:stretch/>
+        </p:blipFill>
+        <p:spPr>
+          <a:xfrm>
+            <a:off x="20" y="1"/>
+            <a:ext cx="12191980" cy="6857999"/>
+          </a:xfrm>
+          <a:prstGeom prst="rect">
+            <a:avLst/>
+          </a:prstGeom>
+        </p:spPr>
+      </p:pic>
+      <p:sp>
+        <p:nvSpPr>
+          <p:cNvPr id="8" name="Cím 1">
+            <a:extLst>
+              <a:ext uri="{FF2B5EF4-FFF2-40B4-BE49-F238E27FC236}">
+                <a16:creationId xmlns:a16="http://schemas.microsoft.com/office/drawing/2014/main" id="{FEF7CC53-FE01-4BEB-B447-CE5B7A1ED0D9}"/>
+              </a:ext>
+            </a:extLst>
+          </p:cNvPr>
+          <p:cNvSpPr txBox="1">
+            <a:spLocks/>
+          </p:cNvSpPr>
+          <p:nvPr/>
+        </p:nvSpPr>
+        <p:spPr>
+          <a:xfrm>
+            <a:off x="838200" y="365125"/>
+            <a:ext cx="10515600" cy="1325563"/>
+          </a:xfrm>
+          <a:prstGeom prst="rect">
+            <a:avLst/>
+          </a:prstGeom>
+        </p:spPr>
+        <p:txBody>
+          <a:bodyPr vert="horz" lIns="91440" tIns="45720" rIns="91440" bIns="45720" rtlCol="0" anchor="ctr">
+            <a:normAutofit/>
+          </a:bodyPr>
+          <a:lstStyle>
+            <a:lvl1pPr algn="ctr" defTabSz="914400" rtl="0" eaLnBrk="1" latinLnBrk="0" hangingPunct="1">
+              <a:lnSpc>
+                <a:spcPct val="90000"/>
+              </a:lnSpc>
+              <a:spcBef>
+                <a:spcPct val="0"/>
+              </a:spcBef>
+              <a:buNone/>
+              <a:defRPr sz="6000" kern="1200">
+                <a:solidFill>
+                  <a:schemeClr val="tx1"/>
+                </a:solidFill>
+                <a:latin typeface="+mj-lt"/>
+                <a:ea typeface="+mj-ea"/>
+                <a:cs typeface="+mj-cs"/>
+              </a:defRPr>
+            </a:lvl1pPr>
+          </a:lstStyle>
+          <a:p>
+            <a:pPr algn="l">
+              <a:spcAft>
+                <a:spcPts val="600"/>
+              </a:spcAft>
+            </a:pPr>
+            <a:r>
+              <a:rPr lang="en-GB" sz="4400"/>
+              <a:t>micella mérete</a:t>
+            </a:r>
+            <a:endParaRPr lang="en-US" sz="4400">
+              <a:solidFill>
+                <a:srgbClr val="FFFFFF"/>
+              </a:solidFill>
+            </a:endParaRPr>
           </a:p>
         </p:txBody>
       </p:sp>
       <p:sp>
         <p:nvSpPr>
-          <p:cNvPr id="3" name="Tartalom helye 2">
+          <p:cNvPr id="9" name="Tartalom helye 2">
             <a:extLst>
               <a:ext uri="{FF2B5EF4-FFF2-40B4-BE49-F238E27FC236}">
-                <a16:creationId xmlns:a16="http://schemas.microsoft.com/office/drawing/2014/main" id="{4A734D13-A0D5-43D1-8C17-8696E6F69880}"/>
+                <a16:creationId xmlns:a16="http://schemas.microsoft.com/office/drawing/2014/main" id="{EAF7587C-B251-45DD-A2F8-77928E0B5B85}"/>
               </a:ext>
             </a:extLst>
           </p:cNvPr>
-          <p:cNvSpPr>
-            <a:spLocks noGrp="1"/>
+          <p:cNvSpPr txBox="1">
+            <a:spLocks/>
           </p:cNvSpPr>
-          <p:nvPr>
-            <p:ph idx="1"/>
-          </p:nvPr>
+          <p:nvPr/>
         </p:nvSpPr>
-        <p:spPr/>
+        <p:spPr>
+          <a:xfrm>
+            <a:off x="838200" y="1825625"/>
+            <a:ext cx="10515600" cy="4351338"/>
+          </a:xfrm>
+          <a:prstGeom prst="rect">
+            <a:avLst/>
+          </a:prstGeom>
+        </p:spPr>
         <p:txBody>
-          <a:bodyPr/>
-          <a:lstStyle/>
-          <a:p>
-            <a:r>
-              <a:rPr lang="hu-HU" dirty="0"/>
-              <a:t>Nemcsak a micella élettartama fontos, hanem a mérete is</a:t>
-            </a:r>
-          </a:p>
-          <a:p>
-            <a:r>
-              <a:rPr lang="hu-HU" dirty="0"/>
-              <a:t>Nagyobb micella méret jobb </a:t>
-            </a:r>
-            <a:r>
-              <a:rPr lang="hu-HU" dirty="0" err="1"/>
-              <a:t>szolubilizáló</a:t>
-            </a:r>
-            <a:r>
-              <a:rPr lang="hu-HU" dirty="0"/>
-              <a:t> képességet jelent</a:t>
+          <a:bodyPr vert="horz" lIns="91440" tIns="45720" rIns="91440" bIns="45720" rtlCol="0">
+            <a:normAutofit/>
+          </a:bodyPr>
+          <a:lstStyle>
+            <a:lvl1pPr marL="0" indent="0" algn="ctr" defTabSz="914400" rtl="0" eaLnBrk="1" latinLnBrk="0" hangingPunct="1">
+              <a:lnSpc>
+                <a:spcPct val="90000"/>
+              </a:lnSpc>
+              <a:spcBef>
+                <a:spcPts val="1000"/>
+              </a:spcBef>
+              <a:buFont typeface="Arial" panose="020B0604020202020204" pitchFamily="34" charset="0"/>
+              <a:buNone/>
+              <a:defRPr sz="2400" kern="1200">
+                <a:solidFill>
+                  <a:schemeClr val="tx1"/>
+                </a:solidFill>
+                <a:latin typeface="+mn-lt"/>
+                <a:ea typeface="+mn-ea"/>
+                <a:cs typeface="+mn-cs"/>
+              </a:defRPr>
+            </a:lvl1pPr>
+            <a:lvl2pPr marL="457200" indent="0" algn="ctr" defTabSz="914400" rtl="0" eaLnBrk="1" latinLnBrk="0" hangingPunct="1">
+              <a:lnSpc>
+                <a:spcPct val="90000"/>
+              </a:lnSpc>
+              <a:spcBef>
+                <a:spcPts val="500"/>
+              </a:spcBef>
+              <a:buFont typeface="Arial" panose="020B0604020202020204" pitchFamily="34" charset="0"/>
+              <a:buNone/>
+              <a:defRPr sz="2000" kern="1200">
+                <a:solidFill>
+                  <a:schemeClr val="tx1"/>
+                </a:solidFill>
+                <a:latin typeface="+mn-lt"/>
+                <a:ea typeface="+mn-ea"/>
+                <a:cs typeface="+mn-cs"/>
+              </a:defRPr>
+            </a:lvl2pPr>
+            <a:lvl3pPr marL="914400" indent="0" algn="ctr" defTabSz="914400" rtl="0" eaLnBrk="1" latinLnBrk="0" hangingPunct="1">
+              <a:lnSpc>
+                <a:spcPct val="90000"/>
+              </a:lnSpc>
+              <a:spcBef>
+                <a:spcPts val="500"/>
+              </a:spcBef>
+              <a:buFont typeface="Arial" panose="020B0604020202020204" pitchFamily="34" charset="0"/>
+              <a:buNone/>
+              <a:defRPr sz="1800" kern="1200">
+                <a:solidFill>
+                  <a:schemeClr val="tx1"/>
+                </a:solidFill>
+                <a:latin typeface="+mn-lt"/>
+                <a:ea typeface="+mn-ea"/>
+                <a:cs typeface="+mn-cs"/>
+              </a:defRPr>
+            </a:lvl3pPr>
+            <a:lvl4pPr marL="1371600" indent="0" algn="ctr" defTabSz="914400" rtl="0" eaLnBrk="1" latinLnBrk="0" hangingPunct="1">
+              <a:lnSpc>
+                <a:spcPct val="90000"/>
+              </a:lnSpc>
+              <a:spcBef>
+                <a:spcPts val="500"/>
+              </a:spcBef>
+              <a:buFont typeface="Arial" panose="020B0604020202020204" pitchFamily="34" charset="0"/>
+              <a:buNone/>
+              <a:defRPr sz="1600" kern="1200">
+                <a:solidFill>
+                  <a:schemeClr val="tx1"/>
+                </a:solidFill>
+                <a:latin typeface="+mn-lt"/>
+                <a:ea typeface="+mn-ea"/>
+                <a:cs typeface="+mn-cs"/>
+              </a:defRPr>
+            </a:lvl4pPr>
+            <a:lvl5pPr marL="1828800" indent="0" algn="ctr" defTabSz="914400" rtl="0" eaLnBrk="1" latinLnBrk="0" hangingPunct="1">
+              <a:lnSpc>
+                <a:spcPct val="90000"/>
+              </a:lnSpc>
+              <a:spcBef>
+                <a:spcPts val="500"/>
+              </a:spcBef>
+              <a:buFont typeface="Arial" panose="020B0604020202020204" pitchFamily="34" charset="0"/>
+              <a:buNone/>
+              <a:defRPr sz="1600" kern="1200">
+                <a:solidFill>
+                  <a:schemeClr val="tx1"/>
+                </a:solidFill>
+                <a:latin typeface="+mn-lt"/>
+                <a:ea typeface="+mn-ea"/>
+                <a:cs typeface="+mn-cs"/>
+              </a:defRPr>
+            </a:lvl5pPr>
+            <a:lvl6pPr marL="2286000" indent="0" algn="ctr" defTabSz="914400" rtl="0" eaLnBrk="1" latinLnBrk="0" hangingPunct="1">
+              <a:lnSpc>
+                <a:spcPct val="90000"/>
+              </a:lnSpc>
+              <a:spcBef>
+                <a:spcPts val="500"/>
+              </a:spcBef>
+              <a:buFont typeface="Arial" panose="020B0604020202020204" pitchFamily="34" charset="0"/>
+              <a:buNone/>
+              <a:defRPr sz="1600" kern="1200">
+                <a:solidFill>
+                  <a:schemeClr val="tx1"/>
+                </a:solidFill>
+                <a:latin typeface="+mn-lt"/>
+                <a:ea typeface="+mn-ea"/>
+                <a:cs typeface="+mn-cs"/>
+              </a:defRPr>
+            </a:lvl6pPr>
+            <a:lvl7pPr marL="2743200" indent="0" algn="ctr" defTabSz="914400" rtl="0" eaLnBrk="1" latinLnBrk="0" hangingPunct="1">
+              <a:lnSpc>
+                <a:spcPct val="90000"/>
+              </a:lnSpc>
+              <a:spcBef>
+                <a:spcPts val="500"/>
+              </a:spcBef>
+              <a:buFont typeface="Arial" panose="020B0604020202020204" pitchFamily="34" charset="0"/>
+              <a:buNone/>
+              <a:defRPr sz="1600" kern="1200">
+                <a:solidFill>
+                  <a:schemeClr val="tx1"/>
+                </a:solidFill>
+                <a:latin typeface="+mn-lt"/>
+                <a:ea typeface="+mn-ea"/>
+                <a:cs typeface="+mn-cs"/>
+              </a:defRPr>
+            </a:lvl7pPr>
+            <a:lvl8pPr marL="3200400" indent="0" algn="ctr" defTabSz="914400" rtl="0" eaLnBrk="1" latinLnBrk="0" hangingPunct="1">
+              <a:lnSpc>
+                <a:spcPct val="90000"/>
+              </a:lnSpc>
+              <a:spcBef>
+                <a:spcPts val="500"/>
+              </a:spcBef>
+              <a:buFont typeface="Arial" panose="020B0604020202020204" pitchFamily="34" charset="0"/>
+              <a:buNone/>
+              <a:defRPr sz="1600" kern="1200">
+                <a:solidFill>
+                  <a:schemeClr val="tx1"/>
+                </a:solidFill>
+                <a:latin typeface="+mn-lt"/>
+                <a:ea typeface="+mn-ea"/>
+                <a:cs typeface="+mn-cs"/>
+              </a:defRPr>
+            </a:lvl8pPr>
+            <a:lvl9pPr marL="3657600" indent="0" algn="ctr" defTabSz="914400" rtl="0" eaLnBrk="1" latinLnBrk="0" hangingPunct="1">
+              <a:lnSpc>
+                <a:spcPct val="90000"/>
+              </a:lnSpc>
+              <a:spcBef>
+                <a:spcPts val="500"/>
+              </a:spcBef>
+              <a:buFont typeface="Arial" panose="020B0604020202020204" pitchFamily="34" charset="0"/>
+              <a:buNone/>
+              <a:defRPr sz="1600" kern="1200">
+                <a:solidFill>
+                  <a:schemeClr val="tx1"/>
+                </a:solidFill>
+                <a:latin typeface="+mn-lt"/>
+                <a:ea typeface="+mn-ea"/>
+                <a:cs typeface="+mn-cs"/>
+              </a:defRPr>
+            </a:lvl9pPr>
+          </a:lstStyle>
+          <a:p>
+            <a:pPr marL="685800" indent="-457200" algn="l">
+              <a:buFont typeface="Arial" panose="020B0604020202020204" pitchFamily="34" charset="0"/>
+              <a:buChar char="•"/>
+            </a:pPr>
+            <a:r>
+              <a:rPr lang="en-GB" sz="2800"/>
+              <a:t>nem csak a micella élettartama fontos, hanem a mérete is</a:t>
+            </a:r>
+          </a:p>
+          <a:p>
+            <a:pPr marL="685800" indent="-457200" algn="l">
+              <a:buFont typeface="Arial" panose="020B0604020202020204" pitchFamily="34" charset="0"/>
+              <a:buChar char="•"/>
+            </a:pPr>
+            <a:r>
+              <a:rPr lang="en-GB" sz="2800"/>
+              <a:t>nagyobb micella méret jobb szolubilizáló képességet jelent</a:t>
             </a:r>
           </a:p>
         </p:txBody>
@@ -21250,12 +22965,12 @@
     </p:spTree>
     <p:extLst>
       <p:ext uri="{BB962C8B-B14F-4D97-AF65-F5344CB8AC3E}">
-        <p14:creationId xmlns:p14="http://schemas.microsoft.com/office/powerpoint/2010/main" val="1844841582"/>
+        <p14:creationId xmlns:p14="http://schemas.microsoft.com/office/powerpoint/2010/main" val="2062113231"/>
       </p:ext>
     </p:extLst>
   </p:cSld>
   <p:clrMapOvr>
-    <a:masterClrMapping/>
+    <a:overrideClrMapping bg1="dk1" tx1="lt1" bg2="dk2" tx2="lt2" accent1="accent1" accent2="accent2" accent3="accent3" accent4="accent4" accent5="accent5" accent6="accent6" hlink="hlink" folHlink="folHlink"/>
   </p:clrMapOvr>
 </p:sld>
 </file>

--- a/adjuvants.pptx
+++ b/adjuvants.pptx
@@ -38,11 +38,11 @@
     <p:sldId id="347" r:id="rId29"/>
     <p:sldId id="348" r:id="rId30"/>
     <p:sldId id="317" r:id="rId31"/>
-    <p:sldId id="289" r:id="rId32"/>
-    <p:sldId id="290" r:id="rId33"/>
-    <p:sldId id="291" r:id="rId34"/>
-    <p:sldId id="292" r:id="rId35"/>
-    <p:sldId id="293" r:id="rId36"/>
+    <p:sldId id="349" r:id="rId32"/>
+    <p:sldId id="350" r:id="rId33"/>
+    <p:sldId id="351" r:id="rId34"/>
+    <p:sldId id="352" r:id="rId35"/>
+    <p:sldId id="353" r:id="rId36"/>
     <p:sldId id="313" r:id="rId37"/>
     <p:sldId id="294" r:id="rId38"/>
     <p:sldId id="295" r:id="rId39"/>
@@ -208,11 +208,11 @@
         <p14:section name="Töménység" id="{82C87451-ED3F-4A5F-9E2F-714253B08957}">
           <p14:sldIdLst>
             <p14:sldId id="317"/>
-            <p14:sldId id="289"/>
-            <p14:sldId id="290"/>
-            <p14:sldId id="291"/>
-            <p14:sldId id="292"/>
-            <p14:sldId id="293"/>
+            <p14:sldId id="349"/>
+            <p14:sldId id="350"/>
+            <p14:sldId id="351"/>
+            <p14:sldId id="352"/>
+            <p14:sldId id="353"/>
           </p14:sldIdLst>
         </p14:section>
         <p14:section name="Kölcsönhatások a határfelületen" id="{A1A9C359-E05D-4E23-99DB-1A0E757D3DF6}">
@@ -8322,11 +8322,78 @@
           <a:p>
             <a:r>
               <a:rPr lang="hu-HU" dirty="0"/>
-              <a:t>A felületen  levő  permetcsepp párolgás következtében </a:t>
+              <a:t>A </a:t>
             </a:r>
             <a:r>
               <a:rPr lang="hu-HU" dirty="0" err="1"/>
-              <a:t>betöményedik</a:t>
+              <a:t>szorófejes</a:t>
+            </a:r>
+            <a:r>
+              <a:rPr lang="hu-HU" dirty="0"/>
+              <a:t> cseppképzés esetén 2 határfelület  játszik fő </a:t>
+            </a:r>
+            <a:r>
+              <a:rPr lang="hu-HU" dirty="0" err="1"/>
+              <a:t>szerepetazok</a:t>
+            </a:r>
+            <a:r>
+              <a:rPr lang="hu-HU" dirty="0"/>
+              <a:t> kialakulásában illetve sorsában</a:t>
+            </a:r>
+          </a:p>
+          <a:p>
+            <a:pPr lvl="1"/>
+            <a:r>
+              <a:rPr lang="hu-HU" dirty="0"/>
+              <a:t>Permetlé/levegő határfelület</a:t>
+            </a:r>
+          </a:p>
+          <a:p>
+            <a:pPr lvl="1"/>
+            <a:r>
+              <a:rPr lang="hu-HU" dirty="0"/>
+              <a:t>Cseppecske/levél határfelület</a:t>
+            </a:r>
+          </a:p>
+          <a:p>
+            <a:pPr lvl="1"/>
+            <a:endParaRPr lang="hu-HU" dirty="0"/>
+          </a:p>
+          <a:p>
+            <a:pPr marL="457200" lvl="1" indent="0">
+              <a:buNone/>
+            </a:pPr>
+            <a:r>
+              <a:rPr lang="hu-HU" dirty="0"/>
+              <a:t>2 felületi feszültség: oldat/levegő felületi feszültség és szilárd/folyadék határfelületi feszültség  &gt;&gt;  kontakt szög mérés</a:t>
+            </a:r>
+          </a:p>
+          <a:p>
+            <a:pPr marL="457200" lvl="1" indent="0">
+              <a:buNone/>
+            </a:pPr>
+            <a:endParaRPr lang="hu-HU" dirty="0"/>
+          </a:p>
+          <a:p>
+            <a:pPr marL="457200" lvl="1" indent="0">
+              <a:buNone/>
+            </a:pPr>
+            <a:r>
+              <a:rPr lang="hu-HU" dirty="0"/>
+              <a:t>Mindként feszültséget dinamikus feltéttelek mellett kell vizsgálni.</a:t>
+            </a:r>
+          </a:p>
+          <a:p>
+            <a:pPr marL="457200" lvl="1" indent="0">
+              <a:buNone/>
+            </a:pPr>
+            <a:r>
+              <a:rPr lang="hu-HU" dirty="0"/>
+              <a:t>A </a:t>
+            </a:r>
+            <a:r>
+              <a:rPr lang="hu-HU" dirty="0" err="1"/>
+              <a:t>tenzid</a:t>
             </a:r>
             <a:r>
               <a:rPr lang="hu-HU" dirty="0"/>
@@ -8334,31 +8401,20 @@
             </a:r>
             <a:r>
               <a:rPr lang="hu-HU" dirty="0" err="1"/>
-              <a:t>tenzidre</a:t>
+              <a:t>tipusú</a:t>
             </a:r>
             <a:r>
               <a:rPr lang="hu-HU" dirty="0"/>
-              <a:t> nézve is</a:t>
-            </a:r>
-          </a:p>
-          <a:p>
+              <a:t> </a:t>
+            </a:r>
+            <a:r>
+              <a:rPr lang="hu-HU" dirty="0" err="1"/>
+              <a:t>adjuvánsok</a:t>
+            </a:r>
             <a:r>
               <a:rPr lang="hu-HU" dirty="0"/>
-              <a:t>Magas </a:t>
-            </a:r>
-            <a:r>
-              <a:rPr lang="hu-HU" dirty="0" err="1"/>
-              <a:t>tenzid</a:t>
-            </a:r>
-            <a:r>
-              <a:rPr lang="hu-HU" dirty="0"/>
-              <a:t> koncentráció esetén különböző folyékony kristályos fázisok képződnek: hexagonális, köbös, </a:t>
-            </a:r>
-            <a:r>
-              <a:rPr lang="hu-HU" dirty="0" err="1"/>
-              <a:t>lamelláris</a:t>
-            </a:r>
-            <a:endParaRPr lang="hu-HU" dirty="0"/>
+              <a:t> mindkettőt befolyásolják</a:t>
+            </a:r>
           </a:p>
           <a:p>
             <a:endParaRPr lang="hu-HU" dirty="0"/>
@@ -8382,7 +8438,7 @@
           <a:p>
             <a:fld id="{38E7A12A-EB9D-4E5F-B77B-601BCBADE65A}" type="slidenum">
               <a:rPr lang="hu-HU" smtClean="0"/>
-              <a:t>31</a:t>
+              <a:t>37</a:t>
             </a:fld>
             <a:endParaRPr lang="hu-HU"/>
           </a:p>
@@ -8391,7 +8447,7 @@
     </p:spTree>
     <p:extLst>
       <p:ext uri="{BB962C8B-B14F-4D97-AF65-F5344CB8AC3E}">
-        <p14:creationId xmlns:p14="http://schemas.microsoft.com/office/powerpoint/2010/main" val="1824166550"/>
+        <p14:creationId xmlns:p14="http://schemas.microsoft.com/office/powerpoint/2010/main" val="1030233896"/>
       </p:ext>
     </p:extLst>
   </p:cSld>
@@ -8447,56 +8503,65 @@
           <a:p>
             <a:r>
               <a:rPr lang="hu-HU" dirty="0"/>
-              <a:t>a </a:t>
+              <a:t>A </a:t>
             </a:r>
             <a:r>
               <a:rPr lang="hu-HU" dirty="0" err="1"/>
-              <a:t>deposit</a:t>
+              <a:t>szorófej</a:t>
             </a:r>
             <a:r>
               <a:rPr lang="hu-HU" dirty="0"/>
-              <a:t> (lerakódás)  kialakulásában, az esőállóságban  (tartósság) és a hatóanyag </a:t>
+              <a:t> </a:t>
             </a:r>
             <a:r>
               <a:rPr lang="hu-HU" dirty="0" err="1"/>
-              <a:t>szolubilizációjában</a:t>
-            </a:r>
+              <a:t>nyilásán</a:t>
+            </a:r>
+            <a:r>
+              <a:rPr lang="hu-HU" dirty="0"/>
+              <a:t> keresztül haladó permetlére erő hat: hidrosztatikus nyomás</a:t>
+            </a:r>
+          </a:p>
+          <a:p>
+            <a:r>
+              <a:rPr lang="hu-HU" dirty="0"/>
+              <a:t>Ha a cseppképzés ideje nagy (&gt; 1 perc) a csepp térfogata függ a felületi feszültségtől, a permetlé viszkozitásától és a </a:t>
+            </a:r>
+            <a:r>
+              <a:rPr lang="hu-HU" dirty="0" err="1"/>
+              <a:t>nyilás</a:t>
+            </a:r>
+            <a:r>
+              <a:rPr lang="hu-HU" dirty="0"/>
+              <a:t> dimenzióitól de gyakorlatilag független az időtől  </a:t>
+            </a:r>
+          </a:p>
+          <a:p>
+            <a:pPr lvl="1"/>
+            <a:r>
+              <a:rPr lang="hu-HU" dirty="0"/>
+              <a:t>Ez az alapja  a </a:t>
+            </a:r>
+            <a:r>
+              <a:rPr lang="hu-HU" dirty="0" err="1"/>
+              <a:t>kapillárisos</a:t>
+            </a:r>
+            <a:r>
+              <a:rPr lang="hu-HU" dirty="0"/>
+              <a:t> felületi feszültség mérésnek</a:t>
+            </a:r>
+          </a:p>
+          <a:p>
+            <a:pPr lvl="1"/>
             <a:endParaRPr lang="hu-HU" dirty="0"/>
           </a:p>
           <a:p>
+            <a:pPr marL="457200" lvl="1" indent="0">
+              <a:buNone/>
+            </a:pPr>
             <a:r>
               <a:rPr lang="hu-HU" dirty="0"/>
-              <a:t>A </a:t>
-            </a:r>
-            <a:r>
-              <a:rPr lang="hu-HU" dirty="0" err="1"/>
-              <a:t>szolubilizácó</a:t>
-            </a:r>
-            <a:r>
-              <a:rPr lang="hu-HU" dirty="0"/>
-              <a:t> a hatóanyag molekuláinak </a:t>
-            </a:r>
-            <a:r>
-              <a:rPr lang="hu-HU" dirty="0" err="1"/>
-              <a:t>aktiv</a:t>
-            </a:r>
-            <a:r>
-              <a:rPr lang="hu-HU" dirty="0"/>
-              <a:t> transzportjában fontos, </a:t>
-            </a:r>
-          </a:p>
-          <a:p>
-            <a:r>
-              <a:rPr lang="hu-HU" dirty="0"/>
-              <a:t>ez a transzport a </a:t>
-            </a:r>
-            <a:r>
-              <a:rPr lang="hu-HU" dirty="0" err="1"/>
-              <a:t>sisztemikus</a:t>
-            </a:r>
-            <a:r>
-              <a:rPr lang="hu-HU" dirty="0"/>
-              <a:t> hatású hatóanyagoknál  alapvető</a:t>
+              <a:t>Ha az időtartam rövid (&lt;1 perc): a csepp térfogat összetett módon függ a képződési időtől</a:t>
             </a:r>
           </a:p>
           <a:p>
@@ -8521,7 +8586,7 @@
           <a:p>
             <a:fld id="{38E7A12A-EB9D-4E5F-B77B-601BCBADE65A}" type="slidenum">
               <a:rPr lang="hu-HU" smtClean="0"/>
-              <a:t>32</a:t>
+              <a:t>39</a:t>
             </a:fld>
             <a:endParaRPr lang="hu-HU"/>
           </a:p>
@@ -8530,7 +8595,7 @@
     </p:spTree>
     <p:extLst>
       <p:ext uri="{BB962C8B-B14F-4D97-AF65-F5344CB8AC3E}">
-        <p14:creationId xmlns:p14="http://schemas.microsoft.com/office/powerpoint/2010/main" val="4213765929"/>
+        <p14:creationId xmlns:p14="http://schemas.microsoft.com/office/powerpoint/2010/main" val="645073710"/>
       </p:ext>
     </p:extLst>
   </p:cSld>
@@ -8586,35 +8651,25 @@
           <a:p>
             <a:r>
               <a:rPr lang="hu-HU" dirty="0"/>
-              <a:t>Fluid megjelenés</a:t>
+              <a:t>Amikor nagyon gyorsan halad át a folyadék a szórófej nyílásán</a:t>
             </a:r>
           </a:p>
           <a:p>
             <a:r>
               <a:rPr lang="hu-HU" dirty="0"/>
-              <a:t>Rendszerint magas viszkozitás</a:t>
-            </a:r>
+              <a:t>A folyadék-áram(JET) felbomlik cseppekre a felületi erők hatására amikor kilép a </a:t>
+            </a:r>
+            <a:r>
+              <a:rPr lang="hu-HU" dirty="0" err="1"/>
+              <a:t>szorófejből</a:t>
+            </a:r>
+            <a:endParaRPr lang="hu-HU" dirty="0"/>
           </a:p>
           <a:p>
             <a:r>
               <a:rPr lang="hu-HU" dirty="0"/>
-              <a:t>Röntgen vizsgálatok szerint rendezettebb szerkezetűek mint a közönséges folyadékok</a:t>
-            </a:r>
-          </a:p>
-          <a:p>
-            <a:r>
-              <a:rPr lang="hu-HU" dirty="0" err="1"/>
-              <a:t>Reologiailag</a:t>
-            </a:r>
-            <a:r>
-              <a:rPr lang="hu-HU" dirty="0"/>
-              <a:t> </a:t>
-            </a:r>
-            <a:r>
-              <a:rPr lang="hu-HU" dirty="0" err="1"/>
-              <a:t>viszkoelasztikusak</a:t>
-            </a:r>
-            <a:endParaRPr lang="hu-HU" dirty="0"/>
+              <a:t>A csepp felületi energiája kisebb mint a kevésbé szimmetrikus alakzaté (például henger)</a:t>
+            </a:r>
           </a:p>
           <a:p>
             <a:endParaRPr lang="hu-HU" dirty="0"/>
@@ -8638,7 +8693,7 @@
           <a:p>
             <a:fld id="{38E7A12A-EB9D-4E5F-B77B-601BCBADE65A}" type="slidenum">
               <a:rPr lang="hu-HU" smtClean="0"/>
-              <a:t>33</a:t>
+              <a:t>40</a:t>
             </a:fld>
             <a:endParaRPr lang="hu-HU"/>
           </a:p>
@@ -8647,7 +8702,7 @@
     </p:spTree>
     <p:extLst>
       <p:ext uri="{BB962C8B-B14F-4D97-AF65-F5344CB8AC3E}">
-        <p14:creationId xmlns:p14="http://schemas.microsoft.com/office/powerpoint/2010/main" val="275300806"/>
+        <p14:creationId xmlns:p14="http://schemas.microsoft.com/office/powerpoint/2010/main" val="3456449924"/>
       </p:ext>
     </p:extLst>
   </p:cSld>
@@ -8787,43 +8842,51 @@
           <a:p>
             <a:r>
               <a:rPr lang="hu-HU" dirty="0"/>
-              <a:t>1)hexagonális fázis</a:t>
-            </a:r>
-          </a:p>
-          <a:p>
+              <a:t>Amikor a henger hossza (L) meghaladja  a kerületét (2</a:t>
+            </a:r>
+            <a:r>
+              <a:rPr lang="el-GR" dirty="0"/>
+              <a:t>π</a:t>
+            </a:r>
             <a:r>
               <a:rPr lang="hu-HU" dirty="0"/>
-              <a:t>2) </a:t>
+              <a:t>r), akkor felbomlik cseppekre</a:t>
+            </a:r>
+          </a:p>
+          <a:p>
+            <a:r>
+              <a:rPr lang="hu-HU" dirty="0"/>
+              <a:t>Nagyon hosszú henger ( 9/2)*</a:t>
+            </a:r>
+            <a:r>
+              <a:rPr lang="el-GR" dirty="0"/>
+              <a:t>π</a:t>
+            </a:r>
+            <a:r>
+              <a:rPr lang="hu-HU" dirty="0"/>
+              <a:t> r</a:t>
+            </a:r>
+            <a:r>
+              <a:rPr lang="hu-HU" baseline="30000" dirty="0"/>
+              <a:t>3</a:t>
+            </a:r>
+            <a:r>
+              <a:rPr lang="hu-HU" dirty="0"/>
+              <a:t> térfogatú cseppekre osztódik</a:t>
+            </a:r>
+          </a:p>
+          <a:p>
+            <a:r>
+              <a:rPr lang="hu-HU" dirty="0"/>
+              <a:t>Két nem egyenlő méretű gömb összefelülete kisebb mint két egyenlő méretű azonos össztérfogat esetén: ezért </a:t>
             </a:r>
             <a:r>
               <a:rPr lang="hu-HU" dirty="0" err="1"/>
-              <a:t>Micellaris</a:t>
+              <a:t>polidiszperz</a:t>
             </a:r>
             <a:r>
               <a:rPr lang="hu-HU" dirty="0"/>
-              <a:t> (</a:t>
-            </a:r>
-            <a:r>
-              <a:rPr lang="hu-HU" dirty="0" err="1"/>
-              <a:t>Cubic</a:t>
-            </a:r>
-            <a:r>
-              <a:rPr lang="hu-HU" dirty="0"/>
-              <a:t>) fázis</a:t>
-            </a:r>
-          </a:p>
-          <a:p>
-            <a:r>
-              <a:rPr lang="hu-HU" dirty="0"/>
-              <a:t>3) </a:t>
-            </a:r>
-            <a:r>
-              <a:rPr lang="hu-HU" dirty="0" err="1"/>
-              <a:t>Lamelláris</a:t>
-            </a:r>
-            <a:r>
-              <a:rPr lang="hu-HU" dirty="0"/>
-              <a:t> fázis </a:t>
+              <a:t> csepphalmaz kialakulása a valószínű</a:t>
             </a:r>
           </a:p>
           <a:p>
@@ -8848,7 +8911,7 @@
           <a:p>
             <a:fld id="{38E7A12A-EB9D-4E5F-B77B-601BCBADE65A}" type="slidenum">
               <a:rPr lang="hu-HU" smtClean="0"/>
-              <a:t>34</a:t>
+              <a:t>41</a:t>
             </a:fld>
             <a:endParaRPr lang="hu-HU"/>
           </a:p>
@@ -8857,7 +8920,7 @@
     </p:spTree>
     <p:extLst>
       <p:ext uri="{BB962C8B-B14F-4D97-AF65-F5344CB8AC3E}">
-        <p14:creationId xmlns:p14="http://schemas.microsoft.com/office/powerpoint/2010/main" val="648826211"/>
+        <p14:creationId xmlns:p14="http://schemas.microsoft.com/office/powerpoint/2010/main" val="1241487033"/>
       </p:ext>
     </p:extLst>
   </p:cSld>
@@ -8913,93 +8976,43 @@
           <a:p>
             <a:r>
               <a:rPr lang="hu-HU" dirty="0"/>
-              <a:t>Kritikus csomag paraméter (</a:t>
-            </a:r>
+              <a:t>A cseppspektrum „szabályozása” fontos:</a:t>
+            </a:r>
+          </a:p>
+          <a:p>
+            <a:pPr lvl="1"/>
+            <a:r>
+              <a:rPr lang="hu-HU" dirty="0"/>
+              <a:t>A megfelelő adhézió biztosításáért</a:t>
+            </a:r>
+          </a:p>
+          <a:p>
+            <a:pPr lvl="1"/>
+            <a:r>
+              <a:rPr lang="hu-HU" dirty="0"/>
+              <a:t>A megfelelő retencióért</a:t>
+            </a:r>
+          </a:p>
+          <a:p>
+            <a:pPr lvl="1"/>
+            <a:r>
+              <a:rPr lang="hu-HU" dirty="0"/>
+              <a:t>Az elsodródás  megelőzéséért</a:t>
+            </a:r>
+          </a:p>
+          <a:p>
+            <a:pPr lvl="1"/>
+            <a:endParaRPr lang="hu-HU" dirty="0"/>
+          </a:p>
+          <a:p>
+            <a:pPr lvl="1"/>
             <a:r>
               <a:rPr lang="hu-HU" dirty="0" err="1"/>
-              <a:t>crtical</a:t>
+              <a:t>Tenzidekkel</a:t>
             </a:r>
             <a:r>
               <a:rPr lang="hu-HU" dirty="0"/>
-              <a:t> </a:t>
-            </a:r>
-            <a:r>
-              <a:rPr lang="hu-HU" dirty="0" err="1"/>
-              <a:t>packing</a:t>
-            </a:r>
-            <a:r>
-              <a:rPr lang="hu-HU" dirty="0"/>
-              <a:t> paraméter) használata  az aggregált szerkezet alakjának becsléséhez</a:t>
-            </a:r>
-          </a:p>
-          <a:p>
-            <a:r>
-              <a:rPr lang="hu-HU" dirty="0"/>
-              <a:t>Gömb alakú micellát alkossa n darab monomer</a:t>
-            </a:r>
-          </a:p>
-          <a:p>
-            <a:r>
-              <a:rPr lang="hu-HU" dirty="0"/>
-              <a:t>Micella térfogata:   4/3 π r</a:t>
-            </a:r>
-            <a:r>
-              <a:rPr lang="hu-HU" baseline="30000" dirty="0"/>
-              <a:t>3</a:t>
-            </a:r>
-            <a:r>
-              <a:rPr lang="hu-HU" dirty="0"/>
-              <a:t>= n v  ahol v egy molekula térfogata</a:t>
-            </a:r>
-          </a:p>
-          <a:p>
-            <a:r>
-              <a:rPr lang="hu-HU" dirty="0" err="1"/>
-              <a:t>Mcella</a:t>
-            </a:r>
-            <a:r>
-              <a:rPr lang="hu-HU" dirty="0"/>
-              <a:t> </a:t>
-            </a:r>
-            <a:r>
-              <a:rPr lang="hu-HU" dirty="0" err="1"/>
-              <a:t>felszine</a:t>
-            </a:r>
-            <a:r>
-              <a:rPr lang="hu-HU" dirty="0"/>
-              <a:t>: 4πr</a:t>
-            </a:r>
-            <a:r>
-              <a:rPr lang="hu-HU" baseline="30000" dirty="0"/>
-              <a:t>2</a:t>
-            </a:r>
-            <a:r>
-              <a:rPr lang="hu-HU" dirty="0"/>
-              <a:t>= n a</a:t>
-            </a:r>
-            <a:r>
-              <a:rPr lang="hu-HU" baseline="-25000" dirty="0"/>
-              <a:t>0</a:t>
-            </a:r>
-            <a:r>
-              <a:rPr lang="hu-HU" dirty="0"/>
-              <a:t> ahol a</a:t>
-            </a:r>
-            <a:r>
-              <a:rPr lang="hu-HU" baseline="-25000" dirty="0"/>
-              <a:t>0</a:t>
-            </a:r>
-            <a:r>
-              <a:rPr lang="hu-HU" dirty="0"/>
-              <a:t> a </a:t>
-            </a:r>
-            <a:r>
-              <a:rPr lang="hu-HU" dirty="0" err="1"/>
-              <a:t>hidrofiil</a:t>
-            </a:r>
-            <a:r>
-              <a:rPr lang="hu-HU" dirty="0"/>
-              <a:t> fej keresztmetszete</a:t>
+              <a:t> és polimerekkel szabályozhatjuk a cseppspektrumot</a:t>
             </a:r>
           </a:p>
           <a:p>
@@ -9024,7 +9037,7 @@
           <a:p>
             <a:fld id="{38E7A12A-EB9D-4E5F-B77B-601BCBADE65A}" type="slidenum">
               <a:rPr lang="hu-HU" smtClean="0"/>
-              <a:t>35</a:t>
+              <a:t>43</a:t>
             </a:fld>
             <a:endParaRPr lang="hu-HU"/>
           </a:p>
@@ -9033,7 +9046,7 @@
     </p:spTree>
     <p:extLst>
       <p:ext uri="{BB962C8B-B14F-4D97-AF65-F5344CB8AC3E}">
-        <p14:creationId xmlns:p14="http://schemas.microsoft.com/office/powerpoint/2010/main" val="3679799113"/>
+        <p14:creationId xmlns:p14="http://schemas.microsoft.com/office/powerpoint/2010/main" val="385274646"/>
       </p:ext>
     </p:extLst>
   </p:cSld>
@@ -9093,70 +9106,29 @@
             </a:r>
             <a:r>
               <a:rPr lang="hu-HU" dirty="0" err="1"/>
-              <a:t>szorófejes</a:t>
+              <a:t>tenzid</a:t>
             </a:r>
             <a:r>
               <a:rPr lang="hu-HU" dirty="0"/>
-              <a:t> cseppképzés esetén 2 határfelület  játszik fő </a:t>
-            </a:r>
-            <a:r>
-              <a:rPr lang="hu-HU" dirty="0" err="1"/>
-              <a:t>szerepetazok</a:t>
-            </a:r>
+              <a:t> csökkenti a felületi feszültséget</a:t>
+            </a:r>
+          </a:p>
+          <a:p>
             <a:r>
               <a:rPr lang="hu-HU" dirty="0"/>
-              <a:t> kialakulásában illetve sorsában</a:t>
-            </a:r>
-          </a:p>
-          <a:p>
-            <a:pPr lvl="1"/>
+              <a:t>Ez kisebb cseppek kialakulását lehetővé teszi</a:t>
+            </a:r>
+          </a:p>
+          <a:p>
             <a:r>
               <a:rPr lang="hu-HU" dirty="0"/>
-              <a:t>Permetlé/levegő határfelület</a:t>
-            </a:r>
-          </a:p>
-          <a:p>
-            <a:pPr lvl="1"/>
+              <a:t>A cseppátmerő egyenesen arányos  a folyadék felületi feszültségével</a:t>
+            </a:r>
+          </a:p>
+          <a:p>
             <a:r>
               <a:rPr lang="hu-HU" dirty="0"/>
-              <a:t>Cseppecske/levél határfelület</a:t>
-            </a:r>
-          </a:p>
-          <a:p>
-            <a:pPr lvl="1"/>
-            <a:endParaRPr lang="hu-HU" dirty="0"/>
-          </a:p>
-          <a:p>
-            <a:pPr marL="457200" lvl="1" indent="0">
-              <a:buNone/>
-            </a:pPr>
-            <a:r>
-              <a:rPr lang="hu-HU" dirty="0"/>
-              <a:t>2 felületi feszültség: oldat/levegő felületi feszültség és szilárd/folyadék határfelületi feszültség  &gt;&gt;  kontakt szög mérés</a:t>
-            </a:r>
-          </a:p>
-          <a:p>
-            <a:pPr marL="457200" lvl="1" indent="0">
-              <a:buNone/>
-            </a:pPr>
-            <a:endParaRPr lang="hu-HU" dirty="0"/>
-          </a:p>
-          <a:p>
-            <a:pPr marL="457200" lvl="1" indent="0">
-              <a:buNone/>
-            </a:pPr>
-            <a:r>
-              <a:rPr lang="hu-HU" dirty="0"/>
-              <a:t>Mindként feszültséget dinamikus feltéttelek mellett kell vizsgálni.</a:t>
-            </a:r>
-          </a:p>
-          <a:p>
-            <a:pPr marL="457200" lvl="1" indent="0">
-              <a:buNone/>
-            </a:pPr>
-            <a:r>
-              <a:rPr lang="hu-HU" dirty="0"/>
-              <a:t>A </a:t>
+              <a:t>A cseppképzés nagyon gyors: ezért dinamikus effektusokat kell figyelembe venni  (</a:t>
             </a:r>
             <a:r>
               <a:rPr lang="hu-HU" dirty="0" err="1"/>
@@ -9164,23 +9136,15 @@
             </a:r>
             <a:r>
               <a:rPr lang="hu-HU" dirty="0"/>
-              <a:t> </a:t>
+              <a:t> molekulák adszorpciójának és </a:t>
             </a:r>
             <a:r>
               <a:rPr lang="hu-HU" dirty="0" err="1"/>
-              <a:t>tipusú</a:t>
+              <a:t>diffuziójának</a:t>
             </a:r>
             <a:r>
               <a:rPr lang="hu-HU" dirty="0"/>
-              <a:t> </a:t>
-            </a:r>
-            <a:r>
-              <a:rPr lang="hu-HU" dirty="0" err="1"/>
-              <a:t>adjuvánsok</a:t>
-            </a:r>
-            <a:r>
-              <a:rPr lang="hu-HU" dirty="0"/>
-              <a:t> mindkettőt befolyásolják</a:t>
+              <a:t> sebessége)</a:t>
             </a:r>
           </a:p>
           <a:p>
@@ -9205,7 +9169,7 @@
           <a:p>
             <a:fld id="{38E7A12A-EB9D-4E5F-B77B-601BCBADE65A}" type="slidenum">
               <a:rPr lang="hu-HU" smtClean="0"/>
-              <a:t>37</a:t>
+              <a:t>44</a:t>
             </a:fld>
             <a:endParaRPr lang="hu-HU"/>
           </a:p>
@@ -9214,7 +9178,7 @@
     </p:spTree>
     <p:extLst>
       <p:ext uri="{BB962C8B-B14F-4D97-AF65-F5344CB8AC3E}">
-        <p14:creationId xmlns:p14="http://schemas.microsoft.com/office/powerpoint/2010/main" val="1030233896"/>
+        <p14:creationId xmlns:p14="http://schemas.microsoft.com/office/powerpoint/2010/main" val="4256902504"/>
       </p:ext>
     </p:extLst>
   </p:cSld>
@@ -9270,65 +9234,21 @@
           <a:p>
             <a:r>
               <a:rPr lang="hu-HU" dirty="0"/>
-              <a:t>A </a:t>
+              <a:t>Nem egyszerűen csak a molekulaméret (monomer)  (</a:t>
             </a:r>
             <a:r>
               <a:rPr lang="hu-HU" dirty="0" err="1"/>
-              <a:t>szorófej</a:t>
+              <a:t>diffuziós</a:t>
             </a:r>
             <a:r>
               <a:rPr lang="hu-HU" dirty="0"/>
-              <a:t> </a:t>
-            </a:r>
-            <a:r>
-              <a:rPr lang="hu-HU" dirty="0" err="1"/>
-              <a:t>nyilásán</a:t>
-            </a:r>
+              <a:t> koefficiens) hanem a micellák élettartama az oldatban is jelentős szerepel bír.</a:t>
+            </a:r>
+          </a:p>
+          <a:p>
             <a:r>
               <a:rPr lang="hu-HU" dirty="0"/>
-              <a:t> keresztül haladó permetlére erő hat: hidrosztatikus nyomás</a:t>
-            </a:r>
-          </a:p>
-          <a:p>
-            <a:r>
-              <a:rPr lang="hu-HU" dirty="0"/>
-              <a:t>Ha a cseppképzés ideje nagy (&gt; 1 perc) a csepp térfogata függ a felületi feszültségtől, a permetlé viszkozitásától és a </a:t>
-            </a:r>
-            <a:r>
-              <a:rPr lang="hu-HU" dirty="0" err="1"/>
-              <a:t>nyilás</a:t>
-            </a:r>
-            <a:r>
-              <a:rPr lang="hu-HU" dirty="0"/>
-              <a:t> dimenzióitól de gyakorlatilag független az időtől  </a:t>
-            </a:r>
-          </a:p>
-          <a:p>
-            <a:pPr lvl="1"/>
-            <a:r>
-              <a:rPr lang="hu-HU" dirty="0"/>
-              <a:t>Ez az alapja  a </a:t>
-            </a:r>
-            <a:r>
-              <a:rPr lang="hu-HU" dirty="0" err="1"/>
-              <a:t>kapillárisos</a:t>
-            </a:r>
-            <a:r>
-              <a:rPr lang="hu-HU" dirty="0"/>
-              <a:t> felületi feszültség mérésnek</a:t>
-            </a:r>
-          </a:p>
-          <a:p>
-            <a:pPr lvl="1"/>
-            <a:endParaRPr lang="hu-HU" dirty="0"/>
-          </a:p>
-          <a:p>
-            <a:pPr marL="457200" lvl="1" indent="0">
-              <a:buNone/>
-            </a:pPr>
-            <a:r>
-              <a:rPr lang="hu-HU" dirty="0"/>
-              <a:t>Ha az időtartam rövid (&lt;1 perc): a csepp térfogat összetett módon függ a képződési időtől</a:t>
+              <a:t>Rövidebb élettartam a monomerek gyorsabb rendelkezésre állását jelenti ez pedig  a felületi feszültség gyorsabb csökkenéséhez vezet</a:t>
             </a:r>
           </a:p>
           <a:p>
@@ -9353,7 +9273,7 @@
           <a:p>
             <a:fld id="{38E7A12A-EB9D-4E5F-B77B-601BCBADE65A}" type="slidenum">
               <a:rPr lang="hu-HU" smtClean="0"/>
-              <a:t>39</a:t>
+              <a:t>45</a:t>
             </a:fld>
             <a:endParaRPr lang="hu-HU"/>
           </a:p>
@@ -9362,7 +9282,7 @@
     </p:spTree>
     <p:extLst>
       <p:ext uri="{BB962C8B-B14F-4D97-AF65-F5344CB8AC3E}">
-        <p14:creationId xmlns:p14="http://schemas.microsoft.com/office/powerpoint/2010/main" val="645073710"/>
+        <p14:creationId xmlns:p14="http://schemas.microsoft.com/office/powerpoint/2010/main" val="1793464416"/>
       </p:ext>
     </p:extLst>
   </p:cSld>
@@ -9418,24 +9338,100 @@
           <a:p>
             <a:r>
               <a:rPr lang="hu-HU" dirty="0"/>
-              <a:t>Amikor nagyon gyorsan halad át a folyadék a szórófej nyílásán</a:t>
-            </a:r>
-          </a:p>
-          <a:p>
+              <a:t>Magasabb </a:t>
+            </a:r>
+            <a:r>
+              <a:rPr lang="hu-HU" dirty="0" err="1"/>
+              <a:t>cmc-jű</a:t>
+            </a:r>
             <a:r>
               <a:rPr lang="hu-HU" dirty="0"/>
-              <a:t>A folyadék-áram(JET) felbomlik cseppekre a felületi erők hatására amikor kilép a </a:t>
+              <a:t> (nagyobb HLB-</a:t>
             </a:r>
             <a:r>
               <a:rPr lang="hu-HU" dirty="0" err="1"/>
-              <a:t>szorófejből</a:t>
+              <a:t>jű</a:t>
+            </a:r>
+            <a:r>
+              <a:rPr lang="hu-HU" dirty="0"/>
+              <a:t>) </a:t>
+            </a:r>
+            <a:r>
+              <a:rPr lang="hu-HU" dirty="0" err="1"/>
+              <a:t>tenzid</a:t>
+            </a:r>
+            <a:r>
+              <a:rPr lang="hu-HU" dirty="0"/>
+              <a:t> hatásosabb lehet a felületi </a:t>
+            </a:r>
+          </a:p>
+          <a:p>
+            <a:r>
+              <a:rPr lang="hu-HU" dirty="0"/>
+              <a:t>Feszültség csökkentésében mint az alacsonyabb </a:t>
+            </a:r>
+            <a:r>
+              <a:rPr lang="hu-HU" dirty="0" err="1"/>
+              <a:t>cmc-jű</a:t>
             </a:r>
             <a:endParaRPr lang="hu-HU" dirty="0"/>
           </a:p>
           <a:p>
             <a:r>
               <a:rPr lang="hu-HU" dirty="0"/>
-              <a:t>A csepp felületi energiája kisebb mint a kevésbé szimmetrikus alakzaté (például henger)</a:t>
+              <a:t>Ha a </a:t>
+            </a:r>
+            <a:r>
+              <a:rPr lang="hu-HU" dirty="0" err="1"/>
+              <a:t>tenzid</a:t>
+            </a:r>
+            <a:r>
+              <a:rPr lang="hu-HU" dirty="0"/>
+              <a:t> réteg képződésének (adszorpciójának) ideje hosszabb mint a folyadék cseppekre történő felbomlásának ideje, akkor a külön hozzáadott </a:t>
+            </a:r>
+            <a:r>
+              <a:rPr lang="hu-HU" dirty="0" err="1"/>
+              <a:t>tenzid</a:t>
+            </a:r>
+            <a:r>
+              <a:rPr lang="hu-HU" dirty="0"/>
+              <a:t>  kis hatással </a:t>
+            </a:r>
+            <a:r>
+              <a:rPr lang="hu-HU" dirty="0" err="1"/>
+              <a:t>bir</a:t>
+            </a:r>
+            <a:r>
+              <a:rPr lang="hu-HU" dirty="0"/>
+              <a:t> a cseppspektrumra</a:t>
+            </a:r>
+          </a:p>
+          <a:p>
+            <a:r>
+              <a:rPr lang="hu-HU" dirty="0"/>
+              <a:t>A </a:t>
+            </a:r>
+            <a:r>
+              <a:rPr lang="hu-HU" dirty="0" err="1"/>
+              <a:t>tenzid</a:t>
+            </a:r>
+            <a:r>
+              <a:rPr lang="hu-HU" dirty="0"/>
+              <a:t> molekula gyorsabb adszorpciója  nagyobb </a:t>
+            </a:r>
+            <a:r>
+              <a:rPr lang="hu-HU" dirty="0" err="1"/>
+              <a:t>hatáásal</a:t>
+            </a:r>
+            <a:r>
+              <a:rPr lang="hu-HU" dirty="0"/>
+              <a:t> befolyásolja spektrumot</a:t>
+            </a:r>
+          </a:p>
+          <a:p>
+            <a:r>
+              <a:rPr lang="hu-HU" dirty="0"/>
+              <a:t>Finomabb cseppspektrumhoz megfelelően alacsony dinamikus felületi feszültség kell</a:t>
             </a:r>
           </a:p>
           <a:p>
@@ -9460,7 +9456,7 @@
           <a:p>
             <a:fld id="{38E7A12A-EB9D-4E5F-B77B-601BCBADE65A}" type="slidenum">
               <a:rPr lang="hu-HU" smtClean="0"/>
-              <a:t>40</a:t>
+              <a:t>46</a:t>
             </a:fld>
             <a:endParaRPr lang="hu-HU"/>
           </a:p>
@@ -9469,7 +9465,7 @@
     </p:spTree>
     <p:extLst>
       <p:ext uri="{BB962C8B-B14F-4D97-AF65-F5344CB8AC3E}">
-        <p14:creationId xmlns:p14="http://schemas.microsoft.com/office/powerpoint/2010/main" val="3456449924"/>
+        <p14:creationId xmlns:p14="http://schemas.microsoft.com/office/powerpoint/2010/main" val="3270802669"/>
       </p:ext>
     </p:extLst>
   </p:cSld>
@@ -9525,51 +9521,74 @@
           <a:p>
             <a:r>
               <a:rPr lang="hu-HU" dirty="0"/>
-              <a:t>Amikor a henger hossza (L) meghaladja  a kerületét (2</a:t>
-            </a:r>
-            <a:r>
-              <a:rPr lang="el-GR" dirty="0"/>
-              <a:t>π</a:t>
-            </a:r>
+              <a:t>Meghatározható maximum buboréknyomás módszerrel</a:t>
+            </a:r>
+          </a:p>
+          <a:p>
+            <a:endParaRPr lang="hu-HU" dirty="0"/>
+          </a:p>
+          <a:p>
             <a:r>
               <a:rPr lang="hu-HU" dirty="0"/>
-              <a:t>r), akkor felbomlik cseppekre</a:t>
-            </a:r>
-          </a:p>
-          <a:p>
+              <a:t>Gyors </a:t>
+            </a:r>
+            <a:r>
+              <a:rPr lang="hu-HU" dirty="0" err="1"/>
+              <a:t>jet</a:t>
+            </a:r>
             <a:r>
               <a:rPr lang="hu-HU" dirty="0"/>
-              <a:t>Nagyon hosszú henger ( 9/2)*</a:t>
-            </a:r>
-            <a:r>
-              <a:rPr lang="el-GR" dirty="0"/>
-              <a:t>π</a:t>
-            </a:r>
+              <a:t>  (sugár)esetén  a szituáció nagyon komplex, összetett lehet</a:t>
+            </a:r>
+          </a:p>
+          <a:p>
             <a:r>
               <a:rPr lang="hu-HU" dirty="0"/>
-              <a:t> r</a:t>
-            </a:r>
-            <a:r>
-              <a:rPr lang="hu-HU" baseline="30000" dirty="0"/>
-              <a:t>3</a:t>
+              <a:t>A </a:t>
+            </a:r>
+            <a:r>
+              <a:rPr lang="hu-HU" dirty="0" err="1"/>
+              <a:t>tenzid</a:t>
             </a:r>
             <a:r>
               <a:rPr lang="hu-HU" dirty="0"/>
-              <a:t> térfogatú cseppekre osztódik</a:t>
-            </a:r>
-          </a:p>
-          <a:p>
+              <a:t> molekulák gyors adszorpciója nélkülözhetetlen különösen a </a:t>
+            </a:r>
+            <a:r>
+              <a:rPr lang="hu-HU" dirty="0" err="1"/>
+              <a:t>a</a:t>
+            </a:r>
             <a:r>
               <a:rPr lang="hu-HU" dirty="0"/>
-              <a:t>Két nem egyenlő méretű gömb összefelülete kisebb mint két egyenlő méretű azonos össztérfogat esetén: ezért </a:t>
+              <a:t> </a:t>
             </a:r>
             <a:r>
               <a:rPr lang="hu-HU" dirty="0" err="1"/>
-              <a:t>polidiszperz</a:t>
+              <a:t>fuvókábó</a:t>
             </a:r>
             <a:r>
               <a:rPr lang="hu-HU" dirty="0"/>
-              <a:t> csepphalmaz kialakulása a valószínű</a:t>
+              <a:t>(</a:t>
+            </a:r>
+            <a:r>
+              <a:rPr lang="hu-HU" dirty="0" err="1"/>
+              <a:t>szorófejből</a:t>
+            </a:r>
+            <a:r>
+              <a:rPr lang="hu-HU" dirty="0"/>
+              <a:t>) kilépő gyors folyadéksugarak esetén </a:t>
+            </a:r>
+          </a:p>
+          <a:p>
+            <a:r>
+              <a:rPr lang="hu-HU" dirty="0"/>
+              <a:t>A molekuláknak gyorsan szét kell oszlaniuk, terülniük a sugár még burkolatlan  részein</a:t>
+            </a:r>
+          </a:p>
+          <a:p>
+            <a:r>
+              <a:rPr lang="hu-HU" dirty="0"/>
+              <a:t>. Ez a MARANGONI  effektus egy formája)</a:t>
             </a:r>
           </a:p>
           <a:p>
@@ -9594,7 +9613,7 @@
           <a:p>
             <a:fld id="{38E7A12A-EB9D-4E5F-B77B-601BCBADE65A}" type="slidenum">
               <a:rPr lang="hu-HU" smtClean="0"/>
-              <a:t>41</a:t>
+              <a:t>47</a:t>
             </a:fld>
             <a:endParaRPr lang="hu-HU"/>
           </a:p>
@@ -9603,7 +9622,7 @@
     </p:spTree>
     <p:extLst>
       <p:ext uri="{BB962C8B-B14F-4D97-AF65-F5344CB8AC3E}">
-        <p14:creationId xmlns:p14="http://schemas.microsoft.com/office/powerpoint/2010/main" val="1241487033"/>
+        <p14:creationId xmlns:p14="http://schemas.microsoft.com/office/powerpoint/2010/main" val="3053082846"/>
       </p:ext>
     </p:extLst>
   </p:cSld>
@@ -9659,43 +9678,27 @@
           <a:p>
             <a:r>
               <a:rPr lang="hu-HU" dirty="0"/>
-              <a:t>A cseppspektrum „szabályozása” fontos:</a:t>
-            </a:r>
-          </a:p>
-          <a:p>
-            <a:pPr lvl="1"/>
+              <a:t>A magas molekulatömegű polimerek </a:t>
+            </a:r>
+            <a:r>
+              <a:rPr lang="hu-HU" dirty="0" err="1"/>
+              <a:t>elsodrodást</a:t>
+            </a:r>
             <a:r>
               <a:rPr lang="hu-HU" dirty="0"/>
-              <a:t>A megfelelő adhézió biztosításáért</a:t>
-            </a:r>
-          </a:p>
-          <a:p>
-            <a:pPr lvl="1"/>
+              <a:t> gátló hatással rendelkeznek</a:t>
+            </a:r>
+          </a:p>
+          <a:p>
             <a:r>
               <a:rPr lang="hu-HU" dirty="0"/>
-              <a:t>A megfelelő retencióért</a:t>
-            </a:r>
-          </a:p>
-          <a:p>
-            <a:pPr lvl="1"/>
+              <a:t>A vízoldható magas molekulatömegű polimerek nagyobb cseppek képződésének kedveznek</a:t>
+            </a:r>
+          </a:p>
+          <a:p>
             <a:r>
               <a:rPr lang="hu-HU" dirty="0"/>
-              <a:t>Az elsodródás  megelőzéséért</a:t>
-            </a:r>
-          </a:p>
-          <a:p>
-            <a:pPr lvl="1"/>
-            <a:endParaRPr lang="hu-HU" dirty="0"/>
-          </a:p>
-          <a:p>
-            <a:pPr lvl="1"/>
-            <a:r>
-              <a:rPr lang="hu-HU" dirty="0" err="1"/>
-              <a:t>Tenzidekkel</a:t>
-            </a:r>
-            <a:r>
-              <a:rPr lang="hu-HU" dirty="0"/>
-              <a:t> és polimerekkel szabályozhatjuk a cseppspektrumot</a:t>
+              <a:t>Ok: viszkozitás  gyors  növekedése  amint a polimer koncentráció  elegendően nagy ahhoz ,hogy a polimer láncok elkezdjenek átfedésbe kerülni: ez egy kritikus polimer koncentráció</a:t>
             </a:r>
           </a:p>
           <a:p>
@@ -9720,7 +9723,7 @@
           <a:p>
             <a:fld id="{38E7A12A-EB9D-4E5F-B77B-601BCBADE65A}" type="slidenum">
               <a:rPr lang="hu-HU" smtClean="0"/>
-              <a:t>43</a:t>
+              <a:t>50</a:t>
             </a:fld>
             <a:endParaRPr lang="hu-HU"/>
           </a:p>
@@ -9729,426 +9732,7 @@
     </p:spTree>
     <p:extLst>
       <p:ext uri="{BB962C8B-B14F-4D97-AF65-F5344CB8AC3E}">
-        <p14:creationId xmlns:p14="http://schemas.microsoft.com/office/powerpoint/2010/main" val="385274646"/>
-      </p:ext>
-    </p:extLst>
-  </p:cSld>
-  <p:clrMapOvr>
-    <a:masterClrMapping/>
-  </p:clrMapOvr>
-</p:notes>
-</file>
-
-<file path=ppt/notesSlides/notesSlide27.xml><?xml version="1.0" encoding="utf-8"?>
-<p:notes xmlns:a="http://schemas.openxmlformats.org/drawingml/2006/main" xmlns:r="http://schemas.openxmlformats.org/officeDocument/2006/relationships" xmlns:p="http://schemas.openxmlformats.org/presentationml/2006/main">
-  <p:cSld>
-    <p:spTree>
-      <p:nvGrpSpPr>
-        <p:cNvPr id="1" name=""/>
-        <p:cNvGrpSpPr/>
-        <p:nvPr/>
-      </p:nvGrpSpPr>
-      <p:grpSpPr>
-        <a:xfrm>
-          <a:off x="0" y="0"/>
-          <a:ext cx="0" cy="0"/>
-          <a:chOff x="0" y="0"/>
-          <a:chExt cx="0" cy="0"/>
-        </a:xfrm>
-      </p:grpSpPr>
-      <p:sp>
-        <p:nvSpPr>
-          <p:cNvPr id="2" name="Diakép helye 1"/>
-          <p:cNvSpPr>
-            <a:spLocks noGrp="1" noRot="1" noChangeAspect="1"/>
-          </p:cNvSpPr>
-          <p:nvPr>
-            <p:ph type="sldImg"/>
-          </p:nvPr>
-        </p:nvSpPr>
-        <p:spPr/>
-      </p:sp>
-      <p:sp>
-        <p:nvSpPr>
-          <p:cNvPr id="3" name="Jegyzetek helye 2"/>
-          <p:cNvSpPr>
-            <a:spLocks noGrp="1"/>
-          </p:cNvSpPr>
-          <p:nvPr>
-            <p:ph type="body" idx="1"/>
-          </p:nvPr>
-        </p:nvSpPr>
-        <p:spPr/>
-        <p:txBody>
-          <a:bodyPr/>
-          <a:lstStyle/>
-          <a:p>
-            <a:r>
-              <a:rPr lang="hu-HU" dirty="0"/>
-              <a:t>A </a:t>
-            </a:r>
-            <a:r>
-              <a:rPr lang="hu-HU" dirty="0" err="1"/>
-              <a:t>tenzid</a:t>
-            </a:r>
-            <a:r>
-              <a:rPr lang="hu-HU" dirty="0"/>
-              <a:t> csökkenti a felületi feszültséget</a:t>
-            </a:r>
-          </a:p>
-          <a:p>
-            <a:r>
-              <a:rPr lang="hu-HU" dirty="0"/>
-              <a:t>Ez kisebb cseppek kialakulását lehetővé teszi</a:t>
-            </a:r>
-          </a:p>
-          <a:p>
-            <a:r>
-              <a:rPr lang="hu-HU" dirty="0"/>
-              <a:t>A cseppátmerő egyenesen arányos  a folyadék felületi feszültségével</a:t>
-            </a:r>
-          </a:p>
-          <a:p>
-            <a:r>
-              <a:rPr lang="hu-HU" dirty="0"/>
-              <a:t>A cseppképzés nagyon gyors: ezért dinamikus effektusokat kell figyelembe venni  (</a:t>
-            </a:r>
-            <a:r>
-              <a:rPr lang="hu-HU" dirty="0" err="1"/>
-              <a:t>tenzid</a:t>
-            </a:r>
-            <a:r>
-              <a:rPr lang="hu-HU" dirty="0"/>
-              <a:t> molekulák adszorpciójának és </a:t>
-            </a:r>
-            <a:r>
-              <a:rPr lang="hu-HU" dirty="0" err="1"/>
-              <a:t>diffuziójának</a:t>
-            </a:r>
-            <a:r>
-              <a:rPr lang="hu-HU" dirty="0"/>
-              <a:t> sebessége)</a:t>
-            </a:r>
-          </a:p>
-          <a:p>
-            <a:endParaRPr lang="hu-HU" dirty="0"/>
-          </a:p>
-        </p:txBody>
-      </p:sp>
-      <p:sp>
-        <p:nvSpPr>
-          <p:cNvPr id="4" name="Dia számának helye 3"/>
-          <p:cNvSpPr>
-            <a:spLocks noGrp="1"/>
-          </p:cNvSpPr>
-          <p:nvPr>
-            <p:ph type="sldNum" sz="quarter" idx="5"/>
-          </p:nvPr>
-        </p:nvSpPr>
-        <p:spPr/>
-        <p:txBody>
-          <a:bodyPr/>
-          <a:lstStyle/>
-          <a:p>
-            <a:fld id="{38E7A12A-EB9D-4E5F-B77B-601BCBADE65A}" type="slidenum">
-              <a:rPr lang="hu-HU" smtClean="0"/>
-              <a:t>44</a:t>
-            </a:fld>
-            <a:endParaRPr lang="hu-HU"/>
-          </a:p>
-        </p:txBody>
-      </p:sp>
-    </p:spTree>
-    <p:extLst>
-      <p:ext uri="{BB962C8B-B14F-4D97-AF65-F5344CB8AC3E}">
-        <p14:creationId xmlns:p14="http://schemas.microsoft.com/office/powerpoint/2010/main" val="4256902504"/>
-      </p:ext>
-    </p:extLst>
-  </p:cSld>
-  <p:clrMapOvr>
-    <a:masterClrMapping/>
-  </p:clrMapOvr>
-</p:notes>
-</file>
-
-<file path=ppt/notesSlides/notesSlide28.xml><?xml version="1.0" encoding="utf-8"?>
-<p:notes xmlns:a="http://schemas.openxmlformats.org/drawingml/2006/main" xmlns:r="http://schemas.openxmlformats.org/officeDocument/2006/relationships" xmlns:p="http://schemas.openxmlformats.org/presentationml/2006/main">
-  <p:cSld>
-    <p:spTree>
-      <p:nvGrpSpPr>
-        <p:cNvPr id="1" name=""/>
-        <p:cNvGrpSpPr/>
-        <p:nvPr/>
-      </p:nvGrpSpPr>
-      <p:grpSpPr>
-        <a:xfrm>
-          <a:off x="0" y="0"/>
-          <a:ext cx="0" cy="0"/>
-          <a:chOff x="0" y="0"/>
-          <a:chExt cx="0" cy="0"/>
-        </a:xfrm>
-      </p:grpSpPr>
-      <p:sp>
-        <p:nvSpPr>
-          <p:cNvPr id="2" name="Diakép helye 1"/>
-          <p:cNvSpPr>
-            <a:spLocks noGrp="1" noRot="1" noChangeAspect="1"/>
-          </p:cNvSpPr>
-          <p:nvPr>
-            <p:ph type="sldImg"/>
-          </p:nvPr>
-        </p:nvSpPr>
-        <p:spPr/>
-      </p:sp>
-      <p:sp>
-        <p:nvSpPr>
-          <p:cNvPr id="3" name="Jegyzetek helye 2"/>
-          <p:cNvSpPr>
-            <a:spLocks noGrp="1"/>
-          </p:cNvSpPr>
-          <p:nvPr>
-            <p:ph type="body" idx="1"/>
-          </p:nvPr>
-        </p:nvSpPr>
-        <p:spPr/>
-        <p:txBody>
-          <a:bodyPr/>
-          <a:lstStyle/>
-          <a:p>
-            <a:r>
-              <a:rPr lang="hu-HU" dirty="0"/>
-              <a:t>Nem egyszerűen csak a molekulaméret (monomer)  (</a:t>
-            </a:r>
-            <a:r>
-              <a:rPr lang="hu-HU" dirty="0" err="1"/>
-              <a:t>diffuziós</a:t>
-            </a:r>
-            <a:r>
-              <a:rPr lang="hu-HU" dirty="0"/>
-              <a:t> koefficiens) hanem a micellák élettartama az oldatban is jelentős szerepel bír.</a:t>
-            </a:r>
-          </a:p>
-          <a:p>
-            <a:r>
-              <a:rPr lang="hu-HU" dirty="0"/>
-              <a:t>Rövidebb élettartam a monomerek gyorsabb rendelkezésre állását jelenti ez pedig  a felületi feszültség gyorsabb csökkenéséhez vezet</a:t>
-            </a:r>
-          </a:p>
-          <a:p>
-            <a:endParaRPr lang="hu-HU" dirty="0"/>
-          </a:p>
-        </p:txBody>
-      </p:sp>
-      <p:sp>
-        <p:nvSpPr>
-          <p:cNvPr id="4" name="Dia számának helye 3"/>
-          <p:cNvSpPr>
-            <a:spLocks noGrp="1"/>
-          </p:cNvSpPr>
-          <p:nvPr>
-            <p:ph type="sldNum" sz="quarter" idx="5"/>
-          </p:nvPr>
-        </p:nvSpPr>
-        <p:spPr/>
-        <p:txBody>
-          <a:bodyPr/>
-          <a:lstStyle/>
-          <a:p>
-            <a:fld id="{38E7A12A-EB9D-4E5F-B77B-601BCBADE65A}" type="slidenum">
-              <a:rPr lang="hu-HU" smtClean="0"/>
-              <a:t>45</a:t>
-            </a:fld>
-            <a:endParaRPr lang="hu-HU"/>
-          </a:p>
-        </p:txBody>
-      </p:sp>
-    </p:spTree>
-    <p:extLst>
-      <p:ext uri="{BB962C8B-B14F-4D97-AF65-F5344CB8AC3E}">
-        <p14:creationId xmlns:p14="http://schemas.microsoft.com/office/powerpoint/2010/main" val="1793464416"/>
-      </p:ext>
-    </p:extLst>
-  </p:cSld>
-  <p:clrMapOvr>
-    <a:masterClrMapping/>
-  </p:clrMapOvr>
-</p:notes>
-</file>
-
-<file path=ppt/notesSlides/notesSlide29.xml><?xml version="1.0" encoding="utf-8"?>
-<p:notes xmlns:a="http://schemas.openxmlformats.org/drawingml/2006/main" xmlns:r="http://schemas.openxmlformats.org/officeDocument/2006/relationships" xmlns:p="http://schemas.openxmlformats.org/presentationml/2006/main">
-  <p:cSld>
-    <p:spTree>
-      <p:nvGrpSpPr>
-        <p:cNvPr id="1" name=""/>
-        <p:cNvGrpSpPr/>
-        <p:nvPr/>
-      </p:nvGrpSpPr>
-      <p:grpSpPr>
-        <a:xfrm>
-          <a:off x="0" y="0"/>
-          <a:ext cx="0" cy="0"/>
-          <a:chOff x="0" y="0"/>
-          <a:chExt cx="0" cy="0"/>
-        </a:xfrm>
-      </p:grpSpPr>
-      <p:sp>
-        <p:nvSpPr>
-          <p:cNvPr id="2" name="Diakép helye 1"/>
-          <p:cNvSpPr>
-            <a:spLocks noGrp="1" noRot="1" noChangeAspect="1"/>
-          </p:cNvSpPr>
-          <p:nvPr>
-            <p:ph type="sldImg"/>
-          </p:nvPr>
-        </p:nvSpPr>
-        <p:spPr/>
-      </p:sp>
-      <p:sp>
-        <p:nvSpPr>
-          <p:cNvPr id="3" name="Jegyzetek helye 2"/>
-          <p:cNvSpPr>
-            <a:spLocks noGrp="1"/>
-          </p:cNvSpPr>
-          <p:nvPr>
-            <p:ph type="body" idx="1"/>
-          </p:nvPr>
-        </p:nvSpPr>
-        <p:spPr/>
-        <p:txBody>
-          <a:bodyPr/>
-          <a:lstStyle/>
-          <a:p>
-            <a:r>
-              <a:rPr lang="hu-HU" dirty="0"/>
-              <a:t>Magasabb </a:t>
-            </a:r>
-            <a:r>
-              <a:rPr lang="hu-HU" dirty="0" err="1"/>
-              <a:t>cmc-jű</a:t>
-            </a:r>
-            <a:r>
-              <a:rPr lang="hu-HU" dirty="0"/>
-              <a:t> (nagyobb HLB-</a:t>
-            </a:r>
-            <a:r>
-              <a:rPr lang="hu-HU" dirty="0" err="1"/>
-              <a:t>jű</a:t>
-            </a:r>
-            <a:r>
-              <a:rPr lang="hu-HU" dirty="0"/>
-              <a:t>) </a:t>
-            </a:r>
-            <a:r>
-              <a:rPr lang="hu-HU" dirty="0" err="1"/>
-              <a:t>tenzid</a:t>
-            </a:r>
-            <a:r>
-              <a:rPr lang="hu-HU" dirty="0"/>
-              <a:t> hatásosabb lehet a felületi </a:t>
-            </a:r>
-          </a:p>
-          <a:p>
-            <a:r>
-              <a:rPr lang="hu-HU" dirty="0"/>
-              <a:t>Feszültség csökkentésében mint az alacsonyabb </a:t>
-            </a:r>
-            <a:r>
-              <a:rPr lang="hu-HU" dirty="0" err="1"/>
-              <a:t>cmc-jű</a:t>
-            </a:r>
-            <a:endParaRPr lang="hu-HU" dirty="0"/>
-          </a:p>
-          <a:p>
-            <a:r>
-              <a:rPr lang="hu-HU" dirty="0"/>
-              <a:t>Ha a </a:t>
-            </a:r>
-            <a:r>
-              <a:rPr lang="hu-HU" dirty="0" err="1"/>
-              <a:t>tenzid</a:t>
-            </a:r>
-            <a:r>
-              <a:rPr lang="hu-HU" dirty="0"/>
-              <a:t> réteg képződésének (adszorpciójának) ideje hosszabb mint a folyadék cseppekre történő felbomlásának ideje, akkor a külön hozzáadott </a:t>
-            </a:r>
-            <a:r>
-              <a:rPr lang="hu-HU" dirty="0" err="1"/>
-              <a:t>tenzid</a:t>
-            </a:r>
-            <a:r>
-              <a:rPr lang="hu-HU" dirty="0"/>
-              <a:t>  kis hatással </a:t>
-            </a:r>
-            <a:r>
-              <a:rPr lang="hu-HU" dirty="0" err="1"/>
-              <a:t>bir</a:t>
-            </a:r>
-            <a:r>
-              <a:rPr lang="hu-HU" dirty="0"/>
-              <a:t> a cseppspektrumra</a:t>
-            </a:r>
-          </a:p>
-          <a:p>
-            <a:r>
-              <a:rPr lang="hu-HU" dirty="0"/>
-              <a:t>A </a:t>
-            </a:r>
-            <a:r>
-              <a:rPr lang="hu-HU" dirty="0" err="1"/>
-              <a:t>tenzid</a:t>
-            </a:r>
-            <a:r>
-              <a:rPr lang="hu-HU" dirty="0"/>
-              <a:t> molekula gyorsabb adszorpciója  nagyobb </a:t>
-            </a:r>
-            <a:r>
-              <a:rPr lang="hu-HU" dirty="0" err="1"/>
-              <a:t>hatáásal</a:t>
-            </a:r>
-            <a:r>
-              <a:rPr lang="hu-HU" dirty="0"/>
-              <a:t> befolyásolja spektrumot</a:t>
-            </a:r>
-          </a:p>
-          <a:p>
-            <a:r>
-              <a:rPr lang="hu-HU" dirty="0"/>
-              <a:t>Finomabb cseppspektrumhoz megfelelően alacsony dinamikus felületi feszültség kell</a:t>
-            </a:r>
-          </a:p>
-          <a:p>
-            <a:endParaRPr lang="hu-HU" dirty="0"/>
-          </a:p>
-        </p:txBody>
-      </p:sp>
-      <p:sp>
-        <p:nvSpPr>
-          <p:cNvPr id="4" name="Dia számának helye 3"/>
-          <p:cNvSpPr>
-            <a:spLocks noGrp="1"/>
-          </p:cNvSpPr>
-          <p:nvPr>
-            <p:ph type="sldNum" sz="quarter" idx="5"/>
-          </p:nvPr>
-        </p:nvSpPr>
-        <p:spPr/>
-        <p:txBody>
-          <a:bodyPr/>
-          <a:lstStyle/>
-          <a:p>
-            <a:fld id="{38E7A12A-EB9D-4E5F-B77B-601BCBADE65A}" type="slidenum">
-              <a:rPr lang="hu-HU" smtClean="0"/>
-              <a:t>46</a:t>
-            </a:fld>
-            <a:endParaRPr lang="hu-HU"/>
-          </a:p>
-        </p:txBody>
-      </p:sp>
-    </p:spTree>
-    <p:extLst>
-      <p:ext uri="{BB962C8B-B14F-4D97-AF65-F5344CB8AC3E}">
-        <p14:creationId xmlns:p14="http://schemas.microsoft.com/office/powerpoint/2010/main" val="3270802669"/>
+        <p14:creationId xmlns:p14="http://schemas.microsoft.com/office/powerpoint/2010/main" val="3162435596"/>
       </p:ext>
     </p:extLst>
   </p:cSld>
@@ -10273,273 +9857,6 @@
     <p:extLst>
       <p:ext uri="{BB962C8B-B14F-4D97-AF65-F5344CB8AC3E}">
         <p14:creationId xmlns:p14="http://schemas.microsoft.com/office/powerpoint/2010/main" val="2286734034"/>
-      </p:ext>
-    </p:extLst>
-  </p:cSld>
-  <p:clrMapOvr>
-    <a:masterClrMapping/>
-  </p:clrMapOvr>
-</p:notes>
-</file>
-
-<file path=ppt/notesSlides/notesSlide30.xml><?xml version="1.0" encoding="utf-8"?>
-<p:notes xmlns:a="http://schemas.openxmlformats.org/drawingml/2006/main" xmlns:r="http://schemas.openxmlformats.org/officeDocument/2006/relationships" xmlns:p="http://schemas.openxmlformats.org/presentationml/2006/main">
-  <p:cSld>
-    <p:spTree>
-      <p:nvGrpSpPr>
-        <p:cNvPr id="1" name=""/>
-        <p:cNvGrpSpPr/>
-        <p:nvPr/>
-      </p:nvGrpSpPr>
-      <p:grpSpPr>
-        <a:xfrm>
-          <a:off x="0" y="0"/>
-          <a:ext cx="0" cy="0"/>
-          <a:chOff x="0" y="0"/>
-          <a:chExt cx="0" cy="0"/>
-        </a:xfrm>
-      </p:grpSpPr>
-      <p:sp>
-        <p:nvSpPr>
-          <p:cNvPr id="2" name="Diakép helye 1"/>
-          <p:cNvSpPr>
-            <a:spLocks noGrp="1" noRot="1" noChangeAspect="1"/>
-          </p:cNvSpPr>
-          <p:nvPr>
-            <p:ph type="sldImg"/>
-          </p:nvPr>
-        </p:nvSpPr>
-        <p:spPr/>
-      </p:sp>
-      <p:sp>
-        <p:nvSpPr>
-          <p:cNvPr id="3" name="Jegyzetek helye 2"/>
-          <p:cNvSpPr>
-            <a:spLocks noGrp="1"/>
-          </p:cNvSpPr>
-          <p:nvPr>
-            <p:ph type="body" idx="1"/>
-          </p:nvPr>
-        </p:nvSpPr>
-        <p:spPr/>
-        <p:txBody>
-          <a:bodyPr/>
-          <a:lstStyle/>
-          <a:p>
-            <a:r>
-              <a:rPr lang="hu-HU" dirty="0"/>
-              <a:t>Meghatározható maximum buboréknyomás módszerrel</a:t>
-            </a:r>
-          </a:p>
-          <a:p>
-            <a:endParaRPr lang="hu-HU" dirty="0"/>
-          </a:p>
-          <a:p>
-            <a:r>
-              <a:rPr lang="hu-HU" dirty="0"/>
-              <a:t>Gyors </a:t>
-            </a:r>
-            <a:r>
-              <a:rPr lang="hu-HU" dirty="0" err="1"/>
-              <a:t>jet</a:t>
-            </a:r>
-            <a:r>
-              <a:rPr lang="hu-HU" dirty="0"/>
-              <a:t>  (sugár)esetén  a szituáció nagyon komplex, összetett lehet</a:t>
-            </a:r>
-          </a:p>
-          <a:p>
-            <a:r>
-              <a:rPr lang="hu-HU" dirty="0"/>
-              <a:t>A </a:t>
-            </a:r>
-            <a:r>
-              <a:rPr lang="hu-HU" dirty="0" err="1"/>
-              <a:t>tenzid</a:t>
-            </a:r>
-            <a:r>
-              <a:rPr lang="hu-HU" dirty="0"/>
-              <a:t> molekulák gyors adszorpciója nélkülözhetetlen különösen a </a:t>
-            </a:r>
-            <a:r>
-              <a:rPr lang="hu-HU" dirty="0" err="1"/>
-              <a:t>a</a:t>
-            </a:r>
-            <a:r>
-              <a:rPr lang="hu-HU" dirty="0"/>
-              <a:t> </a:t>
-            </a:r>
-            <a:r>
-              <a:rPr lang="hu-HU" dirty="0" err="1"/>
-              <a:t>fuvókábó</a:t>
-            </a:r>
-            <a:r>
-              <a:rPr lang="hu-HU" dirty="0"/>
-              <a:t>(</a:t>
-            </a:r>
-            <a:r>
-              <a:rPr lang="hu-HU" dirty="0" err="1"/>
-              <a:t>szorófejből</a:t>
-            </a:r>
-            <a:r>
-              <a:rPr lang="hu-HU" dirty="0"/>
-              <a:t>) kilépő gyors folyadéksugarak esetén </a:t>
-            </a:r>
-          </a:p>
-          <a:p>
-            <a:r>
-              <a:rPr lang="hu-HU" dirty="0"/>
-              <a:t>A molekuláknak gyorsan szét kell oszlaniuk, terülniük a sugár még burkolatlan  részein</a:t>
-            </a:r>
-          </a:p>
-          <a:p>
-            <a:r>
-              <a:rPr lang="hu-HU" dirty="0"/>
-              <a:t>. Ez a MARANGONI  effektus egy formája)</a:t>
-            </a:r>
-          </a:p>
-          <a:p>
-            <a:endParaRPr lang="hu-HU" dirty="0"/>
-          </a:p>
-        </p:txBody>
-      </p:sp>
-      <p:sp>
-        <p:nvSpPr>
-          <p:cNvPr id="4" name="Dia számának helye 3"/>
-          <p:cNvSpPr>
-            <a:spLocks noGrp="1"/>
-          </p:cNvSpPr>
-          <p:nvPr>
-            <p:ph type="sldNum" sz="quarter" idx="5"/>
-          </p:nvPr>
-        </p:nvSpPr>
-        <p:spPr/>
-        <p:txBody>
-          <a:bodyPr/>
-          <a:lstStyle/>
-          <a:p>
-            <a:fld id="{38E7A12A-EB9D-4E5F-B77B-601BCBADE65A}" type="slidenum">
-              <a:rPr lang="hu-HU" smtClean="0"/>
-              <a:t>47</a:t>
-            </a:fld>
-            <a:endParaRPr lang="hu-HU"/>
-          </a:p>
-        </p:txBody>
-      </p:sp>
-    </p:spTree>
-    <p:extLst>
-      <p:ext uri="{BB962C8B-B14F-4D97-AF65-F5344CB8AC3E}">
-        <p14:creationId xmlns:p14="http://schemas.microsoft.com/office/powerpoint/2010/main" val="3053082846"/>
-      </p:ext>
-    </p:extLst>
-  </p:cSld>
-  <p:clrMapOvr>
-    <a:masterClrMapping/>
-  </p:clrMapOvr>
-</p:notes>
-</file>
-
-<file path=ppt/notesSlides/notesSlide31.xml><?xml version="1.0" encoding="utf-8"?>
-<p:notes xmlns:a="http://schemas.openxmlformats.org/drawingml/2006/main" xmlns:r="http://schemas.openxmlformats.org/officeDocument/2006/relationships" xmlns:p="http://schemas.openxmlformats.org/presentationml/2006/main">
-  <p:cSld>
-    <p:spTree>
-      <p:nvGrpSpPr>
-        <p:cNvPr id="1" name=""/>
-        <p:cNvGrpSpPr/>
-        <p:nvPr/>
-      </p:nvGrpSpPr>
-      <p:grpSpPr>
-        <a:xfrm>
-          <a:off x="0" y="0"/>
-          <a:ext cx="0" cy="0"/>
-          <a:chOff x="0" y="0"/>
-          <a:chExt cx="0" cy="0"/>
-        </a:xfrm>
-      </p:grpSpPr>
-      <p:sp>
-        <p:nvSpPr>
-          <p:cNvPr id="2" name="Diakép helye 1"/>
-          <p:cNvSpPr>
-            <a:spLocks noGrp="1" noRot="1" noChangeAspect="1"/>
-          </p:cNvSpPr>
-          <p:nvPr>
-            <p:ph type="sldImg"/>
-          </p:nvPr>
-        </p:nvSpPr>
-        <p:spPr/>
-      </p:sp>
-      <p:sp>
-        <p:nvSpPr>
-          <p:cNvPr id="3" name="Jegyzetek helye 2"/>
-          <p:cNvSpPr>
-            <a:spLocks noGrp="1"/>
-          </p:cNvSpPr>
-          <p:nvPr>
-            <p:ph type="body" idx="1"/>
-          </p:nvPr>
-        </p:nvSpPr>
-        <p:spPr/>
-        <p:txBody>
-          <a:bodyPr/>
-          <a:lstStyle/>
-          <a:p>
-            <a:r>
-              <a:rPr lang="hu-HU" dirty="0"/>
-              <a:t>A magas molekulatömegű polimerek </a:t>
-            </a:r>
-            <a:r>
-              <a:rPr lang="hu-HU" dirty="0" err="1"/>
-              <a:t>elsodrodást</a:t>
-            </a:r>
-            <a:r>
-              <a:rPr lang="hu-HU" dirty="0"/>
-              <a:t> gátló hatással rendelkeznek</a:t>
-            </a:r>
-          </a:p>
-          <a:p>
-            <a:r>
-              <a:rPr lang="hu-HU" dirty="0"/>
-              <a:t>A vízoldható magas molekulatömegű polimerek nagyobb cseppek képződésének kedveznek</a:t>
-            </a:r>
-          </a:p>
-          <a:p>
-            <a:r>
-              <a:rPr lang="hu-HU" dirty="0"/>
-              <a:t>Ok: viszkozitás  gyors  növekedése  amint a polimer koncentráció  elegendően nagy ahhoz ,hogy a polimer láncok elkezdjenek átfedésbe kerülni: ez egy kritikus polimer koncentráció</a:t>
-            </a:r>
-          </a:p>
-          <a:p>
-            <a:endParaRPr lang="hu-HU" dirty="0"/>
-          </a:p>
-        </p:txBody>
-      </p:sp>
-      <p:sp>
-        <p:nvSpPr>
-          <p:cNvPr id="4" name="Dia számának helye 3"/>
-          <p:cNvSpPr>
-            <a:spLocks noGrp="1"/>
-          </p:cNvSpPr>
-          <p:nvPr>
-            <p:ph type="sldNum" sz="quarter" idx="5"/>
-          </p:nvPr>
-        </p:nvSpPr>
-        <p:spPr/>
-        <p:txBody>
-          <a:bodyPr/>
-          <a:lstStyle/>
-          <a:p>
-            <a:fld id="{38E7A12A-EB9D-4E5F-B77B-601BCBADE65A}" type="slidenum">
-              <a:rPr lang="hu-HU" smtClean="0"/>
-              <a:t>50</a:t>
-            </a:fld>
-            <a:endParaRPr lang="hu-HU"/>
-          </a:p>
-        </p:txBody>
-      </p:sp>
-    </p:spTree>
-    <p:extLst>
-      <p:ext uri="{BB962C8B-B14F-4D97-AF65-F5344CB8AC3E}">
-        <p14:creationId xmlns:p14="http://schemas.microsoft.com/office/powerpoint/2010/main" val="3162435596"/>
       </p:ext>
     </p:extLst>
   </p:cSld>
@@ -23340,6 +22657,14 @@
 <file path=ppt/slides/slide31.xml><?xml version="1.0" encoding="utf-8"?>
 <p:sld xmlns:a="http://schemas.openxmlformats.org/drawingml/2006/main" xmlns:r="http://schemas.openxmlformats.org/officeDocument/2006/relationships" xmlns:p="http://schemas.openxmlformats.org/presentationml/2006/main">
   <p:cSld>
+    <p:bg>
+      <p:bgPr>
+        <a:solidFill>
+          <a:schemeClr val="bg1"/>
+        </a:solidFill>
+        <a:effectLst/>
+      </p:bgPr>
+    </p:bg>
     <p:spTree>
       <p:nvGrpSpPr>
         <p:cNvPr id="1" name=""/>
@@ -23356,112 +22681,394 @@
       </p:grpSpPr>
       <p:sp>
         <p:nvSpPr>
-          <p:cNvPr id="2" name="Cím 1">
+          <p:cNvPr id="20" name="Rectangle 19">
             <a:extLst>
               <a:ext uri="{FF2B5EF4-FFF2-40B4-BE49-F238E27FC236}">
-                <a16:creationId xmlns:a16="http://schemas.microsoft.com/office/drawing/2014/main" id="{1B2797F8-9C27-4A93-955F-EBA9C5C21C0B}"/>
+                <a16:creationId xmlns:a16="http://schemas.microsoft.com/office/drawing/2014/main" id="{9228552E-C8B1-4A80-8448-0787CE0FC704}"/>
+              </a:ext>
+              <a:ext uri="{C183D7F6-B498-43B3-948B-1728B52AA6E4}">
+                <adec:decorative xmlns:adec="http://schemas.microsoft.com/office/drawing/2017/decorative" val="1"/>
               </a:ext>
             </a:extLst>
           </p:cNvPr>
           <p:cNvSpPr>
-            <a:spLocks noGrp="1"/>
+            <a:spLocks noGrp="1" noRot="1" noChangeAspect="1" noMove="1" noResize="1" noEditPoints="1" noAdjustHandles="1" noChangeArrowheads="1" noChangeShapeType="1" noTextEdit="1"/>
           </p:cNvSpPr>
           <p:nvPr>
-            <p:ph type="title"/>
+            <p:extLst>
+              <p:ext uri="{386F3935-93C4-4BCD-93E2-E3B085C9AB24}">
+                <p16:designElem xmlns:p16="http://schemas.microsoft.com/office/powerpoint/2015/main" val="1"/>
+              </p:ext>
+            </p:extLst>
           </p:nvPr>
         </p:nvSpPr>
-        <p:spPr/>
+        <p:spPr>
+          <a:xfrm>
+            <a:off x="0" y="0"/>
+            <a:ext cx="12192000" cy="6858000"/>
+          </a:xfrm>
+          <a:prstGeom prst="rect">
+            <a:avLst/>
+          </a:prstGeom>
+          <a:solidFill>
+            <a:srgbClr val="000000"/>
+          </a:solidFill>
+          <a:ln>
+            <a:noFill/>
+          </a:ln>
+        </p:spPr>
+        <p:style>
+          <a:lnRef idx="2">
+            <a:schemeClr val="accent1">
+              <a:shade val="50000"/>
+            </a:schemeClr>
+          </a:lnRef>
+          <a:fillRef idx="1">
+            <a:schemeClr val="accent1"/>
+          </a:fillRef>
+          <a:effectRef idx="0">
+            <a:schemeClr val="accent1"/>
+          </a:effectRef>
+          <a:fontRef idx="minor">
+            <a:schemeClr val="lt1"/>
+          </a:fontRef>
+        </p:style>
         <p:txBody>
-          <a:bodyPr/>
+          <a:bodyPr rtlCol="0" anchor="ctr"/>
           <a:lstStyle/>
           <a:p>
-            <a:r>
-              <a:rPr lang="hu-HU" dirty="0"/>
-              <a:t>Magas </a:t>
-            </a:r>
-            <a:r>
-              <a:rPr lang="hu-HU" dirty="0" err="1"/>
-              <a:t>tenzid</a:t>
-            </a:r>
-            <a:r>
-              <a:rPr lang="hu-HU" dirty="0"/>
-              <a:t> koncentráció a permetcseppben</a:t>
-            </a:r>
+            <a:pPr algn="ctr"/>
+            <a:endParaRPr lang="en-US"/>
+          </a:p>
+        </p:txBody>
+      </p:sp>
+      <p:pic>
+        <p:nvPicPr>
+          <p:cNvPr id="5" name="Picture 4" descr="Barista holding portafilter filled with coffee beans">
+            <a:extLst>
+              <a:ext uri="{FF2B5EF4-FFF2-40B4-BE49-F238E27FC236}">
+                <a16:creationId xmlns:a16="http://schemas.microsoft.com/office/drawing/2014/main" id="{6A27F853-D1D2-48E4-B404-E40EDACA60A4}"/>
+              </a:ext>
+            </a:extLst>
+          </p:cNvPr>
+          <p:cNvPicPr>
+            <a:picLocks noChangeAspect="1"/>
+          </p:cNvPicPr>
+          <p:nvPr/>
+        </p:nvPicPr>
+        <p:blipFill rotWithShape="1">
+          <a:blip r:embed="rId2">
+            <a:alphaModFix amt="35000"/>
+            <a:extLst>
+              <a:ext uri="{28A0092B-C50C-407E-A947-70E740481C1C}">
+                <a14:useLocalDpi xmlns:a14="http://schemas.microsoft.com/office/drawing/2010/main" val="0"/>
+              </a:ext>
+            </a:extLst>
+          </a:blip>
+          <a:srcRect t="9887" b="5527"/>
+          <a:stretch/>
+        </p:blipFill>
+        <p:spPr>
+          <a:xfrm>
+            <a:off x="20" y="1"/>
+            <a:ext cx="12191980" cy="6857999"/>
+          </a:xfrm>
+          <a:prstGeom prst="rect">
+            <a:avLst/>
+          </a:prstGeom>
+        </p:spPr>
+      </p:pic>
+      <p:sp>
+        <p:nvSpPr>
+          <p:cNvPr id="7" name="Cím 1">
+            <a:extLst>
+              <a:ext uri="{FF2B5EF4-FFF2-40B4-BE49-F238E27FC236}">
+                <a16:creationId xmlns:a16="http://schemas.microsoft.com/office/drawing/2014/main" id="{6D86A37F-98BB-40A0-AF46-BA3A5E99A3D4}"/>
+              </a:ext>
+            </a:extLst>
+          </p:cNvPr>
+          <p:cNvSpPr txBox="1">
+            <a:spLocks/>
+          </p:cNvSpPr>
+          <p:nvPr/>
+        </p:nvSpPr>
+        <p:spPr>
+          <a:xfrm>
+            <a:off x="838200" y="365125"/>
+            <a:ext cx="10515600" cy="1325563"/>
+          </a:xfrm>
+          <a:prstGeom prst="rect">
+            <a:avLst/>
+          </a:prstGeom>
+        </p:spPr>
+        <p:txBody>
+          <a:bodyPr vert="horz" lIns="91440" tIns="45720" rIns="91440" bIns="45720" rtlCol="0" anchor="ctr">
+            <a:normAutofit/>
+          </a:bodyPr>
+          <a:lstStyle>
+            <a:lvl1pPr algn="ctr" defTabSz="914400" rtl="0" eaLnBrk="1" latinLnBrk="0" hangingPunct="1">
+              <a:lnSpc>
+                <a:spcPct val="90000"/>
+              </a:lnSpc>
+              <a:spcBef>
+                <a:spcPct val="0"/>
+              </a:spcBef>
+              <a:buNone/>
+              <a:defRPr sz="6000" kern="1200">
+                <a:solidFill>
+                  <a:schemeClr val="tx1"/>
+                </a:solidFill>
+                <a:latin typeface="+mj-lt"/>
+                <a:ea typeface="+mj-ea"/>
+                <a:cs typeface="+mj-cs"/>
+              </a:defRPr>
+            </a:lvl1pPr>
+          </a:lstStyle>
+          <a:p>
+            <a:pPr algn="l">
+              <a:spcAft>
+                <a:spcPts val="600"/>
+              </a:spcAft>
+            </a:pPr>
+            <a:r>
+              <a:rPr lang="en-GB" sz="4400"/>
+              <a:t>m</a:t>
+            </a:r>
+            <a:r>
+              <a:rPr lang="hu-HU" sz="4400"/>
+              <a:t>agas tenzid koncentráció a permetcseppben</a:t>
+            </a:r>
+            <a:endParaRPr lang="en-US" sz="4400">
+              <a:solidFill>
+                <a:srgbClr val="FFFFFF"/>
+              </a:solidFill>
+            </a:endParaRPr>
           </a:p>
         </p:txBody>
       </p:sp>
       <p:sp>
         <p:nvSpPr>
-          <p:cNvPr id="3" name="Tartalom helye 2">
+          <p:cNvPr id="11" name="Tartalom helye 2">
             <a:extLst>
               <a:ext uri="{FF2B5EF4-FFF2-40B4-BE49-F238E27FC236}">
-                <a16:creationId xmlns:a16="http://schemas.microsoft.com/office/drawing/2014/main" id="{C5164C1E-F510-45FD-BD53-023DF4E6E1D2}"/>
+                <a16:creationId xmlns:a16="http://schemas.microsoft.com/office/drawing/2014/main" id="{CCF008F7-AA23-455A-9E72-EE6BD4B53801}"/>
               </a:ext>
             </a:extLst>
           </p:cNvPr>
-          <p:cNvSpPr>
-            <a:spLocks noGrp="1"/>
+          <p:cNvSpPr txBox="1">
+            <a:spLocks/>
           </p:cNvSpPr>
-          <p:nvPr>
-            <p:ph idx="1"/>
-          </p:nvPr>
+          <p:nvPr/>
         </p:nvSpPr>
-        <p:spPr/>
+        <p:spPr>
+          <a:xfrm>
+            <a:off x="838200" y="1825625"/>
+            <a:ext cx="10515600" cy="4351338"/>
+          </a:xfrm>
+          <a:prstGeom prst="rect">
+            <a:avLst/>
+          </a:prstGeom>
+        </p:spPr>
         <p:txBody>
-          <a:bodyPr/>
-          <a:lstStyle/>
-          <a:p>
-            <a:r>
-              <a:rPr lang="hu-HU" dirty="0"/>
-              <a:t>A felületen  levő  permetcsepp párolgás következtében </a:t>
-            </a:r>
-            <a:r>
-              <a:rPr lang="hu-HU" dirty="0" err="1"/>
-              <a:t>betöményedik</a:t>
-            </a:r>
-            <a:r>
-              <a:rPr lang="hu-HU" dirty="0"/>
-              <a:t> </a:t>
-            </a:r>
-            <a:r>
-              <a:rPr lang="hu-HU" dirty="0" err="1"/>
-              <a:t>tenzidre</a:t>
-            </a:r>
-            <a:r>
-              <a:rPr lang="hu-HU" dirty="0"/>
-              <a:t> nézve is</a:t>
-            </a:r>
-          </a:p>
-          <a:p>
-            <a:r>
-              <a:rPr lang="hu-HU" dirty="0"/>
-              <a:t>Magas </a:t>
-            </a:r>
-            <a:r>
-              <a:rPr lang="hu-HU" dirty="0" err="1"/>
-              <a:t>tenzid</a:t>
-            </a:r>
-            <a:r>
-              <a:rPr lang="hu-HU" dirty="0"/>
-              <a:t> koncentráció esetén különböző folyékony kristályos fázisok képződnek: hexagonális, köbös, </a:t>
-            </a:r>
-            <a:r>
-              <a:rPr lang="hu-HU" dirty="0" err="1"/>
-              <a:t>lamelláris</a:t>
-            </a:r>
-            <a:endParaRPr lang="hu-HU" dirty="0"/>
+          <a:bodyPr vert="horz" lIns="91440" tIns="45720" rIns="91440" bIns="45720" rtlCol="0">
+            <a:normAutofit/>
+          </a:bodyPr>
+          <a:lstStyle>
+            <a:lvl1pPr marL="0" indent="0" algn="ctr" defTabSz="914400" rtl="0" eaLnBrk="1" latinLnBrk="0" hangingPunct="1">
+              <a:lnSpc>
+                <a:spcPct val="90000"/>
+              </a:lnSpc>
+              <a:spcBef>
+                <a:spcPts val="1000"/>
+              </a:spcBef>
+              <a:buFont typeface="Arial" panose="020B0604020202020204" pitchFamily="34" charset="0"/>
+              <a:buNone/>
+              <a:defRPr sz="2400" kern="1200">
+                <a:solidFill>
+                  <a:schemeClr val="tx1"/>
+                </a:solidFill>
+                <a:latin typeface="+mn-lt"/>
+                <a:ea typeface="+mn-ea"/>
+                <a:cs typeface="+mn-cs"/>
+              </a:defRPr>
+            </a:lvl1pPr>
+            <a:lvl2pPr marL="457200" indent="0" algn="ctr" defTabSz="914400" rtl="0" eaLnBrk="1" latinLnBrk="0" hangingPunct="1">
+              <a:lnSpc>
+                <a:spcPct val="90000"/>
+              </a:lnSpc>
+              <a:spcBef>
+                <a:spcPts val="500"/>
+              </a:spcBef>
+              <a:buFont typeface="Arial" panose="020B0604020202020204" pitchFamily="34" charset="0"/>
+              <a:buNone/>
+              <a:defRPr sz="2000" kern="1200">
+                <a:solidFill>
+                  <a:schemeClr val="tx1"/>
+                </a:solidFill>
+                <a:latin typeface="+mn-lt"/>
+                <a:ea typeface="+mn-ea"/>
+                <a:cs typeface="+mn-cs"/>
+              </a:defRPr>
+            </a:lvl2pPr>
+            <a:lvl3pPr marL="914400" indent="0" algn="ctr" defTabSz="914400" rtl="0" eaLnBrk="1" latinLnBrk="0" hangingPunct="1">
+              <a:lnSpc>
+                <a:spcPct val="90000"/>
+              </a:lnSpc>
+              <a:spcBef>
+                <a:spcPts val="500"/>
+              </a:spcBef>
+              <a:buFont typeface="Arial" panose="020B0604020202020204" pitchFamily="34" charset="0"/>
+              <a:buNone/>
+              <a:defRPr sz="1800" kern="1200">
+                <a:solidFill>
+                  <a:schemeClr val="tx1"/>
+                </a:solidFill>
+                <a:latin typeface="+mn-lt"/>
+                <a:ea typeface="+mn-ea"/>
+                <a:cs typeface="+mn-cs"/>
+              </a:defRPr>
+            </a:lvl3pPr>
+            <a:lvl4pPr marL="1371600" indent="0" algn="ctr" defTabSz="914400" rtl="0" eaLnBrk="1" latinLnBrk="0" hangingPunct="1">
+              <a:lnSpc>
+                <a:spcPct val="90000"/>
+              </a:lnSpc>
+              <a:spcBef>
+                <a:spcPts val="500"/>
+              </a:spcBef>
+              <a:buFont typeface="Arial" panose="020B0604020202020204" pitchFamily="34" charset="0"/>
+              <a:buNone/>
+              <a:defRPr sz="1600" kern="1200">
+                <a:solidFill>
+                  <a:schemeClr val="tx1"/>
+                </a:solidFill>
+                <a:latin typeface="+mn-lt"/>
+                <a:ea typeface="+mn-ea"/>
+                <a:cs typeface="+mn-cs"/>
+              </a:defRPr>
+            </a:lvl4pPr>
+            <a:lvl5pPr marL="1828800" indent="0" algn="ctr" defTabSz="914400" rtl="0" eaLnBrk="1" latinLnBrk="0" hangingPunct="1">
+              <a:lnSpc>
+                <a:spcPct val="90000"/>
+              </a:lnSpc>
+              <a:spcBef>
+                <a:spcPts val="500"/>
+              </a:spcBef>
+              <a:buFont typeface="Arial" panose="020B0604020202020204" pitchFamily="34" charset="0"/>
+              <a:buNone/>
+              <a:defRPr sz="1600" kern="1200">
+                <a:solidFill>
+                  <a:schemeClr val="tx1"/>
+                </a:solidFill>
+                <a:latin typeface="+mn-lt"/>
+                <a:ea typeface="+mn-ea"/>
+                <a:cs typeface="+mn-cs"/>
+              </a:defRPr>
+            </a:lvl5pPr>
+            <a:lvl6pPr marL="2286000" indent="0" algn="ctr" defTabSz="914400" rtl="0" eaLnBrk="1" latinLnBrk="0" hangingPunct="1">
+              <a:lnSpc>
+                <a:spcPct val="90000"/>
+              </a:lnSpc>
+              <a:spcBef>
+                <a:spcPts val="500"/>
+              </a:spcBef>
+              <a:buFont typeface="Arial" panose="020B0604020202020204" pitchFamily="34" charset="0"/>
+              <a:buNone/>
+              <a:defRPr sz="1600" kern="1200">
+                <a:solidFill>
+                  <a:schemeClr val="tx1"/>
+                </a:solidFill>
+                <a:latin typeface="+mn-lt"/>
+                <a:ea typeface="+mn-ea"/>
+                <a:cs typeface="+mn-cs"/>
+              </a:defRPr>
+            </a:lvl6pPr>
+            <a:lvl7pPr marL="2743200" indent="0" algn="ctr" defTabSz="914400" rtl="0" eaLnBrk="1" latinLnBrk="0" hangingPunct="1">
+              <a:lnSpc>
+                <a:spcPct val="90000"/>
+              </a:lnSpc>
+              <a:spcBef>
+                <a:spcPts val="500"/>
+              </a:spcBef>
+              <a:buFont typeface="Arial" panose="020B0604020202020204" pitchFamily="34" charset="0"/>
+              <a:buNone/>
+              <a:defRPr sz="1600" kern="1200">
+                <a:solidFill>
+                  <a:schemeClr val="tx1"/>
+                </a:solidFill>
+                <a:latin typeface="+mn-lt"/>
+                <a:ea typeface="+mn-ea"/>
+                <a:cs typeface="+mn-cs"/>
+              </a:defRPr>
+            </a:lvl7pPr>
+            <a:lvl8pPr marL="3200400" indent="0" algn="ctr" defTabSz="914400" rtl="0" eaLnBrk="1" latinLnBrk="0" hangingPunct="1">
+              <a:lnSpc>
+                <a:spcPct val="90000"/>
+              </a:lnSpc>
+              <a:spcBef>
+                <a:spcPts val="500"/>
+              </a:spcBef>
+              <a:buFont typeface="Arial" panose="020B0604020202020204" pitchFamily="34" charset="0"/>
+              <a:buNone/>
+              <a:defRPr sz="1600" kern="1200">
+                <a:solidFill>
+                  <a:schemeClr val="tx1"/>
+                </a:solidFill>
+                <a:latin typeface="+mn-lt"/>
+                <a:ea typeface="+mn-ea"/>
+                <a:cs typeface="+mn-cs"/>
+              </a:defRPr>
+            </a:lvl8pPr>
+            <a:lvl9pPr marL="3657600" indent="0" algn="ctr" defTabSz="914400" rtl="0" eaLnBrk="1" latinLnBrk="0" hangingPunct="1">
+              <a:lnSpc>
+                <a:spcPct val="90000"/>
+              </a:lnSpc>
+              <a:spcBef>
+                <a:spcPts val="500"/>
+              </a:spcBef>
+              <a:buFont typeface="Arial" panose="020B0604020202020204" pitchFamily="34" charset="0"/>
+              <a:buNone/>
+              <a:defRPr sz="1600" kern="1200">
+                <a:solidFill>
+                  <a:schemeClr val="tx1"/>
+                </a:solidFill>
+                <a:latin typeface="+mn-lt"/>
+                <a:ea typeface="+mn-ea"/>
+                <a:cs typeface="+mn-cs"/>
+              </a:defRPr>
+            </a:lvl9pPr>
+          </a:lstStyle>
+          <a:p>
+            <a:pPr marL="457200" indent="-457200" algn="l">
+              <a:buFont typeface="Arial" panose="020B0604020202020204" pitchFamily="34" charset="0"/>
+              <a:buChar char="•"/>
+            </a:pPr>
+            <a:r>
+              <a:rPr lang="hu-HU" sz="2800"/>
+              <a:t>a felületen levő permetcsepp párolgás következtében betöményedik tenzidre nézve is</a:t>
+            </a:r>
+          </a:p>
+          <a:p>
+            <a:pPr marL="457200" indent="-457200" algn="l">
+              <a:buFont typeface="Arial" panose="020B0604020202020204" pitchFamily="34" charset="0"/>
+              <a:buChar char="•"/>
+            </a:pPr>
+            <a:r>
+              <a:rPr lang="hu-HU" sz="2800"/>
+              <a:t>magas tenzid koncentráció esetén különböző folyékony kristályos fázisok képződnek: hexagonális, köbös, lamelláris</a:t>
+            </a:r>
+            <a:endParaRPr lang="hu-HU" sz="2800" dirty="0"/>
           </a:p>
         </p:txBody>
       </p:sp>
     </p:spTree>
     <p:extLst>
       <p:ext uri="{BB962C8B-B14F-4D97-AF65-F5344CB8AC3E}">
-        <p14:creationId xmlns:p14="http://schemas.microsoft.com/office/powerpoint/2010/main" val="1171784241"/>
+        <p14:creationId xmlns:p14="http://schemas.microsoft.com/office/powerpoint/2010/main" val="2181998030"/>
       </p:ext>
     </p:extLst>
   </p:cSld>
   <p:clrMapOvr>
-    <a:masterClrMapping/>
+    <a:overrideClrMapping bg1="dk1" tx1="lt1" bg2="dk2" tx2="lt2" accent1="accent1" accent2="accent2" accent3="accent3" accent4="accent4" accent5="accent5" accent6="accent6" hlink="hlink" folHlink="folHlink"/>
   </p:clrMapOvr>
 </p:sld>
 </file>
@@ -23469,6 +23076,14 @@
 <file path=ppt/slides/slide32.xml><?xml version="1.0" encoding="utf-8"?>
 <p:sld xmlns:a="http://schemas.openxmlformats.org/drawingml/2006/main" xmlns:r="http://schemas.openxmlformats.org/officeDocument/2006/relationships" xmlns:p="http://schemas.openxmlformats.org/presentationml/2006/main">
   <p:cSld>
+    <p:bg>
+      <p:bgPr>
+        <a:solidFill>
+          <a:schemeClr val="bg1"/>
+        </a:solidFill>
+        <a:effectLst/>
+      </p:bgPr>
+    </p:bg>
     <p:spTree>
       <p:nvGrpSpPr>
         <p:cNvPr id="1" name=""/>
@@ -23485,121 +23100,411 @@
       </p:grpSpPr>
       <p:sp>
         <p:nvSpPr>
-          <p:cNvPr id="2" name="Cím 1">
+          <p:cNvPr id="20" name="Rectangle 19">
             <a:extLst>
               <a:ext uri="{FF2B5EF4-FFF2-40B4-BE49-F238E27FC236}">
-                <a16:creationId xmlns:a16="http://schemas.microsoft.com/office/drawing/2014/main" id="{FACE3FAC-040A-49E3-A08D-206766B0DFEA}"/>
+                <a16:creationId xmlns:a16="http://schemas.microsoft.com/office/drawing/2014/main" id="{9228552E-C8B1-4A80-8448-0787CE0FC704}"/>
+              </a:ext>
+              <a:ext uri="{C183D7F6-B498-43B3-948B-1728B52AA6E4}">
+                <adec:decorative xmlns:adec="http://schemas.microsoft.com/office/drawing/2017/decorative" val="1"/>
               </a:ext>
             </a:extLst>
           </p:cNvPr>
           <p:cNvSpPr>
-            <a:spLocks noGrp="1"/>
+            <a:spLocks noGrp="1" noRot="1" noChangeAspect="1" noMove="1" noResize="1" noEditPoints="1" noAdjustHandles="1" noChangeArrowheads="1" noChangeShapeType="1" noTextEdit="1"/>
           </p:cNvSpPr>
           <p:nvPr>
-            <p:ph type="title"/>
+            <p:extLst>
+              <p:ext uri="{386F3935-93C4-4BCD-93E2-E3B085C9AB24}">
+                <p16:designElem xmlns:p16="http://schemas.microsoft.com/office/powerpoint/2015/main" val="1"/>
+              </p:ext>
+            </p:extLst>
           </p:nvPr>
         </p:nvSpPr>
-        <p:spPr/>
+        <p:spPr>
+          <a:xfrm>
+            <a:off x="0" y="0"/>
+            <a:ext cx="12192000" cy="6858000"/>
+          </a:xfrm>
+          <a:prstGeom prst="rect">
+            <a:avLst/>
+          </a:prstGeom>
+          <a:solidFill>
+            <a:srgbClr val="000000"/>
+          </a:solidFill>
+          <a:ln>
+            <a:noFill/>
+          </a:ln>
+        </p:spPr>
+        <p:style>
+          <a:lnRef idx="2">
+            <a:schemeClr val="accent1">
+              <a:shade val="50000"/>
+            </a:schemeClr>
+          </a:lnRef>
+          <a:fillRef idx="1">
+            <a:schemeClr val="accent1"/>
+          </a:fillRef>
+          <a:effectRef idx="0">
+            <a:schemeClr val="accent1"/>
+          </a:effectRef>
+          <a:fontRef idx="minor">
+            <a:schemeClr val="lt1"/>
+          </a:fontRef>
+        </p:style>
         <p:txBody>
-          <a:bodyPr/>
+          <a:bodyPr rtlCol="0" anchor="ctr"/>
           <a:lstStyle/>
           <a:p>
-            <a:r>
-              <a:rPr lang="hu-HU" dirty="0"/>
-              <a:t>Folyékony kristályoknak fontos  szerepe</a:t>
-            </a:r>
+            <a:pPr algn="ctr"/>
+            <a:endParaRPr lang="en-US"/>
+          </a:p>
+        </p:txBody>
+      </p:sp>
+      <p:pic>
+        <p:nvPicPr>
+          <p:cNvPr id="5" name="Picture 4" descr="Barista holding portafilter filled with coffee beans">
+            <a:extLst>
+              <a:ext uri="{FF2B5EF4-FFF2-40B4-BE49-F238E27FC236}">
+                <a16:creationId xmlns:a16="http://schemas.microsoft.com/office/drawing/2014/main" id="{6A27F853-D1D2-48E4-B404-E40EDACA60A4}"/>
+              </a:ext>
+            </a:extLst>
+          </p:cNvPr>
+          <p:cNvPicPr>
+            <a:picLocks noChangeAspect="1"/>
+          </p:cNvPicPr>
+          <p:nvPr/>
+        </p:nvPicPr>
+        <p:blipFill rotWithShape="1">
+          <a:blip r:embed="rId2">
+            <a:alphaModFix amt="35000"/>
+            <a:extLst>
+              <a:ext uri="{28A0092B-C50C-407E-A947-70E740481C1C}">
+                <a14:useLocalDpi xmlns:a14="http://schemas.microsoft.com/office/drawing/2010/main" val="0"/>
+              </a:ext>
+            </a:extLst>
+          </a:blip>
+          <a:srcRect t="9887" b="5527"/>
+          <a:stretch/>
+        </p:blipFill>
+        <p:spPr>
+          <a:xfrm>
+            <a:off x="20" y="1"/>
+            <a:ext cx="12191980" cy="6857999"/>
+          </a:xfrm>
+          <a:prstGeom prst="rect">
+            <a:avLst/>
+          </a:prstGeom>
+        </p:spPr>
+      </p:pic>
+      <p:sp>
+        <p:nvSpPr>
+          <p:cNvPr id="7" name="Cím 1">
+            <a:extLst>
+              <a:ext uri="{FF2B5EF4-FFF2-40B4-BE49-F238E27FC236}">
+                <a16:creationId xmlns:a16="http://schemas.microsoft.com/office/drawing/2014/main" id="{6D86A37F-98BB-40A0-AF46-BA3A5E99A3D4}"/>
+              </a:ext>
+            </a:extLst>
+          </p:cNvPr>
+          <p:cNvSpPr txBox="1">
+            <a:spLocks/>
+          </p:cNvSpPr>
+          <p:nvPr/>
+        </p:nvSpPr>
+        <p:spPr>
+          <a:xfrm>
+            <a:off x="838200" y="365125"/>
+            <a:ext cx="10515600" cy="1325563"/>
+          </a:xfrm>
+          <a:prstGeom prst="rect">
+            <a:avLst/>
+          </a:prstGeom>
+        </p:spPr>
+        <p:txBody>
+          <a:bodyPr vert="horz" lIns="91440" tIns="45720" rIns="91440" bIns="45720" rtlCol="0" anchor="ctr">
+            <a:normAutofit/>
+          </a:bodyPr>
+          <a:lstStyle>
+            <a:lvl1pPr algn="ctr" defTabSz="914400" rtl="0" eaLnBrk="1" latinLnBrk="0" hangingPunct="1">
+              <a:lnSpc>
+                <a:spcPct val="90000"/>
+              </a:lnSpc>
+              <a:spcBef>
+                <a:spcPct val="0"/>
+              </a:spcBef>
+              <a:buNone/>
+              <a:defRPr sz="6000" kern="1200">
+                <a:solidFill>
+                  <a:schemeClr val="tx1"/>
+                </a:solidFill>
+                <a:latin typeface="+mj-lt"/>
+                <a:ea typeface="+mj-ea"/>
+                <a:cs typeface="+mj-cs"/>
+              </a:defRPr>
+            </a:lvl1pPr>
+          </a:lstStyle>
+          <a:p>
+            <a:pPr algn="l">
+              <a:spcAft>
+                <a:spcPts val="600"/>
+              </a:spcAft>
+            </a:pPr>
+            <a:r>
+              <a:rPr lang="hu-HU" sz="4400"/>
+              <a:t>folyékony kristályok fontos szerepe</a:t>
+            </a:r>
+            <a:endParaRPr lang="en-US" sz="4400">
+              <a:solidFill>
+                <a:srgbClr val="FFFFFF"/>
+              </a:solidFill>
+            </a:endParaRPr>
           </a:p>
         </p:txBody>
       </p:sp>
       <p:sp>
         <p:nvSpPr>
-          <p:cNvPr id="3" name="Tartalom helye 2">
+          <p:cNvPr id="11" name="Tartalom helye 2">
             <a:extLst>
               <a:ext uri="{FF2B5EF4-FFF2-40B4-BE49-F238E27FC236}">
-                <a16:creationId xmlns:a16="http://schemas.microsoft.com/office/drawing/2014/main" id="{A24AF1EF-63EB-4E83-9598-44EC933B61B8}"/>
+                <a16:creationId xmlns:a16="http://schemas.microsoft.com/office/drawing/2014/main" id="{CCF008F7-AA23-455A-9E72-EE6BD4B53801}"/>
               </a:ext>
             </a:extLst>
           </p:cNvPr>
-          <p:cNvSpPr>
-            <a:spLocks noGrp="1"/>
+          <p:cNvSpPr txBox="1">
+            <a:spLocks/>
           </p:cNvSpPr>
-          <p:nvPr>
-            <p:ph idx="1"/>
-          </p:nvPr>
+          <p:nvPr/>
         </p:nvSpPr>
-        <p:spPr/>
+        <p:spPr>
+          <a:xfrm>
+            <a:off x="838200" y="1825625"/>
+            <a:ext cx="10515600" cy="4351338"/>
+          </a:xfrm>
+          <a:prstGeom prst="rect">
+            <a:avLst/>
+          </a:prstGeom>
+        </p:spPr>
         <p:txBody>
-          <a:bodyPr/>
-          <a:lstStyle/>
-          <a:p>
-            <a:r>
-              <a:rPr lang="hu-HU" dirty="0"/>
-              <a:t>a </a:t>
-            </a:r>
-            <a:r>
-              <a:rPr lang="hu-HU" dirty="0" err="1"/>
-              <a:t>deposit</a:t>
-            </a:r>
-            <a:r>
-              <a:rPr lang="hu-HU" dirty="0"/>
-              <a:t> (lerakódás)  kialakulásában, az esőállóságban  (tartósság) és a hatóanyag </a:t>
-            </a:r>
-            <a:r>
-              <a:rPr lang="hu-HU" dirty="0" err="1"/>
-              <a:t>szolubilizációjában</a:t>
-            </a:r>
-            <a:endParaRPr lang="hu-HU" dirty="0"/>
-          </a:p>
-          <a:p>
-            <a:r>
-              <a:rPr lang="hu-HU" dirty="0"/>
-              <a:t>A </a:t>
-            </a:r>
-            <a:r>
-              <a:rPr lang="hu-HU" dirty="0" err="1"/>
-              <a:t>szolubilizácó</a:t>
-            </a:r>
-            <a:r>
-              <a:rPr lang="hu-HU" dirty="0"/>
-              <a:t> a hatóanyag molekuláinak </a:t>
-            </a:r>
-            <a:r>
-              <a:rPr lang="hu-HU" dirty="0" err="1"/>
-              <a:t>aktiv</a:t>
-            </a:r>
-            <a:r>
-              <a:rPr lang="hu-HU" dirty="0"/>
-              <a:t> transzportjában fontos, </a:t>
-            </a:r>
-          </a:p>
-          <a:p>
-            <a:r>
-              <a:rPr lang="hu-HU" dirty="0"/>
-              <a:t>ez a transzport a </a:t>
-            </a:r>
-            <a:r>
-              <a:rPr lang="hu-HU" dirty="0" err="1"/>
-              <a:t>sisztemikus</a:t>
-            </a:r>
-            <a:r>
-              <a:rPr lang="hu-HU" dirty="0"/>
-              <a:t> hatású hatóanyagoknál  alapvető</a:t>
-            </a:r>
-          </a:p>
-          <a:p>
-            <a:endParaRPr lang="hu-HU" dirty="0"/>
+          <a:bodyPr vert="horz" lIns="91440" tIns="45720" rIns="91440" bIns="45720" rtlCol="0">
+            <a:normAutofit/>
+          </a:bodyPr>
+          <a:lstStyle>
+            <a:lvl1pPr marL="0" indent="0" algn="ctr" defTabSz="914400" rtl="0" eaLnBrk="1" latinLnBrk="0" hangingPunct="1">
+              <a:lnSpc>
+                <a:spcPct val="90000"/>
+              </a:lnSpc>
+              <a:spcBef>
+                <a:spcPts val="1000"/>
+              </a:spcBef>
+              <a:buFont typeface="Arial" panose="020B0604020202020204" pitchFamily="34" charset="0"/>
+              <a:buNone/>
+              <a:defRPr sz="2400" kern="1200">
+                <a:solidFill>
+                  <a:schemeClr val="tx1"/>
+                </a:solidFill>
+                <a:latin typeface="+mn-lt"/>
+                <a:ea typeface="+mn-ea"/>
+                <a:cs typeface="+mn-cs"/>
+              </a:defRPr>
+            </a:lvl1pPr>
+            <a:lvl2pPr marL="457200" indent="0" algn="ctr" defTabSz="914400" rtl="0" eaLnBrk="1" latinLnBrk="0" hangingPunct="1">
+              <a:lnSpc>
+                <a:spcPct val="90000"/>
+              </a:lnSpc>
+              <a:spcBef>
+                <a:spcPts val="500"/>
+              </a:spcBef>
+              <a:buFont typeface="Arial" panose="020B0604020202020204" pitchFamily="34" charset="0"/>
+              <a:buNone/>
+              <a:defRPr sz="2000" kern="1200">
+                <a:solidFill>
+                  <a:schemeClr val="tx1"/>
+                </a:solidFill>
+                <a:latin typeface="+mn-lt"/>
+                <a:ea typeface="+mn-ea"/>
+                <a:cs typeface="+mn-cs"/>
+              </a:defRPr>
+            </a:lvl2pPr>
+            <a:lvl3pPr marL="914400" indent="0" algn="ctr" defTabSz="914400" rtl="0" eaLnBrk="1" latinLnBrk="0" hangingPunct="1">
+              <a:lnSpc>
+                <a:spcPct val="90000"/>
+              </a:lnSpc>
+              <a:spcBef>
+                <a:spcPts val="500"/>
+              </a:spcBef>
+              <a:buFont typeface="Arial" panose="020B0604020202020204" pitchFamily="34" charset="0"/>
+              <a:buNone/>
+              <a:defRPr sz="1800" kern="1200">
+                <a:solidFill>
+                  <a:schemeClr val="tx1"/>
+                </a:solidFill>
+                <a:latin typeface="+mn-lt"/>
+                <a:ea typeface="+mn-ea"/>
+                <a:cs typeface="+mn-cs"/>
+              </a:defRPr>
+            </a:lvl3pPr>
+            <a:lvl4pPr marL="1371600" indent="0" algn="ctr" defTabSz="914400" rtl="0" eaLnBrk="1" latinLnBrk="0" hangingPunct="1">
+              <a:lnSpc>
+                <a:spcPct val="90000"/>
+              </a:lnSpc>
+              <a:spcBef>
+                <a:spcPts val="500"/>
+              </a:spcBef>
+              <a:buFont typeface="Arial" panose="020B0604020202020204" pitchFamily="34" charset="0"/>
+              <a:buNone/>
+              <a:defRPr sz="1600" kern="1200">
+                <a:solidFill>
+                  <a:schemeClr val="tx1"/>
+                </a:solidFill>
+                <a:latin typeface="+mn-lt"/>
+                <a:ea typeface="+mn-ea"/>
+                <a:cs typeface="+mn-cs"/>
+              </a:defRPr>
+            </a:lvl4pPr>
+            <a:lvl5pPr marL="1828800" indent="0" algn="ctr" defTabSz="914400" rtl="0" eaLnBrk="1" latinLnBrk="0" hangingPunct="1">
+              <a:lnSpc>
+                <a:spcPct val="90000"/>
+              </a:lnSpc>
+              <a:spcBef>
+                <a:spcPts val="500"/>
+              </a:spcBef>
+              <a:buFont typeface="Arial" panose="020B0604020202020204" pitchFamily="34" charset="0"/>
+              <a:buNone/>
+              <a:defRPr sz="1600" kern="1200">
+                <a:solidFill>
+                  <a:schemeClr val="tx1"/>
+                </a:solidFill>
+                <a:latin typeface="+mn-lt"/>
+                <a:ea typeface="+mn-ea"/>
+                <a:cs typeface="+mn-cs"/>
+              </a:defRPr>
+            </a:lvl5pPr>
+            <a:lvl6pPr marL="2286000" indent="0" algn="ctr" defTabSz="914400" rtl="0" eaLnBrk="1" latinLnBrk="0" hangingPunct="1">
+              <a:lnSpc>
+                <a:spcPct val="90000"/>
+              </a:lnSpc>
+              <a:spcBef>
+                <a:spcPts val="500"/>
+              </a:spcBef>
+              <a:buFont typeface="Arial" panose="020B0604020202020204" pitchFamily="34" charset="0"/>
+              <a:buNone/>
+              <a:defRPr sz="1600" kern="1200">
+                <a:solidFill>
+                  <a:schemeClr val="tx1"/>
+                </a:solidFill>
+                <a:latin typeface="+mn-lt"/>
+                <a:ea typeface="+mn-ea"/>
+                <a:cs typeface="+mn-cs"/>
+              </a:defRPr>
+            </a:lvl6pPr>
+            <a:lvl7pPr marL="2743200" indent="0" algn="ctr" defTabSz="914400" rtl="0" eaLnBrk="1" latinLnBrk="0" hangingPunct="1">
+              <a:lnSpc>
+                <a:spcPct val="90000"/>
+              </a:lnSpc>
+              <a:spcBef>
+                <a:spcPts val="500"/>
+              </a:spcBef>
+              <a:buFont typeface="Arial" panose="020B0604020202020204" pitchFamily="34" charset="0"/>
+              <a:buNone/>
+              <a:defRPr sz="1600" kern="1200">
+                <a:solidFill>
+                  <a:schemeClr val="tx1"/>
+                </a:solidFill>
+                <a:latin typeface="+mn-lt"/>
+                <a:ea typeface="+mn-ea"/>
+                <a:cs typeface="+mn-cs"/>
+              </a:defRPr>
+            </a:lvl7pPr>
+            <a:lvl8pPr marL="3200400" indent="0" algn="ctr" defTabSz="914400" rtl="0" eaLnBrk="1" latinLnBrk="0" hangingPunct="1">
+              <a:lnSpc>
+                <a:spcPct val="90000"/>
+              </a:lnSpc>
+              <a:spcBef>
+                <a:spcPts val="500"/>
+              </a:spcBef>
+              <a:buFont typeface="Arial" panose="020B0604020202020204" pitchFamily="34" charset="0"/>
+              <a:buNone/>
+              <a:defRPr sz="1600" kern="1200">
+                <a:solidFill>
+                  <a:schemeClr val="tx1"/>
+                </a:solidFill>
+                <a:latin typeface="+mn-lt"/>
+                <a:ea typeface="+mn-ea"/>
+                <a:cs typeface="+mn-cs"/>
+              </a:defRPr>
+            </a:lvl8pPr>
+            <a:lvl9pPr marL="3657600" indent="0" algn="ctr" defTabSz="914400" rtl="0" eaLnBrk="1" latinLnBrk="0" hangingPunct="1">
+              <a:lnSpc>
+                <a:spcPct val="90000"/>
+              </a:lnSpc>
+              <a:spcBef>
+                <a:spcPts val="500"/>
+              </a:spcBef>
+              <a:buFont typeface="Arial" panose="020B0604020202020204" pitchFamily="34" charset="0"/>
+              <a:buNone/>
+              <a:defRPr sz="1600" kern="1200">
+                <a:solidFill>
+                  <a:schemeClr val="tx1"/>
+                </a:solidFill>
+                <a:latin typeface="+mn-lt"/>
+                <a:ea typeface="+mn-ea"/>
+                <a:cs typeface="+mn-cs"/>
+              </a:defRPr>
+            </a:lvl9pPr>
+          </a:lstStyle>
+          <a:p>
+            <a:pPr marL="457200" indent="-457200" algn="l">
+              <a:buFont typeface="Arial" panose="020B0604020202020204" pitchFamily="34" charset="0"/>
+              <a:buChar char="•"/>
+            </a:pPr>
+            <a:r>
+              <a:rPr lang="hu-HU" sz="2800"/>
+              <a:t>a deposit (lerakódás) kialakulásában, az esőállóságban (tartósság) és a hatóanyag szolubilizációjában</a:t>
+            </a:r>
+          </a:p>
+          <a:p>
+            <a:pPr marL="457200" indent="-457200" algn="l">
+              <a:buFont typeface="Arial" panose="020B0604020202020204" pitchFamily="34" charset="0"/>
+              <a:buChar char="•"/>
+            </a:pPr>
+            <a:r>
+              <a:rPr lang="en-GB" sz="2800"/>
+              <a:t>a</a:t>
+            </a:r>
+            <a:r>
+              <a:rPr lang="hu-HU" sz="2800"/>
+              <a:t> szolubilizácó a hatóanyag molekuláinak akt</a:t>
+            </a:r>
+            <a:r>
+              <a:rPr lang="en-GB" sz="2800"/>
+              <a:t>í</a:t>
+            </a:r>
+            <a:r>
+              <a:rPr lang="hu-HU" sz="2800"/>
+              <a:t>v transzportjában fontos</a:t>
+            </a:r>
+          </a:p>
+          <a:p>
+            <a:pPr marL="457200" indent="-457200" algn="l">
+              <a:buFont typeface="Arial" panose="020B0604020202020204" pitchFamily="34" charset="0"/>
+              <a:buChar char="•"/>
+            </a:pPr>
+            <a:r>
+              <a:rPr lang="hu-HU" sz="2800"/>
+              <a:t>ez a transzport a sisztemikus hatású hatóanyagoknál  alapvető</a:t>
+            </a:r>
           </a:p>
         </p:txBody>
       </p:sp>
     </p:spTree>
     <p:extLst>
       <p:ext uri="{BB962C8B-B14F-4D97-AF65-F5344CB8AC3E}">
-        <p14:creationId xmlns:p14="http://schemas.microsoft.com/office/powerpoint/2010/main" val="1790301781"/>
+        <p14:creationId xmlns:p14="http://schemas.microsoft.com/office/powerpoint/2010/main" val="4160674702"/>
       </p:ext>
     </p:extLst>
   </p:cSld>
   <p:clrMapOvr>
-    <a:masterClrMapping/>
+    <a:overrideClrMapping bg1="dk1" tx1="lt1" bg2="dk2" tx2="lt2" accent1="accent1" accent2="accent2" accent3="accent3" accent4="accent4" accent5="accent5" accent6="accent6" hlink="hlink" folHlink="folHlink"/>
   </p:clrMapOvr>
 </p:sld>
 </file>
@@ -23607,6 +23512,14 @@
 <file path=ppt/slides/slide33.xml><?xml version="1.0" encoding="utf-8"?>
 <p:sld xmlns:a="http://schemas.openxmlformats.org/drawingml/2006/main" xmlns:r="http://schemas.openxmlformats.org/officeDocument/2006/relationships" xmlns:p="http://schemas.openxmlformats.org/presentationml/2006/main">
   <p:cSld>
+    <p:bg>
+      <p:bgPr>
+        <a:solidFill>
+          <a:schemeClr val="bg1"/>
+        </a:solidFill>
+        <a:effectLst/>
+      </p:bgPr>
+    </p:bg>
     <p:spTree>
       <p:nvGrpSpPr>
         <p:cNvPr id="1" name=""/>
@@ -23623,96 +23536,425 @@
       </p:grpSpPr>
       <p:sp>
         <p:nvSpPr>
-          <p:cNvPr id="2" name="Cím 1">
+          <p:cNvPr id="20" name="Rectangle 19">
             <a:extLst>
               <a:ext uri="{FF2B5EF4-FFF2-40B4-BE49-F238E27FC236}">
-                <a16:creationId xmlns:a16="http://schemas.microsoft.com/office/drawing/2014/main" id="{B84D8954-ED64-42F0-952B-1D10391BA2FD}"/>
+                <a16:creationId xmlns:a16="http://schemas.microsoft.com/office/drawing/2014/main" id="{9228552E-C8B1-4A80-8448-0787CE0FC704}"/>
+              </a:ext>
+              <a:ext uri="{C183D7F6-B498-43B3-948B-1728B52AA6E4}">
+                <adec:decorative xmlns:adec="http://schemas.microsoft.com/office/drawing/2017/decorative" val="1"/>
               </a:ext>
             </a:extLst>
           </p:cNvPr>
           <p:cNvSpPr>
-            <a:spLocks noGrp="1"/>
+            <a:spLocks noGrp="1" noRot="1" noChangeAspect="1" noMove="1" noResize="1" noEditPoints="1" noAdjustHandles="1" noChangeArrowheads="1" noChangeShapeType="1" noTextEdit="1"/>
           </p:cNvSpPr>
           <p:nvPr>
-            <p:ph type="title"/>
+            <p:extLst>
+              <p:ext uri="{386F3935-93C4-4BCD-93E2-E3B085C9AB24}">
+                <p16:designElem xmlns:p16="http://schemas.microsoft.com/office/powerpoint/2015/main" val="1"/>
+              </p:ext>
+            </p:extLst>
           </p:nvPr>
         </p:nvSpPr>
-        <p:spPr/>
+        <p:spPr>
+          <a:xfrm>
+            <a:off x="0" y="0"/>
+            <a:ext cx="12192000" cy="6858000"/>
+          </a:xfrm>
+          <a:prstGeom prst="rect">
+            <a:avLst/>
+          </a:prstGeom>
+          <a:solidFill>
+            <a:srgbClr val="000000"/>
+          </a:solidFill>
+          <a:ln>
+            <a:noFill/>
+          </a:ln>
+        </p:spPr>
+        <p:style>
+          <a:lnRef idx="2">
+            <a:schemeClr val="accent1">
+              <a:shade val="50000"/>
+            </a:schemeClr>
+          </a:lnRef>
+          <a:fillRef idx="1">
+            <a:schemeClr val="accent1"/>
+          </a:fillRef>
+          <a:effectRef idx="0">
+            <a:schemeClr val="accent1"/>
+          </a:effectRef>
+          <a:fontRef idx="minor">
+            <a:schemeClr val="lt1"/>
+          </a:fontRef>
+        </p:style>
         <p:txBody>
-          <a:bodyPr/>
+          <a:bodyPr rtlCol="0" anchor="ctr"/>
           <a:lstStyle/>
           <a:p>
-            <a:r>
-              <a:rPr lang="hu-HU" dirty="0"/>
-              <a:t>Folyadékkristályok</a:t>
-            </a:r>
+            <a:pPr algn="ctr"/>
+            <a:endParaRPr lang="en-US"/>
+          </a:p>
+        </p:txBody>
+      </p:sp>
+      <p:pic>
+        <p:nvPicPr>
+          <p:cNvPr id="5" name="Picture 4" descr="Barista holding portafilter filled with coffee beans">
+            <a:extLst>
+              <a:ext uri="{FF2B5EF4-FFF2-40B4-BE49-F238E27FC236}">
+                <a16:creationId xmlns:a16="http://schemas.microsoft.com/office/drawing/2014/main" id="{6A27F853-D1D2-48E4-B404-E40EDACA60A4}"/>
+              </a:ext>
+            </a:extLst>
+          </p:cNvPr>
+          <p:cNvPicPr>
+            <a:picLocks noChangeAspect="1"/>
+          </p:cNvPicPr>
+          <p:nvPr/>
+        </p:nvPicPr>
+        <p:blipFill rotWithShape="1">
+          <a:blip r:embed="rId2">
+            <a:alphaModFix amt="35000"/>
+            <a:extLst>
+              <a:ext uri="{28A0092B-C50C-407E-A947-70E740481C1C}">
+                <a14:useLocalDpi xmlns:a14="http://schemas.microsoft.com/office/drawing/2010/main" val="0"/>
+              </a:ext>
+            </a:extLst>
+          </a:blip>
+          <a:srcRect t="9887" b="5527"/>
+          <a:stretch/>
+        </p:blipFill>
+        <p:spPr>
+          <a:xfrm>
+            <a:off x="20" y="1"/>
+            <a:ext cx="12191980" cy="6857999"/>
+          </a:xfrm>
+          <a:prstGeom prst="rect">
+            <a:avLst/>
+          </a:prstGeom>
+        </p:spPr>
+      </p:pic>
+      <p:sp>
+        <p:nvSpPr>
+          <p:cNvPr id="7" name="Cím 1">
+            <a:extLst>
+              <a:ext uri="{FF2B5EF4-FFF2-40B4-BE49-F238E27FC236}">
+                <a16:creationId xmlns:a16="http://schemas.microsoft.com/office/drawing/2014/main" id="{6D86A37F-98BB-40A0-AF46-BA3A5E99A3D4}"/>
+              </a:ext>
+            </a:extLst>
+          </p:cNvPr>
+          <p:cNvSpPr txBox="1">
+            <a:spLocks/>
+          </p:cNvSpPr>
+          <p:nvPr/>
+        </p:nvSpPr>
+        <p:spPr>
+          <a:xfrm>
+            <a:off x="838200" y="365125"/>
+            <a:ext cx="10515600" cy="1325563"/>
+          </a:xfrm>
+          <a:prstGeom prst="rect">
+            <a:avLst/>
+          </a:prstGeom>
+        </p:spPr>
+        <p:txBody>
+          <a:bodyPr vert="horz" lIns="91440" tIns="45720" rIns="91440" bIns="45720" rtlCol="0" anchor="ctr">
+            <a:normAutofit/>
+          </a:bodyPr>
+          <a:lstStyle>
+            <a:lvl1pPr algn="ctr" defTabSz="914400" rtl="0" eaLnBrk="1" latinLnBrk="0" hangingPunct="1">
+              <a:lnSpc>
+                <a:spcPct val="90000"/>
+              </a:lnSpc>
+              <a:spcBef>
+                <a:spcPct val="0"/>
+              </a:spcBef>
+              <a:buNone/>
+              <a:defRPr sz="6000" kern="1200">
+                <a:solidFill>
+                  <a:schemeClr val="tx1"/>
+                </a:solidFill>
+                <a:latin typeface="+mj-lt"/>
+                <a:ea typeface="+mj-ea"/>
+                <a:cs typeface="+mj-cs"/>
+              </a:defRPr>
+            </a:lvl1pPr>
+          </a:lstStyle>
+          <a:p>
+            <a:pPr algn="l">
+              <a:spcAft>
+                <a:spcPts val="600"/>
+              </a:spcAft>
+            </a:pPr>
+            <a:r>
+              <a:rPr lang="hu-HU" sz="4400"/>
+              <a:t>folyadékkristályok</a:t>
+            </a:r>
+            <a:endParaRPr lang="en-US" sz="4400">
+              <a:solidFill>
+                <a:srgbClr val="FFFFFF"/>
+              </a:solidFill>
+            </a:endParaRPr>
           </a:p>
         </p:txBody>
       </p:sp>
       <p:sp>
         <p:nvSpPr>
-          <p:cNvPr id="3" name="Tartalom helye 2">
+          <p:cNvPr id="11" name="Tartalom helye 2">
             <a:extLst>
               <a:ext uri="{FF2B5EF4-FFF2-40B4-BE49-F238E27FC236}">
-                <a16:creationId xmlns:a16="http://schemas.microsoft.com/office/drawing/2014/main" id="{765E74DF-0C0F-4EB3-8F0E-6920F2BB1B9C}"/>
+                <a16:creationId xmlns:a16="http://schemas.microsoft.com/office/drawing/2014/main" id="{CCF008F7-AA23-455A-9E72-EE6BD4B53801}"/>
               </a:ext>
             </a:extLst>
           </p:cNvPr>
-          <p:cNvSpPr>
-            <a:spLocks noGrp="1"/>
+          <p:cNvSpPr txBox="1">
+            <a:spLocks/>
           </p:cNvSpPr>
-          <p:nvPr>
-            <p:ph idx="1"/>
-          </p:nvPr>
+          <p:nvPr/>
         </p:nvSpPr>
-        <p:spPr/>
+        <p:spPr>
+          <a:xfrm>
+            <a:off x="838200" y="1825625"/>
+            <a:ext cx="10515600" cy="4351338"/>
+          </a:xfrm>
+          <a:prstGeom prst="rect">
+            <a:avLst/>
+          </a:prstGeom>
+        </p:spPr>
         <p:txBody>
-          <a:bodyPr/>
-          <a:lstStyle/>
-          <a:p>
-            <a:r>
-              <a:rPr lang="hu-HU" dirty="0"/>
-              <a:t>Fluid megjelenés</a:t>
-            </a:r>
-          </a:p>
-          <a:p>
-            <a:r>
-              <a:rPr lang="hu-HU" dirty="0"/>
-              <a:t>Rendszerint magas viszkozitás</a:t>
-            </a:r>
-          </a:p>
-          <a:p>
-            <a:r>
-              <a:rPr lang="hu-HU" dirty="0"/>
-              <a:t>Röntgen vizsgálatok szerint rendezettebb szerkezetűek mint a közönséges folyadékok</a:t>
-            </a:r>
-          </a:p>
-          <a:p>
-            <a:r>
-              <a:rPr lang="hu-HU" dirty="0" err="1"/>
-              <a:t>Reologiailag</a:t>
-            </a:r>
-            <a:r>
-              <a:rPr lang="hu-HU" dirty="0"/>
-              <a:t> </a:t>
-            </a:r>
-            <a:r>
-              <a:rPr lang="hu-HU" dirty="0" err="1"/>
-              <a:t>viszkoelasztikusak</a:t>
-            </a:r>
-            <a:endParaRPr lang="hu-HU" dirty="0"/>
+          <a:bodyPr vert="horz" lIns="91440" tIns="45720" rIns="91440" bIns="45720" rtlCol="0">
+            <a:normAutofit/>
+          </a:bodyPr>
+          <a:lstStyle>
+            <a:lvl1pPr marL="0" indent="0" algn="ctr" defTabSz="914400" rtl="0" eaLnBrk="1" latinLnBrk="0" hangingPunct="1">
+              <a:lnSpc>
+                <a:spcPct val="90000"/>
+              </a:lnSpc>
+              <a:spcBef>
+                <a:spcPts val="1000"/>
+              </a:spcBef>
+              <a:buFont typeface="Arial" panose="020B0604020202020204" pitchFamily="34" charset="0"/>
+              <a:buNone/>
+              <a:defRPr sz="2400" kern="1200">
+                <a:solidFill>
+                  <a:schemeClr val="tx1"/>
+                </a:solidFill>
+                <a:latin typeface="+mn-lt"/>
+                <a:ea typeface="+mn-ea"/>
+                <a:cs typeface="+mn-cs"/>
+              </a:defRPr>
+            </a:lvl1pPr>
+            <a:lvl2pPr marL="457200" indent="0" algn="ctr" defTabSz="914400" rtl="0" eaLnBrk="1" latinLnBrk="0" hangingPunct="1">
+              <a:lnSpc>
+                <a:spcPct val="90000"/>
+              </a:lnSpc>
+              <a:spcBef>
+                <a:spcPts val="500"/>
+              </a:spcBef>
+              <a:buFont typeface="Arial" panose="020B0604020202020204" pitchFamily="34" charset="0"/>
+              <a:buNone/>
+              <a:defRPr sz="2000" kern="1200">
+                <a:solidFill>
+                  <a:schemeClr val="tx1"/>
+                </a:solidFill>
+                <a:latin typeface="+mn-lt"/>
+                <a:ea typeface="+mn-ea"/>
+                <a:cs typeface="+mn-cs"/>
+              </a:defRPr>
+            </a:lvl2pPr>
+            <a:lvl3pPr marL="914400" indent="0" algn="ctr" defTabSz="914400" rtl="0" eaLnBrk="1" latinLnBrk="0" hangingPunct="1">
+              <a:lnSpc>
+                <a:spcPct val="90000"/>
+              </a:lnSpc>
+              <a:spcBef>
+                <a:spcPts val="500"/>
+              </a:spcBef>
+              <a:buFont typeface="Arial" panose="020B0604020202020204" pitchFamily="34" charset="0"/>
+              <a:buNone/>
+              <a:defRPr sz="1800" kern="1200">
+                <a:solidFill>
+                  <a:schemeClr val="tx1"/>
+                </a:solidFill>
+                <a:latin typeface="+mn-lt"/>
+                <a:ea typeface="+mn-ea"/>
+                <a:cs typeface="+mn-cs"/>
+              </a:defRPr>
+            </a:lvl3pPr>
+            <a:lvl4pPr marL="1371600" indent="0" algn="ctr" defTabSz="914400" rtl="0" eaLnBrk="1" latinLnBrk="0" hangingPunct="1">
+              <a:lnSpc>
+                <a:spcPct val="90000"/>
+              </a:lnSpc>
+              <a:spcBef>
+                <a:spcPts val="500"/>
+              </a:spcBef>
+              <a:buFont typeface="Arial" panose="020B0604020202020204" pitchFamily="34" charset="0"/>
+              <a:buNone/>
+              <a:defRPr sz="1600" kern="1200">
+                <a:solidFill>
+                  <a:schemeClr val="tx1"/>
+                </a:solidFill>
+                <a:latin typeface="+mn-lt"/>
+                <a:ea typeface="+mn-ea"/>
+                <a:cs typeface="+mn-cs"/>
+              </a:defRPr>
+            </a:lvl4pPr>
+            <a:lvl5pPr marL="1828800" indent="0" algn="ctr" defTabSz="914400" rtl="0" eaLnBrk="1" latinLnBrk="0" hangingPunct="1">
+              <a:lnSpc>
+                <a:spcPct val="90000"/>
+              </a:lnSpc>
+              <a:spcBef>
+                <a:spcPts val="500"/>
+              </a:spcBef>
+              <a:buFont typeface="Arial" panose="020B0604020202020204" pitchFamily="34" charset="0"/>
+              <a:buNone/>
+              <a:defRPr sz="1600" kern="1200">
+                <a:solidFill>
+                  <a:schemeClr val="tx1"/>
+                </a:solidFill>
+                <a:latin typeface="+mn-lt"/>
+                <a:ea typeface="+mn-ea"/>
+                <a:cs typeface="+mn-cs"/>
+              </a:defRPr>
+            </a:lvl5pPr>
+            <a:lvl6pPr marL="2286000" indent="0" algn="ctr" defTabSz="914400" rtl="0" eaLnBrk="1" latinLnBrk="0" hangingPunct="1">
+              <a:lnSpc>
+                <a:spcPct val="90000"/>
+              </a:lnSpc>
+              <a:spcBef>
+                <a:spcPts val="500"/>
+              </a:spcBef>
+              <a:buFont typeface="Arial" panose="020B0604020202020204" pitchFamily="34" charset="0"/>
+              <a:buNone/>
+              <a:defRPr sz="1600" kern="1200">
+                <a:solidFill>
+                  <a:schemeClr val="tx1"/>
+                </a:solidFill>
+                <a:latin typeface="+mn-lt"/>
+                <a:ea typeface="+mn-ea"/>
+                <a:cs typeface="+mn-cs"/>
+              </a:defRPr>
+            </a:lvl6pPr>
+            <a:lvl7pPr marL="2743200" indent="0" algn="ctr" defTabSz="914400" rtl="0" eaLnBrk="1" latinLnBrk="0" hangingPunct="1">
+              <a:lnSpc>
+                <a:spcPct val="90000"/>
+              </a:lnSpc>
+              <a:spcBef>
+                <a:spcPts val="500"/>
+              </a:spcBef>
+              <a:buFont typeface="Arial" panose="020B0604020202020204" pitchFamily="34" charset="0"/>
+              <a:buNone/>
+              <a:defRPr sz="1600" kern="1200">
+                <a:solidFill>
+                  <a:schemeClr val="tx1"/>
+                </a:solidFill>
+                <a:latin typeface="+mn-lt"/>
+                <a:ea typeface="+mn-ea"/>
+                <a:cs typeface="+mn-cs"/>
+              </a:defRPr>
+            </a:lvl7pPr>
+            <a:lvl8pPr marL="3200400" indent="0" algn="ctr" defTabSz="914400" rtl="0" eaLnBrk="1" latinLnBrk="0" hangingPunct="1">
+              <a:lnSpc>
+                <a:spcPct val="90000"/>
+              </a:lnSpc>
+              <a:spcBef>
+                <a:spcPts val="500"/>
+              </a:spcBef>
+              <a:buFont typeface="Arial" panose="020B0604020202020204" pitchFamily="34" charset="0"/>
+              <a:buNone/>
+              <a:defRPr sz="1600" kern="1200">
+                <a:solidFill>
+                  <a:schemeClr val="tx1"/>
+                </a:solidFill>
+                <a:latin typeface="+mn-lt"/>
+                <a:ea typeface="+mn-ea"/>
+                <a:cs typeface="+mn-cs"/>
+              </a:defRPr>
+            </a:lvl8pPr>
+            <a:lvl9pPr marL="3657600" indent="0" algn="ctr" defTabSz="914400" rtl="0" eaLnBrk="1" latinLnBrk="0" hangingPunct="1">
+              <a:lnSpc>
+                <a:spcPct val="90000"/>
+              </a:lnSpc>
+              <a:spcBef>
+                <a:spcPts val="500"/>
+              </a:spcBef>
+              <a:buFont typeface="Arial" panose="020B0604020202020204" pitchFamily="34" charset="0"/>
+              <a:buNone/>
+              <a:defRPr sz="1600" kern="1200">
+                <a:solidFill>
+                  <a:schemeClr val="tx1"/>
+                </a:solidFill>
+                <a:latin typeface="+mn-lt"/>
+                <a:ea typeface="+mn-ea"/>
+                <a:cs typeface="+mn-cs"/>
+              </a:defRPr>
+            </a:lvl9pPr>
+          </a:lstStyle>
+          <a:p>
+            <a:pPr marL="457200" indent="-457200" algn="l">
+              <a:buFont typeface="Arial" panose="020B0604020202020204" pitchFamily="34" charset="0"/>
+              <a:buChar char="•"/>
+            </a:pPr>
+            <a:r>
+              <a:rPr lang="hu-HU" sz="2800"/>
+              <a:t>fluid megjelenés</a:t>
+            </a:r>
+          </a:p>
+          <a:p>
+            <a:pPr marL="457200" indent="-457200" algn="l">
+              <a:buFont typeface="Arial" panose="020B0604020202020204" pitchFamily="34" charset="0"/>
+              <a:buChar char="•"/>
+            </a:pPr>
+            <a:r>
+              <a:rPr lang="hu-HU" sz="2800"/>
+              <a:t>rendszerint magas viszkozitás</a:t>
+            </a:r>
+          </a:p>
+          <a:p>
+            <a:pPr marL="457200" indent="-457200" algn="l">
+              <a:buFont typeface="Arial" panose="020B0604020202020204" pitchFamily="34" charset="0"/>
+              <a:buChar char="•"/>
+            </a:pPr>
+            <a:r>
+              <a:rPr lang="hu-HU" sz="2800"/>
+              <a:t>röntgen vizsgálatok szerint rendezettebb szerkezetűek</a:t>
+            </a:r>
+            <a:r>
+              <a:rPr lang="en-GB" sz="2800"/>
+              <a:t>,</a:t>
+            </a:r>
+            <a:r>
+              <a:rPr lang="hu-HU" sz="2800"/>
+              <a:t> mint a közönséges folyadékok</a:t>
+            </a:r>
+          </a:p>
+          <a:p>
+            <a:pPr marL="457200" indent="-457200" algn="l">
+              <a:buFont typeface="Arial" panose="020B0604020202020204" pitchFamily="34" charset="0"/>
+              <a:buChar char="•"/>
+            </a:pPr>
+            <a:r>
+              <a:rPr lang="hu-HU" sz="2800"/>
+              <a:t>reol</a:t>
+            </a:r>
+            <a:r>
+              <a:rPr lang="en-GB" sz="2800"/>
+              <a:t>ó</a:t>
+            </a:r>
+            <a:r>
+              <a:rPr lang="hu-HU" sz="2800"/>
+              <a:t>giailag viszkoelasztikusak</a:t>
+            </a:r>
           </a:p>
         </p:txBody>
       </p:sp>
     </p:spTree>
     <p:extLst>
       <p:ext uri="{BB962C8B-B14F-4D97-AF65-F5344CB8AC3E}">
-        <p14:creationId xmlns:p14="http://schemas.microsoft.com/office/powerpoint/2010/main" val="3709662419"/>
+        <p14:creationId xmlns:p14="http://schemas.microsoft.com/office/powerpoint/2010/main" val="3552841675"/>
       </p:ext>
     </p:extLst>
   </p:cSld>
   <p:clrMapOvr>
-    <a:masterClrMapping/>
+    <a:overrideClrMapping bg1="dk1" tx1="lt1" bg2="dk2" tx2="lt2" accent1="accent1" accent2="accent2" accent3="accent3" accent4="accent4" accent5="accent5" accent6="accent6" hlink="hlink" folHlink="folHlink"/>
   </p:clrMapOvr>
 </p:sld>
 </file>
@@ -23720,6 +23962,14 @@
 <file path=ppt/slides/slide34.xml><?xml version="1.0" encoding="utf-8"?>
 <p:sld xmlns:a="http://schemas.openxmlformats.org/drawingml/2006/main" xmlns:r="http://schemas.openxmlformats.org/officeDocument/2006/relationships" xmlns:p="http://schemas.openxmlformats.org/presentationml/2006/main">
   <p:cSld>
+    <p:bg>
+      <p:bgPr>
+        <a:solidFill>
+          <a:schemeClr val="bg1"/>
+        </a:solidFill>
+        <a:effectLst/>
+      </p:bgPr>
+    </p:bg>
     <p:spTree>
       <p:nvGrpSpPr>
         <p:cNvPr id="1" name=""/>
@@ -23736,120 +23986,411 @@
       </p:grpSpPr>
       <p:sp>
         <p:nvSpPr>
-          <p:cNvPr id="2" name="Cím 1">
+          <p:cNvPr id="20" name="Rectangle 19">
             <a:extLst>
               <a:ext uri="{FF2B5EF4-FFF2-40B4-BE49-F238E27FC236}">
-                <a16:creationId xmlns:a16="http://schemas.microsoft.com/office/drawing/2014/main" id="{F58D0753-3334-4E3E-B5B7-EC6DC2CAF70C}"/>
+                <a16:creationId xmlns:a16="http://schemas.microsoft.com/office/drawing/2014/main" id="{9228552E-C8B1-4A80-8448-0787CE0FC704}"/>
+              </a:ext>
+              <a:ext uri="{C183D7F6-B498-43B3-948B-1728B52AA6E4}">
+                <adec:decorative xmlns:adec="http://schemas.microsoft.com/office/drawing/2017/decorative" val="1"/>
               </a:ext>
             </a:extLst>
           </p:cNvPr>
           <p:cNvSpPr>
-            <a:spLocks noGrp="1"/>
+            <a:spLocks noGrp="1" noRot="1" noChangeAspect="1" noMove="1" noResize="1" noEditPoints="1" noAdjustHandles="1" noChangeArrowheads="1" noChangeShapeType="1" noTextEdit="1"/>
           </p:cNvSpPr>
           <p:nvPr>
-            <p:ph type="title"/>
+            <p:extLst>
+              <p:ext uri="{386F3935-93C4-4BCD-93E2-E3B085C9AB24}">
+                <p16:designElem xmlns:p16="http://schemas.microsoft.com/office/powerpoint/2015/main" val="1"/>
+              </p:ext>
+            </p:extLst>
           </p:nvPr>
         </p:nvSpPr>
-        <p:spPr/>
+        <p:spPr>
+          <a:xfrm>
+            <a:off x="0" y="0"/>
+            <a:ext cx="12192000" cy="6858000"/>
+          </a:xfrm>
+          <a:prstGeom prst="rect">
+            <a:avLst/>
+          </a:prstGeom>
+          <a:solidFill>
+            <a:srgbClr val="000000"/>
+          </a:solidFill>
+          <a:ln>
+            <a:noFill/>
+          </a:ln>
+        </p:spPr>
+        <p:style>
+          <a:lnRef idx="2">
+            <a:schemeClr val="accent1">
+              <a:shade val="50000"/>
+            </a:schemeClr>
+          </a:lnRef>
+          <a:fillRef idx="1">
+            <a:schemeClr val="accent1"/>
+          </a:fillRef>
+          <a:effectRef idx="0">
+            <a:schemeClr val="accent1"/>
+          </a:effectRef>
+          <a:fontRef idx="minor">
+            <a:schemeClr val="lt1"/>
+          </a:fontRef>
+        </p:style>
         <p:txBody>
-          <a:bodyPr/>
+          <a:bodyPr rtlCol="0" anchor="ctr"/>
           <a:lstStyle/>
           <a:p>
-            <a:r>
-              <a:rPr lang="hu-HU" dirty="0" err="1">
-                <a:highlight>
-                  <a:srgbClr val="FFFF00"/>
-                </a:highlight>
-              </a:rPr>
-              <a:t>Foyladékkristályos</a:t>
-            </a:r>
-            <a:r>
-              <a:rPr lang="hu-HU" dirty="0">
-                <a:highlight>
-                  <a:srgbClr val="FFFF00"/>
-                </a:highlight>
-              </a:rPr>
-              <a:t> fázisok</a:t>
-            </a:r>
+            <a:pPr algn="ctr"/>
+            <a:endParaRPr lang="en-US"/>
+          </a:p>
+        </p:txBody>
+      </p:sp>
+      <p:pic>
+        <p:nvPicPr>
+          <p:cNvPr id="5" name="Picture 4" descr="Barista holding portafilter filled with coffee beans">
+            <a:extLst>
+              <a:ext uri="{FF2B5EF4-FFF2-40B4-BE49-F238E27FC236}">
+                <a16:creationId xmlns:a16="http://schemas.microsoft.com/office/drawing/2014/main" id="{6A27F853-D1D2-48E4-B404-E40EDACA60A4}"/>
+              </a:ext>
+            </a:extLst>
+          </p:cNvPr>
+          <p:cNvPicPr>
+            <a:picLocks noChangeAspect="1"/>
+          </p:cNvPicPr>
+          <p:nvPr/>
+        </p:nvPicPr>
+        <p:blipFill rotWithShape="1">
+          <a:blip r:embed="rId2">
+            <a:alphaModFix amt="35000"/>
+            <a:extLst>
+              <a:ext uri="{28A0092B-C50C-407E-A947-70E740481C1C}">
+                <a14:useLocalDpi xmlns:a14="http://schemas.microsoft.com/office/drawing/2010/main" val="0"/>
+              </a:ext>
+            </a:extLst>
+          </a:blip>
+          <a:srcRect t="9887" b="5527"/>
+          <a:stretch/>
+        </p:blipFill>
+        <p:spPr>
+          <a:xfrm>
+            <a:off x="20" y="1"/>
+            <a:ext cx="12191980" cy="6857999"/>
+          </a:xfrm>
+          <a:prstGeom prst="rect">
+            <a:avLst/>
+          </a:prstGeom>
+        </p:spPr>
+      </p:pic>
+      <p:sp>
+        <p:nvSpPr>
+          <p:cNvPr id="7" name="Cím 1">
+            <a:extLst>
+              <a:ext uri="{FF2B5EF4-FFF2-40B4-BE49-F238E27FC236}">
+                <a16:creationId xmlns:a16="http://schemas.microsoft.com/office/drawing/2014/main" id="{6D86A37F-98BB-40A0-AF46-BA3A5E99A3D4}"/>
+              </a:ext>
+            </a:extLst>
+          </p:cNvPr>
+          <p:cNvSpPr txBox="1">
+            <a:spLocks/>
+          </p:cNvSpPr>
+          <p:nvPr/>
+        </p:nvSpPr>
+        <p:spPr>
+          <a:xfrm>
+            <a:off x="838200" y="365125"/>
+            <a:ext cx="10515600" cy="1325563"/>
+          </a:xfrm>
+          <a:prstGeom prst="rect">
+            <a:avLst/>
+          </a:prstGeom>
+        </p:spPr>
+        <p:txBody>
+          <a:bodyPr vert="horz" lIns="91440" tIns="45720" rIns="91440" bIns="45720" rtlCol="0" anchor="ctr">
+            <a:normAutofit/>
+          </a:bodyPr>
+          <a:lstStyle>
+            <a:lvl1pPr algn="ctr" defTabSz="914400" rtl="0" eaLnBrk="1" latinLnBrk="0" hangingPunct="1">
+              <a:lnSpc>
+                <a:spcPct val="90000"/>
+              </a:lnSpc>
+              <a:spcBef>
+                <a:spcPct val="0"/>
+              </a:spcBef>
+              <a:buNone/>
+              <a:defRPr sz="6000" kern="1200">
+                <a:solidFill>
+                  <a:schemeClr val="tx1"/>
+                </a:solidFill>
+                <a:latin typeface="+mj-lt"/>
+                <a:ea typeface="+mj-ea"/>
+                <a:cs typeface="+mj-cs"/>
+              </a:defRPr>
+            </a:lvl1pPr>
+          </a:lstStyle>
+          <a:p>
+            <a:pPr algn="l">
+              <a:spcAft>
+                <a:spcPts val="600"/>
+              </a:spcAft>
+            </a:pPr>
+            <a:r>
+              <a:rPr lang="en-GB" sz="4400"/>
+              <a:t>f</a:t>
+            </a:r>
+            <a:r>
+              <a:rPr lang="hu-HU" sz="4400"/>
+              <a:t>ol</a:t>
+            </a:r>
+            <a:r>
+              <a:rPr lang="en-GB" sz="4400"/>
+              <a:t>y</a:t>
+            </a:r>
+            <a:r>
+              <a:rPr lang="hu-HU" sz="4400"/>
+              <a:t>adékkristályos fázisok</a:t>
+            </a:r>
+            <a:endParaRPr lang="en-US" sz="4400">
+              <a:solidFill>
+                <a:srgbClr val="FFFFFF"/>
+              </a:solidFill>
+            </a:endParaRPr>
           </a:p>
         </p:txBody>
       </p:sp>
       <p:sp>
         <p:nvSpPr>
-          <p:cNvPr id="3" name="Tartalom helye 2">
+          <p:cNvPr id="11" name="Tartalom helye 2">
             <a:extLst>
               <a:ext uri="{FF2B5EF4-FFF2-40B4-BE49-F238E27FC236}">
-                <a16:creationId xmlns:a16="http://schemas.microsoft.com/office/drawing/2014/main" id="{7F038E6D-E67D-4358-A081-8FC5B1112172}"/>
+                <a16:creationId xmlns:a16="http://schemas.microsoft.com/office/drawing/2014/main" id="{CCF008F7-AA23-455A-9E72-EE6BD4B53801}"/>
               </a:ext>
             </a:extLst>
           </p:cNvPr>
-          <p:cNvSpPr>
-            <a:spLocks noGrp="1"/>
+          <p:cNvSpPr txBox="1">
+            <a:spLocks/>
           </p:cNvSpPr>
-          <p:nvPr>
-            <p:ph idx="1"/>
-          </p:nvPr>
+          <p:nvPr/>
         </p:nvSpPr>
-        <p:spPr/>
+        <p:spPr>
+          <a:xfrm>
+            <a:off x="838200" y="1825625"/>
+            <a:ext cx="10515600" cy="4351338"/>
+          </a:xfrm>
+          <a:prstGeom prst="rect">
+            <a:avLst/>
+          </a:prstGeom>
+        </p:spPr>
         <p:txBody>
-          <a:bodyPr/>
-          <a:lstStyle/>
-          <a:p>
-            <a:r>
-              <a:rPr lang="hu-HU" dirty="0"/>
-              <a:t>1)hexagonális fázis</a:t>
-            </a:r>
-          </a:p>
-          <a:p>
-            <a:r>
-              <a:rPr lang="hu-HU" dirty="0"/>
-              <a:t>2) </a:t>
-            </a:r>
-            <a:r>
-              <a:rPr lang="hu-HU" dirty="0" err="1"/>
-              <a:t>Micellaris</a:t>
-            </a:r>
-            <a:r>
-              <a:rPr lang="hu-HU" dirty="0"/>
-              <a:t> (</a:t>
-            </a:r>
-            <a:r>
-              <a:rPr lang="hu-HU" dirty="0" err="1"/>
-              <a:t>Cubic</a:t>
-            </a:r>
-            <a:r>
-              <a:rPr lang="hu-HU" dirty="0"/>
-              <a:t>) fázis</a:t>
-            </a:r>
-          </a:p>
-          <a:p>
-            <a:r>
-              <a:rPr lang="hu-HU" dirty="0"/>
-              <a:t>3) </a:t>
-            </a:r>
-            <a:r>
-              <a:rPr lang="hu-HU" dirty="0" err="1"/>
-              <a:t>Lamelláris</a:t>
-            </a:r>
-            <a:r>
-              <a:rPr lang="hu-HU" dirty="0"/>
-              <a:t> fázis </a:t>
-            </a:r>
-          </a:p>
-          <a:p>
-            <a:endParaRPr lang="hu-HU" dirty="0"/>
+          <a:bodyPr vert="horz" lIns="91440" tIns="45720" rIns="91440" bIns="45720" rtlCol="0">
+            <a:normAutofit/>
+          </a:bodyPr>
+          <a:lstStyle>
+            <a:lvl1pPr marL="0" indent="0" algn="ctr" defTabSz="914400" rtl="0" eaLnBrk="1" latinLnBrk="0" hangingPunct="1">
+              <a:lnSpc>
+                <a:spcPct val="90000"/>
+              </a:lnSpc>
+              <a:spcBef>
+                <a:spcPts val="1000"/>
+              </a:spcBef>
+              <a:buFont typeface="Arial" panose="020B0604020202020204" pitchFamily="34" charset="0"/>
+              <a:buNone/>
+              <a:defRPr sz="2400" kern="1200">
+                <a:solidFill>
+                  <a:schemeClr val="tx1"/>
+                </a:solidFill>
+                <a:latin typeface="+mn-lt"/>
+                <a:ea typeface="+mn-ea"/>
+                <a:cs typeface="+mn-cs"/>
+              </a:defRPr>
+            </a:lvl1pPr>
+            <a:lvl2pPr marL="457200" indent="0" algn="ctr" defTabSz="914400" rtl="0" eaLnBrk="1" latinLnBrk="0" hangingPunct="1">
+              <a:lnSpc>
+                <a:spcPct val="90000"/>
+              </a:lnSpc>
+              <a:spcBef>
+                <a:spcPts val="500"/>
+              </a:spcBef>
+              <a:buFont typeface="Arial" panose="020B0604020202020204" pitchFamily="34" charset="0"/>
+              <a:buNone/>
+              <a:defRPr sz="2000" kern="1200">
+                <a:solidFill>
+                  <a:schemeClr val="tx1"/>
+                </a:solidFill>
+                <a:latin typeface="+mn-lt"/>
+                <a:ea typeface="+mn-ea"/>
+                <a:cs typeface="+mn-cs"/>
+              </a:defRPr>
+            </a:lvl2pPr>
+            <a:lvl3pPr marL="914400" indent="0" algn="ctr" defTabSz="914400" rtl="0" eaLnBrk="1" latinLnBrk="0" hangingPunct="1">
+              <a:lnSpc>
+                <a:spcPct val="90000"/>
+              </a:lnSpc>
+              <a:spcBef>
+                <a:spcPts val="500"/>
+              </a:spcBef>
+              <a:buFont typeface="Arial" panose="020B0604020202020204" pitchFamily="34" charset="0"/>
+              <a:buNone/>
+              <a:defRPr sz="1800" kern="1200">
+                <a:solidFill>
+                  <a:schemeClr val="tx1"/>
+                </a:solidFill>
+                <a:latin typeface="+mn-lt"/>
+                <a:ea typeface="+mn-ea"/>
+                <a:cs typeface="+mn-cs"/>
+              </a:defRPr>
+            </a:lvl3pPr>
+            <a:lvl4pPr marL="1371600" indent="0" algn="ctr" defTabSz="914400" rtl="0" eaLnBrk="1" latinLnBrk="0" hangingPunct="1">
+              <a:lnSpc>
+                <a:spcPct val="90000"/>
+              </a:lnSpc>
+              <a:spcBef>
+                <a:spcPts val="500"/>
+              </a:spcBef>
+              <a:buFont typeface="Arial" panose="020B0604020202020204" pitchFamily="34" charset="0"/>
+              <a:buNone/>
+              <a:defRPr sz="1600" kern="1200">
+                <a:solidFill>
+                  <a:schemeClr val="tx1"/>
+                </a:solidFill>
+                <a:latin typeface="+mn-lt"/>
+                <a:ea typeface="+mn-ea"/>
+                <a:cs typeface="+mn-cs"/>
+              </a:defRPr>
+            </a:lvl4pPr>
+            <a:lvl5pPr marL="1828800" indent="0" algn="ctr" defTabSz="914400" rtl="0" eaLnBrk="1" latinLnBrk="0" hangingPunct="1">
+              <a:lnSpc>
+                <a:spcPct val="90000"/>
+              </a:lnSpc>
+              <a:spcBef>
+                <a:spcPts val="500"/>
+              </a:spcBef>
+              <a:buFont typeface="Arial" panose="020B0604020202020204" pitchFamily="34" charset="0"/>
+              <a:buNone/>
+              <a:defRPr sz="1600" kern="1200">
+                <a:solidFill>
+                  <a:schemeClr val="tx1"/>
+                </a:solidFill>
+                <a:latin typeface="+mn-lt"/>
+                <a:ea typeface="+mn-ea"/>
+                <a:cs typeface="+mn-cs"/>
+              </a:defRPr>
+            </a:lvl5pPr>
+            <a:lvl6pPr marL="2286000" indent="0" algn="ctr" defTabSz="914400" rtl="0" eaLnBrk="1" latinLnBrk="0" hangingPunct="1">
+              <a:lnSpc>
+                <a:spcPct val="90000"/>
+              </a:lnSpc>
+              <a:spcBef>
+                <a:spcPts val="500"/>
+              </a:spcBef>
+              <a:buFont typeface="Arial" panose="020B0604020202020204" pitchFamily="34" charset="0"/>
+              <a:buNone/>
+              <a:defRPr sz="1600" kern="1200">
+                <a:solidFill>
+                  <a:schemeClr val="tx1"/>
+                </a:solidFill>
+                <a:latin typeface="+mn-lt"/>
+                <a:ea typeface="+mn-ea"/>
+                <a:cs typeface="+mn-cs"/>
+              </a:defRPr>
+            </a:lvl6pPr>
+            <a:lvl7pPr marL="2743200" indent="0" algn="ctr" defTabSz="914400" rtl="0" eaLnBrk="1" latinLnBrk="0" hangingPunct="1">
+              <a:lnSpc>
+                <a:spcPct val="90000"/>
+              </a:lnSpc>
+              <a:spcBef>
+                <a:spcPts val="500"/>
+              </a:spcBef>
+              <a:buFont typeface="Arial" panose="020B0604020202020204" pitchFamily="34" charset="0"/>
+              <a:buNone/>
+              <a:defRPr sz="1600" kern="1200">
+                <a:solidFill>
+                  <a:schemeClr val="tx1"/>
+                </a:solidFill>
+                <a:latin typeface="+mn-lt"/>
+                <a:ea typeface="+mn-ea"/>
+                <a:cs typeface="+mn-cs"/>
+              </a:defRPr>
+            </a:lvl7pPr>
+            <a:lvl8pPr marL="3200400" indent="0" algn="ctr" defTabSz="914400" rtl="0" eaLnBrk="1" latinLnBrk="0" hangingPunct="1">
+              <a:lnSpc>
+                <a:spcPct val="90000"/>
+              </a:lnSpc>
+              <a:spcBef>
+                <a:spcPts val="500"/>
+              </a:spcBef>
+              <a:buFont typeface="Arial" panose="020B0604020202020204" pitchFamily="34" charset="0"/>
+              <a:buNone/>
+              <a:defRPr sz="1600" kern="1200">
+                <a:solidFill>
+                  <a:schemeClr val="tx1"/>
+                </a:solidFill>
+                <a:latin typeface="+mn-lt"/>
+                <a:ea typeface="+mn-ea"/>
+                <a:cs typeface="+mn-cs"/>
+              </a:defRPr>
+            </a:lvl8pPr>
+            <a:lvl9pPr marL="3657600" indent="0" algn="ctr" defTabSz="914400" rtl="0" eaLnBrk="1" latinLnBrk="0" hangingPunct="1">
+              <a:lnSpc>
+                <a:spcPct val="90000"/>
+              </a:lnSpc>
+              <a:spcBef>
+                <a:spcPts val="500"/>
+              </a:spcBef>
+              <a:buFont typeface="Arial" panose="020B0604020202020204" pitchFamily="34" charset="0"/>
+              <a:buNone/>
+              <a:defRPr sz="1600" kern="1200">
+                <a:solidFill>
+                  <a:schemeClr val="tx1"/>
+                </a:solidFill>
+                <a:latin typeface="+mn-lt"/>
+                <a:ea typeface="+mn-ea"/>
+                <a:cs typeface="+mn-cs"/>
+              </a:defRPr>
+            </a:lvl9pPr>
+          </a:lstStyle>
+          <a:p>
+            <a:pPr marL="514350" indent="-514350" algn="l">
+              <a:buFont typeface="+mj-lt"/>
+              <a:buAutoNum type="arabicPeriod"/>
+            </a:pPr>
+            <a:r>
+              <a:rPr lang="fr-FR" sz="2800"/>
+              <a:t>hexagonális fázis</a:t>
+            </a:r>
+          </a:p>
+          <a:p>
+            <a:pPr marL="514350" indent="-514350" algn="l">
+              <a:buFont typeface="+mj-lt"/>
+              <a:buAutoNum type="arabicPeriod"/>
+            </a:pPr>
+            <a:r>
+              <a:rPr lang="fr-FR" sz="2800"/>
+              <a:t>micellaris (cubic) fázis</a:t>
+            </a:r>
+          </a:p>
+          <a:p>
+            <a:pPr marL="514350" indent="-514350" algn="l">
+              <a:buFont typeface="+mj-lt"/>
+              <a:buAutoNum type="arabicPeriod"/>
+            </a:pPr>
+            <a:r>
+              <a:rPr lang="fr-FR" sz="2800"/>
+              <a:t>lamelláris fázis </a:t>
+            </a:r>
           </a:p>
         </p:txBody>
       </p:sp>
     </p:spTree>
     <p:extLst>
       <p:ext uri="{BB962C8B-B14F-4D97-AF65-F5344CB8AC3E}">
-        <p14:creationId xmlns:p14="http://schemas.microsoft.com/office/powerpoint/2010/main" val="550498944"/>
+        <p14:creationId xmlns:p14="http://schemas.microsoft.com/office/powerpoint/2010/main" val="1097087580"/>
       </p:ext>
     </p:extLst>
   </p:cSld>
   <p:clrMapOvr>
-    <a:masterClrMapping/>
+    <a:overrideClrMapping bg1="dk1" tx1="lt1" bg2="dk2" tx2="lt2" accent1="accent1" accent2="accent2" accent3="accent3" accent4="accent4" accent5="accent5" accent6="accent6" hlink="hlink" folHlink="folHlink"/>
   </p:clrMapOvr>
 </p:sld>
 </file>
@@ -23857,6 +24398,14 @@
 <file path=ppt/slides/slide35.xml><?xml version="1.0" encoding="utf-8"?>
 <p:sld xmlns:a="http://schemas.openxmlformats.org/drawingml/2006/main" xmlns:r="http://schemas.openxmlformats.org/officeDocument/2006/relationships" xmlns:p="http://schemas.openxmlformats.org/presentationml/2006/main">
   <p:cSld>
+    <p:bg>
+      <p:bgPr>
+        <a:solidFill>
+          <a:schemeClr val="bg1"/>
+        </a:solidFill>
+        <a:effectLst/>
+      </p:bgPr>
+    </p:bg>
     <p:spTree>
       <p:nvGrpSpPr>
         <p:cNvPr id="1" name=""/>
@@ -23873,146 +24422,440 @@
       </p:grpSpPr>
       <p:sp>
         <p:nvSpPr>
-          <p:cNvPr id="2" name="Cím 1">
+          <p:cNvPr id="20" name="Rectangle 19">
             <a:extLst>
               <a:ext uri="{FF2B5EF4-FFF2-40B4-BE49-F238E27FC236}">
-                <a16:creationId xmlns:a16="http://schemas.microsoft.com/office/drawing/2014/main" id="{4C760284-C564-4A96-840E-8FBEFFBC45C4}"/>
+                <a16:creationId xmlns:a16="http://schemas.microsoft.com/office/drawing/2014/main" id="{9228552E-C8B1-4A80-8448-0787CE0FC704}"/>
+              </a:ext>
+              <a:ext uri="{C183D7F6-B498-43B3-948B-1728B52AA6E4}">
+                <adec:decorative xmlns:adec="http://schemas.microsoft.com/office/drawing/2017/decorative" val="1"/>
               </a:ext>
             </a:extLst>
           </p:cNvPr>
           <p:cNvSpPr>
-            <a:spLocks noGrp="1"/>
+            <a:spLocks noGrp="1" noRot="1" noChangeAspect="1" noMove="1" noResize="1" noEditPoints="1" noAdjustHandles="1" noChangeArrowheads="1" noChangeShapeType="1" noTextEdit="1"/>
           </p:cNvSpPr>
           <p:nvPr>
-            <p:ph type="title"/>
+            <p:extLst>
+              <p:ext uri="{386F3935-93C4-4BCD-93E2-E3B085C9AB24}">
+                <p16:designElem xmlns:p16="http://schemas.microsoft.com/office/powerpoint/2015/main" val="1"/>
+              </p:ext>
+            </p:extLst>
           </p:nvPr>
         </p:nvSpPr>
-        <p:spPr/>
+        <p:spPr>
+          <a:xfrm>
+            <a:off x="0" y="0"/>
+            <a:ext cx="12192000" cy="6858000"/>
+          </a:xfrm>
+          <a:prstGeom prst="rect">
+            <a:avLst/>
+          </a:prstGeom>
+          <a:solidFill>
+            <a:srgbClr val="000000"/>
+          </a:solidFill>
+          <a:ln>
+            <a:noFill/>
+          </a:ln>
+        </p:spPr>
+        <p:style>
+          <a:lnRef idx="2">
+            <a:schemeClr val="accent1">
+              <a:shade val="50000"/>
+            </a:schemeClr>
+          </a:lnRef>
+          <a:fillRef idx="1">
+            <a:schemeClr val="accent1"/>
+          </a:fillRef>
+          <a:effectRef idx="0">
+            <a:schemeClr val="accent1"/>
+          </a:effectRef>
+          <a:fontRef idx="minor">
+            <a:schemeClr val="lt1"/>
+          </a:fontRef>
+        </p:style>
         <p:txBody>
-          <a:bodyPr/>
+          <a:bodyPr rtlCol="0" anchor="ctr"/>
           <a:lstStyle/>
           <a:p>
-            <a:r>
-              <a:rPr lang="hu-HU" dirty="0">
-                <a:highlight>
-                  <a:srgbClr val="FFFF00"/>
-                </a:highlight>
-              </a:rPr>
-              <a:t>Hajtóerők a folyadékkristályok képződésében</a:t>
-            </a:r>
+            <a:pPr algn="ctr"/>
+            <a:endParaRPr lang="en-US"/>
+          </a:p>
+        </p:txBody>
+      </p:sp>
+      <p:pic>
+        <p:nvPicPr>
+          <p:cNvPr id="5" name="Picture 4" descr="Barista holding portafilter filled with coffee beans">
+            <a:extLst>
+              <a:ext uri="{FF2B5EF4-FFF2-40B4-BE49-F238E27FC236}">
+                <a16:creationId xmlns:a16="http://schemas.microsoft.com/office/drawing/2014/main" id="{6A27F853-D1D2-48E4-B404-E40EDACA60A4}"/>
+              </a:ext>
+            </a:extLst>
+          </p:cNvPr>
+          <p:cNvPicPr>
+            <a:picLocks noChangeAspect="1"/>
+          </p:cNvPicPr>
+          <p:nvPr/>
+        </p:nvPicPr>
+        <p:blipFill rotWithShape="1">
+          <a:blip r:embed="rId2">
+            <a:alphaModFix amt="35000"/>
+            <a:extLst>
+              <a:ext uri="{28A0092B-C50C-407E-A947-70E740481C1C}">
+                <a14:useLocalDpi xmlns:a14="http://schemas.microsoft.com/office/drawing/2010/main" val="0"/>
+              </a:ext>
+            </a:extLst>
+          </a:blip>
+          <a:srcRect t="9887" b="5527"/>
+          <a:stretch/>
+        </p:blipFill>
+        <p:spPr>
+          <a:xfrm>
+            <a:off x="20" y="1"/>
+            <a:ext cx="12191980" cy="6857999"/>
+          </a:xfrm>
+          <a:prstGeom prst="rect">
+            <a:avLst/>
+          </a:prstGeom>
+        </p:spPr>
+      </p:pic>
+      <p:sp>
+        <p:nvSpPr>
+          <p:cNvPr id="7" name="Cím 1">
+            <a:extLst>
+              <a:ext uri="{FF2B5EF4-FFF2-40B4-BE49-F238E27FC236}">
+                <a16:creationId xmlns:a16="http://schemas.microsoft.com/office/drawing/2014/main" id="{6D86A37F-98BB-40A0-AF46-BA3A5E99A3D4}"/>
+              </a:ext>
+            </a:extLst>
+          </p:cNvPr>
+          <p:cNvSpPr txBox="1">
+            <a:spLocks/>
+          </p:cNvSpPr>
+          <p:nvPr/>
+        </p:nvSpPr>
+        <p:spPr>
+          <a:xfrm>
+            <a:off x="838200" y="365125"/>
+            <a:ext cx="10515600" cy="1325563"/>
+          </a:xfrm>
+          <a:prstGeom prst="rect">
+            <a:avLst/>
+          </a:prstGeom>
+        </p:spPr>
+        <p:txBody>
+          <a:bodyPr vert="horz" lIns="91440" tIns="45720" rIns="91440" bIns="45720" rtlCol="0" anchor="ctr">
+            <a:normAutofit/>
+          </a:bodyPr>
+          <a:lstStyle>
+            <a:lvl1pPr algn="ctr" defTabSz="914400" rtl="0" eaLnBrk="1" latinLnBrk="0" hangingPunct="1">
+              <a:lnSpc>
+                <a:spcPct val="90000"/>
+              </a:lnSpc>
+              <a:spcBef>
+                <a:spcPct val="0"/>
+              </a:spcBef>
+              <a:buNone/>
+              <a:defRPr sz="6000" kern="1200">
+                <a:solidFill>
+                  <a:schemeClr val="tx1"/>
+                </a:solidFill>
+                <a:latin typeface="+mj-lt"/>
+                <a:ea typeface="+mj-ea"/>
+                <a:cs typeface="+mj-cs"/>
+              </a:defRPr>
+            </a:lvl1pPr>
+          </a:lstStyle>
+          <a:p>
+            <a:pPr algn="l">
+              <a:spcAft>
+                <a:spcPts val="600"/>
+              </a:spcAft>
+            </a:pPr>
+            <a:r>
+              <a:rPr lang="en-GB" sz="4400"/>
+              <a:t>hajtóerők a folyadékkristályok képződésében</a:t>
+            </a:r>
+            <a:endParaRPr lang="en-US" sz="4400">
+              <a:solidFill>
+                <a:srgbClr val="FFFFFF"/>
+              </a:solidFill>
+            </a:endParaRPr>
           </a:p>
         </p:txBody>
       </p:sp>
       <p:sp>
         <p:nvSpPr>
-          <p:cNvPr id="3" name="Tartalom helye 2">
+          <p:cNvPr id="11" name="Tartalom helye 2">
             <a:extLst>
               <a:ext uri="{FF2B5EF4-FFF2-40B4-BE49-F238E27FC236}">
-                <a16:creationId xmlns:a16="http://schemas.microsoft.com/office/drawing/2014/main" id="{8A6F6CA0-B927-4BE5-ACA5-120F673E1DCF}"/>
+                <a16:creationId xmlns:a16="http://schemas.microsoft.com/office/drawing/2014/main" id="{CCF008F7-AA23-455A-9E72-EE6BD4B53801}"/>
               </a:ext>
             </a:extLst>
           </p:cNvPr>
-          <p:cNvSpPr>
-            <a:spLocks noGrp="1"/>
+          <p:cNvSpPr txBox="1">
+            <a:spLocks/>
           </p:cNvSpPr>
-          <p:nvPr>
-            <p:ph idx="1"/>
-          </p:nvPr>
+          <p:nvPr/>
         </p:nvSpPr>
-        <p:spPr/>
+        <p:spPr>
+          <a:xfrm>
+            <a:off x="838200" y="1825625"/>
+            <a:ext cx="10515600" cy="4351338"/>
+          </a:xfrm>
+          <a:prstGeom prst="rect">
+            <a:avLst/>
+          </a:prstGeom>
+        </p:spPr>
         <p:txBody>
-          <a:bodyPr/>
-          <a:lstStyle/>
-          <a:p>
-            <a:r>
-              <a:rPr lang="hu-HU" dirty="0"/>
-              <a:t>Kritikus csomag paraméter (</a:t>
-            </a:r>
-            <a:r>
-              <a:rPr lang="hu-HU" dirty="0" err="1"/>
-              <a:t>crtical</a:t>
-            </a:r>
-            <a:r>
-              <a:rPr lang="hu-HU" dirty="0"/>
-              <a:t> </a:t>
-            </a:r>
-            <a:r>
-              <a:rPr lang="hu-HU" dirty="0" err="1"/>
-              <a:t>packing</a:t>
-            </a:r>
-            <a:r>
-              <a:rPr lang="hu-HU" dirty="0"/>
-              <a:t> paraméter) használata  az aggregált szerkezet alakjának becsléséhez</a:t>
-            </a:r>
-          </a:p>
-          <a:p>
-            <a:r>
-              <a:rPr lang="hu-HU" dirty="0"/>
-              <a:t>Gömb alakú micellát alkossa n darab monomer</a:t>
-            </a:r>
-          </a:p>
-          <a:p>
-            <a:r>
-              <a:rPr lang="hu-HU" dirty="0"/>
-              <a:t>Micella térfogata:   4/3 π r</a:t>
-            </a:r>
-            <a:r>
-              <a:rPr lang="hu-HU" baseline="30000" dirty="0"/>
+          <a:bodyPr vert="horz" lIns="91440" tIns="45720" rIns="91440" bIns="45720" rtlCol="0">
+            <a:normAutofit/>
+          </a:bodyPr>
+          <a:lstStyle>
+            <a:lvl1pPr marL="0" indent="0" algn="ctr" defTabSz="914400" rtl="0" eaLnBrk="1" latinLnBrk="0" hangingPunct="1">
+              <a:lnSpc>
+                <a:spcPct val="90000"/>
+              </a:lnSpc>
+              <a:spcBef>
+                <a:spcPts val="1000"/>
+              </a:spcBef>
+              <a:buFont typeface="Arial" panose="020B0604020202020204" pitchFamily="34" charset="0"/>
+              <a:buNone/>
+              <a:defRPr sz="2400" kern="1200">
+                <a:solidFill>
+                  <a:schemeClr val="tx1"/>
+                </a:solidFill>
+                <a:latin typeface="+mn-lt"/>
+                <a:ea typeface="+mn-ea"/>
+                <a:cs typeface="+mn-cs"/>
+              </a:defRPr>
+            </a:lvl1pPr>
+            <a:lvl2pPr marL="457200" indent="0" algn="ctr" defTabSz="914400" rtl="0" eaLnBrk="1" latinLnBrk="0" hangingPunct="1">
+              <a:lnSpc>
+                <a:spcPct val="90000"/>
+              </a:lnSpc>
+              <a:spcBef>
+                <a:spcPts val="500"/>
+              </a:spcBef>
+              <a:buFont typeface="Arial" panose="020B0604020202020204" pitchFamily="34" charset="0"/>
+              <a:buNone/>
+              <a:defRPr sz="2000" kern="1200">
+                <a:solidFill>
+                  <a:schemeClr val="tx1"/>
+                </a:solidFill>
+                <a:latin typeface="+mn-lt"/>
+                <a:ea typeface="+mn-ea"/>
+                <a:cs typeface="+mn-cs"/>
+              </a:defRPr>
+            </a:lvl2pPr>
+            <a:lvl3pPr marL="914400" indent="0" algn="ctr" defTabSz="914400" rtl="0" eaLnBrk="1" latinLnBrk="0" hangingPunct="1">
+              <a:lnSpc>
+                <a:spcPct val="90000"/>
+              </a:lnSpc>
+              <a:spcBef>
+                <a:spcPts val="500"/>
+              </a:spcBef>
+              <a:buFont typeface="Arial" panose="020B0604020202020204" pitchFamily="34" charset="0"/>
+              <a:buNone/>
+              <a:defRPr sz="1800" kern="1200">
+                <a:solidFill>
+                  <a:schemeClr val="tx1"/>
+                </a:solidFill>
+                <a:latin typeface="+mn-lt"/>
+                <a:ea typeface="+mn-ea"/>
+                <a:cs typeface="+mn-cs"/>
+              </a:defRPr>
+            </a:lvl3pPr>
+            <a:lvl4pPr marL="1371600" indent="0" algn="ctr" defTabSz="914400" rtl="0" eaLnBrk="1" latinLnBrk="0" hangingPunct="1">
+              <a:lnSpc>
+                <a:spcPct val="90000"/>
+              </a:lnSpc>
+              <a:spcBef>
+                <a:spcPts val="500"/>
+              </a:spcBef>
+              <a:buFont typeface="Arial" panose="020B0604020202020204" pitchFamily="34" charset="0"/>
+              <a:buNone/>
+              <a:defRPr sz="1600" kern="1200">
+                <a:solidFill>
+                  <a:schemeClr val="tx1"/>
+                </a:solidFill>
+                <a:latin typeface="+mn-lt"/>
+                <a:ea typeface="+mn-ea"/>
+                <a:cs typeface="+mn-cs"/>
+              </a:defRPr>
+            </a:lvl4pPr>
+            <a:lvl5pPr marL="1828800" indent="0" algn="ctr" defTabSz="914400" rtl="0" eaLnBrk="1" latinLnBrk="0" hangingPunct="1">
+              <a:lnSpc>
+                <a:spcPct val="90000"/>
+              </a:lnSpc>
+              <a:spcBef>
+                <a:spcPts val="500"/>
+              </a:spcBef>
+              <a:buFont typeface="Arial" panose="020B0604020202020204" pitchFamily="34" charset="0"/>
+              <a:buNone/>
+              <a:defRPr sz="1600" kern="1200">
+                <a:solidFill>
+                  <a:schemeClr val="tx1"/>
+                </a:solidFill>
+                <a:latin typeface="+mn-lt"/>
+                <a:ea typeface="+mn-ea"/>
+                <a:cs typeface="+mn-cs"/>
+              </a:defRPr>
+            </a:lvl5pPr>
+            <a:lvl6pPr marL="2286000" indent="0" algn="ctr" defTabSz="914400" rtl="0" eaLnBrk="1" latinLnBrk="0" hangingPunct="1">
+              <a:lnSpc>
+                <a:spcPct val="90000"/>
+              </a:lnSpc>
+              <a:spcBef>
+                <a:spcPts val="500"/>
+              </a:spcBef>
+              <a:buFont typeface="Arial" panose="020B0604020202020204" pitchFamily="34" charset="0"/>
+              <a:buNone/>
+              <a:defRPr sz="1600" kern="1200">
+                <a:solidFill>
+                  <a:schemeClr val="tx1"/>
+                </a:solidFill>
+                <a:latin typeface="+mn-lt"/>
+                <a:ea typeface="+mn-ea"/>
+                <a:cs typeface="+mn-cs"/>
+              </a:defRPr>
+            </a:lvl6pPr>
+            <a:lvl7pPr marL="2743200" indent="0" algn="ctr" defTabSz="914400" rtl="0" eaLnBrk="1" latinLnBrk="0" hangingPunct="1">
+              <a:lnSpc>
+                <a:spcPct val="90000"/>
+              </a:lnSpc>
+              <a:spcBef>
+                <a:spcPts val="500"/>
+              </a:spcBef>
+              <a:buFont typeface="Arial" panose="020B0604020202020204" pitchFamily="34" charset="0"/>
+              <a:buNone/>
+              <a:defRPr sz="1600" kern="1200">
+                <a:solidFill>
+                  <a:schemeClr val="tx1"/>
+                </a:solidFill>
+                <a:latin typeface="+mn-lt"/>
+                <a:ea typeface="+mn-ea"/>
+                <a:cs typeface="+mn-cs"/>
+              </a:defRPr>
+            </a:lvl7pPr>
+            <a:lvl8pPr marL="3200400" indent="0" algn="ctr" defTabSz="914400" rtl="0" eaLnBrk="1" latinLnBrk="0" hangingPunct="1">
+              <a:lnSpc>
+                <a:spcPct val="90000"/>
+              </a:lnSpc>
+              <a:spcBef>
+                <a:spcPts val="500"/>
+              </a:spcBef>
+              <a:buFont typeface="Arial" panose="020B0604020202020204" pitchFamily="34" charset="0"/>
+              <a:buNone/>
+              <a:defRPr sz="1600" kern="1200">
+                <a:solidFill>
+                  <a:schemeClr val="tx1"/>
+                </a:solidFill>
+                <a:latin typeface="+mn-lt"/>
+                <a:ea typeface="+mn-ea"/>
+                <a:cs typeface="+mn-cs"/>
+              </a:defRPr>
+            </a:lvl8pPr>
+            <a:lvl9pPr marL="3657600" indent="0" algn="ctr" defTabSz="914400" rtl="0" eaLnBrk="1" latinLnBrk="0" hangingPunct="1">
+              <a:lnSpc>
+                <a:spcPct val="90000"/>
+              </a:lnSpc>
+              <a:spcBef>
+                <a:spcPts val="500"/>
+              </a:spcBef>
+              <a:buFont typeface="Arial" panose="020B0604020202020204" pitchFamily="34" charset="0"/>
+              <a:buNone/>
+              <a:defRPr sz="1600" kern="1200">
+                <a:solidFill>
+                  <a:schemeClr val="tx1"/>
+                </a:solidFill>
+                <a:latin typeface="+mn-lt"/>
+                <a:ea typeface="+mn-ea"/>
+                <a:cs typeface="+mn-cs"/>
+              </a:defRPr>
+            </a:lvl9pPr>
+          </a:lstStyle>
+          <a:p>
+            <a:pPr marL="514350" indent="-514350" algn="l">
+              <a:buFont typeface="Arial" panose="020B0604020202020204" pitchFamily="34" charset="0"/>
+              <a:buChar char="•"/>
+            </a:pPr>
+            <a:r>
+              <a:rPr lang="fr-FR" sz="2800"/>
+              <a:t>kritikus csomag paraméter (crtical packing paraméter) használata  az aggregált szerkezet alakjának becsléséhez</a:t>
+            </a:r>
+          </a:p>
+          <a:p>
+            <a:pPr marL="514350" indent="-514350" algn="l">
+              <a:buFont typeface="Arial" panose="020B0604020202020204" pitchFamily="34" charset="0"/>
+              <a:buChar char="•"/>
+            </a:pPr>
+            <a:r>
+              <a:rPr lang="fr-FR" sz="2800"/>
+              <a:t>gömb alakú micellát alkossa n darab monomer</a:t>
+            </a:r>
+          </a:p>
+          <a:p>
+            <a:pPr marL="514350" indent="-514350" algn="l">
+              <a:buFont typeface="Arial" panose="020B0604020202020204" pitchFamily="34" charset="0"/>
+              <a:buChar char="•"/>
+            </a:pPr>
+            <a:r>
+              <a:rPr lang="fr-FR" sz="2800"/>
+              <a:t>micella térfogata: </a:t>
+            </a:r>
+            <a:r>
+              <a:rPr lang="hu-HU" sz="2800"/>
+              <a:t>4/3 π r</a:t>
+            </a:r>
+            <a:r>
+              <a:rPr lang="hu-HU" sz="2800" baseline="30000"/>
               <a:t>3</a:t>
             </a:r>
             <a:r>
-              <a:rPr lang="hu-HU" dirty="0"/>
-              <a:t>= n v  ahol v egy molekula térfogata</a:t>
-            </a:r>
-          </a:p>
-          <a:p>
-            <a:r>
-              <a:rPr lang="hu-HU" dirty="0" err="1"/>
-              <a:t>Mcella</a:t>
-            </a:r>
-            <a:r>
-              <a:rPr lang="hu-HU" dirty="0"/>
-              <a:t> </a:t>
-            </a:r>
-            <a:r>
-              <a:rPr lang="hu-HU" dirty="0" err="1"/>
-              <a:t>felszine</a:t>
-            </a:r>
-            <a:r>
-              <a:rPr lang="hu-HU" dirty="0"/>
-              <a:t>: 4πr</a:t>
-            </a:r>
-            <a:r>
-              <a:rPr lang="hu-HU" baseline="30000" dirty="0"/>
+              <a:rPr lang="hu-HU" sz="2800"/>
+              <a:t>= n v </a:t>
+            </a:r>
+            <a:r>
+              <a:rPr lang="fr-FR" sz="2800"/>
+              <a:t>ahol v egy molekula térfogata</a:t>
+            </a:r>
+          </a:p>
+          <a:p>
+            <a:pPr marL="514350" indent="-514350" algn="l">
+              <a:buFont typeface="Arial" panose="020B0604020202020204" pitchFamily="34" charset="0"/>
+              <a:buChar char="•"/>
+            </a:pPr>
+            <a:r>
+              <a:rPr lang="fr-FR" sz="2800"/>
+              <a:t>micella felszíne: </a:t>
+            </a:r>
+            <a:r>
+              <a:rPr lang="hu-HU" sz="2800"/>
+              <a:t>4πr</a:t>
+            </a:r>
+            <a:r>
+              <a:rPr lang="hu-HU" sz="2800" baseline="30000"/>
               <a:t>2</a:t>
             </a:r>
             <a:r>
-              <a:rPr lang="hu-HU" dirty="0"/>
+              <a:rPr lang="hu-HU" sz="2800"/>
               <a:t>= n a</a:t>
             </a:r>
             <a:r>
-              <a:rPr lang="hu-HU" baseline="-25000" dirty="0"/>
+              <a:rPr lang="hu-HU" sz="2800" baseline="-25000"/>
               <a:t>0</a:t>
             </a:r>
             <a:r>
-              <a:rPr lang="hu-HU" dirty="0"/>
+              <a:rPr lang="hu-HU" sz="2800"/>
               <a:t> ahol a</a:t>
             </a:r>
             <a:r>
-              <a:rPr lang="hu-HU" baseline="-25000" dirty="0"/>
-              <a:t>0</a:t>
-            </a:r>
-            <a:r>
-              <a:rPr lang="hu-HU" dirty="0"/>
-              <a:t> a </a:t>
-            </a:r>
-            <a:r>
-              <a:rPr lang="hu-HU" dirty="0" err="1"/>
-              <a:t>hidrofiil</a:t>
-            </a:r>
-            <a:r>
-              <a:rPr lang="hu-HU" dirty="0"/>
-              <a:t> fej keresztmetszete</a:t>
+              <a:rPr lang="hu-HU" sz="2800" baseline="-25000"/>
+              <a:t>0 </a:t>
+            </a:r>
+            <a:r>
+              <a:rPr lang="fr-FR" sz="2800"/>
+              <a:t>a hidrofiil fej keresztmetszete</a:t>
             </a:r>
           </a:p>
         </p:txBody>
@@ -24020,12 +24863,12 @@
     </p:spTree>
     <p:extLst>
       <p:ext uri="{BB962C8B-B14F-4D97-AF65-F5344CB8AC3E}">
-        <p14:creationId xmlns:p14="http://schemas.microsoft.com/office/powerpoint/2010/main" val="2975599926"/>
+        <p14:creationId xmlns:p14="http://schemas.microsoft.com/office/powerpoint/2010/main" val="99980184"/>
       </p:ext>
     </p:extLst>
   </p:cSld>
   <p:clrMapOvr>
-    <a:masterClrMapping/>
+    <a:overrideClrMapping bg1="dk1" tx1="lt1" bg2="dk2" tx2="lt2" accent1="accent1" accent2="accent2" accent3="accent3" accent4="accent4" accent5="accent5" accent6="accent6" hlink="hlink" folHlink="folHlink"/>
   </p:clrMapOvr>
 </p:sld>
 </file>
